--- a/presentation/Workshop.pptx
+++ b/presentation/Workshop.pptx
@@ -4,6 +4,9 @@
   <p:sldMasterIdLst>
     <p:sldMasterId id="2147483744" r:id="rId1"/>
   </p:sldMasterIdLst>
+  <p:notesMasterIdLst>
+    <p:notesMasterId r:id="rId23"/>
+  </p:notesMasterIdLst>
   <p:sldIdLst>
     <p:sldId id="256" r:id="rId2"/>
     <p:sldId id="257" r:id="rId3"/>
@@ -16,14 +19,16 @@
     <p:sldId id="265" r:id="rId10"/>
     <p:sldId id="266" r:id="rId11"/>
     <p:sldId id="267" r:id="rId12"/>
-    <p:sldId id="268" r:id="rId13"/>
-    <p:sldId id="269" r:id="rId14"/>
-    <p:sldId id="276" r:id="rId15"/>
-    <p:sldId id="270" r:id="rId16"/>
-    <p:sldId id="277" r:id="rId17"/>
-    <p:sldId id="279" r:id="rId18"/>
-    <p:sldId id="278" r:id="rId19"/>
-    <p:sldId id="272" r:id="rId20"/>
+    <p:sldId id="281" r:id="rId13"/>
+    <p:sldId id="280" r:id="rId14"/>
+    <p:sldId id="268" r:id="rId15"/>
+    <p:sldId id="269" r:id="rId16"/>
+    <p:sldId id="276" r:id="rId17"/>
+    <p:sldId id="270" r:id="rId18"/>
+    <p:sldId id="277" r:id="rId19"/>
+    <p:sldId id="279" r:id="rId20"/>
+    <p:sldId id="278" r:id="rId21"/>
+    <p:sldId id="272" r:id="rId22"/>
   </p:sldIdLst>
   <p:sldSz cx="12192000" cy="6858000"/>
   <p:notesSz cx="6858000" cy="9144000"/>
@@ -130,6 +135,356 @@
 </p:presentation>
 </file>
 
+<file path=ppt/notesMasters/notesMaster1.xml><?xml version="1.0" encoding="utf-8"?>
+<p:notesMaster xmlns:a="http://schemas.openxmlformats.org/drawingml/2006/main" xmlns:r="http://schemas.openxmlformats.org/officeDocument/2006/relationships" xmlns:p="http://schemas.openxmlformats.org/presentationml/2006/main">
+  <p:cSld>
+    <p:bg>
+      <p:bgRef idx="1001">
+        <a:schemeClr val="bg1"/>
+      </p:bgRef>
+    </p:bg>
+    <p:spTree>
+      <p:nvGrpSpPr>
+        <p:cNvPr id="1" name=""/>
+        <p:cNvGrpSpPr/>
+        <p:nvPr/>
+      </p:nvGrpSpPr>
+      <p:grpSpPr>
+        <a:xfrm>
+          <a:off x="0" y="0"/>
+          <a:ext cx="0" cy="0"/>
+          <a:chOff x="0" y="0"/>
+          <a:chExt cx="0" cy="0"/>
+        </a:xfrm>
+      </p:grpSpPr>
+      <p:sp>
+        <p:nvSpPr>
+          <p:cNvPr id="2" name="Header Placeholder 1"/>
+          <p:cNvSpPr>
+            <a:spLocks noGrp="1"/>
+          </p:cNvSpPr>
+          <p:nvPr>
+            <p:ph type="hdr" sz="quarter"/>
+          </p:nvPr>
+        </p:nvSpPr>
+        <p:spPr>
+          <a:xfrm>
+            <a:off x="0" y="0"/>
+            <a:ext cx="2971800" cy="458788"/>
+          </a:xfrm>
+          <a:prstGeom prst="rect">
+            <a:avLst/>
+          </a:prstGeom>
+        </p:spPr>
+        <p:txBody>
+          <a:bodyPr vert="horz" lIns="91440" tIns="45720" rIns="91440" bIns="45720" rtlCol="0"/>
+          <a:lstStyle>
+            <a:lvl1pPr algn="l">
+              <a:defRPr sz="1200"/>
+            </a:lvl1pPr>
+          </a:lstStyle>
+          <a:p>
+            <a:endParaRPr lang="ru-RU"/>
+          </a:p>
+        </p:txBody>
+      </p:sp>
+      <p:sp>
+        <p:nvSpPr>
+          <p:cNvPr id="3" name="Date Placeholder 2"/>
+          <p:cNvSpPr>
+            <a:spLocks noGrp="1"/>
+          </p:cNvSpPr>
+          <p:nvPr>
+            <p:ph type="dt" idx="1"/>
+          </p:nvPr>
+        </p:nvSpPr>
+        <p:spPr>
+          <a:xfrm>
+            <a:off x="3884613" y="0"/>
+            <a:ext cx="2971800" cy="458788"/>
+          </a:xfrm>
+          <a:prstGeom prst="rect">
+            <a:avLst/>
+          </a:prstGeom>
+        </p:spPr>
+        <p:txBody>
+          <a:bodyPr vert="horz" lIns="91440" tIns="45720" rIns="91440" bIns="45720" rtlCol="0"/>
+          <a:lstStyle>
+            <a:lvl1pPr algn="r">
+              <a:defRPr sz="1200"/>
+            </a:lvl1pPr>
+          </a:lstStyle>
+          <a:p>
+            <a:fld id="{14D614CB-68E3-488B-B59E-566D95FF5DEF}" type="datetimeFigureOut">
+              <a:rPr lang="ru-RU" smtClean="0"/>
+              <a:t>16.10.2022</a:t>
+            </a:fld>
+            <a:endParaRPr lang="ru-RU"/>
+          </a:p>
+        </p:txBody>
+      </p:sp>
+      <p:sp>
+        <p:nvSpPr>
+          <p:cNvPr id="4" name="Slide Image Placeholder 3"/>
+          <p:cNvSpPr>
+            <a:spLocks noGrp="1" noRot="1" noChangeAspect="1"/>
+          </p:cNvSpPr>
+          <p:nvPr>
+            <p:ph type="sldImg" idx="2"/>
+          </p:nvPr>
+        </p:nvSpPr>
+        <p:spPr>
+          <a:xfrm>
+            <a:off x="685800" y="1143000"/>
+            <a:ext cx="5486400" cy="3086100"/>
+          </a:xfrm>
+          <a:prstGeom prst="rect">
+            <a:avLst/>
+          </a:prstGeom>
+          <a:noFill/>
+          <a:ln w="12700">
+            <a:solidFill>
+              <a:prstClr val="black"/>
+            </a:solidFill>
+          </a:ln>
+        </p:spPr>
+        <p:txBody>
+          <a:bodyPr vert="horz" lIns="91440" tIns="45720" rIns="91440" bIns="45720" rtlCol="0" anchor="ctr"/>
+          <a:lstStyle/>
+          <a:p>
+            <a:endParaRPr lang="ru-RU"/>
+          </a:p>
+        </p:txBody>
+      </p:sp>
+      <p:sp>
+        <p:nvSpPr>
+          <p:cNvPr id="5" name="Notes Placeholder 4"/>
+          <p:cNvSpPr>
+            <a:spLocks noGrp="1"/>
+          </p:cNvSpPr>
+          <p:nvPr>
+            <p:ph type="body" sz="quarter" idx="3"/>
+          </p:nvPr>
+        </p:nvSpPr>
+        <p:spPr>
+          <a:xfrm>
+            <a:off x="685800" y="4400550"/>
+            <a:ext cx="5486400" cy="3600450"/>
+          </a:xfrm>
+          <a:prstGeom prst="rect">
+            <a:avLst/>
+          </a:prstGeom>
+        </p:spPr>
+        <p:txBody>
+          <a:bodyPr vert="horz" lIns="91440" tIns="45720" rIns="91440" bIns="45720" rtlCol="0"/>
+          <a:lstStyle/>
+          <a:p>
+            <a:pPr lvl="0"/>
+            <a:r>
+              <a:rPr lang="en-US"/>
+              <a:t>Edit Master text styles</a:t>
+            </a:r>
+          </a:p>
+          <a:p>
+            <a:pPr lvl="1"/>
+            <a:r>
+              <a:rPr lang="en-US"/>
+              <a:t>Second level</a:t>
+            </a:r>
+          </a:p>
+          <a:p>
+            <a:pPr lvl="2"/>
+            <a:r>
+              <a:rPr lang="en-US"/>
+              <a:t>Third level</a:t>
+            </a:r>
+          </a:p>
+          <a:p>
+            <a:pPr lvl="3"/>
+            <a:r>
+              <a:rPr lang="en-US"/>
+              <a:t>Fourth level</a:t>
+            </a:r>
+          </a:p>
+          <a:p>
+            <a:pPr lvl="4"/>
+            <a:r>
+              <a:rPr lang="en-US"/>
+              <a:t>Fifth level</a:t>
+            </a:r>
+            <a:endParaRPr lang="ru-RU"/>
+          </a:p>
+        </p:txBody>
+      </p:sp>
+      <p:sp>
+        <p:nvSpPr>
+          <p:cNvPr id="6" name="Footer Placeholder 5"/>
+          <p:cNvSpPr>
+            <a:spLocks noGrp="1"/>
+          </p:cNvSpPr>
+          <p:nvPr>
+            <p:ph type="ftr" sz="quarter" idx="4"/>
+          </p:nvPr>
+        </p:nvSpPr>
+        <p:spPr>
+          <a:xfrm>
+            <a:off x="0" y="8685213"/>
+            <a:ext cx="2971800" cy="458787"/>
+          </a:xfrm>
+          <a:prstGeom prst="rect">
+            <a:avLst/>
+          </a:prstGeom>
+        </p:spPr>
+        <p:txBody>
+          <a:bodyPr vert="horz" lIns="91440" tIns="45720" rIns="91440" bIns="45720" rtlCol="0" anchor="b"/>
+          <a:lstStyle>
+            <a:lvl1pPr algn="l">
+              <a:defRPr sz="1200"/>
+            </a:lvl1pPr>
+          </a:lstStyle>
+          <a:p>
+            <a:endParaRPr lang="ru-RU"/>
+          </a:p>
+        </p:txBody>
+      </p:sp>
+      <p:sp>
+        <p:nvSpPr>
+          <p:cNvPr id="7" name="Slide Number Placeholder 6"/>
+          <p:cNvSpPr>
+            <a:spLocks noGrp="1"/>
+          </p:cNvSpPr>
+          <p:nvPr>
+            <p:ph type="sldNum" sz="quarter" idx="5"/>
+          </p:nvPr>
+        </p:nvSpPr>
+        <p:spPr>
+          <a:xfrm>
+            <a:off x="3884613" y="8685213"/>
+            <a:ext cx="2971800" cy="458787"/>
+          </a:xfrm>
+          <a:prstGeom prst="rect">
+            <a:avLst/>
+          </a:prstGeom>
+        </p:spPr>
+        <p:txBody>
+          <a:bodyPr vert="horz" lIns="91440" tIns="45720" rIns="91440" bIns="45720" rtlCol="0" anchor="b"/>
+          <a:lstStyle>
+            <a:lvl1pPr algn="r">
+              <a:defRPr sz="1200"/>
+            </a:lvl1pPr>
+          </a:lstStyle>
+          <a:p>
+            <a:fld id="{4390FECD-63D5-4E8D-8073-22D76023750B}" type="slidenum">
+              <a:rPr lang="ru-RU" smtClean="0"/>
+              <a:t>‹#›</a:t>
+            </a:fld>
+            <a:endParaRPr lang="ru-RU"/>
+          </a:p>
+        </p:txBody>
+      </p:sp>
+    </p:spTree>
+    <p:extLst>
+      <p:ext uri="{BB962C8B-B14F-4D97-AF65-F5344CB8AC3E}">
+        <p14:creationId xmlns:p14="http://schemas.microsoft.com/office/powerpoint/2010/main" val="807770056"/>
+      </p:ext>
+    </p:extLst>
+  </p:cSld>
+  <p:clrMap bg1="lt1" tx1="dk1" bg2="lt2" tx2="dk2" accent1="accent1" accent2="accent2" accent3="accent3" accent4="accent4" accent5="accent5" accent6="accent6" hlink="hlink" folHlink="folHlink"/>
+  <p:notesStyle>
+    <a:lvl1pPr marL="0" algn="l" defTabSz="914400" rtl="0" eaLnBrk="1" latinLnBrk="0" hangingPunct="1">
+      <a:defRPr sz="1200" kern="1200">
+        <a:solidFill>
+          <a:schemeClr val="tx1"/>
+        </a:solidFill>
+        <a:latin typeface="+mn-lt"/>
+        <a:ea typeface="+mn-ea"/>
+        <a:cs typeface="+mn-cs"/>
+      </a:defRPr>
+    </a:lvl1pPr>
+    <a:lvl2pPr marL="457200" algn="l" defTabSz="914400" rtl="0" eaLnBrk="1" latinLnBrk="0" hangingPunct="1">
+      <a:defRPr sz="1200" kern="1200">
+        <a:solidFill>
+          <a:schemeClr val="tx1"/>
+        </a:solidFill>
+        <a:latin typeface="+mn-lt"/>
+        <a:ea typeface="+mn-ea"/>
+        <a:cs typeface="+mn-cs"/>
+      </a:defRPr>
+    </a:lvl2pPr>
+    <a:lvl3pPr marL="914400" algn="l" defTabSz="914400" rtl="0" eaLnBrk="1" latinLnBrk="0" hangingPunct="1">
+      <a:defRPr sz="1200" kern="1200">
+        <a:solidFill>
+          <a:schemeClr val="tx1"/>
+        </a:solidFill>
+        <a:latin typeface="+mn-lt"/>
+        <a:ea typeface="+mn-ea"/>
+        <a:cs typeface="+mn-cs"/>
+      </a:defRPr>
+    </a:lvl3pPr>
+    <a:lvl4pPr marL="1371600" algn="l" defTabSz="914400" rtl="0" eaLnBrk="1" latinLnBrk="0" hangingPunct="1">
+      <a:defRPr sz="1200" kern="1200">
+        <a:solidFill>
+          <a:schemeClr val="tx1"/>
+        </a:solidFill>
+        <a:latin typeface="+mn-lt"/>
+        <a:ea typeface="+mn-ea"/>
+        <a:cs typeface="+mn-cs"/>
+      </a:defRPr>
+    </a:lvl4pPr>
+    <a:lvl5pPr marL="1828800" algn="l" defTabSz="914400" rtl="0" eaLnBrk="1" latinLnBrk="0" hangingPunct="1">
+      <a:defRPr sz="1200" kern="1200">
+        <a:solidFill>
+          <a:schemeClr val="tx1"/>
+        </a:solidFill>
+        <a:latin typeface="+mn-lt"/>
+        <a:ea typeface="+mn-ea"/>
+        <a:cs typeface="+mn-cs"/>
+      </a:defRPr>
+    </a:lvl5pPr>
+    <a:lvl6pPr marL="2286000" algn="l" defTabSz="914400" rtl="0" eaLnBrk="1" latinLnBrk="0" hangingPunct="1">
+      <a:defRPr sz="1200" kern="1200">
+        <a:solidFill>
+          <a:schemeClr val="tx1"/>
+        </a:solidFill>
+        <a:latin typeface="+mn-lt"/>
+        <a:ea typeface="+mn-ea"/>
+        <a:cs typeface="+mn-cs"/>
+      </a:defRPr>
+    </a:lvl6pPr>
+    <a:lvl7pPr marL="2743200" algn="l" defTabSz="914400" rtl="0" eaLnBrk="1" latinLnBrk="0" hangingPunct="1">
+      <a:defRPr sz="1200" kern="1200">
+        <a:solidFill>
+          <a:schemeClr val="tx1"/>
+        </a:solidFill>
+        <a:latin typeface="+mn-lt"/>
+        <a:ea typeface="+mn-ea"/>
+        <a:cs typeface="+mn-cs"/>
+      </a:defRPr>
+    </a:lvl7pPr>
+    <a:lvl8pPr marL="3200400" algn="l" defTabSz="914400" rtl="0" eaLnBrk="1" latinLnBrk="0" hangingPunct="1">
+      <a:defRPr sz="1200" kern="1200">
+        <a:solidFill>
+          <a:schemeClr val="tx1"/>
+        </a:solidFill>
+        <a:latin typeface="+mn-lt"/>
+        <a:ea typeface="+mn-ea"/>
+        <a:cs typeface="+mn-cs"/>
+      </a:defRPr>
+    </a:lvl8pPr>
+    <a:lvl9pPr marL="3657600" algn="l" defTabSz="914400" rtl="0" eaLnBrk="1" latinLnBrk="0" hangingPunct="1">
+      <a:defRPr sz="1200" kern="1200">
+        <a:solidFill>
+          <a:schemeClr val="tx1"/>
+        </a:solidFill>
+        <a:latin typeface="+mn-lt"/>
+        <a:ea typeface="+mn-ea"/>
+        <a:cs typeface="+mn-cs"/>
+      </a:defRPr>
+    </a:lvl9pPr>
+  </p:notesStyle>
+</p:notesMaster>
+</file>
+
 <file path=ppt/slideLayouts/slideLayout1.xml><?xml version="1.0" encoding="utf-8"?>
 <p:sldLayout xmlns:a="http://schemas.openxmlformats.org/drawingml/2006/main" xmlns:r="http://schemas.openxmlformats.org/officeDocument/2006/relationships" xmlns:p="http://schemas.openxmlformats.org/presentationml/2006/main" showMasterSp="0" type="title" preserve="1">
   <p:cSld name="Title Slide">
@@ -533,7 +888,7 @@
           <a:p>
             <a:fld id="{7CD77A28-62FA-4A1C-955D-4EB5AA405F1C}" type="datetimeFigureOut">
               <a:rPr lang="ru-RU" smtClean="0"/>
-              <a:t>21.09.2022</a:t>
+              <a:t>16.10.2022</a:t>
             </a:fld>
             <a:endParaRPr lang="ru-RU" dirty="0"/>
           </a:p>
@@ -712,7 +1067,7 @@
           <a:p>
             <a:fld id="{7CD77A28-62FA-4A1C-955D-4EB5AA405F1C}" type="datetimeFigureOut">
               <a:rPr lang="ru-RU" smtClean="0"/>
-              <a:t>21.09.2022</a:t>
+              <a:t>16.10.2022</a:t>
             </a:fld>
             <a:endParaRPr lang="ru-RU" dirty="0"/>
           </a:p>
@@ -892,7 +1247,7 @@
           <a:p>
             <a:fld id="{7CD77A28-62FA-4A1C-955D-4EB5AA405F1C}" type="datetimeFigureOut">
               <a:rPr lang="ru-RU" smtClean="0"/>
-              <a:t>21.09.2022</a:t>
+              <a:t>16.10.2022</a:t>
             </a:fld>
             <a:endParaRPr lang="ru-RU" dirty="0"/>
           </a:p>
@@ -1062,7 +1417,7 @@
           <a:p>
             <a:fld id="{7CD77A28-62FA-4A1C-955D-4EB5AA405F1C}" type="datetimeFigureOut">
               <a:rPr lang="ru-RU" smtClean="0"/>
-              <a:t>21.09.2022</a:t>
+              <a:t>16.10.2022</a:t>
             </a:fld>
             <a:endParaRPr lang="ru-RU" dirty="0"/>
           </a:p>
@@ -1375,7 +1730,7 @@
           <a:p>
             <a:fld id="{7CD77A28-62FA-4A1C-955D-4EB5AA405F1C}" type="datetimeFigureOut">
               <a:rPr lang="ru-RU" smtClean="0"/>
-              <a:t>21.09.2022</a:t>
+              <a:t>16.10.2022</a:t>
             </a:fld>
             <a:endParaRPr lang="ru-RU" dirty="0"/>
           </a:p>
@@ -1761,7 +2116,7 @@
           <a:p>
             <a:fld id="{7CD77A28-62FA-4A1C-955D-4EB5AA405F1C}" type="datetimeFigureOut">
               <a:rPr lang="ru-RU" smtClean="0"/>
-              <a:t>21.09.2022</a:t>
+              <a:t>16.10.2022</a:t>
             </a:fld>
             <a:endParaRPr lang="ru-RU" dirty="0"/>
           </a:p>
@@ -2195,7 +2550,7 @@
           <a:p>
             <a:fld id="{7CD77A28-62FA-4A1C-955D-4EB5AA405F1C}" type="datetimeFigureOut">
               <a:rPr lang="ru-RU" smtClean="0"/>
-              <a:t>21.09.2022</a:t>
+              <a:t>16.10.2022</a:t>
             </a:fld>
             <a:endParaRPr lang="ru-RU" dirty="0"/>
           </a:p>
@@ -2313,7 +2668,7 @@
           <a:p>
             <a:fld id="{7CD77A28-62FA-4A1C-955D-4EB5AA405F1C}" type="datetimeFigureOut">
               <a:rPr lang="ru-RU" smtClean="0"/>
-              <a:t>21.09.2022</a:t>
+              <a:t>16.10.2022</a:t>
             </a:fld>
             <a:endParaRPr lang="ru-RU" dirty="0"/>
           </a:p>
@@ -2408,7 +2763,7 @@
           <a:p>
             <a:fld id="{7CD77A28-62FA-4A1C-955D-4EB5AA405F1C}" type="datetimeFigureOut">
               <a:rPr lang="ru-RU" smtClean="0"/>
-              <a:t>21.09.2022</a:t>
+              <a:t>16.10.2022</a:t>
             </a:fld>
             <a:endParaRPr lang="ru-RU" dirty="0"/>
           </a:p>
@@ -2758,7 +3113,7 @@
           <a:p>
             <a:fld id="{7CD77A28-62FA-4A1C-955D-4EB5AA405F1C}" type="datetimeFigureOut">
               <a:rPr lang="ru-RU" smtClean="0"/>
-              <a:t>21.09.2022</a:t>
+              <a:t>16.10.2022</a:t>
             </a:fld>
             <a:endParaRPr lang="ru-RU" dirty="0"/>
           </a:p>
@@ -3182,7 +3537,7 @@
           <a:p>
             <a:fld id="{7CD77A28-62FA-4A1C-955D-4EB5AA405F1C}" type="datetimeFigureOut">
               <a:rPr lang="ru-RU" smtClean="0"/>
-              <a:t>21.09.2022</a:t>
+              <a:t>16.10.2022</a:t>
             </a:fld>
             <a:endParaRPr lang="ru-RU" dirty="0"/>
           </a:p>
@@ -3463,7 +3818,7 @@
           <a:p>
             <a:fld id="{7CD77A28-62FA-4A1C-955D-4EB5AA405F1C}" type="datetimeFigureOut">
               <a:rPr lang="ru-RU" smtClean="0"/>
-              <a:t>21.09.2022</a:t>
+              <a:t>16.10.2022</a:t>
             </a:fld>
             <a:endParaRPr lang="ru-RU" dirty="0"/>
           </a:p>
@@ -4290,77 +4645,68 @@
                 <a:ea typeface="DejaVu Sans" pitchFamily="2"/>
                 <a:cs typeface="DejaVu Sans" pitchFamily="2"/>
               </a:rPr>
-              <a:t>Блок 2: Теория: Union vs union all</a:t>
+              <a:t>Блок 2: Теория: </a:t>
+            </a:r>
+            <a:r>
+              <a:rPr lang="ru-RU" sz="2000" dirty="0">
+                <a:ea typeface="DejaVu Sans" pitchFamily="2"/>
+                <a:cs typeface="DejaVu Sans" pitchFamily="2"/>
+              </a:rPr>
+              <a:t>Виды физических </a:t>
+            </a:r>
+            <a:r>
+              <a:rPr lang="ru-RU" sz="2000" dirty="0" err="1">
+                <a:ea typeface="DejaVu Sans" pitchFamily="2"/>
+                <a:cs typeface="DejaVu Sans" pitchFamily="2"/>
+              </a:rPr>
+              <a:t>join</a:t>
+            </a:r>
+            <a:r>
+              <a:rPr lang="ru-RU" sz="2000" dirty="0">
+                <a:ea typeface="DejaVu Sans" pitchFamily="2"/>
+                <a:cs typeface="DejaVu Sans" pitchFamily="2"/>
+              </a:rPr>
+              <a:t> и какой выбрать</a:t>
             </a:r>
             <a:endParaRPr lang="ru-RU" dirty="0"/>
           </a:p>
         </p:txBody>
       </p:sp>
-      <p:sp>
-        <p:nvSpPr>
-          <p:cNvPr id="3" name="Content Placeholder 2">
+      <p:pic>
+        <p:nvPicPr>
+          <p:cNvPr id="5" name="Content Placeholder 4">
             <a:extLst>
               <a:ext uri="{FF2B5EF4-FFF2-40B4-BE49-F238E27FC236}">
-                <a16:creationId xmlns:a16="http://schemas.microsoft.com/office/drawing/2014/main" id="{8E65D122-F661-4641-A255-7626711E7581}"/>
+                <a16:creationId xmlns:a16="http://schemas.microsoft.com/office/drawing/2014/main" id="{702994F9-4673-4100-9863-8E6293A4763B}"/>
               </a:ext>
             </a:extLst>
           </p:cNvPr>
-          <p:cNvSpPr>
-            <a:spLocks noGrp="1"/>
-          </p:cNvSpPr>
+          <p:cNvPicPr>
+            <a:picLocks noGrp="1" noChangeAspect="1"/>
+          </p:cNvPicPr>
           <p:nvPr>
             <p:ph idx="1"/>
           </p:nvPr>
-        </p:nvSpPr>
-        <p:spPr/>
-        <p:txBody>
-          <a:bodyPr/>
-          <a:lstStyle/>
-          <a:p>
-            <a:pPr lvl="0">
-              <a:buClr>
-                <a:srgbClr val="666666"/>
-              </a:buClr>
-              <a:buSzPct val="45000"/>
-              <a:buFont typeface="StarSymbol"/>
-              <a:buChar char="●"/>
-            </a:pPr>
-            <a:r>
-              <a:rPr lang="en-US" dirty="0">
-                <a:solidFill>
-                  <a:srgbClr val="000000"/>
-                </a:solidFill>
-                <a:ea typeface="DejaVu Sans" pitchFamily="2"/>
-                <a:cs typeface="DejaVu Sans" pitchFamily="2"/>
-              </a:rPr>
-              <a:t>Как работает union</a:t>
-            </a:r>
-          </a:p>
-          <a:p>
-            <a:pPr lvl="0">
-              <a:buClr>
-                <a:srgbClr val="666666"/>
-              </a:buClr>
-              <a:buSzPct val="45000"/>
-              <a:buFont typeface="StarSymbol"/>
-              <a:buChar char="●"/>
-            </a:pPr>
-            <a:r>
-              <a:rPr lang="en-US" dirty="0">
-                <a:solidFill>
-                  <a:srgbClr val="000000"/>
-                </a:solidFill>
-                <a:ea typeface="DejaVu Sans" pitchFamily="2"/>
-                <a:cs typeface="DejaVu Sans" pitchFamily="2"/>
-              </a:rPr>
-              <a:t>Как работает union all</a:t>
-            </a:r>
-          </a:p>
-          <a:p>
-            <a:endParaRPr lang="ru-RU" dirty="0"/>
-          </a:p>
-        </p:txBody>
-      </p:sp>
+        </p:nvPicPr>
+        <p:blipFill>
+          <a:blip r:embed="rId2">
+            <a:extLst>
+              <a:ext uri="{28A0092B-C50C-407E-A947-70E740481C1C}">
+                <a14:useLocalDpi xmlns:a14="http://schemas.microsoft.com/office/drawing/2010/main" val="0"/>
+              </a:ext>
+            </a:extLst>
+          </a:blip>
+          <a:stretch>
+            <a:fillRect/>
+          </a:stretch>
+        </p:blipFill>
+        <p:spPr>
+          <a:xfrm>
+            <a:off x="982669" y="2653140"/>
+            <a:ext cx="9195273" cy="2051155"/>
+          </a:xfrm>
+        </p:spPr>
+      </p:pic>
     </p:spTree>
     <p:extLst>
       <p:ext uri="{BB962C8B-B14F-4D97-AF65-F5344CB8AC3E}">
@@ -4428,11 +4774,53 @@
               </a:rPr>
             </a:br>
             <a:r>
+              <a:rPr lang="en-US" sz="2000" dirty="0" err="1">
+                <a:ea typeface="DejaVu Sans" pitchFamily="2"/>
+                <a:cs typeface="DejaVu Sans" pitchFamily="2"/>
+              </a:rPr>
+              <a:t>Блок</a:t>
+            </a:r>
+            <a:r>
               <a:rPr lang="en-US" sz="2000" dirty="0">
                 <a:ea typeface="DejaVu Sans" pitchFamily="2"/>
                 <a:cs typeface="DejaVu Sans" pitchFamily="2"/>
               </a:rPr>
-              <a:t>Блок 2: Union vs union all</a:t>
+              <a:t> </a:t>
+            </a:r>
+            <a:r>
+              <a:rPr lang="ru-RU" sz="2000" dirty="0">
+                <a:ea typeface="DejaVu Sans" pitchFamily="2"/>
+                <a:cs typeface="DejaVu Sans" pitchFamily="2"/>
+              </a:rPr>
+              <a:t>2</a:t>
+            </a:r>
+            <a:r>
+              <a:rPr lang="en-US" sz="2000" dirty="0">
+                <a:ea typeface="DejaVu Sans" pitchFamily="2"/>
+                <a:cs typeface="DejaVu Sans" pitchFamily="2"/>
+              </a:rPr>
+              <a:t>: </a:t>
+            </a:r>
+            <a:r>
+              <a:rPr lang="ru-RU" sz="2000" dirty="0">
+                <a:ea typeface="DejaVu Sans" pitchFamily="2"/>
+                <a:cs typeface="DejaVu Sans" pitchFamily="2"/>
+              </a:rPr>
+              <a:t>Виды физических </a:t>
+            </a:r>
+            <a:r>
+              <a:rPr lang="ru-RU" sz="2000" dirty="0" err="1">
+                <a:ea typeface="DejaVu Sans" pitchFamily="2"/>
+                <a:cs typeface="DejaVu Sans" pitchFamily="2"/>
+              </a:rPr>
+              <a:t>join</a:t>
+            </a:r>
+            <a:r>
+              <a:rPr lang="ru-RU" sz="2000" dirty="0">
+                <a:ea typeface="DejaVu Sans" pitchFamily="2"/>
+                <a:cs typeface="DejaVu Sans" pitchFamily="2"/>
+              </a:rPr>
+              <a:t> и какой выбрать</a:t>
             </a:r>
             <a:endParaRPr lang="ru-RU" dirty="0"/>
           </a:p>
@@ -4469,7 +4857,7 @@
     </p:spTree>
     <p:extLst>
       <p:ext uri="{BB962C8B-B14F-4D97-AF65-F5344CB8AC3E}">
-        <p14:creationId xmlns:p14="http://schemas.microsoft.com/office/powerpoint/2010/main" val="2327172896"/>
+        <p14:creationId xmlns:p14="http://schemas.microsoft.com/office/powerpoint/2010/main" val="227297583"/>
       </p:ext>
     </p:extLst>
   </p:cSld>
@@ -4501,7 +4889,7 @@
           <p:cNvPr id="2" name="Title 1">
             <a:extLst>
               <a:ext uri="{FF2B5EF4-FFF2-40B4-BE49-F238E27FC236}">
-                <a16:creationId xmlns:a16="http://schemas.microsoft.com/office/drawing/2014/main" id="{A7849E89-1B6E-4D5A-B79A-B4ABAF7E394E}"/>
+                <a16:creationId xmlns:a16="http://schemas.microsoft.com/office/drawing/2014/main" id="{1ED93B46-2129-4D6B-9E60-2C5A2357CAE3}"/>
               </a:ext>
             </a:extLst>
           </p:cNvPr>
@@ -4533,18 +4921,32 @@
               </a:rPr>
             </a:br>
             <a:r>
+              <a:rPr lang="en-US" sz="2000" dirty="0" err="1">
+                <a:ea typeface="DejaVu Sans" pitchFamily="2"/>
+                <a:cs typeface="DejaVu Sans" pitchFamily="2"/>
+              </a:rPr>
+              <a:t>Блок</a:t>
+            </a:r>
+            <a:r>
               <a:rPr lang="en-US" sz="2000" dirty="0">
                 <a:ea typeface="DejaVu Sans" pitchFamily="2"/>
                 <a:cs typeface="DejaVu Sans" pitchFamily="2"/>
               </a:rPr>
-              <a:t>Блок 3: Теория: оптимизация через </a:t>
+              <a:t> </a:t>
             </a:r>
             <a:r>
               <a:rPr lang="ru-RU" sz="2000" dirty="0">
                 <a:ea typeface="DejaVu Sans" pitchFamily="2"/>
                 <a:cs typeface="DejaVu Sans" pitchFamily="2"/>
               </a:rPr>
-              <a:t>промежуточную материализацию</a:t>
+              <a:t>3</a:t>
+            </a:r>
+            <a:r>
+              <a:rPr lang="en-US" sz="2000" dirty="0">
+                <a:ea typeface="DejaVu Sans" pitchFamily="2"/>
+                <a:cs typeface="DejaVu Sans" pitchFamily="2"/>
+              </a:rPr>
+              <a:t>: Теория: Union vs union all</a:t>
             </a:r>
             <a:endParaRPr lang="ru-RU" dirty="0"/>
           </a:p>
@@ -4555,7 +4957,7 @@
           <p:cNvPr id="3" name="Content Placeholder 2">
             <a:extLst>
               <a:ext uri="{FF2B5EF4-FFF2-40B4-BE49-F238E27FC236}">
-                <a16:creationId xmlns:a16="http://schemas.microsoft.com/office/drawing/2014/main" id="{3900631D-A5E4-47A8-B439-20D1B6BD2E4D}"/>
+                <a16:creationId xmlns:a16="http://schemas.microsoft.com/office/drawing/2014/main" id="{8E65D122-F661-4641-A255-7626711E7581}"/>
               </a:ext>
             </a:extLst>
           </p:cNvPr>
@@ -4587,7 +4989,7 @@
                 <a:ea typeface="DejaVu Sans" pitchFamily="2"/>
                 <a:cs typeface="DejaVu Sans" pitchFamily="2"/>
               </a:rPr>
-              <a:t>Пример плоских джоинов</a:t>
+              <a:t>Как работает union</a:t>
             </a:r>
           </a:p>
           <a:p>
@@ -4607,45 +5009,8 @@
                 <a:ea typeface="DejaVu Sans" pitchFamily="2"/>
                 <a:cs typeface="DejaVu Sans" pitchFamily="2"/>
               </a:rPr>
-              <a:t>Temporary table</a:t>
-            </a:r>
-          </a:p>
-          <a:p>
-            <a:pPr lvl="0">
-              <a:buClr>
-                <a:srgbClr val="666666"/>
-              </a:buClr>
-              <a:buSzPct val="45000"/>
-              <a:buFont typeface="StarSymbol"/>
-              <a:buChar char="●"/>
-            </a:pPr>
-            <a:r>
-              <a:rPr lang="en-US" dirty="0">
-                <a:solidFill>
-                  <a:srgbClr val="000000"/>
-                </a:solidFill>
-                <a:ea typeface="DejaVu Sans" pitchFamily="2"/>
-                <a:cs typeface="DejaVu Sans" pitchFamily="2"/>
-              </a:rPr>
-              <a:t>Переписанный пример через </a:t>
-            </a:r>
-            <a:r>
-              <a:rPr lang="ru-RU" dirty="0">
-                <a:solidFill>
-                  <a:srgbClr val="000000"/>
-                </a:solidFill>
-                <a:ea typeface="DejaVu Sans" pitchFamily="2"/>
-                <a:cs typeface="DejaVu Sans" pitchFamily="2"/>
-              </a:rPr>
-              <a:t>промежуточную оптимизацию</a:t>
-            </a:r>
-            <a:endParaRPr lang="en-US" dirty="0">
-              <a:solidFill>
-                <a:srgbClr val="000000"/>
-              </a:solidFill>
-              <a:ea typeface="DejaVu Sans" pitchFamily="2"/>
-              <a:cs typeface="DejaVu Sans" pitchFamily="2"/>
-            </a:endParaRPr>
+              <a:t>Как работает union all</a:t>
+            </a:r>
           </a:p>
           <a:p>
             <a:endParaRPr lang="ru-RU" dirty="0"/>
@@ -4655,7 +5020,7 @@
     </p:spTree>
     <p:extLst>
       <p:ext uri="{BB962C8B-B14F-4D97-AF65-F5344CB8AC3E}">
-        <p14:creationId xmlns:p14="http://schemas.microsoft.com/office/powerpoint/2010/main" val="4003952097"/>
+        <p14:creationId xmlns:p14="http://schemas.microsoft.com/office/powerpoint/2010/main" val="3511590595"/>
       </p:ext>
     </p:extLst>
   </p:cSld>
@@ -4687,7 +5052,7 @@
           <p:cNvPr id="2" name="Title 1">
             <a:extLst>
               <a:ext uri="{FF2B5EF4-FFF2-40B4-BE49-F238E27FC236}">
-                <a16:creationId xmlns:a16="http://schemas.microsoft.com/office/drawing/2014/main" id="{A7849E89-1B6E-4D5A-B79A-B4ABAF7E394E}"/>
+                <a16:creationId xmlns:a16="http://schemas.microsoft.com/office/drawing/2014/main" id="{C61B5D42-722A-4E57-AE65-87E9F04C13B5}"/>
               </a:ext>
             </a:extLst>
           </p:cNvPr>
@@ -4719,11 +5084,32 @@
               </a:rPr>
             </a:br>
             <a:r>
+              <a:rPr lang="en-US" sz="2000" dirty="0" err="1">
+                <a:ea typeface="DejaVu Sans" pitchFamily="2"/>
+                <a:cs typeface="DejaVu Sans" pitchFamily="2"/>
+              </a:rPr>
+              <a:t>Блок</a:t>
+            </a:r>
+            <a:r>
               <a:rPr lang="en-US" sz="2000" dirty="0">
                 <a:ea typeface="DejaVu Sans" pitchFamily="2"/>
                 <a:cs typeface="DejaVu Sans" pitchFamily="2"/>
               </a:rPr>
-              <a:t>Блок 3: оптимизация через вложенные запросы</a:t>
+              <a:t> </a:t>
+            </a:r>
+            <a:r>
+              <a:rPr lang="ru-RU" sz="2000" dirty="0">
+                <a:ea typeface="DejaVu Sans" pitchFamily="2"/>
+                <a:cs typeface="DejaVu Sans" pitchFamily="2"/>
+              </a:rPr>
+              <a:t>3</a:t>
+            </a:r>
+            <a:r>
+              <a:rPr lang="en-US" sz="2000" dirty="0">
+                <a:ea typeface="DejaVu Sans" pitchFamily="2"/>
+                <a:cs typeface="DejaVu Sans" pitchFamily="2"/>
+              </a:rPr>
+              <a:t>: Union vs union all</a:t>
             </a:r>
             <a:endParaRPr lang="ru-RU" dirty="0"/>
           </a:p>
@@ -4734,7 +5120,7 @@
           <p:cNvPr id="3" name="Content Placeholder 2">
             <a:extLst>
               <a:ext uri="{FF2B5EF4-FFF2-40B4-BE49-F238E27FC236}">
-                <a16:creationId xmlns:a16="http://schemas.microsoft.com/office/drawing/2014/main" id="{3900631D-A5E4-47A8-B439-20D1B6BD2E4D}"/>
+                <a16:creationId xmlns:a16="http://schemas.microsoft.com/office/drawing/2014/main" id="{090578C4-E6E7-4308-A4D1-738FCB3F61D8}"/>
               </a:ext>
             </a:extLst>
           </p:cNvPr>
@@ -4750,32 +5136,17 @@
           <a:bodyPr/>
           <a:lstStyle/>
           <a:p>
-            <a:pPr lvl="0">
-              <a:buClr>
-                <a:srgbClr val="666666"/>
-              </a:buClr>
-              <a:buSzPct val="45000"/>
-              <a:buFont typeface="StarSymbol"/>
-              <a:buChar char="●"/>
-            </a:pPr>
-            <a:r>
-              <a:rPr lang="ru-RU" dirty="0">
-                <a:solidFill>
-                  <a:srgbClr val="000000"/>
-                </a:solidFill>
-                <a:ea typeface="DejaVu Sans" pitchFamily="2"/>
-                <a:cs typeface="DejaVu Sans" pitchFamily="2"/>
-              </a:rPr>
+            <a:r>
+              <a:rPr lang="ru-RU" dirty="0"/>
               <a:t>Практика</a:t>
             </a:r>
-            <a:endParaRPr lang="ru-RU" dirty="0"/>
           </a:p>
         </p:txBody>
       </p:sp>
     </p:spTree>
     <p:extLst>
       <p:ext uri="{BB962C8B-B14F-4D97-AF65-F5344CB8AC3E}">
-        <p14:creationId xmlns:p14="http://schemas.microsoft.com/office/powerpoint/2010/main" val="1535010297"/>
+        <p14:creationId xmlns:p14="http://schemas.microsoft.com/office/powerpoint/2010/main" val="2327172896"/>
       </p:ext>
     </p:extLst>
   </p:cSld>
@@ -4807,7 +5178,7 @@
           <p:cNvPr id="2" name="Title 1">
             <a:extLst>
               <a:ext uri="{FF2B5EF4-FFF2-40B4-BE49-F238E27FC236}">
-                <a16:creationId xmlns:a16="http://schemas.microsoft.com/office/drawing/2014/main" id="{758213DD-3EDA-455B-8835-00FD804FA17A}"/>
+                <a16:creationId xmlns:a16="http://schemas.microsoft.com/office/drawing/2014/main" id="{A7849E89-1B6E-4D5A-B79A-B4ABAF7E394E}"/>
               </a:ext>
             </a:extLst>
           </p:cNvPr>
@@ -4839,11 +5210,39 @@
               </a:rPr>
             </a:br>
             <a:r>
+              <a:rPr lang="en-US" sz="2000" dirty="0" err="1">
+                <a:ea typeface="DejaVu Sans" pitchFamily="2"/>
+                <a:cs typeface="DejaVu Sans" pitchFamily="2"/>
+              </a:rPr>
+              <a:t>Блок</a:t>
+            </a:r>
+            <a:r>
               <a:rPr lang="en-US" sz="2000" dirty="0">
                 <a:ea typeface="DejaVu Sans" pitchFamily="2"/>
                 <a:cs typeface="DejaVu Sans" pitchFamily="2"/>
               </a:rPr>
-              <a:t>Блок 4: Теория: Unlogged таблицы</a:t>
+              <a:t> </a:t>
+            </a:r>
+            <a:r>
+              <a:rPr lang="ru-RU" sz="2000" dirty="0">
+                <a:ea typeface="DejaVu Sans" pitchFamily="2"/>
+                <a:cs typeface="DejaVu Sans" pitchFamily="2"/>
+              </a:rPr>
+              <a:t>4</a:t>
+            </a:r>
+            <a:r>
+              <a:rPr lang="en-US" sz="2000" dirty="0">
+                <a:ea typeface="DejaVu Sans" pitchFamily="2"/>
+                <a:cs typeface="DejaVu Sans" pitchFamily="2"/>
+              </a:rPr>
+              <a:t>: Теория: оптимизация через </a:t>
+            </a:r>
+            <a:r>
+              <a:rPr lang="ru-RU" sz="2000" dirty="0">
+                <a:ea typeface="DejaVu Sans" pitchFamily="2"/>
+                <a:cs typeface="DejaVu Sans" pitchFamily="2"/>
+              </a:rPr>
+              <a:t>промежуточную материализацию</a:t>
             </a:r>
             <a:endParaRPr lang="ru-RU" dirty="0"/>
           </a:p>
@@ -4854,7 +5253,7 @@
           <p:cNvPr id="3" name="Content Placeholder 2">
             <a:extLst>
               <a:ext uri="{FF2B5EF4-FFF2-40B4-BE49-F238E27FC236}">
-                <a16:creationId xmlns:a16="http://schemas.microsoft.com/office/drawing/2014/main" id="{C161AC7D-9235-4A56-9DBD-0A35EEF87042}"/>
+                <a16:creationId xmlns:a16="http://schemas.microsoft.com/office/drawing/2014/main" id="{3900631D-A5E4-47A8-B439-20D1B6BD2E4D}"/>
               </a:ext>
             </a:extLst>
           </p:cNvPr>
@@ -4886,62 +5285,8 @@
                 <a:ea typeface="DejaVu Sans" pitchFamily="2"/>
                 <a:cs typeface="DejaVu Sans" pitchFamily="2"/>
               </a:rPr>
-              <a:t>Что такое unlogged таблица</a:t>
-            </a:r>
-            <a:endParaRPr lang="ru-RU" dirty="0">
-              <a:solidFill>
-                <a:srgbClr val="000000"/>
-              </a:solidFill>
-              <a:ea typeface="DejaVu Sans" pitchFamily="2"/>
-              <a:cs typeface="DejaVu Sans" pitchFamily="2"/>
-            </a:endParaRPr>
-          </a:p>
-          <a:p>
-            <a:pPr lvl="1">
-              <a:buClr>
-                <a:srgbClr val="666666"/>
-              </a:buClr>
-              <a:buSzPct val="45000"/>
-              <a:buFont typeface="StarSymbol"/>
-              <a:buChar char="●"/>
-            </a:pPr>
-            <a:r>
-              <a:rPr lang="ru-RU" dirty="0">
-                <a:solidFill>
-                  <a:srgbClr val="000000"/>
-                </a:solidFill>
-                <a:ea typeface="DejaVu Sans" pitchFamily="2"/>
-                <a:cs typeface="DejaVu Sans" pitchFamily="2"/>
-              </a:rPr>
-              <a:t>Не пишется информация о транзакциях в </a:t>
-            </a:r>
-            <a:r>
-              <a:rPr lang="en-US" dirty="0" err="1">
-                <a:solidFill>
-                  <a:srgbClr val="000000"/>
-                </a:solidFill>
-                <a:ea typeface="DejaVu Sans" pitchFamily="2"/>
-                <a:cs typeface="DejaVu Sans" pitchFamily="2"/>
-              </a:rPr>
-              <a:t>wal</a:t>
-            </a:r>
-            <a:r>
-              <a:rPr lang="ru-RU" dirty="0">
-                <a:solidFill>
-                  <a:srgbClr val="000000"/>
-                </a:solidFill>
-                <a:ea typeface="DejaVu Sans" pitchFamily="2"/>
-                <a:cs typeface="DejaVu Sans" pitchFamily="2"/>
-              </a:rPr>
-              <a:t>-лог</a:t>
-            </a:r>
-            <a:endParaRPr lang="en-US" dirty="0">
-              <a:solidFill>
-                <a:srgbClr val="000000"/>
-              </a:solidFill>
-              <a:ea typeface="DejaVu Sans" pitchFamily="2"/>
-              <a:cs typeface="DejaVu Sans" pitchFamily="2"/>
-            </a:endParaRPr>
+              <a:t>Пример плоских джоинов</a:t>
+            </a:r>
           </a:p>
           <a:p>
             <a:pPr lvl="0">
@@ -4960,7 +5305,7 @@
                 <a:ea typeface="DejaVu Sans" pitchFamily="2"/>
                 <a:cs typeface="DejaVu Sans" pitchFamily="2"/>
               </a:rPr>
-              <a:t>Truncate vs delete from</a:t>
+              <a:t>Temporary table</a:t>
             </a:r>
           </a:p>
           <a:p>
@@ -4980,25 +5325,8 @@
                 <a:ea typeface="DejaVu Sans" pitchFamily="2"/>
                 <a:cs typeface="DejaVu Sans" pitchFamily="2"/>
               </a:rPr>
-              <a:t>Плюсы использования unlogged таблицы</a:t>
-            </a:r>
-            <a:endParaRPr lang="ru-RU" dirty="0">
-              <a:solidFill>
-                <a:srgbClr val="000000"/>
-              </a:solidFill>
-              <a:ea typeface="DejaVu Sans" pitchFamily="2"/>
-              <a:cs typeface="DejaVu Sans" pitchFamily="2"/>
-            </a:endParaRPr>
-          </a:p>
-          <a:p>
-            <a:pPr lvl="1">
-              <a:buClr>
-                <a:srgbClr val="666666"/>
-              </a:buClr>
-              <a:buSzPct val="45000"/>
-              <a:buFont typeface="StarSymbol"/>
-              <a:buChar char="●"/>
-            </a:pPr>
+              <a:t>Переписанный пример через </a:t>
+            </a:r>
             <a:r>
               <a:rPr lang="ru-RU" dirty="0">
                 <a:solidFill>
@@ -5007,7 +5335,7 @@
                 <a:ea typeface="DejaVu Sans" pitchFamily="2"/>
                 <a:cs typeface="DejaVu Sans" pitchFamily="2"/>
               </a:rPr>
-              <a:t>Ускорение в 1,5-2 раза</a:t>
+              <a:t>промежуточную оптимизацию</a:t>
             </a:r>
             <a:endParaRPr lang="en-US" dirty="0">
               <a:solidFill>
@@ -5018,140 +5346,6 @@
             </a:endParaRPr>
           </a:p>
           <a:p>
-            <a:pPr lvl="0">
-              <a:buClr>
-                <a:srgbClr val="666666"/>
-              </a:buClr>
-              <a:buSzPct val="45000"/>
-              <a:buFont typeface="StarSymbol"/>
-              <a:buChar char="●"/>
-            </a:pPr>
-            <a:r>
-              <a:rPr lang="en-US" dirty="0">
-                <a:solidFill>
-                  <a:srgbClr val="000000"/>
-                </a:solidFill>
-                <a:ea typeface="DejaVu Sans" pitchFamily="2"/>
-                <a:cs typeface="DejaVu Sans" pitchFamily="2"/>
-              </a:rPr>
-              <a:t>Минусы использования unlogged таблицы</a:t>
-            </a:r>
-            <a:endParaRPr lang="ru-RU" dirty="0">
-              <a:solidFill>
-                <a:srgbClr val="000000"/>
-              </a:solidFill>
-              <a:ea typeface="DejaVu Sans" pitchFamily="2"/>
-              <a:cs typeface="DejaVu Sans" pitchFamily="2"/>
-            </a:endParaRPr>
-          </a:p>
-          <a:p>
-            <a:pPr lvl="1">
-              <a:buClr>
-                <a:srgbClr val="666666"/>
-              </a:buClr>
-              <a:buSzPct val="45000"/>
-              <a:buFont typeface="StarSymbol"/>
-              <a:buChar char="●"/>
-            </a:pPr>
-            <a:r>
-              <a:rPr lang="ru-RU" dirty="0">
-                <a:solidFill>
-                  <a:srgbClr val="000000"/>
-                </a:solidFill>
-                <a:ea typeface="DejaVu Sans" pitchFamily="2"/>
-                <a:cs typeface="DejaVu Sans" pitchFamily="2"/>
-              </a:rPr>
-              <a:t>В случае невыполнения операции нельзя будет восстановить информацию</a:t>
-            </a:r>
-          </a:p>
-          <a:p>
-            <a:pPr lvl="1">
-              <a:buClr>
-                <a:srgbClr val="666666"/>
-              </a:buClr>
-              <a:buSzPct val="45000"/>
-              <a:buFont typeface="StarSymbol"/>
-              <a:buChar char="●"/>
-            </a:pPr>
-            <a:r>
-              <a:rPr lang="ru-RU" dirty="0">
-                <a:solidFill>
-                  <a:srgbClr val="000000"/>
-                </a:solidFill>
-                <a:ea typeface="DejaVu Sans" pitchFamily="2"/>
-                <a:cs typeface="DejaVu Sans" pitchFamily="2"/>
-              </a:rPr>
-              <a:t>В </a:t>
-            </a:r>
-            <a:r>
-              <a:rPr lang="en-US" dirty="0">
-                <a:solidFill>
-                  <a:srgbClr val="000000"/>
-                </a:solidFill>
-                <a:ea typeface="DejaVu Sans" pitchFamily="2"/>
-                <a:cs typeface="DejaVu Sans" pitchFamily="2"/>
-              </a:rPr>
-              <a:t>Greenplum</a:t>
-            </a:r>
-            <a:r>
-              <a:rPr lang="ru-RU" dirty="0">
-                <a:solidFill>
-                  <a:srgbClr val="000000"/>
-                </a:solidFill>
-                <a:ea typeface="DejaVu Sans" pitchFamily="2"/>
-                <a:cs typeface="DejaVu Sans" pitchFamily="2"/>
-              </a:rPr>
-              <a:t> сейчас эта опция недоступна (заведено критическое </a:t>
-            </a:r>
-            <a:r>
-              <a:rPr lang="en-US" dirty="0">
-                <a:solidFill>
-                  <a:srgbClr val="000000"/>
-                </a:solidFill>
-                <a:ea typeface="DejaVu Sans" pitchFamily="2"/>
-                <a:cs typeface="DejaVu Sans" pitchFamily="2"/>
-              </a:rPr>
-              <a:t>issue</a:t>
-            </a:r>
-            <a:r>
-              <a:rPr lang="ru-RU" dirty="0">
-                <a:solidFill>
-                  <a:srgbClr val="000000"/>
-                </a:solidFill>
-                <a:ea typeface="DejaVu Sans" pitchFamily="2"/>
-                <a:cs typeface="DejaVu Sans" pitchFamily="2"/>
-              </a:rPr>
-              <a:t>, такие таблицы ломаются)</a:t>
-            </a:r>
-            <a:endParaRPr lang="en-US" dirty="0">
-              <a:solidFill>
-                <a:srgbClr val="000000"/>
-              </a:solidFill>
-              <a:ea typeface="DejaVu Sans" pitchFamily="2"/>
-              <a:cs typeface="DejaVu Sans" pitchFamily="2"/>
-            </a:endParaRPr>
-          </a:p>
-          <a:p>
-            <a:pPr lvl="0">
-              <a:buClr>
-                <a:srgbClr val="666666"/>
-              </a:buClr>
-              <a:buSzPct val="45000"/>
-              <a:buFont typeface="StarSymbol"/>
-              <a:buChar char="●"/>
-            </a:pPr>
-            <a:r>
-              <a:rPr lang="en-US" dirty="0">
-                <a:solidFill>
-                  <a:srgbClr val="000000"/>
-                </a:solidFill>
-                <a:ea typeface="DejaVu Sans" pitchFamily="2"/>
-                <a:cs typeface="DejaVu Sans" pitchFamily="2"/>
-              </a:rPr>
-              <a:t>Какие еще есть варианты</a:t>
-            </a:r>
-          </a:p>
-          <a:p>
             <a:endParaRPr lang="ru-RU" dirty="0"/>
           </a:p>
         </p:txBody>
@@ -5159,7 +5353,7 @@
     </p:spTree>
     <p:extLst>
       <p:ext uri="{BB962C8B-B14F-4D97-AF65-F5344CB8AC3E}">
-        <p14:creationId xmlns:p14="http://schemas.microsoft.com/office/powerpoint/2010/main" val="2537559778"/>
+        <p14:creationId xmlns:p14="http://schemas.microsoft.com/office/powerpoint/2010/main" val="4003952097"/>
       </p:ext>
     </p:extLst>
   </p:cSld>
@@ -5191,7 +5385,7 @@
           <p:cNvPr id="2" name="Title 1">
             <a:extLst>
               <a:ext uri="{FF2B5EF4-FFF2-40B4-BE49-F238E27FC236}">
-                <a16:creationId xmlns:a16="http://schemas.microsoft.com/office/drawing/2014/main" id="{758213DD-3EDA-455B-8835-00FD804FA17A}"/>
+                <a16:creationId xmlns:a16="http://schemas.microsoft.com/office/drawing/2014/main" id="{A7849E89-1B6E-4D5A-B79A-B4ABAF7E394E}"/>
               </a:ext>
             </a:extLst>
           </p:cNvPr>
@@ -5223,11 +5417,32 @@
               </a:rPr>
             </a:br>
             <a:r>
+              <a:rPr lang="en-US" sz="2000" dirty="0" err="1">
+                <a:ea typeface="DejaVu Sans" pitchFamily="2"/>
+                <a:cs typeface="DejaVu Sans" pitchFamily="2"/>
+              </a:rPr>
+              <a:t>Блок</a:t>
+            </a:r>
+            <a:r>
               <a:rPr lang="en-US" sz="2000" dirty="0">
                 <a:ea typeface="DejaVu Sans" pitchFamily="2"/>
                 <a:cs typeface="DejaVu Sans" pitchFamily="2"/>
               </a:rPr>
-              <a:t>Блок 4: Unlogged таблицы</a:t>
+              <a:t> </a:t>
+            </a:r>
+            <a:r>
+              <a:rPr lang="ru-RU" sz="2000" dirty="0">
+                <a:ea typeface="DejaVu Sans" pitchFamily="2"/>
+                <a:cs typeface="DejaVu Sans" pitchFamily="2"/>
+              </a:rPr>
+              <a:t>4</a:t>
+            </a:r>
+            <a:r>
+              <a:rPr lang="en-US" sz="2000" dirty="0">
+                <a:ea typeface="DejaVu Sans" pitchFamily="2"/>
+                <a:cs typeface="DejaVu Sans" pitchFamily="2"/>
+              </a:rPr>
+              <a:t>: оптимизация через вложенные запросы</a:t>
             </a:r>
             <a:endParaRPr lang="ru-RU" dirty="0"/>
           </a:p>
@@ -5238,7 +5453,7 @@
           <p:cNvPr id="3" name="Content Placeholder 2">
             <a:extLst>
               <a:ext uri="{FF2B5EF4-FFF2-40B4-BE49-F238E27FC236}">
-                <a16:creationId xmlns:a16="http://schemas.microsoft.com/office/drawing/2014/main" id="{C161AC7D-9235-4A56-9DBD-0A35EEF87042}"/>
+                <a16:creationId xmlns:a16="http://schemas.microsoft.com/office/drawing/2014/main" id="{3900631D-A5E4-47A8-B439-20D1B6BD2E4D}"/>
               </a:ext>
             </a:extLst>
           </p:cNvPr>
@@ -5279,7 +5494,7 @@
     </p:spTree>
     <p:extLst>
       <p:ext uri="{BB962C8B-B14F-4D97-AF65-F5344CB8AC3E}">
-        <p14:creationId xmlns:p14="http://schemas.microsoft.com/office/powerpoint/2010/main" val="1921711037"/>
+        <p14:creationId xmlns:p14="http://schemas.microsoft.com/office/powerpoint/2010/main" val="1535010297"/>
       </p:ext>
     </p:extLst>
   </p:cSld>
@@ -5311,7 +5526,7 @@
           <p:cNvPr id="2" name="Title 1">
             <a:extLst>
               <a:ext uri="{FF2B5EF4-FFF2-40B4-BE49-F238E27FC236}">
-                <a16:creationId xmlns:a16="http://schemas.microsoft.com/office/drawing/2014/main" id="{9BB4425D-EFFE-4C7B-BAB3-696974B86ECB}"/>
+                <a16:creationId xmlns:a16="http://schemas.microsoft.com/office/drawing/2014/main" id="{758213DD-3EDA-455B-8835-00FD804FA17A}"/>
               </a:ext>
             </a:extLst>
           </p:cNvPr>
@@ -5343,18 +5558,32 @@
               </a:rPr>
             </a:br>
             <a:r>
+              <a:rPr lang="en-US" sz="2000" dirty="0" err="1">
+                <a:ea typeface="DejaVu Sans" pitchFamily="2"/>
+                <a:cs typeface="DejaVu Sans" pitchFamily="2"/>
+              </a:rPr>
+              <a:t>Блок</a:t>
+            </a:r>
+            <a:r>
+              <a:rPr lang="en-US" sz="2000" dirty="0">
+                <a:ea typeface="DejaVu Sans" pitchFamily="2"/>
+                <a:cs typeface="DejaVu Sans" pitchFamily="2"/>
+              </a:rPr>
+              <a:t> </a:t>
+            </a:r>
+            <a:r>
               <a:rPr lang="ru-RU" sz="2000" dirty="0">
                 <a:ea typeface="DejaVu Sans" pitchFamily="2"/>
                 <a:cs typeface="DejaVu Sans" pitchFamily="2"/>
               </a:rPr>
-              <a:t>Дополнительные </a:t>
+              <a:t>5</a:t>
             </a:r>
             <a:r>
               <a:rPr lang="en-US" sz="2000" dirty="0">
                 <a:ea typeface="DejaVu Sans" pitchFamily="2"/>
                 <a:cs typeface="DejaVu Sans" pitchFamily="2"/>
               </a:rPr>
-              <a:t>best practice</a:t>
+              <a:t>: Теория: Unlogged таблицы</a:t>
             </a:r>
             <a:endParaRPr lang="ru-RU" dirty="0"/>
           </a:p>
@@ -5365,7 +5594,7 @@
           <p:cNvPr id="3" name="Content Placeholder 2">
             <a:extLst>
               <a:ext uri="{FF2B5EF4-FFF2-40B4-BE49-F238E27FC236}">
-                <a16:creationId xmlns:a16="http://schemas.microsoft.com/office/drawing/2014/main" id="{B0E0C843-357D-4ABC-9BF5-821708867C3C}"/>
+                <a16:creationId xmlns:a16="http://schemas.microsoft.com/office/drawing/2014/main" id="{C161AC7D-9235-4A56-9DBD-0A35EEF87042}"/>
               </a:ext>
             </a:extLst>
           </p:cNvPr>
@@ -5381,84 +5610,296 @@
           <a:bodyPr/>
           <a:lstStyle/>
           <a:p>
-            <a:r>
-              <a:rPr lang="ru-RU" dirty="0"/>
-              <a:t>Не использовать or в условии джойна</a:t>
-            </a:r>
-          </a:p>
-          <a:p>
-            <a:pPr lvl="1"/>
-            <a:r>
-              <a:rPr lang="ru-RU" dirty="0"/>
-              <a:t>Если без </a:t>
-            </a:r>
-            <a:r>
-              <a:rPr lang="en-US" dirty="0"/>
-              <a:t>or</a:t>
-            </a:r>
-            <a:r>
-              <a:rPr lang="ru-RU" dirty="0"/>
-              <a:t> никак - лучше разбить на 2 джойна и соединить результаты</a:t>
-            </a:r>
-            <a:endParaRPr lang="en-US" dirty="0"/>
-          </a:p>
-          <a:p>
-            <a:r>
-              <a:rPr lang="ru-RU" dirty="0"/>
-              <a:t>Нет nested loop-ам (кроме крайней необходимости)</a:t>
-            </a:r>
-          </a:p>
-          <a:p>
-            <a:pPr lvl="1"/>
-            <a:r>
-              <a:rPr lang="ru-RU" dirty="0"/>
-              <a:t>собрать статистику</a:t>
-            </a:r>
-          </a:p>
-          <a:p>
-            <a:pPr lvl="1"/>
-            <a:r>
-              <a:rPr lang="ru-RU" dirty="0"/>
-              <a:t>убрать or из условий джойна</a:t>
-            </a:r>
-          </a:p>
-          <a:p>
-            <a:pPr lvl="1"/>
-            <a:r>
-              <a:rPr lang="ru-RU" dirty="0"/>
-              <a:t>джойн по индексам (хотя бы одной из таблиц)</a:t>
-            </a:r>
-          </a:p>
-          <a:p>
-            <a:r>
-              <a:rPr lang="ru-RU" dirty="0"/>
-              <a:t>Изучайте особенности оптимизации в рамках той СУБД, с которой работаете!</a:t>
-            </a:r>
-          </a:p>
-          <a:p>
-            <a:pPr lvl="1"/>
-            <a:r>
-              <a:rPr lang="ru-RU" dirty="0"/>
-              <a:t>Teradata - нет необходимости удалять индекс при массовом изменении данных</a:t>
-            </a:r>
-          </a:p>
-          <a:p>
-            <a:pPr lvl="1"/>
-            <a:r>
-              <a:rPr lang="en-US" dirty="0"/>
-              <a:t>Oracle - </a:t>
-            </a:r>
-            <a:r>
-              <a:rPr lang="ru-RU" dirty="0"/>
-              <a:t>множество хинтов для помощи оптимизатору</a:t>
-            </a:r>
+            <a:pPr lvl="0">
+              <a:buClr>
+                <a:srgbClr val="666666"/>
+              </a:buClr>
+              <a:buSzPct val="45000"/>
+              <a:buFont typeface="StarSymbol"/>
+              <a:buChar char="●"/>
+            </a:pPr>
+            <a:r>
+              <a:rPr lang="en-US" dirty="0">
+                <a:solidFill>
+                  <a:srgbClr val="000000"/>
+                </a:solidFill>
+                <a:ea typeface="DejaVu Sans" pitchFamily="2"/>
+                <a:cs typeface="DejaVu Sans" pitchFamily="2"/>
+              </a:rPr>
+              <a:t>Что такое unlogged таблица</a:t>
+            </a:r>
+            <a:endParaRPr lang="ru-RU" dirty="0">
+              <a:solidFill>
+                <a:srgbClr val="000000"/>
+              </a:solidFill>
+              <a:ea typeface="DejaVu Sans" pitchFamily="2"/>
+              <a:cs typeface="DejaVu Sans" pitchFamily="2"/>
+            </a:endParaRPr>
+          </a:p>
+          <a:p>
+            <a:pPr lvl="1">
+              <a:buClr>
+                <a:srgbClr val="666666"/>
+              </a:buClr>
+              <a:buSzPct val="45000"/>
+              <a:buFont typeface="StarSymbol"/>
+              <a:buChar char="●"/>
+            </a:pPr>
+            <a:r>
+              <a:rPr lang="ru-RU" dirty="0">
+                <a:solidFill>
+                  <a:srgbClr val="000000"/>
+                </a:solidFill>
+                <a:ea typeface="DejaVu Sans" pitchFamily="2"/>
+                <a:cs typeface="DejaVu Sans" pitchFamily="2"/>
+              </a:rPr>
+              <a:t>Не пишется информация о транзакциях в </a:t>
+            </a:r>
+            <a:r>
+              <a:rPr lang="en-US" dirty="0" err="1">
+                <a:solidFill>
+                  <a:srgbClr val="000000"/>
+                </a:solidFill>
+                <a:ea typeface="DejaVu Sans" pitchFamily="2"/>
+                <a:cs typeface="DejaVu Sans" pitchFamily="2"/>
+              </a:rPr>
+              <a:t>wal</a:t>
+            </a:r>
+            <a:r>
+              <a:rPr lang="ru-RU" dirty="0">
+                <a:solidFill>
+                  <a:srgbClr val="000000"/>
+                </a:solidFill>
+                <a:ea typeface="DejaVu Sans" pitchFamily="2"/>
+                <a:cs typeface="DejaVu Sans" pitchFamily="2"/>
+              </a:rPr>
+              <a:t>-лог</a:t>
+            </a:r>
+            <a:endParaRPr lang="en-US" dirty="0">
+              <a:solidFill>
+                <a:srgbClr val="000000"/>
+              </a:solidFill>
+              <a:ea typeface="DejaVu Sans" pitchFamily="2"/>
+              <a:cs typeface="DejaVu Sans" pitchFamily="2"/>
+            </a:endParaRPr>
+          </a:p>
+          <a:p>
+            <a:pPr lvl="0">
+              <a:buClr>
+                <a:srgbClr val="666666"/>
+              </a:buClr>
+              <a:buSzPct val="45000"/>
+              <a:buFont typeface="StarSymbol"/>
+              <a:buChar char="●"/>
+            </a:pPr>
+            <a:r>
+              <a:rPr lang="en-US" dirty="0">
+                <a:solidFill>
+                  <a:srgbClr val="000000"/>
+                </a:solidFill>
+                <a:ea typeface="DejaVu Sans" pitchFamily="2"/>
+                <a:cs typeface="DejaVu Sans" pitchFamily="2"/>
+              </a:rPr>
+              <a:t>Truncate vs delete from</a:t>
+            </a:r>
+          </a:p>
+          <a:p>
+            <a:pPr lvl="0">
+              <a:buClr>
+                <a:srgbClr val="666666"/>
+              </a:buClr>
+              <a:buSzPct val="45000"/>
+              <a:buFont typeface="StarSymbol"/>
+              <a:buChar char="●"/>
+            </a:pPr>
+            <a:r>
+              <a:rPr lang="en-US" dirty="0">
+                <a:solidFill>
+                  <a:srgbClr val="000000"/>
+                </a:solidFill>
+                <a:ea typeface="DejaVu Sans" pitchFamily="2"/>
+                <a:cs typeface="DejaVu Sans" pitchFamily="2"/>
+              </a:rPr>
+              <a:t>Плюсы использования unlogged таблицы</a:t>
+            </a:r>
+            <a:endParaRPr lang="ru-RU" dirty="0">
+              <a:solidFill>
+                <a:srgbClr val="000000"/>
+              </a:solidFill>
+              <a:ea typeface="DejaVu Sans" pitchFamily="2"/>
+              <a:cs typeface="DejaVu Sans" pitchFamily="2"/>
+            </a:endParaRPr>
+          </a:p>
+          <a:p>
+            <a:pPr lvl="1">
+              <a:buClr>
+                <a:srgbClr val="666666"/>
+              </a:buClr>
+              <a:buSzPct val="45000"/>
+              <a:buFont typeface="StarSymbol"/>
+              <a:buChar char="●"/>
+            </a:pPr>
+            <a:r>
+              <a:rPr lang="ru-RU" dirty="0">
+                <a:solidFill>
+                  <a:srgbClr val="000000"/>
+                </a:solidFill>
+                <a:ea typeface="DejaVu Sans" pitchFamily="2"/>
+                <a:cs typeface="DejaVu Sans" pitchFamily="2"/>
+              </a:rPr>
+              <a:t>Ускорение в 1,5-2 раза</a:t>
+            </a:r>
+            <a:endParaRPr lang="en-US" dirty="0">
+              <a:solidFill>
+                <a:srgbClr val="000000"/>
+              </a:solidFill>
+              <a:ea typeface="DejaVu Sans" pitchFamily="2"/>
+              <a:cs typeface="DejaVu Sans" pitchFamily="2"/>
+            </a:endParaRPr>
+          </a:p>
+          <a:p>
+            <a:pPr lvl="0">
+              <a:buClr>
+                <a:srgbClr val="666666"/>
+              </a:buClr>
+              <a:buSzPct val="45000"/>
+              <a:buFont typeface="StarSymbol"/>
+              <a:buChar char="●"/>
+            </a:pPr>
+            <a:r>
+              <a:rPr lang="en-US" dirty="0">
+                <a:solidFill>
+                  <a:srgbClr val="000000"/>
+                </a:solidFill>
+                <a:ea typeface="DejaVu Sans" pitchFamily="2"/>
+                <a:cs typeface="DejaVu Sans" pitchFamily="2"/>
+              </a:rPr>
+              <a:t>Минусы использования unlogged таблицы</a:t>
+            </a:r>
+            <a:endParaRPr lang="ru-RU" dirty="0">
+              <a:solidFill>
+                <a:srgbClr val="000000"/>
+              </a:solidFill>
+              <a:ea typeface="DejaVu Sans" pitchFamily="2"/>
+              <a:cs typeface="DejaVu Sans" pitchFamily="2"/>
+            </a:endParaRPr>
+          </a:p>
+          <a:p>
+            <a:pPr lvl="1">
+              <a:buClr>
+                <a:srgbClr val="666666"/>
+              </a:buClr>
+              <a:buSzPct val="45000"/>
+              <a:buFont typeface="StarSymbol"/>
+              <a:buChar char="●"/>
+            </a:pPr>
+            <a:r>
+              <a:rPr lang="ru-RU" dirty="0">
+                <a:solidFill>
+                  <a:srgbClr val="000000"/>
+                </a:solidFill>
+                <a:ea typeface="DejaVu Sans" pitchFamily="2"/>
+                <a:cs typeface="DejaVu Sans" pitchFamily="2"/>
+              </a:rPr>
+              <a:t>В случае невыполнения операции нельзя будет восстановить информацию</a:t>
+            </a:r>
+          </a:p>
+          <a:p>
+            <a:pPr lvl="1">
+              <a:buClr>
+                <a:srgbClr val="666666"/>
+              </a:buClr>
+              <a:buSzPct val="45000"/>
+              <a:buFont typeface="StarSymbol"/>
+              <a:buChar char="●"/>
+            </a:pPr>
+            <a:r>
+              <a:rPr lang="ru-RU" dirty="0">
+                <a:solidFill>
+                  <a:srgbClr val="000000"/>
+                </a:solidFill>
+                <a:ea typeface="DejaVu Sans" pitchFamily="2"/>
+                <a:cs typeface="DejaVu Sans" pitchFamily="2"/>
+              </a:rPr>
+              <a:t>В </a:t>
+            </a:r>
+            <a:r>
+              <a:rPr lang="en-US" dirty="0">
+                <a:solidFill>
+                  <a:srgbClr val="000000"/>
+                </a:solidFill>
+                <a:ea typeface="DejaVu Sans" pitchFamily="2"/>
+                <a:cs typeface="DejaVu Sans" pitchFamily="2"/>
+              </a:rPr>
+              <a:t>Greenplum</a:t>
+            </a:r>
+            <a:r>
+              <a:rPr lang="ru-RU" dirty="0">
+                <a:solidFill>
+                  <a:srgbClr val="000000"/>
+                </a:solidFill>
+                <a:ea typeface="DejaVu Sans" pitchFamily="2"/>
+                <a:cs typeface="DejaVu Sans" pitchFamily="2"/>
+              </a:rPr>
+              <a:t> сейчас эта опция недоступна (заведено критическое </a:t>
+            </a:r>
+            <a:r>
+              <a:rPr lang="en-US" dirty="0">
+                <a:solidFill>
+                  <a:srgbClr val="000000"/>
+                </a:solidFill>
+                <a:ea typeface="DejaVu Sans" pitchFamily="2"/>
+                <a:cs typeface="DejaVu Sans" pitchFamily="2"/>
+              </a:rPr>
+              <a:t>issue</a:t>
+            </a:r>
+            <a:r>
+              <a:rPr lang="ru-RU" dirty="0">
+                <a:solidFill>
+                  <a:srgbClr val="000000"/>
+                </a:solidFill>
+                <a:ea typeface="DejaVu Sans" pitchFamily="2"/>
+                <a:cs typeface="DejaVu Sans" pitchFamily="2"/>
+              </a:rPr>
+              <a:t>, такие таблицы ломаются)</a:t>
+            </a:r>
+            <a:endParaRPr lang="en-US" dirty="0">
+              <a:solidFill>
+                <a:srgbClr val="000000"/>
+              </a:solidFill>
+              <a:ea typeface="DejaVu Sans" pitchFamily="2"/>
+              <a:cs typeface="DejaVu Sans" pitchFamily="2"/>
+            </a:endParaRPr>
+          </a:p>
+          <a:p>
+            <a:pPr lvl="0">
+              <a:buClr>
+                <a:srgbClr val="666666"/>
+              </a:buClr>
+              <a:buSzPct val="45000"/>
+              <a:buFont typeface="StarSymbol"/>
+              <a:buChar char="●"/>
+            </a:pPr>
+            <a:r>
+              <a:rPr lang="en-US" dirty="0">
+                <a:solidFill>
+                  <a:srgbClr val="000000"/>
+                </a:solidFill>
+                <a:ea typeface="DejaVu Sans" pitchFamily="2"/>
+                <a:cs typeface="DejaVu Sans" pitchFamily="2"/>
+              </a:rPr>
+              <a:t>Какие еще есть варианты</a:t>
+            </a:r>
+          </a:p>
+          <a:p>
+            <a:endParaRPr lang="ru-RU" dirty="0"/>
           </a:p>
         </p:txBody>
       </p:sp>
     </p:spTree>
     <p:extLst>
       <p:ext uri="{BB962C8B-B14F-4D97-AF65-F5344CB8AC3E}">
-        <p14:creationId xmlns:p14="http://schemas.microsoft.com/office/powerpoint/2010/main" val="1967959849"/>
+        <p14:creationId xmlns:p14="http://schemas.microsoft.com/office/powerpoint/2010/main" val="2537559778"/>
       </p:ext>
     </p:extLst>
   </p:cSld>
@@ -5490,6 +5931,672 @@
           <p:cNvPr id="2" name="Title 1">
             <a:extLst>
               <a:ext uri="{FF2B5EF4-FFF2-40B4-BE49-F238E27FC236}">
+                <a16:creationId xmlns:a16="http://schemas.microsoft.com/office/drawing/2014/main" id="{758213DD-3EDA-455B-8835-00FD804FA17A}"/>
+              </a:ext>
+            </a:extLst>
+          </p:cNvPr>
+          <p:cNvSpPr>
+            <a:spLocks noGrp="1"/>
+          </p:cNvSpPr>
+          <p:nvPr>
+            <p:ph type="title"/>
+          </p:nvPr>
+        </p:nvSpPr>
+        <p:spPr/>
+        <p:txBody>
+          <a:bodyPr>
+            <a:normAutofit/>
+          </a:bodyPr>
+          <a:lstStyle/>
+          <a:p>
+            <a:r>
+              <a:rPr lang="en-US" dirty="0">
+                <a:ea typeface="DejaVu Sans" pitchFamily="2"/>
+                <a:cs typeface="DejaVu Sans" pitchFamily="2"/>
+              </a:rPr>
+              <a:t>Оптимизация SQL</a:t>
+            </a:r>
+            <a:br>
+              <a:rPr lang="en-US" dirty="0">
+                <a:ea typeface="DejaVu Sans" pitchFamily="2"/>
+                <a:cs typeface="DejaVu Sans" pitchFamily="2"/>
+              </a:rPr>
+            </a:br>
+            <a:r>
+              <a:rPr lang="en-US" sz="2000" dirty="0" err="1">
+                <a:ea typeface="DejaVu Sans" pitchFamily="2"/>
+                <a:cs typeface="DejaVu Sans" pitchFamily="2"/>
+              </a:rPr>
+              <a:t>Блок</a:t>
+            </a:r>
+            <a:r>
+              <a:rPr lang="en-US" sz="2000" dirty="0">
+                <a:ea typeface="DejaVu Sans" pitchFamily="2"/>
+                <a:cs typeface="DejaVu Sans" pitchFamily="2"/>
+              </a:rPr>
+              <a:t> </a:t>
+            </a:r>
+            <a:r>
+              <a:rPr lang="ru-RU" sz="2000" dirty="0">
+                <a:ea typeface="DejaVu Sans" pitchFamily="2"/>
+                <a:cs typeface="DejaVu Sans" pitchFamily="2"/>
+              </a:rPr>
+              <a:t>5</a:t>
+            </a:r>
+            <a:r>
+              <a:rPr lang="en-US" sz="2000" dirty="0">
+                <a:ea typeface="DejaVu Sans" pitchFamily="2"/>
+                <a:cs typeface="DejaVu Sans" pitchFamily="2"/>
+              </a:rPr>
+              <a:t>: Unlogged таблицы</a:t>
+            </a:r>
+            <a:endParaRPr lang="ru-RU" dirty="0"/>
+          </a:p>
+        </p:txBody>
+      </p:sp>
+      <p:sp>
+        <p:nvSpPr>
+          <p:cNvPr id="3" name="Content Placeholder 2">
+            <a:extLst>
+              <a:ext uri="{FF2B5EF4-FFF2-40B4-BE49-F238E27FC236}">
+                <a16:creationId xmlns:a16="http://schemas.microsoft.com/office/drawing/2014/main" id="{C161AC7D-9235-4A56-9DBD-0A35EEF87042}"/>
+              </a:ext>
+            </a:extLst>
+          </p:cNvPr>
+          <p:cNvSpPr>
+            <a:spLocks noGrp="1"/>
+          </p:cNvSpPr>
+          <p:nvPr>
+            <p:ph idx="1"/>
+          </p:nvPr>
+        </p:nvSpPr>
+        <p:spPr/>
+        <p:txBody>
+          <a:bodyPr/>
+          <a:lstStyle/>
+          <a:p>
+            <a:pPr lvl="0">
+              <a:buClr>
+                <a:srgbClr val="666666"/>
+              </a:buClr>
+              <a:buSzPct val="45000"/>
+              <a:buFont typeface="StarSymbol"/>
+              <a:buChar char="●"/>
+            </a:pPr>
+            <a:r>
+              <a:rPr lang="ru-RU" dirty="0">
+                <a:solidFill>
+                  <a:srgbClr val="000000"/>
+                </a:solidFill>
+                <a:ea typeface="DejaVu Sans" pitchFamily="2"/>
+                <a:cs typeface="DejaVu Sans" pitchFamily="2"/>
+              </a:rPr>
+              <a:t>Практика</a:t>
+            </a:r>
+            <a:endParaRPr lang="ru-RU" dirty="0"/>
+          </a:p>
+        </p:txBody>
+      </p:sp>
+    </p:spTree>
+    <p:extLst>
+      <p:ext uri="{BB962C8B-B14F-4D97-AF65-F5344CB8AC3E}">
+        <p14:creationId xmlns:p14="http://schemas.microsoft.com/office/powerpoint/2010/main" val="1921711037"/>
+      </p:ext>
+    </p:extLst>
+  </p:cSld>
+  <p:clrMapOvr>
+    <a:masterClrMapping/>
+  </p:clrMapOvr>
+</p:sld>
+</file>
+
+<file path=ppt/slides/slide19.xml><?xml version="1.0" encoding="utf-8"?>
+<p:sld xmlns:a="http://schemas.openxmlformats.org/drawingml/2006/main" xmlns:r="http://schemas.openxmlformats.org/officeDocument/2006/relationships" xmlns:p="http://schemas.openxmlformats.org/presentationml/2006/main">
+  <p:cSld>
+    <p:spTree>
+      <p:nvGrpSpPr>
+        <p:cNvPr id="1" name=""/>
+        <p:cNvGrpSpPr/>
+        <p:nvPr/>
+      </p:nvGrpSpPr>
+      <p:grpSpPr>
+        <a:xfrm>
+          <a:off x="0" y="0"/>
+          <a:ext cx="0" cy="0"/>
+          <a:chOff x="0" y="0"/>
+          <a:chExt cx="0" cy="0"/>
+        </a:xfrm>
+      </p:grpSpPr>
+      <p:sp>
+        <p:nvSpPr>
+          <p:cNvPr id="2" name="Title 1">
+            <a:extLst>
+              <a:ext uri="{FF2B5EF4-FFF2-40B4-BE49-F238E27FC236}">
+                <a16:creationId xmlns:a16="http://schemas.microsoft.com/office/drawing/2014/main" id="{9BB4425D-EFFE-4C7B-BAB3-696974B86ECB}"/>
+              </a:ext>
+            </a:extLst>
+          </p:cNvPr>
+          <p:cNvSpPr>
+            <a:spLocks noGrp="1"/>
+          </p:cNvSpPr>
+          <p:nvPr>
+            <p:ph type="title"/>
+          </p:nvPr>
+        </p:nvSpPr>
+        <p:spPr/>
+        <p:txBody>
+          <a:bodyPr>
+            <a:normAutofit/>
+          </a:bodyPr>
+          <a:lstStyle/>
+          <a:p>
+            <a:r>
+              <a:rPr lang="en-US" dirty="0">
+                <a:ea typeface="DejaVu Sans" pitchFamily="2"/>
+                <a:cs typeface="DejaVu Sans" pitchFamily="2"/>
+              </a:rPr>
+              <a:t>Оптимизация SQL</a:t>
+            </a:r>
+            <a:br>
+              <a:rPr lang="en-US" dirty="0">
+                <a:ea typeface="DejaVu Sans" pitchFamily="2"/>
+                <a:cs typeface="DejaVu Sans" pitchFamily="2"/>
+              </a:rPr>
+            </a:br>
+            <a:r>
+              <a:rPr lang="ru-RU" sz="2000" dirty="0">
+                <a:ea typeface="DejaVu Sans" pitchFamily="2"/>
+                <a:cs typeface="DejaVu Sans" pitchFamily="2"/>
+              </a:rPr>
+              <a:t>Итоги</a:t>
+            </a:r>
+            <a:endParaRPr lang="ru-RU" dirty="0"/>
+          </a:p>
+        </p:txBody>
+      </p:sp>
+      <p:sp>
+        <p:nvSpPr>
+          <p:cNvPr id="3" name="Content Placeholder 2">
+            <a:extLst>
+              <a:ext uri="{FF2B5EF4-FFF2-40B4-BE49-F238E27FC236}">
+                <a16:creationId xmlns:a16="http://schemas.microsoft.com/office/drawing/2014/main" id="{B0E0C843-357D-4ABC-9BF5-821708867C3C}"/>
+              </a:ext>
+            </a:extLst>
+          </p:cNvPr>
+          <p:cNvSpPr>
+            <a:spLocks noGrp="1"/>
+          </p:cNvSpPr>
+          <p:nvPr>
+            <p:ph idx="1"/>
+          </p:nvPr>
+        </p:nvSpPr>
+        <p:spPr>
+          <a:xfrm>
+            <a:off x="1069848" y="1930873"/>
+            <a:ext cx="10817352" cy="4780398"/>
+          </a:xfrm>
+        </p:spPr>
+        <p:txBody>
+          <a:bodyPr>
+            <a:normAutofit/>
+          </a:bodyPr>
+          <a:lstStyle/>
+          <a:p>
+            <a:pPr marL="457200" indent="-457200">
+              <a:buFont typeface="+mj-lt"/>
+              <a:buAutoNum type="arabicPeriod"/>
+            </a:pPr>
+            <a:r>
+              <a:rPr lang="ru-RU" dirty="0"/>
+              <a:t>Старт оптимизации – построение плана выполнения запроса - </a:t>
+            </a:r>
+            <a:r>
+              <a:rPr lang="af-ZA" b="1" dirty="0"/>
+              <a:t>explain (analyze)</a:t>
+            </a:r>
+            <a:endParaRPr lang="ru-RU" b="1" dirty="0"/>
+          </a:p>
+          <a:p>
+            <a:pPr marL="457200" indent="-457200">
+              <a:buFont typeface="+mj-lt"/>
+              <a:buAutoNum type="arabicPeriod"/>
+            </a:pPr>
+            <a:r>
+              <a:rPr lang="ru-RU" dirty="0"/>
+              <a:t>Оптимальность запроса может зависеть от общей нагрузки на сервер – проверяем общие метрики</a:t>
+            </a:r>
+          </a:p>
+          <a:p>
+            <a:pPr marL="457200" indent="-457200">
+              <a:buFont typeface="+mj-lt"/>
+              <a:buAutoNum type="arabicPeriod"/>
+            </a:pPr>
+            <a:r>
+              <a:rPr lang="ru-RU" dirty="0"/>
+              <a:t>Индексы – это хорошо, если в меру</a:t>
+            </a:r>
+          </a:p>
+          <a:p>
+            <a:pPr marL="457200" indent="-457200">
+              <a:buFont typeface="+mj-lt"/>
+              <a:buAutoNum type="arabicPeriod"/>
+            </a:pPr>
+            <a:r>
+              <a:rPr lang="ru-RU" dirty="0"/>
+              <a:t>Проверяем вид </a:t>
+            </a:r>
+            <a:r>
+              <a:rPr lang="en-US" dirty="0"/>
+              <a:t>join</a:t>
+            </a:r>
+            <a:r>
+              <a:rPr lang="ru-RU" dirty="0"/>
+              <a:t> - нет </a:t>
+            </a:r>
+            <a:r>
+              <a:rPr lang="ru-RU" dirty="0" err="1"/>
+              <a:t>nested</a:t>
+            </a:r>
+            <a:r>
+              <a:rPr lang="ru-RU" dirty="0"/>
+              <a:t> </a:t>
+            </a:r>
+            <a:r>
+              <a:rPr lang="ru-RU" dirty="0" err="1"/>
+              <a:t>loop-ам</a:t>
+            </a:r>
+            <a:r>
+              <a:rPr lang="ru-RU" dirty="0"/>
+              <a:t> (кроме крайней необходимости)!</a:t>
+            </a:r>
+            <a:endParaRPr lang="en-US" dirty="0"/>
+          </a:p>
+          <a:p>
+            <a:pPr marL="457200" indent="-457200">
+              <a:buFont typeface="+mj-lt"/>
+              <a:buAutoNum type="arabicPeriod"/>
+            </a:pPr>
+            <a:r>
+              <a:rPr lang="en-US"/>
+              <a:t>Union </a:t>
+            </a:r>
+            <a:r>
+              <a:rPr lang="en-US" dirty="0"/>
+              <a:t>all</a:t>
+            </a:r>
+            <a:r>
+              <a:rPr lang="ru-RU" dirty="0"/>
+              <a:t> вместо </a:t>
+            </a:r>
+            <a:r>
+              <a:rPr lang="en-US" dirty="0"/>
+              <a:t>Union</a:t>
+            </a:r>
+          </a:p>
+          <a:p>
+            <a:pPr marL="457200" indent="-457200">
+              <a:buFont typeface="+mj-lt"/>
+              <a:buAutoNum type="arabicPeriod"/>
+            </a:pPr>
+            <a:r>
+              <a:rPr lang="ru-RU" dirty="0"/>
+              <a:t>В запросе много </a:t>
+            </a:r>
+            <a:r>
+              <a:rPr lang="en-US" dirty="0"/>
+              <a:t>join (&gt;10) –</a:t>
+            </a:r>
+            <a:r>
+              <a:rPr lang="ru-RU" dirty="0"/>
+              <a:t> приземляем промежуточный результат</a:t>
+            </a:r>
+          </a:p>
+          <a:p>
+            <a:pPr marL="457200" indent="-457200">
+              <a:buFont typeface="+mj-lt"/>
+              <a:buAutoNum type="arabicPeriod"/>
+            </a:pPr>
+            <a:r>
+              <a:rPr lang="ru-RU" dirty="0"/>
+              <a:t>Для промежуточных таблиц можно использовать </a:t>
+            </a:r>
+            <a:r>
+              <a:rPr lang="en-US" dirty="0"/>
+              <a:t>Unlogged</a:t>
+            </a:r>
+            <a:endParaRPr lang="ru-RU" dirty="0"/>
+          </a:p>
+          <a:p>
+            <a:pPr marL="457200" indent="-457200">
+              <a:buFont typeface="+mj-lt"/>
+              <a:buAutoNum type="arabicPeriod"/>
+            </a:pPr>
+            <a:r>
+              <a:rPr lang="ru-RU" dirty="0"/>
+              <a:t>Изучаем особенности оптимизации в рамках той СУБД, с которой работаем</a:t>
+            </a:r>
+          </a:p>
+          <a:p>
+            <a:pPr marL="617220" lvl="1" indent="-342900">
+              <a:buFont typeface="+mj-lt"/>
+              <a:buAutoNum type="arabicPeriod"/>
+            </a:pPr>
+            <a:r>
+              <a:rPr lang="ru-RU" dirty="0"/>
+              <a:t>Teradata - нет необходимости удалять индекс при массовом изменении данных</a:t>
+            </a:r>
+          </a:p>
+          <a:p>
+            <a:pPr marL="617220" lvl="1" indent="-342900">
+              <a:buFont typeface="+mj-lt"/>
+              <a:buAutoNum type="arabicPeriod"/>
+            </a:pPr>
+            <a:r>
+              <a:rPr lang="en-US" dirty="0"/>
+              <a:t>Oracle - </a:t>
+            </a:r>
+            <a:r>
+              <a:rPr lang="ru-RU" dirty="0"/>
+              <a:t>множество хинтов для помощи оптимизатору</a:t>
+            </a:r>
+          </a:p>
+        </p:txBody>
+      </p:sp>
+    </p:spTree>
+    <p:extLst>
+      <p:ext uri="{BB962C8B-B14F-4D97-AF65-F5344CB8AC3E}">
+        <p14:creationId xmlns:p14="http://schemas.microsoft.com/office/powerpoint/2010/main" val="1967959849"/>
+      </p:ext>
+    </p:extLst>
+  </p:cSld>
+  <p:clrMapOvr>
+    <a:masterClrMapping/>
+  </p:clrMapOvr>
+</p:sld>
+</file>
+
+<file path=ppt/slides/slide2.xml><?xml version="1.0" encoding="utf-8"?>
+<p:sld xmlns:a="http://schemas.openxmlformats.org/drawingml/2006/main" xmlns:r="http://schemas.openxmlformats.org/officeDocument/2006/relationships" xmlns:p="http://schemas.openxmlformats.org/presentationml/2006/main">
+  <p:cSld>
+    <p:spTree>
+      <p:nvGrpSpPr>
+        <p:cNvPr id="1" name=""/>
+        <p:cNvGrpSpPr/>
+        <p:nvPr/>
+      </p:nvGrpSpPr>
+      <p:grpSpPr>
+        <a:xfrm>
+          <a:off x="0" y="0"/>
+          <a:ext cx="0" cy="0"/>
+          <a:chOff x="0" y="0"/>
+          <a:chExt cx="0" cy="0"/>
+        </a:xfrm>
+      </p:grpSpPr>
+      <p:sp>
+        <p:nvSpPr>
+          <p:cNvPr id="2" name="Title 1">
+            <a:extLst>
+              <a:ext uri="{FF2B5EF4-FFF2-40B4-BE49-F238E27FC236}">
+                <a16:creationId xmlns:a16="http://schemas.microsoft.com/office/drawing/2014/main" id="{167639D8-8593-4ED9-BB37-6167D5451BC1}"/>
+              </a:ext>
+            </a:extLst>
+          </p:cNvPr>
+          <p:cNvSpPr>
+            <a:spLocks noGrp="1"/>
+          </p:cNvSpPr>
+          <p:nvPr>
+            <p:ph type="title"/>
+          </p:nvPr>
+        </p:nvSpPr>
+        <p:spPr/>
+        <p:txBody>
+          <a:bodyPr/>
+          <a:lstStyle/>
+          <a:p>
+            <a:r>
+              <a:rPr lang="en-US" dirty="0">
+                <a:ea typeface="DejaVu Sans" pitchFamily="2"/>
+                <a:cs typeface="DejaVu Sans" pitchFamily="2"/>
+              </a:rPr>
+              <a:t>Оптимизация SQL</a:t>
+            </a:r>
+            <a:br>
+              <a:rPr lang="ru-RU" dirty="0">
+                <a:ea typeface="DejaVu Sans" pitchFamily="2"/>
+                <a:cs typeface="DejaVu Sans" pitchFamily="2"/>
+              </a:rPr>
+            </a:br>
+            <a:r>
+              <a:rPr lang="ru-RU" sz="2400" dirty="0">
+                <a:ea typeface="DejaVu Sans" pitchFamily="2"/>
+                <a:cs typeface="DejaVu Sans" pitchFamily="2"/>
+              </a:rPr>
+              <a:t>Перед стартом</a:t>
+            </a:r>
+            <a:endParaRPr lang="ru-RU" dirty="0"/>
+          </a:p>
+        </p:txBody>
+      </p:sp>
+      <p:sp>
+        <p:nvSpPr>
+          <p:cNvPr id="3" name="Content Placeholder 2">
+            <a:extLst>
+              <a:ext uri="{FF2B5EF4-FFF2-40B4-BE49-F238E27FC236}">
+                <a16:creationId xmlns:a16="http://schemas.microsoft.com/office/drawing/2014/main" id="{35FCC3B0-181C-48B0-B434-7CC28CB160FB}"/>
+              </a:ext>
+            </a:extLst>
+          </p:cNvPr>
+          <p:cNvSpPr>
+            <a:spLocks noGrp="1"/>
+          </p:cNvSpPr>
+          <p:nvPr>
+            <p:ph idx="1"/>
+          </p:nvPr>
+        </p:nvSpPr>
+        <p:spPr/>
+        <p:txBody>
+          <a:bodyPr/>
+          <a:lstStyle/>
+          <a:p>
+            <a:pPr>
+              <a:buClr>
+                <a:srgbClr val="666666"/>
+              </a:buClr>
+              <a:buSzPct val="45000"/>
+            </a:pPr>
+            <a:r>
+              <a:rPr lang="ru-RU" dirty="0">
+                <a:solidFill>
+                  <a:srgbClr val="000000"/>
+                </a:solidFill>
+                <a:ea typeface="DejaVu Sans" pitchFamily="2"/>
+                <a:cs typeface="DejaVu Sans" pitchFamily="2"/>
+              </a:rPr>
+              <a:t>На компьютере должны быть установлены:</a:t>
+            </a:r>
+          </a:p>
+          <a:p>
+            <a:pPr lvl="1">
+              <a:buClr>
+                <a:srgbClr val="666666"/>
+              </a:buClr>
+              <a:buSzPct val="45000"/>
+            </a:pPr>
+            <a:r>
+              <a:rPr lang="ru-RU" dirty="0">
+                <a:solidFill>
+                  <a:srgbClr val="000000"/>
+                </a:solidFill>
+                <a:ea typeface="DejaVu Sans" pitchFamily="2"/>
+                <a:cs typeface="DejaVu Sans" pitchFamily="2"/>
+              </a:rPr>
+              <a:t>Docker</a:t>
+            </a:r>
+          </a:p>
+          <a:p>
+            <a:pPr lvl="1">
+              <a:buClr>
+                <a:srgbClr val="666666"/>
+              </a:buClr>
+              <a:buSzPct val="45000"/>
+            </a:pPr>
+            <a:r>
+              <a:rPr lang="ru-RU" dirty="0">
+                <a:solidFill>
+                  <a:srgbClr val="000000"/>
+                </a:solidFill>
+                <a:ea typeface="DejaVu Sans" pitchFamily="2"/>
+                <a:cs typeface="DejaVu Sans" pitchFamily="2"/>
+              </a:rPr>
+              <a:t>docker-compose</a:t>
+            </a:r>
+          </a:p>
+          <a:p>
+            <a:pPr lvl="1">
+              <a:buClr>
+                <a:srgbClr val="666666"/>
+              </a:buClr>
+              <a:buSzPct val="45000"/>
+            </a:pPr>
+            <a:r>
+              <a:rPr lang="ru-RU" dirty="0">
+                <a:solidFill>
+                  <a:srgbClr val="000000"/>
+                </a:solidFill>
+                <a:ea typeface="DejaVu Sans" pitchFamily="2"/>
+                <a:cs typeface="DejaVu Sans" pitchFamily="2"/>
+              </a:rPr>
+              <a:t>клиент для работы с БД (</a:t>
+            </a:r>
+            <a:r>
+              <a:rPr lang="ru-RU" sz="1400" dirty="0">
+                <a:solidFill>
+                  <a:srgbClr val="000000"/>
+                </a:solidFill>
+                <a:ea typeface="DejaVu Sans" pitchFamily="2"/>
+                <a:cs typeface="DejaVu Sans" pitchFamily="2"/>
+              </a:rPr>
+              <a:t>например dbeaver</a:t>
+            </a:r>
+            <a:r>
+              <a:rPr lang="ru-RU" dirty="0">
+                <a:solidFill>
+                  <a:srgbClr val="000000"/>
+                </a:solidFill>
+                <a:ea typeface="DejaVu Sans" pitchFamily="2"/>
+                <a:cs typeface="DejaVu Sans" pitchFamily="2"/>
+              </a:rPr>
+              <a:t>)</a:t>
+            </a:r>
+          </a:p>
+          <a:p>
+            <a:pPr lvl="0">
+              <a:buClr>
+                <a:srgbClr val="666666"/>
+              </a:buClr>
+              <a:buSzPct val="45000"/>
+              <a:buFont typeface="StarSymbol"/>
+              <a:buChar char="●"/>
+            </a:pPr>
+            <a:r>
+              <a:rPr lang="ru-RU" dirty="0">
+                <a:solidFill>
+                  <a:srgbClr val="000000"/>
+                </a:solidFill>
+                <a:ea typeface="DejaVu Sans" pitchFamily="2"/>
+                <a:cs typeface="DejaVu Sans" pitchFamily="2"/>
+              </a:rPr>
+              <a:t>Необходимо скачать git репозиторий: </a:t>
+            </a:r>
+            <a:r>
+              <a:rPr lang="af-ZA" dirty="0">
+                <a:solidFill>
+                  <a:srgbClr val="000000"/>
+                </a:solidFill>
+                <a:ea typeface="DejaVu Sans" pitchFamily="2"/>
+                <a:cs typeface="DejaVu Sans" pitchFamily="2"/>
+                <a:hlinkClick r:id="rId2"/>
+              </a:rPr>
+              <a:t>https://github.com/Minastirise/</a:t>
+            </a:r>
+            <a:r>
+              <a:rPr lang="ru-RU" dirty="0" err="1">
+                <a:solidFill>
+                  <a:srgbClr val="000000"/>
+                </a:solidFill>
+                <a:ea typeface="DejaVu Sans" pitchFamily="2"/>
+                <a:cs typeface="DejaVu Sans" pitchFamily="2"/>
+                <a:hlinkClick r:id="rId2"/>
+              </a:rPr>
+              <a:t>workshop_sql_optimization</a:t>
+            </a:r>
+            <a:endParaRPr lang="en-US" dirty="0">
+              <a:solidFill>
+                <a:srgbClr val="000000"/>
+              </a:solidFill>
+              <a:ea typeface="DejaVu Sans" pitchFamily="2"/>
+              <a:cs typeface="DejaVu Sans" pitchFamily="2"/>
+            </a:endParaRPr>
+          </a:p>
+          <a:p>
+            <a:pPr marL="0" lvl="0" indent="0">
+              <a:buClr>
+                <a:srgbClr val="666666"/>
+              </a:buClr>
+              <a:buSzPct val="45000"/>
+              <a:buNone/>
+            </a:pPr>
+            <a:endParaRPr lang="ru-RU" dirty="0">
+              <a:solidFill>
+                <a:srgbClr val="000000"/>
+              </a:solidFill>
+              <a:ea typeface="DejaVu Sans" pitchFamily="2"/>
+              <a:cs typeface="DejaVu Sans" pitchFamily="2"/>
+            </a:endParaRPr>
+          </a:p>
+          <a:p>
+            <a:pPr marL="0" indent="0">
+              <a:buNone/>
+            </a:pPr>
+            <a:endParaRPr lang="ru-RU" dirty="0"/>
+          </a:p>
+        </p:txBody>
+      </p:sp>
+    </p:spTree>
+    <p:extLst>
+      <p:ext uri="{BB962C8B-B14F-4D97-AF65-F5344CB8AC3E}">
+        <p14:creationId xmlns:p14="http://schemas.microsoft.com/office/powerpoint/2010/main" val="1457357615"/>
+      </p:ext>
+    </p:extLst>
+  </p:cSld>
+  <p:clrMapOvr>
+    <a:masterClrMapping/>
+  </p:clrMapOvr>
+</p:sld>
+</file>
+
+<file path=ppt/slides/slide20.xml><?xml version="1.0" encoding="utf-8"?>
+<p:sld xmlns:a="http://schemas.openxmlformats.org/drawingml/2006/main" xmlns:r="http://schemas.openxmlformats.org/officeDocument/2006/relationships" xmlns:p="http://schemas.openxmlformats.org/presentationml/2006/main">
+  <p:cSld>
+    <p:spTree>
+      <p:nvGrpSpPr>
+        <p:cNvPr id="1" name=""/>
+        <p:cNvGrpSpPr/>
+        <p:nvPr/>
+      </p:nvGrpSpPr>
+      <p:grpSpPr>
+        <a:xfrm>
+          <a:off x="0" y="0"/>
+          <a:ext cx="0" cy="0"/>
+          <a:chOff x="0" y="0"/>
+          <a:chExt cx="0" cy="0"/>
+        </a:xfrm>
+      </p:grpSpPr>
+      <p:sp>
+        <p:nvSpPr>
+          <p:cNvPr id="2" name="Title 1">
+            <a:extLst>
+              <a:ext uri="{FF2B5EF4-FFF2-40B4-BE49-F238E27FC236}">
                 <a16:creationId xmlns:a16="http://schemas.microsoft.com/office/drawing/2014/main" id="{42DED8B5-3736-4F67-AF04-223CB6047EFE}"/>
               </a:ext>
             </a:extLst>
@@ -5653,7 +6760,7 @@
 </p:sld>
 </file>
 
-<file path=ppt/slides/slide19.xml><?xml version="1.0" encoding="utf-8"?>
+<file path=ppt/slides/slide21.xml><?xml version="1.0" encoding="utf-8"?>
 <p:sld xmlns:a="http://schemas.openxmlformats.org/drawingml/2006/main" xmlns:r="http://schemas.openxmlformats.org/officeDocument/2006/relationships" xmlns:p="http://schemas.openxmlformats.org/presentationml/2006/main">
   <p:cSld>
     <p:spTree>
@@ -5820,266 +6927,6 @@
 </p:sld>
 </file>
 
-<file path=ppt/slides/slide2.xml><?xml version="1.0" encoding="utf-8"?>
-<p:sld xmlns:a="http://schemas.openxmlformats.org/drawingml/2006/main" xmlns:r="http://schemas.openxmlformats.org/officeDocument/2006/relationships" xmlns:p="http://schemas.openxmlformats.org/presentationml/2006/main">
-  <p:cSld>
-    <p:spTree>
-      <p:nvGrpSpPr>
-        <p:cNvPr id="1" name=""/>
-        <p:cNvGrpSpPr/>
-        <p:nvPr/>
-      </p:nvGrpSpPr>
-      <p:grpSpPr>
-        <a:xfrm>
-          <a:off x="0" y="0"/>
-          <a:ext cx="0" cy="0"/>
-          <a:chOff x="0" y="0"/>
-          <a:chExt cx="0" cy="0"/>
-        </a:xfrm>
-      </p:grpSpPr>
-      <p:sp>
-        <p:nvSpPr>
-          <p:cNvPr id="2" name="Title 1">
-            <a:extLst>
-              <a:ext uri="{FF2B5EF4-FFF2-40B4-BE49-F238E27FC236}">
-                <a16:creationId xmlns:a16="http://schemas.microsoft.com/office/drawing/2014/main" id="{167639D8-8593-4ED9-BB37-6167D5451BC1}"/>
-              </a:ext>
-            </a:extLst>
-          </p:cNvPr>
-          <p:cNvSpPr>
-            <a:spLocks noGrp="1"/>
-          </p:cNvSpPr>
-          <p:nvPr>
-            <p:ph type="title"/>
-          </p:nvPr>
-        </p:nvSpPr>
-        <p:spPr/>
-        <p:txBody>
-          <a:bodyPr/>
-          <a:lstStyle/>
-          <a:p>
-            <a:r>
-              <a:rPr lang="en-US" dirty="0">
-                <a:ea typeface="DejaVu Sans" pitchFamily="2"/>
-                <a:cs typeface="DejaVu Sans" pitchFamily="2"/>
-              </a:rPr>
-              <a:t>Оптимизация SQL</a:t>
-            </a:r>
-            <a:br>
-              <a:rPr lang="ru-RU" dirty="0">
-                <a:ea typeface="DejaVu Sans" pitchFamily="2"/>
-                <a:cs typeface="DejaVu Sans" pitchFamily="2"/>
-              </a:rPr>
-            </a:br>
-            <a:r>
-              <a:rPr lang="ru-RU" sz="2400" dirty="0">
-                <a:ea typeface="DejaVu Sans" pitchFamily="2"/>
-                <a:cs typeface="DejaVu Sans" pitchFamily="2"/>
-              </a:rPr>
-              <a:t>Перед стартом</a:t>
-            </a:r>
-            <a:endParaRPr lang="ru-RU" dirty="0"/>
-          </a:p>
-        </p:txBody>
-      </p:sp>
-      <p:sp>
-        <p:nvSpPr>
-          <p:cNvPr id="3" name="Content Placeholder 2">
-            <a:extLst>
-              <a:ext uri="{FF2B5EF4-FFF2-40B4-BE49-F238E27FC236}">
-                <a16:creationId xmlns:a16="http://schemas.microsoft.com/office/drawing/2014/main" id="{35FCC3B0-181C-48B0-B434-7CC28CB160FB}"/>
-              </a:ext>
-            </a:extLst>
-          </p:cNvPr>
-          <p:cNvSpPr>
-            <a:spLocks noGrp="1"/>
-          </p:cNvSpPr>
-          <p:nvPr>
-            <p:ph idx="1"/>
-          </p:nvPr>
-        </p:nvSpPr>
-        <p:spPr/>
-        <p:txBody>
-          <a:bodyPr/>
-          <a:lstStyle/>
-          <a:p>
-            <a:pPr>
-              <a:buClr>
-                <a:srgbClr val="666666"/>
-              </a:buClr>
-              <a:buSzPct val="45000"/>
-            </a:pPr>
-            <a:r>
-              <a:rPr lang="ru-RU" dirty="0">
-                <a:solidFill>
-                  <a:srgbClr val="000000"/>
-                </a:solidFill>
-                <a:ea typeface="DejaVu Sans" pitchFamily="2"/>
-                <a:cs typeface="DejaVu Sans" pitchFamily="2"/>
-              </a:rPr>
-              <a:t>На компьютере должны быть установлены:</a:t>
-            </a:r>
-          </a:p>
-          <a:p>
-            <a:pPr lvl="1">
-              <a:buClr>
-                <a:srgbClr val="666666"/>
-              </a:buClr>
-              <a:buSzPct val="45000"/>
-            </a:pPr>
-            <a:r>
-              <a:rPr lang="ru-RU" dirty="0">
-                <a:solidFill>
-                  <a:srgbClr val="000000"/>
-                </a:solidFill>
-                <a:ea typeface="DejaVu Sans" pitchFamily="2"/>
-                <a:cs typeface="DejaVu Sans" pitchFamily="2"/>
-              </a:rPr>
-              <a:t>Docker</a:t>
-            </a:r>
-          </a:p>
-          <a:p>
-            <a:pPr lvl="1">
-              <a:buClr>
-                <a:srgbClr val="666666"/>
-              </a:buClr>
-              <a:buSzPct val="45000"/>
-            </a:pPr>
-            <a:r>
-              <a:rPr lang="ru-RU" dirty="0">
-                <a:solidFill>
-                  <a:srgbClr val="000000"/>
-                </a:solidFill>
-                <a:ea typeface="DejaVu Sans" pitchFamily="2"/>
-                <a:cs typeface="DejaVu Sans" pitchFamily="2"/>
-              </a:rPr>
-              <a:t>docker-compose</a:t>
-            </a:r>
-          </a:p>
-          <a:p>
-            <a:pPr lvl="1">
-              <a:buClr>
-                <a:srgbClr val="666666"/>
-              </a:buClr>
-              <a:buSzPct val="45000"/>
-            </a:pPr>
-            <a:r>
-              <a:rPr lang="ru-RU" dirty="0">
-                <a:solidFill>
-                  <a:srgbClr val="000000"/>
-                </a:solidFill>
-                <a:ea typeface="DejaVu Sans" pitchFamily="2"/>
-                <a:cs typeface="DejaVu Sans" pitchFamily="2"/>
-              </a:rPr>
-              <a:t>клиент для работы с БД (</a:t>
-            </a:r>
-            <a:r>
-              <a:rPr lang="ru-RU" sz="1400" dirty="0">
-                <a:solidFill>
-                  <a:srgbClr val="000000"/>
-                </a:solidFill>
-                <a:ea typeface="DejaVu Sans" pitchFamily="2"/>
-                <a:cs typeface="DejaVu Sans" pitchFamily="2"/>
-              </a:rPr>
-              <a:t>например dbeaver</a:t>
-            </a:r>
-            <a:r>
-              <a:rPr lang="ru-RU" dirty="0">
-                <a:solidFill>
-                  <a:srgbClr val="000000"/>
-                </a:solidFill>
-                <a:ea typeface="DejaVu Sans" pitchFamily="2"/>
-                <a:cs typeface="DejaVu Sans" pitchFamily="2"/>
-              </a:rPr>
-              <a:t>)</a:t>
-            </a:r>
-          </a:p>
-          <a:p>
-            <a:pPr lvl="0">
-              <a:buClr>
-                <a:srgbClr val="666666"/>
-              </a:buClr>
-              <a:buSzPct val="45000"/>
-              <a:buFont typeface="StarSymbol"/>
-              <a:buChar char="●"/>
-            </a:pPr>
-            <a:r>
-              <a:rPr lang="ru-RU" dirty="0">
-                <a:solidFill>
-                  <a:srgbClr val="000000"/>
-                </a:solidFill>
-                <a:ea typeface="DejaVu Sans" pitchFamily="2"/>
-                <a:cs typeface="DejaVu Sans" pitchFamily="2"/>
-              </a:rPr>
-              <a:t>Необходимо скачать git репозиторий: </a:t>
-            </a:r>
-            <a:r>
-              <a:rPr lang="af-ZA" dirty="0">
-                <a:solidFill>
-                  <a:srgbClr val="000000"/>
-                </a:solidFill>
-                <a:ea typeface="DejaVu Sans" pitchFamily="2"/>
-                <a:cs typeface="DejaVu Sans" pitchFamily="2"/>
-                <a:hlinkClick r:id="rId2"/>
-              </a:rPr>
-              <a:t>https://github.com/Minastirise/</a:t>
-            </a:r>
-            <a:r>
-              <a:rPr lang="ru-RU" dirty="0" err="1">
-                <a:solidFill>
-                  <a:srgbClr val="000000"/>
-                </a:solidFill>
-                <a:ea typeface="DejaVu Sans" pitchFamily="2"/>
-                <a:cs typeface="DejaVu Sans" pitchFamily="2"/>
-                <a:hlinkClick r:id="rId2"/>
-              </a:rPr>
-              <a:t>workshop_sql_optimization</a:t>
-            </a:r>
-            <a:endParaRPr lang="en-US" dirty="0">
-              <a:solidFill>
-                <a:srgbClr val="000000"/>
-              </a:solidFill>
-              <a:ea typeface="DejaVu Sans" pitchFamily="2"/>
-              <a:cs typeface="DejaVu Sans" pitchFamily="2"/>
-            </a:endParaRPr>
-          </a:p>
-          <a:p>
-            <a:pPr marL="0" lvl="0" indent="0">
-              <a:buClr>
-                <a:srgbClr val="666666"/>
-              </a:buClr>
-              <a:buSzPct val="45000"/>
-              <a:buNone/>
-            </a:pPr>
-            <a:endParaRPr lang="ru-RU" dirty="0">
-              <a:solidFill>
-                <a:srgbClr val="000000"/>
-              </a:solidFill>
-              <a:ea typeface="DejaVu Sans" pitchFamily="2"/>
-              <a:cs typeface="DejaVu Sans" pitchFamily="2"/>
-            </a:endParaRPr>
-          </a:p>
-          <a:p>
-            <a:pPr marL="0" indent="0">
-              <a:buNone/>
-            </a:pPr>
-            <a:endParaRPr lang="ru-RU" dirty="0"/>
-          </a:p>
-        </p:txBody>
-      </p:sp>
-    </p:spTree>
-    <p:extLst>
-      <p:ext uri="{BB962C8B-B14F-4D97-AF65-F5344CB8AC3E}">
-        <p14:creationId xmlns:p14="http://schemas.microsoft.com/office/powerpoint/2010/main" val="1457357615"/>
-      </p:ext>
-    </p:extLst>
-  </p:cSld>
-  <p:clrMapOvr>
-    <a:masterClrMapping/>
-  </p:clrMapOvr>
-</p:sld>
-</file>
-
 <file path=ppt/slides/slide3.xml><?xml version="1.0" encoding="utf-8"?>
 <p:sld xmlns:a="http://schemas.openxmlformats.org/drawingml/2006/main" xmlns:r="http://schemas.openxmlformats.org/officeDocument/2006/relationships" xmlns:p="http://schemas.openxmlformats.org/presentationml/2006/main">
   <p:cSld>
@@ -6228,6 +7075,13 @@
               </a:rPr>
               <a:t>Блок 1:  Использование индексов</a:t>
             </a:r>
+            <a:endParaRPr lang="en-US" dirty="0">
+              <a:solidFill>
+                <a:srgbClr val="000000"/>
+              </a:solidFill>
+              <a:ea typeface="DejaVu Sans" pitchFamily="2"/>
+              <a:cs typeface="DejaVu Sans" pitchFamily="2"/>
+            </a:endParaRPr>
           </a:p>
           <a:p>
             <a:pPr lvl="0">
@@ -6246,7 +7100,27 @@
                 <a:ea typeface="DejaVu Sans" pitchFamily="2"/>
                 <a:cs typeface="DejaVu Sans" pitchFamily="2"/>
               </a:rPr>
-              <a:t>Блок 2:  Union vs union all</a:t>
+              <a:t>Блок 2:  Виды физических </a:t>
+            </a:r>
+            <a:r>
+              <a:rPr lang="en-US" dirty="0">
+                <a:solidFill>
+                  <a:srgbClr val="000000"/>
+                </a:solidFill>
+                <a:ea typeface="DejaVu Sans" pitchFamily="2"/>
+                <a:cs typeface="DejaVu Sans" pitchFamily="2"/>
+              </a:rPr>
+              <a:t>join</a:t>
+            </a:r>
+            <a:r>
+              <a:rPr lang="ru-RU" dirty="0">
+                <a:solidFill>
+                  <a:srgbClr val="000000"/>
+                </a:solidFill>
+                <a:ea typeface="DejaVu Sans" pitchFamily="2"/>
+                <a:cs typeface="DejaVu Sans" pitchFamily="2"/>
+              </a:rPr>
+              <a:t> и какой выбрать</a:t>
             </a:r>
           </a:p>
           <a:p>
@@ -6266,7 +7140,7 @@
                 <a:ea typeface="DejaVu Sans" pitchFamily="2"/>
                 <a:cs typeface="DejaVu Sans" pitchFamily="2"/>
               </a:rPr>
-              <a:t>Блок 3:  Вложенные джоины</a:t>
+              <a:t>Блок 3:  Union vs union all</a:t>
             </a:r>
           </a:p>
           <a:p>
@@ -6286,7 +7160,27 @@
                 <a:ea typeface="DejaVu Sans" pitchFamily="2"/>
                 <a:cs typeface="DejaVu Sans" pitchFamily="2"/>
               </a:rPr>
-              <a:t>Блок 4:  Unlogged таблицы</a:t>
+              <a:t>Блок 4:  Вложенные джоины</a:t>
+            </a:r>
+          </a:p>
+          <a:p>
+            <a:pPr lvl="0">
+              <a:buClr>
+                <a:srgbClr val="666666"/>
+              </a:buClr>
+              <a:buSzPct val="45000"/>
+              <a:buFont typeface="StarSymbol"/>
+              <a:buChar char="●"/>
+            </a:pPr>
+            <a:r>
+              <a:rPr lang="ru-RU" dirty="0">
+                <a:solidFill>
+                  <a:srgbClr val="000000"/>
+                </a:solidFill>
+                <a:ea typeface="DejaVu Sans" pitchFamily="2"/>
+                <a:cs typeface="DejaVu Sans" pitchFamily="2"/>
+              </a:rPr>
+              <a:t>Блок 5:  Unlogged таблицы</a:t>
             </a:r>
           </a:p>
           <a:p>
@@ -7850,4 +8744,299 @@
     </a:ext>
   </a:extLst>
 </a:theme>
+</file>
+
+<file path=ppt/theme/theme2.xml><?xml version="1.0" encoding="utf-8"?>
+<a:theme xmlns:a="http://schemas.openxmlformats.org/drawingml/2006/main" name="Office Theme">
+  <a:themeElements>
+    <a:clrScheme name="Office">
+      <a:dk1>
+        <a:sysClr val="windowText" lastClr="000000"/>
+      </a:dk1>
+      <a:lt1>
+        <a:sysClr val="window" lastClr="FFFFFF"/>
+      </a:lt1>
+      <a:dk2>
+        <a:srgbClr val="44546A"/>
+      </a:dk2>
+      <a:lt2>
+        <a:srgbClr val="E7E6E6"/>
+      </a:lt2>
+      <a:accent1>
+        <a:srgbClr val="4472C4"/>
+      </a:accent1>
+      <a:accent2>
+        <a:srgbClr val="ED7D31"/>
+      </a:accent2>
+      <a:accent3>
+        <a:srgbClr val="A5A5A5"/>
+      </a:accent3>
+      <a:accent4>
+        <a:srgbClr val="FFC000"/>
+      </a:accent4>
+      <a:accent5>
+        <a:srgbClr val="5B9BD5"/>
+      </a:accent5>
+      <a:accent6>
+        <a:srgbClr val="70AD47"/>
+      </a:accent6>
+      <a:hlink>
+        <a:srgbClr val="0563C1"/>
+      </a:hlink>
+      <a:folHlink>
+        <a:srgbClr val="954F72"/>
+      </a:folHlink>
+    </a:clrScheme>
+    <a:fontScheme name="Office">
+      <a:majorFont>
+        <a:latin typeface="Calibri Light" panose="020F0302020204030204"/>
+        <a:ea typeface=""/>
+        <a:cs typeface=""/>
+        <a:font script="Jpan" typeface="游ゴシック Light"/>
+        <a:font script="Hang" typeface="맑은 고딕"/>
+        <a:font script="Hans" typeface="等线 Light"/>
+        <a:font script="Hant" typeface="新細明體"/>
+        <a:font script="Arab" typeface="Times New Roman"/>
+        <a:font script="Hebr" typeface="Times New Roman"/>
+        <a:font script="Thai" typeface="Angsana New"/>
+        <a:font script="Ethi" typeface="Nyala"/>
+        <a:font script="Beng" typeface="Vrinda"/>
+        <a:font script="Gujr" typeface="Shruti"/>
+        <a:font script="Khmr" typeface="MoolBoran"/>
+        <a:font script="Knda" typeface="Tunga"/>
+        <a:font script="Guru" typeface="Raavi"/>
+        <a:font script="Cans" typeface="Euphemia"/>
+        <a:font script="Cher" typeface="Plantagenet Cherokee"/>
+        <a:font script="Yiii" typeface="Microsoft Yi Baiti"/>
+        <a:font script="Tibt" typeface="Microsoft Himalaya"/>
+        <a:font script="Thaa" typeface="MV Boli"/>
+        <a:font script="Deva" typeface="Mangal"/>
+        <a:font script="Telu" typeface="Gautami"/>
+        <a:font script="Taml" typeface="Latha"/>
+        <a:font script="Syrc" typeface="Estrangelo Edessa"/>
+        <a:font script="Orya" typeface="Kalinga"/>
+        <a:font script="Mlym" typeface="Kartika"/>
+        <a:font script="Laoo" typeface="DokChampa"/>
+        <a:font script="Sinh" typeface="Iskoola Pota"/>
+        <a:font script="Mong" typeface="Mongolian Baiti"/>
+        <a:font script="Viet" typeface="Times New Roman"/>
+        <a:font script="Uigh" typeface="Microsoft Uighur"/>
+        <a:font script="Geor" typeface="Sylfaen"/>
+        <a:font script="Armn" typeface="Arial"/>
+        <a:font script="Bugi" typeface="Leelawadee UI"/>
+        <a:font script="Bopo" typeface="Microsoft JhengHei"/>
+        <a:font script="Java" typeface="Javanese Text"/>
+        <a:font script="Lisu" typeface="Segoe UI"/>
+        <a:font script="Mymr" typeface="Myanmar Text"/>
+        <a:font script="Nkoo" typeface="Ebrima"/>
+        <a:font script="Olck" typeface="Nirmala UI"/>
+        <a:font script="Osma" typeface="Ebrima"/>
+        <a:font script="Phag" typeface="Phagspa"/>
+        <a:font script="Syrn" typeface="Estrangelo Edessa"/>
+        <a:font script="Syrj" typeface="Estrangelo Edessa"/>
+        <a:font script="Syre" typeface="Estrangelo Edessa"/>
+        <a:font script="Sora" typeface="Nirmala UI"/>
+        <a:font script="Tale" typeface="Microsoft Tai Le"/>
+        <a:font script="Talu" typeface="Microsoft New Tai Lue"/>
+        <a:font script="Tfng" typeface="Ebrima"/>
+      </a:majorFont>
+      <a:minorFont>
+        <a:latin typeface="Calibri" panose="020F0502020204030204"/>
+        <a:ea typeface=""/>
+        <a:cs typeface=""/>
+        <a:font script="Jpan" typeface="游ゴシック"/>
+        <a:font script="Hang" typeface="맑은 고딕"/>
+        <a:font script="Hans" typeface="等线"/>
+        <a:font script="Hant" typeface="新細明體"/>
+        <a:font script="Arab" typeface="Arial"/>
+        <a:font script="Hebr" typeface="Arial"/>
+        <a:font script="Thai" typeface="Cordia New"/>
+        <a:font script="Ethi" typeface="Nyala"/>
+        <a:font script="Beng" typeface="Vrinda"/>
+        <a:font script="Gujr" typeface="Shruti"/>
+        <a:font script="Khmr" typeface="DaunPenh"/>
+        <a:font script="Knda" typeface="Tunga"/>
+        <a:font script="Guru" typeface="Raavi"/>
+        <a:font script="Cans" typeface="Euphemia"/>
+        <a:font script="Cher" typeface="Plantagenet Cherokee"/>
+        <a:font script="Yiii" typeface="Microsoft Yi Baiti"/>
+        <a:font script="Tibt" typeface="Microsoft Himalaya"/>
+        <a:font script="Thaa" typeface="MV Boli"/>
+        <a:font script="Deva" typeface="Mangal"/>
+        <a:font script="Telu" typeface="Gautami"/>
+        <a:font script="Taml" typeface="Latha"/>
+        <a:font script="Syrc" typeface="Estrangelo Edessa"/>
+        <a:font script="Orya" typeface="Kalinga"/>
+        <a:font script="Mlym" typeface="Kartika"/>
+        <a:font script="Laoo" typeface="DokChampa"/>
+        <a:font script="Sinh" typeface="Iskoola Pota"/>
+        <a:font script="Mong" typeface="Mongolian Baiti"/>
+        <a:font script="Viet" typeface="Arial"/>
+        <a:font script="Uigh" typeface="Microsoft Uighur"/>
+        <a:font script="Geor" typeface="Sylfaen"/>
+        <a:font script="Armn" typeface="Arial"/>
+        <a:font script="Bugi" typeface="Leelawadee UI"/>
+        <a:font script="Bopo" typeface="Microsoft JhengHei"/>
+        <a:font script="Java" typeface="Javanese Text"/>
+        <a:font script="Lisu" typeface="Segoe UI"/>
+        <a:font script="Mymr" typeface="Myanmar Text"/>
+        <a:font script="Nkoo" typeface="Ebrima"/>
+        <a:font script="Olck" typeface="Nirmala UI"/>
+        <a:font script="Osma" typeface="Ebrima"/>
+        <a:font script="Phag" typeface="Phagspa"/>
+        <a:font script="Syrn" typeface="Estrangelo Edessa"/>
+        <a:font script="Syrj" typeface="Estrangelo Edessa"/>
+        <a:font script="Syre" typeface="Estrangelo Edessa"/>
+        <a:font script="Sora" typeface="Nirmala UI"/>
+        <a:font script="Tale" typeface="Microsoft Tai Le"/>
+        <a:font script="Talu" typeface="Microsoft New Tai Lue"/>
+        <a:font script="Tfng" typeface="Ebrima"/>
+      </a:minorFont>
+    </a:fontScheme>
+    <a:fmtScheme name="Office">
+      <a:fillStyleLst>
+        <a:solidFill>
+          <a:schemeClr val="phClr"/>
+        </a:solidFill>
+        <a:gradFill rotWithShape="1">
+          <a:gsLst>
+            <a:gs pos="0">
+              <a:schemeClr val="phClr">
+                <a:lumMod val="110000"/>
+                <a:satMod val="105000"/>
+                <a:tint val="67000"/>
+              </a:schemeClr>
+            </a:gs>
+            <a:gs pos="50000">
+              <a:schemeClr val="phClr">
+                <a:lumMod val="105000"/>
+                <a:satMod val="103000"/>
+                <a:tint val="73000"/>
+              </a:schemeClr>
+            </a:gs>
+            <a:gs pos="100000">
+              <a:schemeClr val="phClr">
+                <a:lumMod val="105000"/>
+                <a:satMod val="109000"/>
+                <a:tint val="81000"/>
+              </a:schemeClr>
+            </a:gs>
+          </a:gsLst>
+          <a:lin ang="5400000" scaled="0"/>
+        </a:gradFill>
+        <a:gradFill rotWithShape="1">
+          <a:gsLst>
+            <a:gs pos="0">
+              <a:schemeClr val="phClr">
+                <a:satMod val="103000"/>
+                <a:lumMod val="102000"/>
+                <a:tint val="94000"/>
+              </a:schemeClr>
+            </a:gs>
+            <a:gs pos="50000">
+              <a:schemeClr val="phClr">
+                <a:satMod val="110000"/>
+                <a:lumMod val="100000"/>
+                <a:shade val="100000"/>
+              </a:schemeClr>
+            </a:gs>
+            <a:gs pos="100000">
+              <a:schemeClr val="phClr">
+                <a:lumMod val="99000"/>
+                <a:satMod val="120000"/>
+                <a:shade val="78000"/>
+              </a:schemeClr>
+            </a:gs>
+          </a:gsLst>
+          <a:lin ang="5400000" scaled="0"/>
+        </a:gradFill>
+      </a:fillStyleLst>
+      <a:lnStyleLst>
+        <a:ln w="6350" cap="flat" cmpd="sng" algn="ctr">
+          <a:solidFill>
+            <a:schemeClr val="phClr"/>
+          </a:solidFill>
+          <a:prstDash val="solid"/>
+          <a:miter lim="800000"/>
+        </a:ln>
+        <a:ln w="12700" cap="flat" cmpd="sng" algn="ctr">
+          <a:solidFill>
+            <a:schemeClr val="phClr"/>
+          </a:solidFill>
+          <a:prstDash val="solid"/>
+          <a:miter lim="800000"/>
+        </a:ln>
+        <a:ln w="19050" cap="flat" cmpd="sng" algn="ctr">
+          <a:solidFill>
+            <a:schemeClr val="phClr"/>
+          </a:solidFill>
+          <a:prstDash val="solid"/>
+          <a:miter lim="800000"/>
+        </a:ln>
+      </a:lnStyleLst>
+      <a:effectStyleLst>
+        <a:effectStyle>
+          <a:effectLst/>
+        </a:effectStyle>
+        <a:effectStyle>
+          <a:effectLst/>
+        </a:effectStyle>
+        <a:effectStyle>
+          <a:effectLst>
+            <a:outerShdw blurRad="57150" dist="19050" dir="5400000" algn="ctr" rotWithShape="0">
+              <a:srgbClr val="000000">
+                <a:alpha val="63000"/>
+              </a:srgbClr>
+            </a:outerShdw>
+          </a:effectLst>
+        </a:effectStyle>
+      </a:effectStyleLst>
+      <a:bgFillStyleLst>
+        <a:solidFill>
+          <a:schemeClr val="phClr"/>
+        </a:solidFill>
+        <a:solidFill>
+          <a:schemeClr val="phClr">
+            <a:tint val="95000"/>
+            <a:satMod val="170000"/>
+          </a:schemeClr>
+        </a:solidFill>
+        <a:gradFill rotWithShape="1">
+          <a:gsLst>
+            <a:gs pos="0">
+              <a:schemeClr val="phClr">
+                <a:tint val="93000"/>
+                <a:satMod val="150000"/>
+                <a:shade val="98000"/>
+                <a:lumMod val="102000"/>
+              </a:schemeClr>
+            </a:gs>
+            <a:gs pos="50000">
+              <a:schemeClr val="phClr">
+                <a:tint val="98000"/>
+                <a:satMod val="130000"/>
+                <a:shade val="90000"/>
+                <a:lumMod val="103000"/>
+              </a:schemeClr>
+            </a:gs>
+            <a:gs pos="100000">
+              <a:schemeClr val="phClr">
+                <a:shade val="63000"/>
+                <a:satMod val="120000"/>
+              </a:schemeClr>
+            </a:gs>
+          </a:gsLst>
+          <a:lin ang="5400000" scaled="0"/>
+        </a:gradFill>
+      </a:bgFillStyleLst>
+    </a:fmtScheme>
+  </a:themeElements>
+  <a:objectDefaults/>
+  <a:extraClrSchemeLst/>
+  <a:extLst>
+    <a:ext uri="{05A4C25C-085E-4340-85A3-A5531E510DB2}">
+      <thm15:themeFamily xmlns:thm15="http://schemas.microsoft.com/office/thememl/2012/main" name="Office Theme" id="{62F939B6-93AF-4DB8-9C6B-D6C7DFDC589F}" vid="{4A3C46E8-61CC-4603-A589-7422A47A8E4A}"/>
+    </a:ext>
+  </a:extLst>
+</a:theme>
 </file>
--- a/presentation/Workshop.pptx
+++ b/presentation/Workshop.pptx
@@ -5,30 +5,32 @@
     <p:sldMasterId id="2147483744" r:id="rId1"/>
   </p:sldMasterIdLst>
   <p:notesMasterIdLst>
-    <p:notesMasterId r:id="rId23"/>
+    <p:notesMasterId r:id="rId25"/>
   </p:notesMasterIdLst>
   <p:sldIdLst>
     <p:sldId id="256" r:id="rId2"/>
     <p:sldId id="257" r:id="rId3"/>
     <p:sldId id="259" r:id="rId4"/>
     <p:sldId id="260" r:id="rId5"/>
-    <p:sldId id="261" r:id="rId6"/>
-    <p:sldId id="262" r:id="rId7"/>
-    <p:sldId id="263" r:id="rId8"/>
-    <p:sldId id="264" r:id="rId9"/>
-    <p:sldId id="265" r:id="rId10"/>
-    <p:sldId id="266" r:id="rId11"/>
-    <p:sldId id="267" r:id="rId12"/>
-    <p:sldId id="281" r:id="rId13"/>
-    <p:sldId id="280" r:id="rId14"/>
-    <p:sldId id="268" r:id="rId15"/>
-    <p:sldId id="269" r:id="rId16"/>
-    <p:sldId id="276" r:id="rId17"/>
-    <p:sldId id="270" r:id="rId18"/>
-    <p:sldId id="277" r:id="rId19"/>
-    <p:sldId id="279" r:id="rId20"/>
-    <p:sldId id="278" r:id="rId21"/>
-    <p:sldId id="272" r:id="rId22"/>
+    <p:sldId id="283" r:id="rId6"/>
+    <p:sldId id="284" r:id="rId7"/>
+    <p:sldId id="262" r:id="rId8"/>
+    <p:sldId id="263" r:id="rId9"/>
+    <p:sldId id="264" r:id="rId10"/>
+    <p:sldId id="285" r:id="rId11"/>
+    <p:sldId id="265" r:id="rId12"/>
+    <p:sldId id="266" r:id="rId13"/>
+    <p:sldId id="267" r:id="rId14"/>
+    <p:sldId id="281" r:id="rId15"/>
+    <p:sldId id="280" r:id="rId16"/>
+    <p:sldId id="268" r:id="rId17"/>
+    <p:sldId id="269" r:id="rId18"/>
+    <p:sldId id="276" r:id="rId19"/>
+    <p:sldId id="270" r:id="rId20"/>
+    <p:sldId id="277" r:id="rId21"/>
+    <p:sldId id="279" r:id="rId22"/>
+    <p:sldId id="278" r:id="rId23"/>
+    <p:sldId id="272" r:id="rId24"/>
   </p:sldIdLst>
   <p:sldSz cx="12192000" cy="6858000"/>
   <p:notesSz cx="6858000" cy="9144000"/>
@@ -217,7 +219,7 @@
           <a:p>
             <a:fld id="{14D614CB-68E3-488B-B59E-566D95FF5DEF}" type="datetimeFigureOut">
               <a:rPr lang="ru-RU" smtClean="0"/>
-              <a:t>16.10.2022</a:t>
+              <a:t>26.01.2023</a:t>
             </a:fld>
             <a:endParaRPr lang="ru-RU"/>
           </a:p>
@@ -888,7 +890,7 @@
           <a:p>
             <a:fld id="{7CD77A28-62FA-4A1C-955D-4EB5AA405F1C}" type="datetimeFigureOut">
               <a:rPr lang="ru-RU" smtClean="0"/>
-              <a:t>16.10.2022</a:t>
+              <a:t>26.01.2023</a:t>
             </a:fld>
             <a:endParaRPr lang="ru-RU" dirty="0"/>
           </a:p>
@@ -1067,7 +1069,7 @@
           <a:p>
             <a:fld id="{7CD77A28-62FA-4A1C-955D-4EB5AA405F1C}" type="datetimeFigureOut">
               <a:rPr lang="ru-RU" smtClean="0"/>
-              <a:t>16.10.2022</a:t>
+              <a:t>26.01.2023</a:t>
             </a:fld>
             <a:endParaRPr lang="ru-RU" dirty="0"/>
           </a:p>
@@ -1247,7 +1249,7 @@
           <a:p>
             <a:fld id="{7CD77A28-62FA-4A1C-955D-4EB5AA405F1C}" type="datetimeFigureOut">
               <a:rPr lang="ru-RU" smtClean="0"/>
-              <a:t>16.10.2022</a:t>
+              <a:t>26.01.2023</a:t>
             </a:fld>
             <a:endParaRPr lang="ru-RU" dirty="0"/>
           </a:p>
@@ -1417,7 +1419,7 @@
           <a:p>
             <a:fld id="{7CD77A28-62FA-4A1C-955D-4EB5AA405F1C}" type="datetimeFigureOut">
               <a:rPr lang="ru-RU" smtClean="0"/>
-              <a:t>16.10.2022</a:t>
+              <a:t>26.01.2023</a:t>
             </a:fld>
             <a:endParaRPr lang="ru-RU" dirty="0"/>
           </a:p>
@@ -1730,7 +1732,7 @@
           <a:p>
             <a:fld id="{7CD77A28-62FA-4A1C-955D-4EB5AA405F1C}" type="datetimeFigureOut">
               <a:rPr lang="ru-RU" smtClean="0"/>
-              <a:t>16.10.2022</a:t>
+              <a:t>26.01.2023</a:t>
             </a:fld>
             <a:endParaRPr lang="ru-RU" dirty="0"/>
           </a:p>
@@ -2116,7 +2118,7 @@
           <a:p>
             <a:fld id="{7CD77A28-62FA-4A1C-955D-4EB5AA405F1C}" type="datetimeFigureOut">
               <a:rPr lang="ru-RU" smtClean="0"/>
-              <a:t>16.10.2022</a:t>
+              <a:t>26.01.2023</a:t>
             </a:fld>
             <a:endParaRPr lang="ru-RU" dirty="0"/>
           </a:p>
@@ -2550,7 +2552,7 @@
           <a:p>
             <a:fld id="{7CD77A28-62FA-4A1C-955D-4EB5AA405F1C}" type="datetimeFigureOut">
               <a:rPr lang="ru-RU" smtClean="0"/>
-              <a:t>16.10.2022</a:t>
+              <a:t>26.01.2023</a:t>
             </a:fld>
             <a:endParaRPr lang="ru-RU" dirty="0"/>
           </a:p>
@@ -2668,7 +2670,7 @@
           <a:p>
             <a:fld id="{7CD77A28-62FA-4A1C-955D-4EB5AA405F1C}" type="datetimeFigureOut">
               <a:rPr lang="ru-RU" smtClean="0"/>
-              <a:t>16.10.2022</a:t>
+              <a:t>26.01.2023</a:t>
             </a:fld>
             <a:endParaRPr lang="ru-RU" dirty="0"/>
           </a:p>
@@ -2763,7 +2765,7 @@
           <a:p>
             <a:fld id="{7CD77A28-62FA-4A1C-955D-4EB5AA405F1C}" type="datetimeFigureOut">
               <a:rPr lang="ru-RU" smtClean="0"/>
-              <a:t>16.10.2022</a:t>
+              <a:t>26.01.2023</a:t>
             </a:fld>
             <a:endParaRPr lang="ru-RU" dirty="0"/>
           </a:p>
@@ -3113,7 +3115,7 @@
           <a:p>
             <a:fld id="{7CD77A28-62FA-4A1C-955D-4EB5AA405F1C}" type="datetimeFigureOut">
               <a:rPr lang="ru-RU" smtClean="0"/>
-              <a:t>16.10.2022</a:t>
+              <a:t>26.01.2023</a:t>
             </a:fld>
             <a:endParaRPr lang="ru-RU" dirty="0"/>
           </a:p>
@@ -3537,7 +3539,7 @@
           <a:p>
             <a:fld id="{7CD77A28-62FA-4A1C-955D-4EB5AA405F1C}" type="datetimeFigureOut">
               <a:rPr lang="ru-RU" smtClean="0"/>
-              <a:t>16.10.2022</a:t>
+              <a:t>26.01.2023</a:t>
             </a:fld>
             <a:endParaRPr lang="ru-RU" dirty="0"/>
           </a:p>
@@ -3818,7 +3820,7 @@
           <a:p>
             <a:fld id="{7CD77A28-62FA-4A1C-955D-4EB5AA405F1C}" type="datetimeFigureOut">
               <a:rPr lang="ru-RU" smtClean="0"/>
-              <a:t>16.10.2022</a:t>
+              <a:t>26.01.2023</a:t>
             </a:fld>
             <a:endParaRPr lang="ru-RU" dirty="0"/>
           </a:p>
@@ -4489,6 +4491,1076 @@
           <p:cNvPr id="2" name="Title 1">
             <a:extLst>
               <a:ext uri="{FF2B5EF4-FFF2-40B4-BE49-F238E27FC236}">
+                <a16:creationId xmlns:a16="http://schemas.microsoft.com/office/drawing/2014/main" id="{D54747B8-2F29-4458-8594-FEA33013D015}"/>
+              </a:ext>
+            </a:extLst>
+          </p:cNvPr>
+          <p:cNvSpPr>
+            <a:spLocks noGrp="1"/>
+          </p:cNvSpPr>
+          <p:nvPr>
+            <p:ph type="title"/>
+          </p:nvPr>
+        </p:nvSpPr>
+        <p:spPr/>
+        <p:txBody>
+          <a:bodyPr/>
+          <a:lstStyle/>
+          <a:p>
+            <a:r>
+              <a:rPr lang="ru-RU" dirty="0">
+                <a:solidFill>
+                  <a:srgbClr val="000000"/>
+                </a:solidFill>
+                <a:ea typeface="DejaVu Sans" pitchFamily="2"/>
+                <a:cs typeface="DejaVu Sans" pitchFamily="2"/>
+              </a:rPr>
+              <a:t>Важность сбора статистики</a:t>
+            </a:r>
+            <a:endParaRPr lang="ru-RU" dirty="0"/>
+          </a:p>
+        </p:txBody>
+      </p:sp>
+      <p:sp>
+        <p:nvSpPr>
+          <p:cNvPr id="3" name="Content Placeholder 2">
+            <a:extLst>
+              <a:ext uri="{FF2B5EF4-FFF2-40B4-BE49-F238E27FC236}">
+                <a16:creationId xmlns:a16="http://schemas.microsoft.com/office/drawing/2014/main" id="{FEBA346C-6587-4ABF-9864-B05E957EC64F}"/>
+              </a:ext>
+            </a:extLst>
+          </p:cNvPr>
+          <p:cNvSpPr>
+            <a:spLocks noGrp="1"/>
+          </p:cNvSpPr>
+          <p:nvPr>
+            <p:ph idx="1"/>
+          </p:nvPr>
+        </p:nvSpPr>
+        <p:spPr>
+          <a:xfrm>
+            <a:off x="1066800" y="1909651"/>
+            <a:ext cx="10058400" cy="4050792"/>
+          </a:xfrm>
+        </p:spPr>
+        <p:txBody>
+          <a:bodyPr>
+            <a:normAutofit/>
+          </a:bodyPr>
+          <a:lstStyle/>
+          <a:p>
+            <a:pPr lvl="1">
+              <a:buClr>
+                <a:srgbClr val="666666"/>
+              </a:buClr>
+              <a:buSzPct val="45000"/>
+              <a:buFont typeface="StarSymbol"/>
+              <a:buChar char="●"/>
+            </a:pPr>
+            <a:r>
+              <a:rPr lang="ru-RU" sz="2400" dirty="0">
+                <a:ea typeface="DejaVu Sans" pitchFamily="2"/>
+                <a:cs typeface="DejaVu Sans" pitchFamily="2"/>
+              </a:rPr>
+              <a:t>После большой порции изменений выполняем: </a:t>
+            </a:r>
+            <a:br>
+              <a:rPr lang="en-US" sz="2400" dirty="0">
+                <a:ea typeface="DejaVu Sans" pitchFamily="2"/>
+                <a:cs typeface="DejaVu Sans" pitchFamily="2"/>
+              </a:rPr>
+            </a:br>
+            <a:r>
+              <a:rPr lang="en-US" sz="2400" b="1" dirty="0" err="1">
+                <a:ea typeface="DejaVu Sans" pitchFamily="2"/>
+                <a:cs typeface="DejaVu Sans" pitchFamily="2"/>
+              </a:rPr>
+              <a:t>analyse</a:t>
+            </a:r>
+            <a:r>
+              <a:rPr lang="ru-RU" sz="2400" b="1" dirty="0">
+                <a:ea typeface="DejaVu Sans" pitchFamily="2"/>
+                <a:cs typeface="DejaVu Sans" pitchFamily="2"/>
+              </a:rPr>
+              <a:t> </a:t>
+            </a:r>
+            <a:r>
+              <a:rPr lang="ru-RU" sz="2400" dirty="0">
+                <a:ea typeface="DejaVu Sans" pitchFamily="2"/>
+                <a:cs typeface="DejaVu Sans" pitchFamily="2"/>
+              </a:rPr>
+              <a:t>– сбор статистики по таблицам</a:t>
+            </a:r>
+            <a:endParaRPr lang="en-US" sz="2400" dirty="0">
+              <a:ea typeface="DejaVu Sans" pitchFamily="2"/>
+              <a:cs typeface="DejaVu Sans" pitchFamily="2"/>
+            </a:endParaRPr>
+          </a:p>
+          <a:p>
+            <a:pPr marL="274320" lvl="1" indent="0">
+              <a:buClr>
+                <a:srgbClr val="666666"/>
+              </a:buClr>
+              <a:buSzPct val="45000"/>
+              <a:buNone/>
+            </a:pPr>
+            <a:br>
+              <a:rPr lang="en-US" sz="2400" b="1" dirty="0">
+                <a:ea typeface="DejaVu Sans" pitchFamily="2"/>
+                <a:cs typeface="DejaVu Sans" pitchFamily="2"/>
+              </a:rPr>
+            </a:br>
+            <a:endParaRPr lang="ru-RU" sz="2400" b="1" dirty="0">
+              <a:ea typeface="DejaVu Sans" pitchFamily="2"/>
+              <a:cs typeface="DejaVu Sans" pitchFamily="2"/>
+            </a:endParaRPr>
+          </a:p>
+          <a:p>
+            <a:pPr marL="274320" lvl="1" indent="0">
+              <a:buClr>
+                <a:srgbClr val="666666"/>
+              </a:buClr>
+              <a:buSzPct val="45000"/>
+              <a:buNone/>
+            </a:pPr>
+            <a:endParaRPr lang="en-US" sz="2400" dirty="0">
+              <a:ea typeface="DejaVu Sans" pitchFamily="2"/>
+              <a:cs typeface="DejaVu Sans" pitchFamily="2"/>
+            </a:endParaRPr>
+          </a:p>
+          <a:p>
+            <a:pPr lvl="1">
+              <a:buClr>
+                <a:srgbClr val="666666"/>
+              </a:buClr>
+              <a:buSzPct val="45000"/>
+              <a:buFont typeface="StarSymbol"/>
+              <a:buChar char="●"/>
+            </a:pPr>
+            <a:endParaRPr lang="en-US" sz="2400" dirty="0">
+              <a:ea typeface="DejaVu Sans" pitchFamily="2"/>
+              <a:cs typeface="DejaVu Sans" pitchFamily="2"/>
+            </a:endParaRPr>
+          </a:p>
+          <a:p>
+            <a:pPr lvl="1">
+              <a:buClr>
+                <a:srgbClr val="666666"/>
+              </a:buClr>
+              <a:buSzPct val="45000"/>
+              <a:buFont typeface="StarSymbol"/>
+              <a:buChar char="●"/>
+            </a:pPr>
+            <a:r>
+              <a:rPr lang="ru-RU" sz="2400" dirty="0">
+                <a:ea typeface="DejaVu Sans" pitchFamily="2"/>
+                <a:cs typeface="DejaVu Sans" pitchFamily="2"/>
+              </a:rPr>
+              <a:t>После большого количества операций удалений/</a:t>
+            </a:r>
+            <a:r>
+              <a:rPr lang="ru-RU" sz="2400" dirty="0" err="1">
+                <a:ea typeface="DejaVu Sans" pitchFamily="2"/>
+                <a:cs typeface="DejaVu Sans" pitchFamily="2"/>
+              </a:rPr>
+              <a:t>апдейтов</a:t>
+            </a:r>
+            <a:r>
+              <a:rPr lang="ru-RU" sz="2400" dirty="0">
+                <a:ea typeface="DejaVu Sans" pitchFamily="2"/>
+                <a:cs typeface="DejaVu Sans" pitchFamily="2"/>
+              </a:rPr>
+              <a:t> выполняем:</a:t>
+            </a:r>
+            <a:br>
+              <a:rPr lang="en-US" sz="2400" dirty="0">
+                <a:ea typeface="DejaVu Sans" pitchFamily="2"/>
+                <a:cs typeface="DejaVu Sans" pitchFamily="2"/>
+              </a:rPr>
+            </a:br>
+            <a:r>
+              <a:rPr lang="ru-RU" sz="2400" b="1" dirty="0" err="1">
+                <a:ea typeface="DejaVu Sans" pitchFamily="2"/>
+                <a:cs typeface="DejaVu Sans" pitchFamily="2"/>
+              </a:rPr>
+              <a:t>vacuum</a:t>
+            </a:r>
+            <a:r>
+              <a:rPr lang="ru-RU" sz="2400" b="1" dirty="0">
+                <a:ea typeface="DejaVu Sans" pitchFamily="2"/>
+                <a:cs typeface="DejaVu Sans" pitchFamily="2"/>
+              </a:rPr>
+              <a:t> </a:t>
+            </a:r>
+            <a:r>
+              <a:rPr lang="ru-RU" sz="2400" dirty="0">
+                <a:ea typeface="DejaVu Sans" pitchFamily="2"/>
+                <a:cs typeface="DejaVu Sans" pitchFamily="2"/>
+              </a:rPr>
+              <a:t>– удаление промежуточных файлов</a:t>
+            </a:r>
+            <a:endParaRPr lang="en-US" sz="2400" dirty="0">
+              <a:ea typeface="DejaVu Sans" pitchFamily="2"/>
+              <a:cs typeface="DejaVu Sans" pitchFamily="2"/>
+            </a:endParaRPr>
+          </a:p>
+          <a:p>
+            <a:endParaRPr lang="ru-RU" sz="2800" dirty="0"/>
+          </a:p>
+        </p:txBody>
+      </p:sp>
+      <p:sp>
+        <p:nvSpPr>
+          <p:cNvPr id="5" name="Rectangle 2">
+            <a:extLst>
+              <a:ext uri="{FF2B5EF4-FFF2-40B4-BE49-F238E27FC236}">
+                <a16:creationId xmlns:a16="http://schemas.microsoft.com/office/drawing/2014/main" id="{0A58A53A-587B-4BCF-97BE-F73BB901D111}"/>
+              </a:ext>
+            </a:extLst>
+          </p:cNvPr>
+          <p:cNvSpPr>
+            <a:spLocks noChangeArrowheads="1"/>
+          </p:cNvSpPr>
+          <p:nvPr/>
+        </p:nvSpPr>
+        <p:spPr bwMode="auto">
+          <a:xfrm>
+            <a:off x="320040" y="5314112"/>
+            <a:ext cx="11952311" cy="646331"/>
+          </a:xfrm>
+          <a:prstGeom prst="rect">
+            <a:avLst/>
+          </a:prstGeom>
+          <a:noFill/>
+          <a:ln>
+            <a:noFill/>
+          </a:ln>
+          <a:effectLst/>
+          <a:extLst>
+            <a:ext uri="{909E8E84-426E-40DD-AFC4-6F175D3DCCD1}">
+              <a14:hiddenFill xmlns:a14="http://schemas.microsoft.com/office/drawing/2010/main">
+                <a:solidFill>
+                  <a:schemeClr val="accent1"/>
+                </a:solidFill>
+              </a14:hiddenFill>
+            </a:ext>
+            <a:ext uri="{91240B29-F687-4F45-9708-019B960494DF}">
+              <a14:hiddenLine xmlns:a14="http://schemas.microsoft.com/office/drawing/2010/main" w="9525">
+                <a:solidFill>
+                  <a:schemeClr val="tx1"/>
+                </a:solidFill>
+                <a:miter lim="800000"/>
+                <a:headEnd/>
+                <a:tailEnd/>
+              </a14:hiddenLine>
+            </a:ext>
+            <a:ext uri="{AF507438-7753-43E0-B8FC-AC1667EBCBE1}">
+              <a14:hiddenEffects xmlns:a14="http://schemas.microsoft.com/office/drawing/2010/main">
+                <a:effectLst>
+                  <a:outerShdw dist="35921" dir="2700000" algn="ctr" rotWithShape="0">
+                    <a:schemeClr val="bg2"/>
+                  </a:outerShdw>
+                </a:effectLst>
+              </a14:hiddenEffects>
+            </a:ext>
+          </a:extLst>
+        </p:spPr>
+        <p:txBody>
+          <a:bodyPr vert="horz" wrap="none" lIns="91440" tIns="45720" rIns="91440" bIns="45720" numCol="1" anchor="ctr" anchorCtr="0" compatLnSpc="1">
+            <a:prstTxWarp prst="textNoShape">
+              <a:avLst/>
+            </a:prstTxWarp>
+            <a:spAutoFit/>
+          </a:bodyPr>
+          <a:lstStyle/>
+          <a:p>
+            <a:pPr marL="0" marR="0" lvl="0" indent="0" algn="l" defTabSz="914400" rtl="0" eaLnBrk="0" fontAlgn="base" latinLnBrk="0" hangingPunct="0">
+              <a:lnSpc>
+                <a:spcPct val="100000"/>
+              </a:lnSpc>
+              <a:spcBef>
+                <a:spcPct val="0"/>
+              </a:spcBef>
+              <a:spcAft>
+                <a:spcPct val="0"/>
+              </a:spcAft>
+              <a:buClrTx/>
+              <a:buSzTx/>
+              <a:buFontTx/>
+              <a:buNone/>
+              <a:tabLst/>
+            </a:pPr>
+            <a:r>
+              <a:rPr kumimoji="0" lang="ru-RU" altLang="ru-RU" b="1" i="0" u="none" strike="noStrike" cap="none" normalizeH="0" baseline="0" dirty="0">
+                <a:ln>
+                  <a:noFill/>
+                </a:ln>
+                <a:solidFill>
+                  <a:srgbClr val="000000"/>
+                </a:solidFill>
+                <a:effectLst/>
+                <a:latin typeface="Courier New" panose="02070309020205020404" pitchFamily="49" charset="0"/>
+                <a:cs typeface="Courier New" panose="02070309020205020404" pitchFamily="49" charset="0"/>
+              </a:rPr>
+              <a:t>Синтаксис:</a:t>
+            </a:r>
+            <a:br>
+              <a:rPr kumimoji="0" lang="en-US" altLang="ru-RU" b="0" i="0" u="none" strike="noStrike" cap="none" normalizeH="0" baseline="0" dirty="0">
+                <a:ln>
+                  <a:noFill/>
+                </a:ln>
+                <a:solidFill>
+                  <a:srgbClr val="000000"/>
+                </a:solidFill>
+                <a:effectLst/>
+                <a:latin typeface="Courier New" panose="02070309020205020404" pitchFamily="49" charset="0"/>
+                <a:cs typeface="Courier New" panose="02070309020205020404" pitchFamily="49" charset="0"/>
+              </a:rPr>
+            </a:br>
+            <a:r>
+              <a:rPr kumimoji="0" lang="ru-RU" altLang="ru-RU" b="0" i="0" u="none" strike="noStrike" cap="none" normalizeH="0" baseline="0" dirty="0">
+                <a:ln>
+                  <a:noFill/>
+                </a:ln>
+                <a:solidFill>
+                  <a:srgbClr val="000000"/>
+                </a:solidFill>
+                <a:effectLst/>
+                <a:latin typeface="Courier New" panose="02070309020205020404" pitchFamily="49" charset="0"/>
+                <a:cs typeface="Courier New" panose="02070309020205020404" pitchFamily="49" charset="0"/>
+              </a:rPr>
+              <a:t>VACUUM [ ( { FULL | FREEZE | VERBOSE | ANALYZE }) ] [ </a:t>
+            </a:r>
+            <a:r>
+              <a:rPr kumimoji="0" lang="ru-RU" altLang="ru-RU" b="1" i="1" u="none" strike="noStrike" cap="none" normalizeH="0" baseline="0" dirty="0" err="1">
+                <a:ln>
+                  <a:noFill/>
+                </a:ln>
+                <a:solidFill>
+                  <a:srgbClr val="000000"/>
+                </a:solidFill>
+                <a:effectLst/>
+                <a:latin typeface="Courier New" panose="02070309020205020404" pitchFamily="49" charset="0"/>
+                <a:cs typeface="Courier New" panose="02070309020205020404" pitchFamily="49" charset="0"/>
+              </a:rPr>
+              <a:t>имя_таблицы</a:t>
+            </a:r>
+            <a:r>
+              <a:rPr kumimoji="0" lang="ru-RU" altLang="ru-RU" b="0" i="0" u="none" strike="noStrike" cap="none" normalizeH="0" baseline="0" dirty="0">
+                <a:ln>
+                  <a:noFill/>
+                </a:ln>
+                <a:solidFill>
+                  <a:srgbClr val="000000"/>
+                </a:solidFill>
+                <a:effectLst/>
+                <a:latin typeface="Courier New" panose="02070309020205020404" pitchFamily="49" charset="0"/>
+                <a:cs typeface="Courier New" panose="02070309020205020404" pitchFamily="49" charset="0"/>
+              </a:rPr>
+              <a:t> [ (</a:t>
+            </a:r>
+            <a:r>
+              <a:rPr kumimoji="0" lang="ru-RU" altLang="ru-RU" b="1" i="1" u="none" strike="noStrike" cap="none" normalizeH="0" baseline="0" dirty="0" err="1">
+                <a:ln>
+                  <a:noFill/>
+                </a:ln>
+                <a:solidFill>
+                  <a:srgbClr val="000000"/>
+                </a:solidFill>
+                <a:effectLst/>
+                <a:latin typeface="Courier New" panose="02070309020205020404" pitchFamily="49" charset="0"/>
+                <a:cs typeface="Courier New" panose="02070309020205020404" pitchFamily="49" charset="0"/>
+              </a:rPr>
+              <a:t>имя_столбца</a:t>
+            </a:r>
+            <a:r>
+              <a:rPr kumimoji="0" lang="ru-RU" altLang="ru-RU" b="0" i="0" u="none" strike="noStrike" cap="none" normalizeH="0" baseline="0" dirty="0">
+                <a:ln>
+                  <a:noFill/>
+                </a:ln>
+                <a:solidFill>
+                  <a:srgbClr val="000000"/>
+                </a:solidFill>
+                <a:effectLst/>
+                <a:latin typeface="Courier New" panose="02070309020205020404" pitchFamily="49" charset="0"/>
+                <a:cs typeface="Courier New" panose="02070309020205020404" pitchFamily="49" charset="0"/>
+              </a:rPr>
+              <a:t>) ] ]</a:t>
+            </a:r>
+            <a:r>
+              <a:rPr kumimoji="0" lang="ru-RU" altLang="ru-RU" sz="1400" b="0" i="0" u="none" strike="noStrike" cap="none" normalizeH="0" baseline="0" dirty="0">
+                <a:ln>
+                  <a:noFill/>
+                </a:ln>
+                <a:solidFill>
+                  <a:schemeClr val="tx1"/>
+                </a:solidFill>
+                <a:effectLst/>
+              </a:rPr>
+              <a:t> </a:t>
+            </a:r>
+            <a:endParaRPr kumimoji="0" lang="ru-RU" altLang="ru-RU" sz="4000" b="0" i="0" u="none" strike="noStrike" cap="none" normalizeH="0" baseline="0" dirty="0">
+              <a:ln>
+                <a:noFill/>
+              </a:ln>
+              <a:solidFill>
+                <a:schemeClr val="tx1"/>
+              </a:solidFill>
+              <a:effectLst/>
+              <a:latin typeface="Arial" panose="020B0604020202020204" pitchFamily="34" charset="0"/>
+            </a:endParaRPr>
+          </a:p>
+        </p:txBody>
+      </p:sp>
+      <p:sp>
+        <p:nvSpPr>
+          <p:cNvPr id="6" name="Rectangle 3">
+            <a:extLst>
+              <a:ext uri="{FF2B5EF4-FFF2-40B4-BE49-F238E27FC236}">
+                <a16:creationId xmlns:a16="http://schemas.microsoft.com/office/drawing/2014/main" id="{48EC642A-6BBE-4E1E-A506-8243E142F9B2}"/>
+              </a:ext>
+            </a:extLst>
+          </p:cNvPr>
+          <p:cNvSpPr>
+            <a:spLocks noChangeArrowheads="1"/>
+          </p:cNvSpPr>
+          <p:nvPr/>
+        </p:nvSpPr>
+        <p:spPr bwMode="auto">
+          <a:xfrm>
+            <a:off x="320040" y="2782669"/>
+            <a:ext cx="8919429" cy="646331"/>
+          </a:xfrm>
+          <a:prstGeom prst="rect">
+            <a:avLst/>
+          </a:prstGeom>
+          <a:noFill/>
+          <a:ln>
+            <a:noFill/>
+          </a:ln>
+          <a:effectLst/>
+          <a:extLst>
+            <a:ext uri="{909E8E84-426E-40DD-AFC4-6F175D3DCCD1}">
+              <a14:hiddenFill xmlns:a14="http://schemas.microsoft.com/office/drawing/2010/main">
+                <a:solidFill>
+                  <a:schemeClr val="accent1"/>
+                </a:solidFill>
+              </a14:hiddenFill>
+            </a:ext>
+            <a:ext uri="{91240B29-F687-4F45-9708-019B960494DF}">
+              <a14:hiddenLine xmlns:a14="http://schemas.microsoft.com/office/drawing/2010/main" w="9525">
+                <a:solidFill>
+                  <a:schemeClr val="tx1"/>
+                </a:solidFill>
+                <a:miter lim="800000"/>
+                <a:headEnd/>
+                <a:tailEnd/>
+              </a14:hiddenLine>
+            </a:ext>
+            <a:ext uri="{AF507438-7753-43E0-B8FC-AC1667EBCBE1}">
+              <a14:hiddenEffects xmlns:a14="http://schemas.microsoft.com/office/drawing/2010/main">
+                <a:effectLst>
+                  <a:outerShdw dist="35921" dir="2700000" algn="ctr" rotWithShape="0">
+                    <a:schemeClr val="bg2"/>
+                  </a:outerShdw>
+                </a:effectLst>
+              </a14:hiddenEffects>
+            </a:ext>
+          </a:extLst>
+        </p:spPr>
+        <p:txBody>
+          <a:bodyPr vert="horz" wrap="none" lIns="91440" tIns="45720" rIns="91440" bIns="45720" numCol="1" anchor="ctr" anchorCtr="0" compatLnSpc="1">
+            <a:prstTxWarp prst="textNoShape">
+              <a:avLst/>
+            </a:prstTxWarp>
+            <a:spAutoFit/>
+          </a:bodyPr>
+          <a:lstStyle/>
+          <a:p>
+            <a:pPr lvl="0" defTabSz="914400" eaLnBrk="0" fontAlgn="base" hangingPunct="0">
+              <a:spcBef>
+                <a:spcPct val="0"/>
+              </a:spcBef>
+              <a:spcAft>
+                <a:spcPct val="0"/>
+              </a:spcAft>
+            </a:pPr>
+            <a:r>
+              <a:rPr lang="ru-RU" altLang="ru-RU" b="1" dirty="0">
+                <a:solidFill>
+                  <a:srgbClr val="000000"/>
+                </a:solidFill>
+                <a:latin typeface="Courier New" panose="02070309020205020404" pitchFamily="49" charset="0"/>
+                <a:cs typeface="Courier New" panose="02070309020205020404" pitchFamily="49" charset="0"/>
+              </a:rPr>
+              <a:t>Синтаксис:</a:t>
+            </a:r>
+            <a:endParaRPr kumimoji="0" lang="en-US" altLang="ru-RU" b="0" i="0" u="none" strike="noStrike" cap="none" normalizeH="0" baseline="0" dirty="0">
+              <a:ln>
+                <a:noFill/>
+              </a:ln>
+              <a:solidFill>
+                <a:srgbClr val="000000"/>
+              </a:solidFill>
+              <a:effectLst/>
+              <a:latin typeface="Courier New" panose="02070309020205020404" pitchFamily="49" charset="0"/>
+              <a:cs typeface="Courier New" panose="02070309020205020404" pitchFamily="49" charset="0"/>
+            </a:endParaRPr>
+          </a:p>
+          <a:p>
+            <a:pPr marL="0" marR="0" lvl="0" indent="0" algn="l" defTabSz="914400" rtl="0" eaLnBrk="0" fontAlgn="base" latinLnBrk="0" hangingPunct="0">
+              <a:lnSpc>
+                <a:spcPct val="100000"/>
+              </a:lnSpc>
+              <a:spcBef>
+                <a:spcPct val="0"/>
+              </a:spcBef>
+              <a:spcAft>
+                <a:spcPct val="0"/>
+              </a:spcAft>
+              <a:buClrTx/>
+              <a:buSzTx/>
+              <a:buFontTx/>
+              <a:buNone/>
+              <a:tabLst/>
+            </a:pPr>
+            <a:r>
+              <a:rPr kumimoji="0" lang="ru-RU" altLang="ru-RU" b="0" i="0" u="none" strike="noStrike" cap="none" normalizeH="0" baseline="0" dirty="0">
+                <a:ln>
+                  <a:noFill/>
+                </a:ln>
+                <a:solidFill>
+                  <a:srgbClr val="000000"/>
+                </a:solidFill>
+                <a:effectLst/>
+                <a:latin typeface="Courier New" panose="02070309020205020404" pitchFamily="49" charset="0"/>
+                <a:cs typeface="Courier New" panose="02070309020205020404" pitchFamily="49" charset="0"/>
+              </a:rPr>
+              <a:t>ANALYZE [ VERBOSE ] [ </a:t>
+            </a:r>
+            <a:r>
+              <a:rPr kumimoji="0" lang="ru-RU" altLang="ru-RU" b="1" i="1" u="none" strike="noStrike" cap="none" normalizeH="0" baseline="0" dirty="0" err="1">
+                <a:ln>
+                  <a:noFill/>
+                </a:ln>
+                <a:solidFill>
+                  <a:srgbClr val="000000"/>
+                </a:solidFill>
+                <a:effectLst/>
+                <a:latin typeface="Courier New" panose="02070309020205020404" pitchFamily="49" charset="0"/>
+                <a:cs typeface="Courier New" panose="02070309020205020404" pitchFamily="49" charset="0"/>
+              </a:rPr>
+              <a:t>имя_таблицы</a:t>
+            </a:r>
+            <a:r>
+              <a:rPr kumimoji="0" lang="ru-RU" altLang="ru-RU" b="0" i="0" u="none" strike="noStrike" cap="none" normalizeH="0" baseline="0" dirty="0">
+                <a:ln>
+                  <a:noFill/>
+                </a:ln>
+                <a:solidFill>
+                  <a:srgbClr val="000000"/>
+                </a:solidFill>
+                <a:effectLst/>
+                <a:latin typeface="Courier New" panose="02070309020205020404" pitchFamily="49" charset="0"/>
+                <a:cs typeface="Courier New" panose="02070309020205020404" pitchFamily="49" charset="0"/>
+              </a:rPr>
+              <a:t> [ ( </a:t>
+            </a:r>
+            <a:r>
+              <a:rPr kumimoji="0" lang="ru-RU" altLang="ru-RU" b="1" i="1" u="none" strike="noStrike" cap="none" normalizeH="0" baseline="0" dirty="0" err="1">
+                <a:ln>
+                  <a:noFill/>
+                </a:ln>
+                <a:solidFill>
+                  <a:srgbClr val="000000"/>
+                </a:solidFill>
+                <a:effectLst/>
+                <a:latin typeface="Courier New" panose="02070309020205020404" pitchFamily="49" charset="0"/>
+                <a:cs typeface="Courier New" panose="02070309020205020404" pitchFamily="49" charset="0"/>
+              </a:rPr>
+              <a:t>имя_столбца</a:t>
+            </a:r>
+            <a:r>
+              <a:rPr kumimoji="0" lang="ru-RU" altLang="ru-RU" b="0" i="0" u="none" strike="noStrike" cap="none" normalizeH="0" baseline="0" dirty="0">
+                <a:ln>
+                  <a:noFill/>
+                </a:ln>
+                <a:solidFill>
+                  <a:srgbClr val="000000"/>
+                </a:solidFill>
+                <a:effectLst/>
+                <a:latin typeface="Courier New" panose="02070309020205020404" pitchFamily="49" charset="0"/>
+                <a:cs typeface="Courier New" panose="02070309020205020404" pitchFamily="49" charset="0"/>
+              </a:rPr>
+              <a:t> [, ...] ) ] ]</a:t>
+            </a:r>
+            <a:r>
+              <a:rPr kumimoji="0" lang="ru-RU" altLang="ru-RU" sz="1400" b="0" i="0" u="none" strike="noStrike" cap="none" normalizeH="0" baseline="0" dirty="0">
+                <a:ln>
+                  <a:noFill/>
+                </a:ln>
+                <a:solidFill>
+                  <a:schemeClr val="tx1"/>
+                </a:solidFill>
+                <a:effectLst/>
+              </a:rPr>
+              <a:t> </a:t>
+            </a:r>
+            <a:endParaRPr kumimoji="0" lang="ru-RU" altLang="ru-RU" sz="4000" b="0" i="0" u="none" strike="noStrike" cap="none" normalizeH="0" baseline="0" dirty="0">
+              <a:ln>
+                <a:noFill/>
+              </a:ln>
+              <a:solidFill>
+                <a:schemeClr val="tx1"/>
+              </a:solidFill>
+              <a:effectLst/>
+              <a:latin typeface="Arial" panose="020B0604020202020204" pitchFamily="34" charset="0"/>
+            </a:endParaRPr>
+          </a:p>
+        </p:txBody>
+      </p:sp>
+    </p:spTree>
+    <p:extLst>
+      <p:ext uri="{BB962C8B-B14F-4D97-AF65-F5344CB8AC3E}">
+        <p14:creationId xmlns:p14="http://schemas.microsoft.com/office/powerpoint/2010/main" val="689940861"/>
+      </p:ext>
+    </p:extLst>
+  </p:cSld>
+  <p:clrMapOvr>
+    <a:masterClrMapping/>
+  </p:clrMapOvr>
+</p:sld>
+</file>
+
+<file path=ppt/slides/slide11.xml><?xml version="1.0" encoding="utf-8"?>
+<p:sld xmlns:a="http://schemas.openxmlformats.org/drawingml/2006/main" xmlns:r="http://schemas.openxmlformats.org/officeDocument/2006/relationships" xmlns:p="http://schemas.openxmlformats.org/presentationml/2006/main">
+  <p:cSld>
+    <p:spTree>
+      <p:nvGrpSpPr>
+        <p:cNvPr id="1" name=""/>
+        <p:cNvGrpSpPr/>
+        <p:nvPr/>
+      </p:nvGrpSpPr>
+      <p:grpSpPr>
+        <a:xfrm>
+          <a:off x="0" y="0"/>
+          <a:ext cx="0" cy="0"/>
+          <a:chOff x="0" y="0"/>
+          <a:chExt cx="0" cy="0"/>
+        </a:xfrm>
+      </p:grpSpPr>
+      <p:sp>
+        <p:nvSpPr>
+          <p:cNvPr id="2" name="Title 1">
+            <a:extLst>
+              <a:ext uri="{FF2B5EF4-FFF2-40B4-BE49-F238E27FC236}">
+                <a16:creationId xmlns:a16="http://schemas.microsoft.com/office/drawing/2014/main" id="{716237D2-3EBB-475C-8D8A-B3485DC00802}"/>
+              </a:ext>
+            </a:extLst>
+          </p:cNvPr>
+          <p:cNvSpPr>
+            <a:spLocks noGrp="1"/>
+          </p:cNvSpPr>
+          <p:nvPr>
+            <p:ph type="title"/>
+          </p:nvPr>
+        </p:nvSpPr>
+        <p:spPr/>
+        <p:txBody>
+          <a:bodyPr>
+            <a:normAutofit/>
+          </a:bodyPr>
+          <a:lstStyle/>
+          <a:p>
+            <a:r>
+              <a:rPr lang="en-US" dirty="0">
+                <a:ea typeface="DejaVu Sans" pitchFamily="2"/>
+                <a:cs typeface="DejaVu Sans" pitchFamily="2"/>
+              </a:rPr>
+              <a:t>Оптимизация SQL</a:t>
+            </a:r>
+            <a:br>
+              <a:rPr lang="en-US" dirty="0">
+                <a:ea typeface="DejaVu Sans" pitchFamily="2"/>
+                <a:cs typeface="DejaVu Sans" pitchFamily="2"/>
+              </a:rPr>
+            </a:br>
+            <a:r>
+              <a:rPr lang="en-US" sz="2000" dirty="0">
+                <a:ea typeface="DejaVu Sans" pitchFamily="2"/>
+                <a:cs typeface="DejaVu Sans" pitchFamily="2"/>
+              </a:rPr>
+              <a:t>Блок 1: Теория: Использование индексов</a:t>
+            </a:r>
+            <a:endParaRPr lang="ru-RU" dirty="0"/>
+          </a:p>
+        </p:txBody>
+      </p:sp>
+      <p:sp>
+        <p:nvSpPr>
+          <p:cNvPr id="3" name="Content Placeholder 2">
+            <a:extLst>
+              <a:ext uri="{FF2B5EF4-FFF2-40B4-BE49-F238E27FC236}">
+                <a16:creationId xmlns:a16="http://schemas.microsoft.com/office/drawing/2014/main" id="{422B1A28-6680-42A6-9E42-8035811D2506}"/>
+              </a:ext>
+            </a:extLst>
+          </p:cNvPr>
+          <p:cNvSpPr>
+            <a:spLocks noGrp="1"/>
+          </p:cNvSpPr>
+          <p:nvPr>
+            <p:ph idx="1"/>
+          </p:nvPr>
+        </p:nvSpPr>
+        <p:spPr>
+          <a:xfrm>
+            <a:off x="1069848" y="2121408"/>
+            <a:ext cx="4036547" cy="4736592"/>
+          </a:xfrm>
+        </p:spPr>
+        <p:txBody>
+          <a:bodyPr>
+            <a:normAutofit/>
+          </a:bodyPr>
+          <a:lstStyle/>
+          <a:p>
+            <a:pPr lvl="0">
+              <a:lnSpc>
+                <a:spcPct val="80000"/>
+              </a:lnSpc>
+              <a:buClr>
+                <a:srgbClr val="666666"/>
+              </a:buClr>
+              <a:buSzPct val="45000"/>
+              <a:buFont typeface="StarSymbol"/>
+              <a:buChar char="●"/>
+            </a:pPr>
+            <a:r>
+              <a:rPr lang="ru-RU" sz="2400" dirty="0">
+                <a:solidFill>
+                  <a:srgbClr val="000000"/>
+                </a:solidFill>
+                <a:ea typeface="DejaVu Sans" pitchFamily="2"/>
+                <a:cs typeface="DejaVu Sans" pitchFamily="2"/>
+              </a:rPr>
+              <a:t>Индекс и как он ускоряет запрос?</a:t>
+            </a:r>
+          </a:p>
+          <a:p>
+            <a:pPr lvl="0">
+              <a:lnSpc>
+                <a:spcPct val="80000"/>
+              </a:lnSpc>
+              <a:buClr>
+                <a:srgbClr val="666666"/>
+              </a:buClr>
+              <a:buSzPct val="45000"/>
+              <a:buFont typeface="StarSymbol"/>
+              <a:buChar char="●"/>
+            </a:pPr>
+            <a:r>
+              <a:rPr lang="en-US" sz="2400" dirty="0">
+                <a:solidFill>
+                  <a:srgbClr val="000000"/>
+                </a:solidFill>
+                <a:ea typeface="DejaVu Sans" pitchFamily="2"/>
+                <a:cs typeface="DejaVu Sans" pitchFamily="2"/>
+              </a:rPr>
+              <a:t>B-tree - default</a:t>
+            </a:r>
+            <a:endParaRPr lang="ru-RU" sz="2400" dirty="0">
+              <a:solidFill>
+                <a:srgbClr val="000000"/>
+              </a:solidFill>
+              <a:ea typeface="DejaVu Sans" pitchFamily="2"/>
+              <a:cs typeface="DejaVu Sans" pitchFamily="2"/>
+            </a:endParaRPr>
+          </a:p>
+          <a:p>
+            <a:pPr lvl="0">
+              <a:lnSpc>
+                <a:spcPct val="80000"/>
+              </a:lnSpc>
+              <a:buClr>
+                <a:srgbClr val="666666"/>
+              </a:buClr>
+              <a:buSzPct val="45000"/>
+              <a:buFont typeface="StarSymbol"/>
+              <a:buChar char="●"/>
+            </a:pPr>
+            <a:r>
+              <a:rPr lang="ru-RU" sz="2400" dirty="0">
+                <a:solidFill>
+                  <a:srgbClr val="000000"/>
+                </a:solidFill>
+                <a:ea typeface="DejaVu Sans" pitchFamily="2"/>
+                <a:cs typeface="DejaVu Sans" pitchFamily="2"/>
+              </a:rPr>
+              <a:t>Первичный и вторичный индексы</a:t>
+            </a:r>
+            <a:r>
+              <a:rPr lang="en-US" sz="2400" dirty="0">
+                <a:solidFill>
+                  <a:srgbClr val="000000"/>
+                </a:solidFill>
+                <a:ea typeface="DejaVu Sans" pitchFamily="2"/>
+                <a:cs typeface="DejaVu Sans" pitchFamily="2"/>
+              </a:rPr>
+              <a:t> </a:t>
+            </a:r>
+            <a:endParaRPr lang="ru-RU" sz="2400" dirty="0">
+              <a:solidFill>
+                <a:srgbClr val="000000"/>
+              </a:solidFill>
+              <a:ea typeface="DejaVu Sans" pitchFamily="2"/>
+              <a:cs typeface="DejaVu Sans" pitchFamily="2"/>
+            </a:endParaRPr>
+          </a:p>
+          <a:p>
+            <a:pPr lvl="1">
+              <a:lnSpc>
+                <a:spcPct val="70000"/>
+              </a:lnSpc>
+              <a:buClr>
+                <a:srgbClr val="666666"/>
+              </a:buClr>
+              <a:buSzPct val="45000"/>
+              <a:buFont typeface="StarSymbol"/>
+              <a:buChar char="●"/>
+            </a:pPr>
+            <a:r>
+              <a:rPr lang="ru-RU" sz="2000" dirty="0">
+                <a:ea typeface="DejaVu Sans" pitchFamily="2"/>
+                <a:cs typeface="DejaVu Sans" pitchFamily="2"/>
+              </a:rPr>
+              <a:t>В </a:t>
+            </a:r>
+            <a:r>
+              <a:rPr lang="en-US" sz="2000" dirty="0" err="1">
+                <a:ea typeface="DejaVu Sans" pitchFamily="2"/>
+                <a:cs typeface="DejaVu Sans" pitchFamily="2"/>
+              </a:rPr>
+              <a:t>postgresql</a:t>
+            </a:r>
+            <a:r>
+              <a:rPr lang="ru-RU" sz="2000" dirty="0">
+                <a:ea typeface="DejaVu Sans" pitchFamily="2"/>
+                <a:cs typeface="DejaVu Sans" pitchFamily="2"/>
+              </a:rPr>
+              <a:t>:</a:t>
+            </a:r>
+          </a:p>
+          <a:p>
+            <a:pPr lvl="2">
+              <a:lnSpc>
+                <a:spcPct val="70000"/>
+              </a:lnSpc>
+              <a:buClr>
+                <a:srgbClr val="666666"/>
+              </a:buClr>
+              <a:buSzPct val="45000"/>
+              <a:buFont typeface="StarSymbol"/>
+              <a:buChar char="●"/>
+            </a:pPr>
+            <a:r>
+              <a:rPr lang="en-US" sz="1800" dirty="0">
+                <a:ea typeface="DejaVu Sans" pitchFamily="2"/>
+                <a:cs typeface="DejaVu Sans" pitchFamily="2"/>
+              </a:rPr>
+              <a:t>Index = </a:t>
+            </a:r>
+            <a:r>
+              <a:rPr lang="ru-RU" sz="1800" dirty="0">
+                <a:ea typeface="DejaVu Sans" pitchFamily="2"/>
+                <a:cs typeface="DejaVu Sans" pitchFamily="2"/>
+              </a:rPr>
+              <a:t>вторичный индекс</a:t>
+            </a:r>
+            <a:br>
+              <a:rPr lang="ru-RU" sz="1800" dirty="0">
+                <a:ea typeface="DejaVu Sans" pitchFamily="2"/>
+                <a:cs typeface="DejaVu Sans" pitchFamily="2"/>
+              </a:rPr>
+            </a:br>
+            <a:endParaRPr lang="ru-RU" sz="1800" dirty="0">
+              <a:ea typeface="DejaVu Sans" pitchFamily="2"/>
+              <a:cs typeface="DejaVu Sans" pitchFamily="2"/>
+            </a:endParaRPr>
+          </a:p>
+          <a:p>
+            <a:pPr lvl="2">
+              <a:lnSpc>
+                <a:spcPct val="70000"/>
+              </a:lnSpc>
+              <a:buClr>
+                <a:srgbClr val="666666"/>
+              </a:buClr>
+              <a:buSzPct val="45000"/>
+              <a:buFont typeface="StarSymbol"/>
+              <a:buChar char="●"/>
+            </a:pPr>
+            <a:r>
+              <a:rPr lang="en-US" sz="1800" dirty="0">
+                <a:ea typeface="DejaVu Sans" pitchFamily="2"/>
+                <a:cs typeface="DejaVu Sans" pitchFamily="2"/>
+              </a:rPr>
+              <a:t>CLUSTER </a:t>
+            </a:r>
+            <a:r>
+              <a:rPr lang="en-US" sz="1800" dirty="0" err="1">
+                <a:ea typeface="DejaVu Sans" pitchFamily="2"/>
+                <a:cs typeface="DejaVu Sans" pitchFamily="2"/>
+              </a:rPr>
+              <a:t>table_name</a:t>
+            </a:r>
+            <a:r>
+              <a:rPr lang="en-US" sz="1800" dirty="0">
+                <a:ea typeface="DejaVu Sans" pitchFamily="2"/>
+                <a:cs typeface="DejaVu Sans" pitchFamily="2"/>
+              </a:rPr>
+              <a:t> [ USING </a:t>
+            </a:r>
+            <a:r>
+              <a:rPr lang="en-US" sz="1800" dirty="0" err="1">
+                <a:ea typeface="DejaVu Sans" pitchFamily="2"/>
+                <a:cs typeface="DejaVu Sans" pitchFamily="2"/>
+              </a:rPr>
+              <a:t>index_name</a:t>
+            </a:r>
+            <a:r>
+              <a:rPr lang="en-US" sz="1800" dirty="0">
+                <a:ea typeface="DejaVu Sans" pitchFamily="2"/>
+                <a:cs typeface="DejaVu Sans" pitchFamily="2"/>
+              </a:rPr>
+              <a:t> ]</a:t>
+            </a:r>
+            <a:r>
+              <a:rPr lang="ru-RU" sz="1800" dirty="0">
+                <a:ea typeface="DejaVu Sans" pitchFamily="2"/>
+                <a:cs typeface="DejaVu Sans" pitchFamily="2"/>
+              </a:rPr>
+              <a:t> = первичный индекс</a:t>
+            </a:r>
+            <a:br>
+              <a:rPr lang="ru-RU" sz="1800" dirty="0">
+                <a:ea typeface="DejaVu Sans" pitchFamily="2"/>
+                <a:cs typeface="DejaVu Sans" pitchFamily="2"/>
+              </a:rPr>
+            </a:br>
+            <a:br>
+              <a:rPr lang="ru-RU" sz="1800" dirty="0">
+                <a:ea typeface="DejaVu Sans" pitchFamily="2"/>
+                <a:cs typeface="DejaVu Sans" pitchFamily="2"/>
+              </a:rPr>
+            </a:br>
+            <a:r>
+              <a:rPr lang="ru-RU" sz="1800" dirty="0">
+                <a:solidFill>
+                  <a:srgbClr val="FF0000"/>
+                </a:solidFill>
+                <a:ea typeface="DejaVu Sans" pitchFamily="2"/>
+                <a:cs typeface="DejaVu Sans" pitchFamily="2"/>
+              </a:rPr>
+              <a:t>Но</a:t>
+            </a:r>
+            <a:r>
+              <a:rPr lang="ru-RU" sz="1800" dirty="0">
+                <a:ea typeface="DejaVu Sans" pitchFamily="2"/>
+                <a:cs typeface="DejaVu Sans" pitchFamily="2"/>
+              </a:rPr>
+              <a:t>: </a:t>
+            </a:r>
+            <a:r>
+              <a:rPr lang="en-US" sz="1800" dirty="0">
+                <a:ea typeface="DejaVu Sans" pitchFamily="2"/>
+                <a:cs typeface="DejaVu Sans" pitchFamily="2"/>
+              </a:rPr>
+              <a:t>cluster - </a:t>
+            </a:r>
+            <a:r>
+              <a:rPr lang="ru-RU" sz="1800" dirty="0">
+                <a:ea typeface="DejaVu Sans" pitchFamily="2"/>
+                <a:cs typeface="DejaVu Sans" pitchFamily="2"/>
+              </a:rPr>
+              <a:t>операция разовая, новые строки не размещаются в соответствии с индексом</a:t>
+            </a:r>
+          </a:p>
+          <a:p>
+            <a:pPr marL="0" indent="0">
+              <a:buNone/>
+            </a:pPr>
+            <a:endParaRPr lang="ru-RU" dirty="0"/>
+          </a:p>
+        </p:txBody>
+      </p:sp>
+      <p:pic>
+        <p:nvPicPr>
+          <p:cNvPr id="4" name="Picture 2" descr="Indexes in PostgreSQL — 4 (Btree) : Postgres Professional">
+            <a:extLst>
+              <a:ext uri="{FF2B5EF4-FFF2-40B4-BE49-F238E27FC236}">
+                <a16:creationId xmlns:a16="http://schemas.microsoft.com/office/drawing/2014/main" id="{B4FB197C-89C7-427A-A667-260A93FDCC5F}"/>
+              </a:ext>
+            </a:extLst>
+          </p:cNvPr>
+          <p:cNvPicPr>
+            <a:picLocks noChangeAspect="1"/>
+          </p:cNvPicPr>
+          <p:nvPr/>
+        </p:nvPicPr>
+        <p:blipFill rotWithShape="1">
+          <a:blip r:embed="rId2"/>
+          <a:srcRect l="14654" t="12280" r="15346" b="11383"/>
+          <a:stretch/>
+        </p:blipFill>
+        <p:spPr>
+          <a:xfrm>
+            <a:off x="5106395" y="2121408"/>
+            <a:ext cx="6913619" cy="3141472"/>
+          </a:xfrm>
+          <a:prstGeom prst="rect">
+            <a:avLst/>
+          </a:prstGeom>
+          <a:noFill/>
+          <a:ln cap="flat">
+            <a:noFill/>
+          </a:ln>
+        </p:spPr>
+      </p:pic>
+    </p:spTree>
+    <p:extLst>
+      <p:ext uri="{BB962C8B-B14F-4D97-AF65-F5344CB8AC3E}">
+        <p14:creationId xmlns:p14="http://schemas.microsoft.com/office/powerpoint/2010/main" val="1446175591"/>
+      </p:ext>
+    </p:extLst>
+  </p:cSld>
+  <p:clrMapOvr>
+    <a:masterClrMapping/>
+  </p:clrMapOvr>
+</p:sld>
+</file>
+
+<file path=ppt/slides/slide12.xml><?xml version="1.0" encoding="utf-8"?>
+<p:sld xmlns:a="http://schemas.openxmlformats.org/drawingml/2006/main" xmlns:r="http://schemas.openxmlformats.org/officeDocument/2006/relationships" xmlns:p="http://schemas.openxmlformats.org/presentationml/2006/main">
+  <p:cSld>
+    <p:spTree>
+      <p:nvGrpSpPr>
+        <p:cNvPr id="1" name=""/>
+        <p:cNvGrpSpPr/>
+        <p:nvPr/>
+      </p:nvGrpSpPr>
+      <p:grpSpPr>
+        <a:xfrm>
+          <a:off x="0" y="0"/>
+          <a:ext cx="0" cy="0"/>
+          <a:chOff x="0" y="0"/>
+          <a:chExt cx="0" cy="0"/>
+        </a:xfrm>
+      </p:grpSpPr>
+      <p:sp>
+        <p:nvSpPr>
+          <p:cNvPr id="2" name="Title 1">
+            <a:extLst>
+              <a:ext uri="{FF2B5EF4-FFF2-40B4-BE49-F238E27FC236}">
                 <a16:creationId xmlns:a16="http://schemas.microsoft.com/office/drawing/2014/main" id="{BA78E8D7-C39F-4E02-9A0F-B84A53E12BF1}"/>
               </a:ext>
             </a:extLst>
@@ -4587,7 +5659,7 @@
 </p:sld>
 </file>
 
-<file path=ppt/slides/slide11.xml><?xml version="1.0" encoding="utf-8"?>
+<file path=ppt/slides/slide13.xml><?xml version="1.0" encoding="utf-8"?>
 <p:sld xmlns:a="http://schemas.openxmlformats.org/drawingml/2006/main" xmlns:r="http://schemas.openxmlformats.org/officeDocument/2006/relationships" xmlns:p="http://schemas.openxmlformats.org/presentationml/2006/main">
   <p:cSld>
     <p:spTree>
@@ -4720,316 +5792,6 @@
 </p:sld>
 </file>
 
-<file path=ppt/slides/slide12.xml><?xml version="1.0" encoding="utf-8"?>
-<p:sld xmlns:a="http://schemas.openxmlformats.org/drawingml/2006/main" xmlns:r="http://schemas.openxmlformats.org/officeDocument/2006/relationships" xmlns:p="http://schemas.openxmlformats.org/presentationml/2006/main">
-  <p:cSld>
-    <p:spTree>
-      <p:nvGrpSpPr>
-        <p:cNvPr id="1" name=""/>
-        <p:cNvGrpSpPr/>
-        <p:nvPr/>
-      </p:nvGrpSpPr>
-      <p:grpSpPr>
-        <a:xfrm>
-          <a:off x="0" y="0"/>
-          <a:ext cx="0" cy="0"/>
-          <a:chOff x="0" y="0"/>
-          <a:chExt cx="0" cy="0"/>
-        </a:xfrm>
-      </p:grpSpPr>
-      <p:sp>
-        <p:nvSpPr>
-          <p:cNvPr id="2" name="Title 1">
-            <a:extLst>
-              <a:ext uri="{FF2B5EF4-FFF2-40B4-BE49-F238E27FC236}">
-                <a16:creationId xmlns:a16="http://schemas.microsoft.com/office/drawing/2014/main" id="{C61B5D42-722A-4E57-AE65-87E9F04C13B5}"/>
-              </a:ext>
-            </a:extLst>
-          </p:cNvPr>
-          <p:cNvSpPr>
-            <a:spLocks noGrp="1"/>
-          </p:cNvSpPr>
-          <p:nvPr>
-            <p:ph type="title"/>
-          </p:nvPr>
-        </p:nvSpPr>
-        <p:spPr/>
-        <p:txBody>
-          <a:bodyPr>
-            <a:normAutofit/>
-          </a:bodyPr>
-          <a:lstStyle/>
-          <a:p>
-            <a:r>
-              <a:rPr lang="en-US" dirty="0">
-                <a:ea typeface="DejaVu Sans" pitchFamily="2"/>
-                <a:cs typeface="DejaVu Sans" pitchFamily="2"/>
-              </a:rPr>
-              <a:t>Оптимизация SQL</a:t>
-            </a:r>
-            <a:br>
-              <a:rPr lang="en-US" dirty="0">
-                <a:ea typeface="DejaVu Sans" pitchFamily="2"/>
-                <a:cs typeface="DejaVu Sans" pitchFamily="2"/>
-              </a:rPr>
-            </a:br>
-            <a:r>
-              <a:rPr lang="en-US" sz="2000" dirty="0" err="1">
-                <a:ea typeface="DejaVu Sans" pitchFamily="2"/>
-                <a:cs typeface="DejaVu Sans" pitchFamily="2"/>
-              </a:rPr>
-              <a:t>Блок</a:t>
-            </a:r>
-            <a:r>
-              <a:rPr lang="en-US" sz="2000" dirty="0">
-                <a:ea typeface="DejaVu Sans" pitchFamily="2"/>
-                <a:cs typeface="DejaVu Sans" pitchFamily="2"/>
-              </a:rPr>
-              <a:t> </a:t>
-            </a:r>
-            <a:r>
-              <a:rPr lang="ru-RU" sz="2000" dirty="0">
-                <a:ea typeface="DejaVu Sans" pitchFamily="2"/>
-                <a:cs typeface="DejaVu Sans" pitchFamily="2"/>
-              </a:rPr>
-              <a:t>2</a:t>
-            </a:r>
-            <a:r>
-              <a:rPr lang="en-US" sz="2000" dirty="0">
-                <a:ea typeface="DejaVu Sans" pitchFamily="2"/>
-                <a:cs typeface="DejaVu Sans" pitchFamily="2"/>
-              </a:rPr>
-              <a:t>: </a:t>
-            </a:r>
-            <a:r>
-              <a:rPr lang="ru-RU" sz="2000" dirty="0">
-                <a:ea typeface="DejaVu Sans" pitchFamily="2"/>
-                <a:cs typeface="DejaVu Sans" pitchFamily="2"/>
-              </a:rPr>
-              <a:t>Виды физических </a:t>
-            </a:r>
-            <a:r>
-              <a:rPr lang="ru-RU" sz="2000" dirty="0" err="1">
-                <a:ea typeface="DejaVu Sans" pitchFamily="2"/>
-                <a:cs typeface="DejaVu Sans" pitchFamily="2"/>
-              </a:rPr>
-              <a:t>join</a:t>
-            </a:r>
-            <a:r>
-              <a:rPr lang="ru-RU" sz="2000" dirty="0">
-                <a:ea typeface="DejaVu Sans" pitchFamily="2"/>
-                <a:cs typeface="DejaVu Sans" pitchFamily="2"/>
-              </a:rPr>
-              <a:t> и какой выбрать</a:t>
-            </a:r>
-            <a:endParaRPr lang="ru-RU" dirty="0"/>
-          </a:p>
-        </p:txBody>
-      </p:sp>
-      <p:sp>
-        <p:nvSpPr>
-          <p:cNvPr id="3" name="Content Placeholder 2">
-            <a:extLst>
-              <a:ext uri="{FF2B5EF4-FFF2-40B4-BE49-F238E27FC236}">
-                <a16:creationId xmlns:a16="http://schemas.microsoft.com/office/drawing/2014/main" id="{090578C4-E6E7-4308-A4D1-738FCB3F61D8}"/>
-              </a:ext>
-            </a:extLst>
-          </p:cNvPr>
-          <p:cNvSpPr>
-            <a:spLocks noGrp="1"/>
-          </p:cNvSpPr>
-          <p:nvPr>
-            <p:ph idx="1"/>
-          </p:nvPr>
-        </p:nvSpPr>
-        <p:spPr/>
-        <p:txBody>
-          <a:bodyPr/>
-          <a:lstStyle/>
-          <a:p>
-            <a:r>
-              <a:rPr lang="ru-RU" dirty="0"/>
-              <a:t>Практика</a:t>
-            </a:r>
-          </a:p>
-        </p:txBody>
-      </p:sp>
-    </p:spTree>
-    <p:extLst>
-      <p:ext uri="{BB962C8B-B14F-4D97-AF65-F5344CB8AC3E}">
-        <p14:creationId xmlns:p14="http://schemas.microsoft.com/office/powerpoint/2010/main" val="227297583"/>
-      </p:ext>
-    </p:extLst>
-  </p:cSld>
-  <p:clrMapOvr>
-    <a:masterClrMapping/>
-  </p:clrMapOvr>
-</p:sld>
-</file>
-
-<file path=ppt/slides/slide13.xml><?xml version="1.0" encoding="utf-8"?>
-<p:sld xmlns:a="http://schemas.openxmlformats.org/drawingml/2006/main" xmlns:r="http://schemas.openxmlformats.org/officeDocument/2006/relationships" xmlns:p="http://schemas.openxmlformats.org/presentationml/2006/main">
-  <p:cSld>
-    <p:spTree>
-      <p:nvGrpSpPr>
-        <p:cNvPr id="1" name=""/>
-        <p:cNvGrpSpPr/>
-        <p:nvPr/>
-      </p:nvGrpSpPr>
-      <p:grpSpPr>
-        <a:xfrm>
-          <a:off x="0" y="0"/>
-          <a:ext cx="0" cy="0"/>
-          <a:chOff x="0" y="0"/>
-          <a:chExt cx="0" cy="0"/>
-        </a:xfrm>
-      </p:grpSpPr>
-      <p:sp>
-        <p:nvSpPr>
-          <p:cNvPr id="2" name="Title 1">
-            <a:extLst>
-              <a:ext uri="{FF2B5EF4-FFF2-40B4-BE49-F238E27FC236}">
-                <a16:creationId xmlns:a16="http://schemas.microsoft.com/office/drawing/2014/main" id="{1ED93B46-2129-4D6B-9E60-2C5A2357CAE3}"/>
-              </a:ext>
-            </a:extLst>
-          </p:cNvPr>
-          <p:cNvSpPr>
-            <a:spLocks noGrp="1"/>
-          </p:cNvSpPr>
-          <p:nvPr>
-            <p:ph type="title"/>
-          </p:nvPr>
-        </p:nvSpPr>
-        <p:spPr/>
-        <p:txBody>
-          <a:bodyPr>
-            <a:normAutofit/>
-          </a:bodyPr>
-          <a:lstStyle/>
-          <a:p>
-            <a:r>
-              <a:rPr lang="en-US" dirty="0">
-                <a:ea typeface="DejaVu Sans" pitchFamily="2"/>
-                <a:cs typeface="DejaVu Sans" pitchFamily="2"/>
-              </a:rPr>
-              <a:t>Оптимизация SQL</a:t>
-            </a:r>
-            <a:br>
-              <a:rPr lang="en-US" dirty="0">
-                <a:ea typeface="DejaVu Sans" pitchFamily="2"/>
-                <a:cs typeface="DejaVu Sans" pitchFamily="2"/>
-              </a:rPr>
-            </a:br>
-            <a:r>
-              <a:rPr lang="en-US" sz="2000" dirty="0" err="1">
-                <a:ea typeface="DejaVu Sans" pitchFamily="2"/>
-                <a:cs typeface="DejaVu Sans" pitchFamily="2"/>
-              </a:rPr>
-              <a:t>Блок</a:t>
-            </a:r>
-            <a:r>
-              <a:rPr lang="en-US" sz="2000" dirty="0">
-                <a:ea typeface="DejaVu Sans" pitchFamily="2"/>
-                <a:cs typeface="DejaVu Sans" pitchFamily="2"/>
-              </a:rPr>
-              <a:t> </a:t>
-            </a:r>
-            <a:r>
-              <a:rPr lang="ru-RU" sz="2000" dirty="0">
-                <a:ea typeface="DejaVu Sans" pitchFamily="2"/>
-                <a:cs typeface="DejaVu Sans" pitchFamily="2"/>
-              </a:rPr>
-              <a:t>3</a:t>
-            </a:r>
-            <a:r>
-              <a:rPr lang="en-US" sz="2000" dirty="0">
-                <a:ea typeface="DejaVu Sans" pitchFamily="2"/>
-                <a:cs typeface="DejaVu Sans" pitchFamily="2"/>
-              </a:rPr>
-              <a:t>: Теория: Union vs union all</a:t>
-            </a:r>
-            <a:endParaRPr lang="ru-RU" dirty="0"/>
-          </a:p>
-        </p:txBody>
-      </p:sp>
-      <p:sp>
-        <p:nvSpPr>
-          <p:cNvPr id="3" name="Content Placeholder 2">
-            <a:extLst>
-              <a:ext uri="{FF2B5EF4-FFF2-40B4-BE49-F238E27FC236}">
-                <a16:creationId xmlns:a16="http://schemas.microsoft.com/office/drawing/2014/main" id="{8E65D122-F661-4641-A255-7626711E7581}"/>
-              </a:ext>
-            </a:extLst>
-          </p:cNvPr>
-          <p:cNvSpPr>
-            <a:spLocks noGrp="1"/>
-          </p:cNvSpPr>
-          <p:nvPr>
-            <p:ph idx="1"/>
-          </p:nvPr>
-        </p:nvSpPr>
-        <p:spPr/>
-        <p:txBody>
-          <a:bodyPr/>
-          <a:lstStyle/>
-          <a:p>
-            <a:pPr lvl="0">
-              <a:buClr>
-                <a:srgbClr val="666666"/>
-              </a:buClr>
-              <a:buSzPct val="45000"/>
-              <a:buFont typeface="StarSymbol"/>
-              <a:buChar char="●"/>
-            </a:pPr>
-            <a:r>
-              <a:rPr lang="en-US" dirty="0">
-                <a:solidFill>
-                  <a:srgbClr val="000000"/>
-                </a:solidFill>
-                <a:ea typeface="DejaVu Sans" pitchFamily="2"/>
-                <a:cs typeface="DejaVu Sans" pitchFamily="2"/>
-              </a:rPr>
-              <a:t>Как работает union</a:t>
-            </a:r>
-          </a:p>
-          <a:p>
-            <a:pPr lvl="0">
-              <a:buClr>
-                <a:srgbClr val="666666"/>
-              </a:buClr>
-              <a:buSzPct val="45000"/>
-              <a:buFont typeface="StarSymbol"/>
-              <a:buChar char="●"/>
-            </a:pPr>
-            <a:r>
-              <a:rPr lang="en-US" dirty="0">
-                <a:solidFill>
-                  <a:srgbClr val="000000"/>
-                </a:solidFill>
-                <a:ea typeface="DejaVu Sans" pitchFamily="2"/>
-                <a:cs typeface="DejaVu Sans" pitchFamily="2"/>
-              </a:rPr>
-              <a:t>Как работает union all</a:t>
-            </a:r>
-          </a:p>
-          <a:p>
-            <a:endParaRPr lang="ru-RU" dirty="0"/>
-          </a:p>
-        </p:txBody>
-      </p:sp>
-    </p:spTree>
-    <p:extLst>
-      <p:ext uri="{BB962C8B-B14F-4D97-AF65-F5344CB8AC3E}">
-        <p14:creationId xmlns:p14="http://schemas.microsoft.com/office/powerpoint/2010/main" val="3511590595"/>
-      </p:ext>
-    </p:extLst>
-  </p:cSld>
-  <p:clrMapOvr>
-    <a:masterClrMapping/>
-  </p:clrMapOvr>
-</p:sld>
-</file>
-
 <file path=ppt/slides/slide14.xml><?xml version="1.0" encoding="utf-8"?>
 <p:sld xmlns:a="http://schemas.openxmlformats.org/drawingml/2006/main" xmlns:r="http://schemas.openxmlformats.org/officeDocument/2006/relationships" xmlns:p="http://schemas.openxmlformats.org/presentationml/2006/main">
   <p:cSld>
@@ -5102,14 +5864,35 @@
                 <a:ea typeface="DejaVu Sans" pitchFamily="2"/>
                 <a:cs typeface="DejaVu Sans" pitchFamily="2"/>
               </a:rPr>
-              <a:t>3</a:t>
+              <a:t>2</a:t>
             </a:r>
             <a:r>
               <a:rPr lang="en-US" sz="2000" dirty="0">
                 <a:ea typeface="DejaVu Sans" pitchFamily="2"/>
                 <a:cs typeface="DejaVu Sans" pitchFamily="2"/>
               </a:rPr>
-              <a:t>: Union vs union all</a:t>
+              <a:t>: </a:t>
+            </a:r>
+            <a:r>
+              <a:rPr lang="ru-RU" sz="2000" dirty="0">
+                <a:ea typeface="DejaVu Sans" pitchFamily="2"/>
+                <a:cs typeface="DejaVu Sans" pitchFamily="2"/>
+              </a:rPr>
+              <a:t>Виды физических </a:t>
+            </a:r>
+            <a:r>
+              <a:rPr lang="ru-RU" sz="2000" dirty="0" err="1">
+                <a:ea typeface="DejaVu Sans" pitchFamily="2"/>
+                <a:cs typeface="DejaVu Sans" pitchFamily="2"/>
+              </a:rPr>
+              <a:t>join</a:t>
+            </a:r>
+            <a:r>
+              <a:rPr lang="ru-RU" sz="2000" dirty="0">
+                <a:ea typeface="DejaVu Sans" pitchFamily="2"/>
+                <a:cs typeface="DejaVu Sans" pitchFamily="2"/>
+              </a:rPr>
+              <a:t> и какой выбрать</a:t>
             </a:r>
             <a:endParaRPr lang="ru-RU" dirty="0"/>
           </a:p>
@@ -5146,7 +5929,7 @@
     </p:spTree>
     <p:extLst>
       <p:ext uri="{BB962C8B-B14F-4D97-AF65-F5344CB8AC3E}">
-        <p14:creationId xmlns:p14="http://schemas.microsoft.com/office/powerpoint/2010/main" val="2327172896"/>
+        <p14:creationId xmlns:p14="http://schemas.microsoft.com/office/powerpoint/2010/main" val="227297583"/>
       </p:ext>
     </p:extLst>
   </p:cSld>
@@ -5178,7 +5961,7 @@
           <p:cNvPr id="2" name="Title 1">
             <a:extLst>
               <a:ext uri="{FF2B5EF4-FFF2-40B4-BE49-F238E27FC236}">
-                <a16:creationId xmlns:a16="http://schemas.microsoft.com/office/drawing/2014/main" id="{A7849E89-1B6E-4D5A-B79A-B4ABAF7E394E}"/>
+                <a16:creationId xmlns:a16="http://schemas.microsoft.com/office/drawing/2014/main" id="{1ED93B46-2129-4D6B-9E60-2C5A2357CAE3}"/>
               </a:ext>
             </a:extLst>
           </p:cNvPr>
@@ -5228,21 +6011,14 @@
                 <a:ea typeface="DejaVu Sans" pitchFamily="2"/>
                 <a:cs typeface="DejaVu Sans" pitchFamily="2"/>
               </a:rPr>
-              <a:t>4</a:t>
+              <a:t>3</a:t>
             </a:r>
             <a:r>
               <a:rPr lang="en-US" sz="2000" dirty="0">
                 <a:ea typeface="DejaVu Sans" pitchFamily="2"/>
                 <a:cs typeface="DejaVu Sans" pitchFamily="2"/>
               </a:rPr>
-              <a:t>: Теория: оптимизация через </a:t>
-            </a:r>
-            <a:r>
-              <a:rPr lang="ru-RU" sz="2000" dirty="0">
-                <a:ea typeface="DejaVu Sans" pitchFamily="2"/>
-                <a:cs typeface="DejaVu Sans" pitchFamily="2"/>
-              </a:rPr>
-              <a:t>промежуточную материализацию</a:t>
+              <a:t>: Теория: Union vs union all</a:t>
             </a:r>
             <a:endParaRPr lang="ru-RU" dirty="0"/>
           </a:p>
@@ -5253,7 +6029,7 @@
           <p:cNvPr id="3" name="Content Placeholder 2">
             <a:extLst>
               <a:ext uri="{FF2B5EF4-FFF2-40B4-BE49-F238E27FC236}">
-                <a16:creationId xmlns:a16="http://schemas.microsoft.com/office/drawing/2014/main" id="{3900631D-A5E4-47A8-B439-20D1B6BD2E4D}"/>
+                <a16:creationId xmlns:a16="http://schemas.microsoft.com/office/drawing/2014/main" id="{8E65D122-F661-4641-A255-7626711E7581}"/>
               </a:ext>
             </a:extLst>
           </p:cNvPr>
@@ -5285,7 +6061,7 @@
                 <a:ea typeface="DejaVu Sans" pitchFamily="2"/>
                 <a:cs typeface="DejaVu Sans" pitchFamily="2"/>
               </a:rPr>
-              <a:t>Пример плоских джоинов</a:t>
+              <a:t>Как работает union</a:t>
             </a:r>
           </a:p>
           <a:p>
@@ -5305,45 +6081,8 @@
                 <a:ea typeface="DejaVu Sans" pitchFamily="2"/>
                 <a:cs typeface="DejaVu Sans" pitchFamily="2"/>
               </a:rPr>
-              <a:t>Temporary table</a:t>
-            </a:r>
-          </a:p>
-          <a:p>
-            <a:pPr lvl="0">
-              <a:buClr>
-                <a:srgbClr val="666666"/>
-              </a:buClr>
-              <a:buSzPct val="45000"/>
-              <a:buFont typeface="StarSymbol"/>
-              <a:buChar char="●"/>
-            </a:pPr>
-            <a:r>
-              <a:rPr lang="en-US" dirty="0">
-                <a:solidFill>
-                  <a:srgbClr val="000000"/>
-                </a:solidFill>
-                <a:ea typeface="DejaVu Sans" pitchFamily="2"/>
-                <a:cs typeface="DejaVu Sans" pitchFamily="2"/>
-              </a:rPr>
-              <a:t>Переписанный пример через </a:t>
-            </a:r>
-            <a:r>
-              <a:rPr lang="ru-RU" dirty="0">
-                <a:solidFill>
-                  <a:srgbClr val="000000"/>
-                </a:solidFill>
-                <a:ea typeface="DejaVu Sans" pitchFamily="2"/>
-                <a:cs typeface="DejaVu Sans" pitchFamily="2"/>
-              </a:rPr>
-              <a:t>промежуточную оптимизацию</a:t>
-            </a:r>
-            <a:endParaRPr lang="en-US" dirty="0">
-              <a:solidFill>
-                <a:srgbClr val="000000"/>
-              </a:solidFill>
-              <a:ea typeface="DejaVu Sans" pitchFamily="2"/>
-              <a:cs typeface="DejaVu Sans" pitchFamily="2"/>
-            </a:endParaRPr>
+              <a:t>Как работает union all</a:t>
+            </a:r>
           </a:p>
           <a:p>
             <a:endParaRPr lang="ru-RU" dirty="0"/>
@@ -5353,7 +6092,7 @@
     </p:spTree>
     <p:extLst>
       <p:ext uri="{BB962C8B-B14F-4D97-AF65-F5344CB8AC3E}">
-        <p14:creationId xmlns:p14="http://schemas.microsoft.com/office/powerpoint/2010/main" val="4003952097"/>
+        <p14:creationId xmlns:p14="http://schemas.microsoft.com/office/powerpoint/2010/main" val="3511590595"/>
       </p:ext>
     </p:extLst>
   </p:cSld>
@@ -5385,7 +6124,7 @@
           <p:cNvPr id="2" name="Title 1">
             <a:extLst>
               <a:ext uri="{FF2B5EF4-FFF2-40B4-BE49-F238E27FC236}">
-                <a16:creationId xmlns:a16="http://schemas.microsoft.com/office/drawing/2014/main" id="{A7849E89-1B6E-4D5A-B79A-B4ABAF7E394E}"/>
+                <a16:creationId xmlns:a16="http://schemas.microsoft.com/office/drawing/2014/main" id="{C61B5D42-722A-4E57-AE65-87E9F04C13B5}"/>
               </a:ext>
             </a:extLst>
           </p:cNvPr>
@@ -5435,14 +6174,14 @@
                 <a:ea typeface="DejaVu Sans" pitchFamily="2"/>
                 <a:cs typeface="DejaVu Sans" pitchFamily="2"/>
               </a:rPr>
-              <a:t>4</a:t>
+              <a:t>3</a:t>
             </a:r>
             <a:r>
               <a:rPr lang="en-US" sz="2000" dirty="0">
                 <a:ea typeface="DejaVu Sans" pitchFamily="2"/>
                 <a:cs typeface="DejaVu Sans" pitchFamily="2"/>
               </a:rPr>
-              <a:t>: оптимизация через вложенные запросы</a:t>
+              <a:t>: Union vs union all</a:t>
             </a:r>
             <a:endParaRPr lang="ru-RU" dirty="0"/>
           </a:p>
@@ -5453,7 +6192,7 @@
           <p:cNvPr id="3" name="Content Placeholder 2">
             <a:extLst>
               <a:ext uri="{FF2B5EF4-FFF2-40B4-BE49-F238E27FC236}">
-                <a16:creationId xmlns:a16="http://schemas.microsoft.com/office/drawing/2014/main" id="{3900631D-A5E4-47A8-B439-20D1B6BD2E4D}"/>
+                <a16:creationId xmlns:a16="http://schemas.microsoft.com/office/drawing/2014/main" id="{090578C4-E6E7-4308-A4D1-738FCB3F61D8}"/>
               </a:ext>
             </a:extLst>
           </p:cNvPr>
@@ -5469,32 +6208,17 @@
           <a:bodyPr/>
           <a:lstStyle/>
           <a:p>
-            <a:pPr lvl="0">
-              <a:buClr>
-                <a:srgbClr val="666666"/>
-              </a:buClr>
-              <a:buSzPct val="45000"/>
-              <a:buFont typeface="StarSymbol"/>
-              <a:buChar char="●"/>
-            </a:pPr>
-            <a:r>
-              <a:rPr lang="ru-RU" dirty="0">
-                <a:solidFill>
-                  <a:srgbClr val="000000"/>
-                </a:solidFill>
-                <a:ea typeface="DejaVu Sans" pitchFamily="2"/>
-                <a:cs typeface="DejaVu Sans" pitchFamily="2"/>
-              </a:rPr>
+            <a:r>
+              <a:rPr lang="ru-RU" dirty="0"/>
               <a:t>Практика</a:t>
             </a:r>
-            <a:endParaRPr lang="ru-RU" dirty="0"/>
           </a:p>
         </p:txBody>
       </p:sp>
     </p:spTree>
     <p:extLst>
       <p:ext uri="{BB962C8B-B14F-4D97-AF65-F5344CB8AC3E}">
-        <p14:creationId xmlns:p14="http://schemas.microsoft.com/office/powerpoint/2010/main" val="1535010297"/>
+        <p14:creationId xmlns:p14="http://schemas.microsoft.com/office/powerpoint/2010/main" val="2327172896"/>
       </p:ext>
     </p:extLst>
   </p:cSld>
@@ -5526,7 +6250,7 @@
           <p:cNvPr id="2" name="Title 1">
             <a:extLst>
               <a:ext uri="{FF2B5EF4-FFF2-40B4-BE49-F238E27FC236}">
-                <a16:creationId xmlns:a16="http://schemas.microsoft.com/office/drawing/2014/main" id="{758213DD-3EDA-455B-8835-00FD804FA17A}"/>
+                <a16:creationId xmlns:a16="http://schemas.microsoft.com/office/drawing/2014/main" id="{A7849E89-1B6E-4D5A-B79A-B4ABAF7E394E}"/>
               </a:ext>
             </a:extLst>
           </p:cNvPr>
@@ -5576,14 +6300,21 @@
                 <a:ea typeface="DejaVu Sans" pitchFamily="2"/>
                 <a:cs typeface="DejaVu Sans" pitchFamily="2"/>
               </a:rPr>
-              <a:t>5</a:t>
+              <a:t>4</a:t>
             </a:r>
             <a:r>
               <a:rPr lang="en-US" sz="2000" dirty="0">
                 <a:ea typeface="DejaVu Sans" pitchFamily="2"/>
                 <a:cs typeface="DejaVu Sans" pitchFamily="2"/>
               </a:rPr>
-              <a:t>: Теория: Unlogged таблицы</a:t>
+              <a:t>: Теория: оптимизация через </a:t>
+            </a:r>
+            <a:r>
+              <a:rPr lang="ru-RU" sz="2000" dirty="0">
+                <a:ea typeface="DejaVu Sans" pitchFamily="2"/>
+                <a:cs typeface="DejaVu Sans" pitchFamily="2"/>
+              </a:rPr>
+              <a:t>промежуточную материализацию</a:t>
             </a:r>
             <a:endParaRPr lang="ru-RU" dirty="0"/>
           </a:p>
@@ -5594,7 +6325,7 @@
           <p:cNvPr id="3" name="Content Placeholder 2">
             <a:extLst>
               <a:ext uri="{FF2B5EF4-FFF2-40B4-BE49-F238E27FC236}">
-                <a16:creationId xmlns:a16="http://schemas.microsoft.com/office/drawing/2014/main" id="{C161AC7D-9235-4A56-9DBD-0A35EEF87042}"/>
+                <a16:creationId xmlns:a16="http://schemas.microsoft.com/office/drawing/2014/main" id="{3900631D-A5E4-47A8-B439-20D1B6BD2E4D}"/>
               </a:ext>
             </a:extLst>
           </p:cNvPr>
@@ -5626,62 +6357,8 @@
                 <a:ea typeface="DejaVu Sans" pitchFamily="2"/>
                 <a:cs typeface="DejaVu Sans" pitchFamily="2"/>
               </a:rPr>
-              <a:t>Что такое unlogged таблица</a:t>
-            </a:r>
-            <a:endParaRPr lang="ru-RU" dirty="0">
-              <a:solidFill>
-                <a:srgbClr val="000000"/>
-              </a:solidFill>
-              <a:ea typeface="DejaVu Sans" pitchFamily="2"/>
-              <a:cs typeface="DejaVu Sans" pitchFamily="2"/>
-            </a:endParaRPr>
-          </a:p>
-          <a:p>
-            <a:pPr lvl="1">
-              <a:buClr>
-                <a:srgbClr val="666666"/>
-              </a:buClr>
-              <a:buSzPct val="45000"/>
-              <a:buFont typeface="StarSymbol"/>
-              <a:buChar char="●"/>
-            </a:pPr>
-            <a:r>
-              <a:rPr lang="ru-RU" dirty="0">
-                <a:solidFill>
-                  <a:srgbClr val="000000"/>
-                </a:solidFill>
-                <a:ea typeface="DejaVu Sans" pitchFamily="2"/>
-                <a:cs typeface="DejaVu Sans" pitchFamily="2"/>
-              </a:rPr>
-              <a:t>Не пишется информация о транзакциях в </a:t>
-            </a:r>
-            <a:r>
-              <a:rPr lang="en-US" dirty="0" err="1">
-                <a:solidFill>
-                  <a:srgbClr val="000000"/>
-                </a:solidFill>
-                <a:ea typeface="DejaVu Sans" pitchFamily="2"/>
-                <a:cs typeface="DejaVu Sans" pitchFamily="2"/>
-              </a:rPr>
-              <a:t>wal</a:t>
-            </a:r>
-            <a:r>
-              <a:rPr lang="ru-RU" dirty="0">
-                <a:solidFill>
-                  <a:srgbClr val="000000"/>
-                </a:solidFill>
-                <a:ea typeface="DejaVu Sans" pitchFamily="2"/>
-                <a:cs typeface="DejaVu Sans" pitchFamily="2"/>
-              </a:rPr>
-              <a:t>-лог</a:t>
-            </a:r>
-            <a:endParaRPr lang="en-US" dirty="0">
-              <a:solidFill>
-                <a:srgbClr val="000000"/>
-              </a:solidFill>
-              <a:ea typeface="DejaVu Sans" pitchFamily="2"/>
-              <a:cs typeface="DejaVu Sans" pitchFamily="2"/>
-            </a:endParaRPr>
+              <a:t>Пример плоских джоинов</a:t>
+            </a:r>
           </a:p>
           <a:p>
             <a:pPr lvl="0">
@@ -5693,6 +6370,16 @@
               <a:buChar char="●"/>
             </a:pPr>
             <a:r>
+              <a:rPr lang="en-US" dirty="0" err="1">
+                <a:solidFill>
+                  <a:srgbClr val="000000"/>
+                </a:solidFill>
+                <a:ea typeface="DejaVu Sans" pitchFamily="2"/>
+                <a:cs typeface="DejaVu Sans" pitchFamily="2"/>
+              </a:rPr>
+              <a:t>Переписанный</a:t>
+            </a:r>
+            <a:r>
               <a:rPr lang="en-US" dirty="0">
                 <a:solidFill>
                   <a:srgbClr val="000000"/>
@@ -5700,54 +6387,17 @@
                 <a:ea typeface="DejaVu Sans" pitchFamily="2"/>
                 <a:cs typeface="DejaVu Sans" pitchFamily="2"/>
               </a:rPr>
-              <a:t>Truncate vs delete from</a:t>
-            </a:r>
-          </a:p>
-          <a:p>
-            <a:pPr lvl="0">
-              <a:buClr>
-                <a:srgbClr val="666666"/>
-              </a:buClr>
-              <a:buSzPct val="45000"/>
-              <a:buFont typeface="StarSymbol"/>
-              <a:buChar char="●"/>
-            </a:pPr>
-            <a:r>
-              <a:rPr lang="en-US" dirty="0">
+              <a:t> пример через </a:t>
+            </a:r>
+            <a:r>
+              <a:rPr lang="ru-RU" dirty="0">
                 <a:solidFill>
                   <a:srgbClr val="000000"/>
                 </a:solidFill>
                 <a:ea typeface="DejaVu Sans" pitchFamily="2"/>
                 <a:cs typeface="DejaVu Sans" pitchFamily="2"/>
               </a:rPr>
-              <a:t>Плюсы использования unlogged таблицы</a:t>
-            </a:r>
-            <a:endParaRPr lang="ru-RU" dirty="0">
-              <a:solidFill>
-                <a:srgbClr val="000000"/>
-              </a:solidFill>
-              <a:ea typeface="DejaVu Sans" pitchFamily="2"/>
-              <a:cs typeface="DejaVu Sans" pitchFamily="2"/>
-            </a:endParaRPr>
-          </a:p>
-          <a:p>
-            <a:pPr lvl="1">
-              <a:buClr>
-                <a:srgbClr val="666666"/>
-              </a:buClr>
-              <a:buSzPct val="45000"/>
-              <a:buFont typeface="StarSymbol"/>
-              <a:buChar char="●"/>
-            </a:pPr>
-            <a:r>
-              <a:rPr lang="ru-RU" dirty="0">
-                <a:solidFill>
-                  <a:srgbClr val="000000"/>
-                </a:solidFill>
-                <a:ea typeface="DejaVu Sans" pitchFamily="2"/>
-                <a:cs typeface="DejaVu Sans" pitchFamily="2"/>
-              </a:rPr>
-              <a:t>Ускорение в 1,5-2 раза</a:t>
+              <a:t>промежуточную оптимизацию</a:t>
             </a:r>
             <a:endParaRPr lang="en-US" dirty="0">
               <a:solidFill>
@@ -5758,140 +6408,6 @@
             </a:endParaRPr>
           </a:p>
           <a:p>
-            <a:pPr lvl="0">
-              <a:buClr>
-                <a:srgbClr val="666666"/>
-              </a:buClr>
-              <a:buSzPct val="45000"/>
-              <a:buFont typeface="StarSymbol"/>
-              <a:buChar char="●"/>
-            </a:pPr>
-            <a:r>
-              <a:rPr lang="en-US" dirty="0">
-                <a:solidFill>
-                  <a:srgbClr val="000000"/>
-                </a:solidFill>
-                <a:ea typeface="DejaVu Sans" pitchFamily="2"/>
-                <a:cs typeface="DejaVu Sans" pitchFamily="2"/>
-              </a:rPr>
-              <a:t>Минусы использования unlogged таблицы</a:t>
-            </a:r>
-            <a:endParaRPr lang="ru-RU" dirty="0">
-              <a:solidFill>
-                <a:srgbClr val="000000"/>
-              </a:solidFill>
-              <a:ea typeface="DejaVu Sans" pitchFamily="2"/>
-              <a:cs typeface="DejaVu Sans" pitchFamily="2"/>
-            </a:endParaRPr>
-          </a:p>
-          <a:p>
-            <a:pPr lvl="1">
-              <a:buClr>
-                <a:srgbClr val="666666"/>
-              </a:buClr>
-              <a:buSzPct val="45000"/>
-              <a:buFont typeface="StarSymbol"/>
-              <a:buChar char="●"/>
-            </a:pPr>
-            <a:r>
-              <a:rPr lang="ru-RU" dirty="0">
-                <a:solidFill>
-                  <a:srgbClr val="000000"/>
-                </a:solidFill>
-                <a:ea typeface="DejaVu Sans" pitchFamily="2"/>
-                <a:cs typeface="DejaVu Sans" pitchFamily="2"/>
-              </a:rPr>
-              <a:t>В случае невыполнения операции нельзя будет восстановить информацию</a:t>
-            </a:r>
-          </a:p>
-          <a:p>
-            <a:pPr lvl="1">
-              <a:buClr>
-                <a:srgbClr val="666666"/>
-              </a:buClr>
-              <a:buSzPct val="45000"/>
-              <a:buFont typeface="StarSymbol"/>
-              <a:buChar char="●"/>
-            </a:pPr>
-            <a:r>
-              <a:rPr lang="ru-RU" dirty="0">
-                <a:solidFill>
-                  <a:srgbClr val="000000"/>
-                </a:solidFill>
-                <a:ea typeface="DejaVu Sans" pitchFamily="2"/>
-                <a:cs typeface="DejaVu Sans" pitchFamily="2"/>
-              </a:rPr>
-              <a:t>В </a:t>
-            </a:r>
-            <a:r>
-              <a:rPr lang="en-US" dirty="0">
-                <a:solidFill>
-                  <a:srgbClr val="000000"/>
-                </a:solidFill>
-                <a:ea typeface="DejaVu Sans" pitchFamily="2"/>
-                <a:cs typeface="DejaVu Sans" pitchFamily="2"/>
-              </a:rPr>
-              <a:t>Greenplum</a:t>
-            </a:r>
-            <a:r>
-              <a:rPr lang="ru-RU" dirty="0">
-                <a:solidFill>
-                  <a:srgbClr val="000000"/>
-                </a:solidFill>
-                <a:ea typeface="DejaVu Sans" pitchFamily="2"/>
-                <a:cs typeface="DejaVu Sans" pitchFamily="2"/>
-              </a:rPr>
-              <a:t> сейчас эта опция недоступна (заведено критическое </a:t>
-            </a:r>
-            <a:r>
-              <a:rPr lang="en-US" dirty="0">
-                <a:solidFill>
-                  <a:srgbClr val="000000"/>
-                </a:solidFill>
-                <a:ea typeface="DejaVu Sans" pitchFamily="2"/>
-                <a:cs typeface="DejaVu Sans" pitchFamily="2"/>
-              </a:rPr>
-              <a:t>issue</a:t>
-            </a:r>
-            <a:r>
-              <a:rPr lang="ru-RU" dirty="0">
-                <a:solidFill>
-                  <a:srgbClr val="000000"/>
-                </a:solidFill>
-                <a:ea typeface="DejaVu Sans" pitchFamily="2"/>
-                <a:cs typeface="DejaVu Sans" pitchFamily="2"/>
-              </a:rPr>
-              <a:t>, такие таблицы ломаются)</a:t>
-            </a:r>
-            <a:endParaRPr lang="en-US" dirty="0">
-              <a:solidFill>
-                <a:srgbClr val="000000"/>
-              </a:solidFill>
-              <a:ea typeface="DejaVu Sans" pitchFamily="2"/>
-              <a:cs typeface="DejaVu Sans" pitchFamily="2"/>
-            </a:endParaRPr>
-          </a:p>
-          <a:p>
-            <a:pPr lvl="0">
-              <a:buClr>
-                <a:srgbClr val="666666"/>
-              </a:buClr>
-              <a:buSzPct val="45000"/>
-              <a:buFont typeface="StarSymbol"/>
-              <a:buChar char="●"/>
-            </a:pPr>
-            <a:r>
-              <a:rPr lang="en-US" dirty="0">
-                <a:solidFill>
-                  <a:srgbClr val="000000"/>
-                </a:solidFill>
-                <a:ea typeface="DejaVu Sans" pitchFamily="2"/>
-                <a:cs typeface="DejaVu Sans" pitchFamily="2"/>
-              </a:rPr>
-              <a:t>Какие еще есть варианты</a:t>
-            </a:r>
-          </a:p>
-          <a:p>
             <a:endParaRPr lang="ru-RU" dirty="0"/>
           </a:p>
         </p:txBody>
@@ -5899,7 +6415,7 @@
     </p:spTree>
     <p:extLst>
       <p:ext uri="{BB962C8B-B14F-4D97-AF65-F5344CB8AC3E}">
-        <p14:creationId xmlns:p14="http://schemas.microsoft.com/office/powerpoint/2010/main" val="2537559778"/>
+        <p14:creationId xmlns:p14="http://schemas.microsoft.com/office/powerpoint/2010/main" val="4003952097"/>
       </p:ext>
     </p:extLst>
   </p:cSld>
@@ -5931,7 +6447,7 @@
           <p:cNvPr id="2" name="Title 1">
             <a:extLst>
               <a:ext uri="{FF2B5EF4-FFF2-40B4-BE49-F238E27FC236}">
-                <a16:creationId xmlns:a16="http://schemas.microsoft.com/office/drawing/2014/main" id="{758213DD-3EDA-455B-8835-00FD804FA17A}"/>
+                <a16:creationId xmlns:a16="http://schemas.microsoft.com/office/drawing/2014/main" id="{A7849E89-1B6E-4D5A-B79A-B4ABAF7E394E}"/>
               </a:ext>
             </a:extLst>
           </p:cNvPr>
@@ -5981,14 +6497,14 @@
                 <a:ea typeface="DejaVu Sans" pitchFamily="2"/>
                 <a:cs typeface="DejaVu Sans" pitchFamily="2"/>
               </a:rPr>
-              <a:t>5</a:t>
+              <a:t>4</a:t>
             </a:r>
             <a:r>
               <a:rPr lang="en-US" sz="2000" dirty="0">
                 <a:ea typeface="DejaVu Sans" pitchFamily="2"/>
                 <a:cs typeface="DejaVu Sans" pitchFamily="2"/>
               </a:rPr>
-              <a:t>: Unlogged таблицы</a:t>
+              <a:t>: оптимизация через вложенные запросы</a:t>
             </a:r>
             <a:endParaRPr lang="ru-RU" dirty="0"/>
           </a:p>
@@ -5999,7 +6515,7 @@
           <p:cNvPr id="3" name="Content Placeholder 2">
             <a:extLst>
               <a:ext uri="{FF2B5EF4-FFF2-40B4-BE49-F238E27FC236}">
-                <a16:creationId xmlns:a16="http://schemas.microsoft.com/office/drawing/2014/main" id="{C161AC7D-9235-4A56-9DBD-0A35EEF87042}"/>
+                <a16:creationId xmlns:a16="http://schemas.microsoft.com/office/drawing/2014/main" id="{3900631D-A5E4-47A8-B439-20D1B6BD2E4D}"/>
               </a:ext>
             </a:extLst>
           </p:cNvPr>
@@ -6040,7 +6556,7 @@
     </p:spTree>
     <p:extLst>
       <p:ext uri="{BB962C8B-B14F-4D97-AF65-F5344CB8AC3E}">
-        <p14:creationId xmlns:p14="http://schemas.microsoft.com/office/powerpoint/2010/main" val="1921711037"/>
+        <p14:creationId xmlns:p14="http://schemas.microsoft.com/office/powerpoint/2010/main" val="1535010297"/>
       </p:ext>
     </p:extLst>
   </p:cSld>
@@ -6072,7 +6588,7 @@
           <p:cNvPr id="2" name="Title 1">
             <a:extLst>
               <a:ext uri="{FF2B5EF4-FFF2-40B4-BE49-F238E27FC236}">
-                <a16:creationId xmlns:a16="http://schemas.microsoft.com/office/drawing/2014/main" id="{9BB4425D-EFFE-4C7B-BAB3-696974B86ECB}"/>
+                <a16:creationId xmlns:a16="http://schemas.microsoft.com/office/drawing/2014/main" id="{758213DD-3EDA-455B-8835-00FD804FA17A}"/>
               </a:ext>
             </a:extLst>
           </p:cNvPr>
@@ -6104,11 +6620,32 @@
               </a:rPr>
             </a:br>
             <a:r>
+              <a:rPr lang="en-US" sz="2000" dirty="0" err="1">
+                <a:ea typeface="DejaVu Sans" pitchFamily="2"/>
+                <a:cs typeface="DejaVu Sans" pitchFamily="2"/>
+              </a:rPr>
+              <a:t>Блок</a:t>
+            </a:r>
+            <a:r>
+              <a:rPr lang="en-US" sz="2000" dirty="0">
+                <a:ea typeface="DejaVu Sans" pitchFamily="2"/>
+                <a:cs typeface="DejaVu Sans" pitchFamily="2"/>
+              </a:rPr>
+              <a:t> </a:t>
+            </a:r>
+            <a:r>
               <a:rPr lang="ru-RU" sz="2000" dirty="0">
                 <a:ea typeface="DejaVu Sans" pitchFamily="2"/>
                 <a:cs typeface="DejaVu Sans" pitchFamily="2"/>
               </a:rPr>
-              <a:t>Итоги</a:t>
+              <a:t>5</a:t>
+            </a:r>
+            <a:r>
+              <a:rPr lang="en-US" sz="2000" dirty="0">
+                <a:ea typeface="DejaVu Sans" pitchFamily="2"/>
+                <a:cs typeface="DejaVu Sans" pitchFamily="2"/>
+              </a:rPr>
+              <a:t>: Теория: Unlogged таблицы</a:t>
             </a:r>
             <a:endParaRPr lang="ru-RU" dirty="0"/>
           </a:p>
@@ -6119,7 +6656,7 @@
           <p:cNvPr id="3" name="Content Placeholder 2">
             <a:extLst>
               <a:ext uri="{FF2B5EF4-FFF2-40B4-BE49-F238E27FC236}">
-                <a16:creationId xmlns:a16="http://schemas.microsoft.com/office/drawing/2014/main" id="{B0E0C843-357D-4ABC-9BF5-821708867C3C}"/>
+                <a16:creationId xmlns:a16="http://schemas.microsoft.com/office/drawing/2014/main" id="{C161AC7D-9235-4A56-9DBD-0A35EEF87042}"/>
               </a:ext>
             </a:extLst>
           </p:cNvPr>
@@ -6130,182 +6667,301 @@
             <p:ph idx="1"/>
           </p:nvPr>
         </p:nvSpPr>
-        <p:spPr>
-          <a:xfrm>
-            <a:off x="1069848" y="1930873"/>
-            <a:ext cx="10817352" cy="4780398"/>
-          </a:xfrm>
-        </p:spPr>
-        <p:txBody>
-          <a:bodyPr>
-            <a:normAutofit/>
-          </a:bodyPr>
+        <p:spPr/>
+        <p:txBody>
+          <a:bodyPr/>
           <a:lstStyle/>
           <a:p>
-            <a:pPr marL="457200" indent="-457200">
-              <a:buFont typeface="+mj-lt"/>
-              <a:buAutoNum type="arabicPeriod"/>
+            <a:pPr lvl="0">
+              <a:buClr>
+                <a:srgbClr val="666666"/>
+              </a:buClr>
+              <a:buSzPct val="45000"/>
+              <a:buFont typeface="StarSymbol"/>
+              <a:buChar char="●"/>
             </a:pPr>
             <a:r>
-              <a:rPr lang="ru-RU" dirty="0"/>
-              <a:t>Старт оптимизации – построение плана выполнения запроса - </a:t>
-            </a:r>
-            <a:r>
-              <a:rPr lang="af-ZA" b="1" dirty="0"/>
-              <a:t>explain (analyze)</a:t>
-            </a:r>
-            <a:endParaRPr lang="ru-RU" b="1" dirty="0"/>
-          </a:p>
-          <a:p>
-            <a:pPr marL="457200" indent="-457200">
-              <a:buFont typeface="+mj-lt"/>
-              <a:buAutoNum type="arabicPeriod"/>
+              <a:rPr lang="en-US" dirty="0">
+                <a:solidFill>
+                  <a:srgbClr val="000000"/>
+                </a:solidFill>
+                <a:ea typeface="DejaVu Sans" pitchFamily="2"/>
+                <a:cs typeface="DejaVu Sans" pitchFamily="2"/>
+              </a:rPr>
+              <a:t>Что такое unlogged таблица</a:t>
+            </a:r>
+            <a:endParaRPr lang="ru-RU" dirty="0">
+              <a:solidFill>
+                <a:srgbClr val="000000"/>
+              </a:solidFill>
+              <a:ea typeface="DejaVu Sans" pitchFamily="2"/>
+              <a:cs typeface="DejaVu Sans" pitchFamily="2"/>
+            </a:endParaRPr>
+          </a:p>
+          <a:p>
+            <a:pPr lvl="1">
+              <a:buClr>
+                <a:srgbClr val="666666"/>
+              </a:buClr>
+              <a:buSzPct val="45000"/>
+              <a:buFont typeface="StarSymbol"/>
+              <a:buChar char="●"/>
             </a:pPr>
             <a:r>
-              <a:rPr lang="ru-RU" dirty="0"/>
-              <a:t>Оптимальность запроса может зависеть от общей нагрузки на сервер – проверяем общие метрики</a:t>
-            </a:r>
-          </a:p>
-          <a:p>
-            <a:pPr marL="457200" indent="-457200">
-              <a:buFont typeface="+mj-lt"/>
-              <a:buAutoNum type="arabicPeriod"/>
+              <a:rPr lang="ru-RU" dirty="0">
+                <a:solidFill>
+                  <a:srgbClr val="000000"/>
+                </a:solidFill>
+                <a:ea typeface="DejaVu Sans" pitchFamily="2"/>
+                <a:cs typeface="DejaVu Sans" pitchFamily="2"/>
+              </a:rPr>
+              <a:t>Не пишется информация о транзакциях в </a:t>
+            </a:r>
+            <a:r>
+              <a:rPr lang="en-US" dirty="0" err="1">
+                <a:solidFill>
+                  <a:srgbClr val="000000"/>
+                </a:solidFill>
+                <a:ea typeface="DejaVu Sans" pitchFamily="2"/>
+                <a:cs typeface="DejaVu Sans" pitchFamily="2"/>
+              </a:rPr>
+              <a:t>wal</a:t>
+            </a:r>
+            <a:r>
+              <a:rPr lang="ru-RU" dirty="0">
+                <a:solidFill>
+                  <a:srgbClr val="000000"/>
+                </a:solidFill>
+                <a:ea typeface="DejaVu Sans" pitchFamily="2"/>
+                <a:cs typeface="DejaVu Sans" pitchFamily="2"/>
+              </a:rPr>
+              <a:t>-лог</a:t>
+            </a:r>
+            <a:endParaRPr lang="en-US" dirty="0">
+              <a:solidFill>
+                <a:srgbClr val="000000"/>
+              </a:solidFill>
+              <a:ea typeface="DejaVu Sans" pitchFamily="2"/>
+              <a:cs typeface="DejaVu Sans" pitchFamily="2"/>
+            </a:endParaRPr>
+          </a:p>
+          <a:p>
+            <a:pPr lvl="0">
+              <a:buClr>
+                <a:srgbClr val="666666"/>
+              </a:buClr>
+              <a:buSzPct val="45000"/>
+              <a:buFont typeface="StarSymbol"/>
+              <a:buChar char="●"/>
             </a:pPr>
             <a:r>
-              <a:rPr lang="ru-RU" dirty="0"/>
-              <a:t>Индексы – это хорошо, если в меру</a:t>
-            </a:r>
-          </a:p>
-          <a:p>
-            <a:pPr marL="457200" indent="-457200">
-              <a:buFont typeface="+mj-lt"/>
-              <a:buAutoNum type="arabicPeriod"/>
+              <a:rPr lang="en-US" dirty="0">
+                <a:solidFill>
+                  <a:srgbClr val="000000"/>
+                </a:solidFill>
+                <a:ea typeface="DejaVu Sans" pitchFamily="2"/>
+                <a:cs typeface="DejaVu Sans" pitchFamily="2"/>
+              </a:rPr>
+              <a:t>Truncate vs delete from</a:t>
+            </a:r>
+          </a:p>
+          <a:p>
+            <a:pPr lvl="0">
+              <a:buClr>
+                <a:srgbClr val="666666"/>
+              </a:buClr>
+              <a:buSzPct val="45000"/>
+              <a:buFont typeface="StarSymbol"/>
+              <a:buChar char="●"/>
             </a:pPr>
             <a:r>
-              <a:rPr lang="ru-RU" dirty="0"/>
-              <a:t>Проверяем вид </a:t>
-            </a:r>
-            <a:r>
-              <a:rPr lang="en-US" dirty="0"/>
-              <a:t>join</a:t>
-            </a:r>
-            <a:r>
-              <a:rPr lang="ru-RU" dirty="0"/>
-              <a:t> - нет </a:t>
-            </a:r>
-            <a:r>
-              <a:rPr lang="ru-RU" dirty="0" err="1"/>
-              <a:t>nested</a:t>
-            </a:r>
-            <a:r>
-              <a:rPr lang="ru-RU" dirty="0"/>
-              <a:t> </a:t>
-            </a:r>
-            <a:r>
-              <a:rPr lang="ru-RU" dirty="0" err="1"/>
-              <a:t>loop-ам</a:t>
-            </a:r>
-            <a:r>
-              <a:rPr lang="ru-RU" dirty="0"/>
-              <a:t> (кроме крайней необходимости)!</a:t>
-            </a:r>
-            <a:endParaRPr lang="en-US" dirty="0"/>
-          </a:p>
-          <a:p>
-            <a:pPr marL="457200" indent="-457200">
-              <a:buFont typeface="+mj-lt"/>
-              <a:buAutoNum type="arabicPeriod"/>
+              <a:rPr lang="en-US" dirty="0">
+                <a:solidFill>
+                  <a:srgbClr val="000000"/>
+                </a:solidFill>
+                <a:ea typeface="DejaVu Sans" pitchFamily="2"/>
+                <a:cs typeface="DejaVu Sans" pitchFamily="2"/>
+              </a:rPr>
+              <a:t>Плюсы использования unlogged таблицы</a:t>
+            </a:r>
+            <a:endParaRPr lang="ru-RU" dirty="0">
+              <a:solidFill>
+                <a:srgbClr val="000000"/>
+              </a:solidFill>
+              <a:ea typeface="DejaVu Sans" pitchFamily="2"/>
+              <a:cs typeface="DejaVu Sans" pitchFamily="2"/>
+            </a:endParaRPr>
+          </a:p>
+          <a:p>
+            <a:pPr lvl="1">
+              <a:buClr>
+                <a:srgbClr val="666666"/>
+              </a:buClr>
+              <a:buSzPct val="45000"/>
+              <a:buFont typeface="StarSymbol"/>
+              <a:buChar char="●"/>
             </a:pPr>
             <a:r>
-              <a:rPr lang="en-US"/>
-              <a:t>Union </a:t>
-            </a:r>
-            <a:r>
-              <a:rPr lang="en-US" dirty="0"/>
-              <a:t>all</a:t>
-            </a:r>
-            <a:r>
-              <a:rPr lang="ru-RU" dirty="0"/>
-              <a:t> вместо </a:t>
-            </a:r>
-            <a:r>
-              <a:rPr lang="en-US" dirty="0"/>
-              <a:t>Union</a:t>
-            </a:r>
-          </a:p>
-          <a:p>
-            <a:pPr marL="457200" indent="-457200">
-              <a:buFont typeface="+mj-lt"/>
-              <a:buAutoNum type="arabicPeriod"/>
+              <a:rPr lang="ru-RU" dirty="0">
+                <a:solidFill>
+                  <a:srgbClr val="000000"/>
+                </a:solidFill>
+                <a:ea typeface="DejaVu Sans" pitchFamily="2"/>
+                <a:cs typeface="DejaVu Sans" pitchFamily="2"/>
+              </a:rPr>
+              <a:t>Ускорение в 1,5-2 раза</a:t>
+            </a:r>
+            <a:endParaRPr lang="en-US" dirty="0">
+              <a:solidFill>
+                <a:srgbClr val="000000"/>
+              </a:solidFill>
+              <a:ea typeface="DejaVu Sans" pitchFamily="2"/>
+              <a:cs typeface="DejaVu Sans" pitchFamily="2"/>
+            </a:endParaRPr>
+          </a:p>
+          <a:p>
+            <a:pPr lvl="0">
+              <a:buClr>
+                <a:srgbClr val="666666"/>
+              </a:buClr>
+              <a:buSzPct val="45000"/>
+              <a:buFont typeface="StarSymbol"/>
+              <a:buChar char="●"/>
             </a:pPr>
             <a:r>
-              <a:rPr lang="ru-RU" dirty="0"/>
-              <a:t>В запросе много </a:t>
-            </a:r>
-            <a:r>
-              <a:rPr lang="en-US" dirty="0"/>
-              <a:t>join (&gt;10) –</a:t>
-            </a:r>
-            <a:r>
-              <a:rPr lang="ru-RU" dirty="0"/>
-              <a:t> приземляем промежуточный результат</a:t>
-            </a:r>
-          </a:p>
-          <a:p>
-            <a:pPr marL="457200" indent="-457200">
-              <a:buFont typeface="+mj-lt"/>
-              <a:buAutoNum type="arabicPeriod"/>
+              <a:rPr lang="en-US" dirty="0">
+                <a:solidFill>
+                  <a:srgbClr val="000000"/>
+                </a:solidFill>
+                <a:ea typeface="DejaVu Sans" pitchFamily="2"/>
+                <a:cs typeface="DejaVu Sans" pitchFamily="2"/>
+              </a:rPr>
+              <a:t>Минусы использования unlogged таблицы</a:t>
+            </a:r>
+            <a:endParaRPr lang="ru-RU" dirty="0">
+              <a:solidFill>
+                <a:srgbClr val="000000"/>
+              </a:solidFill>
+              <a:ea typeface="DejaVu Sans" pitchFamily="2"/>
+              <a:cs typeface="DejaVu Sans" pitchFamily="2"/>
+            </a:endParaRPr>
+          </a:p>
+          <a:p>
+            <a:pPr lvl="1">
+              <a:buClr>
+                <a:srgbClr val="666666"/>
+              </a:buClr>
+              <a:buSzPct val="45000"/>
+              <a:buFont typeface="StarSymbol"/>
+              <a:buChar char="●"/>
             </a:pPr>
             <a:r>
-              <a:rPr lang="ru-RU" dirty="0"/>
-              <a:t>Для промежуточных таблиц можно использовать </a:t>
-            </a:r>
-            <a:r>
-              <a:rPr lang="en-US" dirty="0"/>
-              <a:t>Unlogged</a:t>
-            </a:r>
+              <a:rPr lang="ru-RU" dirty="0">
+                <a:solidFill>
+                  <a:srgbClr val="000000"/>
+                </a:solidFill>
+                <a:ea typeface="DejaVu Sans" pitchFamily="2"/>
+                <a:cs typeface="DejaVu Sans" pitchFamily="2"/>
+              </a:rPr>
+              <a:t>В случае невыполнения операции нельзя будет восстановить информацию</a:t>
+            </a:r>
+          </a:p>
+          <a:p>
+            <a:pPr lvl="1">
+              <a:buClr>
+                <a:srgbClr val="666666"/>
+              </a:buClr>
+              <a:buSzPct val="45000"/>
+              <a:buFont typeface="StarSymbol"/>
+              <a:buChar char="●"/>
+            </a:pPr>
+            <a:r>
+              <a:rPr lang="ru-RU" dirty="0">
+                <a:solidFill>
+                  <a:srgbClr val="000000"/>
+                </a:solidFill>
+                <a:ea typeface="DejaVu Sans" pitchFamily="2"/>
+                <a:cs typeface="DejaVu Sans" pitchFamily="2"/>
+              </a:rPr>
+              <a:t>В </a:t>
+            </a:r>
+            <a:r>
+              <a:rPr lang="en-US" dirty="0">
+                <a:solidFill>
+                  <a:srgbClr val="000000"/>
+                </a:solidFill>
+                <a:ea typeface="DejaVu Sans" pitchFamily="2"/>
+                <a:cs typeface="DejaVu Sans" pitchFamily="2"/>
+              </a:rPr>
+              <a:t>Greenplum</a:t>
+            </a:r>
+            <a:r>
+              <a:rPr lang="ru-RU" dirty="0">
+                <a:solidFill>
+                  <a:srgbClr val="000000"/>
+                </a:solidFill>
+                <a:ea typeface="DejaVu Sans" pitchFamily="2"/>
+                <a:cs typeface="DejaVu Sans" pitchFamily="2"/>
+              </a:rPr>
+              <a:t> сейчас эта опция недоступна (заведено критическое </a:t>
+            </a:r>
+            <a:r>
+              <a:rPr lang="en-US" dirty="0">
+                <a:solidFill>
+                  <a:srgbClr val="000000"/>
+                </a:solidFill>
+                <a:ea typeface="DejaVu Sans" pitchFamily="2"/>
+                <a:cs typeface="DejaVu Sans" pitchFamily="2"/>
+              </a:rPr>
+              <a:t>issue</a:t>
+            </a:r>
+            <a:r>
+              <a:rPr lang="ru-RU" dirty="0">
+                <a:solidFill>
+                  <a:srgbClr val="000000"/>
+                </a:solidFill>
+                <a:ea typeface="DejaVu Sans" pitchFamily="2"/>
+                <a:cs typeface="DejaVu Sans" pitchFamily="2"/>
+              </a:rPr>
+              <a:t>, такие таблицы ломаются)</a:t>
+            </a:r>
+            <a:endParaRPr lang="en-US" dirty="0">
+              <a:solidFill>
+                <a:srgbClr val="000000"/>
+              </a:solidFill>
+              <a:ea typeface="DejaVu Sans" pitchFamily="2"/>
+              <a:cs typeface="DejaVu Sans" pitchFamily="2"/>
+            </a:endParaRPr>
+          </a:p>
+          <a:p>
+            <a:pPr lvl="0">
+              <a:buClr>
+                <a:srgbClr val="666666"/>
+              </a:buClr>
+              <a:buSzPct val="45000"/>
+              <a:buFont typeface="StarSymbol"/>
+              <a:buChar char="●"/>
+            </a:pPr>
+            <a:r>
+              <a:rPr lang="en-US" dirty="0">
+                <a:solidFill>
+                  <a:srgbClr val="000000"/>
+                </a:solidFill>
+                <a:ea typeface="DejaVu Sans" pitchFamily="2"/>
+                <a:cs typeface="DejaVu Sans" pitchFamily="2"/>
+              </a:rPr>
+              <a:t>Какие еще есть варианты</a:t>
+            </a:r>
+          </a:p>
+          <a:p>
             <a:endParaRPr lang="ru-RU" dirty="0"/>
-          </a:p>
-          <a:p>
-            <a:pPr marL="457200" indent="-457200">
-              <a:buFont typeface="+mj-lt"/>
-              <a:buAutoNum type="arabicPeriod"/>
-            </a:pPr>
-            <a:r>
-              <a:rPr lang="ru-RU" dirty="0"/>
-              <a:t>Изучаем особенности оптимизации в рамках той СУБД, с которой работаем</a:t>
-            </a:r>
-          </a:p>
-          <a:p>
-            <a:pPr marL="617220" lvl="1" indent="-342900">
-              <a:buFont typeface="+mj-lt"/>
-              <a:buAutoNum type="arabicPeriod"/>
-            </a:pPr>
-            <a:r>
-              <a:rPr lang="ru-RU" dirty="0"/>
-              <a:t>Teradata - нет необходимости удалять индекс при массовом изменении данных</a:t>
-            </a:r>
-          </a:p>
-          <a:p>
-            <a:pPr marL="617220" lvl="1" indent="-342900">
-              <a:buFont typeface="+mj-lt"/>
-              <a:buAutoNum type="arabicPeriod"/>
-            </a:pPr>
-            <a:r>
-              <a:rPr lang="en-US" dirty="0"/>
-              <a:t>Oracle - </a:t>
-            </a:r>
-            <a:r>
-              <a:rPr lang="ru-RU" dirty="0"/>
-              <a:t>множество хинтов для помощи оптимизатору</a:t>
-            </a:r>
           </a:p>
         </p:txBody>
       </p:sp>
     </p:spTree>
     <p:extLst>
       <p:ext uri="{BB962C8B-B14F-4D97-AF65-F5344CB8AC3E}">
-        <p14:creationId xmlns:p14="http://schemas.microsoft.com/office/powerpoint/2010/main" val="1967959849"/>
+        <p14:creationId xmlns:p14="http://schemas.microsoft.com/office/powerpoint/2010/main" val="2537559778"/>
       </p:ext>
     </p:extLst>
   </p:cSld>
@@ -6597,6 +7253,412 @@
           <p:cNvPr id="2" name="Title 1">
             <a:extLst>
               <a:ext uri="{FF2B5EF4-FFF2-40B4-BE49-F238E27FC236}">
+                <a16:creationId xmlns:a16="http://schemas.microsoft.com/office/drawing/2014/main" id="{758213DD-3EDA-455B-8835-00FD804FA17A}"/>
+              </a:ext>
+            </a:extLst>
+          </p:cNvPr>
+          <p:cNvSpPr>
+            <a:spLocks noGrp="1"/>
+          </p:cNvSpPr>
+          <p:nvPr>
+            <p:ph type="title"/>
+          </p:nvPr>
+        </p:nvSpPr>
+        <p:spPr/>
+        <p:txBody>
+          <a:bodyPr>
+            <a:normAutofit/>
+          </a:bodyPr>
+          <a:lstStyle/>
+          <a:p>
+            <a:r>
+              <a:rPr lang="en-US" dirty="0">
+                <a:ea typeface="DejaVu Sans" pitchFamily="2"/>
+                <a:cs typeface="DejaVu Sans" pitchFamily="2"/>
+              </a:rPr>
+              <a:t>Оптимизация SQL</a:t>
+            </a:r>
+            <a:br>
+              <a:rPr lang="en-US" dirty="0">
+                <a:ea typeface="DejaVu Sans" pitchFamily="2"/>
+                <a:cs typeface="DejaVu Sans" pitchFamily="2"/>
+              </a:rPr>
+            </a:br>
+            <a:r>
+              <a:rPr lang="en-US" sz="2000" dirty="0" err="1">
+                <a:ea typeface="DejaVu Sans" pitchFamily="2"/>
+                <a:cs typeface="DejaVu Sans" pitchFamily="2"/>
+              </a:rPr>
+              <a:t>Блок</a:t>
+            </a:r>
+            <a:r>
+              <a:rPr lang="en-US" sz="2000" dirty="0">
+                <a:ea typeface="DejaVu Sans" pitchFamily="2"/>
+                <a:cs typeface="DejaVu Sans" pitchFamily="2"/>
+              </a:rPr>
+              <a:t> </a:t>
+            </a:r>
+            <a:r>
+              <a:rPr lang="ru-RU" sz="2000" dirty="0">
+                <a:ea typeface="DejaVu Sans" pitchFamily="2"/>
+                <a:cs typeface="DejaVu Sans" pitchFamily="2"/>
+              </a:rPr>
+              <a:t>5</a:t>
+            </a:r>
+            <a:r>
+              <a:rPr lang="en-US" sz="2000" dirty="0">
+                <a:ea typeface="DejaVu Sans" pitchFamily="2"/>
+                <a:cs typeface="DejaVu Sans" pitchFamily="2"/>
+              </a:rPr>
+              <a:t>: Unlogged таблицы</a:t>
+            </a:r>
+            <a:endParaRPr lang="ru-RU" dirty="0"/>
+          </a:p>
+        </p:txBody>
+      </p:sp>
+      <p:sp>
+        <p:nvSpPr>
+          <p:cNvPr id="3" name="Content Placeholder 2">
+            <a:extLst>
+              <a:ext uri="{FF2B5EF4-FFF2-40B4-BE49-F238E27FC236}">
+                <a16:creationId xmlns:a16="http://schemas.microsoft.com/office/drawing/2014/main" id="{C161AC7D-9235-4A56-9DBD-0A35EEF87042}"/>
+              </a:ext>
+            </a:extLst>
+          </p:cNvPr>
+          <p:cNvSpPr>
+            <a:spLocks noGrp="1"/>
+          </p:cNvSpPr>
+          <p:nvPr>
+            <p:ph idx="1"/>
+          </p:nvPr>
+        </p:nvSpPr>
+        <p:spPr/>
+        <p:txBody>
+          <a:bodyPr/>
+          <a:lstStyle/>
+          <a:p>
+            <a:pPr lvl="0">
+              <a:buClr>
+                <a:srgbClr val="666666"/>
+              </a:buClr>
+              <a:buSzPct val="45000"/>
+              <a:buFont typeface="StarSymbol"/>
+              <a:buChar char="●"/>
+            </a:pPr>
+            <a:r>
+              <a:rPr lang="ru-RU" dirty="0">
+                <a:solidFill>
+                  <a:srgbClr val="000000"/>
+                </a:solidFill>
+                <a:ea typeface="DejaVu Sans" pitchFamily="2"/>
+                <a:cs typeface="DejaVu Sans" pitchFamily="2"/>
+              </a:rPr>
+              <a:t>Практика</a:t>
+            </a:r>
+            <a:endParaRPr lang="ru-RU" dirty="0"/>
+          </a:p>
+        </p:txBody>
+      </p:sp>
+    </p:spTree>
+    <p:extLst>
+      <p:ext uri="{BB962C8B-B14F-4D97-AF65-F5344CB8AC3E}">
+        <p14:creationId xmlns:p14="http://schemas.microsoft.com/office/powerpoint/2010/main" val="1921711037"/>
+      </p:ext>
+    </p:extLst>
+  </p:cSld>
+  <p:clrMapOvr>
+    <a:masterClrMapping/>
+  </p:clrMapOvr>
+</p:sld>
+</file>
+
+<file path=ppt/slides/slide21.xml><?xml version="1.0" encoding="utf-8"?>
+<p:sld xmlns:a="http://schemas.openxmlformats.org/drawingml/2006/main" xmlns:r="http://schemas.openxmlformats.org/officeDocument/2006/relationships" xmlns:p="http://schemas.openxmlformats.org/presentationml/2006/main">
+  <p:cSld>
+    <p:spTree>
+      <p:nvGrpSpPr>
+        <p:cNvPr id="1" name=""/>
+        <p:cNvGrpSpPr/>
+        <p:nvPr/>
+      </p:nvGrpSpPr>
+      <p:grpSpPr>
+        <a:xfrm>
+          <a:off x="0" y="0"/>
+          <a:ext cx="0" cy="0"/>
+          <a:chOff x="0" y="0"/>
+          <a:chExt cx="0" cy="0"/>
+        </a:xfrm>
+      </p:grpSpPr>
+      <p:sp>
+        <p:nvSpPr>
+          <p:cNvPr id="2" name="Title 1">
+            <a:extLst>
+              <a:ext uri="{FF2B5EF4-FFF2-40B4-BE49-F238E27FC236}">
+                <a16:creationId xmlns:a16="http://schemas.microsoft.com/office/drawing/2014/main" id="{9BB4425D-EFFE-4C7B-BAB3-696974B86ECB}"/>
+              </a:ext>
+            </a:extLst>
+          </p:cNvPr>
+          <p:cNvSpPr>
+            <a:spLocks noGrp="1"/>
+          </p:cNvSpPr>
+          <p:nvPr>
+            <p:ph type="title"/>
+          </p:nvPr>
+        </p:nvSpPr>
+        <p:spPr/>
+        <p:txBody>
+          <a:bodyPr>
+            <a:normAutofit/>
+          </a:bodyPr>
+          <a:lstStyle/>
+          <a:p>
+            <a:r>
+              <a:rPr lang="en-US" dirty="0">
+                <a:ea typeface="DejaVu Sans" pitchFamily="2"/>
+                <a:cs typeface="DejaVu Sans" pitchFamily="2"/>
+              </a:rPr>
+              <a:t>Оптимизация SQL</a:t>
+            </a:r>
+            <a:br>
+              <a:rPr lang="en-US" dirty="0">
+                <a:ea typeface="DejaVu Sans" pitchFamily="2"/>
+                <a:cs typeface="DejaVu Sans" pitchFamily="2"/>
+              </a:rPr>
+            </a:br>
+            <a:r>
+              <a:rPr lang="ru-RU" sz="2000" dirty="0">
+                <a:ea typeface="DejaVu Sans" pitchFamily="2"/>
+                <a:cs typeface="DejaVu Sans" pitchFamily="2"/>
+              </a:rPr>
+              <a:t>Итоги</a:t>
+            </a:r>
+            <a:endParaRPr lang="ru-RU" dirty="0"/>
+          </a:p>
+        </p:txBody>
+      </p:sp>
+      <p:sp>
+        <p:nvSpPr>
+          <p:cNvPr id="3" name="Content Placeholder 2">
+            <a:extLst>
+              <a:ext uri="{FF2B5EF4-FFF2-40B4-BE49-F238E27FC236}">
+                <a16:creationId xmlns:a16="http://schemas.microsoft.com/office/drawing/2014/main" id="{B0E0C843-357D-4ABC-9BF5-821708867C3C}"/>
+              </a:ext>
+            </a:extLst>
+          </p:cNvPr>
+          <p:cNvSpPr>
+            <a:spLocks noGrp="1"/>
+          </p:cNvSpPr>
+          <p:nvPr>
+            <p:ph idx="1"/>
+          </p:nvPr>
+        </p:nvSpPr>
+        <p:spPr>
+          <a:xfrm>
+            <a:off x="1069848" y="1930873"/>
+            <a:ext cx="10817352" cy="4780398"/>
+          </a:xfrm>
+        </p:spPr>
+        <p:txBody>
+          <a:bodyPr>
+            <a:normAutofit/>
+          </a:bodyPr>
+          <a:lstStyle/>
+          <a:p>
+            <a:pPr marL="457200" indent="-457200">
+              <a:buFont typeface="+mj-lt"/>
+              <a:buAutoNum type="arabicPeriod"/>
+            </a:pPr>
+            <a:r>
+              <a:rPr lang="ru-RU" dirty="0"/>
+              <a:t>Старт оптимизации – построение плана выполнения запроса - </a:t>
+            </a:r>
+            <a:r>
+              <a:rPr lang="af-ZA" b="1" dirty="0"/>
+              <a:t>explain (analyze)</a:t>
+            </a:r>
+            <a:endParaRPr lang="ru-RU" b="1" dirty="0"/>
+          </a:p>
+          <a:p>
+            <a:pPr marL="457200" indent="-457200">
+              <a:buFont typeface="+mj-lt"/>
+              <a:buAutoNum type="arabicPeriod"/>
+            </a:pPr>
+            <a:r>
+              <a:rPr lang="ru-RU" dirty="0"/>
+              <a:t>Оптимальность запроса может зависеть от общей нагрузки на сервер – проверяем общие метрики</a:t>
+            </a:r>
+          </a:p>
+          <a:p>
+            <a:pPr marL="457200" indent="-457200">
+              <a:buFont typeface="+mj-lt"/>
+              <a:buAutoNum type="arabicPeriod"/>
+            </a:pPr>
+            <a:r>
+              <a:rPr lang="ru-RU" dirty="0"/>
+              <a:t>Индексы – это хорошо, если в меру</a:t>
+            </a:r>
+          </a:p>
+          <a:p>
+            <a:pPr marL="457200" indent="-457200">
+              <a:buFont typeface="+mj-lt"/>
+              <a:buAutoNum type="arabicPeriod"/>
+            </a:pPr>
+            <a:r>
+              <a:rPr lang="ru-RU" dirty="0"/>
+              <a:t>Проверяем вид </a:t>
+            </a:r>
+            <a:r>
+              <a:rPr lang="en-US" dirty="0"/>
+              <a:t>join</a:t>
+            </a:r>
+            <a:r>
+              <a:rPr lang="ru-RU" dirty="0"/>
+              <a:t> - нет </a:t>
+            </a:r>
+            <a:r>
+              <a:rPr lang="ru-RU" dirty="0" err="1"/>
+              <a:t>nested</a:t>
+            </a:r>
+            <a:r>
+              <a:rPr lang="ru-RU" dirty="0"/>
+              <a:t> </a:t>
+            </a:r>
+            <a:r>
+              <a:rPr lang="ru-RU" dirty="0" err="1"/>
+              <a:t>loop-ам</a:t>
+            </a:r>
+            <a:r>
+              <a:rPr lang="ru-RU" dirty="0"/>
+              <a:t> (кроме крайней необходимости)!</a:t>
+            </a:r>
+            <a:endParaRPr lang="en-US" dirty="0"/>
+          </a:p>
+          <a:p>
+            <a:pPr marL="457200" indent="-457200">
+              <a:buFont typeface="+mj-lt"/>
+              <a:buAutoNum type="arabicPeriod"/>
+            </a:pPr>
+            <a:r>
+              <a:rPr lang="en-US"/>
+              <a:t>Union </a:t>
+            </a:r>
+            <a:r>
+              <a:rPr lang="en-US" dirty="0"/>
+              <a:t>all</a:t>
+            </a:r>
+            <a:r>
+              <a:rPr lang="ru-RU" dirty="0"/>
+              <a:t> вместо </a:t>
+            </a:r>
+            <a:r>
+              <a:rPr lang="en-US" dirty="0"/>
+              <a:t>Union</a:t>
+            </a:r>
+          </a:p>
+          <a:p>
+            <a:pPr marL="457200" indent="-457200">
+              <a:buFont typeface="+mj-lt"/>
+              <a:buAutoNum type="arabicPeriod"/>
+            </a:pPr>
+            <a:r>
+              <a:rPr lang="ru-RU" dirty="0"/>
+              <a:t>В запросе много </a:t>
+            </a:r>
+            <a:r>
+              <a:rPr lang="en-US" dirty="0"/>
+              <a:t>join (&gt;10) –</a:t>
+            </a:r>
+            <a:r>
+              <a:rPr lang="ru-RU" dirty="0"/>
+              <a:t> приземляем промежуточный результат</a:t>
+            </a:r>
+          </a:p>
+          <a:p>
+            <a:pPr marL="457200" indent="-457200">
+              <a:buFont typeface="+mj-lt"/>
+              <a:buAutoNum type="arabicPeriod"/>
+            </a:pPr>
+            <a:r>
+              <a:rPr lang="ru-RU" dirty="0"/>
+              <a:t>Для промежуточных таблиц можно использовать </a:t>
+            </a:r>
+            <a:r>
+              <a:rPr lang="en-US" dirty="0"/>
+              <a:t>Unlogged</a:t>
+            </a:r>
+            <a:endParaRPr lang="ru-RU" dirty="0"/>
+          </a:p>
+          <a:p>
+            <a:pPr marL="457200" indent="-457200">
+              <a:buFont typeface="+mj-lt"/>
+              <a:buAutoNum type="arabicPeriod"/>
+            </a:pPr>
+            <a:r>
+              <a:rPr lang="ru-RU" dirty="0"/>
+              <a:t>Изучаем особенности оптимизации в рамках той СУБД, с которой работаем</a:t>
+            </a:r>
+          </a:p>
+          <a:p>
+            <a:pPr marL="617220" lvl="1" indent="-342900">
+              <a:buFont typeface="+mj-lt"/>
+              <a:buAutoNum type="arabicPeriod"/>
+            </a:pPr>
+            <a:r>
+              <a:rPr lang="ru-RU" dirty="0"/>
+              <a:t>Teradata - нет необходимости удалять индекс при массовом изменении данных</a:t>
+            </a:r>
+          </a:p>
+          <a:p>
+            <a:pPr marL="617220" lvl="1" indent="-342900">
+              <a:buFont typeface="+mj-lt"/>
+              <a:buAutoNum type="arabicPeriod"/>
+            </a:pPr>
+            <a:r>
+              <a:rPr lang="en-US" dirty="0"/>
+              <a:t>Oracle - </a:t>
+            </a:r>
+            <a:r>
+              <a:rPr lang="ru-RU" dirty="0"/>
+              <a:t>множество хинтов для помощи оптимизатору</a:t>
+            </a:r>
+          </a:p>
+        </p:txBody>
+      </p:sp>
+    </p:spTree>
+    <p:extLst>
+      <p:ext uri="{BB962C8B-B14F-4D97-AF65-F5344CB8AC3E}">
+        <p14:creationId xmlns:p14="http://schemas.microsoft.com/office/powerpoint/2010/main" val="1967959849"/>
+      </p:ext>
+    </p:extLst>
+  </p:cSld>
+  <p:clrMapOvr>
+    <a:masterClrMapping/>
+  </p:clrMapOvr>
+</p:sld>
+</file>
+
+<file path=ppt/slides/slide22.xml><?xml version="1.0" encoding="utf-8"?>
+<p:sld xmlns:a="http://schemas.openxmlformats.org/drawingml/2006/main" xmlns:r="http://schemas.openxmlformats.org/officeDocument/2006/relationships" xmlns:p="http://schemas.openxmlformats.org/presentationml/2006/main">
+  <p:cSld>
+    <p:spTree>
+      <p:nvGrpSpPr>
+        <p:cNvPr id="1" name=""/>
+        <p:cNvGrpSpPr/>
+        <p:nvPr/>
+      </p:nvGrpSpPr>
+      <p:grpSpPr>
+        <a:xfrm>
+          <a:off x="0" y="0"/>
+          <a:ext cx="0" cy="0"/>
+          <a:chOff x="0" y="0"/>
+          <a:chExt cx="0" cy="0"/>
+        </a:xfrm>
+      </p:grpSpPr>
+      <p:sp>
+        <p:nvSpPr>
+          <p:cNvPr id="2" name="Title 1">
+            <a:extLst>
+              <a:ext uri="{FF2B5EF4-FFF2-40B4-BE49-F238E27FC236}">
                 <a16:creationId xmlns:a16="http://schemas.microsoft.com/office/drawing/2014/main" id="{42DED8B5-3736-4F67-AF04-223CB6047EFE}"/>
               </a:ext>
             </a:extLst>
@@ -6760,7 +7822,7 @@
 </p:sld>
 </file>
 
-<file path=ppt/slides/slide21.xml><?xml version="1.0" encoding="utf-8"?>
+<file path=ppt/slides/slide23.xml><?xml version="1.0" encoding="utf-8"?>
 <p:sld xmlns:a="http://schemas.openxmlformats.org/drawingml/2006/main" xmlns:r="http://schemas.openxmlformats.org/officeDocument/2006/relationships" xmlns:p="http://schemas.openxmlformats.org/presentationml/2006/main">
   <p:cSld>
     <p:spTree>
@@ -7300,6 +8362,93 @@
           <a:bodyPr/>
           <a:lstStyle/>
           <a:p>
+            <a:pPr>
+              <a:buClr>
+                <a:srgbClr val="666666"/>
+              </a:buClr>
+              <a:buSzPct val="45000"/>
+              <a:buFont typeface="StarSymbol"/>
+              <a:buChar char="●"/>
+            </a:pPr>
+            <a:r>
+              <a:rPr lang="en-US" dirty="0" err="1">
+                <a:solidFill>
+                  <a:srgbClr val="000000"/>
+                </a:solidFill>
+                <a:ea typeface="DejaVu Sans" pitchFamily="2"/>
+                <a:cs typeface="DejaVu Sans" pitchFamily="2"/>
+              </a:rPr>
+              <a:t>Важность</a:t>
+            </a:r>
+            <a:r>
+              <a:rPr lang="en-US" dirty="0">
+                <a:solidFill>
+                  <a:srgbClr val="000000"/>
+                </a:solidFill>
+                <a:ea typeface="DejaVu Sans" pitchFamily="2"/>
+                <a:cs typeface="DejaVu Sans" pitchFamily="2"/>
+              </a:rPr>
+              <a:t> </a:t>
+            </a:r>
+            <a:r>
+              <a:rPr lang="en-US" dirty="0" err="1">
+                <a:solidFill>
+                  <a:srgbClr val="000000"/>
+                </a:solidFill>
+                <a:ea typeface="DejaVu Sans" pitchFamily="2"/>
+                <a:cs typeface="DejaVu Sans" pitchFamily="2"/>
+              </a:rPr>
+              <a:t>проведения</a:t>
+            </a:r>
+            <a:r>
+              <a:rPr lang="en-US" dirty="0">
+                <a:solidFill>
+                  <a:srgbClr val="000000"/>
+                </a:solidFill>
+                <a:ea typeface="DejaVu Sans" pitchFamily="2"/>
+                <a:cs typeface="DejaVu Sans" pitchFamily="2"/>
+              </a:rPr>
+              <a:t> </a:t>
+            </a:r>
+            <a:r>
+              <a:rPr lang="en-US" dirty="0" err="1">
+                <a:solidFill>
+                  <a:srgbClr val="000000"/>
+                </a:solidFill>
+                <a:ea typeface="DejaVu Sans" pitchFamily="2"/>
+                <a:cs typeface="DejaVu Sans" pitchFamily="2"/>
+              </a:rPr>
+              <a:t>оптимизаций</a:t>
+            </a:r>
+            <a:endParaRPr lang="en-US" dirty="0">
+              <a:solidFill>
+                <a:srgbClr val="000000"/>
+              </a:solidFill>
+              <a:ea typeface="DejaVu Sans" pitchFamily="2"/>
+              <a:cs typeface="DejaVu Sans" pitchFamily="2"/>
+            </a:endParaRPr>
+          </a:p>
+          <a:p>
+            <a:pPr lvl="1">
+              <a:buClr>
+                <a:srgbClr val="666666"/>
+              </a:buClr>
+              <a:buSzPct val="45000"/>
+              <a:buFont typeface="StarSymbol"/>
+              <a:buChar char="●"/>
+            </a:pPr>
+            <a:r>
+              <a:rPr lang="ru-RU" dirty="0">
+                <a:solidFill>
+                  <a:srgbClr val="000000"/>
+                </a:solidFill>
+                <a:ea typeface="DejaVu Sans" pitchFamily="2"/>
+                <a:cs typeface="DejaVu Sans" pitchFamily="2"/>
+              </a:rPr>
+              <a:t>Оптимизация важна для любого кода</a:t>
+            </a:r>
+          </a:p>
+          <a:p>
             <a:pPr lvl="0">
               <a:buClr>
                 <a:srgbClr val="666666"/>
@@ -7309,6 +8458,16 @@
               <a:buChar char="●"/>
             </a:pPr>
             <a:r>
+              <a:rPr lang="en-US" dirty="0" err="1">
+                <a:solidFill>
+                  <a:srgbClr val="000000"/>
+                </a:solidFill>
+                <a:ea typeface="DejaVu Sans" pitchFamily="2"/>
+                <a:cs typeface="DejaVu Sans" pitchFamily="2"/>
+              </a:rPr>
+              <a:t>Виды</a:t>
+            </a:r>
+            <a:r>
               <a:rPr lang="en-US" dirty="0">
                 <a:solidFill>
                   <a:srgbClr val="000000"/>
@@ -7316,48 +8475,25 @@
                 <a:ea typeface="DejaVu Sans" pitchFamily="2"/>
                 <a:cs typeface="DejaVu Sans" pitchFamily="2"/>
               </a:rPr>
-              <a:t>Виды оптимизаций</a:t>
-            </a:r>
-          </a:p>
-          <a:p>
-            <a:pPr lvl="0">
-              <a:buClr>
-                <a:srgbClr val="666666"/>
-              </a:buClr>
-              <a:buSzPct val="45000"/>
-              <a:buFont typeface="StarSymbol"/>
-              <a:buChar char="●"/>
-            </a:pPr>
-            <a:r>
-              <a:rPr lang="en-US" dirty="0">
+              <a:t> </a:t>
+            </a:r>
+            <a:r>
+              <a:rPr lang="en-US" dirty="0" err="1">
                 <a:solidFill>
                   <a:srgbClr val="000000"/>
                 </a:solidFill>
                 <a:ea typeface="DejaVu Sans" pitchFamily="2"/>
                 <a:cs typeface="DejaVu Sans" pitchFamily="2"/>
               </a:rPr>
-              <a:t>Важность проведения оптимизаций</a:t>
-            </a:r>
-          </a:p>
-          <a:p>
-            <a:pPr lvl="0">
-              <a:buClr>
-                <a:srgbClr val="666666"/>
-              </a:buClr>
-              <a:buSzPct val="45000"/>
-              <a:buFont typeface="StarSymbol"/>
-              <a:buChar char="●"/>
-            </a:pPr>
-            <a:r>
-              <a:rPr lang="ru-RU" dirty="0">
-                <a:solidFill>
-                  <a:srgbClr val="000000"/>
-                </a:solidFill>
-                <a:ea typeface="DejaVu Sans" pitchFamily="2"/>
-                <a:cs typeface="DejaVu Sans" pitchFamily="2"/>
-              </a:rPr>
-              <a:t>Важность сбора статистики</a:t>
-            </a:r>
+              <a:t>оптимизаций</a:t>
+            </a:r>
+            <a:endParaRPr lang="en-US" dirty="0">
+              <a:solidFill>
+                <a:srgbClr val="000000"/>
+              </a:solidFill>
+              <a:ea typeface="DejaVu Sans" pitchFamily="2"/>
+              <a:cs typeface="DejaVu Sans" pitchFamily="2"/>
+            </a:endParaRPr>
           </a:p>
           <a:p>
             <a:pPr lvl="1">
@@ -7370,22 +8506,14 @@
             </a:pPr>
             <a:r>
               <a:rPr lang="ru-RU" dirty="0">
-                <a:ea typeface="DejaVu Sans" pitchFamily="2"/>
-                <a:cs typeface="DejaVu Sans" pitchFamily="2"/>
-              </a:rPr>
-              <a:t>После большой порции изменений обязательно делаем </a:t>
-            </a:r>
-            <a:r>
-              <a:rPr lang="en-US" dirty="0">
-                <a:ea typeface="DejaVu Sans" pitchFamily="2"/>
-                <a:cs typeface="DejaVu Sans" pitchFamily="2"/>
-              </a:rPr>
-              <a:t>analyse</a:t>
-            </a:r>
-            <a:endParaRPr lang="ru-RU" dirty="0">
-              <a:ea typeface="DejaVu Sans" pitchFamily="2"/>
-              <a:cs typeface="DejaVu Sans" pitchFamily="2"/>
-            </a:endParaRPr>
+                <a:solidFill>
+                  <a:srgbClr val="000000"/>
+                </a:solidFill>
+                <a:ea typeface="DejaVu Sans" pitchFamily="2"/>
+                <a:cs typeface="DejaVu Sans" pitchFamily="2"/>
+              </a:rPr>
+              <a:t>Техническая (тюнинг настроек)</a:t>
+            </a:r>
           </a:p>
           <a:p>
             <a:pPr lvl="1">
@@ -7398,21 +8526,21 @@
             </a:pPr>
             <a:r>
               <a:rPr lang="ru-RU" dirty="0">
-                <a:ea typeface="DejaVu Sans" pitchFamily="2"/>
-                <a:cs typeface="DejaVu Sans" pitchFamily="2"/>
-              </a:rPr>
-              <a:t>После большого количества операций удалений/апдейтов делаем vacuum</a:t>
+                <a:solidFill>
+                  <a:srgbClr val="000000"/>
+                </a:solidFill>
+                <a:ea typeface="DejaVu Sans" pitchFamily="2"/>
+                <a:cs typeface="DejaVu Sans" pitchFamily="2"/>
+              </a:rPr>
+              <a:t>Логическая (переписывание скрипта)</a:t>
             </a:r>
             <a:endParaRPr lang="en-US" dirty="0">
+              <a:solidFill>
+                <a:srgbClr val="000000"/>
+              </a:solidFill>
               <a:ea typeface="DejaVu Sans" pitchFamily="2"/>
               <a:cs typeface="DejaVu Sans" pitchFamily="2"/>
             </a:endParaRPr>
-          </a:p>
-          <a:p>
-            <a:pPr marL="0" indent="0">
-              <a:buNone/>
-            </a:pPr>
-            <a:endParaRPr lang="ru-RU" dirty="0"/>
           </a:p>
         </p:txBody>
       </p:sp>
@@ -7487,7 +8615,35 @@
                 <a:ea typeface="DejaVu Sans" pitchFamily="2"/>
                 <a:cs typeface="DejaVu Sans" pitchFamily="2"/>
               </a:rPr>
-              <a:t>Инструменты, используемые для оптимизации</a:t>
+              <a:t>Инструменты, используемые </a:t>
+            </a:r>
+            <a:r>
+              <a:rPr lang="en-US" sz="2000" dirty="0" err="1">
+                <a:ea typeface="DejaVu Sans" pitchFamily="2"/>
+                <a:cs typeface="DejaVu Sans" pitchFamily="2"/>
+              </a:rPr>
+              <a:t>для</a:t>
+            </a:r>
+            <a:r>
+              <a:rPr lang="en-US" sz="2000" dirty="0">
+                <a:ea typeface="DejaVu Sans" pitchFamily="2"/>
+                <a:cs typeface="DejaVu Sans" pitchFamily="2"/>
+              </a:rPr>
+              <a:t> </a:t>
+            </a:r>
+            <a:r>
+              <a:rPr lang="en-US" sz="2000" dirty="0" err="1">
+                <a:ea typeface="DejaVu Sans" pitchFamily="2"/>
+                <a:cs typeface="DejaVu Sans" pitchFamily="2"/>
+              </a:rPr>
+              <a:t>оптимизации</a:t>
+            </a:r>
+            <a:r>
+              <a:rPr lang="en-US" sz="2000" dirty="0">
+                <a:ea typeface="DejaVu Sans" pitchFamily="2"/>
+                <a:cs typeface="DejaVu Sans" pitchFamily="2"/>
+              </a:rPr>
+              <a:t> – EXPLAIN</a:t>
             </a:r>
             <a:endParaRPr lang="ru-RU" dirty="0"/>
           </a:p>
@@ -7511,89 +8667,167 @@
         </p:nvSpPr>
         <p:spPr/>
         <p:txBody>
-          <a:bodyPr/>
+          <a:bodyPr>
+            <a:normAutofit fontScale="70000" lnSpcReduction="20000"/>
+          </a:bodyPr>
           <a:lstStyle/>
-          <a:p>
-            <a:pPr lvl="0">
-              <a:buClr>
-                <a:srgbClr val="666666"/>
-              </a:buClr>
-              <a:buSzPct val="45000"/>
-              <a:buFont typeface="StarSymbol"/>
-              <a:buChar char="●"/>
-            </a:pPr>
-            <a:r>
-              <a:rPr lang="en-US" dirty="0">
-                <a:solidFill>
-                  <a:srgbClr val="000000"/>
-                </a:solidFill>
-                <a:ea typeface="DejaVu Sans" pitchFamily="2"/>
-                <a:cs typeface="DejaVu Sans" pitchFamily="2"/>
-              </a:rPr>
-              <a:t>EXPLAIN</a:t>
-            </a:r>
-            <a:br>
-              <a:rPr lang="en-US" dirty="0">
-                <a:solidFill>
-                  <a:srgbClr val="000000"/>
-                </a:solidFill>
-                <a:ea typeface="DejaVu Sans" pitchFamily="2"/>
-                <a:cs typeface="DejaVu Sans" pitchFamily="2"/>
-              </a:rPr>
-            </a:br>
-            <a:r>
-              <a:rPr lang="en-US" dirty="0">
-                <a:solidFill>
-                  <a:srgbClr val="000000"/>
-                </a:solidFill>
-                <a:ea typeface="DejaVu Sans" pitchFamily="2"/>
-                <a:cs typeface="DejaVu Sans" pitchFamily="2"/>
-              </a:rPr>
-              <a:t>Визуальное отображение: </a:t>
-            </a:r>
-            <a:r>
-              <a:rPr lang="en-US" dirty="0">
-                <a:solidFill>
-                  <a:srgbClr val="000000"/>
-                </a:solidFill>
-                <a:ea typeface="DejaVu Sans" pitchFamily="2"/>
-                <a:cs typeface="DejaVu Sans" pitchFamily="2"/>
-                <a:hlinkClick r:id="rId2"/>
-              </a:rPr>
-              <a:t>https://explain.dalibo.com/</a:t>
-            </a:r>
-            <a:endParaRPr lang="en-US" dirty="0">
-              <a:solidFill>
-                <a:srgbClr val="000000"/>
-              </a:solidFill>
-              <a:ea typeface="DejaVu Sans" pitchFamily="2"/>
-              <a:cs typeface="DejaVu Sans" pitchFamily="2"/>
-            </a:endParaRPr>
-          </a:p>
-          <a:p>
-            <a:pPr lvl="0">
-              <a:buClr>
-                <a:srgbClr val="666666"/>
-              </a:buClr>
-              <a:buSzPct val="45000"/>
-              <a:buFont typeface="StarSymbol"/>
-              <a:buChar char="●"/>
-            </a:pPr>
-            <a:r>
-              <a:rPr lang="en-US" dirty="0">
-                <a:solidFill>
-                  <a:srgbClr val="000000"/>
-                </a:solidFill>
-                <a:ea typeface="DejaVu Sans" pitchFamily="2"/>
-                <a:cs typeface="DejaVu Sans" pitchFamily="2"/>
-              </a:rPr>
-              <a:t>Метрики</a:t>
-            </a:r>
-          </a:p>
           <a:p>
             <a:pPr marL="0" indent="0">
               <a:buNone/>
             </a:pPr>
+            <a:r>
+              <a:rPr lang="af-ZA" b="1" dirty="0">
+                <a:solidFill>
+                  <a:srgbClr val="0070C0"/>
+                </a:solidFill>
+              </a:rPr>
+              <a:t>EXPLAIN SELECT *</a:t>
+            </a:r>
+          </a:p>
+          <a:p>
+            <a:pPr marL="0" indent="0">
+              <a:buNone/>
+            </a:pPr>
+            <a:r>
+              <a:rPr lang="af-ZA" b="1" dirty="0">
+                <a:solidFill>
+                  <a:srgbClr val="0070C0"/>
+                </a:solidFill>
+              </a:rPr>
+              <a:t>FROM tenk1 t1, onek t2</a:t>
+            </a:r>
+          </a:p>
+          <a:p>
+            <a:pPr marL="0" indent="0">
+              <a:buNone/>
+            </a:pPr>
+            <a:r>
+              <a:rPr lang="af-ZA" b="1" dirty="0">
+                <a:solidFill>
+                  <a:srgbClr val="0070C0"/>
+                </a:solidFill>
+              </a:rPr>
+              <a:t>WHERE t1.unique1 &lt; 100 AND t1.unique2 = t2.unique2;</a:t>
+            </a:r>
+          </a:p>
+          <a:p>
+            <a:pPr marL="0" indent="0">
+              <a:buNone/>
+            </a:pPr>
+            <a:endParaRPr lang="af-ZA" dirty="0"/>
+          </a:p>
+          <a:p>
+            <a:pPr marL="0" indent="0">
+              <a:buNone/>
+            </a:pPr>
+            <a:r>
+              <a:rPr lang="af-ZA" b="1" dirty="0"/>
+              <a:t>                                        QUERY PLAN</a:t>
+            </a:r>
+          </a:p>
+          <a:p>
+            <a:pPr marL="0" indent="0">
+              <a:buNone/>
+            </a:pPr>
+            <a:r>
+              <a:rPr lang="af-ZA" dirty="0"/>
+              <a:t>------------------------------------------------------------------------------------------</a:t>
+            </a:r>
+          </a:p>
+          <a:p>
+            <a:pPr marL="0" indent="0">
+              <a:buNone/>
+            </a:pPr>
+            <a:r>
+              <a:rPr lang="af-ZA" b="1" dirty="0"/>
+              <a:t> Merge Join  (cost=198.11..268.19 rows=10 width=488)</a:t>
+            </a:r>
+          </a:p>
+          <a:p>
+            <a:pPr marL="0" indent="0">
+              <a:buNone/>
+            </a:pPr>
+            <a:r>
+              <a:rPr lang="af-ZA" dirty="0"/>
+              <a:t>   </a:t>
+            </a:r>
+            <a:r>
+              <a:rPr lang="af-ZA" b="1" dirty="0"/>
+              <a:t>Merge Cond: </a:t>
+            </a:r>
+            <a:r>
+              <a:rPr lang="af-ZA" dirty="0"/>
+              <a:t>(t1.unique2 = t2.unique2)</a:t>
+            </a:r>
+          </a:p>
+          <a:p>
+            <a:pPr marL="0" indent="0">
+              <a:buNone/>
+            </a:pPr>
+            <a:r>
+              <a:rPr lang="af-ZA" dirty="0"/>
+              <a:t>   -&gt;  </a:t>
+            </a:r>
+            <a:r>
+              <a:rPr lang="af-ZA" b="1" dirty="0"/>
+              <a:t>Index Scan </a:t>
+            </a:r>
+            <a:r>
+              <a:rPr lang="af-ZA" dirty="0"/>
+              <a:t>using tenk1_unique2 on tenk1 t1  (cost=0.29..656.28 rows=101 width=244)</a:t>
+            </a:r>
+          </a:p>
+          <a:p>
+            <a:pPr marL="0" indent="0">
+              <a:buNone/>
+            </a:pPr>
+            <a:r>
+              <a:rPr lang="af-ZA" dirty="0"/>
+              <a:t>         Filter: (unique1 &lt; 100)</a:t>
+            </a:r>
+          </a:p>
+          <a:p>
+            <a:pPr marL="0" indent="0">
+              <a:buNone/>
+            </a:pPr>
+            <a:r>
+              <a:rPr lang="af-ZA" dirty="0"/>
+              <a:t>   -&gt;  </a:t>
+            </a:r>
+            <a:r>
+              <a:rPr lang="af-ZA" b="1" dirty="0"/>
+              <a:t>Sort</a:t>
+            </a:r>
+            <a:r>
+              <a:rPr lang="af-ZA" dirty="0"/>
+              <a:t>  (cost=197.83..200.33 rows=1000 width=244)</a:t>
+            </a:r>
+          </a:p>
+          <a:p>
+            <a:pPr marL="0" indent="0">
+              <a:buNone/>
+            </a:pPr>
+            <a:r>
+              <a:rPr lang="af-ZA" dirty="0"/>
+              <a:t>         Sort Key: t2.unique2</a:t>
+            </a:r>
+          </a:p>
+          <a:p>
+            <a:pPr marL="0" indent="0">
+              <a:buNone/>
+            </a:pPr>
+            <a:r>
+              <a:rPr lang="af-ZA" dirty="0"/>
+              <a:t>         -&gt;  </a:t>
+            </a:r>
+            <a:r>
+              <a:rPr lang="af-ZA" b="1" dirty="0"/>
+              <a:t>Seq Scan </a:t>
+            </a:r>
+            <a:r>
+              <a:rPr lang="af-ZA" dirty="0"/>
+              <a:t>on onek t2  (cost=0.00..148.00 rows=1000 width=244)</a:t>
+            </a:r>
             <a:endParaRPr lang="ru-RU" dirty="0"/>
           </a:p>
         </p:txBody>
@@ -7601,7 +8835,7 @@
     </p:spTree>
     <p:extLst>
       <p:ext uri="{BB962C8B-B14F-4D97-AF65-F5344CB8AC3E}">
-        <p14:creationId xmlns:p14="http://schemas.microsoft.com/office/powerpoint/2010/main" val="3597086886"/>
+        <p14:creationId xmlns:p14="http://schemas.microsoft.com/office/powerpoint/2010/main" val="2545218508"/>
       </p:ext>
     </p:extLst>
   </p:cSld>
@@ -7633,7 +8867,7 @@
           <p:cNvPr id="2" name="Title 1">
             <a:extLst>
               <a:ext uri="{FF2B5EF4-FFF2-40B4-BE49-F238E27FC236}">
-                <a16:creationId xmlns:a16="http://schemas.microsoft.com/office/drawing/2014/main" id="{A2550849-B110-40BE-9B4E-2A3737F06DF6}"/>
+                <a16:creationId xmlns:a16="http://schemas.microsoft.com/office/drawing/2014/main" id="{4BD741BA-2175-49CF-B794-433D65D1439F}"/>
               </a:ext>
             </a:extLst>
           </p:cNvPr>
@@ -7665,11 +8899,39 @@
               </a:rPr>
             </a:br>
             <a:r>
-              <a:rPr lang="en-US" sz="1600" dirty="0">
-                <a:ea typeface="DejaVu Sans" pitchFamily="2"/>
-                <a:cs typeface="DejaVu Sans" pitchFamily="2"/>
-              </a:rPr>
-              <a:t>Инструменты, используемые для оптимизации</a:t>
+              <a:rPr lang="en-US" sz="2000" dirty="0">
+                <a:ea typeface="DejaVu Sans" pitchFamily="2"/>
+                <a:cs typeface="DejaVu Sans" pitchFamily="2"/>
+              </a:rPr>
+              <a:t>Инструменты, используемые </a:t>
+            </a:r>
+            <a:r>
+              <a:rPr lang="en-US" sz="2000" dirty="0" err="1">
+                <a:ea typeface="DejaVu Sans" pitchFamily="2"/>
+                <a:cs typeface="DejaVu Sans" pitchFamily="2"/>
+              </a:rPr>
+              <a:t>для</a:t>
+            </a:r>
+            <a:r>
+              <a:rPr lang="en-US" sz="2000" dirty="0">
+                <a:ea typeface="DejaVu Sans" pitchFamily="2"/>
+                <a:cs typeface="DejaVu Sans" pitchFamily="2"/>
+              </a:rPr>
+              <a:t> </a:t>
+            </a:r>
+            <a:r>
+              <a:rPr lang="en-US" sz="2000" dirty="0" err="1">
+                <a:ea typeface="DejaVu Sans" pitchFamily="2"/>
+                <a:cs typeface="DejaVu Sans" pitchFamily="2"/>
+              </a:rPr>
+              <a:t>оптимизации</a:t>
+            </a:r>
+            <a:r>
+              <a:rPr lang="en-US" sz="2000" dirty="0">
+                <a:ea typeface="DejaVu Sans" pitchFamily="2"/>
+                <a:cs typeface="DejaVu Sans" pitchFamily="2"/>
+              </a:rPr>
+              <a:t> – EXPLAIN ANALYSE</a:t>
             </a:r>
             <a:endParaRPr lang="ru-RU" dirty="0"/>
           </a:p>
@@ -7680,7 +8942,7 @@
           <p:cNvPr id="3" name="Content Placeholder 2">
             <a:extLst>
               <a:ext uri="{FF2B5EF4-FFF2-40B4-BE49-F238E27FC236}">
-                <a16:creationId xmlns:a16="http://schemas.microsoft.com/office/drawing/2014/main" id="{C91557BF-CA48-4F1C-8604-1F049A0FEE99}"/>
+                <a16:creationId xmlns:a16="http://schemas.microsoft.com/office/drawing/2014/main" id="{4A6778CB-C88F-4AEF-902B-E0042B70C420}"/>
               </a:ext>
             </a:extLst>
           </p:cNvPr>
@@ -7693,72 +8955,206 @@
         </p:nvSpPr>
         <p:spPr>
           <a:xfrm>
-            <a:off x="8023352" y="910621"/>
-            <a:ext cx="4168648" cy="757366"/>
+            <a:off x="1066800" y="1863090"/>
+            <a:ext cx="10058400" cy="5097780"/>
           </a:xfrm>
         </p:spPr>
         <p:txBody>
-          <a:bodyPr/>
+          <a:bodyPr>
+            <a:normAutofit fontScale="70000" lnSpcReduction="20000"/>
+          </a:bodyPr>
           <a:lstStyle/>
           <a:p>
-            <a:r>
-              <a:rPr lang="en-US" dirty="0">
-                <a:solidFill>
-                  <a:srgbClr val="000000"/>
-                </a:solidFill>
-                <a:ea typeface="DejaVu Sans" pitchFamily="2"/>
-                <a:cs typeface="DejaVu Sans" pitchFamily="2"/>
-              </a:rPr>
-              <a:t>Пример визуального explain</a:t>
-            </a:r>
-          </a:p>
-          <a:p>
+            <a:pPr marL="0" indent="0">
+              <a:buNone/>
+            </a:pPr>
+            <a:r>
+              <a:rPr lang="af-ZA" b="1" dirty="0">
+                <a:solidFill>
+                  <a:srgbClr val="0070C0"/>
+                </a:solidFill>
+              </a:rPr>
+              <a:t>EXPLAIN ANALYZE SELECT *</a:t>
+            </a:r>
+          </a:p>
+          <a:p>
+            <a:pPr marL="0" indent="0">
+              <a:buNone/>
+            </a:pPr>
+            <a:r>
+              <a:rPr lang="af-ZA" b="1" dirty="0">
+                <a:solidFill>
+                  <a:srgbClr val="0070C0"/>
+                </a:solidFill>
+              </a:rPr>
+              <a:t>FROM tenk1 t1, tenk2 t2</a:t>
+            </a:r>
+          </a:p>
+          <a:p>
+            <a:pPr marL="0" indent="0">
+              <a:buNone/>
+            </a:pPr>
+            <a:r>
+              <a:rPr lang="af-ZA" b="1" dirty="0">
+                <a:solidFill>
+                  <a:srgbClr val="0070C0"/>
+                </a:solidFill>
+              </a:rPr>
+              <a:t>WHERE t1.unique1 &lt; 10 AND t1.unique2 = t2.unique2;</a:t>
+            </a:r>
+          </a:p>
+          <a:p>
+            <a:pPr marL="0" indent="0">
+              <a:buNone/>
+            </a:pPr>
+            <a:endParaRPr lang="af-ZA" dirty="0"/>
+          </a:p>
+          <a:p>
+            <a:pPr marL="0" indent="0">
+              <a:buNone/>
+            </a:pPr>
+            <a:r>
+              <a:rPr lang="af-ZA" dirty="0"/>
+              <a:t>                                                           </a:t>
+            </a:r>
+            <a:r>
+              <a:rPr lang="af-ZA" b="1" dirty="0"/>
+              <a:t>QUERY PLAN</a:t>
+            </a:r>
+          </a:p>
+          <a:p>
+            <a:pPr marL="0" indent="0">
+              <a:buNone/>
+            </a:pPr>
+            <a:r>
+              <a:rPr lang="af-ZA" dirty="0"/>
+              <a:t>---------------------------------------------------------------------------------------------------------------------------------</a:t>
+            </a:r>
+          </a:p>
+          <a:p>
+            <a:pPr marL="0" indent="0">
+              <a:buNone/>
+            </a:pPr>
+            <a:r>
+              <a:rPr lang="af-ZA" dirty="0"/>
+              <a:t> </a:t>
+            </a:r>
+            <a:r>
+              <a:rPr lang="af-ZA" b="1" dirty="0"/>
+              <a:t>Nested Loop  (cost=4.65..118.62 rows=10 width=488) (actual time=0.128..0.377 rows=10 loops=1)</a:t>
+            </a:r>
+          </a:p>
+          <a:p>
+            <a:pPr marL="0" indent="0">
+              <a:buNone/>
+            </a:pPr>
+            <a:r>
+              <a:rPr lang="af-ZA" dirty="0"/>
+              <a:t>   -&gt;  </a:t>
+            </a:r>
+            <a:r>
+              <a:rPr lang="af-ZA" b="1" dirty="0"/>
+              <a:t>Bitmap Heap Scan </a:t>
+            </a:r>
+            <a:r>
+              <a:rPr lang="af-ZA" dirty="0"/>
+              <a:t>on tenk1 t1  (cost=4.36..39.47 rows=10 width=244) (actual time=0.057..0.121 rows=10 loops=1)</a:t>
+            </a:r>
+          </a:p>
+          <a:p>
+            <a:pPr marL="0" indent="0">
+              <a:buNone/>
+            </a:pPr>
+            <a:r>
+              <a:rPr lang="af-ZA" dirty="0"/>
+              <a:t>         Recheck Cond: (unique1 &lt; 10)</a:t>
+            </a:r>
+          </a:p>
+          <a:p>
+            <a:pPr marL="0" indent="0">
+              <a:buNone/>
+            </a:pPr>
+            <a:r>
+              <a:rPr lang="af-ZA" dirty="0"/>
+              <a:t>         -&gt;  </a:t>
+            </a:r>
+            <a:r>
+              <a:rPr lang="af-ZA" b="1" dirty="0"/>
+              <a:t>Bitmap Index Scan </a:t>
+            </a:r>
+            <a:r>
+              <a:rPr lang="af-ZA" dirty="0"/>
+              <a:t>on tenk1_unique1  (cost=0.00..4.36 rows=10 width=0) (actual time=0.024..0.024 rows=10 loops=1)</a:t>
+            </a:r>
+          </a:p>
+          <a:p>
+            <a:pPr marL="0" indent="0">
+              <a:buNone/>
+            </a:pPr>
+            <a:r>
+              <a:rPr lang="af-ZA" dirty="0"/>
+              <a:t>               Index Cond: (unique1 &lt; 10)</a:t>
+            </a:r>
+          </a:p>
+          <a:p>
+            <a:pPr marL="0" indent="0">
+              <a:buNone/>
+            </a:pPr>
+            <a:r>
+              <a:rPr lang="af-ZA" dirty="0"/>
+              <a:t>   -&gt;  </a:t>
+            </a:r>
+            <a:r>
+              <a:rPr lang="af-ZA" b="1" dirty="0"/>
+              <a:t>Index Scan </a:t>
+            </a:r>
+            <a:r>
+              <a:rPr lang="af-ZA" dirty="0"/>
+              <a:t>using tenk2_unique2 on tenk2 t2  (cost=0.29..7.91 rows=1 width=244) (actual time=0.021..0.022 rows=1 loops=10)</a:t>
+            </a:r>
+          </a:p>
+          <a:p>
+            <a:pPr marL="0" indent="0">
+              <a:buNone/>
+            </a:pPr>
+            <a:r>
+              <a:rPr lang="af-ZA" dirty="0"/>
+              <a:t>         Index Cond: (unique2 = t1.unique2)</a:t>
+            </a:r>
+          </a:p>
+          <a:p>
+            <a:pPr marL="0" indent="0">
+              <a:buNone/>
+            </a:pPr>
+            <a:r>
+              <a:rPr lang="af-ZA" b="1" dirty="0"/>
+              <a:t> Planning time: </a:t>
+            </a:r>
+            <a:r>
+              <a:rPr lang="af-ZA" dirty="0"/>
+              <a:t>0.181 ms</a:t>
+            </a:r>
+          </a:p>
+          <a:p>
+            <a:pPr marL="0" indent="0">
+              <a:buNone/>
+            </a:pPr>
+            <a:r>
+              <a:rPr lang="af-ZA" b="1" dirty="0"/>
+              <a:t> Execution time: </a:t>
+            </a:r>
+            <a:r>
+              <a:rPr lang="af-ZA" dirty="0"/>
+              <a:t>0.501 ms</a:t>
+            </a:r>
             <a:endParaRPr lang="ru-RU" dirty="0"/>
           </a:p>
         </p:txBody>
       </p:sp>
-      <p:pic>
-        <p:nvPicPr>
-          <p:cNvPr id="4" name="Picture 3">
-            <a:extLst>
-              <a:ext uri="{FF2B5EF4-FFF2-40B4-BE49-F238E27FC236}">
-                <a16:creationId xmlns:a16="http://schemas.microsoft.com/office/drawing/2014/main" id="{825EA8FD-A8B5-40C3-BA7E-9E2D5BC7A214}"/>
-              </a:ext>
-            </a:extLst>
-          </p:cNvPr>
-          <p:cNvPicPr>
-            <a:picLocks noChangeAspect="1"/>
-          </p:cNvPicPr>
-          <p:nvPr/>
-        </p:nvPicPr>
-        <p:blipFill>
-          <a:blip r:embed="rId2">
-            <a:lum/>
-            <a:alphaModFix/>
-          </a:blip>
-          <a:srcRect/>
-          <a:stretch>
-            <a:fillRect/>
-          </a:stretch>
-        </p:blipFill>
-        <p:spPr>
-          <a:xfrm>
-            <a:off x="1073986" y="1762314"/>
-            <a:ext cx="9033690" cy="5008130"/>
-          </a:xfrm>
-          <a:prstGeom prst="rect">
-            <a:avLst/>
-          </a:prstGeom>
-          <a:noFill/>
-          <a:ln cap="flat">
-            <a:noFill/>
-          </a:ln>
-        </p:spPr>
-      </p:pic>
     </p:spTree>
     <p:extLst>
       <p:ext uri="{BB962C8B-B14F-4D97-AF65-F5344CB8AC3E}">
-        <p14:creationId xmlns:p14="http://schemas.microsoft.com/office/powerpoint/2010/main" val="4061013821"/>
+        <p14:creationId xmlns:p14="http://schemas.microsoft.com/office/powerpoint/2010/main" val="3081074980"/>
       </p:ext>
     </p:extLst>
   </p:cSld>
@@ -7790,6 +9186,226 @@
           <p:cNvPr id="2" name="Title 1">
             <a:extLst>
               <a:ext uri="{FF2B5EF4-FFF2-40B4-BE49-F238E27FC236}">
+                <a16:creationId xmlns:a16="http://schemas.microsoft.com/office/drawing/2014/main" id="{A2550849-B110-40BE-9B4E-2A3737F06DF6}"/>
+              </a:ext>
+            </a:extLst>
+          </p:cNvPr>
+          <p:cNvSpPr>
+            <a:spLocks noGrp="1"/>
+          </p:cNvSpPr>
+          <p:nvPr>
+            <p:ph type="title"/>
+          </p:nvPr>
+        </p:nvSpPr>
+        <p:spPr/>
+        <p:txBody>
+          <a:bodyPr>
+            <a:normAutofit/>
+          </a:bodyPr>
+          <a:lstStyle/>
+          <a:p>
+            <a:r>
+              <a:rPr lang="en-US" dirty="0">
+                <a:ea typeface="DejaVu Sans" pitchFamily="2"/>
+                <a:cs typeface="DejaVu Sans" pitchFamily="2"/>
+              </a:rPr>
+              <a:t>Оптимизация SQL</a:t>
+            </a:r>
+            <a:br>
+              <a:rPr lang="en-US" dirty="0">
+                <a:ea typeface="DejaVu Sans" pitchFamily="2"/>
+                <a:cs typeface="DejaVu Sans" pitchFamily="2"/>
+              </a:rPr>
+            </a:br>
+            <a:r>
+              <a:rPr lang="en-US" sz="1600" dirty="0" err="1">
+                <a:ea typeface="DejaVu Sans" pitchFamily="2"/>
+                <a:cs typeface="DejaVu Sans" pitchFamily="2"/>
+              </a:rPr>
+              <a:t>Инструменты</a:t>
+            </a:r>
+            <a:r>
+              <a:rPr lang="en-US" sz="1600" dirty="0">
+                <a:ea typeface="DejaVu Sans" pitchFamily="2"/>
+                <a:cs typeface="DejaVu Sans" pitchFamily="2"/>
+              </a:rPr>
+              <a:t>, </a:t>
+            </a:r>
+            <a:r>
+              <a:rPr lang="en-US" sz="1600" dirty="0" err="1">
+                <a:ea typeface="DejaVu Sans" pitchFamily="2"/>
+                <a:cs typeface="DejaVu Sans" pitchFamily="2"/>
+              </a:rPr>
+              <a:t>используемые</a:t>
+            </a:r>
+            <a:r>
+              <a:rPr lang="en-US" sz="1600" dirty="0">
+                <a:ea typeface="DejaVu Sans" pitchFamily="2"/>
+                <a:cs typeface="DejaVu Sans" pitchFamily="2"/>
+              </a:rPr>
+              <a:t> </a:t>
+            </a:r>
+            <a:r>
+              <a:rPr lang="en-US" sz="1600" dirty="0" err="1">
+                <a:ea typeface="DejaVu Sans" pitchFamily="2"/>
+                <a:cs typeface="DejaVu Sans" pitchFamily="2"/>
+              </a:rPr>
+              <a:t>для</a:t>
+            </a:r>
+            <a:r>
+              <a:rPr lang="en-US" sz="1600" dirty="0">
+                <a:ea typeface="DejaVu Sans" pitchFamily="2"/>
+                <a:cs typeface="DejaVu Sans" pitchFamily="2"/>
+              </a:rPr>
+              <a:t> </a:t>
+            </a:r>
+            <a:r>
+              <a:rPr lang="en-US" sz="1600" dirty="0" err="1">
+                <a:ea typeface="DejaVu Sans" pitchFamily="2"/>
+                <a:cs typeface="DejaVu Sans" pitchFamily="2"/>
+              </a:rPr>
+              <a:t>оптимизации</a:t>
+            </a:r>
+            <a:br>
+              <a:rPr lang="en-US" sz="1600" dirty="0">
+                <a:ea typeface="DejaVu Sans" pitchFamily="2"/>
+                <a:cs typeface="DejaVu Sans" pitchFamily="2"/>
+              </a:rPr>
+            </a:br>
+            <a:r>
+              <a:rPr lang="ru-RU" sz="1600" dirty="0">
+                <a:ea typeface="DejaVu Sans" pitchFamily="2"/>
+                <a:cs typeface="DejaVu Sans" pitchFamily="2"/>
+              </a:rPr>
+              <a:t>Визуальное отображение: </a:t>
+            </a:r>
+            <a:r>
+              <a:rPr lang="ru-RU" sz="1600" dirty="0">
+                <a:ea typeface="DejaVu Sans" pitchFamily="2"/>
+                <a:cs typeface="DejaVu Sans" pitchFamily="2"/>
+                <a:hlinkClick r:id="rId2"/>
+              </a:rPr>
+              <a:t>https://explain.dalibo.com/</a:t>
+            </a:r>
+            <a:endParaRPr lang="ru-RU" dirty="0"/>
+          </a:p>
+        </p:txBody>
+      </p:sp>
+      <p:sp>
+        <p:nvSpPr>
+          <p:cNvPr id="3" name="Content Placeholder 2">
+            <a:extLst>
+              <a:ext uri="{FF2B5EF4-FFF2-40B4-BE49-F238E27FC236}">
+                <a16:creationId xmlns:a16="http://schemas.microsoft.com/office/drawing/2014/main" id="{C91557BF-CA48-4F1C-8604-1F049A0FEE99}"/>
+              </a:ext>
+            </a:extLst>
+          </p:cNvPr>
+          <p:cNvSpPr>
+            <a:spLocks noGrp="1"/>
+          </p:cNvSpPr>
+          <p:nvPr>
+            <p:ph idx="1"/>
+          </p:nvPr>
+        </p:nvSpPr>
+        <p:spPr>
+          <a:xfrm>
+            <a:off x="8023352" y="910621"/>
+            <a:ext cx="4168648" cy="757366"/>
+          </a:xfrm>
+        </p:spPr>
+        <p:txBody>
+          <a:bodyPr/>
+          <a:lstStyle/>
+          <a:p>
+            <a:r>
+              <a:rPr lang="en-US" dirty="0">
+                <a:solidFill>
+                  <a:srgbClr val="000000"/>
+                </a:solidFill>
+                <a:ea typeface="DejaVu Sans" pitchFamily="2"/>
+                <a:cs typeface="DejaVu Sans" pitchFamily="2"/>
+              </a:rPr>
+              <a:t>Пример визуального explain</a:t>
+            </a:r>
+          </a:p>
+          <a:p>
+            <a:endParaRPr lang="ru-RU" dirty="0"/>
+          </a:p>
+        </p:txBody>
+      </p:sp>
+      <p:pic>
+        <p:nvPicPr>
+          <p:cNvPr id="4" name="Picture 3">
+            <a:extLst>
+              <a:ext uri="{FF2B5EF4-FFF2-40B4-BE49-F238E27FC236}">
+                <a16:creationId xmlns:a16="http://schemas.microsoft.com/office/drawing/2014/main" id="{825EA8FD-A8B5-40C3-BA7E-9E2D5BC7A214}"/>
+              </a:ext>
+            </a:extLst>
+          </p:cNvPr>
+          <p:cNvPicPr>
+            <a:picLocks noChangeAspect="1"/>
+          </p:cNvPicPr>
+          <p:nvPr/>
+        </p:nvPicPr>
+        <p:blipFill>
+          <a:blip r:embed="rId3">
+            <a:lum/>
+            <a:alphaModFix/>
+          </a:blip>
+          <a:srcRect/>
+          <a:stretch>
+            <a:fillRect/>
+          </a:stretch>
+        </p:blipFill>
+        <p:spPr>
+          <a:xfrm>
+            <a:off x="1562878" y="2033348"/>
+            <a:ext cx="8544798" cy="4737096"/>
+          </a:xfrm>
+          <a:prstGeom prst="rect">
+            <a:avLst/>
+          </a:prstGeom>
+          <a:noFill/>
+          <a:ln cap="flat">
+            <a:noFill/>
+          </a:ln>
+        </p:spPr>
+      </p:pic>
+    </p:spTree>
+    <p:extLst>
+      <p:ext uri="{BB962C8B-B14F-4D97-AF65-F5344CB8AC3E}">
+        <p14:creationId xmlns:p14="http://schemas.microsoft.com/office/powerpoint/2010/main" val="4061013821"/>
+      </p:ext>
+    </p:extLst>
+  </p:cSld>
+  <p:clrMapOvr>
+    <a:masterClrMapping/>
+  </p:clrMapOvr>
+</p:sld>
+</file>
+
+<file path=ppt/slides/slide8.xml><?xml version="1.0" encoding="utf-8"?>
+<p:sld xmlns:a="http://schemas.openxmlformats.org/drawingml/2006/main" xmlns:r="http://schemas.openxmlformats.org/officeDocument/2006/relationships" xmlns:p="http://schemas.openxmlformats.org/presentationml/2006/main">
+  <p:cSld>
+    <p:spTree>
+      <p:nvGrpSpPr>
+        <p:cNvPr id="1" name=""/>
+        <p:cNvGrpSpPr/>
+        <p:nvPr/>
+      </p:nvGrpSpPr>
+      <p:grpSpPr>
+        <a:xfrm>
+          <a:off x="0" y="0"/>
+          <a:ext cx="0" cy="0"/>
+          <a:chOff x="0" y="0"/>
+          <a:chExt cx="0" cy="0"/>
+        </a:xfrm>
+      </p:grpSpPr>
+      <p:sp>
+        <p:nvSpPr>
+          <p:cNvPr id="2" name="Title 1">
+            <a:extLst>
+              <a:ext uri="{FF2B5EF4-FFF2-40B4-BE49-F238E27FC236}">
                 <a16:creationId xmlns:a16="http://schemas.microsoft.com/office/drawing/2014/main" id="{B2BB2CBB-F232-46A8-847B-44FB06F53B68}"/>
               </a:ext>
             </a:extLst>
@@ -7826,7 +9442,42 @@
                 <a:ea typeface="DejaVu Sans" pitchFamily="2"/>
                 <a:cs typeface="DejaVu Sans" pitchFamily="2"/>
               </a:rPr>
-              <a:t>Инструменты, используемые для оптимизации</a:t>
+              <a:t>Инструменты, используемые </a:t>
+            </a:r>
+            <a:r>
+              <a:rPr lang="en-US" sz="1600" dirty="0" err="1">
+                <a:ea typeface="DejaVu Sans" pitchFamily="2"/>
+                <a:cs typeface="DejaVu Sans" pitchFamily="2"/>
+              </a:rPr>
+              <a:t>для</a:t>
+            </a:r>
+            <a:r>
+              <a:rPr lang="en-US" sz="1600" dirty="0">
+                <a:ea typeface="DejaVu Sans" pitchFamily="2"/>
+                <a:cs typeface="DejaVu Sans" pitchFamily="2"/>
+              </a:rPr>
+              <a:t> </a:t>
+            </a:r>
+            <a:r>
+              <a:rPr lang="en-US" sz="1600" dirty="0" err="1">
+                <a:ea typeface="DejaVu Sans" pitchFamily="2"/>
+                <a:cs typeface="DejaVu Sans" pitchFamily="2"/>
+              </a:rPr>
+              <a:t>оптимизации</a:t>
+            </a:r>
+            <a:r>
+              <a:rPr lang="en-US" sz="1600" dirty="0">
+                <a:ea typeface="DejaVu Sans" pitchFamily="2"/>
+                <a:cs typeface="DejaVu Sans" pitchFamily="2"/>
+              </a:rPr>
+              <a:t> - </a:t>
+            </a:r>
+            <a:r>
+              <a:rPr lang="ru-RU" sz="1600" dirty="0">
+                <a:ea typeface="DejaVu Sans" pitchFamily="2"/>
+                <a:cs typeface="DejaVu Sans" pitchFamily="2"/>
+              </a:rPr>
+              <a:t>метрики</a:t>
             </a:r>
             <a:endParaRPr lang="ru-RU" dirty="0"/>
           </a:p>
@@ -7939,7 +9590,7 @@
 </p:sld>
 </file>
 
-<file path=ppt/slides/slide8.xml><?xml version="1.0" encoding="utf-8"?>
+<file path=ppt/slides/slide9.xml><?xml version="1.0" encoding="utf-8"?>
 <p:sld xmlns:a="http://schemas.openxmlformats.org/drawingml/2006/main" xmlns:r="http://schemas.openxmlformats.org/officeDocument/2006/relationships" xmlns:p="http://schemas.openxmlformats.org/presentationml/2006/main">
   <p:cSld>
     <p:spTree>
@@ -8105,413 +9756,6 @@
     <p:extLst>
       <p:ext uri="{BB962C8B-B14F-4D97-AF65-F5344CB8AC3E}">
         <p14:creationId xmlns:p14="http://schemas.microsoft.com/office/powerpoint/2010/main" val="32909193"/>
-      </p:ext>
-    </p:extLst>
-  </p:cSld>
-  <p:clrMapOvr>
-    <a:masterClrMapping/>
-  </p:clrMapOvr>
-</p:sld>
-</file>
-
-<file path=ppt/slides/slide9.xml><?xml version="1.0" encoding="utf-8"?>
-<p:sld xmlns:a="http://schemas.openxmlformats.org/drawingml/2006/main" xmlns:r="http://schemas.openxmlformats.org/officeDocument/2006/relationships" xmlns:p="http://schemas.openxmlformats.org/presentationml/2006/main">
-  <p:cSld>
-    <p:spTree>
-      <p:nvGrpSpPr>
-        <p:cNvPr id="1" name=""/>
-        <p:cNvGrpSpPr/>
-        <p:nvPr/>
-      </p:nvGrpSpPr>
-      <p:grpSpPr>
-        <a:xfrm>
-          <a:off x="0" y="0"/>
-          <a:ext cx="0" cy="0"/>
-          <a:chOff x="0" y="0"/>
-          <a:chExt cx="0" cy="0"/>
-        </a:xfrm>
-      </p:grpSpPr>
-      <p:sp>
-        <p:nvSpPr>
-          <p:cNvPr id="2" name="Title 1">
-            <a:extLst>
-              <a:ext uri="{FF2B5EF4-FFF2-40B4-BE49-F238E27FC236}">
-                <a16:creationId xmlns:a16="http://schemas.microsoft.com/office/drawing/2014/main" id="{716237D2-3EBB-475C-8D8A-B3485DC00802}"/>
-              </a:ext>
-            </a:extLst>
-          </p:cNvPr>
-          <p:cNvSpPr>
-            <a:spLocks noGrp="1"/>
-          </p:cNvSpPr>
-          <p:nvPr>
-            <p:ph type="title"/>
-          </p:nvPr>
-        </p:nvSpPr>
-        <p:spPr/>
-        <p:txBody>
-          <a:bodyPr>
-            <a:normAutofit/>
-          </a:bodyPr>
-          <a:lstStyle/>
-          <a:p>
-            <a:r>
-              <a:rPr lang="en-US" dirty="0">
-                <a:ea typeface="DejaVu Sans" pitchFamily="2"/>
-                <a:cs typeface="DejaVu Sans" pitchFamily="2"/>
-              </a:rPr>
-              <a:t>Оптимизация SQL</a:t>
-            </a:r>
-            <a:br>
-              <a:rPr lang="en-US" dirty="0">
-                <a:ea typeface="DejaVu Sans" pitchFamily="2"/>
-                <a:cs typeface="DejaVu Sans" pitchFamily="2"/>
-              </a:rPr>
-            </a:br>
-            <a:r>
-              <a:rPr lang="en-US" sz="2000" dirty="0">
-                <a:ea typeface="DejaVu Sans" pitchFamily="2"/>
-                <a:cs typeface="DejaVu Sans" pitchFamily="2"/>
-              </a:rPr>
-              <a:t>Блок 1: Теория: Использование индексов</a:t>
-            </a:r>
-            <a:endParaRPr lang="ru-RU" dirty="0"/>
-          </a:p>
-        </p:txBody>
-      </p:sp>
-      <p:sp>
-        <p:nvSpPr>
-          <p:cNvPr id="3" name="Content Placeholder 2">
-            <a:extLst>
-              <a:ext uri="{FF2B5EF4-FFF2-40B4-BE49-F238E27FC236}">
-                <a16:creationId xmlns:a16="http://schemas.microsoft.com/office/drawing/2014/main" id="{422B1A28-6680-42A6-9E42-8035811D2506}"/>
-              </a:ext>
-            </a:extLst>
-          </p:cNvPr>
-          <p:cNvSpPr>
-            <a:spLocks noGrp="1"/>
-          </p:cNvSpPr>
-          <p:nvPr>
-            <p:ph idx="1"/>
-          </p:nvPr>
-        </p:nvSpPr>
-        <p:spPr>
-          <a:xfrm>
-            <a:off x="1069848" y="2121408"/>
-            <a:ext cx="4036547" cy="4736592"/>
-          </a:xfrm>
-        </p:spPr>
-        <p:txBody>
-          <a:bodyPr>
-            <a:normAutofit/>
-          </a:bodyPr>
-          <a:lstStyle/>
-          <a:p>
-            <a:pPr lvl="0">
-              <a:lnSpc>
-                <a:spcPct val="80000"/>
-              </a:lnSpc>
-              <a:buClr>
-                <a:srgbClr val="666666"/>
-              </a:buClr>
-              <a:buSzPct val="45000"/>
-              <a:buFont typeface="StarSymbol"/>
-              <a:buChar char="●"/>
-            </a:pPr>
-            <a:r>
-              <a:rPr lang="ru-RU" sz="2400" dirty="0">
-                <a:solidFill>
-                  <a:srgbClr val="000000"/>
-                </a:solidFill>
-                <a:ea typeface="DejaVu Sans" pitchFamily="2"/>
-                <a:cs typeface="DejaVu Sans" pitchFamily="2"/>
-              </a:rPr>
-              <a:t>Индекс и как он ускоряет запрос?</a:t>
-            </a:r>
-          </a:p>
-          <a:p>
-            <a:pPr lvl="0">
-              <a:lnSpc>
-                <a:spcPct val="80000"/>
-              </a:lnSpc>
-              <a:buClr>
-                <a:srgbClr val="666666"/>
-              </a:buClr>
-              <a:buSzPct val="45000"/>
-              <a:buFont typeface="StarSymbol"/>
-              <a:buChar char="●"/>
-            </a:pPr>
-            <a:r>
-              <a:rPr lang="en-US" sz="2400" dirty="0">
-                <a:solidFill>
-                  <a:srgbClr val="000000"/>
-                </a:solidFill>
-                <a:ea typeface="DejaVu Sans" pitchFamily="2"/>
-                <a:cs typeface="DejaVu Sans" pitchFamily="2"/>
-              </a:rPr>
-              <a:t>B-tree - default</a:t>
-            </a:r>
-            <a:endParaRPr lang="ru-RU" sz="2400" dirty="0">
-              <a:solidFill>
-                <a:srgbClr val="000000"/>
-              </a:solidFill>
-              <a:ea typeface="DejaVu Sans" pitchFamily="2"/>
-              <a:cs typeface="DejaVu Sans" pitchFamily="2"/>
-            </a:endParaRPr>
-          </a:p>
-          <a:p>
-            <a:pPr lvl="0">
-              <a:lnSpc>
-                <a:spcPct val="80000"/>
-              </a:lnSpc>
-              <a:buClr>
-                <a:srgbClr val="666666"/>
-              </a:buClr>
-              <a:buSzPct val="45000"/>
-              <a:buFont typeface="StarSymbol"/>
-              <a:buChar char="●"/>
-            </a:pPr>
-            <a:r>
-              <a:rPr lang="ru-RU" sz="2400" dirty="0">
-                <a:solidFill>
-                  <a:srgbClr val="000000"/>
-                </a:solidFill>
-                <a:ea typeface="DejaVu Sans" pitchFamily="2"/>
-                <a:cs typeface="DejaVu Sans" pitchFamily="2"/>
-              </a:rPr>
-              <a:t>Первичный и вторичный индексы</a:t>
-            </a:r>
-            <a:r>
-              <a:rPr lang="en-US" sz="2400" dirty="0">
-                <a:solidFill>
-                  <a:srgbClr val="000000"/>
-                </a:solidFill>
-                <a:ea typeface="DejaVu Sans" pitchFamily="2"/>
-                <a:cs typeface="DejaVu Sans" pitchFamily="2"/>
-              </a:rPr>
-              <a:t> </a:t>
-            </a:r>
-            <a:endParaRPr lang="ru-RU" sz="2400" dirty="0">
-              <a:solidFill>
-                <a:srgbClr val="000000"/>
-              </a:solidFill>
-              <a:ea typeface="DejaVu Sans" pitchFamily="2"/>
-              <a:cs typeface="DejaVu Sans" pitchFamily="2"/>
-            </a:endParaRPr>
-          </a:p>
-          <a:p>
-            <a:pPr lvl="1">
-              <a:lnSpc>
-                <a:spcPct val="70000"/>
-              </a:lnSpc>
-              <a:buClr>
-                <a:srgbClr val="666666"/>
-              </a:buClr>
-              <a:buSzPct val="45000"/>
-              <a:buFont typeface="StarSymbol"/>
-              <a:buChar char="●"/>
-            </a:pPr>
-            <a:r>
-              <a:rPr lang="ru-RU" sz="2000" dirty="0">
-                <a:ea typeface="DejaVu Sans" pitchFamily="2"/>
-                <a:cs typeface="DejaVu Sans" pitchFamily="2"/>
-              </a:rPr>
-              <a:t>В </a:t>
-            </a:r>
-            <a:r>
-              <a:rPr lang="en-US" sz="2000" dirty="0" err="1">
-                <a:ea typeface="DejaVu Sans" pitchFamily="2"/>
-                <a:cs typeface="DejaVu Sans" pitchFamily="2"/>
-              </a:rPr>
-              <a:t>postgresql</a:t>
-            </a:r>
-            <a:r>
-              <a:rPr lang="ru-RU" sz="2000" dirty="0">
-                <a:ea typeface="DejaVu Sans" pitchFamily="2"/>
-                <a:cs typeface="DejaVu Sans" pitchFamily="2"/>
-              </a:rPr>
-              <a:t>:</a:t>
-            </a:r>
-          </a:p>
-          <a:p>
-            <a:pPr lvl="2">
-              <a:lnSpc>
-                <a:spcPct val="70000"/>
-              </a:lnSpc>
-              <a:buClr>
-                <a:srgbClr val="666666"/>
-              </a:buClr>
-              <a:buSzPct val="45000"/>
-              <a:buFont typeface="StarSymbol"/>
-              <a:buChar char="●"/>
-            </a:pPr>
-            <a:r>
-              <a:rPr lang="en-US" sz="1800" dirty="0">
-                <a:ea typeface="DejaVu Sans" pitchFamily="2"/>
-                <a:cs typeface="DejaVu Sans" pitchFamily="2"/>
-              </a:rPr>
-              <a:t>Index = </a:t>
-            </a:r>
-            <a:r>
-              <a:rPr lang="ru-RU" sz="1800" dirty="0">
-                <a:ea typeface="DejaVu Sans" pitchFamily="2"/>
-                <a:cs typeface="DejaVu Sans" pitchFamily="2"/>
-              </a:rPr>
-              <a:t>вторичный индекс</a:t>
-            </a:r>
-            <a:br>
-              <a:rPr lang="ru-RU" sz="1800" dirty="0">
-                <a:ea typeface="DejaVu Sans" pitchFamily="2"/>
-                <a:cs typeface="DejaVu Sans" pitchFamily="2"/>
-              </a:rPr>
-            </a:br>
-            <a:endParaRPr lang="ru-RU" sz="1800" dirty="0">
-              <a:ea typeface="DejaVu Sans" pitchFamily="2"/>
-              <a:cs typeface="DejaVu Sans" pitchFamily="2"/>
-            </a:endParaRPr>
-          </a:p>
-          <a:p>
-            <a:pPr lvl="2">
-              <a:lnSpc>
-                <a:spcPct val="70000"/>
-              </a:lnSpc>
-              <a:buClr>
-                <a:srgbClr val="666666"/>
-              </a:buClr>
-              <a:buSzPct val="45000"/>
-              <a:buFont typeface="StarSymbol"/>
-              <a:buChar char="●"/>
-            </a:pPr>
-            <a:r>
-              <a:rPr lang="en-US" sz="1800" dirty="0">
-                <a:ea typeface="DejaVu Sans" pitchFamily="2"/>
-                <a:cs typeface="DejaVu Sans" pitchFamily="2"/>
-              </a:rPr>
-              <a:t>CLUSTER </a:t>
-            </a:r>
-            <a:r>
-              <a:rPr lang="en-US" sz="1800" dirty="0" err="1">
-                <a:ea typeface="DejaVu Sans" pitchFamily="2"/>
-                <a:cs typeface="DejaVu Sans" pitchFamily="2"/>
-              </a:rPr>
-              <a:t>table_name</a:t>
-            </a:r>
-            <a:r>
-              <a:rPr lang="en-US" sz="1800" dirty="0">
-                <a:ea typeface="DejaVu Sans" pitchFamily="2"/>
-                <a:cs typeface="DejaVu Sans" pitchFamily="2"/>
-              </a:rPr>
-              <a:t> [ USING </a:t>
-            </a:r>
-            <a:r>
-              <a:rPr lang="en-US" sz="1800" dirty="0" err="1">
-                <a:ea typeface="DejaVu Sans" pitchFamily="2"/>
-                <a:cs typeface="DejaVu Sans" pitchFamily="2"/>
-              </a:rPr>
-              <a:t>index_name</a:t>
-            </a:r>
-            <a:r>
-              <a:rPr lang="en-US" sz="1800" dirty="0">
-                <a:ea typeface="DejaVu Sans" pitchFamily="2"/>
-                <a:cs typeface="DejaVu Sans" pitchFamily="2"/>
-              </a:rPr>
-              <a:t> ]</a:t>
-            </a:r>
-            <a:r>
-              <a:rPr lang="ru-RU" sz="1800" dirty="0">
-                <a:ea typeface="DejaVu Sans" pitchFamily="2"/>
-                <a:cs typeface="DejaVu Sans" pitchFamily="2"/>
-              </a:rPr>
-              <a:t> = первичный индекс</a:t>
-            </a:r>
-            <a:br>
-              <a:rPr lang="ru-RU" sz="1800" dirty="0">
-                <a:ea typeface="DejaVu Sans" pitchFamily="2"/>
-                <a:cs typeface="DejaVu Sans" pitchFamily="2"/>
-              </a:rPr>
-            </a:br>
-            <a:br>
-              <a:rPr lang="ru-RU" sz="1800" dirty="0">
-                <a:ea typeface="DejaVu Sans" pitchFamily="2"/>
-                <a:cs typeface="DejaVu Sans" pitchFamily="2"/>
-              </a:rPr>
-            </a:br>
-            <a:r>
-              <a:rPr lang="ru-RU" sz="1800" dirty="0">
-                <a:solidFill>
-                  <a:srgbClr val="FF0000"/>
-                </a:solidFill>
-                <a:ea typeface="DejaVu Sans" pitchFamily="2"/>
-                <a:cs typeface="DejaVu Sans" pitchFamily="2"/>
-              </a:rPr>
-              <a:t>Но</a:t>
-            </a:r>
-            <a:r>
-              <a:rPr lang="ru-RU" sz="1800" dirty="0">
-                <a:ea typeface="DejaVu Sans" pitchFamily="2"/>
-                <a:cs typeface="DejaVu Sans" pitchFamily="2"/>
-              </a:rPr>
-              <a:t>: </a:t>
-            </a:r>
-            <a:r>
-              <a:rPr lang="en-US" sz="1800" dirty="0">
-                <a:ea typeface="DejaVu Sans" pitchFamily="2"/>
-                <a:cs typeface="DejaVu Sans" pitchFamily="2"/>
-              </a:rPr>
-              <a:t>cluster - </a:t>
-            </a:r>
-            <a:r>
-              <a:rPr lang="ru-RU" sz="1800" dirty="0">
-                <a:ea typeface="DejaVu Sans" pitchFamily="2"/>
-                <a:cs typeface="DejaVu Sans" pitchFamily="2"/>
-              </a:rPr>
-              <a:t>операция разовая, новые строки не размещаются в соответствии с индексом</a:t>
-            </a:r>
-          </a:p>
-          <a:p>
-            <a:pPr marL="0" indent="0">
-              <a:buNone/>
-            </a:pPr>
-            <a:endParaRPr lang="ru-RU" dirty="0"/>
-          </a:p>
-        </p:txBody>
-      </p:sp>
-      <p:pic>
-        <p:nvPicPr>
-          <p:cNvPr id="4" name="Picture 2" descr="Indexes in PostgreSQL — 4 (Btree) : Postgres Professional">
-            <a:extLst>
-              <a:ext uri="{FF2B5EF4-FFF2-40B4-BE49-F238E27FC236}">
-                <a16:creationId xmlns:a16="http://schemas.microsoft.com/office/drawing/2014/main" id="{B4FB197C-89C7-427A-A667-260A93FDCC5F}"/>
-              </a:ext>
-            </a:extLst>
-          </p:cNvPr>
-          <p:cNvPicPr>
-            <a:picLocks noChangeAspect="1"/>
-          </p:cNvPicPr>
-          <p:nvPr/>
-        </p:nvPicPr>
-        <p:blipFill rotWithShape="1">
-          <a:blip r:embed="rId2"/>
-          <a:srcRect l="14654" t="12280" r="15346" b="11383"/>
-          <a:stretch/>
-        </p:blipFill>
-        <p:spPr>
-          <a:xfrm>
-            <a:off x="5106395" y="2121408"/>
-            <a:ext cx="6913619" cy="3141472"/>
-          </a:xfrm>
-          <a:prstGeom prst="rect">
-            <a:avLst/>
-          </a:prstGeom>
-          <a:noFill/>
-          <a:ln cap="flat">
-            <a:noFill/>
-          </a:ln>
-        </p:spPr>
-      </p:pic>
-    </p:spTree>
-    <p:extLst>
-      <p:ext uri="{BB962C8B-B14F-4D97-AF65-F5344CB8AC3E}">
-        <p14:creationId xmlns:p14="http://schemas.microsoft.com/office/powerpoint/2010/main" val="1446175591"/>
       </p:ext>
     </p:extLst>
   </p:cSld>

--- a/presentation/Workshop.pptx
+++ b/presentation/Workshop.pptx
@@ -5,32 +5,35 @@
     <p:sldMasterId id="2147483744" r:id="rId1"/>
   </p:sldMasterIdLst>
   <p:notesMasterIdLst>
-    <p:notesMasterId r:id="rId25"/>
+    <p:notesMasterId r:id="rId28"/>
   </p:notesMasterIdLst>
   <p:sldIdLst>
     <p:sldId id="256" r:id="rId2"/>
     <p:sldId id="257" r:id="rId3"/>
     <p:sldId id="259" r:id="rId4"/>
     <p:sldId id="260" r:id="rId5"/>
-    <p:sldId id="283" r:id="rId6"/>
-    <p:sldId id="284" r:id="rId7"/>
+    <p:sldId id="286" r:id="rId6"/>
+    <p:sldId id="287" r:id="rId7"/>
     <p:sldId id="262" r:id="rId8"/>
     <p:sldId id="263" r:id="rId9"/>
     <p:sldId id="264" r:id="rId10"/>
     <p:sldId id="285" r:id="rId11"/>
     <p:sldId id="265" r:id="rId12"/>
     <p:sldId id="266" r:id="rId13"/>
-    <p:sldId id="267" r:id="rId14"/>
-    <p:sldId id="281" r:id="rId15"/>
-    <p:sldId id="280" r:id="rId16"/>
+    <p:sldId id="288" r:id="rId14"/>
+    <p:sldId id="280" r:id="rId15"/>
+    <p:sldId id="290" r:id="rId16"/>
     <p:sldId id="268" r:id="rId17"/>
-    <p:sldId id="269" r:id="rId18"/>
-    <p:sldId id="276" r:id="rId19"/>
-    <p:sldId id="270" r:id="rId20"/>
-    <p:sldId id="277" r:id="rId21"/>
-    <p:sldId id="279" r:id="rId22"/>
-    <p:sldId id="278" r:id="rId23"/>
-    <p:sldId id="272" r:id="rId24"/>
+    <p:sldId id="289" r:id="rId18"/>
+    <p:sldId id="267" r:id="rId19"/>
+    <p:sldId id="281" r:id="rId20"/>
+    <p:sldId id="269" r:id="rId21"/>
+    <p:sldId id="276" r:id="rId22"/>
+    <p:sldId id="270" r:id="rId23"/>
+    <p:sldId id="277" r:id="rId24"/>
+    <p:sldId id="279" r:id="rId25"/>
+    <p:sldId id="278" r:id="rId26"/>
+    <p:sldId id="272" r:id="rId27"/>
   </p:sldIdLst>
   <p:sldSz cx="12192000" cy="6858000"/>
   <p:notesSz cx="6858000" cy="9144000"/>
@@ -219,7 +222,7 @@
           <a:p>
             <a:fld id="{14D614CB-68E3-488B-B59E-566D95FF5DEF}" type="datetimeFigureOut">
               <a:rPr lang="ru-RU" smtClean="0"/>
-              <a:t>26.01.2023</a:t>
+              <a:t>03.04.2023</a:t>
             </a:fld>
             <a:endParaRPr lang="ru-RU"/>
           </a:p>
@@ -487,6 +490,90 @@
 </p:notesMaster>
 </file>
 
+<file path=ppt/notesSlides/notesSlide1.xml><?xml version="1.0" encoding="utf-8"?>
+<p:notes xmlns:a="http://schemas.openxmlformats.org/drawingml/2006/main" xmlns:r="http://schemas.openxmlformats.org/officeDocument/2006/relationships" xmlns:p="http://schemas.openxmlformats.org/presentationml/2006/main">
+  <p:cSld>
+    <p:spTree>
+      <p:nvGrpSpPr>
+        <p:cNvPr id="1" name=""/>
+        <p:cNvGrpSpPr/>
+        <p:nvPr/>
+      </p:nvGrpSpPr>
+      <p:grpSpPr>
+        <a:xfrm>
+          <a:off x="0" y="0"/>
+          <a:ext cx="0" cy="0"/>
+          <a:chOff x="0" y="0"/>
+          <a:chExt cx="0" cy="0"/>
+        </a:xfrm>
+      </p:grpSpPr>
+      <p:sp>
+        <p:nvSpPr>
+          <p:cNvPr id="2" name="Slide Image Placeholder 1"/>
+          <p:cNvSpPr>
+            <a:spLocks noGrp="1" noRot="1" noChangeAspect="1"/>
+          </p:cNvSpPr>
+          <p:nvPr>
+            <p:ph type="sldImg"/>
+          </p:nvPr>
+        </p:nvSpPr>
+        <p:spPr/>
+      </p:sp>
+      <p:sp>
+        <p:nvSpPr>
+          <p:cNvPr id="3" name="Notes Placeholder 2"/>
+          <p:cNvSpPr>
+            <a:spLocks noGrp="1"/>
+          </p:cNvSpPr>
+          <p:nvPr>
+            <p:ph type="body" idx="1"/>
+          </p:nvPr>
+        </p:nvSpPr>
+        <p:spPr/>
+        <p:txBody>
+          <a:bodyPr/>
+          <a:lstStyle/>
+          <a:p>
+            <a:endParaRPr lang="ru-RU" dirty="0"/>
+          </a:p>
+        </p:txBody>
+      </p:sp>
+      <p:sp>
+        <p:nvSpPr>
+          <p:cNvPr id="4" name="Slide Number Placeholder 3"/>
+          <p:cNvSpPr>
+            <a:spLocks noGrp="1"/>
+          </p:cNvSpPr>
+          <p:nvPr>
+            <p:ph type="sldNum" sz="quarter" idx="5"/>
+          </p:nvPr>
+        </p:nvSpPr>
+        <p:spPr/>
+        <p:txBody>
+          <a:bodyPr/>
+          <a:lstStyle/>
+          <a:p>
+            <a:fld id="{4390FECD-63D5-4E8D-8073-22D76023750B}" type="slidenum">
+              <a:rPr lang="ru-RU" smtClean="0"/>
+              <a:t>12</a:t>
+            </a:fld>
+            <a:endParaRPr lang="ru-RU"/>
+          </a:p>
+        </p:txBody>
+      </p:sp>
+    </p:spTree>
+    <p:extLst>
+      <p:ext uri="{BB962C8B-B14F-4D97-AF65-F5344CB8AC3E}">
+        <p14:creationId xmlns:p14="http://schemas.microsoft.com/office/powerpoint/2010/main" val="849375239"/>
+      </p:ext>
+    </p:extLst>
+  </p:cSld>
+  <p:clrMapOvr>
+    <a:masterClrMapping/>
+  </p:clrMapOvr>
+</p:notes>
+</file>
+
 <file path=ppt/slideLayouts/slideLayout1.xml><?xml version="1.0" encoding="utf-8"?>
 <p:sldLayout xmlns:a="http://schemas.openxmlformats.org/drawingml/2006/main" xmlns:r="http://schemas.openxmlformats.org/officeDocument/2006/relationships" xmlns:p="http://schemas.openxmlformats.org/presentationml/2006/main" showMasterSp="0" type="title" preserve="1">
   <p:cSld name="Title Slide">
@@ -890,7 +977,7 @@
           <a:p>
             <a:fld id="{7CD77A28-62FA-4A1C-955D-4EB5AA405F1C}" type="datetimeFigureOut">
               <a:rPr lang="ru-RU" smtClean="0"/>
-              <a:t>26.01.2023</a:t>
+              <a:t>03.04.2023</a:t>
             </a:fld>
             <a:endParaRPr lang="ru-RU" dirty="0"/>
           </a:p>
@@ -1069,7 +1156,7 @@
           <a:p>
             <a:fld id="{7CD77A28-62FA-4A1C-955D-4EB5AA405F1C}" type="datetimeFigureOut">
               <a:rPr lang="ru-RU" smtClean="0"/>
-              <a:t>26.01.2023</a:t>
+              <a:t>03.04.2023</a:t>
             </a:fld>
             <a:endParaRPr lang="ru-RU" dirty="0"/>
           </a:p>
@@ -1249,7 +1336,7 @@
           <a:p>
             <a:fld id="{7CD77A28-62FA-4A1C-955D-4EB5AA405F1C}" type="datetimeFigureOut">
               <a:rPr lang="ru-RU" smtClean="0"/>
-              <a:t>26.01.2023</a:t>
+              <a:t>03.04.2023</a:t>
             </a:fld>
             <a:endParaRPr lang="ru-RU" dirty="0"/>
           </a:p>
@@ -1419,7 +1506,7 @@
           <a:p>
             <a:fld id="{7CD77A28-62FA-4A1C-955D-4EB5AA405F1C}" type="datetimeFigureOut">
               <a:rPr lang="ru-RU" smtClean="0"/>
-              <a:t>26.01.2023</a:t>
+              <a:t>03.04.2023</a:t>
             </a:fld>
             <a:endParaRPr lang="ru-RU" dirty="0"/>
           </a:p>
@@ -1732,7 +1819,7 @@
           <a:p>
             <a:fld id="{7CD77A28-62FA-4A1C-955D-4EB5AA405F1C}" type="datetimeFigureOut">
               <a:rPr lang="ru-RU" smtClean="0"/>
-              <a:t>26.01.2023</a:t>
+              <a:t>03.04.2023</a:t>
             </a:fld>
             <a:endParaRPr lang="ru-RU" dirty="0"/>
           </a:p>
@@ -2118,7 +2205,7 @@
           <a:p>
             <a:fld id="{7CD77A28-62FA-4A1C-955D-4EB5AA405F1C}" type="datetimeFigureOut">
               <a:rPr lang="ru-RU" smtClean="0"/>
-              <a:t>26.01.2023</a:t>
+              <a:t>03.04.2023</a:t>
             </a:fld>
             <a:endParaRPr lang="ru-RU" dirty="0"/>
           </a:p>
@@ -2552,7 +2639,7 @@
           <a:p>
             <a:fld id="{7CD77A28-62FA-4A1C-955D-4EB5AA405F1C}" type="datetimeFigureOut">
               <a:rPr lang="ru-RU" smtClean="0"/>
-              <a:t>26.01.2023</a:t>
+              <a:t>03.04.2023</a:t>
             </a:fld>
             <a:endParaRPr lang="ru-RU" dirty="0"/>
           </a:p>
@@ -2670,7 +2757,7 @@
           <a:p>
             <a:fld id="{7CD77A28-62FA-4A1C-955D-4EB5AA405F1C}" type="datetimeFigureOut">
               <a:rPr lang="ru-RU" smtClean="0"/>
-              <a:t>26.01.2023</a:t>
+              <a:t>03.04.2023</a:t>
             </a:fld>
             <a:endParaRPr lang="ru-RU" dirty="0"/>
           </a:p>
@@ -2765,7 +2852,7 @@
           <a:p>
             <a:fld id="{7CD77A28-62FA-4A1C-955D-4EB5AA405F1C}" type="datetimeFigureOut">
               <a:rPr lang="ru-RU" smtClean="0"/>
-              <a:t>26.01.2023</a:t>
+              <a:t>03.04.2023</a:t>
             </a:fld>
             <a:endParaRPr lang="ru-RU" dirty="0"/>
           </a:p>
@@ -3115,7 +3202,7 @@
           <a:p>
             <a:fld id="{7CD77A28-62FA-4A1C-955D-4EB5AA405F1C}" type="datetimeFigureOut">
               <a:rPr lang="ru-RU" smtClean="0"/>
-              <a:t>26.01.2023</a:t>
+              <a:t>03.04.2023</a:t>
             </a:fld>
             <a:endParaRPr lang="ru-RU" dirty="0"/>
           </a:p>
@@ -3539,7 +3626,7 @@
           <a:p>
             <a:fld id="{7CD77A28-62FA-4A1C-955D-4EB5AA405F1C}" type="datetimeFigureOut">
               <a:rPr lang="ru-RU" smtClean="0"/>
-              <a:t>26.01.2023</a:t>
+              <a:t>03.04.2023</a:t>
             </a:fld>
             <a:endParaRPr lang="ru-RU" dirty="0"/>
           </a:p>
@@ -3820,7 +3907,7 @@
           <a:p>
             <a:fld id="{7CD77A28-62FA-4A1C-955D-4EB5AA405F1C}" type="datetimeFigureOut">
               <a:rPr lang="ru-RU" smtClean="0"/>
-              <a:t>26.01.2023</a:t>
+              <a:t>03.04.2023</a:t>
             </a:fld>
             <a:endParaRPr lang="ru-RU" dirty="0"/>
           </a:p>
@@ -4539,7 +4626,7 @@
         </p:nvSpPr>
         <p:spPr>
           <a:xfrm>
-            <a:off x="1066800" y="1909651"/>
+            <a:off x="68425" y="1960969"/>
             <a:ext cx="10058400" cy="4050792"/>
           </a:xfrm>
         </p:spPr>
@@ -4558,40 +4645,40 @@
               <a:buChar char="●"/>
             </a:pPr>
             <a:r>
-              <a:rPr lang="ru-RU" sz="2400" dirty="0">
+              <a:rPr lang="ru-RU" sz="2000" dirty="0">
                 <a:ea typeface="DejaVu Sans" pitchFamily="2"/>
                 <a:cs typeface="DejaVu Sans" pitchFamily="2"/>
               </a:rPr>
               <a:t>После большой порции изменений выполняем: </a:t>
             </a:r>
             <a:br>
-              <a:rPr lang="en-US" sz="2400" dirty="0">
+              <a:rPr lang="en-US" sz="2000" dirty="0">
                 <a:ea typeface="DejaVu Sans" pitchFamily="2"/>
                 <a:cs typeface="DejaVu Sans" pitchFamily="2"/>
               </a:rPr>
             </a:br>
             <a:r>
-              <a:rPr lang="en-US" sz="2400" b="1" dirty="0" err="1">
+              <a:rPr lang="en-US" sz="2000" b="1" dirty="0" err="1">
                 <a:ea typeface="DejaVu Sans" pitchFamily="2"/>
                 <a:cs typeface="DejaVu Sans" pitchFamily="2"/>
               </a:rPr>
               <a:t>analyse</a:t>
             </a:r>
             <a:r>
-              <a:rPr lang="ru-RU" sz="2400" b="1" dirty="0">
+              <a:rPr lang="ru-RU" sz="2000" b="1" dirty="0">
                 <a:ea typeface="DejaVu Sans" pitchFamily="2"/>
                 <a:cs typeface="DejaVu Sans" pitchFamily="2"/>
               </a:rPr>
               <a:t> </a:t>
             </a:r>
             <a:r>
-              <a:rPr lang="ru-RU" sz="2400" dirty="0">
+              <a:rPr lang="ru-RU" sz="2000" dirty="0">
                 <a:ea typeface="DejaVu Sans" pitchFamily="2"/>
                 <a:cs typeface="DejaVu Sans" pitchFamily="2"/>
               </a:rPr>
               <a:t>– сбор статистики по таблицам</a:t>
             </a:r>
-            <a:endParaRPr lang="en-US" sz="2400" dirty="0">
+            <a:endParaRPr lang="en-US" sz="2000" dirty="0">
               <a:ea typeface="DejaVu Sans" pitchFamily="2"/>
               <a:cs typeface="DejaVu Sans" pitchFamily="2"/>
             </a:endParaRPr>
@@ -4605,12 +4692,12 @@
               <a:buNone/>
             </a:pPr>
             <a:br>
-              <a:rPr lang="en-US" sz="2400" b="1" dirty="0">
+              <a:rPr lang="en-US" sz="2000" b="1" dirty="0">
                 <a:ea typeface="DejaVu Sans" pitchFamily="2"/>
                 <a:cs typeface="DejaVu Sans" pitchFamily="2"/>
               </a:rPr>
             </a:br>
-            <a:endParaRPr lang="ru-RU" sz="2400" b="1" dirty="0">
+            <a:endParaRPr lang="ru-RU" sz="2000" b="1" dirty="0">
               <a:ea typeface="DejaVu Sans" pitchFamily="2"/>
               <a:cs typeface="DejaVu Sans" pitchFamily="2"/>
             </a:endParaRPr>
@@ -4623,7 +4710,33 @@
               <a:buSzPct val="45000"/>
               <a:buNone/>
             </a:pPr>
-            <a:endParaRPr lang="en-US" sz="2400" dirty="0">
+            <a:endParaRPr lang="en-US" sz="2000" dirty="0">
+              <a:ea typeface="DejaVu Sans" pitchFamily="2"/>
+              <a:cs typeface="DejaVu Sans" pitchFamily="2"/>
+            </a:endParaRPr>
+          </a:p>
+          <a:p>
+            <a:pPr marL="274320" lvl="1" indent="0">
+              <a:buClr>
+                <a:srgbClr val="666666"/>
+              </a:buClr>
+              <a:buSzPct val="45000"/>
+              <a:buNone/>
+            </a:pPr>
+            <a:endParaRPr lang="en-US" sz="2000" dirty="0">
+              <a:ea typeface="DejaVu Sans" pitchFamily="2"/>
+              <a:cs typeface="DejaVu Sans" pitchFamily="2"/>
+            </a:endParaRPr>
+          </a:p>
+          <a:p>
+            <a:pPr marL="274320" lvl="1" indent="0">
+              <a:buClr>
+                <a:srgbClr val="666666"/>
+              </a:buClr>
+              <a:buSzPct val="45000"/>
+              <a:buNone/>
+            </a:pPr>
+            <a:endParaRPr lang="en-US" sz="2000" dirty="0">
               <a:ea typeface="DejaVu Sans" pitchFamily="2"/>
               <a:cs typeface="DejaVu Sans" pitchFamily="2"/>
             </a:endParaRPr>
@@ -4637,75 +4750,61 @@
               <a:buFont typeface="StarSymbol"/>
               <a:buChar char="●"/>
             </a:pPr>
-            <a:endParaRPr lang="en-US" sz="2400" dirty="0">
+            <a:r>
+              <a:rPr lang="ru-RU" sz="2000" dirty="0">
+                <a:ea typeface="DejaVu Sans" pitchFamily="2"/>
+                <a:cs typeface="DejaVu Sans" pitchFamily="2"/>
+              </a:rPr>
+              <a:t>После большого количества операций удалений/</a:t>
+            </a:r>
+            <a:r>
+              <a:rPr lang="ru-RU" sz="2000" dirty="0" err="1">
+                <a:ea typeface="DejaVu Sans" pitchFamily="2"/>
+                <a:cs typeface="DejaVu Sans" pitchFamily="2"/>
+              </a:rPr>
+              <a:t>апдейтов</a:t>
+            </a:r>
+            <a:r>
+              <a:rPr lang="ru-RU" sz="2000" dirty="0">
+                <a:ea typeface="DejaVu Sans" pitchFamily="2"/>
+                <a:cs typeface="DejaVu Sans" pitchFamily="2"/>
+              </a:rPr>
+              <a:t> выполняем:</a:t>
+            </a:r>
+            <a:br>
+              <a:rPr lang="en-US" sz="2000" dirty="0">
+                <a:ea typeface="DejaVu Sans" pitchFamily="2"/>
+                <a:cs typeface="DejaVu Sans" pitchFamily="2"/>
+              </a:rPr>
+            </a:br>
+            <a:r>
+              <a:rPr lang="ru-RU" sz="2000" b="1" dirty="0" err="1">
+                <a:ea typeface="DejaVu Sans" pitchFamily="2"/>
+                <a:cs typeface="DejaVu Sans" pitchFamily="2"/>
+              </a:rPr>
+              <a:t>vacuum</a:t>
+            </a:r>
+            <a:r>
+              <a:rPr lang="ru-RU" sz="2000" b="1" dirty="0">
+                <a:ea typeface="DejaVu Sans" pitchFamily="2"/>
+                <a:cs typeface="DejaVu Sans" pitchFamily="2"/>
+              </a:rPr>
+              <a:t> </a:t>
+            </a:r>
+            <a:r>
+              <a:rPr lang="ru-RU" sz="2000" dirty="0">
+                <a:ea typeface="DejaVu Sans" pitchFamily="2"/>
+                <a:cs typeface="DejaVu Sans" pitchFamily="2"/>
+              </a:rPr>
+              <a:t>– удаление промежуточных файлов</a:t>
+            </a:r>
+            <a:endParaRPr lang="en-US" sz="2000" dirty="0">
               <a:ea typeface="DejaVu Sans" pitchFamily="2"/>
               <a:cs typeface="DejaVu Sans" pitchFamily="2"/>
             </a:endParaRPr>
           </a:p>
           <a:p>
-            <a:pPr lvl="1">
-              <a:buClr>
-                <a:srgbClr val="666666"/>
-              </a:buClr>
-              <a:buSzPct val="45000"/>
-              <a:buFont typeface="StarSymbol"/>
-              <a:buChar char="●"/>
-            </a:pPr>
-            <a:r>
-              <a:rPr lang="ru-RU" sz="2400" dirty="0">
-                <a:ea typeface="DejaVu Sans" pitchFamily="2"/>
-                <a:cs typeface="DejaVu Sans" pitchFamily="2"/>
-              </a:rPr>
-              <a:t>После большого количества операций удалений/</a:t>
-            </a:r>
-            <a:r>
-              <a:rPr lang="ru-RU" sz="2400" dirty="0" err="1">
-                <a:ea typeface="DejaVu Sans" pitchFamily="2"/>
-                <a:cs typeface="DejaVu Sans" pitchFamily="2"/>
-              </a:rPr>
-              <a:t>апдейтов</a:t>
-            </a:r>
-            <a:r>
-              <a:rPr lang="ru-RU" sz="2400" dirty="0">
-                <a:ea typeface="DejaVu Sans" pitchFamily="2"/>
-                <a:cs typeface="DejaVu Sans" pitchFamily="2"/>
-              </a:rPr>
-              <a:t> выполняем:</a:t>
-            </a:r>
-            <a:br>
-              <a:rPr lang="en-US" sz="2400" dirty="0">
-                <a:ea typeface="DejaVu Sans" pitchFamily="2"/>
-                <a:cs typeface="DejaVu Sans" pitchFamily="2"/>
-              </a:rPr>
-            </a:br>
-            <a:r>
-              <a:rPr lang="ru-RU" sz="2400" b="1" dirty="0" err="1">
-                <a:ea typeface="DejaVu Sans" pitchFamily="2"/>
-                <a:cs typeface="DejaVu Sans" pitchFamily="2"/>
-              </a:rPr>
-              <a:t>vacuum</a:t>
-            </a:r>
-            <a:r>
-              <a:rPr lang="ru-RU" sz="2400" b="1" dirty="0">
-                <a:ea typeface="DejaVu Sans" pitchFamily="2"/>
-                <a:cs typeface="DejaVu Sans" pitchFamily="2"/>
-              </a:rPr>
-              <a:t> </a:t>
-            </a:r>
-            <a:r>
-              <a:rPr lang="ru-RU" sz="2400" dirty="0">
-                <a:ea typeface="DejaVu Sans" pitchFamily="2"/>
-                <a:cs typeface="DejaVu Sans" pitchFamily="2"/>
-              </a:rPr>
-              <a:t>– удаление промежуточных файлов</a:t>
-            </a:r>
-            <a:endParaRPr lang="en-US" sz="2400" dirty="0">
-              <a:ea typeface="DejaVu Sans" pitchFamily="2"/>
-              <a:cs typeface="DejaVu Sans" pitchFamily="2"/>
-            </a:endParaRPr>
-          </a:p>
-          <a:p>
-            <a:endParaRPr lang="ru-RU" sz="2800" dirty="0"/>
+            <a:endParaRPr lang="ru-RU" sz="2400" dirty="0"/>
           </a:p>
         </p:txBody>
       </p:sp>
@@ -4725,7 +4824,7 @@
         </p:nvSpPr>
         <p:spPr bwMode="auto">
           <a:xfrm>
-            <a:off x="320040" y="5314112"/>
+            <a:off x="483326" y="5057521"/>
             <a:ext cx="11952311" cy="646331"/>
           </a:xfrm>
           <a:prstGeom prst="rect">
@@ -4796,7 +4895,7 @@
                   <a:noFill/>
                 </a:ln>
                 <a:solidFill>
-                  <a:srgbClr val="000000"/>
+                  <a:srgbClr val="0070C0"/>
                 </a:solidFill>
                 <a:effectLst/>
                 <a:latin typeface="Courier New" panose="02070309020205020404" pitchFamily="49" charset="0"/>
@@ -4810,7 +4909,7 @@
                   <a:noFill/>
                 </a:ln>
                 <a:solidFill>
-                  <a:srgbClr val="000000"/>
+                  <a:srgbClr val="0070C0"/>
                 </a:solidFill>
                 <a:effectLst/>
                 <a:latin typeface="Courier New" panose="02070309020205020404" pitchFamily="49" charset="0"/>
@@ -4823,7 +4922,7 @@
                   <a:noFill/>
                 </a:ln>
                 <a:solidFill>
-                  <a:srgbClr val="000000"/>
+                  <a:srgbClr val="0070C0"/>
                 </a:solidFill>
                 <a:effectLst/>
                 <a:latin typeface="Courier New" panose="02070309020205020404" pitchFamily="49" charset="0"/>
@@ -4837,7 +4936,7 @@
                   <a:noFill/>
                 </a:ln>
                 <a:solidFill>
-                  <a:srgbClr val="000000"/>
+                  <a:srgbClr val="0070C0"/>
                 </a:solidFill>
                 <a:effectLst/>
                 <a:latin typeface="Courier New" panose="02070309020205020404" pitchFamily="49" charset="0"/>
@@ -4851,7 +4950,7 @@
                   <a:noFill/>
                 </a:ln>
                 <a:solidFill>
-                  <a:srgbClr val="000000"/>
+                  <a:srgbClr val="0070C0"/>
                 </a:solidFill>
                 <a:effectLst/>
                 <a:latin typeface="Courier New" panose="02070309020205020404" pitchFamily="49" charset="0"/>
@@ -4865,7 +4964,7 @@
                   <a:noFill/>
                 </a:ln>
                 <a:solidFill>
-                  <a:srgbClr val="000000"/>
+                  <a:srgbClr val="0070C0"/>
                 </a:solidFill>
                 <a:effectLst/>
                 <a:latin typeface="Courier New" panose="02070309020205020404" pitchFamily="49" charset="0"/>
@@ -4879,7 +4978,7 @@
                   <a:noFill/>
                 </a:ln>
                 <a:solidFill>
-                  <a:srgbClr val="000000"/>
+                  <a:srgbClr val="0070C0"/>
                 </a:solidFill>
                 <a:effectLst/>
                 <a:latin typeface="Courier New" panose="02070309020205020404" pitchFamily="49" charset="0"/>
@@ -4893,7 +4992,7 @@
                   <a:noFill/>
                 </a:ln>
                 <a:solidFill>
-                  <a:schemeClr val="tx1"/>
+                  <a:srgbClr val="0070C0"/>
                 </a:solidFill>
                 <a:effectLst/>
               </a:rPr>
@@ -4904,7 +5003,7 @@
                 <a:noFill/>
               </a:ln>
               <a:solidFill>
-                <a:schemeClr val="tx1"/>
+                <a:srgbClr val="0070C0"/>
               </a:solidFill>
               <a:effectLst/>
               <a:latin typeface="Arial" panose="020B0604020202020204" pitchFamily="34" charset="0"/>
@@ -4928,7 +5027,7 @@
         </p:nvSpPr>
         <p:spPr bwMode="auto">
           <a:xfrm>
-            <a:off x="320040" y="2782669"/>
+            <a:off x="483326" y="2782669"/>
             <a:ext cx="8919429" cy="646331"/>
           </a:xfrm>
           <a:prstGeom prst="rect">
@@ -4988,7 +5087,7 @@
             <a:r>
               <a:rPr lang="ru-RU" altLang="ru-RU" b="1" dirty="0">
                 <a:solidFill>
-                  <a:srgbClr val="000000"/>
+                  <a:srgbClr val="0070C0"/>
                 </a:solidFill>
                 <a:latin typeface="Courier New" panose="02070309020205020404" pitchFamily="49" charset="0"/>
                 <a:cs typeface="Courier New" panose="02070309020205020404" pitchFamily="49" charset="0"/>
@@ -5000,7 +5099,7 @@
                 <a:noFill/>
               </a:ln>
               <a:solidFill>
-                <a:srgbClr val="000000"/>
+                <a:srgbClr val="0070C0"/>
               </a:solidFill>
               <a:effectLst/>
               <a:latin typeface="Courier New" panose="02070309020205020404" pitchFamily="49" charset="0"/>
@@ -5030,7 +5129,7 @@
                   <a:noFill/>
                 </a:ln>
                 <a:solidFill>
-                  <a:srgbClr val="000000"/>
+                  <a:srgbClr val="0070C0"/>
                 </a:solidFill>
                 <a:effectLst/>
                 <a:latin typeface="Courier New" panose="02070309020205020404" pitchFamily="49" charset="0"/>
@@ -5044,7 +5143,7 @@
                   <a:noFill/>
                 </a:ln>
                 <a:solidFill>
-                  <a:srgbClr val="000000"/>
+                  <a:srgbClr val="0070C0"/>
                 </a:solidFill>
                 <a:effectLst/>
                 <a:latin typeface="Courier New" panose="02070309020205020404" pitchFamily="49" charset="0"/>
@@ -5058,7 +5157,7 @@
                   <a:noFill/>
                 </a:ln>
                 <a:solidFill>
-                  <a:srgbClr val="000000"/>
+                  <a:srgbClr val="0070C0"/>
                 </a:solidFill>
                 <a:effectLst/>
                 <a:latin typeface="Courier New" panose="02070309020205020404" pitchFamily="49" charset="0"/>
@@ -5072,7 +5171,7 @@
                   <a:noFill/>
                 </a:ln>
                 <a:solidFill>
-                  <a:srgbClr val="000000"/>
+                  <a:srgbClr val="0070C0"/>
                 </a:solidFill>
                 <a:effectLst/>
                 <a:latin typeface="Courier New" panose="02070309020205020404" pitchFamily="49" charset="0"/>
@@ -5086,7 +5185,7 @@
                   <a:noFill/>
                 </a:ln>
                 <a:solidFill>
-                  <a:srgbClr val="000000"/>
+                  <a:srgbClr val="0070C0"/>
                 </a:solidFill>
                 <a:effectLst/>
                 <a:latin typeface="Courier New" panose="02070309020205020404" pitchFamily="49" charset="0"/>
@@ -5100,7 +5199,7 @@
                   <a:noFill/>
                 </a:ln>
                 <a:solidFill>
-                  <a:schemeClr val="tx1"/>
+                  <a:srgbClr val="0070C0"/>
                 </a:solidFill>
                 <a:effectLst/>
               </a:rPr>
@@ -5111,7 +5210,7 @@
                 <a:noFill/>
               </a:ln>
               <a:solidFill>
-                <a:schemeClr val="tx1"/>
+                <a:srgbClr val="0070C0"/>
               </a:solidFill>
               <a:effectLst/>
               <a:latin typeface="Arial" panose="020B0604020202020204" pitchFamily="34" charset="0"/>
@@ -5597,7 +5696,35 @@
                 <a:ea typeface="DejaVu Sans" pitchFamily="2"/>
                 <a:cs typeface="DejaVu Sans" pitchFamily="2"/>
               </a:rPr>
-              <a:t>Блок 1: Использование индексов</a:t>
+              <a:t>Блок 1: </a:t>
+            </a:r>
+            <a:r>
+              <a:rPr lang="en-US" sz="2000" dirty="0" err="1">
+                <a:ea typeface="DejaVu Sans" pitchFamily="2"/>
+                <a:cs typeface="DejaVu Sans" pitchFamily="2"/>
+              </a:rPr>
+              <a:t>Использование</a:t>
+            </a:r>
+            <a:r>
+              <a:rPr lang="en-US" sz="2000" dirty="0">
+                <a:ea typeface="DejaVu Sans" pitchFamily="2"/>
+                <a:cs typeface="DejaVu Sans" pitchFamily="2"/>
+              </a:rPr>
+              <a:t> </a:t>
+            </a:r>
+            <a:r>
+              <a:rPr lang="en-US" sz="2000" dirty="0" err="1">
+                <a:ea typeface="DejaVu Sans" pitchFamily="2"/>
+                <a:cs typeface="DejaVu Sans" pitchFamily="2"/>
+              </a:rPr>
+              <a:t>индексов</a:t>
+            </a:r>
+            <a:r>
+              <a:rPr lang="ru-RU" sz="2000" dirty="0">
+                <a:ea typeface="DejaVu Sans" pitchFamily="2"/>
+                <a:cs typeface="DejaVu Sans" pitchFamily="2"/>
+              </a:rPr>
+              <a:t>: синтаксис</a:t>
             </a:r>
             <a:endParaRPr lang="ru-RU" dirty="0"/>
           </a:p>
@@ -5605,10 +5732,568 @@
       </p:sp>
       <p:sp>
         <p:nvSpPr>
-          <p:cNvPr id="3" name="Content Placeholder 2">
+          <p:cNvPr id="6" name="Rectangle 1">
             <a:extLst>
               <a:ext uri="{FF2B5EF4-FFF2-40B4-BE49-F238E27FC236}">
-                <a16:creationId xmlns:a16="http://schemas.microsoft.com/office/drawing/2014/main" id="{8809FAF1-E811-4E05-86C5-727A3A04757A}"/>
+                <a16:creationId xmlns:a16="http://schemas.microsoft.com/office/drawing/2014/main" id="{577100B1-55EB-41C3-8B5E-2D293FD457BF}"/>
+              </a:ext>
+            </a:extLst>
+          </p:cNvPr>
+          <p:cNvSpPr>
+            <a:spLocks noChangeArrowheads="1"/>
+          </p:cNvSpPr>
+          <p:nvPr/>
+        </p:nvSpPr>
+        <p:spPr bwMode="auto">
+          <a:xfrm>
+            <a:off x="1063752" y="2000261"/>
+            <a:ext cx="8991564" cy="1600438"/>
+          </a:xfrm>
+          <a:prstGeom prst="rect">
+            <a:avLst/>
+          </a:prstGeom>
+          <a:noFill/>
+          <a:ln>
+            <a:noFill/>
+          </a:ln>
+          <a:effectLst/>
+          <a:extLst>
+            <a:ext uri="{909E8E84-426E-40DD-AFC4-6F175D3DCCD1}">
+              <a14:hiddenFill xmlns:a14="http://schemas.microsoft.com/office/drawing/2010/main">
+                <a:solidFill>
+                  <a:schemeClr val="accent1"/>
+                </a:solidFill>
+              </a14:hiddenFill>
+            </a:ext>
+            <a:ext uri="{91240B29-F687-4F45-9708-019B960494DF}">
+              <a14:hiddenLine xmlns:a14="http://schemas.microsoft.com/office/drawing/2010/main" w="9525">
+                <a:solidFill>
+                  <a:schemeClr val="tx1"/>
+                </a:solidFill>
+                <a:miter lim="800000"/>
+                <a:headEnd/>
+                <a:tailEnd/>
+              </a14:hiddenLine>
+            </a:ext>
+            <a:ext uri="{AF507438-7753-43E0-B8FC-AC1667EBCBE1}">
+              <a14:hiddenEffects xmlns:a14="http://schemas.microsoft.com/office/drawing/2010/main">
+                <a:effectLst>
+                  <a:outerShdw dist="35921" dir="2700000" algn="ctr" rotWithShape="0">
+                    <a:schemeClr val="bg2"/>
+                  </a:outerShdw>
+                </a:effectLst>
+              </a14:hiddenEffects>
+            </a:ext>
+          </a:extLst>
+        </p:spPr>
+        <p:txBody>
+          <a:bodyPr vert="horz" wrap="none" lIns="91440" tIns="45720" rIns="91440" bIns="45720" numCol="1" anchor="ctr" anchorCtr="0" compatLnSpc="1">
+            <a:prstTxWarp prst="textNoShape">
+              <a:avLst/>
+            </a:prstTxWarp>
+            <a:spAutoFit/>
+          </a:bodyPr>
+          <a:lstStyle/>
+          <a:p>
+            <a:pPr marL="0" marR="0" lvl="0" indent="0" algn="l" defTabSz="914400" rtl="0" eaLnBrk="0" fontAlgn="base" latinLnBrk="0" hangingPunct="0">
+              <a:lnSpc>
+                <a:spcPct val="100000"/>
+              </a:lnSpc>
+              <a:spcBef>
+                <a:spcPct val="0"/>
+              </a:spcBef>
+              <a:spcAft>
+                <a:spcPct val="0"/>
+              </a:spcAft>
+              <a:buClrTx/>
+              <a:buSzTx/>
+              <a:buFontTx/>
+              <a:buNone/>
+              <a:tabLst/>
+            </a:pPr>
+            <a:r>
+              <a:rPr kumimoji="0" lang="ru-RU" altLang="ru-RU" sz="1400" b="0" i="0" u="none" strike="noStrike" cap="none" normalizeH="0" baseline="0" dirty="0">
+                <a:ln>
+                  <a:noFill/>
+                </a:ln>
+                <a:solidFill>
+                  <a:srgbClr val="0070C0"/>
+                </a:solidFill>
+                <a:effectLst/>
+                <a:latin typeface="Courier New" panose="02070309020205020404" pitchFamily="49" charset="0"/>
+              </a:rPr>
+              <a:t>CREATE [ UNIQUE ] INDEX [ CONCURRENTLY ] [ [ IF NOT EXISTS ] </a:t>
+            </a:r>
+            <a:r>
+              <a:rPr kumimoji="0" lang="ru-RU" altLang="ru-RU" sz="1400" b="1" i="1" u="none" strike="noStrike" cap="none" normalizeH="0" baseline="0" dirty="0">
+                <a:ln>
+                  <a:noFill/>
+                </a:ln>
+                <a:solidFill>
+                  <a:srgbClr val="0070C0"/>
+                </a:solidFill>
+                <a:effectLst/>
+                <a:latin typeface="Courier New" panose="02070309020205020404" pitchFamily="49" charset="0"/>
+              </a:rPr>
+              <a:t>имя</a:t>
+            </a:r>
+            <a:r>
+              <a:rPr kumimoji="0" lang="ru-RU" altLang="ru-RU" sz="1400" b="0" i="0" u="none" strike="noStrike" cap="none" normalizeH="0" baseline="0" dirty="0">
+                <a:ln>
+                  <a:noFill/>
+                </a:ln>
+                <a:solidFill>
+                  <a:srgbClr val="0070C0"/>
+                </a:solidFill>
+                <a:effectLst/>
+                <a:latin typeface="Courier New" panose="02070309020205020404" pitchFamily="49" charset="0"/>
+              </a:rPr>
+              <a:t> ] ON [ ONLY ] </a:t>
+            </a:r>
+          </a:p>
+          <a:p>
+            <a:pPr marL="0" marR="0" lvl="0" indent="0" algn="l" defTabSz="914400" rtl="0" eaLnBrk="0" fontAlgn="base" latinLnBrk="0" hangingPunct="0">
+              <a:lnSpc>
+                <a:spcPct val="100000"/>
+              </a:lnSpc>
+              <a:spcBef>
+                <a:spcPct val="0"/>
+              </a:spcBef>
+              <a:spcAft>
+                <a:spcPct val="0"/>
+              </a:spcAft>
+              <a:buClrTx/>
+              <a:buSzTx/>
+              <a:buFontTx/>
+              <a:buNone/>
+              <a:tabLst/>
+            </a:pPr>
+            <a:r>
+              <a:rPr kumimoji="0" lang="ru-RU" altLang="ru-RU" sz="1400" b="1" i="1" u="none" strike="noStrike" cap="none" normalizeH="0" baseline="0" dirty="0" err="1">
+                <a:ln>
+                  <a:noFill/>
+                </a:ln>
+                <a:solidFill>
+                  <a:srgbClr val="0070C0"/>
+                </a:solidFill>
+                <a:effectLst/>
+                <a:latin typeface="Courier New" panose="02070309020205020404" pitchFamily="49" charset="0"/>
+              </a:rPr>
+              <a:t>имя_таблицы</a:t>
+            </a:r>
+            <a:r>
+              <a:rPr kumimoji="0" lang="ru-RU" altLang="ru-RU" sz="1400" b="0" i="0" u="none" strike="noStrike" cap="none" normalizeH="0" baseline="0" dirty="0">
+                <a:ln>
+                  <a:noFill/>
+                </a:ln>
+                <a:solidFill>
+                  <a:srgbClr val="0070C0"/>
+                </a:solidFill>
+                <a:effectLst/>
+                <a:latin typeface="Courier New" panose="02070309020205020404" pitchFamily="49" charset="0"/>
+              </a:rPr>
+              <a:t> [ USING </a:t>
+            </a:r>
+            <a:r>
+              <a:rPr kumimoji="0" lang="ru-RU" altLang="ru-RU" sz="1400" b="1" i="1" u="none" strike="noStrike" cap="none" normalizeH="0" baseline="0" dirty="0">
+                <a:ln>
+                  <a:noFill/>
+                </a:ln>
+                <a:solidFill>
+                  <a:srgbClr val="0070C0"/>
+                </a:solidFill>
+                <a:effectLst/>
+                <a:latin typeface="Courier New" panose="02070309020205020404" pitchFamily="49" charset="0"/>
+              </a:rPr>
+              <a:t>метод</a:t>
+            </a:r>
+            <a:r>
+              <a:rPr kumimoji="0" lang="ru-RU" altLang="ru-RU" sz="1400" b="0" i="0" u="none" strike="noStrike" cap="none" normalizeH="0" baseline="0" dirty="0">
+                <a:ln>
+                  <a:noFill/>
+                </a:ln>
+                <a:solidFill>
+                  <a:srgbClr val="0070C0"/>
+                </a:solidFill>
+                <a:effectLst/>
+                <a:latin typeface="Courier New" panose="02070309020205020404" pitchFamily="49" charset="0"/>
+              </a:rPr>
+              <a:t> ] ( { </a:t>
+            </a:r>
+            <a:r>
+              <a:rPr kumimoji="0" lang="ru-RU" altLang="ru-RU" sz="1400" b="1" i="1" u="none" strike="noStrike" cap="none" normalizeH="0" baseline="0" dirty="0" err="1">
+                <a:ln>
+                  <a:noFill/>
+                </a:ln>
+                <a:solidFill>
+                  <a:srgbClr val="0070C0"/>
+                </a:solidFill>
+                <a:effectLst/>
+                <a:latin typeface="Courier New" panose="02070309020205020404" pitchFamily="49" charset="0"/>
+              </a:rPr>
+              <a:t>имя_столбца</a:t>
+            </a:r>
+            <a:r>
+              <a:rPr kumimoji="0" lang="ru-RU" altLang="ru-RU" sz="1400" b="0" i="0" u="none" strike="noStrike" cap="none" normalizeH="0" baseline="0" dirty="0">
+                <a:ln>
+                  <a:noFill/>
+                </a:ln>
+                <a:solidFill>
+                  <a:srgbClr val="0070C0"/>
+                </a:solidFill>
+                <a:effectLst/>
+                <a:latin typeface="Courier New" panose="02070309020205020404" pitchFamily="49" charset="0"/>
+              </a:rPr>
+              <a:t> | ( </a:t>
+            </a:r>
+            <a:r>
+              <a:rPr kumimoji="0" lang="ru-RU" altLang="ru-RU" sz="1400" b="1" i="1" u="none" strike="noStrike" cap="none" normalizeH="0" baseline="0" dirty="0">
+                <a:ln>
+                  <a:noFill/>
+                </a:ln>
+                <a:solidFill>
+                  <a:srgbClr val="0070C0"/>
+                </a:solidFill>
+                <a:effectLst/>
+                <a:latin typeface="Courier New" panose="02070309020205020404" pitchFamily="49" charset="0"/>
+              </a:rPr>
+              <a:t>выражение</a:t>
+            </a:r>
+            <a:r>
+              <a:rPr kumimoji="0" lang="ru-RU" altLang="ru-RU" sz="1400" b="0" i="0" u="none" strike="noStrike" cap="none" normalizeH="0" baseline="0" dirty="0">
+                <a:ln>
+                  <a:noFill/>
+                </a:ln>
+                <a:solidFill>
+                  <a:srgbClr val="0070C0"/>
+                </a:solidFill>
+                <a:effectLst/>
+                <a:latin typeface="Courier New" panose="02070309020205020404" pitchFamily="49" charset="0"/>
+              </a:rPr>
+              <a:t> ) } </a:t>
+            </a:r>
+          </a:p>
+          <a:p>
+            <a:pPr marL="0" marR="0" lvl="0" indent="0" algn="l" defTabSz="914400" rtl="0" eaLnBrk="0" fontAlgn="base" latinLnBrk="0" hangingPunct="0">
+              <a:lnSpc>
+                <a:spcPct val="100000"/>
+              </a:lnSpc>
+              <a:spcBef>
+                <a:spcPct val="0"/>
+              </a:spcBef>
+              <a:spcAft>
+                <a:spcPct val="0"/>
+              </a:spcAft>
+              <a:buClrTx/>
+              <a:buSzTx/>
+              <a:buFontTx/>
+              <a:buNone/>
+              <a:tabLst/>
+            </a:pPr>
+            <a:r>
+              <a:rPr kumimoji="0" lang="ru-RU" altLang="ru-RU" sz="1400" b="0" i="0" u="none" strike="noStrike" cap="none" normalizeH="0" baseline="0" dirty="0">
+                <a:ln>
+                  <a:noFill/>
+                </a:ln>
+                <a:solidFill>
+                  <a:srgbClr val="0070C0"/>
+                </a:solidFill>
+                <a:effectLst/>
+                <a:latin typeface="Courier New" panose="02070309020205020404" pitchFamily="49" charset="0"/>
+              </a:rPr>
+              <a:t>[ COLLATE </a:t>
+            </a:r>
+            <a:r>
+              <a:rPr kumimoji="0" lang="ru-RU" altLang="ru-RU" sz="1400" b="1" i="1" u="none" strike="noStrike" cap="none" normalizeH="0" baseline="0" dirty="0" err="1">
+                <a:ln>
+                  <a:noFill/>
+                </a:ln>
+                <a:solidFill>
+                  <a:srgbClr val="0070C0"/>
+                </a:solidFill>
+                <a:effectLst/>
+                <a:latin typeface="Courier New" panose="02070309020205020404" pitchFamily="49" charset="0"/>
+              </a:rPr>
+              <a:t>правило_сортировки</a:t>
+            </a:r>
+            <a:r>
+              <a:rPr kumimoji="0" lang="ru-RU" altLang="ru-RU" sz="1400" b="0" i="0" u="none" strike="noStrike" cap="none" normalizeH="0" baseline="0" dirty="0">
+                <a:ln>
+                  <a:noFill/>
+                </a:ln>
+                <a:solidFill>
+                  <a:srgbClr val="0070C0"/>
+                </a:solidFill>
+                <a:effectLst/>
+                <a:latin typeface="Courier New" panose="02070309020205020404" pitchFamily="49" charset="0"/>
+              </a:rPr>
+              <a:t> ] [ ASC | DESC ][ NULLS { FIRST | LAST } ] [, ...] ) </a:t>
+            </a:r>
+          </a:p>
+          <a:p>
+            <a:pPr marL="0" marR="0" lvl="0" indent="0" algn="l" defTabSz="914400" rtl="0" eaLnBrk="0" fontAlgn="base" latinLnBrk="0" hangingPunct="0">
+              <a:lnSpc>
+                <a:spcPct val="100000"/>
+              </a:lnSpc>
+              <a:spcBef>
+                <a:spcPct val="0"/>
+              </a:spcBef>
+              <a:spcAft>
+                <a:spcPct val="0"/>
+              </a:spcAft>
+              <a:buClrTx/>
+              <a:buSzTx/>
+              <a:buFontTx/>
+              <a:buNone/>
+              <a:tabLst/>
+            </a:pPr>
+            <a:r>
+              <a:rPr kumimoji="0" lang="ru-RU" altLang="ru-RU" sz="1400" b="0" i="0" u="none" strike="noStrike" cap="none" normalizeH="0" baseline="0" dirty="0">
+                <a:ln>
+                  <a:noFill/>
+                </a:ln>
+                <a:solidFill>
+                  <a:srgbClr val="0070C0"/>
+                </a:solidFill>
+                <a:effectLst/>
+                <a:latin typeface="Courier New" panose="02070309020205020404" pitchFamily="49" charset="0"/>
+              </a:rPr>
+              <a:t>[ INCLUDE ( </a:t>
+            </a:r>
+            <a:r>
+              <a:rPr kumimoji="0" lang="ru-RU" altLang="ru-RU" sz="1400" b="1" i="1" u="none" strike="noStrike" cap="none" normalizeH="0" baseline="0" dirty="0" err="1">
+                <a:ln>
+                  <a:noFill/>
+                </a:ln>
+                <a:solidFill>
+                  <a:srgbClr val="0070C0"/>
+                </a:solidFill>
+                <a:effectLst/>
+                <a:latin typeface="Courier New" panose="02070309020205020404" pitchFamily="49" charset="0"/>
+              </a:rPr>
+              <a:t>имя_столбца</a:t>
+            </a:r>
+            <a:r>
+              <a:rPr kumimoji="0" lang="ru-RU" altLang="ru-RU" sz="1400" b="0" i="0" u="none" strike="noStrike" cap="none" normalizeH="0" baseline="0" dirty="0">
+                <a:ln>
+                  <a:noFill/>
+                </a:ln>
+                <a:solidFill>
+                  <a:srgbClr val="0070C0"/>
+                </a:solidFill>
+                <a:effectLst/>
+                <a:latin typeface="Courier New" panose="02070309020205020404" pitchFamily="49" charset="0"/>
+              </a:rPr>
+              <a:t> [, ...] ) ] </a:t>
+            </a:r>
+          </a:p>
+          <a:p>
+            <a:pPr marL="0" marR="0" lvl="0" indent="0" algn="l" defTabSz="914400" rtl="0" eaLnBrk="0" fontAlgn="base" latinLnBrk="0" hangingPunct="0">
+              <a:lnSpc>
+                <a:spcPct val="100000"/>
+              </a:lnSpc>
+              <a:spcBef>
+                <a:spcPct val="0"/>
+              </a:spcBef>
+              <a:spcAft>
+                <a:spcPct val="0"/>
+              </a:spcAft>
+              <a:buClrTx/>
+              <a:buSzTx/>
+              <a:buFontTx/>
+              <a:buNone/>
+              <a:tabLst/>
+            </a:pPr>
+            <a:r>
+              <a:rPr kumimoji="0" lang="ru-RU" altLang="ru-RU" sz="1400" b="0" i="0" u="none" strike="noStrike" cap="none" normalizeH="0" baseline="0" dirty="0">
+                <a:ln>
+                  <a:noFill/>
+                </a:ln>
+                <a:solidFill>
+                  <a:srgbClr val="0070C0"/>
+                </a:solidFill>
+                <a:effectLst/>
+                <a:latin typeface="Courier New" panose="02070309020205020404" pitchFamily="49" charset="0"/>
+              </a:rPr>
+              <a:t>[ NULLS [ NOT ] DISTINCT ] </a:t>
+            </a:r>
+          </a:p>
+          <a:p>
+            <a:pPr marL="0" marR="0" lvl="0" indent="0" algn="l" defTabSz="914400" rtl="0" eaLnBrk="0" fontAlgn="base" latinLnBrk="0" hangingPunct="0">
+              <a:lnSpc>
+                <a:spcPct val="100000"/>
+              </a:lnSpc>
+              <a:spcBef>
+                <a:spcPct val="0"/>
+              </a:spcBef>
+              <a:spcAft>
+                <a:spcPct val="0"/>
+              </a:spcAft>
+              <a:buClrTx/>
+              <a:buSzTx/>
+              <a:buFontTx/>
+              <a:buNone/>
+              <a:tabLst/>
+            </a:pPr>
+            <a:r>
+              <a:rPr kumimoji="0" lang="ru-RU" altLang="ru-RU" sz="1400" b="0" i="0" u="none" strike="noStrike" cap="none" normalizeH="0" baseline="0" dirty="0">
+                <a:ln>
+                  <a:noFill/>
+                </a:ln>
+                <a:solidFill>
+                  <a:srgbClr val="0070C0"/>
+                </a:solidFill>
+                <a:effectLst/>
+                <a:latin typeface="Courier New" panose="02070309020205020404" pitchFamily="49" charset="0"/>
+              </a:rPr>
+              <a:t>[ WITH ( </a:t>
+            </a:r>
+            <a:r>
+              <a:rPr kumimoji="0" lang="ru-RU" altLang="ru-RU" sz="1400" b="1" i="1" u="none" strike="noStrike" cap="none" normalizeH="0" baseline="0" dirty="0" err="1">
+                <a:ln>
+                  <a:noFill/>
+                </a:ln>
+                <a:solidFill>
+                  <a:srgbClr val="0070C0"/>
+                </a:solidFill>
+                <a:effectLst/>
+                <a:latin typeface="Courier New" panose="02070309020205020404" pitchFamily="49" charset="0"/>
+              </a:rPr>
+              <a:t>параметр_хранения</a:t>
+            </a:r>
+            <a:r>
+              <a:rPr kumimoji="0" lang="ru-RU" altLang="ru-RU" sz="1400" b="0" i="0" u="none" strike="noStrike" cap="none" normalizeH="0" baseline="0" dirty="0">
+                <a:ln>
+                  <a:noFill/>
+                </a:ln>
+                <a:solidFill>
+                  <a:srgbClr val="0070C0"/>
+                </a:solidFill>
+                <a:effectLst/>
+                <a:latin typeface="Courier New" panose="02070309020205020404" pitchFamily="49" charset="0"/>
+              </a:rPr>
+              <a:t> [= </a:t>
+            </a:r>
+            <a:r>
+              <a:rPr kumimoji="0" lang="ru-RU" altLang="ru-RU" sz="1400" b="1" i="1" u="none" strike="noStrike" cap="none" normalizeH="0" baseline="0" dirty="0">
+                <a:ln>
+                  <a:noFill/>
+                </a:ln>
+                <a:solidFill>
+                  <a:srgbClr val="0070C0"/>
+                </a:solidFill>
+                <a:effectLst/>
+                <a:latin typeface="Courier New" panose="02070309020205020404" pitchFamily="49" charset="0"/>
+              </a:rPr>
+              <a:t>значение</a:t>
+            </a:r>
+            <a:r>
+              <a:rPr kumimoji="0" lang="ru-RU" altLang="ru-RU" sz="1400" b="0" i="0" u="none" strike="noStrike" cap="none" normalizeH="0" baseline="0" dirty="0">
+                <a:ln>
+                  <a:noFill/>
+                </a:ln>
+                <a:solidFill>
+                  <a:srgbClr val="0070C0"/>
+                </a:solidFill>
+                <a:effectLst/>
+                <a:latin typeface="Courier New" panose="02070309020205020404" pitchFamily="49" charset="0"/>
+              </a:rPr>
+              <a:t>] [, ... ] ) ] </a:t>
+            </a:r>
+            <a:endParaRPr lang="en-US" altLang="ru-RU" sz="1400" dirty="0">
+              <a:solidFill>
+                <a:srgbClr val="0070C0"/>
+              </a:solidFill>
+              <a:latin typeface="Courier New" panose="02070309020205020404" pitchFamily="49" charset="0"/>
+            </a:endParaRPr>
+          </a:p>
+          <a:p>
+            <a:pPr marL="0" marR="0" lvl="0" indent="0" algn="l" defTabSz="914400" rtl="0" eaLnBrk="0" fontAlgn="base" latinLnBrk="0" hangingPunct="0">
+              <a:lnSpc>
+                <a:spcPct val="100000"/>
+              </a:lnSpc>
+              <a:spcBef>
+                <a:spcPct val="0"/>
+              </a:spcBef>
+              <a:spcAft>
+                <a:spcPct val="0"/>
+              </a:spcAft>
+              <a:buClrTx/>
+              <a:buSzTx/>
+              <a:buFontTx/>
+              <a:buNone/>
+              <a:tabLst/>
+            </a:pPr>
+            <a:r>
+              <a:rPr kumimoji="0" lang="ru-RU" altLang="ru-RU" sz="1400" b="0" i="0" u="none" strike="noStrike" cap="none" normalizeH="0" baseline="0" dirty="0">
+                <a:ln>
+                  <a:noFill/>
+                </a:ln>
+                <a:solidFill>
+                  <a:srgbClr val="0070C0"/>
+                </a:solidFill>
+                <a:effectLst/>
+                <a:latin typeface="Courier New" panose="02070309020205020404" pitchFamily="49" charset="0"/>
+              </a:rPr>
+              <a:t>[ WHERE </a:t>
+            </a:r>
+            <a:r>
+              <a:rPr kumimoji="0" lang="ru-RU" altLang="ru-RU" sz="1400" b="1" i="1" u="none" strike="noStrike" cap="none" normalizeH="0" baseline="0" dirty="0">
+                <a:ln>
+                  <a:noFill/>
+                </a:ln>
+                <a:solidFill>
+                  <a:srgbClr val="0070C0"/>
+                </a:solidFill>
+                <a:effectLst/>
+                <a:latin typeface="Courier New" panose="02070309020205020404" pitchFamily="49" charset="0"/>
+              </a:rPr>
+              <a:t>предикат</a:t>
+            </a:r>
+            <a:r>
+              <a:rPr kumimoji="0" lang="ru-RU" altLang="ru-RU" sz="1400" b="0" i="0" u="none" strike="noStrike" cap="none" normalizeH="0" baseline="0" dirty="0">
+                <a:ln>
+                  <a:noFill/>
+                </a:ln>
+                <a:solidFill>
+                  <a:srgbClr val="0070C0"/>
+                </a:solidFill>
+                <a:effectLst/>
+                <a:latin typeface="Courier New" panose="02070309020205020404" pitchFamily="49" charset="0"/>
+              </a:rPr>
+              <a:t> ]</a:t>
+            </a:r>
+            <a:r>
+              <a:rPr kumimoji="0" lang="ru-RU" altLang="ru-RU" sz="1100" b="0" i="0" u="none" strike="noStrike" cap="none" normalizeH="0" baseline="0" dirty="0">
+                <a:ln>
+                  <a:noFill/>
+                </a:ln>
+                <a:solidFill>
+                  <a:srgbClr val="0070C0"/>
+                </a:solidFill>
+                <a:effectLst/>
+              </a:rPr>
+              <a:t> </a:t>
+            </a:r>
+            <a:endParaRPr kumimoji="0" lang="ru-RU" altLang="ru-RU" sz="3200" b="0" i="0" u="none" strike="noStrike" cap="none" normalizeH="0" baseline="0" dirty="0">
+              <a:ln>
+                <a:noFill/>
+              </a:ln>
+              <a:solidFill>
+                <a:srgbClr val="0070C0"/>
+              </a:solidFill>
+              <a:effectLst/>
+              <a:latin typeface="Arial" panose="020B0604020202020204" pitchFamily="34" charset="0"/>
+            </a:endParaRPr>
+          </a:p>
+        </p:txBody>
+      </p:sp>
+      <p:sp>
+        <p:nvSpPr>
+          <p:cNvPr id="7" name="Content Placeholder 2">
+            <a:extLst>
+              <a:ext uri="{FF2B5EF4-FFF2-40B4-BE49-F238E27FC236}">
+                <a16:creationId xmlns:a16="http://schemas.microsoft.com/office/drawing/2014/main" id="{0EB65177-CE66-4474-A8CF-A08B1D45373D}"/>
               </a:ext>
             </a:extLst>
           </p:cNvPr>
@@ -5619,12 +6304,19 @@
             <p:ph idx="1"/>
           </p:nvPr>
         </p:nvSpPr>
-        <p:spPr/>
+        <p:spPr>
+          <a:xfrm>
+            <a:off x="816126" y="3792511"/>
+            <a:ext cx="10058400" cy="3065489"/>
+          </a:xfrm>
+        </p:spPr>
         <p:txBody>
-          <a:bodyPr/>
+          <a:bodyPr>
+            <a:normAutofit/>
+          </a:bodyPr>
           <a:lstStyle/>
           <a:p>
-            <a:pPr lvl="0">
+            <a:pPr lvl="1">
               <a:buClr>
                 <a:srgbClr val="666666"/>
               </a:buClr>
@@ -5633,16 +6325,356 @@
               <a:buChar char="●"/>
             </a:pPr>
             <a:r>
-              <a:rPr lang="ru-RU" sz="2600" dirty="0">
-                <a:solidFill>
-                  <a:srgbClr val="000000"/>
-                </a:solidFill>
-                <a:ea typeface="DejaVu Sans" pitchFamily="2"/>
-                <a:cs typeface="DejaVu Sans" pitchFamily="2"/>
-              </a:rPr>
-              <a:t>Практика</a:t>
-            </a:r>
-            <a:endParaRPr lang="ru-RU" dirty="0"/>
+              <a:rPr lang="en-US" sz="1200" b="1" dirty="0">
+                <a:ea typeface="DejaVu Sans" pitchFamily="2"/>
+                <a:cs typeface="DejaVu Sans" pitchFamily="2"/>
+              </a:rPr>
+              <a:t>Concurrently</a:t>
+            </a:r>
+            <a:r>
+              <a:rPr lang="en-US" sz="1200" dirty="0">
+                <a:ea typeface="DejaVu Sans" pitchFamily="2"/>
+                <a:cs typeface="DejaVu Sans" pitchFamily="2"/>
+              </a:rPr>
+              <a:t> - </a:t>
+            </a:r>
+            <a:r>
+              <a:rPr lang="ru-RU" sz="1200" dirty="0">
+                <a:ea typeface="DejaVu Sans" pitchFamily="2"/>
+                <a:cs typeface="DejaVu Sans" pitchFamily="2"/>
+              </a:rPr>
+              <a:t>построение индекса, не устанавливая никаких блокировок, которые бы предотвращали добавление, изменение или удаление записей в таблице</a:t>
+            </a:r>
+          </a:p>
+          <a:p>
+            <a:pPr lvl="1">
+              <a:buClr>
+                <a:srgbClr val="666666"/>
+              </a:buClr>
+              <a:buSzPct val="45000"/>
+              <a:buFont typeface="StarSymbol"/>
+              <a:buChar char="●"/>
+            </a:pPr>
+            <a:r>
+              <a:rPr lang="en-US" sz="1200" b="1" dirty="0">
+                <a:ea typeface="DejaVu Sans" pitchFamily="2"/>
+                <a:cs typeface="DejaVu Sans" pitchFamily="2"/>
+              </a:rPr>
+              <a:t>ONLY</a:t>
+            </a:r>
+            <a:r>
+              <a:rPr lang="en-US" sz="1200" dirty="0">
+                <a:ea typeface="DejaVu Sans" pitchFamily="2"/>
+                <a:cs typeface="DejaVu Sans" pitchFamily="2"/>
+              </a:rPr>
+              <a:t> - </a:t>
+            </a:r>
+            <a:r>
+              <a:rPr lang="ru-RU" sz="1200" dirty="0">
+                <a:ea typeface="DejaVu Sans" pitchFamily="2"/>
+                <a:cs typeface="DejaVu Sans" pitchFamily="2"/>
+              </a:rPr>
+              <a:t>указывает, что индексы не должны рекурсивно создаваться в секциях секционированной таблицы. По умолчанию создание выполняется рекурсивно</a:t>
+            </a:r>
+          </a:p>
+          <a:p>
+            <a:pPr lvl="1">
+              <a:buClr>
+                <a:srgbClr val="666666"/>
+              </a:buClr>
+              <a:buSzPct val="45000"/>
+              <a:buFont typeface="StarSymbol"/>
+              <a:buChar char="●"/>
+            </a:pPr>
+            <a:r>
+              <a:rPr lang="en-US" sz="1200" b="1" dirty="0">
+                <a:ea typeface="DejaVu Sans" pitchFamily="2"/>
+                <a:cs typeface="DejaVu Sans" pitchFamily="2"/>
+              </a:rPr>
+              <a:t>USING</a:t>
+            </a:r>
+            <a:r>
+              <a:rPr lang="ru-RU" sz="1200" dirty="0">
+                <a:ea typeface="DejaVu Sans" pitchFamily="2"/>
+                <a:cs typeface="DejaVu Sans" pitchFamily="2"/>
+              </a:rPr>
+              <a:t> - имя применяемого метода индекса (</a:t>
+            </a:r>
+            <a:r>
+              <a:rPr lang="ru-RU" sz="1200" dirty="0" err="1">
+                <a:ea typeface="DejaVu Sans" pitchFamily="2"/>
+                <a:cs typeface="DejaVu Sans" pitchFamily="2"/>
+              </a:rPr>
+              <a:t>btree</a:t>
+            </a:r>
+            <a:r>
+              <a:rPr lang="en-US" sz="1200" dirty="0">
+                <a:ea typeface="DejaVu Sans" pitchFamily="2"/>
+                <a:cs typeface="DejaVu Sans" pitchFamily="2"/>
+              </a:rPr>
+              <a:t>,</a:t>
+            </a:r>
+            <a:r>
+              <a:rPr lang="ru-RU" sz="1200" dirty="0">
+                <a:ea typeface="DejaVu Sans" pitchFamily="2"/>
+                <a:cs typeface="DejaVu Sans" pitchFamily="2"/>
+              </a:rPr>
+              <a:t> </a:t>
+            </a:r>
+            <a:r>
+              <a:rPr lang="ru-RU" sz="1200" dirty="0" err="1">
+                <a:ea typeface="DejaVu Sans" pitchFamily="2"/>
+                <a:cs typeface="DejaVu Sans" pitchFamily="2"/>
+              </a:rPr>
+              <a:t>gist</a:t>
+            </a:r>
+            <a:r>
+              <a:rPr lang="ru-RU" sz="1200" dirty="0">
+                <a:ea typeface="DejaVu Sans" pitchFamily="2"/>
+                <a:cs typeface="DejaVu Sans" pitchFamily="2"/>
+              </a:rPr>
+              <a:t>, </a:t>
+            </a:r>
+            <a:r>
+              <a:rPr lang="ru-RU" sz="1200" dirty="0" err="1">
+                <a:ea typeface="DejaVu Sans" pitchFamily="2"/>
+                <a:cs typeface="DejaVu Sans" pitchFamily="2"/>
+              </a:rPr>
+              <a:t>spgist</a:t>
+            </a:r>
+            <a:r>
+              <a:rPr lang="en-US" sz="1200" dirty="0">
+                <a:ea typeface="DejaVu Sans" pitchFamily="2"/>
+                <a:cs typeface="DejaVu Sans" pitchFamily="2"/>
+              </a:rPr>
+              <a:t> </a:t>
+            </a:r>
+            <a:r>
+              <a:rPr lang="ru-RU" sz="1200" dirty="0">
+                <a:ea typeface="DejaVu Sans" pitchFamily="2"/>
+                <a:cs typeface="DejaVu Sans" pitchFamily="2"/>
+              </a:rPr>
+              <a:t>и т.д.)</a:t>
+            </a:r>
+          </a:p>
+          <a:p>
+            <a:pPr lvl="1">
+              <a:buClr>
+                <a:srgbClr val="666666"/>
+              </a:buClr>
+              <a:buSzPct val="45000"/>
+              <a:buFont typeface="StarSymbol"/>
+              <a:buChar char="●"/>
+            </a:pPr>
+            <a:r>
+              <a:rPr lang="af-ZA" sz="1200" b="1" dirty="0">
+                <a:ea typeface="DejaVu Sans" pitchFamily="2"/>
+                <a:cs typeface="DejaVu Sans" pitchFamily="2"/>
+              </a:rPr>
+              <a:t>INCLUDE</a:t>
+            </a:r>
+            <a:r>
+              <a:rPr lang="ru-RU" sz="1200" dirty="0">
+                <a:ea typeface="DejaVu Sans" pitchFamily="2"/>
+                <a:cs typeface="DejaVu Sans" pitchFamily="2"/>
+              </a:rPr>
+              <a:t> - позволяет указать список столбцов, которые войдут в индекс как </a:t>
+            </a:r>
+            <a:r>
+              <a:rPr lang="ru-RU" sz="1200" dirty="0" err="1">
+                <a:ea typeface="DejaVu Sans" pitchFamily="2"/>
+                <a:cs typeface="DejaVu Sans" pitchFamily="2"/>
+              </a:rPr>
+              <a:t>неключевые</a:t>
+            </a:r>
+            <a:r>
+              <a:rPr lang="ru-RU" sz="1200" dirty="0">
+                <a:ea typeface="DejaVu Sans" pitchFamily="2"/>
+                <a:cs typeface="DejaVu Sans" pitchFamily="2"/>
+              </a:rPr>
+              <a:t> столбцы</a:t>
+            </a:r>
+          </a:p>
+          <a:p>
+            <a:pPr lvl="1">
+              <a:buClr>
+                <a:srgbClr val="666666"/>
+              </a:buClr>
+              <a:buSzPct val="45000"/>
+              <a:buFont typeface="StarSymbol"/>
+              <a:buChar char="●"/>
+            </a:pPr>
+            <a:r>
+              <a:rPr lang="en-US" sz="1200" b="1" dirty="0">
+                <a:ea typeface="DejaVu Sans" pitchFamily="2"/>
+                <a:cs typeface="DejaVu Sans" pitchFamily="2"/>
+              </a:rPr>
+              <a:t>NULLS NOT DISTINCT</a:t>
+            </a:r>
+            <a:r>
+              <a:rPr lang="ru-RU" sz="1200" dirty="0">
+                <a:ea typeface="DejaVu Sans" pitchFamily="2"/>
+                <a:cs typeface="DejaVu Sans" pitchFamily="2"/>
+              </a:rPr>
+              <a:t> - определяет, должны ли значения NULL считаться различными (не равными) для уникального индекса. По умолчанию они считаются различными</a:t>
+            </a:r>
+            <a:endParaRPr lang="en-US" sz="1200" dirty="0">
+              <a:ea typeface="DejaVu Sans" pitchFamily="2"/>
+              <a:cs typeface="DejaVu Sans" pitchFamily="2"/>
+            </a:endParaRPr>
+          </a:p>
+          <a:p>
+            <a:pPr lvl="1">
+              <a:buClr>
+                <a:srgbClr val="666666"/>
+              </a:buClr>
+              <a:buSzPct val="45000"/>
+              <a:buFont typeface="StarSymbol"/>
+              <a:buChar char="●"/>
+            </a:pPr>
+            <a:r>
+              <a:rPr lang="en-US" sz="1200" b="1" dirty="0">
+                <a:ea typeface="DejaVu Sans" pitchFamily="2"/>
+                <a:cs typeface="DejaVu Sans" pitchFamily="2"/>
+              </a:rPr>
+              <a:t>WITH</a:t>
+            </a:r>
+          </a:p>
+          <a:p>
+            <a:pPr lvl="2">
+              <a:buClr>
+                <a:srgbClr val="666666"/>
+              </a:buClr>
+              <a:buSzPct val="45000"/>
+              <a:buFont typeface="StarSymbol"/>
+              <a:buChar char="●"/>
+            </a:pPr>
+            <a:r>
+              <a:rPr lang="en-US" sz="1000" dirty="0" err="1">
+                <a:ea typeface="DejaVu Sans" pitchFamily="2"/>
+                <a:cs typeface="DejaVu Sans" pitchFamily="2"/>
+              </a:rPr>
+              <a:t>deduplicate_items</a:t>
+            </a:r>
+            <a:r>
+              <a:rPr lang="en-US" sz="1000" dirty="0">
+                <a:ea typeface="DejaVu Sans" pitchFamily="2"/>
+                <a:cs typeface="DejaVu Sans" pitchFamily="2"/>
+              </a:rPr>
+              <a:t> – </a:t>
+            </a:r>
+            <a:r>
+              <a:rPr lang="ru-RU" sz="1000" dirty="0">
+                <a:ea typeface="DejaVu Sans" pitchFamily="2"/>
+                <a:cs typeface="DejaVu Sans" pitchFamily="2"/>
+              </a:rPr>
+              <a:t>исключение дубликатов, </a:t>
+            </a:r>
+            <a:r>
+              <a:rPr lang="en-US" sz="1000" dirty="0">
+                <a:ea typeface="DejaVu Sans" pitchFamily="2"/>
+                <a:cs typeface="DejaVu Sans" pitchFamily="2"/>
+              </a:rPr>
+              <a:t>default = on</a:t>
+            </a:r>
+          </a:p>
+          <a:p>
+            <a:pPr lvl="2">
+              <a:buClr>
+                <a:srgbClr val="666666"/>
+              </a:buClr>
+              <a:buSzPct val="45000"/>
+              <a:buFont typeface="StarSymbol"/>
+              <a:buChar char="●"/>
+            </a:pPr>
+            <a:r>
+              <a:rPr lang="ru-RU" sz="1000" dirty="0">
+                <a:ea typeface="DejaVu Sans" pitchFamily="2"/>
+                <a:cs typeface="DejaVu Sans" pitchFamily="2"/>
+                <a:hlinkClick r:id="rId3"/>
+              </a:rPr>
+              <a:t>Больше параметров для других типов индексов</a:t>
+            </a:r>
+            <a:endParaRPr lang="en-US" sz="1000" dirty="0">
+              <a:ea typeface="DejaVu Sans" pitchFamily="2"/>
+              <a:cs typeface="DejaVu Sans" pitchFamily="2"/>
+            </a:endParaRPr>
+          </a:p>
+          <a:p>
+            <a:pPr lvl="1">
+              <a:buClr>
+                <a:srgbClr val="666666"/>
+              </a:buClr>
+              <a:buSzPct val="45000"/>
+              <a:buFont typeface="StarSymbol"/>
+              <a:buChar char="●"/>
+            </a:pPr>
+            <a:r>
+              <a:rPr lang="en-US" sz="1200" b="1" dirty="0">
+                <a:ea typeface="DejaVu Sans" pitchFamily="2"/>
+                <a:cs typeface="DejaVu Sans" pitchFamily="2"/>
+              </a:rPr>
+              <a:t>WHERE</a:t>
+            </a:r>
+            <a:r>
+              <a:rPr lang="en-US" sz="1200" dirty="0">
+                <a:ea typeface="DejaVu Sans" pitchFamily="2"/>
+                <a:cs typeface="DejaVu Sans" pitchFamily="2"/>
+              </a:rPr>
+              <a:t> - </a:t>
+            </a:r>
+            <a:r>
+              <a:rPr lang="ru-RU" sz="1200" dirty="0">
+                <a:ea typeface="DejaVu Sans" pitchFamily="2"/>
+                <a:cs typeface="DejaVu Sans" pitchFamily="2"/>
+              </a:rPr>
+              <a:t>создаёт частичный индекс</a:t>
+            </a:r>
+            <a:br>
+              <a:rPr lang="en-US" sz="1200" dirty="0">
+                <a:ea typeface="DejaVu Sans" pitchFamily="2"/>
+                <a:cs typeface="DejaVu Sans" pitchFamily="2"/>
+              </a:rPr>
+            </a:br>
+            <a:r>
+              <a:rPr lang="ru-RU" sz="1200" dirty="0">
+                <a:ea typeface="DejaVu Sans" pitchFamily="2"/>
+                <a:cs typeface="DejaVu Sans" pitchFamily="2"/>
+              </a:rPr>
+              <a:t>Пример: WHERE </a:t>
+            </a:r>
+            <a:r>
+              <a:rPr lang="ru-RU" sz="1200" dirty="0" err="1">
+                <a:ea typeface="DejaVu Sans" pitchFamily="2"/>
+                <a:cs typeface="DejaVu Sans" pitchFamily="2"/>
+              </a:rPr>
+              <a:t>upper</a:t>
+            </a:r>
+            <a:r>
+              <a:rPr lang="ru-RU" sz="1200" dirty="0">
+                <a:ea typeface="DejaVu Sans" pitchFamily="2"/>
+                <a:cs typeface="DejaVu Sans" pitchFamily="2"/>
+              </a:rPr>
+              <a:t>(</a:t>
+            </a:r>
+            <a:r>
+              <a:rPr lang="ru-RU" sz="1200" dirty="0" err="1">
+                <a:ea typeface="DejaVu Sans" pitchFamily="2"/>
+                <a:cs typeface="DejaVu Sans" pitchFamily="2"/>
+              </a:rPr>
+              <a:t>col</a:t>
+            </a:r>
+            <a:r>
+              <a:rPr lang="ru-RU" sz="1200" dirty="0">
+                <a:ea typeface="DejaVu Sans" pitchFamily="2"/>
+                <a:cs typeface="DejaVu Sans" pitchFamily="2"/>
+              </a:rPr>
+              <a:t>) = 'JIM'</a:t>
+            </a:r>
+            <a:endParaRPr lang="en-US" sz="1200" dirty="0">
+              <a:ea typeface="DejaVu Sans" pitchFamily="2"/>
+              <a:cs typeface="DejaVu Sans" pitchFamily="2"/>
+            </a:endParaRPr>
           </a:p>
         </p:txBody>
       </p:sp>
@@ -5681,6 +6713,126 @@
           <p:cNvPr id="2" name="Title 1">
             <a:extLst>
               <a:ext uri="{FF2B5EF4-FFF2-40B4-BE49-F238E27FC236}">
+                <a16:creationId xmlns:a16="http://schemas.microsoft.com/office/drawing/2014/main" id="{BA78E8D7-C39F-4E02-9A0F-B84A53E12BF1}"/>
+              </a:ext>
+            </a:extLst>
+          </p:cNvPr>
+          <p:cNvSpPr>
+            <a:spLocks noGrp="1"/>
+          </p:cNvSpPr>
+          <p:nvPr>
+            <p:ph type="title"/>
+          </p:nvPr>
+        </p:nvSpPr>
+        <p:spPr/>
+        <p:txBody>
+          <a:bodyPr>
+            <a:normAutofit/>
+          </a:bodyPr>
+          <a:lstStyle/>
+          <a:p>
+            <a:r>
+              <a:rPr lang="en-US" dirty="0">
+                <a:ea typeface="DejaVu Sans" pitchFamily="2"/>
+                <a:cs typeface="DejaVu Sans" pitchFamily="2"/>
+              </a:rPr>
+              <a:t>Оптимизация SQL</a:t>
+            </a:r>
+            <a:br>
+              <a:rPr lang="en-US" dirty="0">
+                <a:ea typeface="DejaVu Sans" pitchFamily="2"/>
+                <a:cs typeface="DejaVu Sans" pitchFamily="2"/>
+              </a:rPr>
+            </a:br>
+            <a:r>
+              <a:rPr lang="en-US" sz="2000" dirty="0">
+                <a:ea typeface="DejaVu Sans" pitchFamily="2"/>
+                <a:cs typeface="DejaVu Sans" pitchFamily="2"/>
+              </a:rPr>
+              <a:t>Блок 1: Использование индексов</a:t>
+            </a:r>
+            <a:endParaRPr lang="ru-RU" dirty="0"/>
+          </a:p>
+        </p:txBody>
+      </p:sp>
+      <p:sp>
+        <p:nvSpPr>
+          <p:cNvPr id="3" name="Content Placeholder 2">
+            <a:extLst>
+              <a:ext uri="{FF2B5EF4-FFF2-40B4-BE49-F238E27FC236}">
+                <a16:creationId xmlns:a16="http://schemas.microsoft.com/office/drawing/2014/main" id="{8809FAF1-E811-4E05-86C5-727A3A04757A}"/>
+              </a:ext>
+            </a:extLst>
+          </p:cNvPr>
+          <p:cNvSpPr>
+            <a:spLocks noGrp="1"/>
+          </p:cNvSpPr>
+          <p:nvPr>
+            <p:ph idx="1"/>
+          </p:nvPr>
+        </p:nvSpPr>
+        <p:spPr/>
+        <p:txBody>
+          <a:bodyPr/>
+          <a:lstStyle/>
+          <a:p>
+            <a:pPr lvl="0">
+              <a:buClr>
+                <a:srgbClr val="666666"/>
+              </a:buClr>
+              <a:buSzPct val="45000"/>
+              <a:buFont typeface="StarSymbol"/>
+              <a:buChar char="●"/>
+            </a:pPr>
+            <a:r>
+              <a:rPr lang="ru-RU" sz="2600" dirty="0">
+                <a:solidFill>
+                  <a:srgbClr val="000000"/>
+                </a:solidFill>
+                <a:ea typeface="DejaVu Sans" pitchFamily="2"/>
+                <a:cs typeface="DejaVu Sans" pitchFamily="2"/>
+              </a:rPr>
+              <a:t>Практика</a:t>
+            </a:r>
+            <a:endParaRPr lang="ru-RU" dirty="0"/>
+          </a:p>
+        </p:txBody>
+      </p:sp>
+    </p:spTree>
+    <p:extLst>
+      <p:ext uri="{BB962C8B-B14F-4D97-AF65-F5344CB8AC3E}">
+        <p14:creationId xmlns:p14="http://schemas.microsoft.com/office/powerpoint/2010/main" val="21106420"/>
+      </p:ext>
+    </p:extLst>
+  </p:cSld>
+  <p:clrMapOvr>
+    <a:masterClrMapping/>
+  </p:clrMapOvr>
+</p:sld>
+</file>
+
+<file path=ppt/slides/slide14.xml><?xml version="1.0" encoding="utf-8"?>
+<p:sld xmlns:a="http://schemas.openxmlformats.org/drawingml/2006/main" xmlns:r="http://schemas.openxmlformats.org/officeDocument/2006/relationships" xmlns:p="http://schemas.openxmlformats.org/presentationml/2006/main">
+  <p:cSld>
+    <p:spTree>
+      <p:nvGrpSpPr>
+        <p:cNvPr id="1" name=""/>
+        <p:cNvGrpSpPr/>
+        <p:nvPr/>
+      </p:nvGrpSpPr>
+      <p:grpSpPr>
+        <a:xfrm>
+          <a:off x="0" y="0"/>
+          <a:ext cx="0" cy="0"/>
+          <a:chOff x="0" y="0"/>
+          <a:chExt cx="0" cy="0"/>
+        </a:xfrm>
+      </p:grpSpPr>
+      <p:sp>
+        <p:nvSpPr>
+          <p:cNvPr id="2" name="Title 1">
+            <a:extLst>
+              <a:ext uri="{FF2B5EF4-FFF2-40B4-BE49-F238E27FC236}">
                 <a16:creationId xmlns:a16="http://schemas.microsoft.com/office/drawing/2014/main" id="{1ED93B46-2129-4D6B-9E60-2C5A2357CAE3}"/>
               </a:ext>
             </a:extLst>
@@ -5713,11 +6865,1167 @@
               </a:rPr>
             </a:br>
             <a:r>
+              <a:rPr lang="en-US" sz="2000" dirty="0" err="1">
+                <a:ea typeface="DejaVu Sans" pitchFamily="2"/>
+                <a:cs typeface="DejaVu Sans" pitchFamily="2"/>
+              </a:rPr>
+              <a:t>Блок</a:t>
+            </a:r>
+            <a:r>
               <a:rPr lang="en-US" sz="2000" dirty="0">
                 <a:ea typeface="DejaVu Sans" pitchFamily="2"/>
                 <a:cs typeface="DejaVu Sans" pitchFamily="2"/>
               </a:rPr>
-              <a:t>Блок 2: Теория: </a:t>
+              <a:t> 2: Теория: </a:t>
+            </a:r>
+            <a:r>
+              <a:rPr lang="ru-RU" sz="2000" dirty="0" err="1">
+                <a:ea typeface="DejaVu Sans" pitchFamily="2"/>
+                <a:cs typeface="DejaVu Sans" pitchFamily="2"/>
+              </a:rPr>
+              <a:t>Партицирование</a:t>
+            </a:r>
+            <a:endParaRPr lang="ru-RU" dirty="0"/>
+          </a:p>
+        </p:txBody>
+      </p:sp>
+      <p:sp>
+        <p:nvSpPr>
+          <p:cNvPr id="3" name="Content Placeholder 2">
+            <a:extLst>
+              <a:ext uri="{FF2B5EF4-FFF2-40B4-BE49-F238E27FC236}">
+                <a16:creationId xmlns:a16="http://schemas.microsoft.com/office/drawing/2014/main" id="{8E65D122-F661-4641-A255-7626711E7581}"/>
+              </a:ext>
+            </a:extLst>
+          </p:cNvPr>
+          <p:cNvSpPr>
+            <a:spLocks noGrp="1"/>
+          </p:cNvSpPr>
+          <p:nvPr>
+            <p:ph idx="1"/>
+          </p:nvPr>
+        </p:nvSpPr>
+        <p:spPr/>
+        <p:txBody>
+          <a:bodyPr>
+            <a:normAutofit/>
+          </a:bodyPr>
+          <a:lstStyle/>
+          <a:p>
+            <a:pPr marL="0" lvl="0" indent="0">
+              <a:buClr>
+                <a:srgbClr val="666666"/>
+              </a:buClr>
+              <a:buSzPct val="45000"/>
+              <a:buNone/>
+            </a:pPr>
+            <a:r>
+              <a:rPr lang="ru-RU" sz="1400" b="1" dirty="0"/>
+              <a:t>Секционированием (</a:t>
+            </a:r>
+            <a:r>
+              <a:rPr lang="ru-RU" sz="1400" b="1" dirty="0" err="1"/>
+              <a:t>партицированием</a:t>
+            </a:r>
+            <a:r>
+              <a:rPr lang="ru-RU" sz="1400" b="1" dirty="0"/>
+              <a:t>)</a:t>
+            </a:r>
+            <a:r>
+              <a:rPr lang="ru-RU" sz="1400" dirty="0"/>
+              <a:t> данных называется разбиение одной большой логической таблицы на несколько меньших физических секций. Преимущества:</a:t>
+            </a:r>
+          </a:p>
+          <a:p>
+            <a:pPr lvl="0">
+              <a:buClr>
+                <a:srgbClr val="666666"/>
+              </a:buClr>
+              <a:buSzPct val="45000"/>
+              <a:buFont typeface="StarSymbol"/>
+              <a:buChar char="●"/>
+            </a:pPr>
+            <a:r>
+              <a:rPr lang="ru-RU" sz="1400" dirty="0"/>
+              <a:t>Когда в выборке или изменении данных задействована большая часть одной секции, производительность может возрасти, если будет выполняться последовательное сканирование этой секции, а не поиск по индексу, сопровождаемый произвольным чтением данных, разбросанных по всей таблице.</a:t>
+            </a:r>
+          </a:p>
+          <a:p>
+            <a:pPr lvl="0">
+              <a:buClr>
+                <a:srgbClr val="666666"/>
+              </a:buClr>
+              <a:buSzPct val="45000"/>
+              <a:buFont typeface="StarSymbol"/>
+              <a:buChar char="●"/>
+            </a:pPr>
+            <a:r>
+              <a:rPr lang="ru-RU" sz="1400" dirty="0"/>
+              <a:t>Массовую загрузку и удаление данных можно осуществлять, добавляя и удаляя секции, если такой вариант использования был предусмотрен при проектировании секций. </a:t>
+            </a:r>
+            <a:br>
+              <a:rPr lang="ru-RU" sz="1400" dirty="0"/>
+            </a:br>
+            <a:r>
+              <a:rPr lang="ru-RU" sz="1400" dirty="0"/>
+              <a:t>Удаление отдельной секции командой DROP TABLE и действие ALTER TABLE DETACH PARTITION выполняются гораздо быстрее, чем аналогичная массовая операция. </a:t>
+            </a:r>
+            <a:br>
+              <a:rPr lang="ru-RU" sz="1400" dirty="0"/>
+            </a:br>
+            <a:r>
+              <a:rPr lang="ru-RU" sz="1400" dirty="0"/>
+              <a:t>Эти команды полностью исключают накладные расходы, связанные с выполнением VACUUM после массовой операции DELETE.</a:t>
+            </a:r>
+          </a:p>
+          <a:p>
+            <a:pPr lvl="0">
+              <a:buClr>
+                <a:srgbClr val="666666"/>
+              </a:buClr>
+              <a:buSzPct val="45000"/>
+              <a:buFont typeface="StarSymbol"/>
+              <a:buChar char="●"/>
+            </a:pPr>
+            <a:r>
+              <a:rPr lang="ru-RU" sz="1400" dirty="0"/>
+              <a:t>Редко используемые данные можно перенести на более дешёвые и медленные носители.</a:t>
+            </a:r>
+          </a:p>
+          <a:p>
+            <a:pPr marL="0" lvl="0" indent="0">
+              <a:buClr>
+                <a:srgbClr val="666666"/>
+              </a:buClr>
+              <a:buSzPct val="45000"/>
+              <a:buNone/>
+            </a:pPr>
+            <a:r>
+              <a:rPr lang="ru-RU" sz="1400" dirty="0"/>
+              <a:t>Всё это обычно полезно только для очень больших таблиц. Какие именно таблицы выиграют от секционирования, зависит от конкретного приложения, хотя, как правило, это следует применять для таблиц, размер которых превышает объём ОЗУ сервера.</a:t>
+            </a:r>
+          </a:p>
+        </p:txBody>
+      </p:sp>
+    </p:spTree>
+    <p:extLst>
+      <p:ext uri="{BB962C8B-B14F-4D97-AF65-F5344CB8AC3E}">
+        <p14:creationId xmlns:p14="http://schemas.microsoft.com/office/powerpoint/2010/main" val="3511590595"/>
+      </p:ext>
+    </p:extLst>
+  </p:cSld>
+  <p:clrMapOvr>
+    <a:masterClrMapping/>
+  </p:clrMapOvr>
+</p:sld>
+</file>
+
+<file path=ppt/slides/slide15.xml><?xml version="1.0" encoding="utf-8"?>
+<p:sld xmlns:a="http://schemas.openxmlformats.org/drawingml/2006/main" xmlns:r="http://schemas.openxmlformats.org/officeDocument/2006/relationships" xmlns:p="http://schemas.openxmlformats.org/presentationml/2006/main">
+  <p:cSld>
+    <p:spTree>
+      <p:nvGrpSpPr>
+        <p:cNvPr id="1" name=""/>
+        <p:cNvGrpSpPr/>
+        <p:nvPr/>
+      </p:nvGrpSpPr>
+      <p:grpSpPr>
+        <a:xfrm>
+          <a:off x="0" y="0"/>
+          <a:ext cx="0" cy="0"/>
+          <a:chOff x="0" y="0"/>
+          <a:chExt cx="0" cy="0"/>
+        </a:xfrm>
+      </p:grpSpPr>
+      <p:sp>
+        <p:nvSpPr>
+          <p:cNvPr id="2" name="Title 1">
+            <a:extLst>
+              <a:ext uri="{FF2B5EF4-FFF2-40B4-BE49-F238E27FC236}">
+                <a16:creationId xmlns:a16="http://schemas.microsoft.com/office/drawing/2014/main" id="{C61B5D42-722A-4E57-AE65-87E9F04C13B5}"/>
+              </a:ext>
+            </a:extLst>
+          </p:cNvPr>
+          <p:cNvSpPr>
+            <a:spLocks noGrp="1"/>
+          </p:cNvSpPr>
+          <p:nvPr>
+            <p:ph type="title"/>
+          </p:nvPr>
+        </p:nvSpPr>
+        <p:spPr/>
+        <p:txBody>
+          <a:bodyPr>
+            <a:normAutofit/>
+          </a:bodyPr>
+          <a:lstStyle/>
+          <a:p>
+            <a:r>
+              <a:rPr lang="en-US" dirty="0">
+                <a:ea typeface="DejaVu Sans" pitchFamily="2"/>
+                <a:cs typeface="DejaVu Sans" pitchFamily="2"/>
+              </a:rPr>
+              <a:t>Оптимизация SQL</a:t>
+            </a:r>
+            <a:br>
+              <a:rPr lang="en-US" dirty="0">
+                <a:ea typeface="DejaVu Sans" pitchFamily="2"/>
+                <a:cs typeface="DejaVu Sans" pitchFamily="2"/>
+              </a:rPr>
+            </a:br>
+            <a:r>
+              <a:rPr lang="en-US" sz="2000" dirty="0" err="1">
+                <a:ea typeface="DejaVu Sans" pitchFamily="2"/>
+                <a:cs typeface="DejaVu Sans" pitchFamily="2"/>
+              </a:rPr>
+              <a:t>Блок</a:t>
+            </a:r>
+            <a:r>
+              <a:rPr lang="en-US" sz="2000" dirty="0">
+                <a:ea typeface="DejaVu Sans" pitchFamily="2"/>
+                <a:cs typeface="DejaVu Sans" pitchFamily="2"/>
+              </a:rPr>
+              <a:t> 2: </a:t>
+            </a:r>
+            <a:r>
+              <a:rPr lang="ru-RU" sz="2000" dirty="0" err="1">
+                <a:ea typeface="DejaVu Sans" pitchFamily="2"/>
+                <a:cs typeface="DejaVu Sans" pitchFamily="2"/>
+              </a:rPr>
+              <a:t>Партицирование</a:t>
+            </a:r>
+            <a:r>
+              <a:rPr lang="ru-RU" sz="2000" dirty="0">
+                <a:ea typeface="DejaVu Sans" pitchFamily="2"/>
+                <a:cs typeface="DejaVu Sans" pitchFamily="2"/>
+              </a:rPr>
+              <a:t> – виды </a:t>
+            </a:r>
+            <a:r>
+              <a:rPr lang="ru-RU" sz="2000" dirty="0" err="1">
+                <a:ea typeface="DejaVu Sans" pitchFamily="2"/>
+                <a:cs typeface="DejaVu Sans" pitchFamily="2"/>
+              </a:rPr>
+              <a:t>партиций</a:t>
+            </a:r>
+            <a:endParaRPr lang="ru-RU" dirty="0"/>
+          </a:p>
+        </p:txBody>
+      </p:sp>
+      <p:sp>
+        <p:nvSpPr>
+          <p:cNvPr id="3" name="Content Placeholder 2">
+            <a:extLst>
+              <a:ext uri="{FF2B5EF4-FFF2-40B4-BE49-F238E27FC236}">
+                <a16:creationId xmlns:a16="http://schemas.microsoft.com/office/drawing/2014/main" id="{090578C4-E6E7-4308-A4D1-738FCB3F61D8}"/>
+              </a:ext>
+            </a:extLst>
+          </p:cNvPr>
+          <p:cNvSpPr>
+            <a:spLocks noGrp="1"/>
+          </p:cNvSpPr>
+          <p:nvPr>
+            <p:ph idx="1"/>
+          </p:nvPr>
+        </p:nvSpPr>
+        <p:spPr>
+          <a:xfrm>
+            <a:off x="1069848" y="1878767"/>
+            <a:ext cx="10058400" cy="4691921"/>
+          </a:xfrm>
+        </p:spPr>
+        <p:txBody>
+          <a:bodyPr>
+            <a:normAutofit/>
+          </a:bodyPr>
+          <a:lstStyle/>
+          <a:p>
+            <a:r>
+              <a:rPr lang="ru-RU" sz="1400" dirty="0"/>
+              <a:t>Секционирование по диапазонам</a:t>
+            </a:r>
+          </a:p>
+          <a:p>
+            <a:pPr marL="0" indent="0">
+              <a:buNone/>
+            </a:pPr>
+            <a:r>
+              <a:rPr lang="ru-RU" sz="1400" dirty="0"/>
+              <a:t>Таблица секционируется по «диапазонам». Например, можно секционировать данные по диапазонам дат или по диапазонам идентификаторов определённых бизнес-объектов. </a:t>
+            </a:r>
+            <a:br>
+              <a:rPr lang="ru-RU" sz="1400" dirty="0"/>
+            </a:br>
+            <a:r>
+              <a:rPr lang="ru-RU" sz="1400" dirty="0"/>
+              <a:t>Границы каждого диапазона считаются включающими нижнее значение и исключающими верхнее. </a:t>
+            </a:r>
+            <a:br>
+              <a:rPr lang="ru-RU" sz="1400" dirty="0"/>
+            </a:br>
+            <a:br>
+              <a:rPr lang="ru-RU" sz="1400" dirty="0">
+                <a:solidFill>
+                  <a:srgbClr val="0070C0"/>
+                </a:solidFill>
+              </a:rPr>
+            </a:br>
+            <a:r>
+              <a:rPr lang="en-US" sz="1400" dirty="0">
+                <a:solidFill>
+                  <a:srgbClr val="0070C0"/>
+                </a:solidFill>
+              </a:rPr>
+              <a:t>Create table orders (id int, </a:t>
+            </a:r>
+            <a:r>
+              <a:rPr lang="en-US" sz="1400" dirty="0" err="1">
+                <a:solidFill>
+                  <a:srgbClr val="0070C0"/>
+                </a:solidFill>
+              </a:rPr>
+              <a:t>order_desc</a:t>
+            </a:r>
+            <a:r>
+              <a:rPr lang="en-US" sz="1400" dirty="0">
+                <a:solidFill>
+                  <a:srgbClr val="0070C0"/>
+                </a:solidFill>
+              </a:rPr>
+              <a:t> varchar(500), </a:t>
+            </a:r>
+            <a:r>
+              <a:rPr lang="en-US" sz="1400" dirty="0" err="1">
+                <a:solidFill>
+                  <a:srgbClr val="0070C0"/>
+                </a:solidFill>
+              </a:rPr>
+              <a:t>start_date</a:t>
+            </a:r>
+            <a:r>
+              <a:rPr lang="en-US" sz="1400" dirty="0">
+                <a:solidFill>
+                  <a:srgbClr val="0070C0"/>
+                </a:solidFill>
+              </a:rPr>
+              <a:t> date, </a:t>
+            </a:r>
+            <a:r>
+              <a:rPr lang="en-US" sz="1400" dirty="0" err="1">
+                <a:solidFill>
+                  <a:srgbClr val="0070C0"/>
+                </a:solidFill>
+              </a:rPr>
+              <a:t>finish_date</a:t>
+            </a:r>
+            <a:r>
+              <a:rPr lang="en-US" sz="1400" dirty="0">
+                <a:solidFill>
+                  <a:srgbClr val="0070C0"/>
+                </a:solidFill>
+              </a:rPr>
+              <a:t> date)</a:t>
+            </a:r>
+            <a:endParaRPr lang="ru-RU" sz="1400" dirty="0">
+              <a:solidFill>
+                <a:srgbClr val="0070C0"/>
+              </a:solidFill>
+            </a:endParaRPr>
+          </a:p>
+          <a:p>
+            <a:pPr marL="0" indent="0">
+              <a:buNone/>
+            </a:pPr>
+            <a:r>
+              <a:rPr lang="en-US" sz="1400" dirty="0">
+                <a:solidFill>
+                  <a:srgbClr val="0070C0"/>
+                </a:solidFill>
+              </a:rPr>
+              <a:t>PARTITION BY RANGE (</a:t>
+            </a:r>
+            <a:r>
+              <a:rPr lang="en-US" sz="1400" dirty="0" err="1">
+                <a:solidFill>
+                  <a:srgbClr val="0070C0"/>
+                </a:solidFill>
+              </a:rPr>
+              <a:t>start_date</a:t>
+            </a:r>
+            <a:r>
+              <a:rPr lang="en-US" sz="1400" dirty="0">
+                <a:solidFill>
+                  <a:srgbClr val="0070C0"/>
+                </a:solidFill>
+              </a:rPr>
+              <a:t>);</a:t>
+            </a:r>
+          </a:p>
+          <a:p>
+            <a:pPr marL="0" indent="0">
+              <a:buNone/>
+            </a:pPr>
+            <a:endParaRPr lang="en-US" sz="1400" dirty="0">
+              <a:solidFill>
+                <a:srgbClr val="0070C0"/>
+              </a:solidFill>
+            </a:endParaRPr>
+          </a:p>
+          <a:p>
+            <a:pPr marL="0" indent="0">
+              <a:buNone/>
+            </a:pPr>
+            <a:r>
+              <a:rPr lang="en-US" sz="1400" dirty="0">
+                <a:solidFill>
+                  <a:srgbClr val="0070C0"/>
+                </a:solidFill>
+              </a:rPr>
+              <a:t>create table orders_p_2022</a:t>
+            </a:r>
+          </a:p>
+          <a:p>
+            <a:pPr marL="0" indent="0">
+              <a:buNone/>
+            </a:pPr>
+            <a:r>
+              <a:rPr lang="en-US" sz="1400" dirty="0">
+                <a:solidFill>
+                  <a:srgbClr val="0070C0"/>
+                </a:solidFill>
+              </a:rPr>
+              <a:t>partition of orders</a:t>
+            </a:r>
+          </a:p>
+          <a:p>
+            <a:pPr marL="0" indent="0">
+              <a:buNone/>
+            </a:pPr>
+            <a:r>
+              <a:rPr lang="en-US" sz="1400" dirty="0">
+                <a:solidFill>
+                  <a:srgbClr val="0070C0"/>
+                </a:solidFill>
+              </a:rPr>
+              <a:t>for values from (‘2022-01-01') to (‘2023-01-01’);</a:t>
+            </a:r>
+          </a:p>
+          <a:p>
+            <a:pPr marL="0" indent="0">
+              <a:buNone/>
+            </a:pPr>
+            <a:endParaRPr lang="en-US" sz="1400" dirty="0">
+              <a:solidFill>
+                <a:srgbClr val="0070C0"/>
+              </a:solidFill>
+            </a:endParaRPr>
+          </a:p>
+          <a:p>
+            <a:pPr marL="0" indent="0">
+              <a:buNone/>
+            </a:pPr>
+            <a:r>
+              <a:rPr lang="en-US" sz="1400" dirty="0">
+                <a:solidFill>
+                  <a:srgbClr val="0070C0"/>
+                </a:solidFill>
+              </a:rPr>
+              <a:t>create table orders_p_2023</a:t>
+            </a:r>
+          </a:p>
+          <a:p>
+            <a:pPr marL="0" indent="0">
+              <a:buNone/>
+            </a:pPr>
+            <a:r>
+              <a:rPr lang="en-US" sz="1400" dirty="0">
+                <a:solidFill>
+                  <a:srgbClr val="0070C0"/>
+                </a:solidFill>
+              </a:rPr>
+              <a:t>partition of orders</a:t>
+            </a:r>
+          </a:p>
+          <a:p>
+            <a:pPr marL="0" indent="0">
+              <a:buNone/>
+            </a:pPr>
+            <a:r>
+              <a:rPr lang="en-US" sz="1400" dirty="0">
+                <a:solidFill>
+                  <a:srgbClr val="0070C0"/>
+                </a:solidFill>
+              </a:rPr>
+              <a:t>for values from (‘2022-01-01') to (‘2023-12-31');</a:t>
+            </a:r>
+          </a:p>
+        </p:txBody>
+      </p:sp>
+    </p:spTree>
+    <p:extLst>
+      <p:ext uri="{BB962C8B-B14F-4D97-AF65-F5344CB8AC3E}">
+        <p14:creationId xmlns:p14="http://schemas.microsoft.com/office/powerpoint/2010/main" val="1219338864"/>
+      </p:ext>
+    </p:extLst>
+  </p:cSld>
+  <p:clrMapOvr>
+    <a:masterClrMapping/>
+  </p:clrMapOvr>
+</p:sld>
+</file>
+
+<file path=ppt/slides/slide16.xml><?xml version="1.0" encoding="utf-8"?>
+<p:sld xmlns:a="http://schemas.openxmlformats.org/drawingml/2006/main" xmlns:r="http://schemas.openxmlformats.org/officeDocument/2006/relationships" xmlns:p="http://schemas.openxmlformats.org/presentationml/2006/main">
+  <p:cSld>
+    <p:spTree>
+      <p:nvGrpSpPr>
+        <p:cNvPr id="1" name=""/>
+        <p:cNvGrpSpPr/>
+        <p:nvPr/>
+      </p:nvGrpSpPr>
+      <p:grpSpPr>
+        <a:xfrm>
+          <a:off x="0" y="0"/>
+          <a:ext cx="0" cy="0"/>
+          <a:chOff x="0" y="0"/>
+          <a:chExt cx="0" cy="0"/>
+        </a:xfrm>
+      </p:grpSpPr>
+      <p:sp>
+        <p:nvSpPr>
+          <p:cNvPr id="2" name="Title 1">
+            <a:extLst>
+              <a:ext uri="{FF2B5EF4-FFF2-40B4-BE49-F238E27FC236}">
+                <a16:creationId xmlns:a16="http://schemas.microsoft.com/office/drawing/2014/main" id="{C61B5D42-722A-4E57-AE65-87E9F04C13B5}"/>
+              </a:ext>
+            </a:extLst>
+          </p:cNvPr>
+          <p:cNvSpPr>
+            <a:spLocks noGrp="1"/>
+          </p:cNvSpPr>
+          <p:nvPr>
+            <p:ph type="title"/>
+          </p:nvPr>
+        </p:nvSpPr>
+        <p:spPr/>
+        <p:txBody>
+          <a:bodyPr>
+            <a:normAutofit/>
+          </a:bodyPr>
+          <a:lstStyle/>
+          <a:p>
+            <a:r>
+              <a:rPr lang="en-US" dirty="0">
+                <a:ea typeface="DejaVu Sans" pitchFamily="2"/>
+                <a:cs typeface="DejaVu Sans" pitchFamily="2"/>
+              </a:rPr>
+              <a:t>Оптимизация SQL</a:t>
+            </a:r>
+            <a:br>
+              <a:rPr lang="en-US" dirty="0">
+                <a:ea typeface="DejaVu Sans" pitchFamily="2"/>
+                <a:cs typeface="DejaVu Sans" pitchFamily="2"/>
+              </a:rPr>
+            </a:br>
+            <a:r>
+              <a:rPr lang="en-US" sz="2000" dirty="0" err="1">
+                <a:ea typeface="DejaVu Sans" pitchFamily="2"/>
+                <a:cs typeface="DejaVu Sans" pitchFamily="2"/>
+              </a:rPr>
+              <a:t>Блок</a:t>
+            </a:r>
+            <a:r>
+              <a:rPr lang="en-US" sz="2000" dirty="0">
+                <a:ea typeface="DejaVu Sans" pitchFamily="2"/>
+                <a:cs typeface="DejaVu Sans" pitchFamily="2"/>
+              </a:rPr>
+              <a:t> 2: </a:t>
+            </a:r>
+            <a:r>
+              <a:rPr lang="ru-RU" sz="2000" dirty="0" err="1">
+                <a:ea typeface="DejaVu Sans" pitchFamily="2"/>
+                <a:cs typeface="DejaVu Sans" pitchFamily="2"/>
+              </a:rPr>
+              <a:t>Партицирование</a:t>
+            </a:r>
+            <a:r>
+              <a:rPr lang="ru-RU" sz="2000" dirty="0">
+                <a:ea typeface="DejaVu Sans" pitchFamily="2"/>
+                <a:cs typeface="DejaVu Sans" pitchFamily="2"/>
+              </a:rPr>
+              <a:t> – виды </a:t>
+            </a:r>
+            <a:r>
+              <a:rPr lang="ru-RU" sz="2000" dirty="0" err="1">
+                <a:ea typeface="DejaVu Sans" pitchFamily="2"/>
+                <a:cs typeface="DejaVu Sans" pitchFamily="2"/>
+              </a:rPr>
+              <a:t>партиций</a:t>
+            </a:r>
+            <a:endParaRPr lang="ru-RU" dirty="0"/>
+          </a:p>
+        </p:txBody>
+      </p:sp>
+      <p:sp>
+        <p:nvSpPr>
+          <p:cNvPr id="3" name="Content Placeholder 2">
+            <a:extLst>
+              <a:ext uri="{FF2B5EF4-FFF2-40B4-BE49-F238E27FC236}">
+                <a16:creationId xmlns:a16="http://schemas.microsoft.com/office/drawing/2014/main" id="{090578C4-E6E7-4308-A4D1-738FCB3F61D8}"/>
+              </a:ext>
+            </a:extLst>
+          </p:cNvPr>
+          <p:cNvSpPr>
+            <a:spLocks noGrp="1"/>
+          </p:cNvSpPr>
+          <p:nvPr>
+            <p:ph idx="1"/>
+          </p:nvPr>
+        </p:nvSpPr>
+        <p:spPr>
+          <a:xfrm>
+            <a:off x="1069848" y="1878767"/>
+            <a:ext cx="10058400" cy="4691921"/>
+          </a:xfrm>
+        </p:spPr>
+        <p:txBody>
+          <a:bodyPr>
+            <a:normAutofit fontScale="92500" lnSpcReduction="10000"/>
+          </a:bodyPr>
+          <a:lstStyle/>
+          <a:p>
+            <a:r>
+              <a:rPr lang="ru-RU" sz="1400" dirty="0"/>
+              <a:t>Секционирование по списку</a:t>
+            </a:r>
+          </a:p>
+          <a:p>
+            <a:pPr marL="0" indent="0">
+              <a:buNone/>
+            </a:pPr>
+            <a:r>
+              <a:rPr lang="ru-RU" sz="1400" dirty="0"/>
+              <a:t>Таблица секционируется с помощью списка, явно указывающего, какие значения ключа должны относиться к каждой секции.</a:t>
+            </a:r>
+          </a:p>
+          <a:p>
+            <a:pPr marL="0" indent="0">
+              <a:buNone/>
+            </a:pPr>
+            <a:r>
+              <a:rPr lang="en-US" sz="1400" dirty="0">
+                <a:solidFill>
+                  <a:srgbClr val="0070C0"/>
+                </a:solidFill>
+              </a:rPr>
+              <a:t>CREATE TABLE </a:t>
+            </a:r>
+            <a:r>
+              <a:rPr lang="en-US" sz="1400" dirty="0" err="1">
+                <a:solidFill>
+                  <a:srgbClr val="0070C0"/>
+                </a:solidFill>
+              </a:rPr>
+              <a:t>sales_region</a:t>
+            </a:r>
+            <a:r>
+              <a:rPr lang="en-US" sz="1400" dirty="0">
+                <a:solidFill>
+                  <a:srgbClr val="0070C0"/>
+                </a:solidFill>
+              </a:rPr>
+              <a:t> (id int, amount int, branch text, region text)</a:t>
+            </a:r>
+          </a:p>
+          <a:p>
+            <a:pPr marL="0" indent="0">
+              <a:buNone/>
+            </a:pPr>
+            <a:r>
+              <a:rPr lang="en-US" sz="1400" dirty="0">
+                <a:solidFill>
+                  <a:srgbClr val="0070C0"/>
+                </a:solidFill>
+              </a:rPr>
+              <a:t>PARTITION BY LIST (region);</a:t>
+            </a:r>
+          </a:p>
+          <a:p>
+            <a:pPr marL="0" indent="0">
+              <a:buNone/>
+            </a:pPr>
+            <a:endParaRPr lang="ru-RU" sz="1400" dirty="0">
+              <a:solidFill>
+                <a:srgbClr val="0070C0"/>
+              </a:solidFill>
+            </a:endParaRPr>
+          </a:p>
+          <a:p>
+            <a:pPr marL="0" indent="0">
+              <a:buNone/>
+            </a:pPr>
+            <a:r>
+              <a:rPr lang="en-US" sz="1400" dirty="0">
+                <a:solidFill>
+                  <a:srgbClr val="0070C0"/>
+                </a:solidFill>
+              </a:rPr>
+              <a:t>CREATE TABLE </a:t>
+            </a:r>
+            <a:r>
+              <a:rPr lang="en-US" sz="1400" dirty="0" err="1">
+                <a:solidFill>
+                  <a:srgbClr val="0070C0"/>
+                </a:solidFill>
+              </a:rPr>
+              <a:t>sale_moscow</a:t>
+            </a:r>
+            <a:r>
+              <a:rPr lang="en-US" sz="1400" dirty="0">
+                <a:solidFill>
+                  <a:srgbClr val="0070C0"/>
+                </a:solidFill>
+              </a:rPr>
+              <a:t> PARTITION OF </a:t>
+            </a:r>
+            <a:r>
+              <a:rPr lang="en-US" sz="1400" dirty="0" err="1">
+                <a:solidFill>
+                  <a:srgbClr val="0070C0"/>
+                </a:solidFill>
+              </a:rPr>
+              <a:t>sales_region</a:t>
+            </a:r>
+            <a:r>
+              <a:rPr lang="en-US" sz="1400" dirty="0">
+                <a:solidFill>
+                  <a:srgbClr val="0070C0"/>
+                </a:solidFill>
+              </a:rPr>
+              <a:t> FOR VALUES IN (‘Moscow’);</a:t>
+            </a:r>
+          </a:p>
+          <a:p>
+            <a:pPr marL="0" indent="0">
+              <a:buNone/>
+            </a:pPr>
+            <a:r>
+              <a:rPr lang="en-US" sz="1400" dirty="0">
+                <a:solidFill>
+                  <a:srgbClr val="0070C0"/>
+                </a:solidFill>
+              </a:rPr>
+              <a:t>CREATE TABLE </a:t>
+            </a:r>
+            <a:r>
+              <a:rPr lang="en-US" sz="1400" dirty="0" err="1">
+                <a:solidFill>
+                  <a:srgbClr val="0070C0"/>
+                </a:solidFill>
+              </a:rPr>
+              <a:t>sale_kazan</a:t>
+            </a:r>
+            <a:r>
+              <a:rPr lang="en-US" sz="1400" dirty="0">
+                <a:solidFill>
+                  <a:srgbClr val="0070C0"/>
+                </a:solidFill>
+              </a:rPr>
+              <a:t> PARTITION OF </a:t>
+            </a:r>
+            <a:r>
+              <a:rPr lang="en-US" sz="1400" dirty="0" err="1">
+                <a:solidFill>
+                  <a:srgbClr val="0070C0"/>
+                </a:solidFill>
+              </a:rPr>
+              <a:t>sales_region</a:t>
+            </a:r>
+            <a:r>
+              <a:rPr lang="en-US" sz="1400" dirty="0">
+                <a:solidFill>
+                  <a:srgbClr val="0070C0"/>
+                </a:solidFill>
+              </a:rPr>
+              <a:t> FOR VALUES IN (‘Kazan’);</a:t>
+            </a:r>
+            <a:endParaRPr lang="ru-RU" sz="1400" dirty="0">
+              <a:solidFill>
+                <a:srgbClr val="0070C0"/>
+              </a:solidFill>
+            </a:endParaRPr>
+          </a:p>
+          <a:p>
+            <a:pPr marL="0" indent="0">
+              <a:buNone/>
+            </a:pPr>
+            <a:endParaRPr lang="ru-RU" sz="1400" dirty="0">
+              <a:solidFill>
+                <a:srgbClr val="0070C0"/>
+              </a:solidFill>
+            </a:endParaRPr>
+          </a:p>
+          <a:p>
+            <a:r>
+              <a:rPr lang="ru-RU" sz="1400" dirty="0"/>
+              <a:t>Секционирование по </a:t>
+            </a:r>
+            <a:r>
+              <a:rPr lang="ru-RU" sz="1400" dirty="0" err="1"/>
+              <a:t>хэшу</a:t>
+            </a:r>
+            <a:endParaRPr lang="ru-RU" sz="1400" dirty="0"/>
+          </a:p>
+          <a:p>
+            <a:pPr marL="0" indent="0">
+              <a:buNone/>
+            </a:pPr>
+            <a:r>
+              <a:rPr lang="ru-RU" sz="1400" dirty="0"/>
+              <a:t>Таблица секционируется по определённым модулям и остаткам, которые указываются для каждой секции.</a:t>
+            </a:r>
+          </a:p>
+          <a:p>
+            <a:pPr marL="0" indent="0">
+              <a:buNone/>
+            </a:pPr>
+            <a:r>
+              <a:rPr lang="en-US" sz="1400" dirty="0">
+                <a:solidFill>
+                  <a:srgbClr val="0070C0"/>
+                </a:solidFill>
+              </a:rPr>
+              <a:t>CREATE TABLE emp (</a:t>
+            </a:r>
+            <a:r>
+              <a:rPr lang="en-US" sz="1400" dirty="0" err="1">
+                <a:solidFill>
+                  <a:srgbClr val="0070C0"/>
+                </a:solidFill>
+              </a:rPr>
+              <a:t>emp_id</a:t>
+            </a:r>
+            <a:r>
+              <a:rPr lang="en-US" sz="1400" dirty="0">
+                <a:solidFill>
+                  <a:srgbClr val="0070C0"/>
+                </a:solidFill>
+              </a:rPr>
+              <a:t> int, </a:t>
+            </a:r>
+            <a:r>
+              <a:rPr lang="en-US" sz="1400" dirty="0" err="1">
+                <a:solidFill>
+                  <a:srgbClr val="0070C0"/>
+                </a:solidFill>
+              </a:rPr>
+              <a:t>emp_name</a:t>
+            </a:r>
+            <a:r>
+              <a:rPr lang="en-US" sz="1400" dirty="0">
+                <a:solidFill>
+                  <a:srgbClr val="0070C0"/>
+                </a:solidFill>
+              </a:rPr>
+              <a:t> text, </a:t>
+            </a:r>
+            <a:r>
+              <a:rPr lang="en-US" sz="1400" dirty="0" err="1">
+                <a:solidFill>
+                  <a:srgbClr val="0070C0"/>
+                </a:solidFill>
+              </a:rPr>
+              <a:t>dep_code</a:t>
+            </a:r>
+            <a:r>
+              <a:rPr lang="en-US" sz="1400" dirty="0">
+                <a:solidFill>
+                  <a:srgbClr val="0070C0"/>
+                </a:solidFill>
+              </a:rPr>
+              <a:t> int)</a:t>
+            </a:r>
+          </a:p>
+          <a:p>
+            <a:pPr marL="0" indent="0">
+              <a:buNone/>
+            </a:pPr>
+            <a:r>
+              <a:rPr lang="en-US" sz="1400" dirty="0">
+                <a:solidFill>
+                  <a:srgbClr val="0070C0"/>
+                </a:solidFill>
+              </a:rPr>
+              <a:t>PARTITION BY HASH (</a:t>
+            </a:r>
+            <a:r>
+              <a:rPr lang="en-US" sz="1400" dirty="0" err="1">
+                <a:solidFill>
+                  <a:srgbClr val="0070C0"/>
+                </a:solidFill>
+              </a:rPr>
+              <a:t>emp_id</a:t>
+            </a:r>
+            <a:r>
+              <a:rPr lang="en-US" sz="1400" dirty="0">
+                <a:solidFill>
+                  <a:srgbClr val="0070C0"/>
+                </a:solidFill>
+              </a:rPr>
+              <a:t>);</a:t>
+            </a:r>
+          </a:p>
+          <a:p>
+            <a:pPr marL="0" indent="0">
+              <a:buNone/>
+            </a:pPr>
+            <a:endParaRPr lang="en-US" sz="1400" dirty="0">
+              <a:solidFill>
+                <a:srgbClr val="0070C0"/>
+              </a:solidFill>
+            </a:endParaRPr>
+          </a:p>
+          <a:p>
+            <a:pPr marL="0" indent="0">
+              <a:buNone/>
+            </a:pPr>
+            <a:r>
+              <a:rPr lang="en-US" sz="1400" dirty="0">
+                <a:solidFill>
+                  <a:srgbClr val="0070C0"/>
+                </a:solidFill>
+              </a:rPr>
+              <a:t>CREATE TABLE emp_0 PARTITION OF emp FOR VALUES WITH (MODULUS 2,REMAINDER 0);</a:t>
+            </a:r>
+          </a:p>
+          <a:p>
+            <a:pPr marL="0" indent="0">
+              <a:buNone/>
+            </a:pPr>
+            <a:r>
+              <a:rPr lang="en-US" sz="1400" dirty="0">
+                <a:solidFill>
+                  <a:srgbClr val="0070C0"/>
+                </a:solidFill>
+              </a:rPr>
+              <a:t>CREATE TABLE emp_1 PARTITION OF emp FOR VALUES WITH (MODULUS 2,REMAINDER 1);</a:t>
+            </a:r>
+            <a:endParaRPr lang="ru-RU" sz="1400" dirty="0">
+              <a:solidFill>
+                <a:srgbClr val="0070C0"/>
+              </a:solidFill>
+            </a:endParaRPr>
+          </a:p>
+          <a:p>
+            <a:pPr marL="0" indent="0">
+              <a:buNone/>
+            </a:pPr>
+            <a:endParaRPr lang="ru-RU" sz="1400" dirty="0">
+              <a:solidFill>
+                <a:srgbClr val="0070C0"/>
+              </a:solidFill>
+            </a:endParaRPr>
+          </a:p>
+        </p:txBody>
+      </p:sp>
+    </p:spTree>
+    <p:extLst>
+      <p:ext uri="{BB962C8B-B14F-4D97-AF65-F5344CB8AC3E}">
+        <p14:creationId xmlns:p14="http://schemas.microsoft.com/office/powerpoint/2010/main" val="2327172896"/>
+      </p:ext>
+    </p:extLst>
+  </p:cSld>
+  <p:clrMapOvr>
+    <a:masterClrMapping/>
+  </p:clrMapOvr>
+</p:sld>
+</file>
+
+<file path=ppt/slides/slide17.xml><?xml version="1.0" encoding="utf-8"?>
+<p:sld xmlns:a="http://schemas.openxmlformats.org/drawingml/2006/main" xmlns:r="http://schemas.openxmlformats.org/officeDocument/2006/relationships" xmlns:p="http://schemas.openxmlformats.org/presentationml/2006/main">
+  <p:cSld>
+    <p:spTree>
+      <p:nvGrpSpPr>
+        <p:cNvPr id="1" name=""/>
+        <p:cNvGrpSpPr/>
+        <p:nvPr/>
+      </p:nvGrpSpPr>
+      <p:grpSpPr>
+        <a:xfrm>
+          <a:off x="0" y="0"/>
+          <a:ext cx="0" cy="0"/>
+          <a:chOff x="0" y="0"/>
+          <a:chExt cx="0" cy="0"/>
+        </a:xfrm>
+      </p:grpSpPr>
+      <p:sp>
+        <p:nvSpPr>
+          <p:cNvPr id="2" name="Title 1">
+            <a:extLst>
+              <a:ext uri="{FF2B5EF4-FFF2-40B4-BE49-F238E27FC236}">
+                <a16:creationId xmlns:a16="http://schemas.microsoft.com/office/drawing/2014/main" id="{C61B5D42-722A-4E57-AE65-87E9F04C13B5}"/>
+              </a:ext>
+            </a:extLst>
+          </p:cNvPr>
+          <p:cNvSpPr>
+            <a:spLocks noGrp="1"/>
+          </p:cNvSpPr>
+          <p:nvPr>
+            <p:ph type="title"/>
+          </p:nvPr>
+        </p:nvSpPr>
+        <p:spPr/>
+        <p:txBody>
+          <a:bodyPr>
+            <a:normAutofit/>
+          </a:bodyPr>
+          <a:lstStyle/>
+          <a:p>
+            <a:r>
+              <a:rPr lang="en-US" dirty="0">
+                <a:ea typeface="DejaVu Sans" pitchFamily="2"/>
+                <a:cs typeface="DejaVu Sans" pitchFamily="2"/>
+              </a:rPr>
+              <a:t>Оптимизация SQL</a:t>
+            </a:r>
+            <a:br>
+              <a:rPr lang="en-US" dirty="0">
+                <a:ea typeface="DejaVu Sans" pitchFamily="2"/>
+                <a:cs typeface="DejaVu Sans" pitchFamily="2"/>
+              </a:rPr>
+            </a:br>
+            <a:r>
+              <a:rPr lang="en-US" sz="2000" dirty="0" err="1">
+                <a:ea typeface="DejaVu Sans" pitchFamily="2"/>
+                <a:cs typeface="DejaVu Sans" pitchFamily="2"/>
+              </a:rPr>
+              <a:t>Блок</a:t>
+            </a:r>
+            <a:r>
+              <a:rPr lang="en-US" sz="2000" dirty="0">
+                <a:ea typeface="DejaVu Sans" pitchFamily="2"/>
+                <a:cs typeface="DejaVu Sans" pitchFamily="2"/>
+              </a:rPr>
+              <a:t> 2: </a:t>
+            </a:r>
+            <a:r>
+              <a:rPr lang="ru-RU" sz="2000" dirty="0" err="1">
+                <a:ea typeface="DejaVu Sans" pitchFamily="2"/>
+                <a:cs typeface="DejaVu Sans" pitchFamily="2"/>
+              </a:rPr>
+              <a:t>Партицирование</a:t>
+            </a:r>
+            <a:endParaRPr lang="ru-RU" dirty="0"/>
+          </a:p>
+        </p:txBody>
+      </p:sp>
+      <p:sp>
+        <p:nvSpPr>
+          <p:cNvPr id="3" name="Content Placeholder 2">
+            <a:extLst>
+              <a:ext uri="{FF2B5EF4-FFF2-40B4-BE49-F238E27FC236}">
+                <a16:creationId xmlns:a16="http://schemas.microsoft.com/office/drawing/2014/main" id="{090578C4-E6E7-4308-A4D1-738FCB3F61D8}"/>
+              </a:ext>
+            </a:extLst>
+          </p:cNvPr>
+          <p:cNvSpPr>
+            <a:spLocks noGrp="1"/>
+          </p:cNvSpPr>
+          <p:nvPr>
+            <p:ph idx="1"/>
+          </p:nvPr>
+        </p:nvSpPr>
+        <p:spPr/>
+        <p:txBody>
+          <a:bodyPr/>
+          <a:lstStyle/>
+          <a:p>
+            <a:r>
+              <a:rPr lang="ru-RU" dirty="0"/>
+              <a:t>Практика</a:t>
+            </a:r>
+          </a:p>
+        </p:txBody>
+      </p:sp>
+    </p:spTree>
+    <p:extLst>
+      <p:ext uri="{BB962C8B-B14F-4D97-AF65-F5344CB8AC3E}">
+        <p14:creationId xmlns:p14="http://schemas.microsoft.com/office/powerpoint/2010/main" val="800897386"/>
+      </p:ext>
+    </p:extLst>
+  </p:cSld>
+  <p:clrMapOvr>
+    <a:masterClrMapping/>
+  </p:clrMapOvr>
+</p:sld>
+</file>
+
+<file path=ppt/slides/slide18.xml><?xml version="1.0" encoding="utf-8"?>
+<p:sld xmlns:a="http://schemas.openxmlformats.org/drawingml/2006/main" xmlns:r="http://schemas.openxmlformats.org/officeDocument/2006/relationships" xmlns:p="http://schemas.openxmlformats.org/presentationml/2006/main">
+  <p:cSld>
+    <p:spTree>
+      <p:nvGrpSpPr>
+        <p:cNvPr id="1" name=""/>
+        <p:cNvGrpSpPr/>
+        <p:nvPr/>
+      </p:nvGrpSpPr>
+      <p:grpSpPr>
+        <a:xfrm>
+          <a:off x="0" y="0"/>
+          <a:ext cx="0" cy="0"/>
+          <a:chOff x="0" y="0"/>
+          <a:chExt cx="0" cy="0"/>
+        </a:xfrm>
+      </p:grpSpPr>
+      <p:sp>
+        <p:nvSpPr>
+          <p:cNvPr id="2" name="Title 1">
+            <a:extLst>
+              <a:ext uri="{FF2B5EF4-FFF2-40B4-BE49-F238E27FC236}">
+                <a16:creationId xmlns:a16="http://schemas.microsoft.com/office/drawing/2014/main" id="{1ED93B46-2129-4D6B-9E60-2C5A2357CAE3}"/>
+              </a:ext>
+            </a:extLst>
+          </p:cNvPr>
+          <p:cNvSpPr>
+            <a:spLocks noGrp="1"/>
+          </p:cNvSpPr>
+          <p:nvPr>
+            <p:ph type="title"/>
+          </p:nvPr>
+        </p:nvSpPr>
+        <p:spPr/>
+        <p:txBody>
+          <a:bodyPr>
+            <a:normAutofit/>
+          </a:bodyPr>
+          <a:lstStyle/>
+          <a:p>
+            <a:r>
+              <a:rPr lang="en-US" dirty="0">
+                <a:ea typeface="DejaVu Sans" pitchFamily="2"/>
+                <a:cs typeface="DejaVu Sans" pitchFamily="2"/>
+              </a:rPr>
+              <a:t>Оптимизация SQL</a:t>
+            </a:r>
+            <a:br>
+              <a:rPr lang="en-US" dirty="0">
+                <a:ea typeface="DejaVu Sans" pitchFamily="2"/>
+                <a:cs typeface="DejaVu Sans" pitchFamily="2"/>
+              </a:rPr>
+            </a:br>
+            <a:r>
+              <a:rPr lang="en-US" sz="2000" dirty="0" err="1">
+                <a:ea typeface="DejaVu Sans" pitchFamily="2"/>
+                <a:cs typeface="DejaVu Sans" pitchFamily="2"/>
+              </a:rPr>
+              <a:t>Блок</a:t>
+            </a:r>
+            <a:r>
+              <a:rPr lang="en-US" sz="2000" dirty="0">
+                <a:ea typeface="DejaVu Sans" pitchFamily="2"/>
+                <a:cs typeface="DejaVu Sans" pitchFamily="2"/>
+              </a:rPr>
+              <a:t> 3: Теория: </a:t>
             </a:r>
             <a:r>
               <a:rPr lang="ru-RU" sz="2000" dirty="0">
@@ -5792,780 +8100,6 @@
 </p:sld>
 </file>
 
-<file path=ppt/slides/slide14.xml><?xml version="1.0" encoding="utf-8"?>
-<p:sld xmlns:a="http://schemas.openxmlformats.org/drawingml/2006/main" xmlns:r="http://schemas.openxmlformats.org/officeDocument/2006/relationships" xmlns:p="http://schemas.openxmlformats.org/presentationml/2006/main">
-  <p:cSld>
-    <p:spTree>
-      <p:nvGrpSpPr>
-        <p:cNvPr id="1" name=""/>
-        <p:cNvGrpSpPr/>
-        <p:nvPr/>
-      </p:nvGrpSpPr>
-      <p:grpSpPr>
-        <a:xfrm>
-          <a:off x="0" y="0"/>
-          <a:ext cx="0" cy="0"/>
-          <a:chOff x="0" y="0"/>
-          <a:chExt cx="0" cy="0"/>
-        </a:xfrm>
-      </p:grpSpPr>
-      <p:sp>
-        <p:nvSpPr>
-          <p:cNvPr id="2" name="Title 1">
-            <a:extLst>
-              <a:ext uri="{FF2B5EF4-FFF2-40B4-BE49-F238E27FC236}">
-                <a16:creationId xmlns:a16="http://schemas.microsoft.com/office/drawing/2014/main" id="{C61B5D42-722A-4E57-AE65-87E9F04C13B5}"/>
-              </a:ext>
-            </a:extLst>
-          </p:cNvPr>
-          <p:cNvSpPr>
-            <a:spLocks noGrp="1"/>
-          </p:cNvSpPr>
-          <p:nvPr>
-            <p:ph type="title"/>
-          </p:nvPr>
-        </p:nvSpPr>
-        <p:spPr/>
-        <p:txBody>
-          <a:bodyPr>
-            <a:normAutofit/>
-          </a:bodyPr>
-          <a:lstStyle/>
-          <a:p>
-            <a:r>
-              <a:rPr lang="en-US" dirty="0">
-                <a:ea typeface="DejaVu Sans" pitchFamily="2"/>
-                <a:cs typeface="DejaVu Sans" pitchFamily="2"/>
-              </a:rPr>
-              <a:t>Оптимизация SQL</a:t>
-            </a:r>
-            <a:br>
-              <a:rPr lang="en-US" dirty="0">
-                <a:ea typeface="DejaVu Sans" pitchFamily="2"/>
-                <a:cs typeface="DejaVu Sans" pitchFamily="2"/>
-              </a:rPr>
-            </a:br>
-            <a:r>
-              <a:rPr lang="en-US" sz="2000" dirty="0" err="1">
-                <a:ea typeface="DejaVu Sans" pitchFamily="2"/>
-                <a:cs typeface="DejaVu Sans" pitchFamily="2"/>
-              </a:rPr>
-              <a:t>Блок</a:t>
-            </a:r>
-            <a:r>
-              <a:rPr lang="en-US" sz="2000" dirty="0">
-                <a:ea typeface="DejaVu Sans" pitchFamily="2"/>
-                <a:cs typeface="DejaVu Sans" pitchFamily="2"/>
-              </a:rPr>
-              <a:t> </a:t>
-            </a:r>
-            <a:r>
-              <a:rPr lang="ru-RU" sz="2000" dirty="0">
-                <a:ea typeface="DejaVu Sans" pitchFamily="2"/>
-                <a:cs typeface="DejaVu Sans" pitchFamily="2"/>
-              </a:rPr>
-              <a:t>2</a:t>
-            </a:r>
-            <a:r>
-              <a:rPr lang="en-US" sz="2000" dirty="0">
-                <a:ea typeface="DejaVu Sans" pitchFamily="2"/>
-                <a:cs typeface="DejaVu Sans" pitchFamily="2"/>
-              </a:rPr>
-              <a:t>: </a:t>
-            </a:r>
-            <a:r>
-              <a:rPr lang="ru-RU" sz="2000" dirty="0">
-                <a:ea typeface="DejaVu Sans" pitchFamily="2"/>
-                <a:cs typeface="DejaVu Sans" pitchFamily="2"/>
-              </a:rPr>
-              <a:t>Виды физических </a:t>
-            </a:r>
-            <a:r>
-              <a:rPr lang="ru-RU" sz="2000" dirty="0" err="1">
-                <a:ea typeface="DejaVu Sans" pitchFamily="2"/>
-                <a:cs typeface="DejaVu Sans" pitchFamily="2"/>
-              </a:rPr>
-              <a:t>join</a:t>
-            </a:r>
-            <a:r>
-              <a:rPr lang="ru-RU" sz="2000" dirty="0">
-                <a:ea typeface="DejaVu Sans" pitchFamily="2"/>
-                <a:cs typeface="DejaVu Sans" pitchFamily="2"/>
-              </a:rPr>
-              <a:t> и какой выбрать</a:t>
-            </a:r>
-            <a:endParaRPr lang="ru-RU" dirty="0"/>
-          </a:p>
-        </p:txBody>
-      </p:sp>
-      <p:sp>
-        <p:nvSpPr>
-          <p:cNvPr id="3" name="Content Placeholder 2">
-            <a:extLst>
-              <a:ext uri="{FF2B5EF4-FFF2-40B4-BE49-F238E27FC236}">
-                <a16:creationId xmlns:a16="http://schemas.microsoft.com/office/drawing/2014/main" id="{090578C4-E6E7-4308-A4D1-738FCB3F61D8}"/>
-              </a:ext>
-            </a:extLst>
-          </p:cNvPr>
-          <p:cNvSpPr>
-            <a:spLocks noGrp="1"/>
-          </p:cNvSpPr>
-          <p:nvPr>
-            <p:ph idx="1"/>
-          </p:nvPr>
-        </p:nvSpPr>
-        <p:spPr/>
-        <p:txBody>
-          <a:bodyPr/>
-          <a:lstStyle/>
-          <a:p>
-            <a:r>
-              <a:rPr lang="ru-RU" dirty="0"/>
-              <a:t>Практика</a:t>
-            </a:r>
-          </a:p>
-        </p:txBody>
-      </p:sp>
-    </p:spTree>
-    <p:extLst>
-      <p:ext uri="{BB962C8B-B14F-4D97-AF65-F5344CB8AC3E}">
-        <p14:creationId xmlns:p14="http://schemas.microsoft.com/office/powerpoint/2010/main" val="227297583"/>
-      </p:ext>
-    </p:extLst>
-  </p:cSld>
-  <p:clrMapOvr>
-    <a:masterClrMapping/>
-  </p:clrMapOvr>
-</p:sld>
-</file>
-
-<file path=ppt/slides/slide15.xml><?xml version="1.0" encoding="utf-8"?>
-<p:sld xmlns:a="http://schemas.openxmlformats.org/drawingml/2006/main" xmlns:r="http://schemas.openxmlformats.org/officeDocument/2006/relationships" xmlns:p="http://schemas.openxmlformats.org/presentationml/2006/main">
-  <p:cSld>
-    <p:spTree>
-      <p:nvGrpSpPr>
-        <p:cNvPr id="1" name=""/>
-        <p:cNvGrpSpPr/>
-        <p:nvPr/>
-      </p:nvGrpSpPr>
-      <p:grpSpPr>
-        <a:xfrm>
-          <a:off x="0" y="0"/>
-          <a:ext cx="0" cy="0"/>
-          <a:chOff x="0" y="0"/>
-          <a:chExt cx="0" cy="0"/>
-        </a:xfrm>
-      </p:grpSpPr>
-      <p:sp>
-        <p:nvSpPr>
-          <p:cNvPr id="2" name="Title 1">
-            <a:extLst>
-              <a:ext uri="{FF2B5EF4-FFF2-40B4-BE49-F238E27FC236}">
-                <a16:creationId xmlns:a16="http://schemas.microsoft.com/office/drawing/2014/main" id="{1ED93B46-2129-4D6B-9E60-2C5A2357CAE3}"/>
-              </a:ext>
-            </a:extLst>
-          </p:cNvPr>
-          <p:cNvSpPr>
-            <a:spLocks noGrp="1"/>
-          </p:cNvSpPr>
-          <p:nvPr>
-            <p:ph type="title"/>
-          </p:nvPr>
-        </p:nvSpPr>
-        <p:spPr/>
-        <p:txBody>
-          <a:bodyPr>
-            <a:normAutofit/>
-          </a:bodyPr>
-          <a:lstStyle/>
-          <a:p>
-            <a:r>
-              <a:rPr lang="en-US" dirty="0">
-                <a:ea typeface="DejaVu Sans" pitchFamily="2"/>
-                <a:cs typeface="DejaVu Sans" pitchFamily="2"/>
-              </a:rPr>
-              <a:t>Оптимизация SQL</a:t>
-            </a:r>
-            <a:br>
-              <a:rPr lang="en-US" dirty="0">
-                <a:ea typeface="DejaVu Sans" pitchFamily="2"/>
-                <a:cs typeface="DejaVu Sans" pitchFamily="2"/>
-              </a:rPr>
-            </a:br>
-            <a:r>
-              <a:rPr lang="en-US" sz="2000" dirty="0" err="1">
-                <a:ea typeface="DejaVu Sans" pitchFamily="2"/>
-                <a:cs typeface="DejaVu Sans" pitchFamily="2"/>
-              </a:rPr>
-              <a:t>Блок</a:t>
-            </a:r>
-            <a:r>
-              <a:rPr lang="en-US" sz="2000" dirty="0">
-                <a:ea typeface="DejaVu Sans" pitchFamily="2"/>
-                <a:cs typeface="DejaVu Sans" pitchFamily="2"/>
-              </a:rPr>
-              <a:t> </a:t>
-            </a:r>
-            <a:r>
-              <a:rPr lang="ru-RU" sz="2000" dirty="0">
-                <a:ea typeface="DejaVu Sans" pitchFamily="2"/>
-                <a:cs typeface="DejaVu Sans" pitchFamily="2"/>
-              </a:rPr>
-              <a:t>3</a:t>
-            </a:r>
-            <a:r>
-              <a:rPr lang="en-US" sz="2000" dirty="0">
-                <a:ea typeface="DejaVu Sans" pitchFamily="2"/>
-                <a:cs typeface="DejaVu Sans" pitchFamily="2"/>
-              </a:rPr>
-              <a:t>: Теория: Union vs union all</a:t>
-            </a:r>
-            <a:endParaRPr lang="ru-RU" dirty="0"/>
-          </a:p>
-        </p:txBody>
-      </p:sp>
-      <p:sp>
-        <p:nvSpPr>
-          <p:cNvPr id="3" name="Content Placeholder 2">
-            <a:extLst>
-              <a:ext uri="{FF2B5EF4-FFF2-40B4-BE49-F238E27FC236}">
-                <a16:creationId xmlns:a16="http://schemas.microsoft.com/office/drawing/2014/main" id="{8E65D122-F661-4641-A255-7626711E7581}"/>
-              </a:ext>
-            </a:extLst>
-          </p:cNvPr>
-          <p:cNvSpPr>
-            <a:spLocks noGrp="1"/>
-          </p:cNvSpPr>
-          <p:nvPr>
-            <p:ph idx="1"/>
-          </p:nvPr>
-        </p:nvSpPr>
-        <p:spPr/>
-        <p:txBody>
-          <a:bodyPr/>
-          <a:lstStyle/>
-          <a:p>
-            <a:pPr lvl="0">
-              <a:buClr>
-                <a:srgbClr val="666666"/>
-              </a:buClr>
-              <a:buSzPct val="45000"/>
-              <a:buFont typeface="StarSymbol"/>
-              <a:buChar char="●"/>
-            </a:pPr>
-            <a:r>
-              <a:rPr lang="en-US" dirty="0">
-                <a:solidFill>
-                  <a:srgbClr val="000000"/>
-                </a:solidFill>
-                <a:ea typeface="DejaVu Sans" pitchFamily="2"/>
-                <a:cs typeface="DejaVu Sans" pitchFamily="2"/>
-              </a:rPr>
-              <a:t>Как работает union</a:t>
-            </a:r>
-          </a:p>
-          <a:p>
-            <a:pPr lvl="0">
-              <a:buClr>
-                <a:srgbClr val="666666"/>
-              </a:buClr>
-              <a:buSzPct val="45000"/>
-              <a:buFont typeface="StarSymbol"/>
-              <a:buChar char="●"/>
-            </a:pPr>
-            <a:r>
-              <a:rPr lang="en-US" dirty="0">
-                <a:solidFill>
-                  <a:srgbClr val="000000"/>
-                </a:solidFill>
-                <a:ea typeface="DejaVu Sans" pitchFamily="2"/>
-                <a:cs typeface="DejaVu Sans" pitchFamily="2"/>
-              </a:rPr>
-              <a:t>Как работает union all</a:t>
-            </a:r>
-          </a:p>
-          <a:p>
-            <a:endParaRPr lang="ru-RU" dirty="0"/>
-          </a:p>
-        </p:txBody>
-      </p:sp>
-    </p:spTree>
-    <p:extLst>
-      <p:ext uri="{BB962C8B-B14F-4D97-AF65-F5344CB8AC3E}">
-        <p14:creationId xmlns:p14="http://schemas.microsoft.com/office/powerpoint/2010/main" val="3511590595"/>
-      </p:ext>
-    </p:extLst>
-  </p:cSld>
-  <p:clrMapOvr>
-    <a:masterClrMapping/>
-  </p:clrMapOvr>
-</p:sld>
-</file>
-
-<file path=ppt/slides/slide16.xml><?xml version="1.0" encoding="utf-8"?>
-<p:sld xmlns:a="http://schemas.openxmlformats.org/drawingml/2006/main" xmlns:r="http://schemas.openxmlformats.org/officeDocument/2006/relationships" xmlns:p="http://schemas.openxmlformats.org/presentationml/2006/main">
-  <p:cSld>
-    <p:spTree>
-      <p:nvGrpSpPr>
-        <p:cNvPr id="1" name=""/>
-        <p:cNvGrpSpPr/>
-        <p:nvPr/>
-      </p:nvGrpSpPr>
-      <p:grpSpPr>
-        <a:xfrm>
-          <a:off x="0" y="0"/>
-          <a:ext cx="0" cy="0"/>
-          <a:chOff x="0" y="0"/>
-          <a:chExt cx="0" cy="0"/>
-        </a:xfrm>
-      </p:grpSpPr>
-      <p:sp>
-        <p:nvSpPr>
-          <p:cNvPr id="2" name="Title 1">
-            <a:extLst>
-              <a:ext uri="{FF2B5EF4-FFF2-40B4-BE49-F238E27FC236}">
-                <a16:creationId xmlns:a16="http://schemas.microsoft.com/office/drawing/2014/main" id="{C61B5D42-722A-4E57-AE65-87E9F04C13B5}"/>
-              </a:ext>
-            </a:extLst>
-          </p:cNvPr>
-          <p:cNvSpPr>
-            <a:spLocks noGrp="1"/>
-          </p:cNvSpPr>
-          <p:nvPr>
-            <p:ph type="title"/>
-          </p:nvPr>
-        </p:nvSpPr>
-        <p:spPr/>
-        <p:txBody>
-          <a:bodyPr>
-            <a:normAutofit/>
-          </a:bodyPr>
-          <a:lstStyle/>
-          <a:p>
-            <a:r>
-              <a:rPr lang="en-US" dirty="0">
-                <a:ea typeface="DejaVu Sans" pitchFamily="2"/>
-                <a:cs typeface="DejaVu Sans" pitchFamily="2"/>
-              </a:rPr>
-              <a:t>Оптимизация SQL</a:t>
-            </a:r>
-            <a:br>
-              <a:rPr lang="en-US" dirty="0">
-                <a:ea typeface="DejaVu Sans" pitchFamily="2"/>
-                <a:cs typeface="DejaVu Sans" pitchFamily="2"/>
-              </a:rPr>
-            </a:br>
-            <a:r>
-              <a:rPr lang="en-US" sz="2000" dirty="0" err="1">
-                <a:ea typeface="DejaVu Sans" pitchFamily="2"/>
-                <a:cs typeface="DejaVu Sans" pitchFamily="2"/>
-              </a:rPr>
-              <a:t>Блок</a:t>
-            </a:r>
-            <a:r>
-              <a:rPr lang="en-US" sz="2000" dirty="0">
-                <a:ea typeface="DejaVu Sans" pitchFamily="2"/>
-                <a:cs typeface="DejaVu Sans" pitchFamily="2"/>
-              </a:rPr>
-              <a:t> </a:t>
-            </a:r>
-            <a:r>
-              <a:rPr lang="ru-RU" sz="2000" dirty="0">
-                <a:ea typeface="DejaVu Sans" pitchFamily="2"/>
-                <a:cs typeface="DejaVu Sans" pitchFamily="2"/>
-              </a:rPr>
-              <a:t>3</a:t>
-            </a:r>
-            <a:r>
-              <a:rPr lang="en-US" sz="2000" dirty="0">
-                <a:ea typeface="DejaVu Sans" pitchFamily="2"/>
-                <a:cs typeface="DejaVu Sans" pitchFamily="2"/>
-              </a:rPr>
-              <a:t>: Union vs union all</a:t>
-            </a:r>
-            <a:endParaRPr lang="ru-RU" dirty="0"/>
-          </a:p>
-        </p:txBody>
-      </p:sp>
-      <p:sp>
-        <p:nvSpPr>
-          <p:cNvPr id="3" name="Content Placeholder 2">
-            <a:extLst>
-              <a:ext uri="{FF2B5EF4-FFF2-40B4-BE49-F238E27FC236}">
-                <a16:creationId xmlns:a16="http://schemas.microsoft.com/office/drawing/2014/main" id="{090578C4-E6E7-4308-A4D1-738FCB3F61D8}"/>
-              </a:ext>
-            </a:extLst>
-          </p:cNvPr>
-          <p:cNvSpPr>
-            <a:spLocks noGrp="1"/>
-          </p:cNvSpPr>
-          <p:nvPr>
-            <p:ph idx="1"/>
-          </p:nvPr>
-        </p:nvSpPr>
-        <p:spPr/>
-        <p:txBody>
-          <a:bodyPr/>
-          <a:lstStyle/>
-          <a:p>
-            <a:r>
-              <a:rPr lang="ru-RU" dirty="0"/>
-              <a:t>Практика</a:t>
-            </a:r>
-          </a:p>
-        </p:txBody>
-      </p:sp>
-    </p:spTree>
-    <p:extLst>
-      <p:ext uri="{BB962C8B-B14F-4D97-AF65-F5344CB8AC3E}">
-        <p14:creationId xmlns:p14="http://schemas.microsoft.com/office/powerpoint/2010/main" val="2327172896"/>
-      </p:ext>
-    </p:extLst>
-  </p:cSld>
-  <p:clrMapOvr>
-    <a:masterClrMapping/>
-  </p:clrMapOvr>
-</p:sld>
-</file>
-
-<file path=ppt/slides/slide17.xml><?xml version="1.0" encoding="utf-8"?>
-<p:sld xmlns:a="http://schemas.openxmlformats.org/drawingml/2006/main" xmlns:r="http://schemas.openxmlformats.org/officeDocument/2006/relationships" xmlns:p="http://schemas.openxmlformats.org/presentationml/2006/main">
-  <p:cSld>
-    <p:spTree>
-      <p:nvGrpSpPr>
-        <p:cNvPr id="1" name=""/>
-        <p:cNvGrpSpPr/>
-        <p:nvPr/>
-      </p:nvGrpSpPr>
-      <p:grpSpPr>
-        <a:xfrm>
-          <a:off x="0" y="0"/>
-          <a:ext cx="0" cy="0"/>
-          <a:chOff x="0" y="0"/>
-          <a:chExt cx="0" cy="0"/>
-        </a:xfrm>
-      </p:grpSpPr>
-      <p:sp>
-        <p:nvSpPr>
-          <p:cNvPr id="2" name="Title 1">
-            <a:extLst>
-              <a:ext uri="{FF2B5EF4-FFF2-40B4-BE49-F238E27FC236}">
-                <a16:creationId xmlns:a16="http://schemas.microsoft.com/office/drawing/2014/main" id="{A7849E89-1B6E-4D5A-B79A-B4ABAF7E394E}"/>
-              </a:ext>
-            </a:extLst>
-          </p:cNvPr>
-          <p:cNvSpPr>
-            <a:spLocks noGrp="1"/>
-          </p:cNvSpPr>
-          <p:nvPr>
-            <p:ph type="title"/>
-          </p:nvPr>
-        </p:nvSpPr>
-        <p:spPr/>
-        <p:txBody>
-          <a:bodyPr>
-            <a:normAutofit/>
-          </a:bodyPr>
-          <a:lstStyle/>
-          <a:p>
-            <a:r>
-              <a:rPr lang="en-US" dirty="0">
-                <a:ea typeface="DejaVu Sans" pitchFamily="2"/>
-                <a:cs typeface="DejaVu Sans" pitchFamily="2"/>
-              </a:rPr>
-              <a:t>Оптимизация SQL</a:t>
-            </a:r>
-            <a:br>
-              <a:rPr lang="en-US" dirty="0">
-                <a:ea typeface="DejaVu Sans" pitchFamily="2"/>
-                <a:cs typeface="DejaVu Sans" pitchFamily="2"/>
-              </a:rPr>
-            </a:br>
-            <a:r>
-              <a:rPr lang="en-US" sz="2000" dirty="0" err="1">
-                <a:ea typeface="DejaVu Sans" pitchFamily="2"/>
-                <a:cs typeface="DejaVu Sans" pitchFamily="2"/>
-              </a:rPr>
-              <a:t>Блок</a:t>
-            </a:r>
-            <a:r>
-              <a:rPr lang="en-US" sz="2000" dirty="0">
-                <a:ea typeface="DejaVu Sans" pitchFamily="2"/>
-                <a:cs typeface="DejaVu Sans" pitchFamily="2"/>
-              </a:rPr>
-              <a:t> </a:t>
-            </a:r>
-            <a:r>
-              <a:rPr lang="ru-RU" sz="2000" dirty="0">
-                <a:ea typeface="DejaVu Sans" pitchFamily="2"/>
-                <a:cs typeface="DejaVu Sans" pitchFamily="2"/>
-              </a:rPr>
-              <a:t>4</a:t>
-            </a:r>
-            <a:r>
-              <a:rPr lang="en-US" sz="2000" dirty="0">
-                <a:ea typeface="DejaVu Sans" pitchFamily="2"/>
-                <a:cs typeface="DejaVu Sans" pitchFamily="2"/>
-              </a:rPr>
-              <a:t>: Теория: оптимизация через </a:t>
-            </a:r>
-            <a:r>
-              <a:rPr lang="ru-RU" sz="2000" dirty="0">
-                <a:ea typeface="DejaVu Sans" pitchFamily="2"/>
-                <a:cs typeface="DejaVu Sans" pitchFamily="2"/>
-              </a:rPr>
-              <a:t>промежуточную материализацию</a:t>
-            </a:r>
-            <a:endParaRPr lang="ru-RU" dirty="0"/>
-          </a:p>
-        </p:txBody>
-      </p:sp>
-      <p:sp>
-        <p:nvSpPr>
-          <p:cNvPr id="3" name="Content Placeholder 2">
-            <a:extLst>
-              <a:ext uri="{FF2B5EF4-FFF2-40B4-BE49-F238E27FC236}">
-                <a16:creationId xmlns:a16="http://schemas.microsoft.com/office/drawing/2014/main" id="{3900631D-A5E4-47A8-B439-20D1B6BD2E4D}"/>
-              </a:ext>
-            </a:extLst>
-          </p:cNvPr>
-          <p:cNvSpPr>
-            <a:spLocks noGrp="1"/>
-          </p:cNvSpPr>
-          <p:nvPr>
-            <p:ph idx="1"/>
-          </p:nvPr>
-        </p:nvSpPr>
-        <p:spPr/>
-        <p:txBody>
-          <a:bodyPr/>
-          <a:lstStyle/>
-          <a:p>
-            <a:pPr lvl="0">
-              <a:buClr>
-                <a:srgbClr val="666666"/>
-              </a:buClr>
-              <a:buSzPct val="45000"/>
-              <a:buFont typeface="StarSymbol"/>
-              <a:buChar char="●"/>
-            </a:pPr>
-            <a:r>
-              <a:rPr lang="en-US" dirty="0">
-                <a:solidFill>
-                  <a:srgbClr val="000000"/>
-                </a:solidFill>
-                <a:ea typeface="DejaVu Sans" pitchFamily="2"/>
-                <a:cs typeface="DejaVu Sans" pitchFamily="2"/>
-              </a:rPr>
-              <a:t>Пример плоских джоинов</a:t>
-            </a:r>
-          </a:p>
-          <a:p>
-            <a:pPr lvl="0">
-              <a:buClr>
-                <a:srgbClr val="666666"/>
-              </a:buClr>
-              <a:buSzPct val="45000"/>
-              <a:buFont typeface="StarSymbol"/>
-              <a:buChar char="●"/>
-            </a:pPr>
-            <a:r>
-              <a:rPr lang="en-US" dirty="0" err="1">
-                <a:solidFill>
-                  <a:srgbClr val="000000"/>
-                </a:solidFill>
-                <a:ea typeface="DejaVu Sans" pitchFamily="2"/>
-                <a:cs typeface="DejaVu Sans" pitchFamily="2"/>
-              </a:rPr>
-              <a:t>Переписанный</a:t>
-            </a:r>
-            <a:r>
-              <a:rPr lang="en-US" dirty="0">
-                <a:solidFill>
-                  <a:srgbClr val="000000"/>
-                </a:solidFill>
-                <a:ea typeface="DejaVu Sans" pitchFamily="2"/>
-                <a:cs typeface="DejaVu Sans" pitchFamily="2"/>
-              </a:rPr>
-              <a:t> пример через </a:t>
-            </a:r>
-            <a:r>
-              <a:rPr lang="ru-RU" dirty="0">
-                <a:solidFill>
-                  <a:srgbClr val="000000"/>
-                </a:solidFill>
-                <a:ea typeface="DejaVu Sans" pitchFamily="2"/>
-                <a:cs typeface="DejaVu Sans" pitchFamily="2"/>
-              </a:rPr>
-              <a:t>промежуточную оптимизацию</a:t>
-            </a:r>
-            <a:endParaRPr lang="en-US" dirty="0">
-              <a:solidFill>
-                <a:srgbClr val="000000"/>
-              </a:solidFill>
-              <a:ea typeface="DejaVu Sans" pitchFamily="2"/>
-              <a:cs typeface="DejaVu Sans" pitchFamily="2"/>
-            </a:endParaRPr>
-          </a:p>
-          <a:p>
-            <a:endParaRPr lang="ru-RU" dirty="0"/>
-          </a:p>
-        </p:txBody>
-      </p:sp>
-    </p:spTree>
-    <p:extLst>
-      <p:ext uri="{BB962C8B-B14F-4D97-AF65-F5344CB8AC3E}">
-        <p14:creationId xmlns:p14="http://schemas.microsoft.com/office/powerpoint/2010/main" val="4003952097"/>
-      </p:ext>
-    </p:extLst>
-  </p:cSld>
-  <p:clrMapOvr>
-    <a:masterClrMapping/>
-  </p:clrMapOvr>
-</p:sld>
-</file>
-
-<file path=ppt/slides/slide18.xml><?xml version="1.0" encoding="utf-8"?>
-<p:sld xmlns:a="http://schemas.openxmlformats.org/drawingml/2006/main" xmlns:r="http://schemas.openxmlformats.org/officeDocument/2006/relationships" xmlns:p="http://schemas.openxmlformats.org/presentationml/2006/main">
-  <p:cSld>
-    <p:spTree>
-      <p:nvGrpSpPr>
-        <p:cNvPr id="1" name=""/>
-        <p:cNvGrpSpPr/>
-        <p:nvPr/>
-      </p:nvGrpSpPr>
-      <p:grpSpPr>
-        <a:xfrm>
-          <a:off x="0" y="0"/>
-          <a:ext cx="0" cy="0"/>
-          <a:chOff x="0" y="0"/>
-          <a:chExt cx="0" cy="0"/>
-        </a:xfrm>
-      </p:grpSpPr>
-      <p:sp>
-        <p:nvSpPr>
-          <p:cNvPr id="2" name="Title 1">
-            <a:extLst>
-              <a:ext uri="{FF2B5EF4-FFF2-40B4-BE49-F238E27FC236}">
-                <a16:creationId xmlns:a16="http://schemas.microsoft.com/office/drawing/2014/main" id="{A7849E89-1B6E-4D5A-B79A-B4ABAF7E394E}"/>
-              </a:ext>
-            </a:extLst>
-          </p:cNvPr>
-          <p:cNvSpPr>
-            <a:spLocks noGrp="1"/>
-          </p:cNvSpPr>
-          <p:nvPr>
-            <p:ph type="title"/>
-          </p:nvPr>
-        </p:nvSpPr>
-        <p:spPr/>
-        <p:txBody>
-          <a:bodyPr>
-            <a:normAutofit/>
-          </a:bodyPr>
-          <a:lstStyle/>
-          <a:p>
-            <a:r>
-              <a:rPr lang="en-US" dirty="0">
-                <a:ea typeface="DejaVu Sans" pitchFamily="2"/>
-                <a:cs typeface="DejaVu Sans" pitchFamily="2"/>
-              </a:rPr>
-              <a:t>Оптимизация SQL</a:t>
-            </a:r>
-            <a:br>
-              <a:rPr lang="en-US" dirty="0">
-                <a:ea typeface="DejaVu Sans" pitchFamily="2"/>
-                <a:cs typeface="DejaVu Sans" pitchFamily="2"/>
-              </a:rPr>
-            </a:br>
-            <a:r>
-              <a:rPr lang="en-US" sz="2000" dirty="0" err="1">
-                <a:ea typeface="DejaVu Sans" pitchFamily="2"/>
-                <a:cs typeface="DejaVu Sans" pitchFamily="2"/>
-              </a:rPr>
-              <a:t>Блок</a:t>
-            </a:r>
-            <a:r>
-              <a:rPr lang="en-US" sz="2000" dirty="0">
-                <a:ea typeface="DejaVu Sans" pitchFamily="2"/>
-                <a:cs typeface="DejaVu Sans" pitchFamily="2"/>
-              </a:rPr>
-              <a:t> </a:t>
-            </a:r>
-            <a:r>
-              <a:rPr lang="ru-RU" sz="2000" dirty="0">
-                <a:ea typeface="DejaVu Sans" pitchFamily="2"/>
-                <a:cs typeface="DejaVu Sans" pitchFamily="2"/>
-              </a:rPr>
-              <a:t>4</a:t>
-            </a:r>
-            <a:r>
-              <a:rPr lang="en-US" sz="2000" dirty="0">
-                <a:ea typeface="DejaVu Sans" pitchFamily="2"/>
-                <a:cs typeface="DejaVu Sans" pitchFamily="2"/>
-              </a:rPr>
-              <a:t>: оптимизация через вложенные запросы</a:t>
-            </a:r>
-            <a:endParaRPr lang="ru-RU" dirty="0"/>
-          </a:p>
-        </p:txBody>
-      </p:sp>
-      <p:sp>
-        <p:nvSpPr>
-          <p:cNvPr id="3" name="Content Placeholder 2">
-            <a:extLst>
-              <a:ext uri="{FF2B5EF4-FFF2-40B4-BE49-F238E27FC236}">
-                <a16:creationId xmlns:a16="http://schemas.microsoft.com/office/drawing/2014/main" id="{3900631D-A5E4-47A8-B439-20D1B6BD2E4D}"/>
-              </a:ext>
-            </a:extLst>
-          </p:cNvPr>
-          <p:cNvSpPr>
-            <a:spLocks noGrp="1"/>
-          </p:cNvSpPr>
-          <p:nvPr>
-            <p:ph idx="1"/>
-          </p:nvPr>
-        </p:nvSpPr>
-        <p:spPr/>
-        <p:txBody>
-          <a:bodyPr/>
-          <a:lstStyle/>
-          <a:p>
-            <a:pPr lvl="0">
-              <a:buClr>
-                <a:srgbClr val="666666"/>
-              </a:buClr>
-              <a:buSzPct val="45000"/>
-              <a:buFont typeface="StarSymbol"/>
-              <a:buChar char="●"/>
-            </a:pPr>
-            <a:r>
-              <a:rPr lang="ru-RU" dirty="0">
-                <a:solidFill>
-                  <a:srgbClr val="000000"/>
-                </a:solidFill>
-                <a:ea typeface="DejaVu Sans" pitchFamily="2"/>
-                <a:cs typeface="DejaVu Sans" pitchFamily="2"/>
-              </a:rPr>
-              <a:t>Практика</a:t>
-            </a:r>
-            <a:endParaRPr lang="ru-RU" dirty="0"/>
-          </a:p>
-        </p:txBody>
-      </p:sp>
-    </p:spTree>
-    <p:extLst>
-      <p:ext uri="{BB962C8B-B14F-4D97-AF65-F5344CB8AC3E}">
-        <p14:creationId xmlns:p14="http://schemas.microsoft.com/office/powerpoint/2010/main" val="1535010297"/>
-      </p:ext>
-    </p:extLst>
-  </p:cSld>
-  <p:clrMapOvr>
-    <a:masterClrMapping/>
-  </p:clrMapOvr>
-</p:sld>
-</file>
-
 <file path=ppt/slides/slide19.xml><?xml version="1.0" encoding="utf-8"?>
 <p:sld xmlns:a="http://schemas.openxmlformats.org/drawingml/2006/main" xmlns:r="http://schemas.openxmlformats.org/officeDocument/2006/relationships" xmlns:p="http://schemas.openxmlformats.org/presentationml/2006/main">
   <p:cSld>
@@ -6588,7 +8122,7 @@
           <p:cNvPr id="2" name="Title 1">
             <a:extLst>
               <a:ext uri="{FF2B5EF4-FFF2-40B4-BE49-F238E27FC236}">
-                <a16:creationId xmlns:a16="http://schemas.microsoft.com/office/drawing/2014/main" id="{758213DD-3EDA-455B-8835-00FD804FA17A}"/>
+                <a16:creationId xmlns:a16="http://schemas.microsoft.com/office/drawing/2014/main" id="{C61B5D42-722A-4E57-AE65-87E9F04C13B5}"/>
               </a:ext>
             </a:extLst>
           </p:cNvPr>
@@ -6631,21 +8165,28 @@
                 <a:ea typeface="DejaVu Sans" pitchFamily="2"/>
                 <a:cs typeface="DejaVu Sans" pitchFamily="2"/>
               </a:rPr>
-              <a:t> </a:t>
+              <a:t> 3: </a:t>
             </a:r>
             <a:r>
               <a:rPr lang="ru-RU" sz="2000" dirty="0">
                 <a:ea typeface="DejaVu Sans" pitchFamily="2"/>
                 <a:cs typeface="DejaVu Sans" pitchFamily="2"/>
               </a:rPr>
-              <a:t>5</a:t>
-            </a:r>
-            <a:r>
-              <a:rPr lang="en-US" sz="2000" dirty="0">
-                <a:ea typeface="DejaVu Sans" pitchFamily="2"/>
-                <a:cs typeface="DejaVu Sans" pitchFamily="2"/>
-              </a:rPr>
-              <a:t>: Теория: Unlogged таблицы</a:t>
+              <a:t>Виды физических </a:t>
+            </a:r>
+            <a:r>
+              <a:rPr lang="ru-RU" sz="2000" dirty="0" err="1">
+                <a:ea typeface="DejaVu Sans" pitchFamily="2"/>
+                <a:cs typeface="DejaVu Sans" pitchFamily="2"/>
+              </a:rPr>
+              <a:t>join</a:t>
+            </a:r>
+            <a:r>
+              <a:rPr lang="ru-RU" sz="2000" dirty="0">
+                <a:ea typeface="DejaVu Sans" pitchFamily="2"/>
+                <a:cs typeface="DejaVu Sans" pitchFamily="2"/>
+              </a:rPr>
+              <a:t> и какой выбрать</a:t>
             </a:r>
             <a:endParaRPr lang="ru-RU" dirty="0"/>
           </a:p>
@@ -6656,7 +8197,7 @@
           <p:cNvPr id="3" name="Content Placeholder 2">
             <a:extLst>
               <a:ext uri="{FF2B5EF4-FFF2-40B4-BE49-F238E27FC236}">
-                <a16:creationId xmlns:a16="http://schemas.microsoft.com/office/drawing/2014/main" id="{C161AC7D-9235-4A56-9DBD-0A35EEF87042}"/>
+                <a16:creationId xmlns:a16="http://schemas.microsoft.com/office/drawing/2014/main" id="{090578C4-E6E7-4308-A4D1-738FCB3F61D8}"/>
               </a:ext>
             </a:extLst>
           </p:cNvPr>
@@ -6672,296 +8213,17 @@
           <a:bodyPr/>
           <a:lstStyle/>
           <a:p>
-            <a:pPr lvl="0">
-              <a:buClr>
-                <a:srgbClr val="666666"/>
-              </a:buClr>
-              <a:buSzPct val="45000"/>
-              <a:buFont typeface="StarSymbol"/>
-              <a:buChar char="●"/>
-            </a:pPr>
-            <a:r>
-              <a:rPr lang="en-US" dirty="0">
-                <a:solidFill>
-                  <a:srgbClr val="000000"/>
-                </a:solidFill>
-                <a:ea typeface="DejaVu Sans" pitchFamily="2"/>
-                <a:cs typeface="DejaVu Sans" pitchFamily="2"/>
-              </a:rPr>
-              <a:t>Что такое unlogged таблица</a:t>
-            </a:r>
-            <a:endParaRPr lang="ru-RU" dirty="0">
-              <a:solidFill>
-                <a:srgbClr val="000000"/>
-              </a:solidFill>
-              <a:ea typeface="DejaVu Sans" pitchFamily="2"/>
-              <a:cs typeface="DejaVu Sans" pitchFamily="2"/>
-            </a:endParaRPr>
-          </a:p>
-          <a:p>
-            <a:pPr lvl="1">
-              <a:buClr>
-                <a:srgbClr val="666666"/>
-              </a:buClr>
-              <a:buSzPct val="45000"/>
-              <a:buFont typeface="StarSymbol"/>
-              <a:buChar char="●"/>
-            </a:pPr>
-            <a:r>
-              <a:rPr lang="ru-RU" dirty="0">
-                <a:solidFill>
-                  <a:srgbClr val="000000"/>
-                </a:solidFill>
-                <a:ea typeface="DejaVu Sans" pitchFamily="2"/>
-                <a:cs typeface="DejaVu Sans" pitchFamily="2"/>
-              </a:rPr>
-              <a:t>Не пишется информация о транзакциях в </a:t>
-            </a:r>
-            <a:r>
-              <a:rPr lang="en-US" dirty="0" err="1">
-                <a:solidFill>
-                  <a:srgbClr val="000000"/>
-                </a:solidFill>
-                <a:ea typeface="DejaVu Sans" pitchFamily="2"/>
-                <a:cs typeface="DejaVu Sans" pitchFamily="2"/>
-              </a:rPr>
-              <a:t>wal</a:t>
-            </a:r>
-            <a:r>
-              <a:rPr lang="ru-RU" dirty="0">
-                <a:solidFill>
-                  <a:srgbClr val="000000"/>
-                </a:solidFill>
-                <a:ea typeface="DejaVu Sans" pitchFamily="2"/>
-                <a:cs typeface="DejaVu Sans" pitchFamily="2"/>
-              </a:rPr>
-              <a:t>-лог</a:t>
-            </a:r>
-            <a:endParaRPr lang="en-US" dirty="0">
-              <a:solidFill>
-                <a:srgbClr val="000000"/>
-              </a:solidFill>
-              <a:ea typeface="DejaVu Sans" pitchFamily="2"/>
-              <a:cs typeface="DejaVu Sans" pitchFamily="2"/>
-            </a:endParaRPr>
-          </a:p>
-          <a:p>
-            <a:pPr lvl="0">
-              <a:buClr>
-                <a:srgbClr val="666666"/>
-              </a:buClr>
-              <a:buSzPct val="45000"/>
-              <a:buFont typeface="StarSymbol"/>
-              <a:buChar char="●"/>
-            </a:pPr>
-            <a:r>
-              <a:rPr lang="en-US" dirty="0">
-                <a:solidFill>
-                  <a:srgbClr val="000000"/>
-                </a:solidFill>
-                <a:ea typeface="DejaVu Sans" pitchFamily="2"/>
-                <a:cs typeface="DejaVu Sans" pitchFamily="2"/>
-              </a:rPr>
-              <a:t>Truncate vs delete from</a:t>
-            </a:r>
-          </a:p>
-          <a:p>
-            <a:pPr lvl="0">
-              <a:buClr>
-                <a:srgbClr val="666666"/>
-              </a:buClr>
-              <a:buSzPct val="45000"/>
-              <a:buFont typeface="StarSymbol"/>
-              <a:buChar char="●"/>
-            </a:pPr>
-            <a:r>
-              <a:rPr lang="en-US" dirty="0">
-                <a:solidFill>
-                  <a:srgbClr val="000000"/>
-                </a:solidFill>
-                <a:ea typeface="DejaVu Sans" pitchFamily="2"/>
-                <a:cs typeface="DejaVu Sans" pitchFamily="2"/>
-              </a:rPr>
-              <a:t>Плюсы использования unlogged таблицы</a:t>
-            </a:r>
-            <a:endParaRPr lang="ru-RU" dirty="0">
-              <a:solidFill>
-                <a:srgbClr val="000000"/>
-              </a:solidFill>
-              <a:ea typeface="DejaVu Sans" pitchFamily="2"/>
-              <a:cs typeface="DejaVu Sans" pitchFamily="2"/>
-            </a:endParaRPr>
-          </a:p>
-          <a:p>
-            <a:pPr lvl="1">
-              <a:buClr>
-                <a:srgbClr val="666666"/>
-              </a:buClr>
-              <a:buSzPct val="45000"/>
-              <a:buFont typeface="StarSymbol"/>
-              <a:buChar char="●"/>
-            </a:pPr>
-            <a:r>
-              <a:rPr lang="ru-RU" dirty="0">
-                <a:solidFill>
-                  <a:srgbClr val="000000"/>
-                </a:solidFill>
-                <a:ea typeface="DejaVu Sans" pitchFamily="2"/>
-                <a:cs typeface="DejaVu Sans" pitchFamily="2"/>
-              </a:rPr>
-              <a:t>Ускорение в 1,5-2 раза</a:t>
-            </a:r>
-            <a:endParaRPr lang="en-US" dirty="0">
-              <a:solidFill>
-                <a:srgbClr val="000000"/>
-              </a:solidFill>
-              <a:ea typeface="DejaVu Sans" pitchFamily="2"/>
-              <a:cs typeface="DejaVu Sans" pitchFamily="2"/>
-            </a:endParaRPr>
-          </a:p>
-          <a:p>
-            <a:pPr lvl="0">
-              <a:buClr>
-                <a:srgbClr val="666666"/>
-              </a:buClr>
-              <a:buSzPct val="45000"/>
-              <a:buFont typeface="StarSymbol"/>
-              <a:buChar char="●"/>
-            </a:pPr>
-            <a:r>
-              <a:rPr lang="en-US" dirty="0">
-                <a:solidFill>
-                  <a:srgbClr val="000000"/>
-                </a:solidFill>
-                <a:ea typeface="DejaVu Sans" pitchFamily="2"/>
-                <a:cs typeface="DejaVu Sans" pitchFamily="2"/>
-              </a:rPr>
-              <a:t>Минусы использования unlogged таблицы</a:t>
-            </a:r>
-            <a:endParaRPr lang="ru-RU" dirty="0">
-              <a:solidFill>
-                <a:srgbClr val="000000"/>
-              </a:solidFill>
-              <a:ea typeface="DejaVu Sans" pitchFamily="2"/>
-              <a:cs typeface="DejaVu Sans" pitchFamily="2"/>
-            </a:endParaRPr>
-          </a:p>
-          <a:p>
-            <a:pPr lvl="1">
-              <a:buClr>
-                <a:srgbClr val="666666"/>
-              </a:buClr>
-              <a:buSzPct val="45000"/>
-              <a:buFont typeface="StarSymbol"/>
-              <a:buChar char="●"/>
-            </a:pPr>
-            <a:r>
-              <a:rPr lang="ru-RU" dirty="0">
-                <a:solidFill>
-                  <a:srgbClr val="000000"/>
-                </a:solidFill>
-                <a:ea typeface="DejaVu Sans" pitchFamily="2"/>
-                <a:cs typeface="DejaVu Sans" pitchFamily="2"/>
-              </a:rPr>
-              <a:t>В случае невыполнения операции нельзя будет восстановить информацию</a:t>
-            </a:r>
-          </a:p>
-          <a:p>
-            <a:pPr lvl="1">
-              <a:buClr>
-                <a:srgbClr val="666666"/>
-              </a:buClr>
-              <a:buSzPct val="45000"/>
-              <a:buFont typeface="StarSymbol"/>
-              <a:buChar char="●"/>
-            </a:pPr>
-            <a:r>
-              <a:rPr lang="ru-RU" dirty="0">
-                <a:solidFill>
-                  <a:srgbClr val="000000"/>
-                </a:solidFill>
-                <a:ea typeface="DejaVu Sans" pitchFamily="2"/>
-                <a:cs typeface="DejaVu Sans" pitchFamily="2"/>
-              </a:rPr>
-              <a:t>В </a:t>
-            </a:r>
-            <a:r>
-              <a:rPr lang="en-US" dirty="0">
-                <a:solidFill>
-                  <a:srgbClr val="000000"/>
-                </a:solidFill>
-                <a:ea typeface="DejaVu Sans" pitchFamily="2"/>
-                <a:cs typeface="DejaVu Sans" pitchFamily="2"/>
-              </a:rPr>
-              <a:t>Greenplum</a:t>
-            </a:r>
-            <a:r>
-              <a:rPr lang="ru-RU" dirty="0">
-                <a:solidFill>
-                  <a:srgbClr val="000000"/>
-                </a:solidFill>
-                <a:ea typeface="DejaVu Sans" pitchFamily="2"/>
-                <a:cs typeface="DejaVu Sans" pitchFamily="2"/>
-              </a:rPr>
-              <a:t> сейчас эта опция недоступна (заведено критическое </a:t>
-            </a:r>
-            <a:r>
-              <a:rPr lang="en-US" dirty="0">
-                <a:solidFill>
-                  <a:srgbClr val="000000"/>
-                </a:solidFill>
-                <a:ea typeface="DejaVu Sans" pitchFamily="2"/>
-                <a:cs typeface="DejaVu Sans" pitchFamily="2"/>
-              </a:rPr>
-              <a:t>issue</a:t>
-            </a:r>
-            <a:r>
-              <a:rPr lang="ru-RU" dirty="0">
-                <a:solidFill>
-                  <a:srgbClr val="000000"/>
-                </a:solidFill>
-                <a:ea typeface="DejaVu Sans" pitchFamily="2"/>
-                <a:cs typeface="DejaVu Sans" pitchFamily="2"/>
-              </a:rPr>
-              <a:t>, такие таблицы ломаются)</a:t>
-            </a:r>
-            <a:endParaRPr lang="en-US" dirty="0">
-              <a:solidFill>
-                <a:srgbClr val="000000"/>
-              </a:solidFill>
-              <a:ea typeface="DejaVu Sans" pitchFamily="2"/>
-              <a:cs typeface="DejaVu Sans" pitchFamily="2"/>
-            </a:endParaRPr>
-          </a:p>
-          <a:p>
-            <a:pPr lvl="0">
-              <a:buClr>
-                <a:srgbClr val="666666"/>
-              </a:buClr>
-              <a:buSzPct val="45000"/>
-              <a:buFont typeface="StarSymbol"/>
-              <a:buChar char="●"/>
-            </a:pPr>
-            <a:r>
-              <a:rPr lang="en-US" dirty="0">
-                <a:solidFill>
-                  <a:srgbClr val="000000"/>
-                </a:solidFill>
-                <a:ea typeface="DejaVu Sans" pitchFamily="2"/>
-                <a:cs typeface="DejaVu Sans" pitchFamily="2"/>
-              </a:rPr>
-              <a:t>Какие еще есть варианты</a:t>
-            </a:r>
-          </a:p>
-          <a:p>
-            <a:endParaRPr lang="ru-RU" dirty="0"/>
+            <a:r>
+              <a:rPr lang="ru-RU" dirty="0"/>
+              <a:t>Практика</a:t>
+            </a:r>
           </a:p>
         </p:txBody>
       </p:sp>
     </p:spTree>
     <p:extLst>
       <p:ext uri="{BB962C8B-B14F-4D97-AF65-F5344CB8AC3E}">
-        <p14:creationId xmlns:p14="http://schemas.microsoft.com/office/powerpoint/2010/main" val="2537559778"/>
+        <p14:creationId xmlns:p14="http://schemas.microsoft.com/office/powerpoint/2010/main" val="227297583"/>
       </p:ext>
     </p:extLst>
   </p:cSld>
@@ -7253,7 +8515,7 @@
           <p:cNvPr id="2" name="Title 1">
             <a:extLst>
               <a:ext uri="{FF2B5EF4-FFF2-40B4-BE49-F238E27FC236}">
-                <a16:creationId xmlns:a16="http://schemas.microsoft.com/office/drawing/2014/main" id="{758213DD-3EDA-455B-8835-00FD804FA17A}"/>
+                <a16:creationId xmlns:a16="http://schemas.microsoft.com/office/drawing/2014/main" id="{A7849E89-1B6E-4D5A-B79A-B4ABAF7E394E}"/>
               </a:ext>
             </a:extLst>
           </p:cNvPr>
@@ -7303,14 +8565,21 @@
                 <a:ea typeface="DejaVu Sans" pitchFamily="2"/>
                 <a:cs typeface="DejaVu Sans" pitchFamily="2"/>
               </a:rPr>
-              <a:t>5</a:t>
+              <a:t>4</a:t>
             </a:r>
             <a:r>
               <a:rPr lang="en-US" sz="2000" dirty="0">
                 <a:ea typeface="DejaVu Sans" pitchFamily="2"/>
                 <a:cs typeface="DejaVu Sans" pitchFamily="2"/>
               </a:rPr>
-              <a:t>: Unlogged таблицы</a:t>
+              <a:t>: Теория: оптимизация через </a:t>
+            </a:r>
+            <a:r>
+              <a:rPr lang="ru-RU" sz="2000" dirty="0">
+                <a:ea typeface="DejaVu Sans" pitchFamily="2"/>
+                <a:cs typeface="DejaVu Sans" pitchFamily="2"/>
+              </a:rPr>
+              <a:t>промежуточную материализацию</a:t>
             </a:r>
             <a:endParaRPr lang="ru-RU" dirty="0"/>
           </a:p>
@@ -7321,7 +8590,7 @@
           <p:cNvPr id="3" name="Content Placeholder 2">
             <a:extLst>
               <a:ext uri="{FF2B5EF4-FFF2-40B4-BE49-F238E27FC236}">
-                <a16:creationId xmlns:a16="http://schemas.microsoft.com/office/drawing/2014/main" id="{C161AC7D-9235-4A56-9DBD-0A35EEF87042}"/>
+                <a16:creationId xmlns:a16="http://schemas.microsoft.com/office/drawing/2014/main" id="{3900631D-A5E4-47A8-B439-20D1B6BD2E4D}"/>
               </a:ext>
             </a:extLst>
           </p:cNvPr>
@@ -7346,6 +8615,46 @@
               <a:buChar char="●"/>
             </a:pPr>
             <a:r>
+              <a:rPr lang="en-US" dirty="0">
+                <a:solidFill>
+                  <a:srgbClr val="000000"/>
+                </a:solidFill>
+                <a:ea typeface="DejaVu Sans" pitchFamily="2"/>
+                <a:cs typeface="DejaVu Sans" pitchFamily="2"/>
+              </a:rPr>
+              <a:t>Пример плоских джоинов</a:t>
+            </a:r>
+          </a:p>
+          <a:p>
+            <a:pPr lvl="0">
+              <a:buClr>
+                <a:srgbClr val="666666"/>
+              </a:buClr>
+              <a:buSzPct val="45000"/>
+              <a:buFont typeface="StarSymbol"/>
+              <a:buChar char="●"/>
+            </a:pPr>
+            <a:r>
+              <a:rPr lang="en-US" dirty="0" err="1">
+                <a:solidFill>
+                  <a:srgbClr val="000000"/>
+                </a:solidFill>
+                <a:ea typeface="DejaVu Sans" pitchFamily="2"/>
+                <a:cs typeface="DejaVu Sans" pitchFamily="2"/>
+              </a:rPr>
+              <a:t>Переписанный</a:t>
+            </a:r>
+            <a:r>
+              <a:rPr lang="en-US" dirty="0">
+                <a:solidFill>
+                  <a:srgbClr val="000000"/>
+                </a:solidFill>
+                <a:ea typeface="DejaVu Sans" pitchFamily="2"/>
+                <a:cs typeface="DejaVu Sans" pitchFamily="2"/>
+              </a:rPr>
+              <a:t> пример через </a:t>
+            </a:r>
+            <a:r>
               <a:rPr lang="ru-RU" dirty="0">
                 <a:solidFill>
                   <a:srgbClr val="000000"/>
@@ -7353,8 +8662,17 @@
                 <a:ea typeface="DejaVu Sans" pitchFamily="2"/>
                 <a:cs typeface="DejaVu Sans" pitchFamily="2"/>
               </a:rPr>
-              <a:t>Практика</a:t>
-            </a:r>
+              <a:t>промежуточную оптимизацию</a:t>
+            </a:r>
+            <a:endParaRPr lang="en-US" dirty="0">
+              <a:solidFill>
+                <a:srgbClr val="000000"/>
+              </a:solidFill>
+              <a:ea typeface="DejaVu Sans" pitchFamily="2"/>
+              <a:cs typeface="DejaVu Sans" pitchFamily="2"/>
+            </a:endParaRPr>
+          </a:p>
+          <a:p>
             <a:endParaRPr lang="ru-RU" dirty="0"/>
           </a:p>
         </p:txBody>
@@ -7362,7 +8680,7 @@
     </p:spTree>
     <p:extLst>
       <p:ext uri="{BB962C8B-B14F-4D97-AF65-F5344CB8AC3E}">
-        <p14:creationId xmlns:p14="http://schemas.microsoft.com/office/powerpoint/2010/main" val="1921711037"/>
+        <p14:creationId xmlns:p14="http://schemas.microsoft.com/office/powerpoint/2010/main" val="4003952097"/>
       </p:ext>
     </p:extLst>
   </p:cSld>
@@ -7394,7 +8712,7 @@
           <p:cNvPr id="2" name="Title 1">
             <a:extLst>
               <a:ext uri="{FF2B5EF4-FFF2-40B4-BE49-F238E27FC236}">
-                <a16:creationId xmlns:a16="http://schemas.microsoft.com/office/drawing/2014/main" id="{9BB4425D-EFFE-4C7B-BAB3-696974B86ECB}"/>
+                <a16:creationId xmlns:a16="http://schemas.microsoft.com/office/drawing/2014/main" id="{A7849E89-1B6E-4D5A-B79A-B4ABAF7E394E}"/>
               </a:ext>
             </a:extLst>
           </p:cNvPr>
@@ -7426,11 +8744,32 @@
               </a:rPr>
             </a:br>
             <a:r>
+              <a:rPr lang="en-US" sz="2000" dirty="0" err="1">
+                <a:ea typeface="DejaVu Sans" pitchFamily="2"/>
+                <a:cs typeface="DejaVu Sans" pitchFamily="2"/>
+              </a:rPr>
+              <a:t>Блок</a:t>
+            </a:r>
+            <a:r>
+              <a:rPr lang="en-US" sz="2000" dirty="0">
+                <a:ea typeface="DejaVu Sans" pitchFamily="2"/>
+                <a:cs typeface="DejaVu Sans" pitchFamily="2"/>
+              </a:rPr>
+              <a:t> </a:t>
+            </a:r>
+            <a:r>
               <a:rPr lang="ru-RU" sz="2000" dirty="0">
                 <a:ea typeface="DejaVu Sans" pitchFamily="2"/>
                 <a:cs typeface="DejaVu Sans" pitchFamily="2"/>
               </a:rPr>
-              <a:t>Итоги</a:t>
+              <a:t>4</a:t>
+            </a:r>
+            <a:r>
+              <a:rPr lang="en-US" sz="2000" dirty="0">
+                <a:ea typeface="DejaVu Sans" pitchFamily="2"/>
+                <a:cs typeface="DejaVu Sans" pitchFamily="2"/>
+              </a:rPr>
+              <a:t>: оптимизация через вложенные запросы</a:t>
             </a:r>
             <a:endParaRPr lang="ru-RU" dirty="0"/>
           </a:p>
@@ -7441,7 +8780,7 @@
           <p:cNvPr id="3" name="Content Placeholder 2">
             <a:extLst>
               <a:ext uri="{FF2B5EF4-FFF2-40B4-BE49-F238E27FC236}">
-                <a16:creationId xmlns:a16="http://schemas.microsoft.com/office/drawing/2014/main" id="{B0E0C843-357D-4ABC-9BF5-821708867C3C}"/>
+                <a16:creationId xmlns:a16="http://schemas.microsoft.com/office/drawing/2014/main" id="{3900631D-A5E4-47A8-B439-20D1B6BD2E4D}"/>
               </a:ext>
             </a:extLst>
           </p:cNvPr>
@@ -7452,182 +8791,37 @@
             <p:ph idx="1"/>
           </p:nvPr>
         </p:nvSpPr>
-        <p:spPr>
-          <a:xfrm>
-            <a:off x="1069848" y="1930873"/>
-            <a:ext cx="10817352" cy="4780398"/>
-          </a:xfrm>
-        </p:spPr>
+        <p:spPr/>
         <p:txBody>
-          <a:bodyPr>
-            <a:normAutofit/>
-          </a:bodyPr>
+          <a:bodyPr/>
           <a:lstStyle/>
           <a:p>
-            <a:pPr marL="457200" indent="-457200">
-              <a:buFont typeface="+mj-lt"/>
-              <a:buAutoNum type="arabicPeriod"/>
-            </a:pPr>
-            <a:r>
-              <a:rPr lang="ru-RU" dirty="0"/>
-              <a:t>Старт оптимизации – построение плана выполнения запроса - </a:t>
-            </a:r>
-            <a:r>
-              <a:rPr lang="af-ZA" b="1" dirty="0"/>
-              <a:t>explain (analyze)</a:t>
-            </a:r>
-            <a:endParaRPr lang="ru-RU" b="1" dirty="0"/>
-          </a:p>
-          <a:p>
-            <a:pPr marL="457200" indent="-457200">
-              <a:buFont typeface="+mj-lt"/>
-              <a:buAutoNum type="arabicPeriod"/>
-            </a:pPr>
-            <a:r>
-              <a:rPr lang="ru-RU" dirty="0"/>
-              <a:t>Оптимальность запроса может зависеть от общей нагрузки на сервер – проверяем общие метрики</a:t>
-            </a:r>
-          </a:p>
-          <a:p>
-            <a:pPr marL="457200" indent="-457200">
-              <a:buFont typeface="+mj-lt"/>
-              <a:buAutoNum type="arabicPeriod"/>
-            </a:pPr>
-            <a:r>
-              <a:rPr lang="ru-RU" dirty="0"/>
-              <a:t>Индексы – это хорошо, если в меру</a:t>
-            </a:r>
-          </a:p>
-          <a:p>
-            <a:pPr marL="457200" indent="-457200">
-              <a:buFont typeface="+mj-lt"/>
-              <a:buAutoNum type="arabicPeriod"/>
-            </a:pPr>
-            <a:r>
-              <a:rPr lang="ru-RU" dirty="0"/>
-              <a:t>Проверяем вид </a:t>
-            </a:r>
-            <a:r>
-              <a:rPr lang="en-US" dirty="0"/>
-              <a:t>join</a:t>
-            </a:r>
-            <a:r>
-              <a:rPr lang="ru-RU" dirty="0"/>
-              <a:t> - нет </a:t>
-            </a:r>
-            <a:r>
-              <a:rPr lang="ru-RU" dirty="0" err="1"/>
-              <a:t>nested</a:t>
-            </a:r>
-            <a:r>
-              <a:rPr lang="ru-RU" dirty="0"/>
-              <a:t> </a:t>
-            </a:r>
-            <a:r>
-              <a:rPr lang="ru-RU" dirty="0" err="1"/>
-              <a:t>loop-ам</a:t>
-            </a:r>
-            <a:r>
-              <a:rPr lang="ru-RU" dirty="0"/>
-              <a:t> (кроме крайней необходимости)!</a:t>
-            </a:r>
-            <a:endParaRPr lang="en-US" dirty="0"/>
-          </a:p>
-          <a:p>
-            <a:pPr marL="457200" indent="-457200">
-              <a:buFont typeface="+mj-lt"/>
-              <a:buAutoNum type="arabicPeriod"/>
-            </a:pPr>
-            <a:r>
-              <a:rPr lang="en-US"/>
-              <a:t>Union </a:t>
-            </a:r>
-            <a:r>
-              <a:rPr lang="en-US" dirty="0"/>
-              <a:t>all</a:t>
-            </a:r>
-            <a:r>
-              <a:rPr lang="ru-RU" dirty="0"/>
-              <a:t> вместо </a:t>
-            </a:r>
-            <a:r>
-              <a:rPr lang="en-US" dirty="0"/>
-              <a:t>Union</a:t>
-            </a:r>
-          </a:p>
-          <a:p>
-            <a:pPr marL="457200" indent="-457200">
-              <a:buFont typeface="+mj-lt"/>
-              <a:buAutoNum type="arabicPeriod"/>
-            </a:pPr>
-            <a:r>
-              <a:rPr lang="ru-RU" dirty="0"/>
-              <a:t>В запросе много </a:t>
-            </a:r>
-            <a:r>
-              <a:rPr lang="en-US" dirty="0"/>
-              <a:t>join (&gt;10) –</a:t>
-            </a:r>
-            <a:r>
-              <a:rPr lang="ru-RU" dirty="0"/>
-              <a:t> приземляем промежуточный результат</a:t>
-            </a:r>
-          </a:p>
-          <a:p>
-            <a:pPr marL="457200" indent="-457200">
-              <a:buFont typeface="+mj-lt"/>
-              <a:buAutoNum type="arabicPeriod"/>
-            </a:pPr>
-            <a:r>
-              <a:rPr lang="ru-RU" dirty="0"/>
-              <a:t>Для промежуточных таблиц можно использовать </a:t>
-            </a:r>
-            <a:r>
-              <a:rPr lang="en-US" dirty="0"/>
-              <a:t>Unlogged</a:t>
+            <a:pPr lvl="0">
+              <a:buClr>
+                <a:srgbClr val="666666"/>
+              </a:buClr>
+              <a:buSzPct val="45000"/>
+              <a:buFont typeface="StarSymbol"/>
+              <a:buChar char="●"/>
+            </a:pPr>
+            <a:r>
+              <a:rPr lang="ru-RU" dirty="0">
+                <a:solidFill>
+                  <a:srgbClr val="000000"/>
+                </a:solidFill>
+                <a:ea typeface="DejaVu Sans" pitchFamily="2"/>
+                <a:cs typeface="DejaVu Sans" pitchFamily="2"/>
+              </a:rPr>
+              <a:t>Практика</a:t>
             </a:r>
             <a:endParaRPr lang="ru-RU" dirty="0"/>
-          </a:p>
-          <a:p>
-            <a:pPr marL="457200" indent="-457200">
-              <a:buFont typeface="+mj-lt"/>
-              <a:buAutoNum type="arabicPeriod"/>
-            </a:pPr>
-            <a:r>
-              <a:rPr lang="ru-RU" dirty="0"/>
-              <a:t>Изучаем особенности оптимизации в рамках той СУБД, с которой работаем</a:t>
-            </a:r>
-          </a:p>
-          <a:p>
-            <a:pPr marL="617220" lvl="1" indent="-342900">
-              <a:buFont typeface="+mj-lt"/>
-              <a:buAutoNum type="arabicPeriod"/>
-            </a:pPr>
-            <a:r>
-              <a:rPr lang="ru-RU" dirty="0"/>
-              <a:t>Teradata - нет необходимости удалять индекс при массовом изменении данных</a:t>
-            </a:r>
-          </a:p>
-          <a:p>
-            <a:pPr marL="617220" lvl="1" indent="-342900">
-              <a:buFont typeface="+mj-lt"/>
-              <a:buAutoNum type="arabicPeriod"/>
-            </a:pPr>
-            <a:r>
-              <a:rPr lang="en-US" dirty="0"/>
-              <a:t>Oracle - </a:t>
-            </a:r>
-            <a:r>
-              <a:rPr lang="ru-RU" dirty="0"/>
-              <a:t>множество хинтов для помощи оптимизатору</a:t>
-            </a:r>
           </a:p>
         </p:txBody>
       </p:sp>
     </p:spTree>
     <p:extLst>
       <p:ext uri="{BB962C8B-B14F-4D97-AF65-F5344CB8AC3E}">
-        <p14:creationId xmlns:p14="http://schemas.microsoft.com/office/powerpoint/2010/main" val="1967959849"/>
+        <p14:creationId xmlns:p14="http://schemas.microsoft.com/office/powerpoint/2010/main" val="1535010297"/>
       </p:ext>
     </p:extLst>
   </p:cSld>
@@ -7659,6 +8853,817 @@
           <p:cNvPr id="2" name="Title 1">
             <a:extLst>
               <a:ext uri="{FF2B5EF4-FFF2-40B4-BE49-F238E27FC236}">
+                <a16:creationId xmlns:a16="http://schemas.microsoft.com/office/drawing/2014/main" id="{758213DD-3EDA-455B-8835-00FD804FA17A}"/>
+              </a:ext>
+            </a:extLst>
+          </p:cNvPr>
+          <p:cNvSpPr>
+            <a:spLocks noGrp="1"/>
+          </p:cNvSpPr>
+          <p:nvPr>
+            <p:ph type="title"/>
+          </p:nvPr>
+        </p:nvSpPr>
+        <p:spPr/>
+        <p:txBody>
+          <a:bodyPr>
+            <a:normAutofit/>
+          </a:bodyPr>
+          <a:lstStyle/>
+          <a:p>
+            <a:r>
+              <a:rPr lang="en-US" dirty="0">
+                <a:ea typeface="DejaVu Sans" pitchFamily="2"/>
+                <a:cs typeface="DejaVu Sans" pitchFamily="2"/>
+              </a:rPr>
+              <a:t>Оптимизация SQL</a:t>
+            </a:r>
+            <a:br>
+              <a:rPr lang="en-US" dirty="0">
+                <a:ea typeface="DejaVu Sans" pitchFamily="2"/>
+                <a:cs typeface="DejaVu Sans" pitchFamily="2"/>
+              </a:rPr>
+            </a:br>
+            <a:r>
+              <a:rPr lang="en-US" sz="2000" dirty="0" err="1">
+                <a:ea typeface="DejaVu Sans" pitchFamily="2"/>
+                <a:cs typeface="DejaVu Sans" pitchFamily="2"/>
+              </a:rPr>
+              <a:t>Блок</a:t>
+            </a:r>
+            <a:r>
+              <a:rPr lang="en-US" sz="2000" dirty="0">
+                <a:ea typeface="DejaVu Sans" pitchFamily="2"/>
+                <a:cs typeface="DejaVu Sans" pitchFamily="2"/>
+              </a:rPr>
+              <a:t> </a:t>
+            </a:r>
+            <a:r>
+              <a:rPr lang="ru-RU" sz="2000" dirty="0">
+                <a:ea typeface="DejaVu Sans" pitchFamily="2"/>
+                <a:cs typeface="DejaVu Sans" pitchFamily="2"/>
+              </a:rPr>
+              <a:t>5</a:t>
+            </a:r>
+            <a:r>
+              <a:rPr lang="en-US" sz="2000" dirty="0">
+                <a:ea typeface="DejaVu Sans" pitchFamily="2"/>
+                <a:cs typeface="DejaVu Sans" pitchFamily="2"/>
+              </a:rPr>
+              <a:t>: Теория: Unlogged таблицы</a:t>
+            </a:r>
+            <a:endParaRPr lang="ru-RU" dirty="0"/>
+          </a:p>
+        </p:txBody>
+      </p:sp>
+      <p:sp>
+        <p:nvSpPr>
+          <p:cNvPr id="3" name="Content Placeholder 2">
+            <a:extLst>
+              <a:ext uri="{FF2B5EF4-FFF2-40B4-BE49-F238E27FC236}">
+                <a16:creationId xmlns:a16="http://schemas.microsoft.com/office/drawing/2014/main" id="{C161AC7D-9235-4A56-9DBD-0A35EEF87042}"/>
+              </a:ext>
+            </a:extLst>
+          </p:cNvPr>
+          <p:cNvSpPr>
+            <a:spLocks noGrp="1"/>
+          </p:cNvSpPr>
+          <p:nvPr>
+            <p:ph idx="1"/>
+          </p:nvPr>
+        </p:nvSpPr>
+        <p:spPr/>
+        <p:txBody>
+          <a:bodyPr/>
+          <a:lstStyle/>
+          <a:p>
+            <a:pPr lvl="0">
+              <a:buClr>
+                <a:srgbClr val="666666"/>
+              </a:buClr>
+              <a:buSzPct val="45000"/>
+              <a:buFont typeface="StarSymbol"/>
+              <a:buChar char="●"/>
+            </a:pPr>
+            <a:r>
+              <a:rPr lang="en-US" dirty="0">
+                <a:solidFill>
+                  <a:srgbClr val="000000"/>
+                </a:solidFill>
+                <a:ea typeface="DejaVu Sans" pitchFamily="2"/>
+                <a:cs typeface="DejaVu Sans" pitchFamily="2"/>
+              </a:rPr>
+              <a:t>Что такое unlogged таблица</a:t>
+            </a:r>
+            <a:endParaRPr lang="ru-RU" dirty="0">
+              <a:solidFill>
+                <a:srgbClr val="000000"/>
+              </a:solidFill>
+              <a:ea typeface="DejaVu Sans" pitchFamily="2"/>
+              <a:cs typeface="DejaVu Sans" pitchFamily="2"/>
+            </a:endParaRPr>
+          </a:p>
+          <a:p>
+            <a:pPr lvl="1">
+              <a:buClr>
+                <a:srgbClr val="666666"/>
+              </a:buClr>
+              <a:buSzPct val="45000"/>
+              <a:buFont typeface="StarSymbol"/>
+              <a:buChar char="●"/>
+            </a:pPr>
+            <a:r>
+              <a:rPr lang="ru-RU" dirty="0">
+                <a:solidFill>
+                  <a:srgbClr val="000000"/>
+                </a:solidFill>
+                <a:ea typeface="DejaVu Sans" pitchFamily="2"/>
+                <a:cs typeface="DejaVu Sans" pitchFamily="2"/>
+              </a:rPr>
+              <a:t>Не пишется информация о транзакциях в </a:t>
+            </a:r>
+            <a:r>
+              <a:rPr lang="en-US" dirty="0" err="1">
+                <a:solidFill>
+                  <a:srgbClr val="000000"/>
+                </a:solidFill>
+                <a:ea typeface="DejaVu Sans" pitchFamily="2"/>
+                <a:cs typeface="DejaVu Sans" pitchFamily="2"/>
+              </a:rPr>
+              <a:t>wal</a:t>
+            </a:r>
+            <a:r>
+              <a:rPr lang="ru-RU" dirty="0">
+                <a:solidFill>
+                  <a:srgbClr val="000000"/>
+                </a:solidFill>
+                <a:ea typeface="DejaVu Sans" pitchFamily="2"/>
+                <a:cs typeface="DejaVu Sans" pitchFamily="2"/>
+              </a:rPr>
+              <a:t>-лог</a:t>
+            </a:r>
+            <a:endParaRPr lang="en-US" dirty="0">
+              <a:solidFill>
+                <a:srgbClr val="000000"/>
+              </a:solidFill>
+              <a:ea typeface="DejaVu Sans" pitchFamily="2"/>
+              <a:cs typeface="DejaVu Sans" pitchFamily="2"/>
+            </a:endParaRPr>
+          </a:p>
+          <a:p>
+            <a:pPr lvl="0">
+              <a:buClr>
+                <a:srgbClr val="666666"/>
+              </a:buClr>
+              <a:buSzPct val="45000"/>
+              <a:buFont typeface="StarSymbol"/>
+              <a:buChar char="●"/>
+            </a:pPr>
+            <a:r>
+              <a:rPr lang="en-US" dirty="0">
+                <a:solidFill>
+                  <a:srgbClr val="000000"/>
+                </a:solidFill>
+                <a:ea typeface="DejaVu Sans" pitchFamily="2"/>
+                <a:cs typeface="DejaVu Sans" pitchFamily="2"/>
+              </a:rPr>
+              <a:t>Truncate vs delete from</a:t>
+            </a:r>
+          </a:p>
+          <a:p>
+            <a:pPr lvl="0">
+              <a:buClr>
+                <a:srgbClr val="666666"/>
+              </a:buClr>
+              <a:buSzPct val="45000"/>
+              <a:buFont typeface="StarSymbol"/>
+              <a:buChar char="●"/>
+            </a:pPr>
+            <a:r>
+              <a:rPr lang="en-US" dirty="0">
+                <a:solidFill>
+                  <a:srgbClr val="000000"/>
+                </a:solidFill>
+                <a:ea typeface="DejaVu Sans" pitchFamily="2"/>
+                <a:cs typeface="DejaVu Sans" pitchFamily="2"/>
+              </a:rPr>
+              <a:t>Плюсы использования unlogged таблицы</a:t>
+            </a:r>
+            <a:endParaRPr lang="ru-RU" dirty="0">
+              <a:solidFill>
+                <a:srgbClr val="000000"/>
+              </a:solidFill>
+              <a:ea typeface="DejaVu Sans" pitchFamily="2"/>
+              <a:cs typeface="DejaVu Sans" pitchFamily="2"/>
+            </a:endParaRPr>
+          </a:p>
+          <a:p>
+            <a:pPr lvl="1">
+              <a:buClr>
+                <a:srgbClr val="666666"/>
+              </a:buClr>
+              <a:buSzPct val="45000"/>
+              <a:buFont typeface="StarSymbol"/>
+              <a:buChar char="●"/>
+            </a:pPr>
+            <a:r>
+              <a:rPr lang="ru-RU" dirty="0">
+                <a:solidFill>
+                  <a:srgbClr val="000000"/>
+                </a:solidFill>
+                <a:ea typeface="DejaVu Sans" pitchFamily="2"/>
+                <a:cs typeface="DejaVu Sans" pitchFamily="2"/>
+              </a:rPr>
+              <a:t>Ускорение в 1,5-2 раза</a:t>
+            </a:r>
+            <a:endParaRPr lang="en-US" dirty="0">
+              <a:solidFill>
+                <a:srgbClr val="000000"/>
+              </a:solidFill>
+              <a:ea typeface="DejaVu Sans" pitchFamily="2"/>
+              <a:cs typeface="DejaVu Sans" pitchFamily="2"/>
+            </a:endParaRPr>
+          </a:p>
+          <a:p>
+            <a:pPr lvl="0">
+              <a:buClr>
+                <a:srgbClr val="666666"/>
+              </a:buClr>
+              <a:buSzPct val="45000"/>
+              <a:buFont typeface="StarSymbol"/>
+              <a:buChar char="●"/>
+            </a:pPr>
+            <a:r>
+              <a:rPr lang="en-US" dirty="0">
+                <a:solidFill>
+                  <a:srgbClr val="000000"/>
+                </a:solidFill>
+                <a:ea typeface="DejaVu Sans" pitchFamily="2"/>
+                <a:cs typeface="DejaVu Sans" pitchFamily="2"/>
+              </a:rPr>
+              <a:t>Минусы использования unlogged таблицы</a:t>
+            </a:r>
+            <a:endParaRPr lang="ru-RU" dirty="0">
+              <a:solidFill>
+                <a:srgbClr val="000000"/>
+              </a:solidFill>
+              <a:ea typeface="DejaVu Sans" pitchFamily="2"/>
+              <a:cs typeface="DejaVu Sans" pitchFamily="2"/>
+            </a:endParaRPr>
+          </a:p>
+          <a:p>
+            <a:pPr lvl="1">
+              <a:buClr>
+                <a:srgbClr val="666666"/>
+              </a:buClr>
+              <a:buSzPct val="45000"/>
+              <a:buFont typeface="StarSymbol"/>
+              <a:buChar char="●"/>
+            </a:pPr>
+            <a:r>
+              <a:rPr lang="ru-RU" dirty="0">
+                <a:solidFill>
+                  <a:srgbClr val="000000"/>
+                </a:solidFill>
+                <a:ea typeface="DejaVu Sans" pitchFamily="2"/>
+                <a:cs typeface="DejaVu Sans" pitchFamily="2"/>
+              </a:rPr>
+              <a:t>В случае невыполнения операции нельзя будет восстановить информацию</a:t>
+            </a:r>
+          </a:p>
+          <a:p>
+            <a:pPr lvl="1">
+              <a:buClr>
+                <a:srgbClr val="666666"/>
+              </a:buClr>
+              <a:buSzPct val="45000"/>
+              <a:buFont typeface="StarSymbol"/>
+              <a:buChar char="●"/>
+            </a:pPr>
+            <a:r>
+              <a:rPr lang="ru-RU" dirty="0">
+                <a:solidFill>
+                  <a:srgbClr val="000000"/>
+                </a:solidFill>
+                <a:ea typeface="DejaVu Sans" pitchFamily="2"/>
+                <a:cs typeface="DejaVu Sans" pitchFamily="2"/>
+              </a:rPr>
+              <a:t>В </a:t>
+            </a:r>
+            <a:r>
+              <a:rPr lang="en-US" dirty="0">
+                <a:solidFill>
+                  <a:srgbClr val="000000"/>
+                </a:solidFill>
+                <a:ea typeface="DejaVu Sans" pitchFamily="2"/>
+                <a:cs typeface="DejaVu Sans" pitchFamily="2"/>
+              </a:rPr>
+              <a:t>Greenplum</a:t>
+            </a:r>
+            <a:r>
+              <a:rPr lang="ru-RU" dirty="0">
+                <a:solidFill>
+                  <a:srgbClr val="000000"/>
+                </a:solidFill>
+                <a:ea typeface="DejaVu Sans" pitchFamily="2"/>
+                <a:cs typeface="DejaVu Sans" pitchFamily="2"/>
+              </a:rPr>
+              <a:t> сейчас эта опция недоступна (заведено критическое </a:t>
+            </a:r>
+            <a:r>
+              <a:rPr lang="en-US" dirty="0">
+                <a:solidFill>
+                  <a:srgbClr val="000000"/>
+                </a:solidFill>
+                <a:ea typeface="DejaVu Sans" pitchFamily="2"/>
+                <a:cs typeface="DejaVu Sans" pitchFamily="2"/>
+              </a:rPr>
+              <a:t>issue</a:t>
+            </a:r>
+            <a:r>
+              <a:rPr lang="ru-RU" dirty="0">
+                <a:solidFill>
+                  <a:srgbClr val="000000"/>
+                </a:solidFill>
+                <a:ea typeface="DejaVu Sans" pitchFamily="2"/>
+                <a:cs typeface="DejaVu Sans" pitchFamily="2"/>
+              </a:rPr>
+              <a:t>, такие таблицы ломаются)</a:t>
+            </a:r>
+            <a:endParaRPr lang="en-US" dirty="0">
+              <a:solidFill>
+                <a:srgbClr val="000000"/>
+              </a:solidFill>
+              <a:ea typeface="DejaVu Sans" pitchFamily="2"/>
+              <a:cs typeface="DejaVu Sans" pitchFamily="2"/>
+            </a:endParaRPr>
+          </a:p>
+          <a:p>
+            <a:pPr lvl="0">
+              <a:buClr>
+                <a:srgbClr val="666666"/>
+              </a:buClr>
+              <a:buSzPct val="45000"/>
+              <a:buFont typeface="StarSymbol"/>
+              <a:buChar char="●"/>
+            </a:pPr>
+            <a:r>
+              <a:rPr lang="en-US" dirty="0">
+                <a:solidFill>
+                  <a:srgbClr val="000000"/>
+                </a:solidFill>
+                <a:ea typeface="DejaVu Sans" pitchFamily="2"/>
+                <a:cs typeface="DejaVu Sans" pitchFamily="2"/>
+              </a:rPr>
+              <a:t>Какие еще есть варианты</a:t>
+            </a:r>
+          </a:p>
+          <a:p>
+            <a:endParaRPr lang="ru-RU" dirty="0"/>
+          </a:p>
+        </p:txBody>
+      </p:sp>
+    </p:spTree>
+    <p:extLst>
+      <p:ext uri="{BB962C8B-B14F-4D97-AF65-F5344CB8AC3E}">
+        <p14:creationId xmlns:p14="http://schemas.microsoft.com/office/powerpoint/2010/main" val="2537559778"/>
+      </p:ext>
+    </p:extLst>
+  </p:cSld>
+  <p:clrMapOvr>
+    <a:masterClrMapping/>
+  </p:clrMapOvr>
+</p:sld>
+</file>
+
+<file path=ppt/slides/slide23.xml><?xml version="1.0" encoding="utf-8"?>
+<p:sld xmlns:a="http://schemas.openxmlformats.org/drawingml/2006/main" xmlns:r="http://schemas.openxmlformats.org/officeDocument/2006/relationships" xmlns:p="http://schemas.openxmlformats.org/presentationml/2006/main">
+  <p:cSld>
+    <p:spTree>
+      <p:nvGrpSpPr>
+        <p:cNvPr id="1" name=""/>
+        <p:cNvGrpSpPr/>
+        <p:nvPr/>
+      </p:nvGrpSpPr>
+      <p:grpSpPr>
+        <a:xfrm>
+          <a:off x="0" y="0"/>
+          <a:ext cx="0" cy="0"/>
+          <a:chOff x="0" y="0"/>
+          <a:chExt cx="0" cy="0"/>
+        </a:xfrm>
+      </p:grpSpPr>
+      <p:sp>
+        <p:nvSpPr>
+          <p:cNvPr id="2" name="Title 1">
+            <a:extLst>
+              <a:ext uri="{FF2B5EF4-FFF2-40B4-BE49-F238E27FC236}">
+                <a16:creationId xmlns:a16="http://schemas.microsoft.com/office/drawing/2014/main" id="{758213DD-3EDA-455B-8835-00FD804FA17A}"/>
+              </a:ext>
+            </a:extLst>
+          </p:cNvPr>
+          <p:cNvSpPr>
+            <a:spLocks noGrp="1"/>
+          </p:cNvSpPr>
+          <p:nvPr>
+            <p:ph type="title"/>
+          </p:nvPr>
+        </p:nvSpPr>
+        <p:spPr/>
+        <p:txBody>
+          <a:bodyPr>
+            <a:normAutofit/>
+          </a:bodyPr>
+          <a:lstStyle/>
+          <a:p>
+            <a:r>
+              <a:rPr lang="en-US" dirty="0">
+                <a:ea typeface="DejaVu Sans" pitchFamily="2"/>
+                <a:cs typeface="DejaVu Sans" pitchFamily="2"/>
+              </a:rPr>
+              <a:t>Оптимизация SQL</a:t>
+            </a:r>
+            <a:br>
+              <a:rPr lang="en-US" dirty="0">
+                <a:ea typeface="DejaVu Sans" pitchFamily="2"/>
+                <a:cs typeface="DejaVu Sans" pitchFamily="2"/>
+              </a:rPr>
+            </a:br>
+            <a:r>
+              <a:rPr lang="en-US" sz="2000" dirty="0" err="1">
+                <a:ea typeface="DejaVu Sans" pitchFamily="2"/>
+                <a:cs typeface="DejaVu Sans" pitchFamily="2"/>
+              </a:rPr>
+              <a:t>Блок</a:t>
+            </a:r>
+            <a:r>
+              <a:rPr lang="en-US" sz="2000" dirty="0">
+                <a:ea typeface="DejaVu Sans" pitchFamily="2"/>
+                <a:cs typeface="DejaVu Sans" pitchFamily="2"/>
+              </a:rPr>
+              <a:t> </a:t>
+            </a:r>
+            <a:r>
+              <a:rPr lang="ru-RU" sz="2000" dirty="0">
+                <a:ea typeface="DejaVu Sans" pitchFamily="2"/>
+                <a:cs typeface="DejaVu Sans" pitchFamily="2"/>
+              </a:rPr>
+              <a:t>5</a:t>
+            </a:r>
+            <a:r>
+              <a:rPr lang="en-US" sz="2000" dirty="0">
+                <a:ea typeface="DejaVu Sans" pitchFamily="2"/>
+                <a:cs typeface="DejaVu Sans" pitchFamily="2"/>
+              </a:rPr>
+              <a:t>: Unlogged таблицы</a:t>
+            </a:r>
+            <a:endParaRPr lang="ru-RU" dirty="0"/>
+          </a:p>
+        </p:txBody>
+      </p:sp>
+      <p:sp>
+        <p:nvSpPr>
+          <p:cNvPr id="3" name="Content Placeholder 2">
+            <a:extLst>
+              <a:ext uri="{FF2B5EF4-FFF2-40B4-BE49-F238E27FC236}">
+                <a16:creationId xmlns:a16="http://schemas.microsoft.com/office/drawing/2014/main" id="{C161AC7D-9235-4A56-9DBD-0A35EEF87042}"/>
+              </a:ext>
+            </a:extLst>
+          </p:cNvPr>
+          <p:cNvSpPr>
+            <a:spLocks noGrp="1"/>
+          </p:cNvSpPr>
+          <p:nvPr>
+            <p:ph idx="1"/>
+          </p:nvPr>
+        </p:nvSpPr>
+        <p:spPr/>
+        <p:txBody>
+          <a:bodyPr/>
+          <a:lstStyle/>
+          <a:p>
+            <a:pPr lvl="0">
+              <a:buClr>
+                <a:srgbClr val="666666"/>
+              </a:buClr>
+              <a:buSzPct val="45000"/>
+              <a:buFont typeface="StarSymbol"/>
+              <a:buChar char="●"/>
+            </a:pPr>
+            <a:r>
+              <a:rPr lang="ru-RU" dirty="0">
+                <a:solidFill>
+                  <a:srgbClr val="000000"/>
+                </a:solidFill>
+                <a:ea typeface="DejaVu Sans" pitchFamily="2"/>
+                <a:cs typeface="DejaVu Sans" pitchFamily="2"/>
+              </a:rPr>
+              <a:t>Практика</a:t>
+            </a:r>
+            <a:endParaRPr lang="ru-RU" dirty="0"/>
+          </a:p>
+        </p:txBody>
+      </p:sp>
+    </p:spTree>
+    <p:extLst>
+      <p:ext uri="{BB962C8B-B14F-4D97-AF65-F5344CB8AC3E}">
+        <p14:creationId xmlns:p14="http://schemas.microsoft.com/office/powerpoint/2010/main" val="1921711037"/>
+      </p:ext>
+    </p:extLst>
+  </p:cSld>
+  <p:clrMapOvr>
+    <a:masterClrMapping/>
+  </p:clrMapOvr>
+</p:sld>
+</file>
+
+<file path=ppt/slides/slide24.xml><?xml version="1.0" encoding="utf-8"?>
+<p:sld xmlns:a="http://schemas.openxmlformats.org/drawingml/2006/main" xmlns:r="http://schemas.openxmlformats.org/officeDocument/2006/relationships" xmlns:p="http://schemas.openxmlformats.org/presentationml/2006/main">
+  <p:cSld>
+    <p:spTree>
+      <p:nvGrpSpPr>
+        <p:cNvPr id="1" name=""/>
+        <p:cNvGrpSpPr/>
+        <p:nvPr/>
+      </p:nvGrpSpPr>
+      <p:grpSpPr>
+        <a:xfrm>
+          <a:off x="0" y="0"/>
+          <a:ext cx="0" cy="0"/>
+          <a:chOff x="0" y="0"/>
+          <a:chExt cx="0" cy="0"/>
+        </a:xfrm>
+      </p:grpSpPr>
+      <p:sp>
+        <p:nvSpPr>
+          <p:cNvPr id="2" name="Title 1">
+            <a:extLst>
+              <a:ext uri="{FF2B5EF4-FFF2-40B4-BE49-F238E27FC236}">
+                <a16:creationId xmlns:a16="http://schemas.microsoft.com/office/drawing/2014/main" id="{9BB4425D-EFFE-4C7B-BAB3-696974B86ECB}"/>
+              </a:ext>
+            </a:extLst>
+          </p:cNvPr>
+          <p:cNvSpPr>
+            <a:spLocks noGrp="1"/>
+          </p:cNvSpPr>
+          <p:nvPr>
+            <p:ph type="title"/>
+          </p:nvPr>
+        </p:nvSpPr>
+        <p:spPr/>
+        <p:txBody>
+          <a:bodyPr>
+            <a:normAutofit/>
+          </a:bodyPr>
+          <a:lstStyle/>
+          <a:p>
+            <a:r>
+              <a:rPr lang="en-US" dirty="0">
+                <a:ea typeface="DejaVu Sans" pitchFamily="2"/>
+                <a:cs typeface="DejaVu Sans" pitchFamily="2"/>
+              </a:rPr>
+              <a:t>Оптимизация SQL</a:t>
+            </a:r>
+            <a:br>
+              <a:rPr lang="en-US" dirty="0">
+                <a:ea typeface="DejaVu Sans" pitchFamily="2"/>
+                <a:cs typeface="DejaVu Sans" pitchFamily="2"/>
+              </a:rPr>
+            </a:br>
+            <a:r>
+              <a:rPr lang="ru-RU" sz="2000" dirty="0">
+                <a:ea typeface="DejaVu Sans" pitchFamily="2"/>
+                <a:cs typeface="DejaVu Sans" pitchFamily="2"/>
+              </a:rPr>
+              <a:t>Итоги</a:t>
+            </a:r>
+            <a:endParaRPr lang="ru-RU" dirty="0"/>
+          </a:p>
+        </p:txBody>
+      </p:sp>
+      <p:sp>
+        <p:nvSpPr>
+          <p:cNvPr id="3" name="Content Placeholder 2">
+            <a:extLst>
+              <a:ext uri="{FF2B5EF4-FFF2-40B4-BE49-F238E27FC236}">
+                <a16:creationId xmlns:a16="http://schemas.microsoft.com/office/drawing/2014/main" id="{B0E0C843-357D-4ABC-9BF5-821708867C3C}"/>
+              </a:ext>
+            </a:extLst>
+          </p:cNvPr>
+          <p:cNvSpPr>
+            <a:spLocks noGrp="1"/>
+          </p:cNvSpPr>
+          <p:nvPr>
+            <p:ph idx="1"/>
+          </p:nvPr>
+        </p:nvSpPr>
+        <p:spPr>
+          <a:xfrm>
+            <a:off x="1069848" y="1930873"/>
+            <a:ext cx="10817352" cy="4780398"/>
+          </a:xfrm>
+        </p:spPr>
+        <p:txBody>
+          <a:bodyPr>
+            <a:normAutofit/>
+          </a:bodyPr>
+          <a:lstStyle/>
+          <a:p>
+            <a:pPr marL="457200" indent="-457200">
+              <a:buFont typeface="+mj-lt"/>
+              <a:buAutoNum type="arabicPeriod"/>
+            </a:pPr>
+            <a:r>
+              <a:rPr lang="ru-RU" dirty="0"/>
+              <a:t>Старт оптимизации – построение плана выполнения запроса - </a:t>
+            </a:r>
+            <a:r>
+              <a:rPr lang="af-ZA" b="1" dirty="0"/>
+              <a:t>explain (analyze)</a:t>
+            </a:r>
+            <a:endParaRPr lang="ru-RU" b="1" dirty="0"/>
+          </a:p>
+          <a:p>
+            <a:pPr marL="457200" indent="-457200">
+              <a:buFont typeface="+mj-lt"/>
+              <a:buAutoNum type="arabicPeriod"/>
+            </a:pPr>
+            <a:r>
+              <a:rPr lang="ru-RU" dirty="0"/>
+              <a:t>Оптимальность запроса может зависеть от общей нагрузки на сервер – проверяем общие метрики</a:t>
+            </a:r>
+          </a:p>
+          <a:p>
+            <a:pPr marL="457200" indent="-457200">
+              <a:buFont typeface="+mj-lt"/>
+              <a:buAutoNum type="arabicPeriod"/>
+            </a:pPr>
+            <a:r>
+              <a:rPr lang="ru-RU" dirty="0"/>
+              <a:t>Индексы – это хорошо, если в меру</a:t>
+            </a:r>
+          </a:p>
+          <a:p>
+            <a:pPr marL="457200" indent="-457200">
+              <a:buFont typeface="+mj-lt"/>
+              <a:buAutoNum type="arabicPeriod"/>
+            </a:pPr>
+            <a:r>
+              <a:rPr lang="ru-RU" dirty="0"/>
+              <a:t>Проверяем вид </a:t>
+            </a:r>
+            <a:r>
+              <a:rPr lang="en-US" dirty="0"/>
+              <a:t>join</a:t>
+            </a:r>
+            <a:r>
+              <a:rPr lang="ru-RU" dirty="0"/>
+              <a:t> - нет </a:t>
+            </a:r>
+            <a:r>
+              <a:rPr lang="ru-RU" dirty="0" err="1"/>
+              <a:t>nested</a:t>
+            </a:r>
+            <a:r>
+              <a:rPr lang="ru-RU" dirty="0"/>
+              <a:t> </a:t>
+            </a:r>
+            <a:r>
+              <a:rPr lang="ru-RU" dirty="0" err="1"/>
+              <a:t>loop-ам</a:t>
+            </a:r>
+            <a:r>
+              <a:rPr lang="ru-RU" dirty="0"/>
+              <a:t> (кроме крайней необходимости)!</a:t>
+            </a:r>
+            <a:endParaRPr lang="en-US" dirty="0"/>
+          </a:p>
+          <a:p>
+            <a:pPr marL="457200" indent="-457200">
+              <a:buFont typeface="+mj-lt"/>
+              <a:buAutoNum type="arabicPeriod"/>
+            </a:pPr>
+            <a:r>
+              <a:rPr lang="en-US"/>
+              <a:t>Union </a:t>
+            </a:r>
+            <a:r>
+              <a:rPr lang="en-US" dirty="0"/>
+              <a:t>all</a:t>
+            </a:r>
+            <a:r>
+              <a:rPr lang="ru-RU" dirty="0"/>
+              <a:t> вместо </a:t>
+            </a:r>
+            <a:r>
+              <a:rPr lang="en-US" dirty="0"/>
+              <a:t>Union</a:t>
+            </a:r>
+          </a:p>
+          <a:p>
+            <a:pPr marL="457200" indent="-457200">
+              <a:buFont typeface="+mj-lt"/>
+              <a:buAutoNum type="arabicPeriod"/>
+            </a:pPr>
+            <a:r>
+              <a:rPr lang="ru-RU" dirty="0"/>
+              <a:t>В запросе много </a:t>
+            </a:r>
+            <a:r>
+              <a:rPr lang="en-US" dirty="0"/>
+              <a:t>join (&gt;10) –</a:t>
+            </a:r>
+            <a:r>
+              <a:rPr lang="ru-RU" dirty="0"/>
+              <a:t> приземляем промежуточный результат</a:t>
+            </a:r>
+          </a:p>
+          <a:p>
+            <a:pPr marL="457200" indent="-457200">
+              <a:buFont typeface="+mj-lt"/>
+              <a:buAutoNum type="arabicPeriod"/>
+            </a:pPr>
+            <a:r>
+              <a:rPr lang="ru-RU" dirty="0"/>
+              <a:t>Для промежуточных таблиц можно использовать </a:t>
+            </a:r>
+            <a:r>
+              <a:rPr lang="en-US" dirty="0"/>
+              <a:t>Unlogged</a:t>
+            </a:r>
+            <a:endParaRPr lang="ru-RU" dirty="0"/>
+          </a:p>
+          <a:p>
+            <a:pPr marL="457200" indent="-457200">
+              <a:buFont typeface="+mj-lt"/>
+              <a:buAutoNum type="arabicPeriod"/>
+            </a:pPr>
+            <a:r>
+              <a:rPr lang="ru-RU" dirty="0"/>
+              <a:t>Изучаем особенности оптимизации в рамках той СУБД, с которой работаем</a:t>
+            </a:r>
+          </a:p>
+          <a:p>
+            <a:pPr marL="617220" lvl="1" indent="-342900">
+              <a:buFont typeface="+mj-lt"/>
+              <a:buAutoNum type="arabicPeriod"/>
+            </a:pPr>
+            <a:r>
+              <a:rPr lang="ru-RU" dirty="0"/>
+              <a:t>Teradata - нет необходимости удалять индекс при массовом изменении данных</a:t>
+            </a:r>
+          </a:p>
+          <a:p>
+            <a:pPr marL="617220" lvl="1" indent="-342900">
+              <a:buFont typeface="+mj-lt"/>
+              <a:buAutoNum type="arabicPeriod"/>
+            </a:pPr>
+            <a:r>
+              <a:rPr lang="en-US" dirty="0"/>
+              <a:t>Oracle - </a:t>
+            </a:r>
+            <a:r>
+              <a:rPr lang="ru-RU" dirty="0"/>
+              <a:t>множество хинтов для помощи оптимизатору</a:t>
+            </a:r>
+          </a:p>
+        </p:txBody>
+      </p:sp>
+    </p:spTree>
+    <p:extLst>
+      <p:ext uri="{BB962C8B-B14F-4D97-AF65-F5344CB8AC3E}">
+        <p14:creationId xmlns:p14="http://schemas.microsoft.com/office/powerpoint/2010/main" val="1967959849"/>
+      </p:ext>
+    </p:extLst>
+  </p:cSld>
+  <p:clrMapOvr>
+    <a:masterClrMapping/>
+  </p:clrMapOvr>
+</p:sld>
+</file>
+
+<file path=ppt/slides/slide25.xml><?xml version="1.0" encoding="utf-8"?>
+<p:sld xmlns:a="http://schemas.openxmlformats.org/drawingml/2006/main" xmlns:r="http://schemas.openxmlformats.org/officeDocument/2006/relationships" xmlns:p="http://schemas.openxmlformats.org/presentationml/2006/main">
+  <p:cSld>
+    <p:spTree>
+      <p:nvGrpSpPr>
+        <p:cNvPr id="1" name=""/>
+        <p:cNvGrpSpPr/>
+        <p:nvPr/>
+      </p:nvGrpSpPr>
+      <p:grpSpPr>
+        <a:xfrm>
+          <a:off x="0" y="0"/>
+          <a:ext cx="0" cy="0"/>
+          <a:chOff x="0" y="0"/>
+          <a:chExt cx="0" cy="0"/>
+        </a:xfrm>
+      </p:grpSpPr>
+      <p:sp>
+        <p:nvSpPr>
+          <p:cNvPr id="2" name="Title 1">
+            <a:extLst>
+              <a:ext uri="{FF2B5EF4-FFF2-40B4-BE49-F238E27FC236}">
                 <a16:creationId xmlns:a16="http://schemas.microsoft.com/office/drawing/2014/main" id="{42DED8B5-3736-4F67-AF04-223CB6047EFE}"/>
               </a:ext>
             </a:extLst>
@@ -7737,14 +9742,18 @@
               <a:rPr lang="en-US" dirty="0">
                 <a:hlinkClick r:id="rId2"/>
               </a:rPr>
-              <a:t>https://postgrespro.ru/docs/postgresql/12/sql-createindex</a:t>
-            </a:r>
-            <a:endParaRPr lang="ru-RU" dirty="0"/>
-          </a:p>
-          <a:p>
+              <a:t>https://postgrespro.ru/docs/postgresql/15/sql-createindex</a:t>
+            </a:r>
+            <a:endParaRPr lang="en-US" dirty="0"/>
+          </a:p>
+          <a:p>
+            <a:r>
+              <a:rPr lang="ru-RU" dirty="0" err="1"/>
+              <a:t>Партицирование</a:t>
+            </a:r>
             <a:r>
               <a:rPr lang="ru-RU" dirty="0"/>
-              <a:t>Партицирование в </a:t>
+              <a:t> в </a:t>
             </a:r>
             <a:r>
               <a:rPr lang="en-US" dirty="0"/>
@@ -7757,7 +9766,16 @@
               <a:rPr lang="en-US" dirty="0">
                 <a:hlinkClick r:id="rId3"/>
               </a:rPr>
-              <a:t>https://postgrespro.ru/docs/postgresql/12/ddl-partitioning</a:t>
+              <a:t>https://postgrespro.ru/docs/postgresql/15/ddl-partitioning</a:t>
+            </a:r>
+            <a:br>
+              <a:rPr lang="en-US" dirty="0"/>
+            </a:br>
+            <a:r>
+              <a:rPr lang="en-US" dirty="0">
+                <a:hlinkClick r:id="rId4"/>
+              </a:rPr>
+              <a:t>https://hevodata.com/learn/postgresql-partitions/</a:t>
             </a:r>
             <a:endParaRPr lang="en-US" dirty="0"/>
           </a:p>
@@ -7775,9 +9793,9 @@
             </a:br>
             <a:r>
               <a:rPr lang="en-US" dirty="0">
-                <a:hlinkClick r:id="rId4"/>
-              </a:rPr>
-              <a:t>https://postgrespro.ru/docs/postgresql/12/wal</a:t>
+                <a:hlinkClick r:id="rId5"/>
+              </a:rPr>
+              <a:t>https://postgrespro.ru/docs/postgresql/15/wal-intro</a:t>
             </a:r>
             <a:endParaRPr lang="ru-RU" dirty="0"/>
           </a:p>
@@ -7795,9 +9813,9 @@
             </a:br>
             <a:r>
               <a:rPr lang="en-US" dirty="0">
-                <a:hlinkClick r:id="rId5"/>
-              </a:rPr>
-              <a:t>https://postgrespro.ru/docs/postgrespro/10/performance-tips</a:t>
+                <a:hlinkClick r:id="rId6"/>
+              </a:rPr>
+              <a:t>https://postgrespro.ru/docs/postgrespro/15/performance-tips</a:t>
             </a:r>
             <a:endParaRPr lang="en-US" dirty="0"/>
           </a:p>
@@ -7822,7 +9840,7 @@
 </p:sld>
 </file>
 
-<file path=ppt/slides/slide23.xml><?xml version="1.0" encoding="utf-8"?>
+<file path=ppt/slides/slide26.xml><?xml version="1.0" encoding="utf-8"?>
 <p:sld xmlns:a="http://schemas.openxmlformats.org/drawingml/2006/main" xmlns:r="http://schemas.openxmlformats.org/officeDocument/2006/relationships" xmlns:p="http://schemas.openxmlformats.org/presentationml/2006/main">
   <p:cSld>
     <p:spTree>
@@ -8137,6 +10155,36 @@
               </a:rPr>
               <a:t>Блок 1:  Использование индексов</a:t>
             </a:r>
+          </a:p>
+          <a:p>
+            <a:pPr lvl="0">
+              <a:buClr>
+                <a:srgbClr val="666666"/>
+              </a:buClr>
+              <a:buSzPct val="45000"/>
+              <a:buFont typeface="StarSymbol"/>
+              <a:buChar char="●"/>
+            </a:pPr>
+            <a:r>
+              <a:rPr lang="ru-RU" dirty="0">
+                <a:solidFill>
+                  <a:srgbClr val="000000"/>
+                </a:solidFill>
+                <a:ea typeface="DejaVu Sans" pitchFamily="2"/>
+                <a:cs typeface="DejaVu Sans" pitchFamily="2"/>
+              </a:rPr>
+              <a:t>Блок 2: </a:t>
+            </a:r>
+            <a:r>
+              <a:rPr lang="ru-RU" dirty="0" err="1">
+                <a:solidFill>
+                  <a:srgbClr val="000000"/>
+                </a:solidFill>
+                <a:ea typeface="DejaVu Sans" pitchFamily="2"/>
+                <a:cs typeface="DejaVu Sans" pitchFamily="2"/>
+              </a:rPr>
+              <a:t>Партицирование</a:t>
+            </a:r>
             <a:endParaRPr lang="en-US" dirty="0">
               <a:solidFill>
                 <a:srgbClr val="000000"/>
@@ -8162,7 +10210,7 @@
                 <a:ea typeface="DejaVu Sans" pitchFamily="2"/>
                 <a:cs typeface="DejaVu Sans" pitchFamily="2"/>
               </a:rPr>
-              <a:t>Блок 2:  Виды физических </a:t>
+              <a:t>Блок </a:t>
             </a:r>
             <a:r>
               <a:rPr lang="en-US" dirty="0">
@@ -8172,6 +10220,26 @@
                 <a:ea typeface="DejaVu Sans" pitchFamily="2"/>
                 <a:cs typeface="DejaVu Sans" pitchFamily="2"/>
               </a:rPr>
+              <a:t>3</a:t>
+            </a:r>
+            <a:r>
+              <a:rPr lang="ru-RU" dirty="0">
+                <a:solidFill>
+                  <a:srgbClr val="000000"/>
+                </a:solidFill>
+                <a:ea typeface="DejaVu Sans" pitchFamily="2"/>
+                <a:cs typeface="DejaVu Sans" pitchFamily="2"/>
+              </a:rPr>
+              <a:t>:  Виды физических </a:t>
+            </a:r>
+            <a:r>
+              <a:rPr lang="en-US" dirty="0">
+                <a:solidFill>
+                  <a:srgbClr val="000000"/>
+                </a:solidFill>
+                <a:ea typeface="DejaVu Sans" pitchFamily="2"/>
+                <a:cs typeface="DejaVu Sans" pitchFamily="2"/>
+              </a:rPr>
               <a:t>join</a:t>
             </a:r>
             <a:r>
@@ -8182,18 +10250,28 @@
                 <a:ea typeface="DejaVu Sans" pitchFamily="2"/>
                 <a:cs typeface="DejaVu Sans" pitchFamily="2"/>
               </a:rPr>
-              <a:t> и какой выбрать</a:t>
-            </a:r>
-          </a:p>
-          <a:p>
-            <a:pPr lvl="0">
-              <a:buClr>
-                <a:srgbClr val="666666"/>
-              </a:buClr>
-              <a:buSzPct val="45000"/>
-              <a:buFont typeface="StarSymbol"/>
-              <a:buChar char="●"/>
-            </a:pPr>
+              <a:t> и какой выбрать + </a:t>
+            </a:r>
+            <a:r>
+              <a:rPr lang="en-US" dirty="0">
+                <a:solidFill>
+                  <a:srgbClr val="000000"/>
+                </a:solidFill>
+                <a:ea typeface="DejaVu Sans" pitchFamily="2"/>
+                <a:cs typeface="DejaVu Sans" pitchFamily="2"/>
+              </a:rPr>
+              <a:t>u</a:t>
+            </a:r>
+            <a:r>
+              <a:rPr lang="ru-RU" dirty="0" err="1">
+                <a:solidFill>
+                  <a:srgbClr val="000000"/>
+                </a:solidFill>
+                <a:ea typeface="DejaVu Sans" pitchFamily="2"/>
+                <a:cs typeface="DejaVu Sans" pitchFamily="2"/>
+              </a:rPr>
+              <a:t>nion</a:t>
+            </a:r>
             <a:r>
               <a:rPr lang="ru-RU" dirty="0">
                 <a:solidFill>
@@ -8202,7 +10280,7 @@
                 <a:ea typeface="DejaVu Sans" pitchFamily="2"/>
                 <a:cs typeface="DejaVu Sans" pitchFamily="2"/>
               </a:rPr>
-              <a:t>Блок 3:  Union vs union all</a:t>
+              <a:t> vs union all</a:t>
             </a:r>
           </a:p>
           <a:p>
@@ -8665,10 +10743,15 @@
             <p:ph idx="1"/>
           </p:nvPr>
         </p:nvSpPr>
-        <p:spPr/>
+        <p:spPr>
+          <a:xfrm>
+            <a:off x="1063752" y="1799502"/>
+            <a:ext cx="10058400" cy="4050792"/>
+          </a:xfrm>
+        </p:spPr>
         <p:txBody>
           <a:bodyPr>
-            <a:normAutofit fontScale="70000" lnSpcReduction="20000"/>
+            <a:noAutofit/>
           </a:bodyPr>
           <a:lstStyle/>
           <a:p>
@@ -8676,12 +10759,12 @@
               <a:buNone/>
             </a:pPr>
             <a:r>
-              <a:rPr lang="af-ZA" b="1" dirty="0">
+              <a:rPr lang="af-ZA" sz="1400" b="1" dirty="0">
                 <a:solidFill>
                   <a:srgbClr val="0070C0"/>
                 </a:solidFill>
               </a:rPr>
-              <a:t>EXPLAIN SELECT *</a:t>
+              <a:t>EXPLAIN </a:t>
             </a:r>
           </a:p>
           <a:p>
@@ -8689,12 +10772,12 @@
               <a:buNone/>
             </a:pPr>
             <a:r>
-              <a:rPr lang="af-ZA" b="1" dirty="0">
+              <a:rPr lang="af-ZA" sz="1400" b="1" dirty="0">
                 <a:solidFill>
                   <a:srgbClr val="0070C0"/>
                 </a:solidFill>
               </a:rPr>
-              <a:t>FROM tenk1 t1, onek t2</a:t>
+              <a:t>SELECT *</a:t>
             </a:r>
           </a:p>
           <a:p>
@@ -8702,26 +10785,26 @@
               <a:buNone/>
             </a:pPr>
             <a:r>
-              <a:rPr lang="af-ZA" b="1" dirty="0">
+              <a:rPr lang="af-ZA" sz="1400" b="1" dirty="0">
                 <a:solidFill>
                   <a:srgbClr val="0070C0"/>
                 </a:solidFill>
               </a:rPr>
-              <a:t>WHERE t1.unique1 &lt; 100 AND t1.unique2 = t2.unique2;</a:t>
+              <a:t>FROM block51 a inner join blovk53 b on a.user_id = b.user_id;</a:t>
             </a:r>
           </a:p>
           <a:p>
             <a:pPr marL="0" indent="0">
               <a:buNone/>
             </a:pPr>
-            <a:endParaRPr lang="af-ZA" dirty="0"/>
+            <a:endParaRPr lang="af-ZA" sz="1400" dirty="0"/>
           </a:p>
           <a:p>
             <a:pPr marL="0" indent="0">
               <a:buNone/>
             </a:pPr>
             <a:r>
-              <a:rPr lang="af-ZA" b="1" dirty="0"/>
+              <a:rPr lang="af-ZA" sz="1400" b="1" dirty="0"/>
               <a:t>                                        QUERY PLAN</a:t>
             </a:r>
           </a:p>
@@ -8730,7 +10813,7 @@
               <a:buNone/>
             </a:pPr>
             <a:r>
-              <a:rPr lang="af-ZA" dirty="0"/>
+              <a:rPr lang="af-ZA" sz="1400" dirty="0"/>
               <a:t>------------------------------------------------------------------------------------------</a:t>
             </a:r>
           </a:p>
@@ -8739,8 +10822,8 @@
               <a:buNone/>
             </a:pPr>
             <a:r>
-              <a:rPr lang="af-ZA" b="1" dirty="0"/>
-              <a:t> Merge Join  (cost=198.11..268.19 rows=10 width=488)</a:t>
+              <a:rPr lang="af-ZA" sz="1400" b="1" dirty="0"/>
+              <a:t> Nested Loop  (cost=4.51..475.91 rows=108 width=103)</a:t>
             </a:r>
           </a:p>
           <a:p>
@@ -8748,16 +10831,12 @@
               <a:buNone/>
             </a:pPr>
             <a:r>
-              <a:rPr lang="af-ZA" dirty="0"/>
-              <a:t>   </a:t>
-            </a:r>
-            <a:r>
-              <a:rPr lang="af-ZA" b="1" dirty="0"/>
-              <a:t>Merge Cond: </a:t>
-            </a:r>
-            <a:r>
-              <a:rPr lang="af-ZA" dirty="0"/>
-              <a:t>(t1.unique2 = t2.unique2)</a:t>
+              <a:rPr lang="af-ZA" sz="1400" b="1" dirty="0"/>
+              <a:t>  -&gt;  Seq Scan </a:t>
+            </a:r>
+            <a:r>
+              <a:rPr lang="af-ZA" sz="1400" dirty="0"/>
+              <a:t>on block53 b  (cost=0.00..1.10 rows=10 width=76)</a:t>
             </a:r>
           </a:p>
           <a:p>
@@ -8765,16 +10844,12 @@
               <a:buNone/>
             </a:pPr>
             <a:r>
-              <a:rPr lang="af-ZA" dirty="0"/>
-              <a:t>   -&gt;  </a:t>
-            </a:r>
-            <a:r>
-              <a:rPr lang="af-ZA" b="1" dirty="0"/>
-              <a:t>Index Scan </a:t>
-            </a:r>
-            <a:r>
-              <a:rPr lang="af-ZA" dirty="0"/>
-              <a:t>using tenk1_unique2 on tenk1 t1  (cost=0.29..656.28 rows=101 width=244)</a:t>
+              <a:rPr lang="af-ZA" sz="1400" b="1" dirty="0"/>
+              <a:t>  -&gt;  Bitmap Heap Scan </a:t>
+            </a:r>
+            <a:r>
+              <a:rPr lang="af-ZA" sz="1400" dirty="0"/>
+              <a:t>on block51 a  (cost=4.51..47.37 rows=11 width=27)</a:t>
             </a:r>
           </a:p>
           <a:p>
@@ -8782,8 +10857,12 @@
               <a:buNone/>
             </a:pPr>
             <a:r>
-              <a:rPr lang="af-ZA" dirty="0"/>
-              <a:t>         Filter: (unique1 &lt; 100)</a:t>
+              <a:rPr lang="af-ZA" sz="1400" b="1" dirty="0"/>
+              <a:t>        Recheck Cond: </a:t>
+            </a:r>
+            <a:r>
+              <a:rPr lang="af-ZA" sz="1400" dirty="0"/>
+              <a:t>(user_id = b.user_id)</a:t>
             </a:r>
           </a:p>
           <a:p>
@@ -8791,16 +10870,12 @@
               <a:buNone/>
             </a:pPr>
             <a:r>
-              <a:rPr lang="af-ZA" dirty="0"/>
-              <a:t>   -&gt;  </a:t>
-            </a:r>
-            <a:r>
-              <a:rPr lang="af-ZA" b="1" dirty="0"/>
-              <a:t>Sort</a:t>
-            </a:r>
-            <a:r>
-              <a:rPr lang="af-ZA" dirty="0"/>
-              <a:t>  (cost=197.83..200.33 rows=1000 width=244)</a:t>
+              <a:rPr lang="af-ZA" sz="1400" b="1" dirty="0"/>
+              <a:t>        -&gt;  Bitmap Index Scan </a:t>
+            </a:r>
+            <a:r>
+              <a:rPr lang="af-ZA" sz="1400" dirty="0"/>
+              <a:t>on block11_tst  (cost=0.00..4.51 rows=11 width=0)</a:t>
             </a:r>
           </a:p>
           <a:p>
@@ -8808,34 +10883,21 @@
               <a:buNone/>
             </a:pPr>
             <a:r>
-              <a:rPr lang="af-ZA" dirty="0"/>
-              <a:t>         Sort Key: t2.unique2</a:t>
-            </a:r>
-          </a:p>
-          <a:p>
-            <a:pPr marL="0" indent="0">
-              <a:buNone/>
-            </a:pPr>
-            <a:r>
-              <a:rPr lang="af-ZA" dirty="0"/>
-              <a:t>         -&gt;  </a:t>
-            </a:r>
-            <a:r>
-              <a:rPr lang="af-ZA" b="1" dirty="0"/>
-              <a:t>Seq Scan </a:t>
-            </a:r>
-            <a:r>
-              <a:rPr lang="af-ZA" dirty="0"/>
-              <a:t>on onek t2  (cost=0.00..148.00 rows=1000 width=244)</a:t>
-            </a:r>
-            <a:endParaRPr lang="ru-RU" dirty="0"/>
+              <a:rPr lang="af-ZA" sz="1400" b="1" dirty="0"/>
+              <a:t>              Index Cond: </a:t>
+            </a:r>
+            <a:r>
+              <a:rPr lang="af-ZA" sz="1400" dirty="0"/>
+              <a:t>(user_id = b.user_id)</a:t>
+            </a:r>
+            <a:endParaRPr lang="ru-RU" sz="1400" dirty="0"/>
           </a:p>
         </p:txBody>
       </p:sp>
     </p:spTree>
     <p:extLst>
       <p:ext uri="{BB962C8B-B14F-4D97-AF65-F5344CB8AC3E}">
-        <p14:creationId xmlns:p14="http://schemas.microsoft.com/office/powerpoint/2010/main" val="2545218508"/>
+        <p14:creationId xmlns:p14="http://schemas.microsoft.com/office/powerpoint/2010/main" val="3272846900"/>
       </p:ext>
     </p:extLst>
   </p:cSld>
@@ -8974,7 +11036,7 @@
                   <a:srgbClr val="0070C0"/>
                 </a:solidFill>
               </a:rPr>
-              <a:t>EXPLAIN ANALYZE SELECT *</a:t>
+              <a:t>EXPLAIN ANALYSE</a:t>
             </a:r>
           </a:p>
           <a:p>
@@ -8987,7 +11049,7 @@
                   <a:srgbClr val="0070C0"/>
                 </a:solidFill>
               </a:rPr>
-              <a:t>FROM tenk1 t1, tenk2 t2</a:t>
+              <a:t>SELECT *</a:t>
             </a:r>
           </a:p>
           <a:p>
@@ -9000,7 +11062,7 @@
                   <a:srgbClr val="0070C0"/>
                 </a:solidFill>
               </a:rPr>
-              <a:t>WHERE t1.unique1 &lt; 10 AND t1.unique2 = t2.unique2;</a:t>
+              <a:t>FROM block51 a inner join blovk53 b on a.user_id = b.user_id;</a:t>
             </a:r>
           </a:p>
           <a:p>
@@ -9036,12 +11098,45 @@
               <a:buNone/>
             </a:pPr>
             <a:r>
+              <a:rPr lang="af-ZA" b="1" dirty="0"/>
+              <a:t> Nested Loop  (cost=4.51..475.91 rows=108 width=103)</a:t>
+            </a:r>
+            <a:r>
               <a:rPr lang="af-ZA" dirty="0"/>
               <a:t> </a:t>
             </a:r>
             <a:r>
+              <a:rPr lang="af-ZA" dirty="0">
+                <a:highlight>
+                  <a:srgbClr val="00FFFF"/>
+                </a:highlight>
+              </a:rPr>
+              <a:t>(actual time=0.026..0.141 rows=106 loops=1)</a:t>
+            </a:r>
+          </a:p>
+          <a:p>
+            <a:pPr marL="0" indent="0">
+              <a:buNone/>
+            </a:pPr>
+            <a:r>
+              <a:rPr lang="af-ZA" dirty="0"/>
+              <a:t>  -&gt;  </a:t>
+            </a:r>
+            <a:r>
               <a:rPr lang="af-ZA" b="1" dirty="0"/>
-              <a:t>Nested Loop  (cost=4.65..118.62 rows=10 width=488) (actual time=0.128..0.377 rows=10 loops=1)</a:t>
+              <a:t>Seq Scan </a:t>
+            </a:r>
+            <a:r>
+              <a:rPr lang="af-ZA" dirty="0"/>
+              <a:t>on block53 b  (cost=0.00..1.10 rows=10 width=76) </a:t>
+            </a:r>
+            <a:r>
+              <a:rPr lang="af-ZA" dirty="0">
+                <a:highlight>
+                  <a:srgbClr val="00FFFF"/>
+                </a:highlight>
+              </a:rPr>
+              <a:t>(actual time=0.005..0.006 rows=10 loops=1)</a:t>
             </a:r>
           </a:p>
           <a:p>
@@ -9050,7 +11145,7 @@
             </a:pPr>
             <a:r>
               <a:rPr lang="af-ZA" dirty="0"/>
-              <a:t>   -&gt;  </a:t>
+              <a:t>  -&gt;  </a:t>
             </a:r>
             <a:r>
               <a:rPr lang="af-ZA" b="1" dirty="0"/>
@@ -9058,7 +11153,15 @@
             </a:r>
             <a:r>
               <a:rPr lang="af-ZA" dirty="0"/>
-              <a:t>on tenk1 t1  (cost=4.36..39.47 rows=10 width=244) (actual time=0.057..0.121 rows=10 loops=1)</a:t>
+              <a:t>on block51 a  (cost=4.51..47.37 rows=11 width=27) </a:t>
+            </a:r>
+            <a:r>
+              <a:rPr lang="af-ZA" dirty="0">
+                <a:highlight>
+                  <a:srgbClr val="00FFFF"/>
+                </a:highlight>
+              </a:rPr>
+              <a:t>(actual time=0.004..0.012 rows=11 loops=10)</a:t>
             </a:r>
           </a:p>
           <a:p>
@@ -9066,8 +11169,12 @@
               <a:buNone/>
             </a:pPr>
             <a:r>
+              <a:rPr lang="af-ZA" b="1" dirty="0"/>
+              <a:t>        Recheck Cond: </a:t>
+            </a:r>
+            <a:r>
               <a:rPr lang="af-ZA" dirty="0"/>
-              <a:t>         Recheck Cond: (unique1 &lt; 10)</a:t>
+              <a:t>(user_id = b.user_id)</a:t>
             </a:r>
           </a:p>
           <a:p>
@@ -9076,15 +11183,15 @@
             </a:pPr>
             <a:r>
               <a:rPr lang="af-ZA" dirty="0"/>
-              <a:t>         -&gt;  </a:t>
+              <a:t>        </a:t>
             </a:r>
             <a:r>
               <a:rPr lang="af-ZA" b="1" dirty="0"/>
-              <a:t>Bitmap Index Scan </a:t>
+              <a:t>Heap Blocks: </a:t>
             </a:r>
             <a:r>
               <a:rPr lang="af-ZA" dirty="0"/>
-              <a:t>on tenk1_unique1  (cost=0.00..4.36 rows=10 width=0) (actual time=0.024..0.024 rows=10 loops=1)</a:t>
+              <a:t>exact=106</a:t>
             </a:r>
           </a:p>
           <a:p>
@@ -9093,7 +11200,23 @@
             </a:pPr>
             <a:r>
               <a:rPr lang="af-ZA" dirty="0"/>
-              <a:t>               Index Cond: (unique1 &lt; 10)</a:t>
+              <a:t>        -&gt;  </a:t>
+            </a:r>
+            <a:r>
+              <a:rPr lang="af-ZA" b="1" dirty="0"/>
+              <a:t>Bitmap Index Scan</a:t>
+            </a:r>
+            <a:r>
+              <a:rPr lang="af-ZA" dirty="0"/>
+              <a:t> on block11_tst  (cost=0.00..4.51 rows=11 width=0) </a:t>
+            </a:r>
+            <a:r>
+              <a:rPr lang="af-ZA" dirty="0">
+                <a:highlight>
+                  <a:srgbClr val="00FFFF"/>
+                </a:highlight>
+              </a:rPr>
+              <a:t>(actual time=0.002..0.002 rows=11 loops=10)</a:t>
             </a:r>
           </a:p>
           <a:p>
@@ -9102,15 +11225,15 @@
             </a:pPr>
             <a:r>
               <a:rPr lang="af-ZA" dirty="0"/>
-              <a:t>   -&gt;  </a:t>
+              <a:t>              </a:t>
             </a:r>
             <a:r>
               <a:rPr lang="af-ZA" b="1" dirty="0"/>
-              <a:t>Index Scan </a:t>
+              <a:t>Index Cond: </a:t>
             </a:r>
             <a:r>
               <a:rPr lang="af-ZA" dirty="0"/>
-              <a:t>using tenk2_unique2 on tenk2 t2  (cost=0.29..7.91 rows=1 width=244) (actual time=0.021..0.022 rows=1 loops=10)</a:t>
+              <a:t>(user_id = b.user_id)</a:t>
             </a:r>
           </a:p>
           <a:p>
@@ -9118,8 +11241,12 @@
               <a:buNone/>
             </a:pPr>
             <a:r>
-              <a:rPr lang="af-ZA" dirty="0"/>
-              <a:t>         Index Cond: (unique2 = t1.unique2)</a:t>
+              <a:rPr lang="af-ZA" b="1" dirty="0">
+                <a:highlight>
+                  <a:srgbClr val="00FFFF"/>
+                </a:highlight>
+              </a:rPr>
+              <a:t>Planning Time: 0.097 ms</a:t>
             </a:r>
           </a:p>
           <a:p>
@@ -9127,34 +11254,25 @@
               <a:buNone/>
             </a:pPr>
             <a:r>
-              <a:rPr lang="af-ZA" b="1" dirty="0"/>
-              <a:t> Planning time: </a:t>
-            </a:r>
-            <a:r>
-              <a:rPr lang="af-ZA" dirty="0"/>
-              <a:t>0.181 ms</a:t>
-            </a:r>
-          </a:p>
-          <a:p>
-            <a:pPr marL="0" indent="0">
-              <a:buNone/>
-            </a:pPr>
-            <a:r>
-              <a:rPr lang="af-ZA" b="1" dirty="0"/>
-              <a:t> Execution time: </a:t>
-            </a:r>
-            <a:r>
-              <a:rPr lang="af-ZA" dirty="0"/>
-              <a:t>0.501 ms</a:t>
-            </a:r>
-            <a:endParaRPr lang="ru-RU" dirty="0"/>
+              <a:rPr lang="af-ZA" b="1" dirty="0">
+                <a:highlight>
+                  <a:srgbClr val="00FFFF"/>
+                </a:highlight>
+              </a:rPr>
+              <a:t>Execution Time: 0.171 ms</a:t>
+            </a:r>
+            <a:endParaRPr lang="ru-RU" b="1" dirty="0">
+              <a:highlight>
+                <a:srgbClr val="00FFFF"/>
+              </a:highlight>
+            </a:endParaRPr>
           </a:p>
         </p:txBody>
       </p:sp>
     </p:spTree>
     <p:extLst>
       <p:ext uri="{BB962C8B-B14F-4D97-AF65-F5344CB8AC3E}">
-        <p14:creationId xmlns:p14="http://schemas.microsoft.com/office/powerpoint/2010/main" val="3081074980"/>
+        <p14:creationId xmlns:p14="http://schemas.microsoft.com/office/powerpoint/2010/main" val="3094229339"/>
       </p:ext>
     </p:extLst>
   </p:cSld>

--- a/presentation/Workshop.pptx
+++ b/presentation/Workshop.pptx
@@ -4536,10 +4536,7 @@
           <a:bodyPr/>
           <a:lstStyle/>
           <a:p>
-            <a:r>
-              <a:rPr lang="ru-RU" dirty="0"/>
-              <a:t>Москвина Светлана</a:t>
-            </a:r>
+            <a:endParaRPr lang="ru-RU" dirty="0"/>
           </a:p>
         </p:txBody>
       </p:sp>

--- a/presentation/Workshop.pptx
+++ b/presentation/Workshop.pptx
@@ -5,7 +5,7 @@
     <p:sldMasterId id="2147483744" r:id="rId1"/>
   </p:sldMasterIdLst>
   <p:notesMasterIdLst>
-    <p:notesMasterId r:id="rId28"/>
+    <p:notesMasterId r:id="rId29"/>
   </p:notesMasterIdLst>
   <p:sldIdLst>
     <p:sldId id="256" r:id="rId2"/>
@@ -18,22 +18,23 @@
     <p:sldId id="263" r:id="rId9"/>
     <p:sldId id="264" r:id="rId10"/>
     <p:sldId id="285" r:id="rId11"/>
-    <p:sldId id="265" r:id="rId12"/>
-    <p:sldId id="266" r:id="rId13"/>
-    <p:sldId id="288" r:id="rId14"/>
-    <p:sldId id="280" r:id="rId15"/>
-    <p:sldId id="290" r:id="rId16"/>
-    <p:sldId id="268" r:id="rId17"/>
-    <p:sldId id="289" r:id="rId18"/>
-    <p:sldId id="267" r:id="rId19"/>
-    <p:sldId id="281" r:id="rId20"/>
-    <p:sldId id="269" r:id="rId21"/>
-    <p:sldId id="276" r:id="rId22"/>
-    <p:sldId id="270" r:id="rId23"/>
-    <p:sldId id="277" r:id="rId24"/>
-    <p:sldId id="279" r:id="rId25"/>
-    <p:sldId id="278" r:id="rId26"/>
-    <p:sldId id="272" r:id="rId27"/>
+    <p:sldId id="291" r:id="rId12"/>
+    <p:sldId id="265" r:id="rId13"/>
+    <p:sldId id="266" r:id="rId14"/>
+    <p:sldId id="288" r:id="rId15"/>
+    <p:sldId id="280" r:id="rId16"/>
+    <p:sldId id="290" r:id="rId17"/>
+    <p:sldId id="268" r:id="rId18"/>
+    <p:sldId id="289" r:id="rId19"/>
+    <p:sldId id="267" r:id="rId20"/>
+    <p:sldId id="281" r:id="rId21"/>
+    <p:sldId id="269" r:id="rId22"/>
+    <p:sldId id="276" r:id="rId23"/>
+    <p:sldId id="270" r:id="rId24"/>
+    <p:sldId id="277" r:id="rId25"/>
+    <p:sldId id="279" r:id="rId26"/>
+    <p:sldId id="278" r:id="rId27"/>
+    <p:sldId id="272" r:id="rId28"/>
   </p:sldIdLst>
   <p:sldSz cx="12192000" cy="6858000"/>
   <p:notesSz cx="6858000" cy="9144000"/>
@@ -222,7 +223,7 @@
           <a:p>
             <a:fld id="{14D614CB-68E3-488B-B59E-566D95FF5DEF}" type="datetimeFigureOut">
               <a:rPr lang="ru-RU" smtClean="0"/>
-              <a:t>03.04.2023</a:t>
+              <a:t>01.05.2023</a:t>
             </a:fld>
             <a:endParaRPr lang="ru-RU"/>
           </a:p>
@@ -555,7 +556,7 @@
           <a:p>
             <a:fld id="{4390FECD-63D5-4E8D-8073-22D76023750B}" type="slidenum">
               <a:rPr lang="ru-RU" smtClean="0"/>
-              <a:t>12</a:t>
+              <a:t>13</a:t>
             </a:fld>
             <a:endParaRPr lang="ru-RU"/>
           </a:p>
@@ -977,7 +978,7 @@
           <a:p>
             <a:fld id="{7CD77A28-62FA-4A1C-955D-4EB5AA405F1C}" type="datetimeFigureOut">
               <a:rPr lang="ru-RU" smtClean="0"/>
-              <a:t>03.04.2023</a:t>
+              <a:t>01.05.2023</a:t>
             </a:fld>
             <a:endParaRPr lang="ru-RU" dirty="0"/>
           </a:p>
@@ -1156,7 +1157,7 @@
           <a:p>
             <a:fld id="{7CD77A28-62FA-4A1C-955D-4EB5AA405F1C}" type="datetimeFigureOut">
               <a:rPr lang="ru-RU" smtClean="0"/>
-              <a:t>03.04.2023</a:t>
+              <a:t>01.05.2023</a:t>
             </a:fld>
             <a:endParaRPr lang="ru-RU" dirty="0"/>
           </a:p>
@@ -1336,7 +1337,7 @@
           <a:p>
             <a:fld id="{7CD77A28-62FA-4A1C-955D-4EB5AA405F1C}" type="datetimeFigureOut">
               <a:rPr lang="ru-RU" smtClean="0"/>
-              <a:t>03.04.2023</a:t>
+              <a:t>01.05.2023</a:t>
             </a:fld>
             <a:endParaRPr lang="ru-RU" dirty="0"/>
           </a:p>
@@ -1506,7 +1507,7 @@
           <a:p>
             <a:fld id="{7CD77A28-62FA-4A1C-955D-4EB5AA405F1C}" type="datetimeFigureOut">
               <a:rPr lang="ru-RU" smtClean="0"/>
-              <a:t>03.04.2023</a:t>
+              <a:t>01.05.2023</a:t>
             </a:fld>
             <a:endParaRPr lang="ru-RU" dirty="0"/>
           </a:p>
@@ -1819,7 +1820,7 @@
           <a:p>
             <a:fld id="{7CD77A28-62FA-4A1C-955D-4EB5AA405F1C}" type="datetimeFigureOut">
               <a:rPr lang="ru-RU" smtClean="0"/>
-              <a:t>03.04.2023</a:t>
+              <a:t>01.05.2023</a:t>
             </a:fld>
             <a:endParaRPr lang="ru-RU" dirty="0"/>
           </a:p>
@@ -2205,7 +2206,7 @@
           <a:p>
             <a:fld id="{7CD77A28-62FA-4A1C-955D-4EB5AA405F1C}" type="datetimeFigureOut">
               <a:rPr lang="ru-RU" smtClean="0"/>
-              <a:t>03.04.2023</a:t>
+              <a:t>01.05.2023</a:t>
             </a:fld>
             <a:endParaRPr lang="ru-RU" dirty="0"/>
           </a:p>
@@ -2639,7 +2640,7 @@
           <a:p>
             <a:fld id="{7CD77A28-62FA-4A1C-955D-4EB5AA405F1C}" type="datetimeFigureOut">
               <a:rPr lang="ru-RU" smtClean="0"/>
-              <a:t>03.04.2023</a:t>
+              <a:t>01.05.2023</a:t>
             </a:fld>
             <a:endParaRPr lang="ru-RU" dirty="0"/>
           </a:p>
@@ -2757,7 +2758,7 @@
           <a:p>
             <a:fld id="{7CD77A28-62FA-4A1C-955D-4EB5AA405F1C}" type="datetimeFigureOut">
               <a:rPr lang="ru-RU" smtClean="0"/>
-              <a:t>03.04.2023</a:t>
+              <a:t>01.05.2023</a:t>
             </a:fld>
             <a:endParaRPr lang="ru-RU" dirty="0"/>
           </a:p>
@@ -2852,7 +2853,7 @@
           <a:p>
             <a:fld id="{7CD77A28-62FA-4A1C-955D-4EB5AA405F1C}" type="datetimeFigureOut">
               <a:rPr lang="ru-RU" smtClean="0"/>
-              <a:t>03.04.2023</a:t>
+              <a:t>01.05.2023</a:t>
             </a:fld>
             <a:endParaRPr lang="ru-RU" dirty="0"/>
           </a:p>
@@ -3202,7 +3203,7 @@
           <a:p>
             <a:fld id="{7CD77A28-62FA-4A1C-955D-4EB5AA405F1C}" type="datetimeFigureOut">
               <a:rPr lang="ru-RU" smtClean="0"/>
-              <a:t>03.04.2023</a:t>
+              <a:t>01.05.2023</a:t>
             </a:fld>
             <a:endParaRPr lang="ru-RU" dirty="0"/>
           </a:p>
@@ -3626,7 +3627,7 @@
           <a:p>
             <a:fld id="{7CD77A28-62FA-4A1C-955D-4EB5AA405F1C}" type="datetimeFigureOut">
               <a:rPr lang="ru-RU" smtClean="0"/>
-              <a:t>03.04.2023</a:t>
+              <a:t>01.05.2023</a:t>
             </a:fld>
             <a:endParaRPr lang="ru-RU" dirty="0"/>
           </a:p>
@@ -3907,7 +3908,7 @@
           <a:p>
             <a:fld id="{7CD77A28-62FA-4A1C-955D-4EB5AA405F1C}" type="datetimeFigureOut">
               <a:rPr lang="ru-RU" smtClean="0"/>
-              <a:t>03.04.2023</a:t>
+              <a:t>01.05.2023</a:t>
             </a:fld>
             <a:endParaRPr lang="ru-RU" dirty="0"/>
           </a:p>
@@ -4624,7 +4625,7 @@
         <p:spPr>
           <a:xfrm>
             <a:off x="68425" y="1960969"/>
-            <a:ext cx="10058400" cy="4050792"/>
+            <a:ext cx="11664962" cy="5107096"/>
           </a:xfrm>
         </p:spPr>
         <p:txBody>
@@ -4642,40 +4643,40 @@
               <a:buChar char="●"/>
             </a:pPr>
             <a:r>
-              <a:rPr lang="ru-RU" sz="2000" dirty="0">
+              <a:rPr lang="ru-RU" sz="2200" dirty="0">
                 <a:ea typeface="DejaVu Sans" pitchFamily="2"/>
                 <a:cs typeface="DejaVu Sans" pitchFamily="2"/>
               </a:rPr>
               <a:t>После большой порции изменений выполняем: </a:t>
             </a:r>
             <a:br>
-              <a:rPr lang="en-US" sz="2000" dirty="0">
+              <a:rPr lang="en-US" sz="2200" dirty="0">
                 <a:ea typeface="DejaVu Sans" pitchFamily="2"/>
                 <a:cs typeface="DejaVu Sans" pitchFamily="2"/>
               </a:rPr>
             </a:br>
             <a:r>
-              <a:rPr lang="en-US" sz="2000" b="1" dirty="0" err="1">
+              <a:rPr lang="en-US" sz="2200" b="1" dirty="0" err="1">
                 <a:ea typeface="DejaVu Sans" pitchFamily="2"/>
                 <a:cs typeface="DejaVu Sans" pitchFamily="2"/>
               </a:rPr>
               <a:t>analyse</a:t>
             </a:r>
             <a:r>
-              <a:rPr lang="ru-RU" sz="2000" b="1" dirty="0">
+              <a:rPr lang="ru-RU" sz="2200" b="1" dirty="0">
                 <a:ea typeface="DejaVu Sans" pitchFamily="2"/>
                 <a:cs typeface="DejaVu Sans" pitchFamily="2"/>
               </a:rPr>
               <a:t> </a:t>
             </a:r>
             <a:r>
-              <a:rPr lang="ru-RU" sz="2000" dirty="0">
+              <a:rPr lang="ru-RU" sz="2200" dirty="0">
                 <a:ea typeface="DejaVu Sans" pitchFamily="2"/>
                 <a:cs typeface="DejaVu Sans" pitchFamily="2"/>
               </a:rPr>
               <a:t>– сбор статистики по таблицам</a:t>
             </a:r>
-            <a:endParaRPr lang="en-US" sz="2000" dirty="0">
+            <a:endParaRPr lang="en-US" sz="2200" dirty="0">
               <a:ea typeface="DejaVu Sans" pitchFamily="2"/>
               <a:cs typeface="DejaVu Sans" pitchFamily="2"/>
             </a:endParaRPr>
@@ -4701,116 +4702,306 @@
           </a:p>
           <a:p>
             <a:pPr marL="274320" lvl="1" indent="0">
-              <a:buClr>
-                <a:srgbClr val="666666"/>
-              </a:buClr>
-              <a:buSzPct val="45000"/>
-              <a:buNone/>
-            </a:pPr>
+              <a:buNone/>
+            </a:pPr>
+            <a:br>
+              <a:rPr lang="ru-RU" sz="2200" dirty="0"/>
+            </a:br>
+            <a:endParaRPr lang="ru-RU" sz="2200" dirty="0"/>
+          </a:p>
+          <a:p>
+            <a:pPr lvl="1"/>
+            <a:r>
+              <a:rPr lang="ru-RU" sz="2200" dirty="0"/>
+              <a:t>Результат собранной статистики содержится в таблицах </a:t>
+            </a:r>
+            <a:r>
+              <a:rPr lang="af-ZA" sz="2200" dirty="0"/>
+              <a:t>pg_class</a:t>
+            </a:r>
+            <a:r>
+              <a:rPr lang="ru-RU" sz="2200" dirty="0"/>
+              <a:t>(размер таблицы) и </a:t>
+            </a:r>
+            <a:r>
+              <a:rPr lang="af-ZA" sz="2200" dirty="0"/>
+              <a:t>pg_stats</a:t>
+            </a:r>
+            <a:r>
+              <a:rPr lang="ru-RU" sz="2200" dirty="0"/>
+              <a:t> (статистика по колонкам)</a:t>
+            </a:r>
+          </a:p>
+          <a:p>
+            <a:pPr marL="822960" lvl="3" indent="0">
+              <a:buNone/>
+            </a:pPr>
+            <a:r>
+              <a:rPr lang="en-US" sz="2000" dirty="0">
+                <a:solidFill>
+                  <a:srgbClr val="0070C0"/>
+                </a:solidFill>
+              </a:rPr>
+              <a:t>SELECT  </a:t>
+            </a:r>
+            <a:r>
+              <a:rPr lang="en-US" sz="2000" dirty="0" err="1">
+                <a:solidFill>
+                  <a:srgbClr val="0070C0"/>
+                </a:solidFill>
+              </a:rPr>
+              <a:t>relname</a:t>
+            </a:r>
+            <a:r>
+              <a:rPr lang="en-US" sz="2000" dirty="0">
+                <a:solidFill>
+                  <a:srgbClr val="0070C0"/>
+                </a:solidFill>
+              </a:rPr>
+              <a:t>, </a:t>
+            </a:r>
+            <a:r>
+              <a:rPr lang="en-US" sz="2000" dirty="0" err="1">
+                <a:solidFill>
+                  <a:srgbClr val="0070C0"/>
+                </a:solidFill>
+              </a:rPr>
+              <a:t>relkind</a:t>
+            </a:r>
+            <a:r>
+              <a:rPr lang="en-US" sz="2000" dirty="0">
+                <a:solidFill>
+                  <a:srgbClr val="0070C0"/>
+                </a:solidFill>
+              </a:rPr>
+              <a:t>, </a:t>
+            </a:r>
+            <a:r>
+              <a:rPr lang="en-US" sz="2000" dirty="0" err="1">
+                <a:solidFill>
+                  <a:srgbClr val="0070C0"/>
+                </a:solidFill>
+              </a:rPr>
+              <a:t>reltuples</a:t>
+            </a:r>
+            <a:r>
+              <a:rPr lang="en-US" sz="2000" dirty="0">
+                <a:solidFill>
+                  <a:srgbClr val="0070C0"/>
+                </a:solidFill>
+              </a:rPr>
+              <a:t>, </a:t>
+            </a:r>
+            <a:r>
+              <a:rPr lang="en-US" sz="2000" dirty="0" err="1">
+                <a:solidFill>
+                  <a:srgbClr val="0070C0"/>
+                </a:solidFill>
+              </a:rPr>
+              <a:t>relpages</a:t>
+            </a:r>
             <a:endParaRPr lang="en-US" sz="2000" dirty="0">
-              <a:ea typeface="DejaVu Sans" pitchFamily="2"/>
-              <a:cs typeface="DejaVu Sans" pitchFamily="2"/>
+              <a:solidFill>
+                <a:srgbClr val="0070C0"/>
+              </a:solidFill>
             </a:endParaRPr>
           </a:p>
           <a:p>
+            <a:pPr marL="822960" lvl="3" indent="0">
+              <a:buNone/>
+            </a:pPr>
+            <a:r>
+              <a:rPr lang="af-ZA" sz="2000" dirty="0">
+                <a:solidFill>
+                  <a:srgbClr val="0070C0"/>
+                </a:solidFill>
+              </a:rPr>
+              <a:t>FROM</a:t>
+            </a:r>
+            <a:r>
+              <a:rPr lang="en-US" sz="2000" dirty="0">
+                <a:solidFill>
+                  <a:srgbClr val="0070C0"/>
+                </a:solidFill>
+              </a:rPr>
+              <a:t> </a:t>
+            </a:r>
+            <a:r>
+              <a:rPr lang="en-US" sz="2000" dirty="0" err="1">
+                <a:solidFill>
+                  <a:srgbClr val="0070C0"/>
+                </a:solidFill>
+              </a:rPr>
+              <a:t>pg_class</a:t>
+            </a:r>
+            <a:r>
+              <a:rPr lang="en-US" sz="2000" dirty="0">
+                <a:solidFill>
+                  <a:srgbClr val="0070C0"/>
+                </a:solidFill>
+              </a:rPr>
+              <a:t> </a:t>
+            </a:r>
+            <a:r>
+              <a:rPr lang="af-ZA" sz="2000" dirty="0">
+                <a:solidFill>
+                  <a:srgbClr val="0070C0"/>
+                </a:solidFill>
+              </a:rPr>
+              <a:t>WHERE</a:t>
+            </a:r>
+            <a:r>
+              <a:rPr lang="en-US" sz="2000" dirty="0">
+                <a:solidFill>
+                  <a:srgbClr val="0070C0"/>
+                </a:solidFill>
+              </a:rPr>
+              <a:t> </a:t>
+            </a:r>
+            <a:r>
+              <a:rPr lang="en-US" sz="2000" dirty="0" err="1">
+                <a:solidFill>
+                  <a:srgbClr val="0070C0"/>
+                </a:solidFill>
+              </a:rPr>
+              <a:t>relname</a:t>
+            </a:r>
+            <a:r>
+              <a:rPr lang="en-US" sz="2000" dirty="0">
+                <a:solidFill>
+                  <a:srgbClr val="0070C0"/>
+                </a:solidFill>
+              </a:rPr>
+              <a:t> like 'block11%’;</a:t>
+            </a:r>
+          </a:p>
+          <a:p>
+            <a:pPr marL="822960" lvl="3" indent="0">
+              <a:buNone/>
+            </a:pPr>
+            <a:endParaRPr lang="ru-RU" sz="2000" dirty="0">
+              <a:solidFill>
+                <a:srgbClr val="0070C0"/>
+              </a:solidFill>
+            </a:endParaRPr>
+          </a:p>
+          <a:p>
+            <a:pPr marL="822960" lvl="3" indent="0">
+              <a:buNone/>
+            </a:pPr>
+            <a:r>
+              <a:rPr lang="en-US" sz="2000" dirty="0">
+                <a:solidFill>
+                  <a:srgbClr val="0070C0"/>
+                </a:solidFill>
+              </a:rPr>
+              <a:t>SELECT </a:t>
+            </a:r>
+            <a:r>
+              <a:rPr lang="en-US" sz="2000" dirty="0" err="1">
+                <a:solidFill>
+                  <a:srgbClr val="0070C0"/>
+                </a:solidFill>
+              </a:rPr>
+              <a:t>attname</a:t>
+            </a:r>
+            <a:r>
+              <a:rPr lang="en-US" sz="2000" dirty="0">
+                <a:solidFill>
+                  <a:srgbClr val="0070C0"/>
+                </a:solidFill>
+              </a:rPr>
+              <a:t>, </a:t>
+            </a:r>
+            <a:r>
+              <a:rPr lang="en-US" sz="2000" dirty="0" err="1">
+                <a:solidFill>
+                  <a:srgbClr val="0070C0"/>
+                </a:solidFill>
+              </a:rPr>
+              <a:t>n_distinct,array_to_string</a:t>
+            </a:r>
+            <a:r>
+              <a:rPr lang="en-US" sz="2000" dirty="0">
+                <a:solidFill>
+                  <a:srgbClr val="0070C0"/>
+                </a:solidFill>
+              </a:rPr>
+              <a:t>(</a:t>
+            </a:r>
+            <a:r>
+              <a:rPr lang="en-US" sz="2000" dirty="0" err="1">
+                <a:solidFill>
+                  <a:srgbClr val="0070C0"/>
+                </a:solidFill>
+              </a:rPr>
+              <a:t>most_common_vals</a:t>
+            </a:r>
+            <a:r>
+              <a:rPr lang="en-US" sz="2000" dirty="0">
+                <a:solidFill>
+                  <a:srgbClr val="0070C0"/>
+                </a:solidFill>
+              </a:rPr>
+              <a:t>, E'\n') as </a:t>
+            </a:r>
+            <a:r>
+              <a:rPr lang="en-US" sz="2000" dirty="0" err="1">
+                <a:solidFill>
+                  <a:srgbClr val="0070C0"/>
+                </a:solidFill>
+              </a:rPr>
+              <a:t>most_common_vals</a:t>
+            </a:r>
+            <a:endParaRPr lang="en-US" sz="2000" dirty="0">
+              <a:solidFill>
+                <a:srgbClr val="0070C0"/>
+              </a:solidFill>
+            </a:endParaRPr>
+          </a:p>
+          <a:p>
+            <a:pPr marL="822960" lvl="3" indent="0">
+              <a:buNone/>
+            </a:pPr>
+            <a:r>
+              <a:rPr lang="af-ZA" sz="2000" dirty="0">
+                <a:solidFill>
+                  <a:srgbClr val="0070C0"/>
+                </a:solidFill>
+              </a:rPr>
+              <a:t>FROM pg_stats</a:t>
+            </a:r>
+          </a:p>
+          <a:p>
+            <a:pPr marL="822960" lvl="3" indent="0">
+              <a:buNone/>
+            </a:pPr>
+            <a:r>
+              <a:rPr lang="af-ZA" sz="2000" dirty="0">
+                <a:solidFill>
+                  <a:srgbClr val="0070C0"/>
+                </a:solidFill>
+              </a:rPr>
+              <a:t>WHERE tablename = 'block11';</a:t>
+            </a:r>
+          </a:p>
+          <a:p>
+            <a:endParaRPr lang="ru-RU" dirty="0"/>
+          </a:p>
+          <a:p>
             <a:pPr marL="274320" lvl="1" indent="0">
-              <a:buClr>
-                <a:srgbClr val="666666"/>
-              </a:buClr>
-              <a:buSzPct val="45000"/>
-              <a:buNone/>
-            </a:pPr>
-            <a:endParaRPr lang="en-US" sz="2000" dirty="0">
-              <a:ea typeface="DejaVu Sans" pitchFamily="2"/>
-              <a:cs typeface="DejaVu Sans" pitchFamily="2"/>
-            </a:endParaRPr>
-          </a:p>
-          <a:p>
-            <a:pPr marL="274320" lvl="1" indent="0">
-              <a:buClr>
-                <a:srgbClr val="666666"/>
-              </a:buClr>
-              <a:buSzPct val="45000"/>
-              <a:buNone/>
-            </a:pPr>
-            <a:endParaRPr lang="en-US" sz="2000" dirty="0">
-              <a:ea typeface="DejaVu Sans" pitchFamily="2"/>
-              <a:cs typeface="DejaVu Sans" pitchFamily="2"/>
-            </a:endParaRPr>
-          </a:p>
-          <a:p>
-            <a:pPr lvl="1">
-              <a:buClr>
-                <a:srgbClr val="666666"/>
-              </a:buClr>
-              <a:buSzPct val="45000"/>
-              <a:buFont typeface="StarSymbol"/>
-              <a:buChar char="●"/>
-            </a:pPr>
-            <a:r>
-              <a:rPr lang="ru-RU" sz="2000" dirty="0">
-                <a:ea typeface="DejaVu Sans" pitchFamily="2"/>
-                <a:cs typeface="DejaVu Sans" pitchFamily="2"/>
-              </a:rPr>
-              <a:t>После большого количества операций удалений/</a:t>
-            </a:r>
-            <a:r>
-              <a:rPr lang="ru-RU" sz="2000" dirty="0" err="1">
-                <a:ea typeface="DejaVu Sans" pitchFamily="2"/>
-                <a:cs typeface="DejaVu Sans" pitchFamily="2"/>
-              </a:rPr>
-              <a:t>апдейтов</a:t>
-            </a:r>
-            <a:r>
-              <a:rPr lang="ru-RU" sz="2000" dirty="0">
-                <a:ea typeface="DejaVu Sans" pitchFamily="2"/>
-                <a:cs typeface="DejaVu Sans" pitchFamily="2"/>
-              </a:rPr>
-              <a:t> выполняем:</a:t>
-            </a:r>
-            <a:br>
-              <a:rPr lang="en-US" sz="2000" dirty="0">
-                <a:ea typeface="DejaVu Sans" pitchFamily="2"/>
-                <a:cs typeface="DejaVu Sans" pitchFamily="2"/>
-              </a:rPr>
-            </a:br>
-            <a:r>
-              <a:rPr lang="ru-RU" sz="2000" b="1" dirty="0" err="1">
-                <a:ea typeface="DejaVu Sans" pitchFamily="2"/>
-                <a:cs typeface="DejaVu Sans" pitchFamily="2"/>
-              </a:rPr>
-              <a:t>vacuum</a:t>
-            </a:r>
-            <a:r>
-              <a:rPr lang="ru-RU" sz="2000" b="1" dirty="0">
-                <a:ea typeface="DejaVu Sans" pitchFamily="2"/>
-                <a:cs typeface="DejaVu Sans" pitchFamily="2"/>
-              </a:rPr>
-              <a:t> </a:t>
-            </a:r>
-            <a:r>
-              <a:rPr lang="ru-RU" sz="2000" dirty="0">
-                <a:ea typeface="DejaVu Sans" pitchFamily="2"/>
-                <a:cs typeface="DejaVu Sans" pitchFamily="2"/>
-              </a:rPr>
-              <a:t>– удаление промежуточных файлов</a:t>
-            </a:r>
-            <a:endParaRPr lang="en-US" sz="2000" dirty="0">
-              <a:ea typeface="DejaVu Sans" pitchFamily="2"/>
-              <a:cs typeface="DejaVu Sans" pitchFamily="2"/>
-            </a:endParaRPr>
-          </a:p>
-          <a:p>
-            <a:endParaRPr lang="ru-RU" sz="2400" dirty="0"/>
+              <a:buNone/>
+            </a:pPr>
+            <a:endParaRPr lang="ru-RU" sz="2200" dirty="0"/>
           </a:p>
         </p:txBody>
       </p:sp>
       <p:sp>
         <p:nvSpPr>
-          <p:cNvPr id="5" name="Rectangle 2">
+          <p:cNvPr id="6" name="Rectangle 3">
             <a:extLst>
               <a:ext uri="{FF2B5EF4-FFF2-40B4-BE49-F238E27FC236}">
-                <a16:creationId xmlns:a16="http://schemas.microsoft.com/office/drawing/2014/main" id="{0A58A53A-587B-4BCF-97BE-F73BB901D111}"/>
+                <a16:creationId xmlns:a16="http://schemas.microsoft.com/office/drawing/2014/main" id="{48EC642A-6BBE-4E1E-A506-8243E142F9B2}"/>
               </a:ext>
             </a:extLst>
           </p:cNvPr>
@@ -4821,8 +5012,8 @@
         </p:nvSpPr>
         <p:spPr bwMode="auto">
           <a:xfrm>
-            <a:off x="483326" y="5057521"/>
-            <a:ext cx="11952311" cy="646331"/>
+            <a:off x="940527" y="2782669"/>
+            <a:ext cx="8919429" cy="646331"/>
           </a:xfrm>
           <a:prstGeom prst="rect">
             <a:avLst/>
@@ -4870,6 +5061,37 @@
           </a:bodyPr>
           <a:lstStyle/>
           <a:p>
+            <a:pPr lvl="0" defTabSz="914400" eaLnBrk="0" fontAlgn="base" hangingPunct="0">
+              <a:spcBef>
+                <a:spcPct val="0"/>
+              </a:spcBef>
+              <a:spcAft>
+                <a:spcPct val="0"/>
+              </a:spcAft>
+            </a:pPr>
+            <a:r>
+              <a:rPr lang="ru-RU" altLang="ru-RU" b="1" dirty="0">
+                <a:solidFill>
+                  <a:srgbClr val="0070C0"/>
+                </a:solidFill>
+                <a:latin typeface="Courier New" panose="02070309020205020404" pitchFamily="49" charset="0"/>
+                <a:cs typeface="Courier New" panose="02070309020205020404" pitchFamily="49" charset="0"/>
+              </a:rPr>
+              <a:t>Синтаксис:</a:t>
+            </a:r>
+            <a:endParaRPr kumimoji="0" lang="en-US" altLang="ru-RU" b="0" i="0" u="none" strike="noStrike" cap="none" normalizeH="0" baseline="0" dirty="0">
+              <a:ln>
+                <a:noFill/>
+              </a:ln>
+              <a:solidFill>
+                <a:srgbClr val="0070C0"/>
+              </a:solidFill>
+              <a:effectLst/>
+              <a:latin typeface="Courier New" panose="02070309020205020404" pitchFamily="49" charset="0"/>
+              <a:cs typeface="Courier New" panose="02070309020205020404" pitchFamily="49" charset="0"/>
+            </a:endParaRPr>
+          </a:p>
+          <a:p>
             <a:pPr marL="0" marR="0" lvl="0" indent="0" algn="l" defTabSz="914400" rtl="0" eaLnBrk="0" fontAlgn="base" latinLnBrk="0" hangingPunct="0">
               <a:lnSpc>
                 <a:spcPct val="100000"/>
@@ -4887,33 +5109,6 @@
               <a:tabLst/>
             </a:pPr>
             <a:r>
-              <a:rPr kumimoji="0" lang="ru-RU" altLang="ru-RU" b="1" i="0" u="none" strike="noStrike" cap="none" normalizeH="0" baseline="0" dirty="0">
-                <a:ln>
-                  <a:noFill/>
-                </a:ln>
-                <a:solidFill>
-                  <a:srgbClr val="0070C0"/>
-                </a:solidFill>
-                <a:effectLst/>
-                <a:latin typeface="Courier New" panose="02070309020205020404" pitchFamily="49" charset="0"/>
-                <a:cs typeface="Courier New" panose="02070309020205020404" pitchFamily="49" charset="0"/>
-              </a:rPr>
-              <a:t>Синтаксис:</a:t>
-            </a:r>
-            <a:br>
-              <a:rPr kumimoji="0" lang="en-US" altLang="ru-RU" b="0" i="0" u="none" strike="noStrike" cap="none" normalizeH="0" baseline="0" dirty="0">
-                <a:ln>
-                  <a:noFill/>
-                </a:ln>
-                <a:solidFill>
-                  <a:srgbClr val="0070C0"/>
-                </a:solidFill>
-                <a:effectLst/>
-                <a:latin typeface="Courier New" panose="02070309020205020404" pitchFamily="49" charset="0"/>
-                <a:cs typeface="Courier New" panose="02070309020205020404" pitchFamily="49" charset="0"/>
-              </a:rPr>
-            </a:br>
-            <a:r>
               <a:rPr kumimoji="0" lang="ru-RU" altLang="ru-RU" b="0" i="0" u="none" strike="noStrike" cap="none" normalizeH="0" baseline="0" dirty="0">
                 <a:ln>
                   <a:noFill/>
@@ -4925,7 +5120,7 @@
                 <a:latin typeface="Courier New" panose="02070309020205020404" pitchFamily="49" charset="0"/>
                 <a:cs typeface="Courier New" panose="02070309020205020404" pitchFamily="49" charset="0"/>
               </a:rPr>
-              <a:t>VACUUM [ ( { FULL | FREEZE | VERBOSE | ANALYZE }) ] [ </a:t>
+              <a:t>ANALYZE [ VERBOSE ] [ </a:t>
             </a:r>
             <a:r>
               <a:rPr kumimoji="0" lang="ru-RU" altLang="ru-RU" b="1" i="1" u="none" strike="noStrike" cap="none" normalizeH="0" baseline="0" dirty="0" err="1">
@@ -4953,7 +5148,7 @@
                 <a:latin typeface="Courier New" panose="02070309020205020404" pitchFamily="49" charset="0"/>
                 <a:cs typeface="Courier New" panose="02070309020205020404" pitchFamily="49" charset="0"/>
               </a:rPr>
-              <a:t> [ (</a:t>
+              <a:t> [ ( </a:t>
             </a:r>
             <a:r>
               <a:rPr kumimoji="0" lang="ru-RU" altLang="ru-RU" b="1" i="1" u="none" strike="noStrike" cap="none" normalizeH="0" baseline="0" dirty="0" err="1">
@@ -4981,7 +5176,7 @@
                 <a:latin typeface="Courier New" panose="02070309020205020404" pitchFamily="49" charset="0"/>
                 <a:cs typeface="Courier New" panose="02070309020205020404" pitchFamily="49" charset="0"/>
               </a:rPr>
-              <a:t>) ] ]</a:t>
+              <a:t> [, ...] ) ] ]</a:t>
             </a:r>
             <a:r>
               <a:rPr kumimoji="0" lang="ru-RU" altLang="ru-RU" sz="1400" b="0" i="0" u="none" strike="noStrike" cap="none" normalizeH="0" baseline="0" dirty="0">
@@ -5008,12 +5203,279 @@
           </a:p>
         </p:txBody>
       </p:sp>
-      <p:sp>
-        <p:nvSpPr>
-          <p:cNvPr id="6" name="Rectangle 3">
+    </p:spTree>
+    <p:extLst>
+      <p:ext uri="{BB962C8B-B14F-4D97-AF65-F5344CB8AC3E}">
+        <p14:creationId xmlns:p14="http://schemas.microsoft.com/office/powerpoint/2010/main" val="689940861"/>
+      </p:ext>
+    </p:extLst>
+  </p:cSld>
+  <p:clrMapOvr>
+    <a:masterClrMapping/>
+  </p:clrMapOvr>
+</p:sld>
+</file>
+
+<file path=ppt/slides/slide11.xml><?xml version="1.0" encoding="utf-8"?>
+<p:sld xmlns:a="http://schemas.openxmlformats.org/drawingml/2006/main" xmlns:r="http://schemas.openxmlformats.org/officeDocument/2006/relationships" xmlns:p="http://schemas.openxmlformats.org/presentationml/2006/main">
+  <p:cSld>
+    <p:spTree>
+      <p:nvGrpSpPr>
+        <p:cNvPr id="1" name=""/>
+        <p:cNvGrpSpPr/>
+        <p:nvPr/>
+      </p:nvGrpSpPr>
+      <p:grpSpPr>
+        <a:xfrm>
+          <a:off x="0" y="0"/>
+          <a:ext cx="0" cy="0"/>
+          <a:chOff x="0" y="0"/>
+          <a:chExt cx="0" cy="0"/>
+        </a:xfrm>
+      </p:grpSpPr>
+      <p:sp>
+        <p:nvSpPr>
+          <p:cNvPr id="2" name="Title 1">
             <a:extLst>
               <a:ext uri="{FF2B5EF4-FFF2-40B4-BE49-F238E27FC236}">
-                <a16:creationId xmlns:a16="http://schemas.microsoft.com/office/drawing/2014/main" id="{48EC642A-6BBE-4E1E-A506-8243E142F9B2}"/>
+                <a16:creationId xmlns:a16="http://schemas.microsoft.com/office/drawing/2014/main" id="{D54747B8-2F29-4458-8594-FEA33013D015}"/>
+              </a:ext>
+            </a:extLst>
+          </p:cNvPr>
+          <p:cNvSpPr>
+            <a:spLocks noGrp="1"/>
+          </p:cNvSpPr>
+          <p:nvPr>
+            <p:ph type="title"/>
+          </p:nvPr>
+        </p:nvSpPr>
+        <p:spPr/>
+        <p:txBody>
+          <a:bodyPr/>
+          <a:lstStyle/>
+          <a:p>
+            <a:r>
+              <a:rPr lang="ru-RU" dirty="0">
+                <a:solidFill>
+                  <a:srgbClr val="000000"/>
+                </a:solidFill>
+                <a:ea typeface="DejaVu Sans" pitchFamily="2"/>
+                <a:cs typeface="DejaVu Sans" pitchFamily="2"/>
+              </a:rPr>
+              <a:t>Важность </a:t>
+            </a:r>
+            <a:r>
+              <a:rPr lang="en-US" dirty="0">
+                <a:solidFill>
+                  <a:srgbClr val="000000"/>
+                </a:solidFill>
+                <a:ea typeface="DejaVu Sans" pitchFamily="2"/>
+                <a:cs typeface="DejaVu Sans" pitchFamily="2"/>
+              </a:rPr>
+              <a:t>vacuum</a:t>
+            </a:r>
+            <a:endParaRPr lang="ru-RU" dirty="0"/>
+          </a:p>
+        </p:txBody>
+      </p:sp>
+      <p:sp>
+        <p:nvSpPr>
+          <p:cNvPr id="3" name="Content Placeholder 2">
+            <a:extLst>
+              <a:ext uri="{FF2B5EF4-FFF2-40B4-BE49-F238E27FC236}">
+                <a16:creationId xmlns:a16="http://schemas.microsoft.com/office/drawing/2014/main" id="{FEBA346C-6587-4ABF-9864-B05E957EC64F}"/>
+              </a:ext>
+            </a:extLst>
+          </p:cNvPr>
+          <p:cNvSpPr>
+            <a:spLocks noGrp="1"/>
+          </p:cNvSpPr>
+          <p:nvPr>
+            <p:ph idx="1"/>
+          </p:nvPr>
+        </p:nvSpPr>
+        <p:spPr>
+          <a:xfrm>
+            <a:off x="68425" y="1960968"/>
+            <a:ext cx="10058400" cy="4897031"/>
+          </a:xfrm>
+        </p:spPr>
+        <p:txBody>
+          <a:bodyPr>
+            <a:normAutofit/>
+          </a:bodyPr>
+          <a:lstStyle/>
+          <a:p>
+            <a:pPr lvl="1">
+              <a:buClr>
+                <a:srgbClr val="666666"/>
+              </a:buClr>
+              <a:buSzPct val="45000"/>
+              <a:buFont typeface="StarSymbol"/>
+              <a:buChar char="●"/>
+            </a:pPr>
+            <a:r>
+              <a:rPr lang="ru-RU" sz="2000" dirty="0">
+                <a:ea typeface="DejaVu Sans" pitchFamily="2"/>
+                <a:cs typeface="DejaVu Sans" pitchFamily="2"/>
+              </a:rPr>
+              <a:t>VACUUM высвобождает пространство, занимаемое «мёртвыми» кортежами. При обычных операциях </a:t>
+            </a:r>
+            <a:r>
+              <a:rPr lang="ru-RU" sz="2000" dirty="0" err="1">
+                <a:ea typeface="DejaVu Sans" pitchFamily="2"/>
+                <a:cs typeface="DejaVu Sans" pitchFamily="2"/>
+              </a:rPr>
+              <a:t>Postgres</a:t>
+            </a:r>
+            <a:r>
+              <a:rPr lang="ru-RU" sz="2000" dirty="0">
+                <a:ea typeface="DejaVu Sans" pitchFamily="2"/>
+                <a:cs typeface="DejaVu Sans" pitchFamily="2"/>
+              </a:rPr>
+              <a:t> кортежи, удалённые или устаревшие в результате обновления, физически не удаляются из таблицы; они сохраняются в ней, пока не будет выполнена команда VACUUM.</a:t>
+            </a:r>
+            <a:br>
+              <a:rPr lang="en-US" sz="2000" dirty="0">
+                <a:ea typeface="DejaVu Sans" pitchFamily="2"/>
+                <a:cs typeface="DejaVu Sans" pitchFamily="2"/>
+              </a:rPr>
+            </a:br>
+            <a:endParaRPr lang="en-US" sz="2000" dirty="0">
+              <a:ea typeface="DejaVu Sans" pitchFamily="2"/>
+              <a:cs typeface="DejaVu Sans" pitchFamily="2"/>
+            </a:endParaRPr>
+          </a:p>
+          <a:p>
+            <a:pPr lvl="1">
+              <a:buClr>
+                <a:srgbClr val="666666"/>
+              </a:buClr>
+              <a:buSzPct val="45000"/>
+              <a:buFont typeface="StarSymbol"/>
+              <a:buChar char="●"/>
+            </a:pPr>
+            <a:r>
+              <a:rPr lang="ru-RU" sz="2000" dirty="0">
+                <a:ea typeface="DejaVu Sans" pitchFamily="2"/>
+                <a:cs typeface="DejaVu Sans" pitchFamily="2"/>
+              </a:rPr>
+              <a:t>После большого количества операций удалений/</a:t>
+            </a:r>
+            <a:r>
+              <a:rPr lang="ru-RU" sz="2000" dirty="0" err="1">
+                <a:ea typeface="DejaVu Sans" pitchFamily="2"/>
+                <a:cs typeface="DejaVu Sans" pitchFamily="2"/>
+              </a:rPr>
+              <a:t>апдейтов</a:t>
+            </a:r>
+            <a:r>
+              <a:rPr lang="ru-RU" sz="2000" dirty="0">
+                <a:ea typeface="DejaVu Sans" pitchFamily="2"/>
+                <a:cs typeface="DejaVu Sans" pitchFamily="2"/>
+              </a:rPr>
+              <a:t> выполняем:</a:t>
+            </a:r>
+            <a:br>
+              <a:rPr lang="en-US" sz="2000" dirty="0">
+                <a:ea typeface="DejaVu Sans" pitchFamily="2"/>
+                <a:cs typeface="DejaVu Sans" pitchFamily="2"/>
+              </a:rPr>
+            </a:br>
+            <a:r>
+              <a:rPr lang="ru-RU" sz="2000" b="1" dirty="0" err="1">
+                <a:ea typeface="DejaVu Sans" pitchFamily="2"/>
+                <a:cs typeface="DejaVu Sans" pitchFamily="2"/>
+              </a:rPr>
+              <a:t>vacuum</a:t>
+            </a:r>
+            <a:r>
+              <a:rPr lang="ru-RU" sz="2000" b="1" dirty="0">
+                <a:ea typeface="DejaVu Sans" pitchFamily="2"/>
+                <a:cs typeface="DejaVu Sans" pitchFamily="2"/>
+              </a:rPr>
+              <a:t> </a:t>
+            </a:r>
+            <a:r>
+              <a:rPr lang="ru-RU" sz="2000" dirty="0">
+                <a:ea typeface="DejaVu Sans" pitchFamily="2"/>
+                <a:cs typeface="DejaVu Sans" pitchFamily="2"/>
+              </a:rPr>
+              <a:t>– удаление промежуточных файлов</a:t>
+            </a:r>
+            <a:endParaRPr lang="en-US" sz="2000" dirty="0">
+              <a:ea typeface="DejaVu Sans" pitchFamily="2"/>
+              <a:cs typeface="DejaVu Sans" pitchFamily="2"/>
+            </a:endParaRPr>
+          </a:p>
+          <a:p>
+            <a:pPr marL="274320" lvl="1" indent="0">
+              <a:buClr>
+                <a:srgbClr val="666666"/>
+              </a:buClr>
+              <a:buSzPct val="45000"/>
+              <a:buNone/>
+            </a:pPr>
+            <a:endParaRPr lang="en-US" sz="2000" dirty="0">
+              <a:ea typeface="DejaVu Sans" pitchFamily="2"/>
+              <a:cs typeface="DejaVu Sans" pitchFamily="2"/>
+            </a:endParaRPr>
+          </a:p>
+          <a:p>
+            <a:pPr marL="274320" lvl="1" indent="0">
+              <a:buClr>
+                <a:srgbClr val="666666"/>
+              </a:buClr>
+              <a:buSzPct val="45000"/>
+              <a:buNone/>
+            </a:pPr>
+            <a:endParaRPr lang="en-US" sz="2000" dirty="0">
+              <a:ea typeface="DejaVu Sans" pitchFamily="2"/>
+              <a:cs typeface="DejaVu Sans" pitchFamily="2"/>
+            </a:endParaRPr>
+          </a:p>
+          <a:p>
+            <a:pPr marL="274320" lvl="1" indent="0">
+              <a:buClr>
+                <a:srgbClr val="666666"/>
+              </a:buClr>
+              <a:buSzPct val="45000"/>
+              <a:buNone/>
+            </a:pPr>
+            <a:endParaRPr lang="en-US" sz="2400" dirty="0">
+              <a:ea typeface="DejaVu Sans" pitchFamily="2"/>
+              <a:cs typeface="DejaVu Sans" pitchFamily="2"/>
+            </a:endParaRPr>
+          </a:p>
+          <a:p>
+            <a:pPr lvl="1">
+              <a:buClr>
+                <a:srgbClr val="666666"/>
+              </a:buClr>
+              <a:buSzPct val="45000"/>
+              <a:buFont typeface="StarSymbol"/>
+              <a:buChar char="●"/>
+            </a:pPr>
+            <a:r>
+              <a:rPr lang="ru-RU" sz="2000" dirty="0">
+                <a:ea typeface="DejaVu Sans" pitchFamily="2"/>
+                <a:cs typeface="DejaVu Sans" pitchFamily="2"/>
+              </a:rPr>
+              <a:t>VACUUM FULL переписывает всё содержимое таблицы в новый файл на диске, не содержащий ничего лишнего, что позволяет возвратить неиспользованное пространство операционной системе</a:t>
+            </a:r>
+            <a:endParaRPr lang="en-US" sz="2000" dirty="0">
+              <a:ea typeface="DejaVu Sans" pitchFamily="2"/>
+              <a:cs typeface="DejaVu Sans" pitchFamily="2"/>
+            </a:endParaRPr>
+          </a:p>
+        </p:txBody>
+      </p:sp>
+      <p:sp>
+        <p:nvSpPr>
+          <p:cNvPr id="5" name="Rectangle 2">
+            <a:extLst>
+              <a:ext uri="{FF2B5EF4-FFF2-40B4-BE49-F238E27FC236}">
+                <a16:creationId xmlns:a16="http://schemas.microsoft.com/office/drawing/2014/main" id="{0A58A53A-587B-4BCF-97BE-F73BB901D111}"/>
               </a:ext>
             </a:extLst>
           </p:cNvPr>
@@ -5024,8 +5486,8 @@
         </p:nvSpPr>
         <p:spPr bwMode="auto">
           <a:xfrm>
-            <a:off x="483326" y="2782669"/>
-            <a:ext cx="8919429" cy="646331"/>
+            <a:off x="483326" y="4257264"/>
+            <a:ext cx="10987303" cy="646331"/>
           </a:xfrm>
           <a:prstGeom prst="rect">
             <a:avLst/>
@@ -5073,37 +5535,6 @@
           </a:bodyPr>
           <a:lstStyle/>
           <a:p>
-            <a:pPr lvl="0" defTabSz="914400" eaLnBrk="0" fontAlgn="base" hangingPunct="0">
-              <a:spcBef>
-                <a:spcPct val="0"/>
-              </a:spcBef>
-              <a:spcAft>
-                <a:spcPct val="0"/>
-              </a:spcAft>
-            </a:pPr>
-            <a:r>
-              <a:rPr lang="ru-RU" altLang="ru-RU" b="1" dirty="0">
-                <a:solidFill>
-                  <a:srgbClr val="0070C0"/>
-                </a:solidFill>
-                <a:latin typeface="Courier New" panose="02070309020205020404" pitchFamily="49" charset="0"/>
-                <a:cs typeface="Courier New" panose="02070309020205020404" pitchFamily="49" charset="0"/>
-              </a:rPr>
-              <a:t>Синтаксис:</a:t>
-            </a:r>
-            <a:endParaRPr kumimoji="0" lang="en-US" altLang="ru-RU" b="0" i="0" u="none" strike="noStrike" cap="none" normalizeH="0" baseline="0" dirty="0">
-              <a:ln>
-                <a:noFill/>
-              </a:ln>
-              <a:solidFill>
-                <a:srgbClr val="0070C0"/>
-              </a:solidFill>
-              <a:effectLst/>
-              <a:latin typeface="Courier New" panose="02070309020205020404" pitchFamily="49" charset="0"/>
-              <a:cs typeface="Courier New" panose="02070309020205020404" pitchFamily="49" charset="0"/>
-            </a:endParaRPr>
-          </a:p>
-          <a:p>
             <a:pPr marL="0" marR="0" lvl="0" indent="0" algn="l" defTabSz="914400" rtl="0" eaLnBrk="0" fontAlgn="base" latinLnBrk="0" hangingPunct="0">
               <a:lnSpc>
                 <a:spcPct val="100000"/>
@@ -5121,6 +5552,33 @@
               <a:tabLst/>
             </a:pPr>
             <a:r>
+              <a:rPr kumimoji="0" lang="ru-RU" altLang="ru-RU" b="1" i="0" u="none" strike="noStrike" cap="none" normalizeH="0" baseline="0" dirty="0">
+                <a:ln>
+                  <a:noFill/>
+                </a:ln>
+                <a:solidFill>
+                  <a:srgbClr val="0070C0"/>
+                </a:solidFill>
+                <a:effectLst/>
+                <a:latin typeface="Courier New" panose="02070309020205020404" pitchFamily="49" charset="0"/>
+                <a:cs typeface="Courier New" panose="02070309020205020404" pitchFamily="49" charset="0"/>
+              </a:rPr>
+              <a:t>Синтаксис:</a:t>
+            </a:r>
+            <a:br>
+              <a:rPr kumimoji="0" lang="en-US" altLang="ru-RU" b="0" i="0" u="none" strike="noStrike" cap="none" normalizeH="0" baseline="0" dirty="0">
+                <a:ln>
+                  <a:noFill/>
+                </a:ln>
+                <a:solidFill>
+                  <a:srgbClr val="0070C0"/>
+                </a:solidFill>
+                <a:effectLst/>
+                <a:latin typeface="Courier New" panose="02070309020205020404" pitchFamily="49" charset="0"/>
+                <a:cs typeface="Courier New" panose="02070309020205020404" pitchFamily="49" charset="0"/>
+              </a:rPr>
+            </a:br>
+            <a:r>
               <a:rPr kumimoji="0" lang="ru-RU" altLang="ru-RU" b="0" i="0" u="none" strike="noStrike" cap="none" normalizeH="0" baseline="0" dirty="0">
                 <a:ln>
                   <a:noFill/>
@@ -5132,7 +5590,7 @@
                 <a:latin typeface="Courier New" panose="02070309020205020404" pitchFamily="49" charset="0"/>
                 <a:cs typeface="Courier New" panose="02070309020205020404" pitchFamily="49" charset="0"/>
               </a:rPr>
-              <a:t>ANALYZE [ VERBOSE ] [ </a:t>
+              <a:t>VACUUM [ ( { FULL | VERBOSE | ANALYZE }) ] [ </a:t>
             </a:r>
             <a:r>
               <a:rPr kumimoji="0" lang="ru-RU" altLang="ru-RU" b="1" i="1" u="none" strike="noStrike" cap="none" normalizeH="0" baseline="0" dirty="0" err="1">
@@ -5160,7 +5618,7 @@
                 <a:latin typeface="Courier New" panose="02070309020205020404" pitchFamily="49" charset="0"/>
                 <a:cs typeface="Courier New" panose="02070309020205020404" pitchFamily="49" charset="0"/>
               </a:rPr>
-              <a:t> [ ( </a:t>
+              <a:t> [ (</a:t>
             </a:r>
             <a:r>
               <a:rPr kumimoji="0" lang="ru-RU" altLang="ru-RU" b="1" i="1" u="none" strike="noStrike" cap="none" normalizeH="0" baseline="0" dirty="0" err="1">
@@ -5188,7 +5646,7 @@
                 <a:latin typeface="Courier New" panose="02070309020205020404" pitchFamily="49" charset="0"/>
                 <a:cs typeface="Courier New" panose="02070309020205020404" pitchFamily="49" charset="0"/>
               </a:rPr>
-              <a:t> [, ...] ) ] ]</a:t>
+              <a:t>) ] ]</a:t>
             </a:r>
             <a:r>
               <a:rPr kumimoji="0" lang="ru-RU" altLang="ru-RU" sz="1400" b="0" i="0" u="none" strike="noStrike" cap="none" normalizeH="0" baseline="0" dirty="0">
@@ -5218,7 +5676,7 @@
     </p:spTree>
     <p:extLst>
       <p:ext uri="{BB962C8B-B14F-4D97-AF65-F5344CB8AC3E}">
-        <p14:creationId xmlns:p14="http://schemas.microsoft.com/office/powerpoint/2010/main" val="689940861"/>
+        <p14:creationId xmlns:p14="http://schemas.microsoft.com/office/powerpoint/2010/main" val="1240380764"/>
       </p:ext>
     </p:extLst>
   </p:cSld>
@@ -5228,7 +5686,7 @@
 </p:sld>
 </file>
 
-<file path=ppt/slides/slide11.xml><?xml version="1.0" encoding="utf-8"?>
+<file path=ppt/slides/slide12.xml><?xml version="1.0" encoding="utf-8"?>
 <p:sld xmlns:a="http://schemas.openxmlformats.org/drawingml/2006/main" xmlns:r="http://schemas.openxmlformats.org/officeDocument/2006/relationships" xmlns:p="http://schemas.openxmlformats.org/presentationml/2006/main">
   <p:cSld>
     <p:spTree>
@@ -5635,7 +6093,7 @@
 </p:sld>
 </file>
 
-<file path=ppt/slides/slide12.xml><?xml version="1.0" encoding="utf-8"?>
+<file path=ppt/slides/slide13.xml><?xml version="1.0" encoding="utf-8"?>
 <p:sld xmlns:a="http://schemas.openxmlformats.org/drawingml/2006/main" xmlns:r="http://schemas.openxmlformats.org/officeDocument/2006/relationships" xmlns:p="http://schemas.openxmlformats.org/presentationml/2006/main">
   <p:cSld>
     <p:spTree>
@@ -6679,126 +7137,6 @@
     <p:extLst>
       <p:ext uri="{BB962C8B-B14F-4D97-AF65-F5344CB8AC3E}">
         <p14:creationId xmlns:p14="http://schemas.microsoft.com/office/powerpoint/2010/main" val="4273137958"/>
-      </p:ext>
-    </p:extLst>
-  </p:cSld>
-  <p:clrMapOvr>
-    <a:masterClrMapping/>
-  </p:clrMapOvr>
-</p:sld>
-</file>
-
-<file path=ppt/slides/slide13.xml><?xml version="1.0" encoding="utf-8"?>
-<p:sld xmlns:a="http://schemas.openxmlformats.org/drawingml/2006/main" xmlns:r="http://schemas.openxmlformats.org/officeDocument/2006/relationships" xmlns:p="http://schemas.openxmlformats.org/presentationml/2006/main">
-  <p:cSld>
-    <p:spTree>
-      <p:nvGrpSpPr>
-        <p:cNvPr id="1" name=""/>
-        <p:cNvGrpSpPr/>
-        <p:nvPr/>
-      </p:nvGrpSpPr>
-      <p:grpSpPr>
-        <a:xfrm>
-          <a:off x="0" y="0"/>
-          <a:ext cx="0" cy="0"/>
-          <a:chOff x="0" y="0"/>
-          <a:chExt cx="0" cy="0"/>
-        </a:xfrm>
-      </p:grpSpPr>
-      <p:sp>
-        <p:nvSpPr>
-          <p:cNvPr id="2" name="Title 1">
-            <a:extLst>
-              <a:ext uri="{FF2B5EF4-FFF2-40B4-BE49-F238E27FC236}">
-                <a16:creationId xmlns:a16="http://schemas.microsoft.com/office/drawing/2014/main" id="{BA78E8D7-C39F-4E02-9A0F-B84A53E12BF1}"/>
-              </a:ext>
-            </a:extLst>
-          </p:cNvPr>
-          <p:cNvSpPr>
-            <a:spLocks noGrp="1"/>
-          </p:cNvSpPr>
-          <p:nvPr>
-            <p:ph type="title"/>
-          </p:nvPr>
-        </p:nvSpPr>
-        <p:spPr/>
-        <p:txBody>
-          <a:bodyPr>
-            <a:normAutofit/>
-          </a:bodyPr>
-          <a:lstStyle/>
-          <a:p>
-            <a:r>
-              <a:rPr lang="en-US" dirty="0">
-                <a:ea typeface="DejaVu Sans" pitchFamily="2"/>
-                <a:cs typeface="DejaVu Sans" pitchFamily="2"/>
-              </a:rPr>
-              <a:t>Оптимизация SQL</a:t>
-            </a:r>
-            <a:br>
-              <a:rPr lang="en-US" dirty="0">
-                <a:ea typeface="DejaVu Sans" pitchFamily="2"/>
-                <a:cs typeface="DejaVu Sans" pitchFamily="2"/>
-              </a:rPr>
-            </a:br>
-            <a:r>
-              <a:rPr lang="en-US" sz="2000" dirty="0">
-                <a:ea typeface="DejaVu Sans" pitchFamily="2"/>
-                <a:cs typeface="DejaVu Sans" pitchFamily="2"/>
-              </a:rPr>
-              <a:t>Блок 1: Использование индексов</a:t>
-            </a:r>
-            <a:endParaRPr lang="ru-RU" dirty="0"/>
-          </a:p>
-        </p:txBody>
-      </p:sp>
-      <p:sp>
-        <p:nvSpPr>
-          <p:cNvPr id="3" name="Content Placeholder 2">
-            <a:extLst>
-              <a:ext uri="{FF2B5EF4-FFF2-40B4-BE49-F238E27FC236}">
-                <a16:creationId xmlns:a16="http://schemas.microsoft.com/office/drawing/2014/main" id="{8809FAF1-E811-4E05-86C5-727A3A04757A}"/>
-              </a:ext>
-            </a:extLst>
-          </p:cNvPr>
-          <p:cNvSpPr>
-            <a:spLocks noGrp="1"/>
-          </p:cNvSpPr>
-          <p:nvPr>
-            <p:ph idx="1"/>
-          </p:nvPr>
-        </p:nvSpPr>
-        <p:spPr/>
-        <p:txBody>
-          <a:bodyPr/>
-          <a:lstStyle/>
-          <a:p>
-            <a:pPr lvl="0">
-              <a:buClr>
-                <a:srgbClr val="666666"/>
-              </a:buClr>
-              <a:buSzPct val="45000"/>
-              <a:buFont typeface="StarSymbol"/>
-              <a:buChar char="●"/>
-            </a:pPr>
-            <a:r>
-              <a:rPr lang="ru-RU" sz="2600" dirty="0">
-                <a:solidFill>
-                  <a:srgbClr val="000000"/>
-                </a:solidFill>
-                <a:ea typeface="DejaVu Sans" pitchFamily="2"/>
-                <a:cs typeface="DejaVu Sans" pitchFamily="2"/>
-              </a:rPr>
-              <a:t>Практика</a:t>
-            </a:r>
-            <a:endParaRPr lang="ru-RU" dirty="0"/>
-          </a:p>
-        </p:txBody>
-      </p:sp>
-    </p:spTree>
-    <p:extLst>
-      <p:ext uri="{BB962C8B-B14F-4D97-AF65-F5344CB8AC3E}">
-        <p14:creationId xmlns:p14="http://schemas.microsoft.com/office/powerpoint/2010/main" val="21106420"/>
       </p:ext>
     </p:extLst>
   </p:cSld>
@@ -6830,7 +7168,7 @@
           <p:cNvPr id="2" name="Title 1">
             <a:extLst>
               <a:ext uri="{FF2B5EF4-FFF2-40B4-BE49-F238E27FC236}">
-                <a16:creationId xmlns:a16="http://schemas.microsoft.com/office/drawing/2014/main" id="{1ED93B46-2129-4D6B-9E60-2C5A2357CAE3}"/>
+                <a16:creationId xmlns:a16="http://schemas.microsoft.com/office/drawing/2014/main" id="{BA78E8D7-C39F-4E02-9A0F-B84A53E12BF1}"/>
               </a:ext>
             </a:extLst>
           </p:cNvPr>
@@ -6862,25 +7200,11 @@
               </a:rPr>
             </a:br>
             <a:r>
-              <a:rPr lang="en-US" sz="2000" dirty="0" err="1">
-                <a:ea typeface="DejaVu Sans" pitchFamily="2"/>
-                <a:cs typeface="DejaVu Sans" pitchFamily="2"/>
-              </a:rPr>
-              <a:t>Блок</a:t>
-            </a:r>
-            <a:r>
               <a:rPr lang="en-US" sz="2000" dirty="0">
                 <a:ea typeface="DejaVu Sans" pitchFamily="2"/>
                 <a:cs typeface="DejaVu Sans" pitchFamily="2"/>
               </a:rPr>
-              <a:t> 2: Теория: </a:t>
-            </a:r>
-            <a:r>
-              <a:rPr lang="ru-RU" sz="2000" dirty="0" err="1">
-                <a:ea typeface="DejaVu Sans" pitchFamily="2"/>
-                <a:cs typeface="DejaVu Sans" pitchFamily="2"/>
-              </a:rPr>
-              <a:t>Партицирование</a:t>
+              <a:t>Блок 1: Использование индексов</a:t>
             </a:r>
             <a:endParaRPr lang="ru-RU" dirty="0"/>
           </a:p>
@@ -6891,7 +7215,7 @@
           <p:cNvPr id="3" name="Content Placeholder 2">
             <a:extLst>
               <a:ext uri="{FF2B5EF4-FFF2-40B4-BE49-F238E27FC236}">
-                <a16:creationId xmlns:a16="http://schemas.microsoft.com/office/drawing/2014/main" id="{8E65D122-F661-4641-A255-7626711E7581}"/>
+                <a16:creationId xmlns:a16="http://schemas.microsoft.com/office/drawing/2014/main" id="{8809FAF1-E811-4E05-86C5-727A3A04757A}"/>
               </a:ext>
             </a:extLst>
           </p:cNvPr>
@@ -6904,35 +7228,8 @@
         </p:nvSpPr>
         <p:spPr/>
         <p:txBody>
-          <a:bodyPr>
-            <a:normAutofit/>
-          </a:bodyPr>
+          <a:bodyPr/>
           <a:lstStyle/>
-          <a:p>
-            <a:pPr marL="0" lvl="0" indent="0">
-              <a:buClr>
-                <a:srgbClr val="666666"/>
-              </a:buClr>
-              <a:buSzPct val="45000"/>
-              <a:buNone/>
-            </a:pPr>
-            <a:r>
-              <a:rPr lang="ru-RU" sz="1400" b="1" dirty="0"/>
-              <a:t>Секционированием (</a:t>
-            </a:r>
-            <a:r>
-              <a:rPr lang="ru-RU" sz="1400" b="1" dirty="0" err="1"/>
-              <a:t>партицированием</a:t>
-            </a:r>
-            <a:r>
-              <a:rPr lang="ru-RU" sz="1400" b="1" dirty="0"/>
-              <a:t>)</a:t>
-            </a:r>
-            <a:r>
-              <a:rPr lang="ru-RU" sz="1400" dirty="0"/>
-              <a:t> данных называется разбиение одной большой логической таблицы на несколько меньших физических секций. Преимущества:</a:t>
-            </a:r>
-          </a:p>
           <a:p>
             <a:pPr lvl="0">
               <a:buClr>
@@ -6943,71 +7240,23 @@
               <a:buChar char="●"/>
             </a:pPr>
             <a:r>
-              <a:rPr lang="ru-RU" sz="1400" dirty="0"/>
-              <a:t>Когда в выборке или изменении данных задействована большая часть одной секции, производительность может возрасти, если будет выполняться последовательное сканирование этой секции, а не поиск по индексу, сопровождаемый произвольным чтением данных, разбросанных по всей таблице.</a:t>
-            </a:r>
-          </a:p>
-          <a:p>
-            <a:pPr lvl="0">
-              <a:buClr>
-                <a:srgbClr val="666666"/>
-              </a:buClr>
-              <a:buSzPct val="45000"/>
-              <a:buFont typeface="StarSymbol"/>
-              <a:buChar char="●"/>
-            </a:pPr>
-            <a:r>
-              <a:rPr lang="ru-RU" sz="1400" dirty="0"/>
-              <a:t>Массовую загрузку и удаление данных можно осуществлять, добавляя и удаляя секции, если такой вариант использования был предусмотрен при проектировании секций. </a:t>
-            </a:r>
-            <a:br>
-              <a:rPr lang="ru-RU" sz="1400" dirty="0"/>
-            </a:br>
-            <a:r>
-              <a:rPr lang="ru-RU" sz="1400" dirty="0"/>
-              <a:t>Удаление отдельной секции командой DROP TABLE и действие ALTER TABLE DETACH PARTITION выполняются гораздо быстрее, чем аналогичная массовая операция. </a:t>
-            </a:r>
-            <a:br>
-              <a:rPr lang="ru-RU" sz="1400" dirty="0"/>
-            </a:br>
-            <a:r>
-              <a:rPr lang="ru-RU" sz="1400" dirty="0"/>
-              <a:t>Эти команды полностью исключают накладные расходы, связанные с выполнением VACUUM после массовой операции DELETE.</a:t>
-            </a:r>
-          </a:p>
-          <a:p>
-            <a:pPr lvl="0">
-              <a:buClr>
-                <a:srgbClr val="666666"/>
-              </a:buClr>
-              <a:buSzPct val="45000"/>
-              <a:buFont typeface="StarSymbol"/>
-              <a:buChar char="●"/>
-            </a:pPr>
-            <a:r>
-              <a:rPr lang="ru-RU" sz="1400" dirty="0"/>
-              <a:t>Редко используемые данные можно перенести на более дешёвые и медленные носители.</a:t>
-            </a:r>
-          </a:p>
-          <a:p>
-            <a:pPr marL="0" lvl="0" indent="0">
-              <a:buClr>
-                <a:srgbClr val="666666"/>
-              </a:buClr>
-              <a:buSzPct val="45000"/>
-              <a:buNone/>
-            </a:pPr>
-            <a:r>
-              <a:rPr lang="ru-RU" sz="1400" dirty="0"/>
-              <a:t>Всё это обычно полезно только для очень больших таблиц. Какие именно таблицы выиграют от секционирования, зависит от конкретного приложения, хотя, как правило, это следует применять для таблиц, размер которых превышает объём ОЗУ сервера.</a:t>
-            </a:r>
+              <a:rPr lang="ru-RU" sz="2600" dirty="0">
+                <a:solidFill>
+                  <a:srgbClr val="000000"/>
+                </a:solidFill>
+                <a:ea typeface="DejaVu Sans" pitchFamily="2"/>
+                <a:cs typeface="DejaVu Sans" pitchFamily="2"/>
+              </a:rPr>
+              <a:t>Практика</a:t>
+            </a:r>
+            <a:endParaRPr lang="ru-RU" dirty="0"/>
           </a:p>
         </p:txBody>
       </p:sp>
     </p:spTree>
     <p:extLst>
       <p:ext uri="{BB962C8B-B14F-4D97-AF65-F5344CB8AC3E}">
-        <p14:creationId xmlns:p14="http://schemas.microsoft.com/office/powerpoint/2010/main" val="3511590595"/>
+        <p14:creationId xmlns:p14="http://schemas.microsoft.com/office/powerpoint/2010/main" val="21106420"/>
       </p:ext>
     </p:extLst>
   </p:cSld>
@@ -7039,7 +7288,7 @@
           <p:cNvPr id="2" name="Title 1">
             <a:extLst>
               <a:ext uri="{FF2B5EF4-FFF2-40B4-BE49-F238E27FC236}">
-                <a16:creationId xmlns:a16="http://schemas.microsoft.com/office/drawing/2014/main" id="{C61B5D42-722A-4E57-AE65-87E9F04C13B5}"/>
+                <a16:creationId xmlns:a16="http://schemas.microsoft.com/office/drawing/2014/main" id="{1ED93B46-2129-4D6B-9E60-2C5A2357CAE3}"/>
               </a:ext>
             </a:extLst>
           </p:cNvPr>
@@ -7082,7 +7331,7 @@
                 <a:ea typeface="DejaVu Sans" pitchFamily="2"/>
                 <a:cs typeface="DejaVu Sans" pitchFamily="2"/>
               </a:rPr>
-              <a:t> 2: </a:t>
+              <a:t> 2: Теория: </a:t>
             </a:r>
             <a:r>
               <a:rPr lang="ru-RU" sz="2000" dirty="0" err="1">
@@ -7090,20 +7339,6 @@
                 <a:cs typeface="DejaVu Sans" pitchFamily="2"/>
               </a:rPr>
               <a:t>Партицирование</a:t>
-            </a:r>
-            <a:r>
-              <a:rPr lang="ru-RU" sz="2000" dirty="0">
-                <a:ea typeface="DejaVu Sans" pitchFamily="2"/>
-                <a:cs typeface="DejaVu Sans" pitchFamily="2"/>
-              </a:rPr>
-              <a:t> – виды </a:t>
-            </a:r>
-            <a:r>
-              <a:rPr lang="ru-RU" sz="2000" dirty="0" err="1">
-                <a:ea typeface="DejaVu Sans" pitchFamily="2"/>
-                <a:cs typeface="DejaVu Sans" pitchFamily="2"/>
-              </a:rPr>
-              <a:t>партиций</a:t>
             </a:r>
             <a:endParaRPr lang="ru-RU" dirty="0"/>
           </a:p>
@@ -7114,7 +7349,7 @@
           <p:cNvPr id="3" name="Content Placeholder 2">
             <a:extLst>
               <a:ext uri="{FF2B5EF4-FFF2-40B4-BE49-F238E27FC236}">
-                <a16:creationId xmlns:a16="http://schemas.microsoft.com/office/drawing/2014/main" id="{090578C4-E6E7-4308-A4D1-738FCB3F61D8}"/>
+                <a16:creationId xmlns:a16="http://schemas.microsoft.com/office/drawing/2014/main" id="{8E65D122-F661-4641-A255-7626711E7581}"/>
               </a:ext>
             </a:extLst>
           </p:cNvPr>
@@ -7125,235 +7360,104 @@
             <p:ph idx="1"/>
           </p:nvPr>
         </p:nvSpPr>
-        <p:spPr>
-          <a:xfrm>
-            <a:off x="1069848" y="1878767"/>
-            <a:ext cx="10058400" cy="4691921"/>
-          </a:xfrm>
-        </p:spPr>
+        <p:spPr/>
         <p:txBody>
           <a:bodyPr>
             <a:normAutofit/>
           </a:bodyPr>
           <a:lstStyle/>
           <a:p>
+            <a:pPr marL="0" lvl="0" indent="0">
+              <a:buClr>
+                <a:srgbClr val="666666"/>
+              </a:buClr>
+              <a:buSzPct val="45000"/>
+              <a:buNone/>
+            </a:pPr>
+            <a:r>
+              <a:rPr lang="ru-RU" sz="1400" b="1" dirty="0"/>
+              <a:t>Секционированием (</a:t>
+            </a:r>
+            <a:r>
+              <a:rPr lang="ru-RU" sz="1400" b="1" dirty="0" err="1"/>
+              <a:t>партицированием</a:t>
+            </a:r>
+            <a:r>
+              <a:rPr lang="ru-RU" sz="1400" b="1" dirty="0"/>
+              <a:t>)</a:t>
+            </a:r>
             <a:r>
               <a:rPr lang="ru-RU" sz="1400" dirty="0"/>
-              <a:t>Секционирование по диапазонам</a:t>
-            </a:r>
-          </a:p>
-          <a:p>
-            <a:pPr marL="0" indent="0">
-              <a:buNone/>
+              <a:t> данных называется разбиение одной большой логической таблицы на несколько меньших физических секций. Преимущества:</a:t>
+            </a:r>
+          </a:p>
+          <a:p>
+            <a:pPr lvl="0">
+              <a:buClr>
+                <a:srgbClr val="666666"/>
+              </a:buClr>
+              <a:buSzPct val="45000"/>
+              <a:buFont typeface="StarSymbol"/>
+              <a:buChar char="●"/>
             </a:pPr>
             <a:r>
               <a:rPr lang="ru-RU" sz="1400" dirty="0"/>
-              <a:t>Таблица секционируется по «диапазонам». Например, можно секционировать данные по диапазонам дат или по диапазонам идентификаторов определённых бизнес-объектов. </a:t>
+              <a:t>Когда в выборке или изменении данных задействована большая часть одной секции, производительность может возрасти, если будет выполняться последовательное сканирование этой секции, а не поиск по индексу, сопровождаемый произвольным чтением данных, разбросанных по всей таблице.</a:t>
+            </a:r>
+          </a:p>
+          <a:p>
+            <a:pPr lvl="0">
+              <a:buClr>
+                <a:srgbClr val="666666"/>
+              </a:buClr>
+              <a:buSzPct val="45000"/>
+              <a:buFont typeface="StarSymbol"/>
+              <a:buChar char="●"/>
+            </a:pPr>
+            <a:r>
+              <a:rPr lang="ru-RU" sz="1400" dirty="0"/>
+              <a:t>Массовую загрузку и удаление данных можно осуществлять, добавляя и удаляя секции, если такой вариант использования был предусмотрен при проектировании секций. </a:t>
             </a:r>
             <a:br>
               <a:rPr lang="ru-RU" sz="1400" dirty="0"/>
             </a:br>
             <a:r>
               <a:rPr lang="ru-RU" sz="1400" dirty="0"/>
-              <a:t>Границы каждого диапазона считаются включающими нижнее значение и исключающими верхнее. </a:t>
+              <a:t>Удаление отдельной секции командой DROP TABLE и действие ALTER TABLE DETACH PARTITION выполняются гораздо быстрее, чем аналогичная массовая операция. </a:t>
             </a:r>
             <a:br>
               <a:rPr lang="ru-RU" sz="1400" dirty="0"/>
             </a:br>
-            <a:br>
-              <a:rPr lang="ru-RU" sz="1400" dirty="0">
-                <a:solidFill>
-                  <a:srgbClr val="0070C0"/>
-                </a:solidFill>
-              </a:rPr>
-            </a:br>
-            <a:r>
-              <a:rPr lang="en-US" sz="1400" dirty="0">
-                <a:solidFill>
-                  <a:srgbClr val="0070C0"/>
-                </a:solidFill>
-              </a:rPr>
-              <a:t>Create table orders (id int, </a:t>
-            </a:r>
-            <a:r>
-              <a:rPr lang="en-US" sz="1400" dirty="0" err="1">
-                <a:solidFill>
-                  <a:srgbClr val="0070C0"/>
-                </a:solidFill>
-              </a:rPr>
-              <a:t>order_desc</a:t>
-            </a:r>
-            <a:r>
-              <a:rPr lang="en-US" sz="1400" dirty="0">
-                <a:solidFill>
-                  <a:srgbClr val="0070C0"/>
-                </a:solidFill>
-              </a:rPr>
-              <a:t> varchar(500), </a:t>
-            </a:r>
-            <a:r>
-              <a:rPr lang="en-US" sz="1400" dirty="0" err="1">
-                <a:solidFill>
-                  <a:srgbClr val="0070C0"/>
-                </a:solidFill>
-              </a:rPr>
-              <a:t>start_date</a:t>
-            </a:r>
-            <a:r>
-              <a:rPr lang="en-US" sz="1400" dirty="0">
-                <a:solidFill>
-                  <a:srgbClr val="0070C0"/>
-                </a:solidFill>
-              </a:rPr>
-              <a:t> date, </a:t>
-            </a:r>
-            <a:r>
-              <a:rPr lang="en-US" sz="1400" dirty="0" err="1">
-                <a:solidFill>
-                  <a:srgbClr val="0070C0"/>
-                </a:solidFill>
-              </a:rPr>
-              <a:t>finish_date</a:t>
-            </a:r>
-            <a:r>
-              <a:rPr lang="en-US" sz="1400" dirty="0">
-                <a:solidFill>
-                  <a:srgbClr val="0070C0"/>
-                </a:solidFill>
-              </a:rPr>
-              <a:t> date)</a:t>
-            </a:r>
-            <a:endParaRPr lang="ru-RU" sz="1400" dirty="0">
-              <a:solidFill>
-                <a:srgbClr val="0070C0"/>
-              </a:solidFill>
-            </a:endParaRPr>
-          </a:p>
-          <a:p>
-            <a:pPr marL="0" indent="0">
-              <a:buNone/>
-            </a:pPr>
-            <a:r>
-              <a:rPr lang="en-US" sz="1400" dirty="0">
-                <a:solidFill>
-                  <a:srgbClr val="0070C0"/>
-                </a:solidFill>
-              </a:rPr>
-              <a:t>PARTITION BY RANGE (</a:t>
-            </a:r>
-            <a:r>
-              <a:rPr lang="en-US" sz="1400" dirty="0" err="1">
-                <a:solidFill>
-                  <a:srgbClr val="0070C0"/>
-                </a:solidFill>
-              </a:rPr>
-              <a:t>start_date</a:t>
-            </a:r>
-            <a:r>
-              <a:rPr lang="en-US" sz="1400" dirty="0">
-                <a:solidFill>
-                  <a:srgbClr val="0070C0"/>
-                </a:solidFill>
-              </a:rPr>
-              <a:t>);</a:t>
-            </a:r>
-          </a:p>
-          <a:p>
-            <a:pPr marL="0" indent="0">
-              <a:buNone/>
-            </a:pPr>
-            <a:endParaRPr lang="en-US" sz="1400" dirty="0">
-              <a:solidFill>
-                <a:srgbClr val="0070C0"/>
-              </a:solidFill>
-            </a:endParaRPr>
-          </a:p>
-          <a:p>
-            <a:pPr marL="0" indent="0">
-              <a:buNone/>
-            </a:pPr>
-            <a:r>
-              <a:rPr lang="en-US" sz="1400" dirty="0">
-                <a:solidFill>
-                  <a:srgbClr val="0070C0"/>
-                </a:solidFill>
-              </a:rPr>
-              <a:t>create table orders_p_2022</a:t>
-            </a:r>
-          </a:p>
-          <a:p>
-            <a:pPr marL="0" indent="0">
-              <a:buNone/>
-            </a:pPr>
-            <a:r>
-              <a:rPr lang="en-US" sz="1400" dirty="0">
-                <a:solidFill>
-                  <a:srgbClr val="0070C0"/>
-                </a:solidFill>
-              </a:rPr>
-              <a:t>partition of orders</a:t>
-            </a:r>
-          </a:p>
-          <a:p>
-            <a:pPr marL="0" indent="0">
-              <a:buNone/>
-            </a:pPr>
-            <a:r>
-              <a:rPr lang="en-US" sz="1400" dirty="0">
-                <a:solidFill>
-                  <a:srgbClr val="0070C0"/>
-                </a:solidFill>
-              </a:rPr>
-              <a:t>for values from (‘2022-01-01') to (‘2023-01-01’);</a:t>
-            </a:r>
-          </a:p>
-          <a:p>
-            <a:pPr marL="0" indent="0">
-              <a:buNone/>
-            </a:pPr>
-            <a:endParaRPr lang="en-US" sz="1400" dirty="0">
-              <a:solidFill>
-                <a:srgbClr val="0070C0"/>
-              </a:solidFill>
-            </a:endParaRPr>
-          </a:p>
-          <a:p>
-            <a:pPr marL="0" indent="0">
-              <a:buNone/>
-            </a:pPr>
-            <a:r>
-              <a:rPr lang="en-US" sz="1400" dirty="0">
-                <a:solidFill>
-                  <a:srgbClr val="0070C0"/>
-                </a:solidFill>
-              </a:rPr>
-              <a:t>create table orders_p_2023</a:t>
-            </a:r>
-          </a:p>
-          <a:p>
-            <a:pPr marL="0" indent="0">
-              <a:buNone/>
-            </a:pPr>
-            <a:r>
-              <a:rPr lang="en-US" sz="1400" dirty="0">
-                <a:solidFill>
-                  <a:srgbClr val="0070C0"/>
-                </a:solidFill>
-              </a:rPr>
-              <a:t>partition of orders</a:t>
-            </a:r>
-          </a:p>
-          <a:p>
-            <a:pPr marL="0" indent="0">
-              <a:buNone/>
-            </a:pPr>
-            <a:r>
-              <a:rPr lang="en-US" sz="1400" dirty="0">
-                <a:solidFill>
-                  <a:srgbClr val="0070C0"/>
-                </a:solidFill>
-              </a:rPr>
-              <a:t>for values from (‘2022-01-01') to (‘2023-12-31');</a:t>
+            <a:r>
+              <a:rPr lang="ru-RU" sz="1400" dirty="0"/>
+              <a:t>Эти команды полностью исключают накладные расходы, связанные с выполнением VACUUM после массовой операции DELETE.</a:t>
+            </a:r>
+          </a:p>
+          <a:p>
+            <a:pPr lvl="0">
+              <a:buClr>
+                <a:srgbClr val="666666"/>
+              </a:buClr>
+              <a:buSzPct val="45000"/>
+              <a:buFont typeface="StarSymbol"/>
+              <a:buChar char="●"/>
+            </a:pPr>
+            <a:r>
+              <a:rPr lang="ru-RU" sz="1400" dirty="0"/>
+              <a:t>Редко используемые данные можно перенести на более дешёвые и медленные носители.</a:t>
+            </a:r>
+          </a:p>
+          <a:p>
+            <a:pPr marL="0" lvl="0" indent="0">
+              <a:buClr>
+                <a:srgbClr val="666666"/>
+              </a:buClr>
+              <a:buSzPct val="45000"/>
+              <a:buNone/>
+            </a:pPr>
+            <a:r>
+              <a:rPr lang="ru-RU" sz="1400" dirty="0"/>
+              <a:t>Всё это обычно полезно только для очень больших таблиц. Какие именно таблицы выиграют от секционирования, зависит от конкретного приложения, хотя, как правило, это следует применять для таблиц, размер которых превышает объём ОЗУ сервера.</a:t>
             </a:r>
           </a:p>
         </p:txBody>
@@ -7361,7 +7465,7 @@
     </p:spTree>
     <p:extLst>
       <p:ext uri="{BB962C8B-B14F-4D97-AF65-F5344CB8AC3E}">
-        <p14:creationId xmlns:p14="http://schemas.microsoft.com/office/powerpoint/2010/main" val="1219338864"/>
+        <p14:creationId xmlns:p14="http://schemas.microsoft.com/office/powerpoint/2010/main" val="3511590595"/>
       </p:ext>
     </p:extLst>
   </p:cSld>
@@ -7487,13 +7591,13 @@
         </p:spPr>
         <p:txBody>
           <a:bodyPr>
-            <a:normAutofit fontScale="92500" lnSpcReduction="10000"/>
+            <a:normAutofit/>
           </a:bodyPr>
           <a:lstStyle/>
           <a:p>
             <a:r>
               <a:rPr lang="ru-RU" sz="1400" dirty="0"/>
-              <a:t>Секционирование по списку</a:t>
+              <a:t>Секционирование по диапазонам</a:t>
             </a:r>
           </a:p>
           <a:p>
@@ -7502,20 +7606,32 @@
             </a:pPr>
             <a:r>
               <a:rPr lang="ru-RU" sz="1400" dirty="0"/>
-              <a:t>Таблица секционируется с помощью списка, явно указывающего, какие значения ключа должны относиться к каждой секции.</a:t>
-            </a:r>
-          </a:p>
-          <a:p>
-            <a:pPr marL="0" indent="0">
-              <a:buNone/>
-            </a:pPr>
+              <a:t>Таблица секционируется по «диапазонам». Например, можно секционировать данные по диапазонам дат или по диапазонам идентификаторов определённых бизнес-объектов. </a:t>
+            </a:r>
+            <a:br>
+              <a:rPr lang="ru-RU" sz="1400" dirty="0"/>
+            </a:br>
+            <a:r>
+              <a:rPr lang="ru-RU" sz="1400" dirty="0"/>
+              <a:t>Границы каждого диапазона считаются включающими нижнее значение и исключающими верхнее. </a:t>
+            </a:r>
+            <a:br>
+              <a:rPr lang="ru-RU" sz="1400" dirty="0"/>
+            </a:br>
+            <a:br>
+              <a:rPr lang="ru-RU" sz="1400" dirty="0">
+                <a:solidFill>
+                  <a:srgbClr val="0070C0"/>
+                </a:solidFill>
+              </a:rPr>
+            </a:br>
             <a:r>
               <a:rPr lang="en-US" sz="1400" dirty="0">
                 <a:solidFill>
                   <a:srgbClr val="0070C0"/>
                 </a:solidFill>
               </a:rPr>
-              <a:t>CREATE TABLE </a:t>
+              <a:t>Create table orders (id int, </a:t>
             </a:r>
             <a:r>
               <a:rPr lang="en-US" sz="1400" dirty="0" err="1">
@@ -7523,7 +7639,7 @@
                   <a:srgbClr val="0070C0"/>
                 </a:solidFill>
               </a:rPr>
-              <a:t>sales_region</a:t>
+              <a:t>order_desc</a:t>
             </a:r>
             <a:r>
               <a:rPr lang="en-US" sz="1400" dirty="0">
@@ -7531,26 +7647,40 @@
                   <a:srgbClr val="0070C0"/>
                 </a:solidFill>
               </a:rPr>
-              <a:t> (id int, amount int, branch text, region text)</a:t>
-            </a:r>
-          </a:p>
-          <a:p>
-            <a:pPr marL="0" indent="0">
-              <a:buNone/>
-            </a:pPr>
+              <a:t> varchar(500), </a:t>
+            </a:r>
+            <a:r>
+              <a:rPr lang="en-US" sz="1400" dirty="0" err="1">
+                <a:solidFill>
+                  <a:srgbClr val="0070C0"/>
+                </a:solidFill>
+              </a:rPr>
+              <a:t>start_date</a:t>
+            </a:r>
             <a:r>
               <a:rPr lang="en-US" sz="1400" dirty="0">
                 <a:solidFill>
                   <a:srgbClr val="0070C0"/>
                 </a:solidFill>
               </a:rPr>
-              <a:t>PARTITION BY LIST (region);</a:t>
-            </a:r>
-          </a:p>
-          <a:p>
-            <a:pPr marL="0" indent="0">
-              <a:buNone/>
-            </a:pPr>
+              <a:t> date, </a:t>
+            </a:r>
+            <a:r>
+              <a:rPr lang="en-US" sz="1400" dirty="0" err="1">
+                <a:solidFill>
+                  <a:srgbClr val="0070C0"/>
+                </a:solidFill>
+              </a:rPr>
+              <a:t>finish_date</a:t>
+            </a:r>
+            <a:r>
+              <a:rPr lang="en-US" sz="1400" dirty="0">
+                <a:solidFill>
+                  <a:srgbClr val="0070C0"/>
+                </a:solidFill>
+              </a:rPr>
+              <a:t> date)</a:t>
+            </a:r>
             <a:endParaRPr lang="ru-RU" sz="1400" dirty="0">
               <a:solidFill>
                 <a:srgbClr val="0070C0"/>
@@ -7567,7 +7697,7 @@
                   <a:srgbClr val="0070C0"/>
                 </a:solidFill>
               </a:rPr>
-              <a:t>CREATE TABLE </a:t>
+              <a:t>PARTITION BY RANGE (</a:t>
             </a:r>
             <a:r>
               <a:rPr lang="en-US" sz="1400" dirty="0" err="1">
@@ -7575,193 +7705,7 @@
                   <a:srgbClr val="0070C0"/>
                 </a:solidFill>
               </a:rPr>
-              <a:t>sale_moscow</a:t>
-            </a:r>
-            <a:r>
-              <a:rPr lang="en-US" sz="1400" dirty="0">
-                <a:solidFill>
-                  <a:srgbClr val="0070C0"/>
-                </a:solidFill>
-              </a:rPr>
-              <a:t> PARTITION OF </a:t>
-            </a:r>
-            <a:r>
-              <a:rPr lang="en-US" sz="1400" dirty="0" err="1">
-                <a:solidFill>
-                  <a:srgbClr val="0070C0"/>
-                </a:solidFill>
-              </a:rPr>
-              <a:t>sales_region</a:t>
-            </a:r>
-            <a:r>
-              <a:rPr lang="en-US" sz="1400" dirty="0">
-                <a:solidFill>
-                  <a:srgbClr val="0070C0"/>
-                </a:solidFill>
-              </a:rPr>
-              <a:t> FOR VALUES IN (‘Moscow’);</a:t>
-            </a:r>
-          </a:p>
-          <a:p>
-            <a:pPr marL="0" indent="0">
-              <a:buNone/>
-            </a:pPr>
-            <a:r>
-              <a:rPr lang="en-US" sz="1400" dirty="0">
-                <a:solidFill>
-                  <a:srgbClr val="0070C0"/>
-                </a:solidFill>
-              </a:rPr>
-              <a:t>CREATE TABLE </a:t>
-            </a:r>
-            <a:r>
-              <a:rPr lang="en-US" sz="1400" dirty="0" err="1">
-                <a:solidFill>
-                  <a:srgbClr val="0070C0"/>
-                </a:solidFill>
-              </a:rPr>
-              <a:t>sale_kazan</a:t>
-            </a:r>
-            <a:r>
-              <a:rPr lang="en-US" sz="1400" dirty="0">
-                <a:solidFill>
-                  <a:srgbClr val="0070C0"/>
-                </a:solidFill>
-              </a:rPr>
-              <a:t> PARTITION OF </a:t>
-            </a:r>
-            <a:r>
-              <a:rPr lang="en-US" sz="1400" dirty="0" err="1">
-                <a:solidFill>
-                  <a:srgbClr val="0070C0"/>
-                </a:solidFill>
-              </a:rPr>
-              <a:t>sales_region</a:t>
-            </a:r>
-            <a:r>
-              <a:rPr lang="en-US" sz="1400" dirty="0">
-                <a:solidFill>
-                  <a:srgbClr val="0070C0"/>
-                </a:solidFill>
-              </a:rPr>
-              <a:t> FOR VALUES IN (‘Kazan’);</a:t>
-            </a:r>
-            <a:endParaRPr lang="ru-RU" sz="1400" dirty="0">
-              <a:solidFill>
-                <a:srgbClr val="0070C0"/>
-              </a:solidFill>
-            </a:endParaRPr>
-          </a:p>
-          <a:p>
-            <a:pPr marL="0" indent="0">
-              <a:buNone/>
-            </a:pPr>
-            <a:endParaRPr lang="ru-RU" sz="1400" dirty="0">
-              <a:solidFill>
-                <a:srgbClr val="0070C0"/>
-              </a:solidFill>
-            </a:endParaRPr>
-          </a:p>
-          <a:p>
-            <a:r>
-              <a:rPr lang="ru-RU" sz="1400" dirty="0"/>
-              <a:t>Секционирование по </a:t>
-            </a:r>
-            <a:r>
-              <a:rPr lang="ru-RU" sz="1400" dirty="0" err="1"/>
-              <a:t>хэшу</a:t>
-            </a:r>
-            <a:endParaRPr lang="ru-RU" sz="1400" dirty="0"/>
-          </a:p>
-          <a:p>
-            <a:pPr marL="0" indent="0">
-              <a:buNone/>
-            </a:pPr>
-            <a:r>
-              <a:rPr lang="ru-RU" sz="1400" dirty="0"/>
-              <a:t>Таблица секционируется по определённым модулям и остаткам, которые указываются для каждой секции.</a:t>
-            </a:r>
-          </a:p>
-          <a:p>
-            <a:pPr marL="0" indent="0">
-              <a:buNone/>
-            </a:pPr>
-            <a:r>
-              <a:rPr lang="en-US" sz="1400" dirty="0">
-                <a:solidFill>
-                  <a:srgbClr val="0070C0"/>
-                </a:solidFill>
-              </a:rPr>
-              <a:t>CREATE TABLE emp (</a:t>
-            </a:r>
-            <a:r>
-              <a:rPr lang="en-US" sz="1400" dirty="0" err="1">
-                <a:solidFill>
-                  <a:srgbClr val="0070C0"/>
-                </a:solidFill>
-              </a:rPr>
-              <a:t>emp_id</a:t>
-            </a:r>
-            <a:r>
-              <a:rPr lang="en-US" sz="1400" dirty="0">
-                <a:solidFill>
-                  <a:srgbClr val="0070C0"/>
-                </a:solidFill>
-              </a:rPr>
-              <a:t> int, </a:t>
-            </a:r>
-            <a:r>
-              <a:rPr lang="en-US" sz="1400" dirty="0" err="1">
-                <a:solidFill>
-                  <a:srgbClr val="0070C0"/>
-                </a:solidFill>
-              </a:rPr>
-              <a:t>emp_name</a:t>
-            </a:r>
-            <a:r>
-              <a:rPr lang="en-US" sz="1400" dirty="0">
-                <a:solidFill>
-                  <a:srgbClr val="0070C0"/>
-                </a:solidFill>
-              </a:rPr>
-              <a:t> text, </a:t>
-            </a:r>
-            <a:r>
-              <a:rPr lang="en-US" sz="1400" dirty="0" err="1">
-                <a:solidFill>
-                  <a:srgbClr val="0070C0"/>
-                </a:solidFill>
-              </a:rPr>
-              <a:t>dep_code</a:t>
-            </a:r>
-            <a:r>
-              <a:rPr lang="en-US" sz="1400" dirty="0">
-                <a:solidFill>
-                  <a:srgbClr val="0070C0"/>
-                </a:solidFill>
-              </a:rPr>
-              <a:t> int)</a:t>
-            </a:r>
-          </a:p>
-          <a:p>
-            <a:pPr marL="0" indent="0">
-              <a:buNone/>
-            </a:pPr>
-            <a:r>
-              <a:rPr lang="en-US" sz="1400" dirty="0">
-                <a:solidFill>
-                  <a:srgbClr val="0070C0"/>
-                </a:solidFill>
-              </a:rPr>
-              <a:t>PARTITION BY HASH (</a:t>
-            </a:r>
-            <a:r>
-              <a:rPr lang="en-US" sz="1400" dirty="0" err="1">
-                <a:solidFill>
-                  <a:srgbClr val="0070C0"/>
-                </a:solidFill>
-              </a:rPr>
-              <a:t>emp_id</a:t>
+              <a:t>start_date</a:t>
             </a:r>
             <a:r>
               <a:rPr lang="en-US" sz="1400" dirty="0">
@@ -7792,7 +7736,7 @@
                   <a:srgbClr val="0070C0"/>
                 </a:solidFill>
               </a:rPr>
-              <a:t>CREATE TABLE emp_0 PARTITION OF emp FOR VALUES WITH (MODULUS 2,REMAINDER 0);</a:t>
+              <a:t>create table orders_p_2022</a:t>
             </a:r>
           </a:p>
           <a:p>
@@ -7805,9 +7749,27 @@
                   <a:srgbClr val="0070C0"/>
                 </a:solidFill>
               </a:rPr>
-              <a:t>CREATE TABLE emp_1 PARTITION OF emp FOR VALUES WITH (MODULUS 2,REMAINDER 1);</a:t>
-            </a:r>
-            <a:endParaRPr lang="ru-RU" sz="1400" dirty="0">
+              <a:t>partition of orders</a:t>
+            </a:r>
+          </a:p>
+          <a:p>
+            <a:pPr marL="0" indent="0">
+              <a:buNone/>
+            </a:pPr>
+            <a:r>
+              <a:rPr lang="en-US" sz="1400" dirty="0">
+                <a:solidFill>
+                  <a:srgbClr val="0070C0"/>
+                </a:solidFill>
+              </a:rPr>
+              <a:t>for values from (‘2022-01-01') to (‘2023-01-01’);</a:t>
+            </a:r>
+          </a:p>
+          <a:p>
+            <a:pPr marL="0" indent="0">
+              <a:buNone/>
+            </a:pPr>
+            <a:endParaRPr lang="en-US" sz="1400" dirty="0">
               <a:solidFill>
                 <a:srgbClr val="0070C0"/>
               </a:solidFill>
@@ -7817,18 +7779,47 @@
             <a:pPr marL="0" indent="0">
               <a:buNone/>
             </a:pPr>
-            <a:endParaRPr lang="ru-RU" sz="1400" dirty="0">
-              <a:solidFill>
-                <a:srgbClr val="0070C0"/>
-              </a:solidFill>
-            </a:endParaRPr>
+            <a:r>
+              <a:rPr lang="en-US" sz="1400" dirty="0">
+                <a:solidFill>
+                  <a:srgbClr val="0070C0"/>
+                </a:solidFill>
+              </a:rPr>
+              <a:t>create table orders_p_2023</a:t>
+            </a:r>
+          </a:p>
+          <a:p>
+            <a:pPr marL="0" indent="0">
+              <a:buNone/>
+            </a:pPr>
+            <a:r>
+              <a:rPr lang="en-US" sz="1400" dirty="0">
+                <a:solidFill>
+                  <a:srgbClr val="0070C0"/>
+                </a:solidFill>
+              </a:rPr>
+              <a:t>partition of orders</a:t>
+            </a:r>
+          </a:p>
+          <a:p>
+            <a:pPr marL="0" indent="0">
+              <a:buNone/>
+            </a:pPr>
+            <a:r>
+              <a:rPr lang="en-US" sz="1400" dirty="0">
+                <a:solidFill>
+                  <a:srgbClr val="0070C0"/>
+                </a:solidFill>
+              </a:rPr>
+              <a:t>for values from (‘2022-01-01') to (‘2023-12-31');</a:t>
+            </a:r>
           </a:p>
         </p:txBody>
       </p:sp>
     </p:spTree>
     <p:extLst>
       <p:ext uri="{BB962C8B-B14F-4D97-AF65-F5344CB8AC3E}">
-        <p14:creationId xmlns:p14="http://schemas.microsoft.com/office/powerpoint/2010/main" val="2327172896"/>
+        <p14:creationId xmlns:p14="http://schemas.microsoft.com/office/powerpoint/2010/main" val="1219338864"/>
       </p:ext>
     </p:extLst>
   </p:cSld>
@@ -7912,6 +7903,20 @@
               </a:rPr>
               <a:t>Партицирование</a:t>
             </a:r>
+            <a:r>
+              <a:rPr lang="ru-RU" sz="2000" dirty="0">
+                <a:ea typeface="DejaVu Sans" pitchFamily="2"/>
+                <a:cs typeface="DejaVu Sans" pitchFamily="2"/>
+              </a:rPr>
+              <a:t> – виды </a:t>
+            </a:r>
+            <a:r>
+              <a:rPr lang="ru-RU" sz="2000" dirty="0" err="1">
+                <a:ea typeface="DejaVu Sans" pitchFamily="2"/>
+                <a:cs typeface="DejaVu Sans" pitchFamily="2"/>
+              </a:rPr>
+              <a:t>партиций</a:t>
+            </a:r>
             <a:endParaRPr lang="ru-RU" dirty="0"/>
           </a:p>
         </p:txBody>
@@ -7932,6 +7937,459 @@
             <p:ph idx="1"/>
           </p:nvPr>
         </p:nvSpPr>
+        <p:spPr>
+          <a:xfrm>
+            <a:off x="1069848" y="1878767"/>
+            <a:ext cx="10058400" cy="4691921"/>
+          </a:xfrm>
+        </p:spPr>
+        <p:txBody>
+          <a:bodyPr>
+            <a:normAutofit fontScale="92500" lnSpcReduction="10000"/>
+          </a:bodyPr>
+          <a:lstStyle/>
+          <a:p>
+            <a:r>
+              <a:rPr lang="ru-RU" sz="1400" dirty="0"/>
+              <a:t>Секционирование по списку</a:t>
+            </a:r>
+          </a:p>
+          <a:p>
+            <a:pPr marL="0" indent="0">
+              <a:buNone/>
+            </a:pPr>
+            <a:r>
+              <a:rPr lang="ru-RU" sz="1400" dirty="0"/>
+              <a:t>Таблица секционируется с помощью списка, явно указывающего, какие значения ключа должны относиться к каждой секции.</a:t>
+            </a:r>
+          </a:p>
+          <a:p>
+            <a:pPr marL="0" indent="0">
+              <a:buNone/>
+            </a:pPr>
+            <a:r>
+              <a:rPr lang="en-US" sz="1400" dirty="0">
+                <a:solidFill>
+                  <a:srgbClr val="0070C0"/>
+                </a:solidFill>
+              </a:rPr>
+              <a:t>CREATE TABLE </a:t>
+            </a:r>
+            <a:r>
+              <a:rPr lang="en-US" sz="1400" dirty="0" err="1">
+                <a:solidFill>
+                  <a:srgbClr val="0070C0"/>
+                </a:solidFill>
+              </a:rPr>
+              <a:t>sales_region</a:t>
+            </a:r>
+            <a:r>
+              <a:rPr lang="en-US" sz="1400" dirty="0">
+                <a:solidFill>
+                  <a:srgbClr val="0070C0"/>
+                </a:solidFill>
+              </a:rPr>
+              <a:t> (id int, amount int, branch text, region text)</a:t>
+            </a:r>
+          </a:p>
+          <a:p>
+            <a:pPr marL="0" indent="0">
+              <a:buNone/>
+            </a:pPr>
+            <a:r>
+              <a:rPr lang="en-US" sz="1400" dirty="0">
+                <a:solidFill>
+                  <a:srgbClr val="0070C0"/>
+                </a:solidFill>
+              </a:rPr>
+              <a:t>PARTITION BY LIST (region);</a:t>
+            </a:r>
+          </a:p>
+          <a:p>
+            <a:pPr marL="0" indent="0">
+              <a:buNone/>
+            </a:pPr>
+            <a:endParaRPr lang="ru-RU" sz="1400" dirty="0">
+              <a:solidFill>
+                <a:srgbClr val="0070C0"/>
+              </a:solidFill>
+            </a:endParaRPr>
+          </a:p>
+          <a:p>
+            <a:pPr marL="0" indent="0">
+              <a:buNone/>
+            </a:pPr>
+            <a:r>
+              <a:rPr lang="en-US" sz="1400" dirty="0">
+                <a:solidFill>
+                  <a:srgbClr val="0070C0"/>
+                </a:solidFill>
+              </a:rPr>
+              <a:t>CREATE TABLE </a:t>
+            </a:r>
+            <a:r>
+              <a:rPr lang="en-US" sz="1400" dirty="0" err="1">
+                <a:solidFill>
+                  <a:srgbClr val="0070C0"/>
+                </a:solidFill>
+              </a:rPr>
+              <a:t>sale_moscow</a:t>
+            </a:r>
+            <a:r>
+              <a:rPr lang="en-US" sz="1400" dirty="0">
+                <a:solidFill>
+                  <a:srgbClr val="0070C0"/>
+                </a:solidFill>
+              </a:rPr>
+              <a:t> PARTITION OF </a:t>
+            </a:r>
+            <a:r>
+              <a:rPr lang="en-US" sz="1400" dirty="0" err="1">
+                <a:solidFill>
+                  <a:srgbClr val="0070C0"/>
+                </a:solidFill>
+              </a:rPr>
+              <a:t>sales_region</a:t>
+            </a:r>
+            <a:r>
+              <a:rPr lang="en-US" sz="1400" dirty="0">
+                <a:solidFill>
+                  <a:srgbClr val="0070C0"/>
+                </a:solidFill>
+              </a:rPr>
+              <a:t> FOR VALUES IN (‘Moscow’);</a:t>
+            </a:r>
+          </a:p>
+          <a:p>
+            <a:pPr marL="0" indent="0">
+              <a:buNone/>
+            </a:pPr>
+            <a:r>
+              <a:rPr lang="en-US" sz="1400" dirty="0">
+                <a:solidFill>
+                  <a:srgbClr val="0070C0"/>
+                </a:solidFill>
+              </a:rPr>
+              <a:t>CREATE TABLE </a:t>
+            </a:r>
+            <a:r>
+              <a:rPr lang="en-US" sz="1400" dirty="0" err="1">
+                <a:solidFill>
+                  <a:srgbClr val="0070C0"/>
+                </a:solidFill>
+              </a:rPr>
+              <a:t>sale_kazan</a:t>
+            </a:r>
+            <a:r>
+              <a:rPr lang="en-US" sz="1400" dirty="0">
+                <a:solidFill>
+                  <a:srgbClr val="0070C0"/>
+                </a:solidFill>
+              </a:rPr>
+              <a:t> PARTITION OF </a:t>
+            </a:r>
+            <a:r>
+              <a:rPr lang="en-US" sz="1400" dirty="0" err="1">
+                <a:solidFill>
+                  <a:srgbClr val="0070C0"/>
+                </a:solidFill>
+              </a:rPr>
+              <a:t>sales_region</a:t>
+            </a:r>
+            <a:r>
+              <a:rPr lang="en-US" sz="1400" dirty="0">
+                <a:solidFill>
+                  <a:srgbClr val="0070C0"/>
+                </a:solidFill>
+              </a:rPr>
+              <a:t> FOR VALUES IN (‘Kazan’);</a:t>
+            </a:r>
+            <a:endParaRPr lang="ru-RU" sz="1400" dirty="0">
+              <a:solidFill>
+                <a:srgbClr val="0070C0"/>
+              </a:solidFill>
+            </a:endParaRPr>
+          </a:p>
+          <a:p>
+            <a:pPr marL="0" indent="0">
+              <a:buNone/>
+            </a:pPr>
+            <a:endParaRPr lang="ru-RU" sz="1400" dirty="0">
+              <a:solidFill>
+                <a:srgbClr val="0070C0"/>
+              </a:solidFill>
+            </a:endParaRPr>
+          </a:p>
+          <a:p>
+            <a:r>
+              <a:rPr lang="ru-RU" sz="1400" dirty="0"/>
+              <a:t>Секционирование по </a:t>
+            </a:r>
+            <a:r>
+              <a:rPr lang="ru-RU" sz="1400" dirty="0" err="1"/>
+              <a:t>хэшу</a:t>
+            </a:r>
+            <a:endParaRPr lang="ru-RU" sz="1400" dirty="0"/>
+          </a:p>
+          <a:p>
+            <a:pPr marL="0" indent="0">
+              <a:buNone/>
+            </a:pPr>
+            <a:r>
+              <a:rPr lang="ru-RU" sz="1400" dirty="0"/>
+              <a:t>Таблица секционируется по определённым модулям и остаткам, которые указываются для каждой секции.</a:t>
+            </a:r>
+          </a:p>
+          <a:p>
+            <a:pPr marL="0" indent="0">
+              <a:buNone/>
+            </a:pPr>
+            <a:r>
+              <a:rPr lang="en-US" sz="1400" dirty="0">
+                <a:solidFill>
+                  <a:srgbClr val="0070C0"/>
+                </a:solidFill>
+              </a:rPr>
+              <a:t>CREATE TABLE emp (</a:t>
+            </a:r>
+            <a:r>
+              <a:rPr lang="en-US" sz="1400" dirty="0" err="1">
+                <a:solidFill>
+                  <a:srgbClr val="0070C0"/>
+                </a:solidFill>
+              </a:rPr>
+              <a:t>emp_id</a:t>
+            </a:r>
+            <a:r>
+              <a:rPr lang="en-US" sz="1400" dirty="0">
+                <a:solidFill>
+                  <a:srgbClr val="0070C0"/>
+                </a:solidFill>
+              </a:rPr>
+              <a:t> int, </a:t>
+            </a:r>
+            <a:r>
+              <a:rPr lang="en-US" sz="1400" dirty="0" err="1">
+                <a:solidFill>
+                  <a:srgbClr val="0070C0"/>
+                </a:solidFill>
+              </a:rPr>
+              <a:t>emp_name</a:t>
+            </a:r>
+            <a:r>
+              <a:rPr lang="en-US" sz="1400" dirty="0">
+                <a:solidFill>
+                  <a:srgbClr val="0070C0"/>
+                </a:solidFill>
+              </a:rPr>
+              <a:t> text, </a:t>
+            </a:r>
+            <a:r>
+              <a:rPr lang="en-US" sz="1400" dirty="0" err="1">
+                <a:solidFill>
+                  <a:srgbClr val="0070C0"/>
+                </a:solidFill>
+              </a:rPr>
+              <a:t>dep_code</a:t>
+            </a:r>
+            <a:r>
+              <a:rPr lang="en-US" sz="1400" dirty="0">
+                <a:solidFill>
+                  <a:srgbClr val="0070C0"/>
+                </a:solidFill>
+              </a:rPr>
+              <a:t> int)</a:t>
+            </a:r>
+          </a:p>
+          <a:p>
+            <a:pPr marL="0" indent="0">
+              <a:buNone/>
+            </a:pPr>
+            <a:r>
+              <a:rPr lang="en-US" sz="1400" dirty="0">
+                <a:solidFill>
+                  <a:srgbClr val="0070C0"/>
+                </a:solidFill>
+              </a:rPr>
+              <a:t>PARTITION BY HASH (</a:t>
+            </a:r>
+            <a:r>
+              <a:rPr lang="en-US" sz="1400" dirty="0" err="1">
+                <a:solidFill>
+                  <a:srgbClr val="0070C0"/>
+                </a:solidFill>
+              </a:rPr>
+              <a:t>emp_id</a:t>
+            </a:r>
+            <a:r>
+              <a:rPr lang="en-US" sz="1400" dirty="0">
+                <a:solidFill>
+                  <a:srgbClr val="0070C0"/>
+                </a:solidFill>
+              </a:rPr>
+              <a:t>);</a:t>
+            </a:r>
+          </a:p>
+          <a:p>
+            <a:pPr marL="0" indent="0">
+              <a:buNone/>
+            </a:pPr>
+            <a:endParaRPr lang="en-US" sz="1400" dirty="0">
+              <a:solidFill>
+                <a:srgbClr val="0070C0"/>
+              </a:solidFill>
+            </a:endParaRPr>
+          </a:p>
+          <a:p>
+            <a:pPr marL="0" indent="0">
+              <a:buNone/>
+            </a:pPr>
+            <a:r>
+              <a:rPr lang="en-US" sz="1400" dirty="0">
+                <a:solidFill>
+                  <a:srgbClr val="0070C0"/>
+                </a:solidFill>
+              </a:rPr>
+              <a:t>CREATE TABLE emp_0 PARTITION OF emp FOR VALUES WITH (MODULUS 2,REMAINDER 0);</a:t>
+            </a:r>
+          </a:p>
+          <a:p>
+            <a:pPr marL="0" indent="0">
+              <a:buNone/>
+            </a:pPr>
+            <a:r>
+              <a:rPr lang="en-US" sz="1400" dirty="0">
+                <a:solidFill>
+                  <a:srgbClr val="0070C0"/>
+                </a:solidFill>
+              </a:rPr>
+              <a:t>CREATE TABLE emp_1 PARTITION OF emp FOR VALUES WITH (MODULUS 2,REMAINDER 1);</a:t>
+            </a:r>
+            <a:endParaRPr lang="ru-RU" sz="1400" dirty="0">
+              <a:solidFill>
+                <a:srgbClr val="0070C0"/>
+              </a:solidFill>
+            </a:endParaRPr>
+          </a:p>
+          <a:p>
+            <a:pPr marL="0" indent="0">
+              <a:buNone/>
+            </a:pPr>
+            <a:endParaRPr lang="ru-RU" sz="1400" dirty="0">
+              <a:solidFill>
+                <a:srgbClr val="0070C0"/>
+              </a:solidFill>
+            </a:endParaRPr>
+          </a:p>
+        </p:txBody>
+      </p:sp>
+    </p:spTree>
+    <p:extLst>
+      <p:ext uri="{BB962C8B-B14F-4D97-AF65-F5344CB8AC3E}">
+        <p14:creationId xmlns:p14="http://schemas.microsoft.com/office/powerpoint/2010/main" val="2327172896"/>
+      </p:ext>
+    </p:extLst>
+  </p:cSld>
+  <p:clrMapOvr>
+    <a:masterClrMapping/>
+  </p:clrMapOvr>
+</p:sld>
+</file>
+
+<file path=ppt/slides/slide18.xml><?xml version="1.0" encoding="utf-8"?>
+<p:sld xmlns:a="http://schemas.openxmlformats.org/drawingml/2006/main" xmlns:r="http://schemas.openxmlformats.org/officeDocument/2006/relationships" xmlns:p="http://schemas.openxmlformats.org/presentationml/2006/main">
+  <p:cSld>
+    <p:spTree>
+      <p:nvGrpSpPr>
+        <p:cNvPr id="1" name=""/>
+        <p:cNvGrpSpPr/>
+        <p:nvPr/>
+      </p:nvGrpSpPr>
+      <p:grpSpPr>
+        <a:xfrm>
+          <a:off x="0" y="0"/>
+          <a:ext cx="0" cy="0"/>
+          <a:chOff x="0" y="0"/>
+          <a:chExt cx="0" cy="0"/>
+        </a:xfrm>
+      </p:grpSpPr>
+      <p:sp>
+        <p:nvSpPr>
+          <p:cNvPr id="2" name="Title 1">
+            <a:extLst>
+              <a:ext uri="{FF2B5EF4-FFF2-40B4-BE49-F238E27FC236}">
+                <a16:creationId xmlns:a16="http://schemas.microsoft.com/office/drawing/2014/main" id="{C61B5D42-722A-4E57-AE65-87E9F04C13B5}"/>
+              </a:ext>
+            </a:extLst>
+          </p:cNvPr>
+          <p:cNvSpPr>
+            <a:spLocks noGrp="1"/>
+          </p:cNvSpPr>
+          <p:nvPr>
+            <p:ph type="title"/>
+          </p:nvPr>
+        </p:nvSpPr>
+        <p:spPr/>
+        <p:txBody>
+          <a:bodyPr>
+            <a:normAutofit/>
+          </a:bodyPr>
+          <a:lstStyle/>
+          <a:p>
+            <a:r>
+              <a:rPr lang="en-US" dirty="0">
+                <a:ea typeface="DejaVu Sans" pitchFamily="2"/>
+                <a:cs typeface="DejaVu Sans" pitchFamily="2"/>
+              </a:rPr>
+              <a:t>Оптимизация SQL</a:t>
+            </a:r>
+            <a:br>
+              <a:rPr lang="en-US" dirty="0">
+                <a:ea typeface="DejaVu Sans" pitchFamily="2"/>
+                <a:cs typeface="DejaVu Sans" pitchFamily="2"/>
+              </a:rPr>
+            </a:br>
+            <a:r>
+              <a:rPr lang="en-US" sz="2000" dirty="0" err="1">
+                <a:ea typeface="DejaVu Sans" pitchFamily="2"/>
+                <a:cs typeface="DejaVu Sans" pitchFamily="2"/>
+              </a:rPr>
+              <a:t>Блок</a:t>
+            </a:r>
+            <a:r>
+              <a:rPr lang="en-US" sz="2000" dirty="0">
+                <a:ea typeface="DejaVu Sans" pitchFamily="2"/>
+                <a:cs typeface="DejaVu Sans" pitchFamily="2"/>
+              </a:rPr>
+              <a:t> 2: </a:t>
+            </a:r>
+            <a:r>
+              <a:rPr lang="ru-RU" sz="2000" dirty="0" err="1">
+                <a:ea typeface="DejaVu Sans" pitchFamily="2"/>
+                <a:cs typeface="DejaVu Sans" pitchFamily="2"/>
+              </a:rPr>
+              <a:t>Партицирование</a:t>
+            </a:r>
+            <a:endParaRPr lang="ru-RU" dirty="0"/>
+          </a:p>
+        </p:txBody>
+      </p:sp>
+      <p:sp>
+        <p:nvSpPr>
+          <p:cNvPr id="3" name="Content Placeholder 2">
+            <a:extLst>
+              <a:ext uri="{FF2B5EF4-FFF2-40B4-BE49-F238E27FC236}">
+                <a16:creationId xmlns:a16="http://schemas.microsoft.com/office/drawing/2014/main" id="{090578C4-E6E7-4308-A4D1-738FCB3F61D8}"/>
+              </a:ext>
+            </a:extLst>
+          </p:cNvPr>
+          <p:cNvSpPr>
+            <a:spLocks noGrp="1"/>
+          </p:cNvSpPr>
+          <p:nvPr>
+            <p:ph idx="1"/>
+          </p:nvPr>
+        </p:nvSpPr>
         <p:spPr/>
         <p:txBody>
           <a:bodyPr/>
@@ -7957,7 +8415,7 @@
 </p:sld>
 </file>
 
-<file path=ppt/slides/slide18.xml><?xml version="1.0" encoding="utf-8"?>
+<file path=ppt/slides/slide19.xml><?xml version="1.0" encoding="utf-8"?>
 <p:sld xmlns:a="http://schemas.openxmlformats.org/drawingml/2006/main" xmlns:r="http://schemas.openxmlformats.org/officeDocument/2006/relationships" xmlns:p="http://schemas.openxmlformats.org/presentationml/2006/main">
   <p:cSld>
     <p:spTree>
@@ -8097,139 +8555,6 @@
 </p:sld>
 </file>
 
-<file path=ppt/slides/slide19.xml><?xml version="1.0" encoding="utf-8"?>
-<p:sld xmlns:a="http://schemas.openxmlformats.org/drawingml/2006/main" xmlns:r="http://schemas.openxmlformats.org/officeDocument/2006/relationships" xmlns:p="http://schemas.openxmlformats.org/presentationml/2006/main">
-  <p:cSld>
-    <p:spTree>
-      <p:nvGrpSpPr>
-        <p:cNvPr id="1" name=""/>
-        <p:cNvGrpSpPr/>
-        <p:nvPr/>
-      </p:nvGrpSpPr>
-      <p:grpSpPr>
-        <a:xfrm>
-          <a:off x="0" y="0"/>
-          <a:ext cx="0" cy="0"/>
-          <a:chOff x="0" y="0"/>
-          <a:chExt cx="0" cy="0"/>
-        </a:xfrm>
-      </p:grpSpPr>
-      <p:sp>
-        <p:nvSpPr>
-          <p:cNvPr id="2" name="Title 1">
-            <a:extLst>
-              <a:ext uri="{FF2B5EF4-FFF2-40B4-BE49-F238E27FC236}">
-                <a16:creationId xmlns:a16="http://schemas.microsoft.com/office/drawing/2014/main" id="{C61B5D42-722A-4E57-AE65-87E9F04C13B5}"/>
-              </a:ext>
-            </a:extLst>
-          </p:cNvPr>
-          <p:cNvSpPr>
-            <a:spLocks noGrp="1"/>
-          </p:cNvSpPr>
-          <p:nvPr>
-            <p:ph type="title"/>
-          </p:nvPr>
-        </p:nvSpPr>
-        <p:spPr/>
-        <p:txBody>
-          <a:bodyPr>
-            <a:normAutofit/>
-          </a:bodyPr>
-          <a:lstStyle/>
-          <a:p>
-            <a:r>
-              <a:rPr lang="en-US" dirty="0">
-                <a:ea typeface="DejaVu Sans" pitchFamily="2"/>
-                <a:cs typeface="DejaVu Sans" pitchFamily="2"/>
-              </a:rPr>
-              <a:t>Оптимизация SQL</a:t>
-            </a:r>
-            <a:br>
-              <a:rPr lang="en-US" dirty="0">
-                <a:ea typeface="DejaVu Sans" pitchFamily="2"/>
-                <a:cs typeface="DejaVu Sans" pitchFamily="2"/>
-              </a:rPr>
-            </a:br>
-            <a:r>
-              <a:rPr lang="en-US" sz="2000" dirty="0" err="1">
-                <a:ea typeface="DejaVu Sans" pitchFamily="2"/>
-                <a:cs typeface="DejaVu Sans" pitchFamily="2"/>
-              </a:rPr>
-              <a:t>Блок</a:t>
-            </a:r>
-            <a:r>
-              <a:rPr lang="en-US" sz="2000" dirty="0">
-                <a:ea typeface="DejaVu Sans" pitchFamily="2"/>
-                <a:cs typeface="DejaVu Sans" pitchFamily="2"/>
-              </a:rPr>
-              <a:t> 3: </a:t>
-            </a:r>
-            <a:r>
-              <a:rPr lang="ru-RU" sz="2000" dirty="0">
-                <a:ea typeface="DejaVu Sans" pitchFamily="2"/>
-                <a:cs typeface="DejaVu Sans" pitchFamily="2"/>
-              </a:rPr>
-              <a:t>Виды физических </a:t>
-            </a:r>
-            <a:r>
-              <a:rPr lang="ru-RU" sz="2000" dirty="0" err="1">
-                <a:ea typeface="DejaVu Sans" pitchFamily="2"/>
-                <a:cs typeface="DejaVu Sans" pitchFamily="2"/>
-              </a:rPr>
-              <a:t>join</a:t>
-            </a:r>
-            <a:r>
-              <a:rPr lang="ru-RU" sz="2000" dirty="0">
-                <a:ea typeface="DejaVu Sans" pitchFamily="2"/>
-                <a:cs typeface="DejaVu Sans" pitchFamily="2"/>
-              </a:rPr>
-              <a:t> и какой выбрать</a:t>
-            </a:r>
-            <a:endParaRPr lang="ru-RU" dirty="0"/>
-          </a:p>
-        </p:txBody>
-      </p:sp>
-      <p:sp>
-        <p:nvSpPr>
-          <p:cNvPr id="3" name="Content Placeholder 2">
-            <a:extLst>
-              <a:ext uri="{FF2B5EF4-FFF2-40B4-BE49-F238E27FC236}">
-                <a16:creationId xmlns:a16="http://schemas.microsoft.com/office/drawing/2014/main" id="{090578C4-E6E7-4308-A4D1-738FCB3F61D8}"/>
-              </a:ext>
-            </a:extLst>
-          </p:cNvPr>
-          <p:cNvSpPr>
-            <a:spLocks noGrp="1"/>
-          </p:cNvSpPr>
-          <p:nvPr>
-            <p:ph idx="1"/>
-          </p:nvPr>
-        </p:nvSpPr>
-        <p:spPr/>
-        <p:txBody>
-          <a:bodyPr/>
-          <a:lstStyle/>
-          <a:p>
-            <a:r>
-              <a:rPr lang="ru-RU" dirty="0"/>
-              <a:t>Практика</a:t>
-            </a:r>
-          </a:p>
-        </p:txBody>
-      </p:sp>
-    </p:spTree>
-    <p:extLst>
-      <p:ext uri="{BB962C8B-B14F-4D97-AF65-F5344CB8AC3E}">
-        <p14:creationId xmlns:p14="http://schemas.microsoft.com/office/powerpoint/2010/main" val="227297583"/>
-      </p:ext>
-    </p:extLst>
-  </p:cSld>
-  <p:clrMapOvr>
-    <a:masterClrMapping/>
-  </p:clrMapOvr>
-</p:sld>
-</file>
-
 <file path=ppt/slides/slide2.xml><?xml version="1.0" encoding="utf-8"?>
 <p:sld xmlns:a="http://schemas.openxmlformats.org/drawingml/2006/main" xmlns:r="http://schemas.openxmlformats.org/officeDocument/2006/relationships" xmlns:p="http://schemas.openxmlformats.org/presentationml/2006/main">
   <p:cSld>
@@ -8512,7 +8837,7 @@
           <p:cNvPr id="2" name="Title 1">
             <a:extLst>
               <a:ext uri="{FF2B5EF4-FFF2-40B4-BE49-F238E27FC236}">
-                <a16:creationId xmlns:a16="http://schemas.microsoft.com/office/drawing/2014/main" id="{A7849E89-1B6E-4D5A-B79A-B4ABAF7E394E}"/>
+                <a16:creationId xmlns:a16="http://schemas.microsoft.com/office/drawing/2014/main" id="{C61B5D42-722A-4E57-AE65-87E9F04C13B5}"/>
               </a:ext>
             </a:extLst>
           </p:cNvPr>
@@ -8555,28 +8880,28 @@
                 <a:ea typeface="DejaVu Sans" pitchFamily="2"/>
                 <a:cs typeface="DejaVu Sans" pitchFamily="2"/>
               </a:rPr>
-              <a:t> </a:t>
+              <a:t> 3: </a:t>
             </a:r>
             <a:r>
               <a:rPr lang="ru-RU" sz="2000" dirty="0">
                 <a:ea typeface="DejaVu Sans" pitchFamily="2"/>
                 <a:cs typeface="DejaVu Sans" pitchFamily="2"/>
               </a:rPr>
-              <a:t>4</a:t>
-            </a:r>
-            <a:r>
-              <a:rPr lang="en-US" sz="2000" dirty="0">
-                <a:ea typeface="DejaVu Sans" pitchFamily="2"/>
-                <a:cs typeface="DejaVu Sans" pitchFamily="2"/>
-              </a:rPr>
-              <a:t>: Теория: оптимизация через </a:t>
+              <a:t>Виды физических </a:t>
+            </a:r>
+            <a:r>
+              <a:rPr lang="ru-RU" sz="2000" dirty="0" err="1">
+                <a:ea typeface="DejaVu Sans" pitchFamily="2"/>
+                <a:cs typeface="DejaVu Sans" pitchFamily="2"/>
+              </a:rPr>
+              <a:t>join</a:t>
             </a:r>
             <a:r>
               <a:rPr lang="ru-RU" sz="2000" dirty="0">
                 <a:ea typeface="DejaVu Sans" pitchFamily="2"/>
                 <a:cs typeface="DejaVu Sans" pitchFamily="2"/>
               </a:rPr>
-              <a:t>промежуточную материализацию</a:t>
+              <a:t> и какой выбрать</a:t>
             </a:r>
             <a:endParaRPr lang="ru-RU" dirty="0"/>
           </a:p>
@@ -8587,7 +8912,7 @@
           <p:cNvPr id="3" name="Content Placeholder 2">
             <a:extLst>
               <a:ext uri="{FF2B5EF4-FFF2-40B4-BE49-F238E27FC236}">
-                <a16:creationId xmlns:a16="http://schemas.microsoft.com/office/drawing/2014/main" id="{3900631D-A5E4-47A8-B439-20D1B6BD2E4D}"/>
+                <a16:creationId xmlns:a16="http://schemas.microsoft.com/office/drawing/2014/main" id="{090578C4-E6E7-4308-A4D1-738FCB3F61D8}"/>
               </a:ext>
             </a:extLst>
           </p:cNvPr>
@@ -8603,81 +8928,17 @@
           <a:bodyPr/>
           <a:lstStyle/>
           <a:p>
-            <a:pPr lvl="0">
-              <a:buClr>
-                <a:srgbClr val="666666"/>
-              </a:buClr>
-              <a:buSzPct val="45000"/>
-              <a:buFont typeface="StarSymbol"/>
-              <a:buChar char="●"/>
-            </a:pPr>
-            <a:r>
-              <a:rPr lang="en-US" dirty="0">
-                <a:solidFill>
-                  <a:srgbClr val="000000"/>
-                </a:solidFill>
-                <a:ea typeface="DejaVu Sans" pitchFamily="2"/>
-                <a:cs typeface="DejaVu Sans" pitchFamily="2"/>
-              </a:rPr>
-              <a:t>Пример плоских джоинов</a:t>
-            </a:r>
-          </a:p>
-          <a:p>
-            <a:pPr lvl="0">
-              <a:buClr>
-                <a:srgbClr val="666666"/>
-              </a:buClr>
-              <a:buSzPct val="45000"/>
-              <a:buFont typeface="StarSymbol"/>
-              <a:buChar char="●"/>
-            </a:pPr>
-            <a:r>
-              <a:rPr lang="en-US" dirty="0" err="1">
-                <a:solidFill>
-                  <a:srgbClr val="000000"/>
-                </a:solidFill>
-                <a:ea typeface="DejaVu Sans" pitchFamily="2"/>
-                <a:cs typeface="DejaVu Sans" pitchFamily="2"/>
-              </a:rPr>
-              <a:t>Переписанный</a:t>
-            </a:r>
-            <a:r>
-              <a:rPr lang="en-US" dirty="0">
-                <a:solidFill>
-                  <a:srgbClr val="000000"/>
-                </a:solidFill>
-                <a:ea typeface="DejaVu Sans" pitchFamily="2"/>
-                <a:cs typeface="DejaVu Sans" pitchFamily="2"/>
-              </a:rPr>
-              <a:t> пример через </a:t>
-            </a:r>
-            <a:r>
-              <a:rPr lang="ru-RU" dirty="0">
-                <a:solidFill>
-                  <a:srgbClr val="000000"/>
-                </a:solidFill>
-                <a:ea typeface="DejaVu Sans" pitchFamily="2"/>
-                <a:cs typeface="DejaVu Sans" pitchFamily="2"/>
-              </a:rPr>
-              <a:t>промежуточную оптимизацию</a:t>
-            </a:r>
-            <a:endParaRPr lang="en-US" dirty="0">
-              <a:solidFill>
-                <a:srgbClr val="000000"/>
-              </a:solidFill>
-              <a:ea typeface="DejaVu Sans" pitchFamily="2"/>
-              <a:cs typeface="DejaVu Sans" pitchFamily="2"/>
-            </a:endParaRPr>
-          </a:p>
-          <a:p>
-            <a:endParaRPr lang="ru-RU" dirty="0"/>
+            <a:r>
+              <a:rPr lang="ru-RU" dirty="0"/>
+              <a:t>Практика</a:t>
+            </a:r>
           </a:p>
         </p:txBody>
       </p:sp>
     </p:spTree>
     <p:extLst>
       <p:ext uri="{BB962C8B-B14F-4D97-AF65-F5344CB8AC3E}">
-        <p14:creationId xmlns:p14="http://schemas.microsoft.com/office/powerpoint/2010/main" val="4003952097"/>
+        <p14:creationId xmlns:p14="http://schemas.microsoft.com/office/powerpoint/2010/main" val="227297583"/>
       </p:ext>
     </p:extLst>
   </p:cSld>
@@ -8766,7 +9027,14 @@
                 <a:ea typeface="DejaVu Sans" pitchFamily="2"/>
                 <a:cs typeface="DejaVu Sans" pitchFamily="2"/>
               </a:rPr>
-              <a:t>: оптимизация через вложенные запросы</a:t>
+              <a:t>: Теория: оптимизация через </a:t>
+            </a:r>
+            <a:r>
+              <a:rPr lang="ru-RU" sz="2000" dirty="0">
+                <a:ea typeface="DejaVu Sans" pitchFamily="2"/>
+                <a:cs typeface="DejaVu Sans" pitchFamily="2"/>
+              </a:rPr>
+              <a:t>промежуточную материализацию</a:t>
             </a:r>
             <a:endParaRPr lang="ru-RU" dirty="0"/>
           </a:p>
@@ -8802,6 +9070,46 @@
               <a:buChar char="●"/>
             </a:pPr>
             <a:r>
+              <a:rPr lang="en-US" dirty="0">
+                <a:solidFill>
+                  <a:srgbClr val="000000"/>
+                </a:solidFill>
+                <a:ea typeface="DejaVu Sans" pitchFamily="2"/>
+                <a:cs typeface="DejaVu Sans" pitchFamily="2"/>
+              </a:rPr>
+              <a:t>Пример плоских джоинов</a:t>
+            </a:r>
+          </a:p>
+          <a:p>
+            <a:pPr lvl="0">
+              <a:buClr>
+                <a:srgbClr val="666666"/>
+              </a:buClr>
+              <a:buSzPct val="45000"/>
+              <a:buFont typeface="StarSymbol"/>
+              <a:buChar char="●"/>
+            </a:pPr>
+            <a:r>
+              <a:rPr lang="en-US" dirty="0" err="1">
+                <a:solidFill>
+                  <a:srgbClr val="000000"/>
+                </a:solidFill>
+                <a:ea typeface="DejaVu Sans" pitchFamily="2"/>
+                <a:cs typeface="DejaVu Sans" pitchFamily="2"/>
+              </a:rPr>
+              <a:t>Переписанный</a:t>
+            </a:r>
+            <a:r>
+              <a:rPr lang="en-US" dirty="0">
+                <a:solidFill>
+                  <a:srgbClr val="000000"/>
+                </a:solidFill>
+                <a:ea typeface="DejaVu Sans" pitchFamily="2"/>
+                <a:cs typeface="DejaVu Sans" pitchFamily="2"/>
+              </a:rPr>
+              <a:t> пример через </a:t>
+            </a:r>
+            <a:r>
               <a:rPr lang="ru-RU" dirty="0">
                 <a:solidFill>
                   <a:srgbClr val="000000"/>
@@ -8809,8 +9117,17 @@
                 <a:ea typeface="DejaVu Sans" pitchFamily="2"/>
                 <a:cs typeface="DejaVu Sans" pitchFamily="2"/>
               </a:rPr>
-              <a:t>Практика</a:t>
-            </a:r>
+              <a:t>промежуточную оптимизацию</a:t>
+            </a:r>
+            <a:endParaRPr lang="en-US" dirty="0">
+              <a:solidFill>
+                <a:srgbClr val="000000"/>
+              </a:solidFill>
+              <a:ea typeface="DejaVu Sans" pitchFamily="2"/>
+              <a:cs typeface="DejaVu Sans" pitchFamily="2"/>
+            </a:endParaRPr>
+          </a:p>
+          <a:p>
             <a:endParaRPr lang="ru-RU" dirty="0"/>
           </a:p>
         </p:txBody>
@@ -8818,7 +9135,7 @@
     </p:spTree>
     <p:extLst>
       <p:ext uri="{BB962C8B-B14F-4D97-AF65-F5344CB8AC3E}">
-        <p14:creationId xmlns:p14="http://schemas.microsoft.com/office/powerpoint/2010/main" val="1535010297"/>
+        <p14:creationId xmlns:p14="http://schemas.microsoft.com/office/powerpoint/2010/main" val="4003952097"/>
       </p:ext>
     </p:extLst>
   </p:cSld>
@@ -8850,7 +9167,7 @@
           <p:cNvPr id="2" name="Title 1">
             <a:extLst>
               <a:ext uri="{FF2B5EF4-FFF2-40B4-BE49-F238E27FC236}">
-                <a16:creationId xmlns:a16="http://schemas.microsoft.com/office/drawing/2014/main" id="{758213DD-3EDA-455B-8835-00FD804FA17A}"/>
+                <a16:creationId xmlns:a16="http://schemas.microsoft.com/office/drawing/2014/main" id="{A7849E89-1B6E-4D5A-B79A-B4ABAF7E394E}"/>
               </a:ext>
             </a:extLst>
           </p:cNvPr>
@@ -8900,14 +9217,14 @@
                 <a:ea typeface="DejaVu Sans" pitchFamily="2"/>
                 <a:cs typeface="DejaVu Sans" pitchFamily="2"/>
               </a:rPr>
-              <a:t>5</a:t>
+              <a:t>4</a:t>
             </a:r>
             <a:r>
               <a:rPr lang="en-US" sz="2000" dirty="0">
                 <a:ea typeface="DejaVu Sans" pitchFamily="2"/>
                 <a:cs typeface="DejaVu Sans" pitchFamily="2"/>
               </a:rPr>
-              <a:t>: Теория: Unlogged таблицы</a:t>
+              <a:t>: оптимизация через вложенные запросы</a:t>
             </a:r>
             <a:endParaRPr lang="ru-RU" dirty="0"/>
           </a:p>
@@ -8918,7 +9235,7 @@
           <p:cNvPr id="3" name="Content Placeholder 2">
             <a:extLst>
               <a:ext uri="{FF2B5EF4-FFF2-40B4-BE49-F238E27FC236}">
-                <a16:creationId xmlns:a16="http://schemas.microsoft.com/office/drawing/2014/main" id="{C161AC7D-9235-4A56-9DBD-0A35EEF87042}"/>
+                <a16:creationId xmlns:a16="http://schemas.microsoft.com/office/drawing/2014/main" id="{3900631D-A5E4-47A8-B439-20D1B6BD2E4D}"/>
               </a:ext>
             </a:extLst>
           </p:cNvPr>
@@ -8943,279 +9260,15 @@
               <a:buChar char="●"/>
             </a:pPr>
             <a:r>
-              <a:rPr lang="en-US" dirty="0">
+              <a:rPr lang="ru-RU" dirty="0">
                 <a:solidFill>
                   <a:srgbClr val="000000"/>
                 </a:solidFill>
                 <a:ea typeface="DejaVu Sans" pitchFamily="2"/>
                 <a:cs typeface="DejaVu Sans" pitchFamily="2"/>
               </a:rPr>
-              <a:t>Что такое unlogged таблица</a:t>
-            </a:r>
-            <a:endParaRPr lang="ru-RU" dirty="0">
-              <a:solidFill>
-                <a:srgbClr val="000000"/>
-              </a:solidFill>
-              <a:ea typeface="DejaVu Sans" pitchFamily="2"/>
-              <a:cs typeface="DejaVu Sans" pitchFamily="2"/>
-            </a:endParaRPr>
-          </a:p>
-          <a:p>
-            <a:pPr lvl="1">
-              <a:buClr>
-                <a:srgbClr val="666666"/>
-              </a:buClr>
-              <a:buSzPct val="45000"/>
-              <a:buFont typeface="StarSymbol"/>
-              <a:buChar char="●"/>
-            </a:pPr>
-            <a:r>
-              <a:rPr lang="ru-RU" dirty="0">
-                <a:solidFill>
-                  <a:srgbClr val="000000"/>
-                </a:solidFill>
-                <a:ea typeface="DejaVu Sans" pitchFamily="2"/>
-                <a:cs typeface="DejaVu Sans" pitchFamily="2"/>
-              </a:rPr>
-              <a:t>Не пишется информация о транзакциях в </a:t>
-            </a:r>
-            <a:r>
-              <a:rPr lang="en-US" dirty="0" err="1">
-                <a:solidFill>
-                  <a:srgbClr val="000000"/>
-                </a:solidFill>
-                <a:ea typeface="DejaVu Sans" pitchFamily="2"/>
-                <a:cs typeface="DejaVu Sans" pitchFamily="2"/>
-              </a:rPr>
-              <a:t>wal</a:t>
-            </a:r>
-            <a:r>
-              <a:rPr lang="ru-RU" dirty="0">
-                <a:solidFill>
-                  <a:srgbClr val="000000"/>
-                </a:solidFill>
-                <a:ea typeface="DejaVu Sans" pitchFamily="2"/>
-                <a:cs typeface="DejaVu Sans" pitchFamily="2"/>
-              </a:rPr>
-              <a:t>-лог</a:t>
-            </a:r>
-            <a:endParaRPr lang="en-US" dirty="0">
-              <a:solidFill>
-                <a:srgbClr val="000000"/>
-              </a:solidFill>
-              <a:ea typeface="DejaVu Sans" pitchFamily="2"/>
-              <a:cs typeface="DejaVu Sans" pitchFamily="2"/>
-            </a:endParaRPr>
-          </a:p>
-          <a:p>
-            <a:pPr lvl="0">
-              <a:buClr>
-                <a:srgbClr val="666666"/>
-              </a:buClr>
-              <a:buSzPct val="45000"/>
-              <a:buFont typeface="StarSymbol"/>
-              <a:buChar char="●"/>
-            </a:pPr>
-            <a:r>
-              <a:rPr lang="en-US" dirty="0">
-                <a:solidFill>
-                  <a:srgbClr val="000000"/>
-                </a:solidFill>
-                <a:ea typeface="DejaVu Sans" pitchFamily="2"/>
-                <a:cs typeface="DejaVu Sans" pitchFamily="2"/>
-              </a:rPr>
-              <a:t>Truncate vs delete from</a:t>
-            </a:r>
-          </a:p>
-          <a:p>
-            <a:pPr lvl="0">
-              <a:buClr>
-                <a:srgbClr val="666666"/>
-              </a:buClr>
-              <a:buSzPct val="45000"/>
-              <a:buFont typeface="StarSymbol"/>
-              <a:buChar char="●"/>
-            </a:pPr>
-            <a:r>
-              <a:rPr lang="en-US" dirty="0">
-                <a:solidFill>
-                  <a:srgbClr val="000000"/>
-                </a:solidFill>
-                <a:ea typeface="DejaVu Sans" pitchFamily="2"/>
-                <a:cs typeface="DejaVu Sans" pitchFamily="2"/>
-              </a:rPr>
-              <a:t>Плюсы использования unlogged таблицы</a:t>
-            </a:r>
-            <a:endParaRPr lang="ru-RU" dirty="0">
-              <a:solidFill>
-                <a:srgbClr val="000000"/>
-              </a:solidFill>
-              <a:ea typeface="DejaVu Sans" pitchFamily="2"/>
-              <a:cs typeface="DejaVu Sans" pitchFamily="2"/>
-            </a:endParaRPr>
-          </a:p>
-          <a:p>
-            <a:pPr lvl="1">
-              <a:buClr>
-                <a:srgbClr val="666666"/>
-              </a:buClr>
-              <a:buSzPct val="45000"/>
-              <a:buFont typeface="StarSymbol"/>
-              <a:buChar char="●"/>
-            </a:pPr>
-            <a:r>
-              <a:rPr lang="ru-RU" dirty="0">
-                <a:solidFill>
-                  <a:srgbClr val="000000"/>
-                </a:solidFill>
-                <a:ea typeface="DejaVu Sans" pitchFamily="2"/>
-                <a:cs typeface="DejaVu Sans" pitchFamily="2"/>
-              </a:rPr>
-              <a:t>Ускорение в 1,5-2 раза</a:t>
-            </a:r>
-            <a:endParaRPr lang="en-US" dirty="0">
-              <a:solidFill>
-                <a:srgbClr val="000000"/>
-              </a:solidFill>
-              <a:ea typeface="DejaVu Sans" pitchFamily="2"/>
-              <a:cs typeface="DejaVu Sans" pitchFamily="2"/>
-            </a:endParaRPr>
-          </a:p>
-          <a:p>
-            <a:pPr lvl="0">
-              <a:buClr>
-                <a:srgbClr val="666666"/>
-              </a:buClr>
-              <a:buSzPct val="45000"/>
-              <a:buFont typeface="StarSymbol"/>
-              <a:buChar char="●"/>
-            </a:pPr>
-            <a:r>
-              <a:rPr lang="en-US" dirty="0">
-                <a:solidFill>
-                  <a:srgbClr val="000000"/>
-                </a:solidFill>
-                <a:ea typeface="DejaVu Sans" pitchFamily="2"/>
-                <a:cs typeface="DejaVu Sans" pitchFamily="2"/>
-              </a:rPr>
-              <a:t>Минусы использования unlogged таблицы</a:t>
-            </a:r>
-            <a:endParaRPr lang="ru-RU" dirty="0">
-              <a:solidFill>
-                <a:srgbClr val="000000"/>
-              </a:solidFill>
-              <a:ea typeface="DejaVu Sans" pitchFamily="2"/>
-              <a:cs typeface="DejaVu Sans" pitchFamily="2"/>
-            </a:endParaRPr>
-          </a:p>
-          <a:p>
-            <a:pPr lvl="1">
-              <a:buClr>
-                <a:srgbClr val="666666"/>
-              </a:buClr>
-              <a:buSzPct val="45000"/>
-              <a:buFont typeface="StarSymbol"/>
-              <a:buChar char="●"/>
-            </a:pPr>
-            <a:r>
-              <a:rPr lang="ru-RU" dirty="0">
-                <a:solidFill>
-                  <a:srgbClr val="000000"/>
-                </a:solidFill>
-                <a:ea typeface="DejaVu Sans" pitchFamily="2"/>
-                <a:cs typeface="DejaVu Sans" pitchFamily="2"/>
-              </a:rPr>
-              <a:t>В случае невыполнения операции нельзя будет восстановить информацию</a:t>
-            </a:r>
-          </a:p>
-          <a:p>
-            <a:pPr lvl="1">
-              <a:buClr>
-                <a:srgbClr val="666666"/>
-              </a:buClr>
-              <a:buSzPct val="45000"/>
-              <a:buFont typeface="StarSymbol"/>
-              <a:buChar char="●"/>
-            </a:pPr>
-            <a:r>
-              <a:rPr lang="ru-RU" dirty="0">
-                <a:solidFill>
-                  <a:srgbClr val="000000"/>
-                </a:solidFill>
-                <a:ea typeface="DejaVu Sans" pitchFamily="2"/>
-                <a:cs typeface="DejaVu Sans" pitchFamily="2"/>
-              </a:rPr>
-              <a:t>В </a:t>
-            </a:r>
-            <a:r>
-              <a:rPr lang="en-US" dirty="0">
-                <a:solidFill>
-                  <a:srgbClr val="000000"/>
-                </a:solidFill>
-                <a:ea typeface="DejaVu Sans" pitchFamily="2"/>
-                <a:cs typeface="DejaVu Sans" pitchFamily="2"/>
-              </a:rPr>
-              <a:t>Greenplum</a:t>
-            </a:r>
-            <a:r>
-              <a:rPr lang="ru-RU" dirty="0">
-                <a:solidFill>
-                  <a:srgbClr val="000000"/>
-                </a:solidFill>
-                <a:ea typeface="DejaVu Sans" pitchFamily="2"/>
-                <a:cs typeface="DejaVu Sans" pitchFamily="2"/>
-              </a:rPr>
-              <a:t> сейчас эта опция недоступна (заведено критическое </a:t>
-            </a:r>
-            <a:r>
-              <a:rPr lang="en-US" dirty="0">
-                <a:solidFill>
-                  <a:srgbClr val="000000"/>
-                </a:solidFill>
-                <a:ea typeface="DejaVu Sans" pitchFamily="2"/>
-                <a:cs typeface="DejaVu Sans" pitchFamily="2"/>
-              </a:rPr>
-              <a:t>issue</a:t>
-            </a:r>
-            <a:r>
-              <a:rPr lang="ru-RU" dirty="0">
-                <a:solidFill>
-                  <a:srgbClr val="000000"/>
-                </a:solidFill>
-                <a:ea typeface="DejaVu Sans" pitchFamily="2"/>
-                <a:cs typeface="DejaVu Sans" pitchFamily="2"/>
-              </a:rPr>
-              <a:t>, такие таблицы ломаются)</a:t>
-            </a:r>
-            <a:endParaRPr lang="en-US" dirty="0">
-              <a:solidFill>
-                <a:srgbClr val="000000"/>
-              </a:solidFill>
-              <a:ea typeface="DejaVu Sans" pitchFamily="2"/>
-              <a:cs typeface="DejaVu Sans" pitchFamily="2"/>
-            </a:endParaRPr>
-          </a:p>
-          <a:p>
-            <a:pPr lvl="0">
-              <a:buClr>
-                <a:srgbClr val="666666"/>
-              </a:buClr>
-              <a:buSzPct val="45000"/>
-              <a:buFont typeface="StarSymbol"/>
-              <a:buChar char="●"/>
-            </a:pPr>
-            <a:r>
-              <a:rPr lang="en-US" dirty="0">
-                <a:solidFill>
-                  <a:srgbClr val="000000"/>
-                </a:solidFill>
-                <a:ea typeface="DejaVu Sans" pitchFamily="2"/>
-                <a:cs typeface="DejaVu Sans" pitchFamily="2"/>
-              </a:rPr>
-              <a:t>Какие еще есть варианты</a:t>
-            </a:r>
-          </a:p>
-          <a:p>
+              <a:t>Практика</a:t>
+            </a:r>
             <a:endParaRPr lang="ru-RU" dirty="0"/>
           </a:p>
         </p:txBody>
@@ -9223,7 +9276,7 @@
     </p:spTree>
     <p:extLst>
       <p:ext uri="{BB962C8B-B14F-4D97-AF65-F5344CB8AC3E}">
-        <p14:creationId xmlns:p14="http://schemas.microsoft.com/office/powerpoint/2010/main" val="2537559778"/>
+        <p14:creationId xmlns:p14="http://schemas.microsoft.com/office/powerpoint/2010/main" val="1535010297"/>
       </p:ext>
     </p:extLst>
   </p:cSld>
@@ -9312,7 +9365,7 @@
                 <a:ea typeface="DejaVu Sans" pitchFamily="2"/>
                 <a:cs typeface="DejaVu Sans" pitchFamily="2"/>
               </a:rPr>
-              <a:t>: Unlogged таблицы</a:t>
+              <a:t>: Теория: Unlogged таблицы</a:t>
             </a:r>
             <a:endParaRPr lang="ru-RU" dirty="0"/>
           </a:p>
@@ -9348,6 +9401,33 @@
               <a:buChar char="●"/>
             </a:pPr>
             <a:r>
+              <a:rPr lang="en-US" dirty="0">
+                <a:solidFill>
+                  <a:srgbClr val="000000"/>
+                </a:solidFill>
+                <a:ea typeface="DejaVu Sans" pitchFamily="2"/>
+                <a:cs typeface="DejaVu Sans" pitchFamily="2"/>
+              </a:rPr>
+              <a:t>Что такое unlogged таблица</a:t>
+            </a:r>
+            <a:endParaRPr lang="ru-RU" dirty="0">
+              <a:solidFill>
+                <a:srgbClr val="000000"/>
+              </a:solidFill>
+              <a:ea typeface="DejaVu Sans" pitchFamily="2"/>
+              <a:cs typeface="DejaVu Sans" pitchFamily="2"/>
+            </a:endParaRPr>
+          </a:p>
+          <a:p>
+            <a:pPr lvl="1">
+              <a:buClr>
+                <a:srgbClr val="666666"/>
+              </a:buClr>
+              <a:buSzPct val="45000"/>
+              <a:buFont typeface="StarSymbol"/>
+              <a:buChar char="●"/>
+            </a:pPr>
+            <a:r>
               <a:rPr lang="ru-RU" dirty="0">
                 <a:solidFill>
                   <a:srgbClr val="000000"/>
@@ -9355,8 +9435,245 @@
                 <a:ea typeface="DejaVu Sans" pitchFamily="2"/>
                 <a:cs typeface="DejaVu Sans" pitchFamily="2"/>
               </a:rPr>
-              <a:t>Практика</a:t>
-            </a:r>
+              <a:t>Не пишется информация о транзакциях в </a:t>
+            </a:r>
+            <a:r>
+              <a:rPr lang="en-US" dirty="0" err="1">
+                <a:solidFill>
+                  <a:srgbClr val="000000"/>
+                </a:solidFill>
+                <a:ea typeface="DejaVu Sans" pitchFamily="2"/>
+                <a:cs typeface="DejaVu Sans" pitchFamily="2"/>
+              </a:rPr>
+              <a:t>wal</a:t>
+            </a:r>
+            <a:r>
+              <a:rPr lang="ru-RU" dirty="0">
+                <a:solidFill>
+                  <a:srgbClr val="000000"/>
+                </a:solidFill>
+                <a:ea typeface="DejaVu Sans" pitchFamily="2"/>
+                <a:cs typeface="DejaVu Sans" pitchFamily="2"/>
+              </a:rPr>
+              <a:t>-лог</a:t>
+            </a:r>
+            <a:endParaRPr lang="en-US" dirty="0">
+              <a:solidFill>
+                <a:srgbClr val="000000"/>
+              </a:solidFill>
+              <a:ea typeface="DejaVu Sans" pitchFamily="2"/>
+              <a:cs typeface="DejaVu Sans" pitchFamily="2"/>
+            </a:endParaRPr>
+          </a:p>
+          <a:p>
+            <a:pPr lvl="0">
+              <a:buClr>
+                <a:srgbClr val="666666"/>
+              </a:buClr>
+              <a:buSzPct val="45000"/>
+              <a:buFont typeface="StarSymbol"/>
+              <a:buChar char="●"/>
+            </a:pPr>
+            <a:r>
+              <a:rPr lang="en-US" dirty="0">
+                <a:solidFill>
+                  <a:srgbClr val="000000"/>
+                </a:solidFill>
+                <a:ea typeface="DejaVu Sans" pitchFamily="2"/>
+                <a:cs typeface="DejaVu Sans" pitchFamily="2"/>
+              </a:rPr>
+              <a:t>Truncate vs delete from</a:t>
+            </a:r>
+          </a:p>
+          <a:p>
+            <a:pPr lvl="0">
+              <a:buClr>
+                <a:srgbClr val="666666"/>
+              </a:buClr>
+              <a:buSzPct val="45000"/>
+              <a:buFont typeface="StarSymbol"/>
+              <a:buChar char="●"/>
+            </a:pPr>
+            <a:r>
+              <a:rPr lang="en-US" dirty="0">
+                <a:solidFill>
+                  <a:srgbClr val="000000"/>
+                </a:solidFill>
+                <a:ea typeface="DejaVu Sans" pitchFamily="2"/>
+                <a:cs typeface="DejaVu Sans" pitchFamily="2"/>
+              </a:rPr>
+              <a:t>Плюсы использования unlogged таблицы</a:t>
+            </a:r>
+            <a:endParaRPr lang="ru-RU" dirty="0">
+              <a:solidFill>
+                <a:srgbClr val="000000"/>
+              </a:solidFill>
+              <a:ea typeface="DejaVu Sans" pitchFamily="2"/>
+              <a:cs typeface="DejaVu Sans" pitchFamily="2"/>
+            </a:endParaRPr>
+          </a:p>
+          <a:p>
+            <a:pPr lvl="1">
+              <a:buClr>
+                <a:srgbClr val="666666"/>
+              </a:buClr>
+              <a:buSzPct val="45000"/>
+              <a:buFont typeface="StarSymbol"/>
+              <a:buChar char="●"/>
+            </a:pPr>
+            <a:r>
+              <a:rPr lang="ru-RU" dirty="0">
+                <a:solidFill>
+                  <a:srgbClr val="000000"/>
+                </a:solidFill>
+                <a:ea typeface="DejaVu Sans" pitchFamily="2"/>
+                <a:cs typeface="DejaVu Sans" pitchFamily="2"/>
+              </a:rPr>
+              <a:t>Ускорение в 1,5-2 раза</a:t>
+            </a:r>
+            <a:endParaRPr lang="en-US" dirty="0">
+              <a:solidFill>
+                <a:srgbClr val="000000"/>
+              </a:solidFill>
+              <a:ea typeface="DejaVu Sans" pitchFamily="2"/>
+              <a:cs typeface="DejaVu Sans" pitchFamily="2"/>
+            </a:endParaRPr>
+          </a:p>
+          <a:p>
+            <a:pPr lvl="0">
+              <a:buClr>
+                <a:srgbClr val="666666"/>
+              </a:buClr>
+              <a:buSzPct val="45000"/>
+              <a:buFont typeface="StarSymbol"/>
+              <a:buChar char="●"/>
+            </a:pPr>
+            <a:r>
+              <a:rPr lang="en-US" dirty="0">
+                <a:solidFill>
+                  <a:srgbClr val="000000"/>
+                </a:solidFill>
+                <a:ea typeface="DejaVu Sans" pitchFamily="2"/>
+                <a:cs typeface="DejaVu Sans" pitchFamily="2"/>
+              </a:rPr>
+              <a:t>Минусы использования unlogged таблицы</a:t>
+            </a:r>
+            <a:endParaRPr lang="ru-RU" dirty="0">
+              <a:solidFill>
+                <a:srgbClr val="000000"/>
+              </a:solidFill>
+              <a:ea typeface="DejaVu Sans" pitchFamily="2"/>
+              <a:cs typeface="DejaVu Sans" pitchFamily="2"/>
+            </a:endParaRPr>
+          </a:p>
+          <a:p>
+            <a:pPr lvl="1">
+              <a:buClr>
+                <a:srgbClr val="666666"/>
+              </a:buClr>
+              <a:buSzPct val="45000"/>
+              <a:buFont typeface="StarSymbol"/>
+              <a:buChar char="●"/>
+            </a:pPr>
+            <a:r>
+              <a:rPr lang="ru-RU" dirty="0">
+                <a:solidFill>
+                  <a:srgbClr val="000000"/>
+                </a:solidFill>
+                <a:ea typeface="DejaVu Sans" pitchFamily="2"/>
+                <a:cs typeface="DejaVu Sans" pitchFamily="2"/>
+              </a:rPr>
+              <a:t>В случае невыполнения операции нельзя будет восстановить информацию</a:t>
+            </a:r>
+          </a:p>
+          <a:p>
+            <a:pPr lvl="1">
+              <a:buClr>
+                <a:srgbClr val="666666"/>
+              </a:buClr>
+              <a:buSzPct val="45000"/>
+              <a:buFont typeface="StarSymbol"/>
+              <a:buChar char="●"/>
+            </a:pPr>
+            <a:r>
+              <a:rPr lang="ru-RU" dirty="0">
+                <a:solidFill>
+                  <a:srgbClr val="000000"/>
+                </a:solidFill>
+                <a:ea typeface="DejaVu Sans" pitchFamily="2"/>
+                <a:cs typeface="DejaVu Sans" pitchFamily="2"/>
+              </a:rPr>
+              <a:t>В </a:t>
+            </a:r>
+            <a:r>
+              <a:rPr lang="en-US" dirty="0">
+                <a:solidFill>
+                  <a:srgbClr val="000000"/>
+                </a:solidFill>
+                <a:ea typeface="DejaVu Sans" pitchFamily="2"/>
+                <a:cs typeface="DejaVu Sans" pitchFamily="2"/>
+              </a:rPr>
+              <a:t>Greenplum</a:t>
+            </a:r>
+            <a:r>
+              <a:rPr lang="ru-RU" dirty="0">
+                <a:solidFill>
+                  <a:srgbClr val="000000"/>
+                </a:solidFill>
+                <a:ea typeface="DejaVu Sans" pitchFamily="2"/>
+                <a:cs typeface="DejaVu Sans" pitchFamily="2"/>
+              </a:rPr>
+              <a:t> сейчас эта опция недоступна (заведено критическое </a:t>
+            </a:r>
+            <a:r>
+              <a:rPr lang="en-US" dirty="0">
+                <a:solidFill>
+                  <a:srgbClr val="000000"/>
+                </a:solidFill>
+                <a:ea typeface="DejaVu Sans" pitchFamily="2"/>
+                <a:cs typeface="DejaVu Sans" pitchFamily="2"/>
+              </a:rPr>
+              <a:t>issue</a:t>
+            </a:r>
+            <a:r>
+              <a:rPr lang="ru-RU" dirty="0">
+                <a:solidFill>
+                  <a:srgbClr val="000000"/>
+                </a:solidFill>
+                <a:ea typeface="DejaVu Sans" pitchFamily="2"/>
+                <a:cs typeface="DejaVu Sans" pitchFamily="2"/>
+              </a:rPr>
+              <a:t>, такие таблицы ломаются)</a:t>
+            </a:r>
+            <a:endParaRPr lang="en-US" dirty="0">
+              <a:solidFill>
+                <a:srgbClr val="000000"/>
+              </a:solidFill>
+              <a:ea typeface="DejaVu Sans" pitchFamily="2"/>
+              <a:cs typeface="DejaVu Sans" pitchFamily="2"/>
+            </a:endParaRPr>
+          </a:p>
+          <a:p>
+            <a:pPr lvl="0">
+              <a:buClr>
+                <a:srgbClr val="666666"/>
+              </a:buClr>
+              <a:buSzPct val="45000"/>
+              <a:buFont typeface="StarSymbol"/>
+              <a:buChar char="●"/>
+            </a:pPr>
+            <a:r>
+              <a:rPr lang="en-US" dirty="0">
+                <a:solidFill>
+                  <a:srgbClr val="000000"/>
+                </a:solidFill>
+                <a:ea typeface="DejaVu Sans" pitchFamily="2"/>
+                <a:cs typeface="DejaVu Sans" pitchFamily="2"/>
+              </a:rPr>
+              <a:t>Какие еще есть варианты</a:t>
+            </a:r>
+          </a:p>
+          <a:p>
             <a:endParaRPr lang="ru-RU" dirty="0"/>
           </a:p>
         </p:txBody>
@@ -9364,7 +9681,7 @@
     </p:spTree>
     <p:extLst>
       <p:ext uri="{BB962C8B-B14F-4D97-AF65-F5344CB8AC3E}">
-        <p14:creationId xmlns:p14="http://schemas.microsoft.com/office/powerpoint/2010/main" val="1921711037"/>
+        <p14:creationId xmlns:p14="http://schemas.microsoft.com/office/powerpoint/2010/main" val="2537559778"/>
       </p:ext>
     </p:extLst>
   </p:cSld>
@@ -9396,7 +9713,7 @@
           <p:cNvPr id="2" name="Title 1">
             <a:extLst>
               <a:ext uri="{FF2B5EF4-FFF2-40B4-BE49-F238E27FC236}">
-                <a16:creationId xmlns:a16="http://schemas.microsoft.com/office/drawing/2014/main" id="{9BB4425D-EFFE-4C7B-BAB3-696974B86ECB}"/>
+                <a16:creationId xmlns:a16="http://schemas.microsoft.com/office/drawing/2014/main" id="{758213DD-3EDA-455B-8835-00FD804FA17A}"/>
               </a:ext>
             </a:extLst>
           </p:cNvPr>
@@ -9428,11 +9745,32 @@
               </a:rPr>
             </a:br>
             <a:r>
+              <a:rPr lang="en-US" sz="2000" dirty="0" err="1">
+                <a:ea typeface="DejaVu Sans" pitchFamily="2"/>
+                <a:cs typeface="DejaVu Sans" pitchFamily="2"/>
+              </a:rPr>
+              <a:t>Блок</a:t>
+            </a:r>
+            <a:r>
+              <a:rPr lang="en-US" sz="2000" dirty="0">
+                <a:ea typeface="DejaVu Sans" pitchFamily="2"/>
+                <a:cs typeface="DejaVu Sans" pitchFamily="2"/>
+              </a:rPr>
+              <a:t> </a:t>
+            </a:r>
+            <a:r>
               <a:rPr lang="ru-RU" sz="2000" dirty="0">
                 <a:ea typeface="DejaVu Sans" pitchFamily="2"/>
                 <a:cs typeface="DejaVu Sans" pitchFamily="2"/>
               </a:rPr>
-              <a:t>Итоги</a:t>
+              <a:t>5</a:t>
+            </a:r>
+            <a:r>
+              <a:rPr lang="en-US" sz="2000" dirty="0">
+                <a:ea typeface="DejaVu Sans" pitchFamily="2"/>
+                <a:cs typeface="DejaVu Sans" pitchFamily="2"/>
+              </a:rPr>
+              <a:t>: Unlogged таблицы</a:t>
             </a:r>
             <a:endParaRPr lang="ru-RU" dirty="0"/>
           </a:p>
@@ -9443,7 +9781,7 @@
           <p:cNvPr id="3" name="Content Placeholder 2">
             <a:extLst>
               <a:ext uri="{FF2B5EF4-FFF2-40B4-BE49-F238E27FC236}">
-                <a16:creationId xmlns:a16="http://schemas.microsoft.com/office/drawing/2014/main" id="{B0E0C843-357D-4ABC-9BF5-821708867C3C}"/>
+                <a16:creationId xmlns:a16="http://schemas.microsoft.com/office/drawing/2014/main" id="{C161AC7D-9235-4A56-9DBD-0A35EEF87042}"/>
               </a:ext>
             </a:extLst>
           </p:cNvPr>
@@ -9454,182 +9792,37 @@
             <p:ph idx="1"/>
           </p:nvPr>
         </p:nvSpPr>
-        <p:spPr>
-          <a:xfrm>
-            <a:off x="1069848" y="1930873"/>
-            <a:ext cx="10817352" cy="4780398"/>
-          </a:xfrm>
-        </p:spPr>
+        <p:spPr/>
         <p:txBody>
-          <a:bodyPr>
-            <a:normAutofit/>
-          </a:bodyPr>
+          <a:bodyPr/>
           <a:lstStyle/>
           <a:p>
-            <a:pPr marL="457200" indent="-457200">
-              <a:buFont typeface="+mj-lt"/>
-              <a:buAutoNum type="arabicPeriod"/>
-            </a:pPr>
-            <a:r>
-              <a:rPr lang="ru-RU" dirty="0"/>
-              <a:t>Старт оптимизации – построение плана выполнения запроса - </a:t>
-            </a:r>
-            <a:r>
-              <a:rPr lang="af-ZA" b="1" dirty="0"/>
-              <a:t>explain (analyze)</a:t>
-            </a:r>
-            <a:endParaRPr lang="ru-RU" b="1" dirty="0"/>
-          </a:p>
-          <a:p>
-            <a:pPr marL="457200" indent="-457200">
-              <a:buFont typeface="+mj-lt"/>
-              <a:buAutoNum type="arabicPeriod"/>
-            </a:pPr>
-            <a:r>
-              <a:rPr lang="ru-RU" dirty="0"/>
-              <a:t>Оптимальность запроса может зависеть от общей нагрузки на сервер – проверяем общие метрики</a:t>
-            </a:r>
-          </a:p>
-          <a:p>
-            <a:pPr marL="457200" indent="-457200">
-              <a:buFont typeface="+mj-lt"/>
-              <a:buAutoNum type="arabicPeriod"/>
-            </a:pPr>
-            <a:r>
-              <a:rPr lang="ru-RU" dirty="0"/>
-              <a:t>Индексы – это хорошо, если в меру</a:t>
-            </a:r>
-          </a:p>
-          <a:p>
-            <a:pPr marL="457200" indent="-457200">
-              <a:buFont typeface="+mj-lt"/>
-              <a:buAutoNum type="arabicPeriod"/>
-            </a:pPr>
-            <a:r>
-              <a:rPr lang="ru-RU" dirty="0"/>
-              <a:t>Проверяем вид </a:t>
-            </a:r>
-            <a:r>
-              <a:rPr lang="en-US" dirty="0"/>
-              <a:t>join</a:t>
-            </a:r>
-            <a:r>
-              <a:rPr lang="ru-RU" dirty="0"/>
-              <a:t> - нет </a:t>
-            </a:r>
-            <a:r>
-              <a:rPr lang="ru-RU" dirty="0" err="1"/>
-              <a:t>nested</a:t>
-            </a:r>
-            <a:r>
-              <a:rPr lang="ru-RU" dirty="0"/>
-              <a:t> </a:t>
-            </a:r>
-            <a:r>
-              <a:rPr lang="ru-RU" dirty="0" err="1"/>
-              <a:t>loop-ам</a:t>
-            </a:r>
-            <a:r>
-              <a:rPr lang="ru-RU" dirty="0"/>
-              <a:t> (кроме крайней необходимости)!</a:t>
-            </a:r>
-            <a:endParaRPr lang="en-US" dirty="0"/>
-          </a:p>
-          <a:p>
-            <a:pPr marL="457200" indent="-457200">
-              <a:buFont typeface="+mj-lt"/>
-              <a:buAutoNum type="arabicPeriod"/>
-            </a:pPr>
-            <a:r>
-              <a:rPr lang="en-US"/>
-              <a:t>Union </a:t>
-            </a:r>
-            <a:r>
-              <a:rPr lang="en-US" dirty="0"/>
-              <a:t>all</a:t>
-            </a:r>
-            <a:r>
-              <a:rPr lang="ru-RU" dirty="0"/>
-              <a:t> вместо </a:t>
-            </a:r>
-            <a:r>
-              <a:rPr lang="en-US" dirty="0"/>
-              <a:t>Union</a:t>
-            </a:r>
-          </a:p>
-          <a:p>
-            <a:pPr marL="457200" indent="-457200">
-              <a:buFont typeface="+mj-lt"/>
-              <a:buAutoNum type="arabicPeriod"/>
-            </a:pPr>
-            <a:r>
-              <a:rPr lang="ru-RU" dirty="0"/>
-              <a:t>В запросе много </a:t>
-            </a:r>
-            <a:r>
-              <a:rPr lang="en-US" dirty="0"/>
-              <a:t>join (&gt;10) –</a:t>
-            </a:r>
-            <a:r>
-              <a:rPr lang="ru-RU" dirty="0"/>
-              <a:t> приземляем промежуточный результат</a:t>
-            </a:r>
-          </a:p>
-          <a:p>
-            <a:pPr marL="457200" indent="-457200">
-              <a:buFont typeface="+mj-lt"/>
-              <a:buAutoNum type="arabicPeriod"/>
-            </a:pPr>
-            <a:r>
-              <a:rPr lang="ru-RU" dirty="0"/>
-              <a:t>Для промежуточных таблиц можно использовать </a:t>
-            </a:r>
-            <a:r>
-              <a:rPr lang="en-US" dirty="0"/>
-              <a:t>Unlogged</a:t>
+            <a:pPr lvl="0">
+              <a:buClr>
+                <a:srgbClr val="666666"/>
+              </a:buClr>
+              <a:buSzPct val="45000"/>
+              <a:buFont typeface="StarSymbol"/>
+              <a:buChar char="●"/>
+            </a:pPr>
+            <a:r>
+              <a:rPr lang="ru-RU" dirty="0">
+                <a:solidFill>
+                  <a:srgbClr val="000000"/>
+                </a:solidFill>
+                <a:ea typeface="DejaVu Sans" pitchFamily="2"/>
+                <a:cs typeface="DejaVu Sans" pitchFamily="2"/>
+              </a:rPr>
+              <a:t>Практика</a:t>
             </a:r>
             <a:endParaRPr lang="ru-RU" dirty="0"/>
-          </a:p>
-          <a:p>
-            <a:pPr marL="457200" indent="-457200">
-              <a:buFont typeface="+mj-lt"/>
-              <a:buAutoNum type="arabicPeriod"/>
-            </a:pPr>
-            <a:r>
-              <a:rPr lang="ru-RU" dirty="0"/>
-              <a:t>Изучаем особенности оптимизации в рамках той СУБД, с которой работаем</a:t>
-            </a:r>
-          </a:p>
-          <a:p>
-            <a:pPr marL="617220" lvl="1" indent="-342900">
-              <a:buFont typeface="+mj-lt"/>
-              <a:buAutoNum type="arabicPeriod"/>
-            </a:pPr>
-            <a:r>
-              <a:rPr lang="ru-RU" dirty="0"/>
-              <a:t>Teradata - нет необходимости удалять индекс при массовом изменении данных</a:t>
-            </a:r>
-          </a:p>
-          <a:p>
-            <a:pPr marL="617220" lvl="1" indent="-342900">
-              <a:buFont typeface="+mj-lt"/>
-              <a:buAutoNum type="arabicPeriod"/>
-            </a:pPr>
-            <a:r>
-              <a:rPr lang="en-US" dirty="0"/>
-              <a:t>Oracle - </a:t>
-            </a:r>
-            <a:r>
-              <a:rPr lang="ru-RU" dirty="0"/>
-              <a:t>множество хинтов для помощи оптимизатору</a:t>
-            </a:r>
           </a:p>
         </p:txBody>
       </p:sp>
     </p:spTree>
     <p:extLst>
       <p:ext uri="{BB962C8B-B14F-4D97-AF65-F5344CB8AC3E}">
-        <p14:creationId xmlns:p14="http://schemas.microsoft.com/office/powerpoint/2010/main" val="1967959849"/>
+        <p14:creationId xmlns:p14="http://schemas.microsoft.com/office/powerpoint/2010/main" val="1921711037"/>
       </p:ext>
     </p:extLst>
   </p:cSld>
@@ -9661,6 +9854,282 @@
           <p:cNvPr id="2" name="Title 1">
             <a:extLst>
               <a:ext uri="{FF2B5EF4-FFF2-40B4-BE49-F238E27FC236}">
+                <a16:creationId xmlns:a16="http://schemas.microsoft.com/office/drawing/2014/main" id="{9BB4425D-EFFE-4C7B-BAB3-696974B86ECB}"/>
+              </a:ext>
+            </a:extLst>
+          </p:cNvPr>
+          <p:cNvSpPr>
+            <a:spLocks noGrp="1"/>
+          </p:cNvSpPr>
+          <p:nvPr>
+            <p:ph type="title"/>
+          </p:nvPr>
+        </p:nvSpPr>
+        <p:spPr/>
+        <p:txBody>
+          <a:bodyPr>
+            <a:normAutofit/>
+          </a:bodyPr>
+          <a:lstStyle/>
+          <a:p>
+            <a:r>
+              <a:rPr lang="en-US" dirty="0">
+                <a:ea typeface="DejaVu Sans" pitchFamily="2"/>
+                <a:cs typeface="DejaVu Sans" pitchFamily="2"/>
+              </a:rPr>
+              <a:t>Оптимизация SQL</a:t>
+            </a:r>
+            <a:br>
+              <a:rPr lang="en-US" dirty="0">
+                <a:ea typeface="DejaVu Sans" pitchFamily="2"/>
+                <a:cs typeface="DejaVu Sans" pitchFamily="2"/>
+              </a:rPr>
+            </a:br>
+            <a:r>
+              <a:rPr lang="ru-RU" sz="2000" dirty="0">
+                <a:ea typeface="DejaVu Sans" pitchFamily="2"/>
+                <a:cs typeface="DejaVu Sans" pitchFamily="2"/>
+              </a:rPr>
+              <a:t>Итоги</a:t>
+            </a:r>
+            <a:endParaRPr lang="ru-RU" dirty="0"/>
+          </a:p>
+        </p:txBody>
+      </p:sp>
+      <p:sp>
+        <p:nvSpPr>
+          <p:cNvPr id="3" name="Content Placeholder 2">
+            <a:extLst>
+              <a:ext uri="{FF2B5EF4-FFF2-40B4-BE49-F238E27FC236}">
+                <a16:creationId xmlns:a16="http://schemas.microsoft.com/office/drawing/2014/main" id="{B0E0C843-357D-4ABC-9BF5-821708867C3C}"/>
+              </a:ext>
+            </a:extLst>
+          </p:cNvPr>
+          <p:cNvSpPr>
+            <a:spLocks noGrp="1"/>
+          </p:cNvSpPr>
+          <p:nvPr>
+            <p:ph idx="1"/>
+          </p:nvPr>
+        </p:nvSpPr>
+        <p:spPr>
+          <a:xfrm>
+            <a:off x="1069848" y="1930873"/>
+            <a:ext cx="10817352" cy="4780398"/>
+          </a:xfrm>
+        </p:spPr>
+        <p:txBody>
+          <a:bodyPr>
+            <a:normAutofit/>
+          </a:bodyPr>
+          <a:lstStyle/>
+          <a:p>
+            <a:pPr marL="457200" indent="-457200">
+              <a:buFont typeface="+mj-lt"/>
+              <a:buAutoNum type="arabicPeriod"/>
+            </a:pPr>
+            <a:r>
+              <a:rPr lang="ru-RU" dirty="0"/>
+              <a:t>Старт оптимизации – построение плана выполнения запроса - </a:t>
+            </a:r>
+            <a:r>
+              <a:rPr lang="af-ZA" b="1" dirty="0"/>
+              <a:t>explain (analyze)</a:t>
+            </a:r>
+            <a:endParaRPr lang="ru-RU" b="1" dirty="0"/>
+          </a:p>
+          <a:p>
+            <a:pPr marL="457200" indent="-457200">
+              <a:buFont typeface="+mj-lt"/>
+              <a:buAutoNum type="arabicPeriod"/>
+            </a:pPr>
+            <a:r>
+              <a:rPr lang="ru-RU" dirty="0"/>
+              <a:t>Оптимальность запроса может зависеть от общей нагрузки на сервер – проверяем общие метрики</a:t>
+            </a:r>
+          </a:p>
+          <a:p>
+            <a:pPr marL="457200" indent="-457200">
+              <a:buFont typeface="+mj-lt"/>
+              <a:buAutoNum type="arabicPeriod"/>
+            </a:pPr>
+            <a:r>
+              <a:rPr lang="ru-RU" dirty="0"/>
+              <a:t>Индексы – это хорошо, если в меру</a:t>
+            </a:r>
+            <a:endParaRPr lang="en-US" dirty="0"/>
+          </a:p>
+          <a:p>
+            <a:pPr marL="457200" indent="-457200">
+              <a:buFont typeface="+mj-lt"/>
+              <a:buAutoNum type="arabicPeriod"/>
+            </a:pPr>
+            <a:r>
+              <a:rPr lang="ru-RU" dirty="0" err="1"/>
+              <a:t>Партиции</a:t>
+            </a:r>
+            <a:r>
+              <a:rPr lang="ru-RU" dirty="0"/>
+              <a:t> – помощь для индексов для очень больших таблиц</a:t>
+            </a:r>
+          </a:p>
+          <a:p>
+            <a:pPr marL="457200" indent="-457200">
+              <a:buFont typeface="+mj-lt"/>
+              <a:buAutoNum type="arabicPeriod"/>
+            </a:pPr>
+            <a:r>
+              <a:rPr lang="ru-RU" dirty="0"/>
+              <a:t>Проверяем вид </a:t>
+            </a:r>
+            <a:r>
+              <a:rPr lang="en-US" dirty="0"/>
+              <a:t>join</a:t>
+            </a:r>
+            <a:r>
+              <a:rPr lang="ru-RU" dirty="0"/>
+              <a:t> - нет </a:t>
+            </a:r>
+            <a:r>
+              <a:rPr lang="ru-RU" dirty="0" err="1"/>
+              <a:t>nested</a:t>
+            </a:r>
+            <a:r>
+              <a:rPr lang="ru-RU" dirty="0"/>
+              <a:t> </a:t>
+            </a:r>
+            <a:r>
+              <a:rPr lang="ru-RU" dirty="0" err="1"/>
+              <a:t>loop-ам</a:t>
+            </a:r>
+            <a:r>
+              <a:rPr lang="ru-RU" dirty="0"/>
+              <a:t> (кроме крайней необходимости)!</a:t>
+            </a:r>
+            <a:endParaRPr lang="en-US" dirty="0"/>
+          </a:p>
+          <a:p>
+            <a:pPr marL="457200" indent="-457200">
+              <a:buFont typeface="+mj-lt"/>
+              <a:buAutoNum type="arabicPeriod"/>
+            </a:pPr>
+            <a:r>
+              <a:rPr lang="en-US" dirty="0"/>
+              <a:t>Union all</a:t>
+            </a:r>
+            <a:r>
+              <a:rPr lang="ru-RU" dirty="0"/>
+              <a:t> вместо </a:t>
+            </a:r>
+            <a:r>
+              <a:rPr lang="en-US" dirty="0"/>
+              <a:t>Union</a:t>
+            </a:r>
+          </a:p>
+          <a:p>
+            <a:pPr marL="457200" indent="-457200">
+              <a:buFont typeface="+mj-lt"/>
+              <a:buAutoNum type="arabicPeriod"/>
+            </a:pPr>
+            <a:r>
+              <a:rPr lang="ru-RU" dirty="0"/>
+              <a:t>В запросе много </a:t>
+            </a:r>
+            <a:r>
+              <a:rPr lang="en-US" dirty="0"/>
+              <a:t>join (&gt;10) –</a:t>
+            </a:r>
+            <a:r>
+              <a:rPr lang="ru-RU" dirty="0"/>
+              <a:t> приземляем промежуточный результат</a:t>
+            </a:r>
+          </a:p>
+          <a:p>
+            <a:pPr marL="457200" indent="-457200">
+              <a:buFont typeface="+mj-lt"/>
+              <a:buAutoNum type="arabicPeriod"/>
+            </a:pPr>
+            <a:r>
+              <a:rPr lang="ru-RU" dirty="0"/>
+              <a:t>Для промежуточных таблиц можно использовать </a:t>
+            </a:r>
+            <a:r>
+              <a:rPr lang="en-US" dirty="0"/>
+              <a:t>Unlogged</a:t>
+            </a:r>
+            <a:endParaRPr lang="ru-RU" dirty="0"/>
+          </a:p>
+          <a:p>
+            <a:pPr marL="457200" indent="-457200">
+              <a:buFont typeface="+mj-lt"/>
+              <a:buAutoNum type="arabicPeriod"/>
+            </a:pPr>
+            <a:r>
+              <a:rPr lang="ru-RU" dirty="0"/>
+              <a:t>Изучаем особенности оптимизации в рамках той СУБД, с которой работаем</a:t>
+            </a:r>
+          </a:p>
+          <a:p>
+            <a:pPr marL="617220" lvl="1" indent="-342900">
+              <a:buFont typeface="+mj-lt"/>
+              <a:buAutoNum type="arabicPeriod"/>
+            </a:pPr>
+            <a:r>
+              <a:rPr lang="ru-RU" dirty="0"/>
+              <a:t>Teradata - нет необходимости удалять индекс при массовом изменении данных</a:t>
+            </a:r>
+          </a:p>
+          <a:p>
+            <a:pPr marL="617220" lvl="1" indent="-342900">
+              <a:buFont typeface="+mj-lt"/>
+              <a:buAutoNum type="arabicPeriod"/>
+            </a:pPr>
+            <a:r>
+              <a:rPr lang="en-US" dirty="0"/>
+              <a:t>Oracle - </a:t>
+            </a:r>
+            <a:r>
+              <a:rPr lang="ru-RU" dirty="0"/>
+              <a:t>множество хинтов для помощи оптимизатору</a:t>
+            </a:r>
+          </a:p>
+        </p:txBody>
+      </p:sp>
+    </p:spTree>
+    <p:extLst>
+      <p:ext uri="{BB962C8B-B14F-4D97-AF65-F5344CB8AC3E}">
+        <p14:creationId xmlns:p14="http://schemas.microsoft.com/office/powerpoint/2010/main" val="1967959849"/>
+      </p:ext>
+    </p:extLst>
+  </p:cSld>
+  <p:clrMapOvr>
+    <a:masterClrMapping/>
+  </p:clrMapOvr>
+</p:sld>
+</file>
+
+<file path=ppt/slides/slide26.xml><?xml version="1.0" encoding="utf-8"?>
+<p:sld xmlns:a="http://schemas.openxmlformats.org/drawingml/2006/main" xmlns:r="http://schemas.openxmlformats.org/officeDocument/2006/relationships" xmlns:p="http://schemas.openxmlformats.org/presentationml/2006/main">
+  <p:cSld>
+    <p:spTree>
+      <p:nvGrpSpPr>
+        <p:cNvPr id="1" name=""/>
+        <p:cNvGrpSpPr/>
+        <p:nvPr/>
+      </p:nvGrpSpPr>
+      <p:grpSpPr>
+        <a:xfrm>
+          <a:off x="0" y="0"/>
+          <a:ext cx="0" cy="0"/>
+          <a:chOff x="0" y="0"/>
+          <a:chExt cx="0" cy="0"/>
+        </a:xfrm>
+      </p:grpSpPr>
+      <p:sp>
+        <p:nvSpPr>
+          <p:cNvPr id="2" name="Title 1">
+            <a:extLst>
+              <a:ext uri="{FF2B5EF4-FFF2-40B4-BE49-F238E27FC236}">
                 <a16:creationId xmlns:a16="http://schemas.microsoft.com/office/drawing/2014/main" id="{42DED8B5-3736-4F67-AF04-223CB6047EFE}"/>
               </a:ext>
             </a:extLst>
@@ -9837,7 +10306,7 @@
 </p:sld>
 </file>
 
-<file path=ppt/slides/slide26.xml><?xml version="1.0" encoding="utf-8"?>
+<file path=ppt/slides/slide27.xml><?xml version="1.0" encoding="utf-8"?>
 <p:sld xmlns:a="http://schemas.openxmlformats.org/drawingml/2006/main" xmlns:r="http://schemas.openxmlformats.org/officeDocument/2006/relationships" xmlns:p="http://schemas.openxmlformats.org/presentationml/2006/main">
   <p:cSld>
     <p:spTree>

--- a/presentation/Workshop.pptx
+++ b/presentation/Workshop.pptx
@@ -5,36 +5,40 @@
     <p:sldMasterId id="2147483744" r:id="rId1"/>
   </p:sldMasterIdLst>
   <p:notesMasterIdLst>
-    <p:notesMasterId r:id="rId29"/>
+    <p:notesMasterId r:id="rId33"/>
   </p:notesMasterIdLst>
   <p:sldIdLst>
     <p:sldId id="256" r:id="rId2"/>
     <p:sldId id="257" r:id="rId3"/>
     <p:sldId id="259" r:id="rId4"/>
     <p:sldId id="260" r:id="rId5"/>
-    <p:sldId id="286" r:id="rId6"/>
-    <p:sldId id="287" r:id="rId7"/>
-    <p:sldId id="262" r:id="rId8"/>
-    <p:sldId id="263" r:id="rId9"/>
-    <p:sldId id="264" r:id="rId10"/>
-    <p:sldId id="285" r:id="rId11"/>
-    <p:sldId id="291" r:id="rId12"/>
-    <p:sldId id="265" r:id="rId13"/>
-    <p:sldId id="266" r:id="rId14"/>
-    <p:sldId id="288" r:id="rId15"/>
-    <p:sldId id="280" r:id="rId16"/>
-    <p:sldId id="290" r:id="rId17"/>
-    <p:sldId id="268" r:id="rId18"/>
-    <p:sldId id="289" r:id="rId19"/>
-    <p:sldId id="267" r:id="rId20"/>
-    <p:sldId id="281" r:id="rId21"/>
-    <p:sldId id="269" r:id="rId22"/>
-    <p:sldId id="276" r:id="rId23"/>
-    <p:sldId id="270" r:id="rId24"/>
-    <p:sldId id="277" r:id="rId25"/>
-    <p:sldId id="279" r:id="rId26"/>
-    <p:sldId id="278" r:id="rId27"/>
-    <p:sldId id="272" r:id="rId28"/>
+    <p:sldId id="292" r:id="rId6"/>
+    <p:sldId id="286" r:id="rId7"/>
+    <p:sldId id="287" r:id="rId8"/>
+    <p:sldId id="262" r:id="rId9"/>
+    <p:sldId id="263" r:id="rId10"/>
+    <p:sldId id="264" r:id="rId11"/>
+    <p:sldId id="293" r:id="rId12"/>
+    <p:sldId id="285" r:id="rId13"/>
+    <p:sldId id="291" r:id="rId14"/>
+    <p:sldId id="294" r:id="rId15"/>
+    <p:sldId id="265" r:id="rId16"/>
+    <p:sldId id="266" r:id="rId17"/>
+    <p:sldId id="288" r:id="rId18"/>
+    <p:sldId id="280" r:id="rId19"/>
+    <p:sldId id="290" r:id="rId20"/>
+    <p:sldId id="268" r:id="rId21"/>
+    <p:sldId id="289" r:id="rId22"/>
+    <p:sldId id="267" r:id="rId23"/>
+    <p:sldId id="281" r:id="rId24"/>
+    <p:sldId id="269" r:id="rId25"/>
+    <p:sldId id="276" r:id="rId26"/>
+    <p:sldId id="270" r:id="rId27"/>
+    <p:sldId id="277" r:id="rId28"/>
+    <p:sldId id="295" r:id="rId29"/>
+    <p:sldId id="279" r:id="rId30"/>
+    <p:sldId id="278" r:id="rId31"/>
+    <p:sldId id="272" r:id="rId32"/>
   </p:sldIdLst>
   <p:sldSz cx="12192000" cy="6858000"/>
   <p:notesSz cx="6858000" cy="9144000"/>
@@ -223,7 +227,7 @@
           <a:p>
             <a:fld id="{14D614CB-68E3-488B-B59E-566D95FF5DEF}" type="datetimeFigureOut">
               <a:rPr lang="ru-RU" smtClean="0"/>
-              <a:t>01.05.2023</a:t>
+              <a:t>08.05.2023</a:t>
             </a:fld>
             <a:endParaRPr lang="ru-RU"/>
           </a:p>
@@ -556,7 +560,7 @@
           <a:p>
             <a:fld id="{4390FECD-63D5-4E8D-8073-22D76023750B}" type="slidenum">
               <a:rPr lang="ru-RU" smtClean="0"/>
-              <a:t>13</a:t>
+              <a:t>16</a:t>
             </a:fld>
             <a:endParaRPr lang="ru-RU"/>
           </a:p>
@@ -978,7 +982,7 @@
           <a:p>
             <a:fld id="{7CD77A28-62FA-4A1C-955D-4EB5AA405F1C}" type="datetimeFigureOut">
               <a:rPr lang="ru-RU" smtClean="0"/>
-              <a:t>01.05.2023</a:t>
+              <a:t>08.05.2023</a:t>
             </a:fld>
             <a:endParaRPr lang="ru-RU" dirty="0"/>
           </a:p>
@@ -1157,7 +1161,7 @@
           <a:p>
             <a:fld id="{7CD77A28-62FA-4A1C-955D-4EB5AA405F1C}" type="datetimeFigureOut">
               <a:rPr lang="ru-RU" smtClean="0"/>
-              <a:t>01.05.2023</a:t>
+              <a:t>08.05.2023</a:t>
             </a:fld>
             <a:endParaRPr lang="ru-RU" dirty="0"/>
           </a:p>
@@ -1337,7 +1341,7 @@
           <a:p>
             <a:fld id="{7CD77A28-62FA-4A1C-955D-4EB5AA405F1C}" type="datetimeFigureOut">
               <a:rPr lang="ru-RU" smtClean="0"/>
-              <a:t>01.05.2023</a:t>
+              <a:t>08.05.2023</a:t>
             </a:fld>
             <a:endParaRPr lang="ru-RU" dirty="0"/>
           </a:p>
@@ -1507,7 +1511,7 @@
           <a:p>
             <a:fld id="{7CD77A28-62FA-4A1C-955D-4EB5AA405F1C}" type="datetimeFigureOut">
               <a:rPr lang="ru-RU" smtClean="0"/>
-              <a:t>01.05.2023</a:t>
+              <a:t>08.05.2023</a:t>
             </a:fld>
             <a:endParaRPr lang="ru-RU" dirty="0"/>
           </a:p>
@@ -1820,7 +1824,7 @@
           <a:p>
             <a:fld id="{7CD77A28-62FA-4A1C-955D-4EB5AA405F1C}" type="datetimeFigureOut">
               <a:rPr lang="ru-RU" smtClean="0"/>
-              <a:t>01.05.2023</a:t>
+              <a:t>08.05.2023</a:t>
             </a:fld>
             <a:endParaRPr lang="ru-RU" dirty="0"/>
           </a:p>
@@ -2206,7 +2210,7 @@
           <a:p>
             <a:fld id="{7CD77A28-62FA-4A1C-955D-4EB5AA405F1C}" type="datetimeFigureOut">
               <a:rPr lang="ru-RU" smtClean="0"/>
-              <a:t>01.05.2023</a:t>
+              <a:t>08.05.2023</a:t>
             </a:fld>
             <a:endParaRPr lang="ru-RU" dirty="0"/>
           </a:p>
@@ -2640,7 +2644,7 @@
           <a:p>
             <a:fld id="{7CD77A28-62FA-4A1C-955D-4EB5AA405F1C}" type="datetimeFigureOut">
               <a:rPr lang="ru-RU" smtClean="0"/>
-              <a:t>01.05.2023</a:t>
+              <a:t>08.05.2023</a:t>
             </a:fld>
             <a:endParaRPr lang="ru-RU" dirty="0"/>
           </a:p>
@@ -2758,7 +2762,7 @@
           <a:p>
             <a:fld id="{7CD77A28-62FA-4A1C-955D-4EB5AA405F1C}" type="datetimeFigureOut">
               <a:rPr lang="ru-RU" smtClean="0"/>
-              <a:t>01.05.2023</a:t>
+              <a:t>08.05.2023</a:t>
             </a:fld>
             <a:endParaRPr lang="ru-RU" dirty="0"/>
           </a:p>
@@ -2853,7 +2857,7 @@
           <a:p>
             <a:fld id="{7CD77A28-62FA-4A1C-955D-4EB5AA405F1C}" type="datetimeFigureOut">
               <a:rPr lang="ru-RU" smtClean="0"/>
-              <a:t>01.05.2023</a:t>
+              <a:t>08.05.2023</a:t>
             </a:fld>
             <a:endParaRPr lang="ru-RU" dirty="0"/>
           </a:p>
@@ -3203,7 +3207,7 @@
           <a:p>
             <a:fld id="{7CD77A28-62FA-4A1C-955D-4EB5AA405F1C}" type="datetimeFigureOut">
               <a:rPr lang="ru-RU" smtClean="0"/>
-              <a:t>01.05.2023</a:t>
+              <a:t>08.05.2023</a:t>
             </a:fld>
             <a:endParaRPr lang="ru-RU" dirty="0"/>
           </a:p>
@@ -3627,7 +3631,7 @@
           <a:p>
             <a:fld id="{7CD77A28-62FA-4A1C-955D-4EB5AA405F1C}" type="datetimeFigureOut">
               <a:rPr lang="ru-RU" smtClean="0"/>
-              <a:t>01.05.2023</a:t>
+              <a:t>08.05.2023</a:t>
             </a:fld>
             <a:endParaRPr lang="ru-RU" dirty="0"/>
           </a:p>
@@ -3908,7 +3912,7 @@
           <a:p>
             <a:fld id="{7CD77A28-62FA-4A1C-955D-4EB5AA405F1C}" type="datetimeFigureOut">
               <a:rPr lang="ru-RU" smtClean="0"/>
-              <a:t>01.05.2023</a:t>
+              <a:t>08.05.2023</a:t>
             </a:fld>
             <a:endParaRPr lang="ru-RU" dirty="0"/>
           </a:p>
@@ -4532,7 +4536,12 @@
             <p:ph type="subTitle" idx="1"/>
           </p:nvPr>
         </p:nvSpPr>
-        <p:spPr/>
+        <p:spPr>
+          <a:xfrm>
+            <a:off x="1051560" y="4468031"/>
+            <a:ext cx="7891272" cy="1069848"/>
+          </a:xfrm>
+        </p:spPr>
         <p:txBody>
           <a:bodyPr/>
           <a:lstStyle/>
@@ -4576,7 +4585,7 @@
           <p:cNvPr id="2" name="Title 1">
             <a:extLst>
               <a:ext uri="{FF2B5EF4-FFF2-40B4-BE49-F238E27FC236}">
-                <a16:creationId xmlns:a16="http://schemas.microsoft.com/office/drawing/2014/main" id="{D54747B8-2F29-4458-8594-FEA33013D015}"/>
+                <a16:creationId xmlns:a16="http://schemas.microsoft.com/office/drawing/2014/main" id="{BB0F5990-A207-4027-B87F-9ACC91EAEC64}"/>
               </a:ext>
             </a:extLst>
           </p:cNvPr>
@@ -4589,18 +4598,30 @@
         </p:nvSpPr>
         <p:spPr/>
         <p:txBody>
-          <a:bodyPr/>
+          <a:bodyPr>
+            <a:normAutofit/>
+          </a:bodyPr>
           <a:lstStyle/>
           <a:p>
             <a:r>
-              <a:rPr lang="ru-RU" dirty="0">
-                <a:solidFill>
-                  <a:srgbClr val="000000"/>
-                </a:solidFill>
-                <a:ea typeface="DejaVu Sans" pitchFamily="2"/>
-                <a:cs typeface="DejaVu Sans" pitchFamily="2"/>
-              </a:rPr>
-              <a:t>Важность сбора статистики</a:t>
+              <a:rPr lang="en-US" dirty="0">
+                <a:ea typeface="DejaVu Sans" pitchFamily="2"/>
+                <a:cs typeface="DejaVu Sans" pitchFamily="2"/>
+              </a:rPr>
+              <a:t>Оптимизация SQL</a:t>
+            </a:r>
+            <a:br>
+              <a:rPr lang="en-US" dirty="0">
+                <a:ea typeface="DejaVu Sans" pitchFamily="2"/>
+                <a:cs typeface="DejaVu Sans" pitchFamily="2"/>
+              </a:rPr>
+            </a:br>
+            <a:r>
+              <a:rPr lang="en-US" sz="2000" dirty="0">
+                <a:ea typeface="DejaVu Sans" pitchFamily="2"/>
+                <a:cs typeface="DejaVu Sans" pitchFamily="2"/>
+              </a:rPr>
+              <a:t>Инструменты, используемые для оптимизации</a:t>
             </a:r>
             <a:endParaRPr lang="ru-RU" dirty="0"/>
           </a:p>
@@ -4611,7 +4632,7 @@
           <p:cNvPr id="3" name="Content Placeholder 2">
             <a:extLst>
               <a:ext uri="{FF2B5EF4-FFF2-40B4-BE49-F238E27FC236}">
-                <a16:creationId xmlns:a16="http://schemas.microsoft.com/office/drawing/2014/main" id="{FEBA346C-6587-4ABF-9864-B05E957EC64F}"/>
+                <a16:creationId xmlns:a16="http://schemas.microsoft.com/office/drawing/2014/main" id="{9271E39F-6D70-44FB-A16E-22DD53477CEC}"/>
               </a:ext>
             </a:extLst>
           </p:cNvPr>
@@ -4624,589 +4645,145 @@
         </p:nvSpPr>
         <p:spPr>
           <a:xfrm>
-            <a:off x="68425" y="1960969"/>
-            <a:ext cx="11664962" cy="5107096"/>
+            <a:off x="8303767" y="841248"/>
+            <a:ext cx="3786631" cy="4050792"/>
           </a:xfrm>
         </p:spPr>
         <p:txBody>
-          <a:bodyPr>
-            <a:normAutofit/>
-          </a:bodyPr>
+          <a:bodyPr/>
           <a:lstStyle/>
           <a:p>
-            <a:pPr lvl="1">
-              <a:buClr>
-                <a:srgbClr val="666666"/>
-              </a:buClr>
-              <a:buSzPct val="45000"/>
-              <a:buFont typeface="StarSymbol"/>
-              <a:buChar char="●"/>
-            </a:pPr>
-            <a:r>
-              <a:rPr lang="ru-RU" sz="2200" dirty="0">
-                <a:ea typeface="DejaVu Sans" pitchFamily="2"/>
-                <a:cs typeface="DejaVu Sans" pitchFamily="2"/>
-              </a:rPr>
-              <a:t>После большой порции изменений выполняем: </a:t>
-            </a:r>
-            <a:br>
-              <a:rPr lang="en-US" sz="2200" dirty="0">
-                <a:ea typeface="DejaVu Sans" pitchFamily="2"/>
-                <a:cs typeface="DejaVu Sans" pitchFamily="2"/>
-              </a:rPr>
-            </a:br>
-            <a:r>
-              <a:rPr lang="en-US" sz="2200" b="1" dirty="0" err="1">
-                <a:ea typeface="DejaVu Sans" pitchFamily="2"/>
-                <a:cs typeface="DejaVu Sans" pitchFamily="2"/>
-              </a:rPr>
-              <a:t>analyse</a:t>
-            </a:r>
-            <a:r>
-              <a:rPr lang="ru-RU" sz="2200" b="1" dirty="0">
+            <a:r>
+              <a:rPr lang="en-US" dirty="0" err="1">
+                <a:solidFill>
+                  <a:srgbClr val="000000"/>
+                </a:solidFill>
+                <a:ea typeface="DejaVu Sans" pitchFamily="2"/>
+                <a:cs typeface="DejaVu Sans" pitchFamily="2"/>
+              </a:rPr>
+              <a:t>Пример</a:t>
+            </a:r>
+            <a:r>
+              <a:rPr lang="en-US" dirty="0">
+                <a:solidFill>
+                  <a:srgbClr val="000000"/>
+                </a:solidFill>
                 <a:ea typeface="DejaVu Sans" pitchFamily="2"/>
                 <a:cs typeface="DejaVu Sans" pitchFamily="2"/>
               </a:rPr>
               <a:t> </a:t>
             </a:r>
             <a:r>
-              <a:rPr lang="ru-RU" sz="2200" dirty="0">
-                <a:ea typeface="DejaVu Sans" pitchFamily="2"/>
-                <a:cs typeface="DejaVu Sans" pitchFamily="2"/>
-              </a:rPr>
-              <a:t>– сбор статистики по таблицам</a:t>
-            </a:r>
-            <a:endParaRPr lang="en-US" sz="2200" dirty="0">
+              <a:rPr lang="en-US" dirty="0" err="1">
+                <a:solidFill>
+                  <a:srgbClr val="000000"/>
+                </a:solidFill>
+                <a:ea typeface="DejaVu Sans" pitchFamily="2"/>
+                <a:cs typeface="DejaVu Sans" pitchFamily="2"/>
+              </a:rPr>
+              <a:t>метрик</a:t>
+            </a:r>
+            <a:r>
+              <a:rPr lang="ru-RU" dirty="0">
+                <a:solidFill>
+                  <a:srgbClr val="000000"/>
+                </a:solidFill>
+                <a:ea typeface="DejaVu Sans" pitchFamily="2"/>
+                <a:cs typeface="DejaVu Sans" pitchFamily="2"/>
+              </a:rPr>
+              <a:t> (</a:t>
+            </a:r>
+            <a:r>
+              <a:rPr lang="en-US" dirty="0">
+                <a:solidFill>
+                  <a:srgbClr val="000000"/>
+                </a:solidFill>
+                <a:ea typeface="DejaVu Sans" pitchFamily="2"/>
+                <a:cs typeface="DejaVu Sans" pitchFamily="2"/>
+              </a:rPr>
+              <a:t>Grafana)</a:t>
+            </a:r>
+            <a:endParaRPr lang="ru-RU" dirty="0">
+              <a:solidFill>
+                <a:srgbClr val="000000"/>
+              </a:solidFill>
               <a:ea typeface="DejaVu Sans" pitchFamily="2"/>
               <a:cs typeface="DejaVu Sans" pitchFamily="2"/>
             </a:endParaRPr>
           </a:p>
           <a:p>
-            <a:pPr marL="274320" lvl="1" indent="0">
-              <a:buClr>
-                <a:srgbClr val="666666"/>
-              </a:buClr>
-              <a:buSzPct val="45000"/>
-              <a:buNone/>
-            </a:pPr>
-            <a:br>
-              <a:rPr lang="en-US" sz="2000" b="1" dirty="0">
-                <a:ea typeface="DejaVu Sans" pitchFamily="2"/>
-                <a:cs typeface="DejaVu Sans" pitchFamily="2"/>
-              </a:rPr>
-            </a:br>
-            <a:endParaRPr lang="ru-RU" sz="2000" b="1" dirty="0">
+            <a:r>
+              <a:rPr lang="en-US" dirty="0">
+                <a:solidFill>
+                  <a:srgbClr val="000000"/>
+                </a:solidFill>
+                <a:ea typeface="DejaVu Sans" pitchFamily="2"/>
+                <a:cs typeface="DejaVu Sans" pitchFamily="2"/>
+              </a:rPr>
+              <a:t>Select * from </a:t>
+            </a:r>
+            <a:r>
+              <a:rPr lang="en-US" dirty="0" err="1">
+                <a:solidFill>
+                  <a:srgbClr val="000000"/>
+                </a:solidFill>
+                <a:ea typeface="DejaVu Sans" pitchFamily="2"/>
+                <a:cs typeface="DejaVu Sans" pitchFamily="2"/>
+              </a:rPr>
+              <a:t>pg_stat_activity</a:t>
+            </a:r>
+            <a:endParaRPr lang="ru-RU" dirty="0">
+              <a:solidFill>
+                <a:srgbClr val="000000"/>
+              </a:solidFill>
               <a:ea typeface="DejaVu Sans" pitchFamily="2"/>
               <a:cs typeface="DejaVu Sans" pitchFamily="2"/>
             </a:endParaRPr>
           </a:p>
-          <a:p>
-            <a:pPr marL="274320" lvl="1" indent="0">
-              <a:buNone/>
-            </a:pPr>
-            <a:br>
-              <a:rPr lang="ru-RU" sz="2200" dirty="0"/>
-            </a:br>
-            <a:endParaRPr lang="ru-RU" sz="2200" dirty="0"/>
-          </a:p>
-          <a:p>
-            <a:pPr lvl="1"/>
-            <a:r>
-              <a:rPr lang="ru-RU" sz="2200" dirty="0"/>
-              <a:t>Результат собранной статистики содержится в таблицах </a:t>
-            </a:r>
-            <a:r>
-              <a:rPr lang="af-ZA" sz="2200" dirty="0"/>
-              <a:t>pg_class</a:t>
-            </a:r>
-            <a:r>
-              <a:rPr lang="ru-RU" sz="2200" dirty="0"/>
-              <a:t>(размер таблицы) и </a:t>
-            </a:r>
-            <a:r>
-              <a:rPr lang="af-ZA" sz="2200" dirty="0"/>
-              <a:t>pg_stats</a:t>
-            </a:r>
-            <a:r>
-              <a:rPr lang="ru-RU" sz="2200" dirty="0"/>
-              <a:t> (статистика по колонкам)</a:t>
-            </a:r>
-          </a:p>
-          <a:p>
-            <a:pPr marL="822960" lvl="3" indent="0">
-              <a:buNone/>
-            </a:pPr>
-            <a:r>
-              <a:rPr lang="en-US" sz="2000" dirty="0">
-                <a:solidFill>
-                  <a:srgbClr val="0070C0"/>
-                </a:solidFill>
-              </a:rPr>
-              <a:t>SELECT  </a:t>
-            </a:r>
-            <a:r>
-              <a:rPr lang="en-US" sz="2000" dirty="0" err="1">
-                <a:solidFill>
-                  <a:srgbClr val="0070C0"/>
-                </a:solidFill>
-              </a:rPr>
-              <a:t>relname</a:t>
-            </a:r>
-            <a:r>
-              <a:rPr lang="en-US" sz="2000" dirty="0">
-                <a:solidFill>
-                  <a:srgbClr val="0070C0"/>
-                </a:solidFill>
-              </a:rPr>
-              <a:t>, </a:t>
-            </a:r>
-            <a:r>
-              <a:rPr lang="en-US" sz="2000" dirty="0" err="1">
-                <a:solidFill>
-                  <a:srgbClr val="0070C0"/>
-                </a:solidFill>
-              </a:rPr>
-              <a:t>relkind</a:t>
-            </a:r>
-            <a:r>
-              <a:rPr lang="en-US" sz="2000" dirty="0">
-                <a:solidFill>
-                  <a:srgbClr val="0070C0"/>
-                </a:solidFill>
-              </a:rPr>
-              <a:t>, </a:t>
-            </a:r>
-            <a:r>
-              <a:rPr lang="en-US" sz="2000" dirty="0" err="1">
-                <a:solidFill>
-                  <a:srgbClr val="0070C0"/>
-                </a:solidFill>
-              </a:rPr>
-              <a:t>reltuples</a:t>
-            </a:r>
-            <a:r>
-              <a:rPr lang="en-US" sz="2000" dirty="0">
-                <a:solidFill>
-                  <a:srgbClr val="0070C0"/>
-                </a:solidFill>
-              </a:rPr>
-              <a:t>, </a:t>
-            </a:r>
-            <a:r>
-              <a:rPr lang="en-US" sz="2000" dirty="0" err="1">
-                <a:solidFill>
-                  <a:srgbClr val="0070C0"/>
-                </a:solidFill>
-              </a:rPr>
-              <a:t>relpages</a:t>
-            </a:r>
-            <a:endParaRPr lang="en-US" sz="2000" dirty="0">
-              <a:solidFill>
-                <a:srgbClr val="0070C0"/>
-              </a:solidFill>
-            </a:endParaRPr>
-          </a:p>
-          <a:p>
-            <a:pPr marL="822960" lvl="3" indent="0">
-              <a:buNone/>
-            </a:pPr>
-            <a:r>
-              <a:rPr lang="af-ZA" sz="2000" dirty="0">
-                <a:solidFill>
-                  <a:srgbClr val="0070C0"/>
-                </a:solidFill>
-              </a:rPr>
-              <a:t>FROM</a:t>
-            </a:r>
-            <a:r>
-              <a:rPr lang="en-US" sz="2000" dirty="0">
-                <a:solidFill>
-                  <a:srgbClr val="0070C0"/>
-                </a:solidFill>
-              </a:rPr>
-              <a:t> </a:t>
-            </a:r>
-            <a:r>
-              <a:rPr lang="en-US" sz="2000" dirty="0" err="1">
-                <a:solidFill>
-                  <a:srgbClr val="0070C0"/>
-                </a:solidFill>
-              </a:rPr>
-              <a:t>pg_class</a:t>
-            </a:r>
-            <a:r>
-              <a:rPr lang="en-US" sz="2000" dirty="0">
-                <a:solidFill>
-                  <a:srgbClr val="0070C0"/>
-                </a:solidFill>
-              </a:rPr>
-              <a:t> </a:t>
-            </a:r>
-            <a:r>
-              <a:rPr lang="af-ZA" sz="2000" dirty="0">
-                <a:solidFill>
-                  <a:srgbClr val="0070C0"/>
-                </a:solidFill>
-              </a:rPr>
-              <a:t>WHERE</a:t>
-            </a:r>
-            <a:r>
-              <a:rPr lang="en-US" sz="2000" dirty="0">
-                <a:solidFill>
-                  <a:srgbClr val="0070C0"/>
-                </a:solidFill>
-              </a:rPr>
-              <a:t> </a:t>
-            </a:r>
-            <a:r>
-              <a:rPr lang="en-US" sz="2000" dirty="0" err="1">
-                <a:solidFill>
-                  <a:srgbClr val="0070C0"/>
-                </a:solidFill>
-              </a:rPr>
-              <a:t>relname</a:t>
-            </a:r>
-            <a:r>
-              <a:rPr lang="en-US" sz="2000" dirty="0">
-                <a:solidFill>
-                  <a:srgbClr val="0070C0"/>
-                </a:solidFill>
-              </a:rPr>
-              <a:t> like 'block11%’;</a:t>
-            </a:r>
-          </a:p>
-          <a:p>
-            <a:pPr marL="822960" lvl="3" indent="0">
-              <a:buNone/>
-            </a:pPr>
-            <a:endParaRPr lang="ru-RU" sz="2000" dirty="0">
-              <a:solidFill>
-                <a:srgbClr val="0070C0"/>
-              </a:solidFill>
-            </a:endParaRPr>
-          </a:p>
-          <a:p>
-            <a:pPr marL="822960" lvl="3" indent="0">
-              <a:buNone/>
-            </a:pPr>
-            <a:r>
-              <a:rPr lang="en-US" sz="2000" dirty="0">
-                <a:solidFill>
-                  <a:srgbClr val="0070C0"/>
-                </a:solidFill>
-              </a:rPr>
-              <a:t>SELECT </a:t>
-            </a:r>
-            <a:r>
-              <a:rPr lang="en-US" sz="2000" dirty="0" err="1">
-                <a:solidFill>
-                  <a:srgbClr val="0070C0"/>
-                </a:solidFill>
-              </a:rPr>
-              <a:t>attname</a:t>
-            </a:r>
-            <a:r>
-              <a:rPr lang="en-US" sz="2000" dirty="0">
-                <a:solidFill>
-                  <a:srgbClr val="0070C0"/>
-                </a:solidFill>
-              </a:rPr>
-              <a:t>, </a:t>
-            </a:r>
-            <a:r>
-              <a:rPr lang="en-US" sz="2000" dirty="0" err="1">
-                <a:solidFill>
-                  <a:srgbClr val="0070C0"/>
-                </a:solidFill>
-              </a:rPr>
-              <a:t>n_distinct,array_to_string</a:t>
-            </a:r>
-            <a:r>
-              <a:rPr lang="en-US" sz="2000" dirty="0">
-                <a:solidFill>
-                  <a:srgbClr val="0070C0"/>
-                </a:solidFill>
-              </a:rPr>
-              <a:t>(</a:t>
-            </a:r>
-            <a:r>
-              <a:rPr lang="en-US" sz="2000" dirty="0" err="1">
-                <a:solidFill>
-                  <a:srgbClr val="0070C0"/>
-                </a:solidFill>
-              </a:rPr>
-              <a:t>most_common_vals</a:t>
-            </a:r>
-            <a:r>
-              <a:rPr lang="en-US" sz="2000" dirty="0">
-                <a:solidFill>
-                  <a:srgbClr val="0070C0"/>
-                </a:solidFill>
-              </a:rPr>
-              <a:t>, E'\n') as </a:t>
-            </a:r>
-            <a:r>
-              <a:rPr lang="en-US" sz="2000" dirty="0" err="1">
-                <a:solidFill>
-                  <a:srgbClr val="0070C0"/>
-                </a:solidFill>
-              </a:rPr>
-              <a:t>most_common_vals</a:t>
-            </a:r>
-            <a:endParaRPr lang="en-US" sz="2000" dirty="0">
-              <a:solidFill>
-                <a:srgbClr val="0070C0"/>
-              </a:solidFill>
-            </a:endParaRPr>
-          </a:p>
-          <a:p>
-            <a:pPr marL="822960" lvl="3" indent="0">
-              <a:buNone/>
-            </a:pPr>
-            <a:r>
-              <a:rPr lang="af-ZA" sz="2000" dirty="0">
-                <a:solidFill>
-                  <a:srgbClr val="0070C0"/>
-                </a:solidFill>
-              </a:rPr>
-              <a:t>FROM pg_stats</a:t>
-            </a:r>
-          </a:p>
-          <a:p>
-            <a:pPr marL="822960" lvl="3" indent="0">
-              <a:buNone/>
-            </a:pPr>
-            <a:r>
-              <a:rPr lang="af-ZA" sz="2000" dirty="0">
-                <a:solidFill>
-                  <a:srgbClr val="0070C0"/>
-                </a:solidFill>
-              </a:rPr>
-              <a:t>WHERE tablename = 'block11';</a:t>
-            </a:r>
-          </a:p>
-          <a:p>
-            <a:endParaRPr lang="ru-RU" dirty="0"/>
-          </a:p>
-          <a:p>
-            <a:pPr marL="274320" lvl="1" indent="0">
-              <a:buNone/>
-            </a:pPr>
-            <a:endParaRPr lang="ru-RU" sz="2200" dirty="0"/>
-          </a:p>
         </p:txBody>
       </p:sp>
-      <p:sp>
-        <p:nvSpPr>
-          <p:cNvPr id="6" name="Rectangle 3">
+      <p:pic>
+        <p:nvPicPr>
+          <p:cNvPr id="4" name="Picture 3">
             <a:extLst>
               <a:ext uri="{FF2B5EF4-FFF2-40B4-BE49-F238E27FC236}">
-                <a16:creationId xmlns:a16="http://schemas.microsoft.com/office/drawing/2014/main" id="{48EC642A-6BBE-4E1E-A506-8243E142F9B2}"/>
+                <a16:creationId xmlns:a16="http://schemas.microsoft.com/office/drawing/2014/main" id="{0ACB0840-CB3B-432C-B02D-8517C33384A6}"/>
               </a:ext>
             </a:extLst>
           </p:cNvPr>
-          <p:cNvSpPr>
-            <a:spLocks noChangeArrowheads="1"/>
-          </p:cNvSpPr>
+          <p:cNvPicPr>
+            <a:picLocks noChangeAspect="1"/>
+          </p:cNvPicPr>
           <p:nvPr/>
-        </p:nvSpPr>
-        <p:spPr bwMode="auto">
+        </p:nvPicPr>
+        <p:blipFill>
+          <a:blip r:embed="rId2">
+            <a:lum/>
+            <a:alphaModFix/>
+          </a:blip>
+          <a:srcRect/>
+          <a:stretch>
+            <a:fillRect/>
+          </a:stretch>
+        </p:blipFill>
+        <p:spPr>
           <a:xfrm>
-            <a:off x="940527" y="2782669"/>
-            <a:ext cx="8919429" cy="646331"/>
+            <a:off x="1157194" y="1857248"/>
+            <a:ext cx="10191525" cy="4919472"/>
           </a:xfrm>
           <a:prstGeom prst="rect">
             <a:avLst/>
           </a:prstGeom>
           <a:noFill/>
-          <a:ln>
+          <a:ln cap="flat">
             <a:noFill/>
           </a:ln>
-          <a:effectLst/>
-          <a:extLst>
-            <a:ext uri="{909E8E84-426E-40DD-AFC4-6F175D3DCCD1}">
-              <a14:hiddenFill xmlns:a14="http://schemas.microsoft.com/office/drawing/2010/main">
-                <a:solidFill>
-                  <a:schemeClr val="accent1"/>
-                </a:solidFill>
-              </a14:hiddenFill>
-            </a:ext>
-            <a:ext uri="{91240B29-F687-4F45-9708-019B960494DF}">
-              <a14:hiddenLine xmlns:a14="http://schemas.microsoft.com/office/drawing/2010/main" w="9525">
-                <a:solidFill>
-                  <a:schemeClr val="tx1"/>
-                </a:solidFill>
-                <a:miter lim="800000"/>
-                <a:headEnd/>
-                <a:tailEnd/>
-              </a14:hiddenLine>
-            </a:ext>
-            <a:ext uri="{AF507438-7753-43E0-B8FC-AC1667EBCBE1}">
-              <a14:hiddenEffects xmlns:a14="http://schemas.microsoft.com/office/drawing/2010/main">
-                <a:effectLst>
-                  <a:outerShdw dist="35921" dir="2700000" algn="ctr" rotWithShape="0">
-                    <a:schemeClr val="bg2"/>
-                  </a:outerShdw>
-                </a:effectLst>
-              </a14:hiddenEffects>
-            </a:ext>
-          </a:extLst>
         </p:spPr>
-        <p:txBody>
-          <a:bodyPr vert="horz" wrap="none" lIns="91440" tIns="45720" rIns="91440" bIns="45720" numCol="1" anchor="ctr" anchorCtr="0" compatLnSpc="1">
-            <a:prstTxWarp prst="textNoShape">
-              <a:avLst/>
-            </a:prstTxWarp>
-            <a:spAutoFit/>
-          </a:bodyPr>
-          <a:lstStyle/>
-          <a:p>
-            <a:pPr lvl="0" defTabSz="914400" eaLnBrk="0" fontAlgn="base" hangingPunct="0">
-              <a:spcBef>
-                <a:spcPct val="0"/>
-              </a:spcBef>
-              <a:spcAft>
-                <a:spcPct val="0"/>
-              </a:spcAft>
-            </a:pPr>
-            <a:r>
-              <a:rPr lang="ru-RU" altLang="ru-RU" b="1" dirty="0">
-                <a:solidFill>
-                  <a:srgbClr val="0070C0"/>
-                </a:solidFill>
-                <a:latin typeface="Courier New" panose="02070309020205020404" pitchFamily="49" charset="0"/>
-                <a:cs typeface="Courier New" panose="02070309020205020404" pitchFamily="49" charset="0"/>
-              </a:rPr>
-              <a:t>Синтаксис:</a:t>
-            </a:r>
-            <a:endParaRPr kumimoji="0" lang="en-US" altLang="ru-RU" b="0" i="0" u="none" strike="noStrike" cap="none" normalizeH="0" baseline="0" dirty="0">
-              <a:ln>
-                <a:noFill/>
-              </a:ln>
-              <a:solidFill>
-                <a:srgbClr val="0070C0"/>
-              </a:solidFill>
-              <a:effectLst/>
-              <a:latin typeface="Courier New" panose="02070309020205020404" pitchFamily="49" charset="0"/>
-              <a:cs typeface="Courier New" panose="02070309020205020404" pitchFamily="49" charset="0"/>
-            </a:endParaRPr>
-          </a:p>
-          <a:p>
-            <a:pPr marL="0" marR="0" lvl="0" indent="0" algn="l" defTabSz="914400" rtl="0" eaLnBrk="0" fontAlgn="base" latinLnBrk="0" hangingPunct="0">
-              <a:lnSpc>
-                <a:spcPct val="100000"/>
-              </a:lnSpc>
-              <a:spcBef>
-                <a:spcPct val="0"/>
-              </a:spcBef>
-              <a:spcAft>
-                <a:spcPct val="0"/>
-              </a:spcAft>
-              <a:buClrTx/>
-              <a:buSzTx/>
-              <a:buFontTx/>
-              <a:buNone/>
-              <a:tabLst/>
-            </a:pPr>
-            <a:r>
-              <a:rPr kumimoji="0" lang="ru-RU" altLang="ru-RU" b="0" i="0" u="none" strike="noStrike" cap="none" normalizeH="0" baseline="0" dirty="0">
-                <a:ln>
-                  <a:noFill/>
-                </a:ln>
-                <a:solidFill>
-                  <a:srgbClr val="0070C0"/>
-                </a:solidFill>
-                <a:effectLst/>
-                <a:latin typeface="Courier New" panose="02070309020205020404" pitchFamily="49" charset="0"/>
-                <a:cs typeface="Courier New" panose="02070309020205020404" pitchFamily="49" charset="0"/>
-              </a:rPr>
-              <a:t>ANALYZE [ VERBOSE ] [ </a:t>
-            </a:r>
-            <a:r>
-              <a:rPr kumimoji="0" lang="ru-RU" altLang="ru-RU" b="1" i="1" u="none" strike="noStrike" cap="none" normalizeH="0" baseline="0" dirty="0" err="1">
-                <a:ln>
-                  <a:noFill/>
-                </a:ln>
-                <a:solidFill>
-                  <a:srgbClr val="0070C0"/>
-                </a:solidFill>
-                <a:effectLst/>
-                <a:latin typeface="Courier New" panose="02070309020205020404" pitchFamily="49" charset="0"/>
-                <a:cs typeface="Courier New" panose="02070309020205020404" pitchFamily="49" charset="0"/>
-              </a:rPr>
-              <a:t>имя_таблицы</a:t>
-            </a:r>
-            <a:r>
-              <a:rPr kumimoji="0" lang="ru-RU" altLang="ru-RU" b="0" i="0" u="none" strike="noStrike" cap="none" normalizeH="0" baseline="0" dirty="0">
-                <a:ln>
-                  <a:noFill/>
-                </a:ln>
-                <a:solidFill>
-                  <a:srgbClr val="0070C0"/>
-                </a:solidFill>
-                <a:effectLst/>
-                <a:latin typeface="Courier New" panose="02070309020205020404" pitchFamily="49" charset="0"/>
-                <a:cs typeface="Courier New" panose="02070309020205020404" pitchFamily="49" charset="0"/>
-              </a:rPr>
-              <a:t> [ ( </a:t>
-            </a:r>
-            <a:r>
-              <a:rPr kumimoji="0" lang="ru-RU" altLang="ru-RU" b="1" i="1" u="none" strike="noStrike" cap="none" normalizeH="0" baseline="0" dirty="0" err="1">
-                <a:ln>
-                  <a:noFill/>
-                </a:ln>
-                <a:solidFill>
-                  <a:srgbClr val="0070C0"/>
-                </a:solidFill>
-                <a:effectLst/>
-                <a:latin typeface="Courier New" panose="02070309020205020404" pitchFamily="49" charset="0"/>
-                <a:cs typeface="Courier New" panose="02070309020205020404" pitchFamily="49" charset="0"/>
-              </a:rPr>
-              <a:t>имя_столбца</a:t>
-            </a:r>
-            <a:r>
-              <a:rPr kumimoji="0" lang="ru-RU" altLang="ru-RU" b="0" i="0" u="none" strike="noStrike" cap="none" normalizeH="0" baseline="0" dirty="0">
-                <a:ln>
-                  <a:noFill/>
-                </a:ln>
-                <a:solidFill>
-                  <a:srgbClr val="0070C0"/>
-                </a:solidFill>
-                <a:effectLst/>
-                <a:latin typeface="Courier New" panose="02070309020205020404" pitchFamily="49" charset="0"/>
-                <a:cs typeface="Courier New" panose="02070309020205020404" pitchFamily="49" charset="0"/>
-              </a:rPr>
-              <a:t> [, ...] ) ] ]</a:t>
-            </a:r>
-            <a:r>
-              <a:rPr kumimoji="0" lang="ru-RU" altLang="ru-RU" sz="1400" b="0" i="0" u="none" strike="noStrike" cap="none" normalizeH="0" baseline="0" dirty="0">
-                <a:ln>
-                  <a:noFill/>
-                </a:ln>
-                <a:solidFill>
-                  <a:srgbClr val="0070C0"/>
-                </a:solidFill>
-                <a:effectLst/>
-              </a:rPr>
-              <a:t> </a:t>
-            </a:r>
-            <a:endParaRPr kumimoji="0" lang="ru-RU" altLang="ru-RU" sz="4000" b="0" i="0" u="none" strike="noStrike" cap="none" normalizeH="0" baseline="0" dirty="0">
-              <a:ln>
-                <a:noFill/>
-              </a:ln>
-              <a:solidFill>
-                <a:srgbClr val="0070C0"/>
-              </a:solidFill>
-              <a:effectLst/>
-              <a:latin typeface="Arial" panose="020B0604020202020204" pitchFamily="34" charset="0"/>
-            </a:endParaRPr>
-          </a:p>
-        </p:txBody>
-      </p:sp>
+      </p:pic>
     </p:spTree>
     <p:extLst>
       <p:ext uri="{BB962C8B-B14F-4D97-AF65-F5344CB8AC3E}">
-        <p14:creationId xmlns:p14="http://schemas.microsoft.com/office/powerpoint/2010/main" val="689940861"/>
+        <p14:creationId xmlns:p14="http://schemas.microsoft.com/office/powerpoint/2010/main" val="32909193"/>
       </p:ext>
     </p:extLst>
   </p:cSld>
@@ -5238,6 +4815,75 @@
           <p:cNvPr id="2" name="Title 1">
             <a:extLst>
               <a:ext uri="{FF2B5EF4-FFF2-40B4-BE49-F238E27FC236}">
+                <a16:creationId xmlns:a16="http://schemas.microsoft.com/office/drawing/2014/main" id="{BE1292CA-4CE6-4039-946A-FBB997CAE971}"/>
+              </a:ext>
+            </a:extLst>
+          </p:cNvPr>
+          <p:cNvSpPr>
+            <a:spLocks noGrp="1"/>
+          </p:cNvSpPr>
+          <p:nvPr>
+            <p:ph type="title"/>
+          </p:nvPr>
+        </p:nvSpPr>
+        <p:spPr>
+          <a:xfrm>
+            <a:off x="859783" y="2399929"/>
+            <a:ext cx="10058400" cy="1609344"/>
+          </a:xfrm>
+        </p:spPr>
+        <p:txBody>
+          <a:bodyPr>
+            <a:normAutofit/>
+          </a:bodyPr>
+          <a:lstStyle/>
+          <a:p>
+            <a:r>
+              <a:rPr lang="ru-RU" dirty="0">
+                <a:ea typeface="DejaVu Sans" pitchFamily="2"/>
+                <a:cs typeface="DejaVu Sans" pitchFamily="2"/>
+              </a:rPr>
+              <a:t>Технические задачи оптимизации работы БД</a:t>
+            </a:r>
+            <a:endParaRPr lang="ru-RU" dirty="0"/>
+          </a:p>
+        </p:txBody>
+      </p:sp>
+    </p:spTree>
+    <p:extLst>
+      <p:ext uri="{BB962C8B-B14F-4D97-AF65-F5344CB8AC3E}">
+        <p14:creationId xmlns:p14="http://schemas.microsoft.com/office/powerpoint/2010/main" val="2563992208"/>
+      </p:ext>
+    </p:extLst>
+  </p:cSld>
+  <p:clrMapOvr>
+    <a:masterClrMapping/>
+  </p:clrMapOvr>
+</p:sld>
+</file>
+
+<file path=ppt/slides/slide12.xml><?xml version="1.0" encoding="utf-8"?>
+<p:sld xmlns:a="http://schemas.openxmlformats.org/drawingml/2006/main" xmlns:r="http://schemas.openxmlformats.org/officeDocument/2006/relationships" xmlns:p="http://schemas.openxmlformats.org/presentationml/2006/main">
+  <p:cSld>
+    <p:spTree>
+      <p:nvGrpSpPr>
+        <p:cNvPr id="1" name=""/>
+        <p:cNvGrpSpPr/>
+        <p:nvPr/>
+      </p:nvGrpSpPr>
+      <p:grpSpPr>
+        <a:xfrm>
+          <a:off x="0" y="0"/>
+          <a:ext cx="0" cy="0"/>
+          <a:chOff x="0" y="0"/>
+          <a:chExt cx="0" cy="0"/>
+        </a:xfrm>
+      </p:grpSpPr>
+      <p:sp>
+        <p:nvSpPr>
+          <p:cNvPr id="2" name="Title 1">
+            <a:extLst>
+              <a:ext uri="{FF2B5EF4-FFF2-40B4-BE49-F238E27FC236}">
                 <a16:creationId xmlns:a16="http://schemas.microsoft.com/office/drawing/2014/main" id="{D54747B8-2F29-4458-8594-FEA33013D015}"/>
               </a:ext>
             </a:extLst>
@@ -5262,17 +4908,7 @@
                 <a:ea typeface="DejaVu Sans" pitchFamily="2"/>
                 <a:cs typeface="DejaVu Sans" pitchFamily="2"/>
               </a:rPr>
-              <a:t>Важность </a:t>
-            </a:r>
-            <a:r>
-              <a:rPr lang="en-US" dirty="0">
-                <a:solidFill>
-                  <a:srgbClr val="000000"/>
-                </a:solidFill>
-                <a:ea typeface="DejaVu Sans" pitchFamily="2"/>
-                <a:cs typeface="DejaVu Sans" pitchFamily="2"/>
-              </a:rPr>
-              <a:t>vacuum</a:t>
+              <a:t>Сбор статистики</a:t>
             </a:r>
             <a:endParaRPr lang="ru-RU" dirty="0"/>
           </a:p>
@@ -5296,8 +4932,8 @@
         </p:nvSpPr>
         <p:spPr>
           <a:xfrm>
-            <a:off x="68425" y="1960968"/>
-            <a:ext cx="10058400" cy="4897031"/>
+            <a:off x="68425" y="1960969"/>
+            <a:ext cx="11664962" cy="5107096"/>
           </a:xfrm>
         </p:spPr>
         <p:txBody>
@@ -5315,95 +4951,40 @@
               <a:buChar char="●"/>
             </a:pPr>
             <a:r>
-              <a:rPr lang="ru-RU" sz="2000" dirty="0">
-                <a:ea typeface="DejaVu Sans" pitchFamily="2"/>
-                <a:cs typeface="DejaVu Sans" pitchFamily="2"/>
-              </a:rPr>
-              <a:t>VACUUM высвобождает пространство, занимаемое «мёртвыми» кортежами. При обычных операциях </a:t>
-            </a:r>
-            <a:r>
-              <a:rPr lang="ru-RU" sz="2000" dirty="0" err="1">
-                <a:ea typeface="DejaVu Sans" pitchFamily="2"/>
-                <a:cs typeface="DejaVu Sans" pitchFamily="2"/>
-              </a:rPr>
-              <a:t>Postgres</a:t>
-            </a:r>
-            <a:r>
-              <a:rPr lang="ru-RU" sz="2000" dirty="0">
-                <a:ea typeface="DejaVu Sans" pitchFamily="2"/>
-                <a:cs typeface="DejaVu Sans" pitchFamily="2"/>
-              </a:rPr>
-              <a:t> кортежи, удалённые или устаревшие в результате обновления, физически не удаляются из таблицы; они сохраняются в ней, пока не будет выполнена команда VACUUM.</a:t>
+              <a:rPr lang="ru-RU" sz="2200" dirty="0">
+                <a:ea typeface="DejaVu Sans" pitchFamily="2"/>
+                <a:cs typeface="DejaVu Sans" pitchFamily="2"/>
+              </a:rPr>
+              <a:t>После большой порции изменений выполняем: </a:t>
             </a:r>
             <a:br>
-              <a:rPr lang="en-US" sz="2000" dirty="0">
+              <a:rPr lang="en-US" sz="2200" dirty="0">
                 <a:ea typeface="DejaVu Sans" pitchFamily="2"/>
                 <a:cs typeface="DejaVu Sans" pitchFamily="2"/>
               </a:rPr>
             </a:br>
-            <a:endParaRPr lang="en-US" sz="2000" dirty="0">
-              <a:ea typeface="DejaVu Sans" pitchFamily="2"/>
-              <a:cs typeface="DejaVu Sans" pitchFamily="2"/>
-            </a:endParaRPr>
-          </a:p>
-          <a:p>
-            <a:pPr lvl="1">
-              <a:buClr>
-                <a:srgbClr val="666666"/>
-              </a:buClr>
-              <a:buSzPct val="45000"/>
-              <a:buFont typeface="StarSymbol"/>
-              <a:buChar char="●"/>
-            </a:pPr>
-            <a:r>
-              <a:rPr lang="ru-RU" sz="2000" dirty="0">
-                <a:ea typeface="DejaVu Sans" pitchFamily="2"/>
-                <a:cs typeface="DejaVu Sans" pitchFamily="2"/>
-              </a:rPr>
-              <a:t>После большого количества операций удалений/</a:t>
-            </a:r>
-            <a:r>
-              <a:rPr lang="ru-RU" sz="2000" dirty="0" err="1">
-                <a:ea typeface="DejaVu Sans" pitchFamily="2"/>
-                <a:cs typeface="DejaVu Sans" pitchFamily="2"/>
-              </a:rPr>
-              <a:t>апдейтов</a:t>
-            </a:r>
-            <a:r>
-              <a:rPr lang="ru-RU" sz="2000" dirty="0">
-                <a:ea typeface="DejaVu Sans" pitchFamily="2"/>
-                <a:cs typeface="DejaVu Sans" pitchFamily="2"/>
-              </a:rPr>
-              <a:t> выполняем:</a:t>
-            </a:r>
-            <a:br>
-              <a:rPr lang="en-US" sz="2000" dirty="0">
-                <a:ea typeface="DejaVu Sans" pitchFamily="2"/>
-                <a:cs typeface="DejaVu Sans" pitchFamily="2"/>
-              </a:rPr>
-            </a:br>
-            <a:r>
-              <a:rPr lang="ru-RU" sz="2000" b="1" dirty="0" err="1">
-                <a:ea typeface="DejaVu Sans" pitchFamily="2"/>
-                <a:cs typeface="DejaVu Sans" pitchFamily="2"/>
-              </a:rPr>
-              <a:t>vacuum</a:t>
-            </a:r>
-            <a:r>
-              <a:rPr lang="ru-RU" sz="2000" b="1" dirty="0">
+            <a:r>
+              <a:rPr lang="en-US" sz="2200" b="1" dirty="0" err="1">
+                <a:ea typeface="DejaVu Sans" pitchFamily="2"/>
+                <a:cs typeface="DejaVu Sans" pitchFamily="2"/>
+              </a:rPr>
+              <a:t>analyse</a:t>
+            </a:r>
+            <a:r>
+              <a:rPr lang="ru-RU" sz="2200" b="1" dirty="0">
                 <a:ea typeface="DejaVu Sans" pitchFamily="2"/>
                 <a:cs typeface="DejaVu Sans" pitchFamily="2"/>
               </a:rPr>
               <a:t> </a:t>
             </a:r>
             <a:r>
-              <a:rPr lang="ru-RU" sz="2000" dirty="0">
-                <a:ea typeface="DejaVu Sans" pitchFamily="2"/>
-                <a:cs typeface="DejaVu Sans" pitchFamily="2"/>
-              </a:rPr>
-              <a:t>– удаление промежуточных файлов</a:t>
-            </a:r>
-            <a:endParaRPr lang="en-US" sz="2000" dirty="0">
+              <a:rPr lang="ru-RU" sz="2200" dirty="0">
+                <a:ea typeface="DejaVu Sans" pitchFamily="2"/>
+                <a:cs typeface="DejaVu Sans" pitchFamily="2"/>
+              </a:rPr>
+              <a:t>– сбор статистики по таблицам</a:t>
+            </a:r>
+            <a:endParaRPr lang="en-US" sz="2200" dirty="0">
               <a:ea typeface="DejaVu Sans" pitchFamily="2"/>
               <a:cs typeface="DejaVu Sans" pitchFamily="2"/>
             </a:endParaRPr>
@@ -5416,66 +4997,319 @@
               <a:buSzPct val="45000"/>
               <a:buNone/>
             </a:pPr>
-            <a:endParaRPr lang="en-US" sz="2000" dirty="0">
+            <a:br>
+              <a:rPr lang="en-US" sz="2000" b="1" dirty="0">
+                <a:ea typeface="DejaVu Sans" pitchFamily="2"/>
+                <a:cs typeface="DejaVu Sans" pitchFamily="2"/>
+              </a:rPr>
+            </a:br>
+            <a:endParaRPr lang="ru-RU" sz="2000" b="1" dirty="0">
               <a:ea typeface="DejaVu Sans" pitchFamily="2"/>
               <a:cs typeface="DejaVu Sans" pitchFamily="2"/>
             </a:endParaRPr>
           </a:p>
           <a:p>
             <a:pPr marL="274320" lvl="1" indent="0">
-              <a:buClr>
-                <a:srgbClr val="666666"/>
-              </a:buClr>
-              <a:buSzPct val="45000"/>
-              <a:buNone/>
-            </a:pPr>
+              <a:buNone/>
+            </a:pPr>
+            <a:br>
+              <a:rPr lang="ru-RU" sz="2200" dirty="0"/>
+            </a:br>
+            <a:endParaRPr lang="ru-RU" sz="2200" dirty="0"/>
+          </a:p>
+          <a:p>
+            <a:pPr lvl="1"/>
+            <a:r>
+              <a:rPr lang="ru-RU" sz="2200" dirty="0"/>
+              <a:t>Результат собранной статистики содержится в таблицах </a:t>
+            </a:r>
+            <a:r>
+              <a:rPr lang="af-ZA" sz="2200" dirty="0"/>
+              <a:t>pg_class</a:t>
+            </a:r>
+            <a:r>
+              <a:rPr lang="ru-RU" sz="2200" dirty="0"/>
+              <a:t>(размер таблицы) и </a:t>
+            </a:r>
+            <a:r>
+              <a:rPr lang="af-ZA" sz="2200" dirty="0"/>
+              <a:t>pg_stats</a:t>
+            </a:r>
+            <a:r>
+              <a:rPr lang="ru-RU" sz="2200" dirty="0"/>
+              <a:t> (статистика по колонкам)</a:t>
+            </a:r>
+          </a:p>
+          <a:p>
+            <a:pPr marL="822960" lvl="3" indent="0">
+              <a:buNone/>
+            </a:pPr>
+            <a:r>
+              <a:rPr lang="en-US" sz="2000" dirty="0">
+                <a:solidFill>
+                  <a:srgbClr val="0070C0"/>
+                </a:solidFill>
+              </a:rPr>
+              <a:t>SELECT  </a:t>
+            </a:r>
+            <a:r>
+              <a:rPr lang="en-US" sz="2000" dirty="0" err="1">
+                <a:solidFill>
+                  <a:srgbClr val="0070C0"/>
+                </a:solidFill>
+              </a:rPr>
+              <a:t>relname</a:t>
+            </a:r>
+            <a:r>
+              <a:rPr lang="en-US" sz="2000" dirty="0">
+                <a:solidFill>
+                  <a:srgbClr val="0070C0"/>
+                </a:solidFill>
+              </a:rPr>
+              <a:t>, </a:t>
+            </a:r>
+            <a:r>
+              <a:rPr lang="en-US" sz="2000" dirty="0" err="1">
+                <a:solidFill>
+                  <a:srgbClr val="0070C0"/>
+                </a:solidFill>
+              </a:rPr>
+              <a:t>relkind</a:t>
+            </a:r>
+            <a:r>
+              <a:rPr lang="en-US" sz="2000" dirty="0">
+                <a:solidFill>
+                  <a:srgbClr val="0070C0"/>
+                </a:solidFill>
+              </a:rPr>
+              <a:t>, </a:t>
+            </a:r>
+            <a:r>
+              <a:rPr lang="en-US" sz="2000" dirty="0" err="1">
+                <a:solidFill>
+                  <a:srgbClr val="0070C0"/>
+                </a:solidFill>
+              </a:rPr>
+              <a:t>reltuples</a:t>
+            </a:r>
+            <a:r>
+              <a:rPr lang="en-US" sz="2000" dirty="0">
+                <a:solidFill>
+                  <a:srgbClr val="0070C0"/>
+                </a:solidFill>
+              </a:rPr>
+              <a:t>, </a:t>
+            </a:r>
+            <a:r>
+              <a:rPr lang="en-US" sz="2000" dirty="0" err="1">
+                <a:solidFill>
+                  <a:srgbClr val="0070C0"/>
+                </a:solidFill>
+              </a:rPr>
+              <a:t>relpages</a:t>
+            </a:r>
             <a:endParaRPr lang="en-US" sz="2000" dirty="0">
-              <a:ea typeface="DejaVu Sans" pitchFamily="2"/>
-              <a:cs typeface="DejaVu Sans" pitchFamily="2"/>
+              <a:solidFill>
+                <a:srgbClr val="0070C0"/>
+              </a:solidFill>
             </a:endParaRPr>
           </a:p>
           <a:p>
+            <a:pPr marL="822960" lvl="3" indent="0">
+              <a:buNone/>
+            </a:pPr>
+            <a:r>
+              <a:rPr lang="af-ZA" sz="2000" dirty="0">
+                <a:solidFill>
+                  <a:srgbClr val="0070C0"/>
+                </a:solidFill>
+              </a:rPr>
+              <a:t>FROM</a:t>
+            </a:r>
+            <a:r>
+              <a:rPr lang="en-US" sz="2000" dirty="0">
+                <a:solidFill>
+                  <a:srgbClr val="0070C0"/>
+                </a:solidFill>
+              </a:rPr>
+              <a:t> </a:t>
+            </a:r>
+            <a:r>
+              <a:rPr lang="en-US" sz="2000" dirty="0" err="1">
+                <a:solidFill>
+                  <a:srgbClr val="0070C0"/>
+                </a:solidFill>
+              </a:rPr>
+              <a:t>pg_class</a:t>
+            </a:r>
+            <a:r>
+              <a:rPr lang="en-US" sz="2000" dirty="0">
+                <a:solidFill>
+                  <a:srgbClr val="0070C0"/>
+                </a:solidFill>
+              </a:rPr>
+              <a:t> </a:t>
+            </a:r>
+            <a:r>
+              <a:rPr lang="af-ZA" sz="2000" dirty="0">
+                <a:solidFill>
+                  <a:srgbClr val="0070C0"/>
+                </a:solidFill>
+              </a:rPr>
+              <a:t>WHERE</a:t>
+            </a:r>
+            <a:r>
+              <a:rPr lang="en-US" sz="2000" dirty="0">
+                <a:solidFill>
+                  <a:srgbClr val="0070C0"/>
+                </a:solidFill>
+              </a:rPr>
+              <a:t> </a:t>
+            </a:r>
+            <a:r>
+              <a:rPr lang="en-US" sz="2000" dirty="0" err="1">
+                <a:solidFill>
+                  <a:srgbClr val="0070C0"/>
+                </a:solidFill>
+              </a:rPr>
+              <a:t>relname</a:t>
+            </a:r>
+            <a:r>
+              <a:rPr lang="en-US" sz="2000" dirty="0">
+                <a:solidFill>
+                  <a:srgbClr val="0070C0"/>
+                </a:solidFill>
+              </a:rPr>
+              <a:t> like 'block11%’;</a:t>
+            </a:r>
+          </a:p>
+          <a:p>
+            <a:pPr marL="822960" lvl="3" indent="0">
+              <a:buNone/>
+            </a:pPr>
+            <a:endParaRPr lang="ru-RU" sz="2000" dirty="0">
+              <a:solidFill>
+                <a:srgbClr val="0070C0"/>
+              </a:solidFill>
+            </a:endParaRPr>
+          </a:p>
+          <a:p>
+            <a:pPr marL="822960" lvl="3" indent="0">
+              <a:buNone/>
+            </a:pPr>
+            <a:r>
+              <a:rPr lang="en-US" sz="2000" dirty="0">
+                <a:solidFill>
+                  <a:srgbClr val="0070C0"/>
+                </a:solidFill>
+              </a:rPr>
+              <a:t>SELECT </a:t>
+            </a:r>
+            <a:r>
+              <a:rPr lang="en-US" sz="2000" dirty="0" err="1">
+                <a:solidFill>
+                  <a:srgbClr val="0070C0"/>
+                </a:solidFill>
+              </a:rPr>
+              <a:t>attname</a:t>
+            </a:r>
+            <a:r>
+              <a:rPr lang="en-US" sz="2000" dirty="0">
+                <a:solidFill>
+                  <a:srgbClr val="0070C0"/>
+                </a:solidFill>
+              </a:rPr>
+              <a:t>, </a:t>
+            </a:r>
+            <a:r>
+              <a:rPr lang="en-US" sz="2000" dirty="0" err="1">
+                <a:solidFill>
+                  <a:srgbClr val="0070C0"/>
+                </a:solidFill>
+              </a:rPr>
+              <a:t>n_distinct,array_to_string</a:t>
+            </a:r>
+            <a:r>
+              <a:rPr lang="en-US" sz="2000" dirty="0">
+                <a:solidFill>
+                  <a:srgbClr val="0070C0"/>
+                </a:solidFill>
+              </a:rPr>
+              <a:t>(</a:t>
+            </a:r>
+            <a:r>
+              <a:rPr lang="en-US" sz="2000" dirty="0" err="1">
+                <a:solidFill>
+                  <a:srgbClr val="0070C0"/>
+                </a:solidFill>
+              </a:rPr>
+              <a:t>most_common_vals</a:t>
+            </a:r>
+            <a:r>
+              <a:rPr lang="en-US" sz="2000" dirty="0">
+                <a:solidFill>
+                  <a:srgbClr val="0070C0"/>
+                </a:solidFill>
+              </a:rPr>
+              <a:t>, E'\n') as </a:t>
+            </a:r>
+            <a:r>
+              <a:rPr lang="en-US" sz="2000" dirty="0" err="1">
+                <a:solidFill>
+                  <a:srgbClr val="0070C0"/>
+                </a:solidFill>
+              </a:rPr>
+              <a:t>most_common_vals</a:t>
+            </a:r>
+            <a:endParaRPr lang="en-US" sz="2000" dirty="0">
+              <a:solidFill>
+                <a:srgbClr val="0070C0"/>
+              </a:solidFill>
+            </a:endParaRPr>
+          </a:p>
+          <a:p>
+            <a:pPr marL="822960" lvl="3" indent="0">
+              <a:buNone/>
+            </a:pPr>
+            <a:r>
+              <a:rPr lang="af-ZA" sz="2000" dirty="0">
+                <a:solidFill>
+                  <a:srgbClr val="0070C0"/>
+                </a:solidFill>
+              </a:rPr>
+              <a:t>FROM pg_stats</a:t>
+            </a:r>
+          </a:p>
+          <a:p>
+            <a:pPr marL="822960" lvl="3" indent="0">
+              <a:buNone/>
+            </a:pPr>
+            <a:r>
+              <a:rPr lang="af-ZA" sz="2000" dirty="0">
+                <a:solidFill>
+                  <a:srgbClr val="0070C0"/>
+                </a:solidFill>
+              </a:rPr>
+              <a:t>WHERE tablename = 'block11';</a:t>
+            </a:r>
+          </a:p>
+          <a:p>
+            <a:endParaRPr lang="ru-RU" dirty="0"/>
+          </a:p>
+          <a:p>
             <a:pPr marL="274320" lvl="1" indent="0">
-              <a:buClr>
-                <a:srgbClr val="666666"/>
-              </a:buClr>
-              <a:buSzPct val="45000"/>
-              <a:buNone/>
-            </a:pPr>
-            <a:endParaRPr lang="en-US" sz="2400" dirty="0">
-              <a:ea typeface="DejaVu Sans" pitchFamily="2"/>
-              <a:cs typeface="DejaVu Sans" pitchFamily="2"/>
-            </a:endParaRPr>
-          </a:p>
-          <a:p>
-            <a:pPr lvl="1">
-              <a:buClr>
-                <a:srgbClr val="666666"/>
-              </a:buClr>
-              <a:buSzPct val="45000"/>
-              <a:buFont typeface="StarSymbol"/>
-              <a:buChar char="●"/>
-            </a:pPr>
-            <a:r>
-              <a:rPr lang="ru-RU" sz="2000" dirty="0">
-                <a:ea typeface="DejaVu Sans" pitchFamily="2"/>
-                <a:cs typeface="DejaVu Sans" pitchFamily="2"/>
-              </a:rPr>
-              <a:t>VACUUM FULL переписывает всё содержимое таблицы в новый файл на диске, не содержащий ничего лишнего, что позволяет возвратить неиспользованное пространство операционной системе</a:t>
-            </a:r>
-            <a:endParaRPr lang="en-US" sz="2000" dirty="0">
-              <a:ea typeface="DejaVu Sans" pitchFamily="2"/>
-              <a:cs typeface="DejaVu Sans" pitchFamily="2"/>
-            </a:endParaRPr>
+              <a:buNone/>
+            </a:pPr>
+            <a:endParaRPr lang="ru-RU" sz="2200" dirty="0"/>
           </a:p>
         </p:txBody>
       </p:sp>
       <p:sp>
         <p:nvSpPr>
-          <p:cNvPr id="5" name="Rectangle 2">
+          <p:cNvPr id="6" name="Rectangle 3">
             <a:extLst>
               <a:ext uri="{FF2B5EF4-FFF2-40B4-BE49-F238E27FC236}">
-                <a16:creationId xmlns:a16="http://schemas.microsoft.com/office/drawing/2014/main" id="{0A58A53A-587B-4BCF-97BE-F73BB901D111}"/>
+                <a16:creationId xmlns:a16="http://schemas.microsoft.com/office/drawing/2014/main" id="{48EC642A-6BBE-4E1E-A506-8243E142F9B2}"/>
               </a:ext>
             </a:extLst>
           </p:cNvPr>
@@ -5486,8 +5320,8 @@
         </p:nvSpPr>
         <p:spPr bwMode="auto">
           <a:xfrm>
-            <a:off x="483326" y="4257264"/>
-            <a:ext cx="10987303" cy="646331"/>
+            <a:off x="940527" y="2782669"/>
+            <a:ext cx="8919429" cy="646331"/>
           </a:xfrm>
           <a:prstGeom prst="rect">
             <a:avLst/>
@@ -5535,6 +5369,37 @@
           </a:bodyPr>
           <a:lstStyle/>
           <a:p>
+            <a:pPr lvl="0" defTabSz="914400" eaLnBrk="0" fontAlgn="base" hangingPunct="0">
+              <a:spcBef>
+                <a:spcPct val="0"/>
+              </a:spcBef>
+              <a:spcAft>
+                <a:spcPct val="0"/>
+              </a:spcAft>
+            </a:pPr>
+            <a:r>
+              <a:rPr lang="ru-RU" altLang="ru-RU" b="1" dirty="0">
+                <a:solidFill>
+                  <a:srgbClr val="0070C0"/>
+                </a:solidFill>
+                <a:latin typeface="Courier New" panose="02070309020205020404" pitchFamily="49" charset="0"/>
+                <a:cs typeface="Courier New" panose="02070309020205020404" pitchFamily="49" charset="0"/>
+              </a:rPr>
+              <a:t>Синтаксис:</a:t>
+            </a:r>
+            <a:endParaRPr kumimoji="0" lang="en-US" altLang="ru-RU" b="0" i="0" u="none" strike="noStrike" cap="none" normalizeH="0" baseline="0" dirty="0">
+              <a:ln>
+                <a:noFill/>
+              </a:ln>
+              <a:solidFill>
+                <a:srgbClr val="0070C0"/>
+              </a:solidFill>
+              <a:effectLst/>
+              <a:latin typeface="Courier New" panose="02070309020205020404" pitchFamily="49" charset="0"/>
+              <a:cs typeface="Courier New" panose="02070309020205020404" pitchFamily="49" charset="0"/>
+            </a:endParaRPr>
+          </a:p>
+          <a:p>
             <a:pPr marL="0" marR="0" lvl="0" indent="0" algn="l" defTabSz="914400" rtl="0" eaLnBrk="0" fontAlgn="base" latinLnBrk="0" hangingPunct="0">
               <a:lnSpc>
                 <a:spcPct val="100000"/>
@@ -5552,6 +5417,439 @@
               <a:tabLst/>
             </a:pPr>
             <a:r>
+              <a:rPr kumimoji="0" lang="ru-RU" altLang="ru-RU" b="0" i="0" u="none" strike="noStrike" cap="none" normalizeH="0" baseline="0" dirty="0">
+                <a:ln>
+                  <a:noFill/>
+                </a:ln>
+                <a:solidFill>
+                  <a:srgbClr val="0070C0"/>
+                </a:solidFill>
+                <a:effectLst/>
+                <a:latin typeface="Courier New" panose="02070309020205020404" pitchFamily="49" charset="0"/>
+                <a:cs typeface="Courier New" panose="02070309020205020404" pitchFamily="49" charset="0"/>
+              </a:rPr>
+              <a:t>ANALYZE [ VERBOSE ] [ </a:t>
+            </a:r>
+            <a:r>
+              <a:rPr kumimoji="0" lang="ru-RU" altLang="ru-RU" b="1" i="1" u="none" strike="noStrike" cap="none" normalizeH="0" baseline="0" dirty="0" err="1">
+                <a:ln>
+                  <a:noFill/>
+                </a:ln>
+                <a:solidFill>
+                  <a:srgbClr val="0070C0"/>
+                </a:solidFill>
+                <a:effectLst/>
+                <a:latin typeface="Courier New" panose="02070309020205020404" pitchFamily="49" charset="0"/>
+                <a:cs typeface="Courier New" panose="02070309020205020404" pitchFamily="49" charset="0"/>
+              </a:rPr>
+              <a:t>имя_таблицы</a:t>
+            </a:r>
+            <a:r>
+              <a:rPr kumimoji="0" lang="ru-RU" altLang="ru-RU" b="0" i="0" u="none" strike="noStrike" cap="none" normalizeH="0" baseline="0" dirty="0">
+                <a:ln>
+                  <a:noFill/>
+                </a:ln>
+                <a:solidFill>
+                  <a:srgbClr val="0070C0"/>
+                </a:solidFill>
+                <a:effectLst/>
+                <a:latin typeface="Courier New" panose="02070309020205020404" pitchFamily="49" charset="0"/>
+                <a:cs typeface="Courier New" panose="02070309020205020404" pitchFamily="49" charset="0"/>
+              </a:rPr>
+              <a:t> [ ( </a:t>
+            </a:r>
+            <a:r>
+              <a:rPr kumimoji="0" lang="ru-RU" altLang="ru-RU" b="1" i="1" u="none" strike="noStrike" cap="none" normalizeH="0" baseline="0" dirty="0" err="1">
+                <a:ln>
+                  <a:noFill/>
+                </a:ln>
+                <a:solidFill>
+                  <a:srgbClr val="0070C0"/>
+                </a:solidFill>
+                <a:effectLst/>
+                <a:latin typeface="Courier New" panose="02070309020205020404" pitchFamily="49" charset="0"/>
+                <a:cs typeface="Courier New" panose="02070309020205020404" pitchFamily="49" charset="0"/>
+              </a:rPr>
+              <a:t>имя_столбца</a:t>
+            </a:r>
+            <a:r>
+              <a:rPr kumimoji="0" lang="ru-RU" altLang="ru-RU" b="0" i="0" u="none" strike="noStrike" cap="none" normalizeH="0" baseline="0" dirty="0">
+                <a:ln>
+                  <a:noFill/>
+                </a:ln>
+                <a:solidFill>
+                  <a:srgbClr val="0070C0"/>
+                </a:solidFill>
+                <a:effectLst/>
+                <a:latin typeface="Courier New" panose="02070309020205020404" pitchFamily="49" charset="0"/>
+                <a:cs typeface="Courier New" panose="02070309020205020404" pitchFamily="49" charset="0"/>
+              </a:rPr>
+              <a:t> [, ...] ) ] ]</a:t>
+            </a:r>
+            <a:r>
+              <a:rPr kumimoji="0" lang="ru-RU" altLang="ru-RU" sz="1400" b="0" i="0" u="none" strike="noStrike" cap="none" normalizeH="0" baseline="0" dirty="0">
+                <a:ln>
+                  <a:noFill/>
+                </a:ln>
+                <a:solidFill>
+                  <a:srgbClr val="0070C0"/>
+                </a:solidFill>
+                <a:effectLst/>
+              </a:rPr>
+              <a:t> </a:t>
+            </a:r>
+            <a:endParaRPr kumimoji="0" lang="ru-RU" altLang="ru-RU" sz="4000" b="0" i="0" u="none" strike="noStrike" cap="none" normalizeH="0" baseline="0" dirty="0">
+              <a:ln>
+                <a:noFill/>
+              </a:ln>
+              <a:solidFill>
+                <a:srgbClr val="0070C0"/>
+              </a:solidFill>
+              <a:effectLst/>
+              <a:latin typeface="Arial" panose="020B0604020202020204" pitchFamily="34" charset="0"/>
+            </a:endParaRPr>
+          </a:p>
+        </p:txBody>
+      </p:sp>
+    </p:spTree>
+    <p:extLst>
+      <p:ext uri="{BB962C8B-B14F-4D97-AF65-F5344CB8AC3E}">
+        <p14:creationId xmlns:p14="http://schemas.microsoft.com/office/powerpoint/2010/main" val="689940861"/>
+      </p:ext>
+    </p:extLst>
+  </p:cSld>
+  <p:clrMapOvr>
+    <a:masterClrMapping/>
+  </p:clrMapOvr>
+</p:sld>
+</file>
+
+<file path=ppt/slides/slide13.xml><?xml version="1.0" encoding="utf-8"?>
+<p:sld xmlns:a="http://schemas.openxmlformats.org/drawingml/2006/main" xmlns:r="http://schemas.openxmlformats.org/officeDocument/2006/relationships" xmlns:p="http://schemas.openxmlformats.org/presentationml/2006/main">
+  <p:cSld>
+    <p:spTree>
+      <p:nvGrpSpPr>
+        <p:cNvPr id="1" name=""/>
+        <p:cNvGrpSpPr/>
+        <p:nvPr/>
+      </p:nvGrpSpPr>
+      <p:grpSpPr>
+        <a:xfrm>
+          <a:off x="0" y="0"/>
+          <a:ext cx="0" cy="0"/>
+          <a:chOff x="0" y="0"/>
+          <a:chExt cx="0" cy="0"/>
+        </a:xfrm>
+      </p:grpSpPr>
+      <p:sp>
+        <p:nvSpPr>
+          <p:cNvPr id="2" name="Title 1">
+            <a:extLst>
+              <a:ext uri="{FF2B5EF4-FFF2-40B4-BE49-F238E27FC236}">
+                <a16:creationId xmlns:a16="http://schemas.microsoft.com/office/drawing/2014/main" id="{D54747B8-2F29-4458-8594-FEA33013D015}"/>
+              </a:ext>
+            </a:extLst>
+          </p:cNvPr>
+          <p:cNvSpPr>
+            <a:spLocks noGrp="1"/>
+          </p:cNvSpPr>
+          <p:nvPr>
+            <p:ph type="title"/>
+          </p:nvPr>
+        </p:nvSpPr>
+        <p:spPr/>
+        <p:txBody>
+          <a:bodyPr/>
+          <a:lstStyle/>
+          <a:p>
+            <a:r>
+              <a:rPr lang="en-US" dirty="0">
+                <a:solidFill>
+                  <a:srgbClr val="000000"/>
+                </a:solidFill>
+                <a:ea typeface="DejaVu Sans" pitchFamily="2"/>
+                <a:cs typeface="DejaVu Sans" pitchFamily="2"/>
+              </a:rPr>
+              <a:t>Vacuum</a:t>
+            </a:r>
+            <a:endParaRPr lang="ru-RU" dirty="0"/>
+          </a:p>
+        </p:txBody>
+      </p:sp>
+      <p:sp>
+        <p:nvSpPr>
+          <p:cNvPr id="3" name="Content Placeholder 2">
+            <a:extLst>
+              <a:ext uri="{FF2B5EF4-FFF2-40B4-BE49-F238E27FC236}">
+                <a16:creationId xmlns:a16="http://schemas.microsoft.com/office/drawing/2014/main" id="{FEBA346C-6587-4ABF-9864-B05E957EC64F}"/>
+              </a:ext>
+            </a:extLst>
+          </p:cNvPr>
+          <p:cNvSpPr>
+            <a:spLocks noGrp="1"/>
+          </p:cNvSpPr>
+          <p:nvPr>
+            <p:ph idx="1"/>
+          </p:nvPr>
+        </p:nvSpPr>
+        <p:spPr>
+          <a:xfrm>
+            <a:off x="68425" y="1960968"/>
+            <a:ext cx="10058400" cy="4897031"/>
+          </a:xfrm>
+        </p:spPr>
+        <p:txBody>
+          <a:bodyPr>
+            <a:normAutofit/>
+          </a:bodyPr>
+          <a:lstStyle/>
+          <a:p>
+            <a:pPr lvl="1">
+              <a:buClr>
+                <a:srgbClr val="666666"/>
+              </a:buClr>
+              <a:buSzPct val="45000"/>
+              <a:buFont typeface="StarSymbol"/>
+              <a:buChar char="●"/>
+            </a:pPr>
+            <a:r>
+              <a:rPr lang="ru-RU" sz="2000" dirty="0">
+                <a:ea typeface="DejaVu Sans" pitchFamily="2"/>
+                <a:cs typeface="DejaVu Sans" pitchFamily="2"/>
+              </a:rPr>
+              <a:t>VACUUM высвобождает пространство, занимаемое «мёртвыми» кортежами. При обычных операциях </a:t>
+            </a:r>
+            <a:r>
+              <a:rPr lang="ru-RU" sz="2000" dirty="0" err="1">
+                <a:ea typeface="DejaVu Sans" pitchFamily="2"/>
+                <a:cs typeface="DejaVu Sans" pitchFamily="2"/>
+              </a:rPr>
+              <a:t>Postgres</a:t>
+            </a:r>
+            <a:r>
+              <a:rPr lang="ru-RU" sz="2000" dirty="0">
+                <a:ea typeface="DejaVu Sans" pitchFamily="2"/>
+                <a:cs typeface="DejaVu Sans" pitchFamily="2"/>
+              </a:rPr>
+              <a:t> кортежи, удалённые или устаревшие в результате обновления, физически не удаляются из таблицы; они сохраняются в ней, пока не будет выполнена команда VACUUM.</a:t>
+            </a:r>
+            <a:br>
+              <a:rPr lang="en-US" sz="2000" dirty="0">
+                <a:ea typeface="DejaVu Sans" pitchFamily="2"/>
+                <a:cs typeface="DejaVu Sans" pitchFamily="2"/>
+              </a:rPr>
+            </a:br>
+            <a:endParaRPr lang="en-US" sz="2000" dirty="0">
+              <a:ea typeface="DejaVu Sans" pitchFamily="2"/>
+              <a:cs typeface="DejaVu Sans" pitchFamily="2"/>
+            </a:endParaRPr>
+          </a:p>
+          <a:p>
+            <a:pPr lvl="1">
+              <a:buClr>
+                <a:srgbClr val="666666"/>
+              </a:buClr>
+              <a:buSzPct val="45000"/>
+              <a:buFont typeface="StarSymbol"/>
+              <a:buChar char="●"/>
+            </a:pPr>
+            <a:r>
+              <a:rPr lang="ru-RU" sz="2000" dirty="0">
+                <a:ea typeface="DejaVu Sans" pitchFamily="2"/>
+                <a:cs typeface="DejaVu Sans" pitchFamily="2"/>
+              </a:rPr>
+              <a:t>После большого количества операций удалений/</a:t>
+            </a:r>
+            <a:r>
+              <a:rPr lang="ru-RU" sz="2000" dirty="0" err="1">
+                <a:ea typeface="DejaVu Sans" pitchFamily="2"/>
+                <a:cs typeface="DejaVu Sans" pitchFamily="2"/>
+              </a:rPr>
+              <a:t>апдейтов</a:t>
+            </a:r>
+            <a:r>
+              <a:rPr lang="ru-RU" sz="2000" dirty="0">
+                <a:ea typeface="DejaVu Sans" pitchFamily="2"/>
+                <a:cs typeface="DejaVu Sans" pitchFamily="2"/>
+              </a:rPr>
+              <a:t> выполняем:</a:t>
+            </a:r>
+            <a:br>
+              <a:rPr lang="en-US" sz="2000" dirty="0">
+                <a:ea typeface="DejaVu Sans" pitchFamily="2"/>
+                <a:cs typeface="DejaVu Sans" pitchFamily="2"/>
+              </a:rPr>
+            </a:br>
+            <a:r>
+              <a:rPr lang="ru-RU" sz="2000" b="1" dirty="0" err="1">
+                <a:ea typeface="DejaVu Sans" pitchFamily="2"/>
+                <a:cs typeface="DejaVu Sans" pitchFamily="2"/>
+              </a:rPr>
+              <a:t>vacuum</a:t>
+            </a:r>
+            <a:r>
+              <a:rPr lang="ru-RU" sz="2000" b="1" dirty="0">
+                <a:ea typeface="DejaVu Sans" pitchFamily="2"/>
+                <a:cs typeface="DejaVu Sans" pitchFamily="2"/>
+              </a:rPr>
+              <a:t> </a:t>
+            </a:r>
+            <a:r>
+              <a:rPr lang="ru-RU" sz="2000" dirty="0">
+                <a:ea typeface="DejaVu Sans" pitchFamily="2"/>
+                <a:cs typeface="DejaVu Sans" pitchFamily="2"/>
+              </a:rPr>
+              <a:t>– удаление промежуточных файлов</a:t>
+            </a:r>
+            <a:endParaRPr lang="en-US" sz="2000" dirty="0">
+              <a:ea typeface="DejaVu Sans" pitchFamily="2"/>
+              <a:cs typeface="DejaVu Sans" pitchFamily="2"/>
+            </a:endParaRPr>
+          </a:p>
+          <a:p>
+            <a:pPr marL="274320" lvl="1" indent="0">
+              <a:buClr>
+                <a:srgbClr val="666666"/>
+              </a:buClr>
+              <a:buSzPct val="45000"/>
+              <a:buNone/>
+            </a:pPr>
+            <a:endParaRPr lang="en-US" sz="2000" dirty="0">
+              <a:ea typeface="DejaVu Sans" pitchFamily="2"/>
+              <a:cs typeface="DejaVu Sans" pitchFamily="2"/>
+            </a:endParaRPr>
+          </a:p>
+          <a:p>
+            <a:pPr marL="274320" lvl="1" indent="0">
+              <a:buClr>
+                <a:srgbClr val="666666"/>
+              </a:buClr>
+              <a:buSzPct val="45000"/>
+              <a:buNone/>
+            </a:pPr>
+            <a:endParaRPr lang="en-US" sz="2000" dirty="0">
+              <a:ea typeface="DejaVu Sans" pitchFamily="2"/>
+              <a:cs typeface="DejaVu Sans" pitchFamily="2"/>
+            </a:endParaRPr>
+          </a:p>
+          <a:p>
+            <a:pPr marL="274320" lvl="1" indent="0">
+              <a:buClr>
+                <a:srgbClr val="666666"/>
+              </a:buClr>
+              <a:buSzPct val="45000"/>
+              <a:buNone/>
+            </a:pPr>
+            <a:endParaRPr lang="en-US" sz="2400" dirty="0">
+              <a:ea typeface="DejaVu Sans" pitchFamily="2"/>
+              <a:cs typeface="DejaVu Sans" pitchFamily="2"/>
+            </a:endParaRPr>
+          </a:p>
+          <a:p>
+            <a:pPr lvl="1">
+              <a:buClr>
+                <a:srgbClr val="666666"/>
+              </a:buClr>
+              <a:buSzPct val="45000"/>
+              <a:buFont typeface="StarSymbol"/>
+              <a:buChar char="●"/>
+            </a:pPr>
+            <a:r>
+              <a:rPr lang="ru-RU" sz="2000" dirty="0">
+                <a:ea typeface="DejaVu Sans" pitchFamily="2"/>
+                <a:cs typeface="DejaVu Sans" pitchFamily="2"/>
+              </a:rPr>
+              <a:t>VACUUM FULL переписывает всё содержимое таблицы в новый файл на диске, не содержащий ничего лишнего, что позволяет возвратить неиспользованное пространство операционной системе</a:t>
+            </a:r>
+            <a:endParaRPr lang="en-US" sz="2000" dirty="0">
+              <a:ea typeface="DejaVu Sans" pitchFamily="2"/>
+              <a:cs typeface="DejaVu Sans" pitchFamily="2"/>
+            </a:endParaRPr>
+          </a:p>
+        </p:txBody>
+      </p:sp>
+      <p:sp>
+        <p:nvSpPr>
+          <p:cNvPr id="5" name="Rectangle 2">
+            <a:extLst>
+              <a:ext uri="{FF2B5EF4-FFF2-40B4-BE49-F238E27FC236}">
+                <a16:creationId xmlns:a16="http://schemas.microsoft.com/office/drawing/2014/main" id="{0A58A53A-587B-4BCF-97BE-F73BB901D111}"/>
+              </a:ext>
+            </a:extLst>
+          </p:cNvPr>
+          <p:cNvSpPr>
+            <a:spLocks noChangeArrowheads="1"/>
+          </p:cNvSpPr>
+          <p:nvPr/>
+        </p:nvSpPr>
+        <p:spPr bwMode="auto">
+          <a:xfrm>
+            <a:off x="483326" y="4257264"/>
+            <a:ext cx="10987303" cy="646331"/>
+          </a:xfrm>
+          <a:prstGeom prst="rect">
+            <a:avLst/>
+          </a:prstGeom>
+          <a:noFill/>
+          <a:ln>
+            <a:noFill/>
+          </a:ln>
+          <a:effectLst/>
+          <a:extLst>
+            <a:ext uri="{909E8E84-426E-40DD-AFC4-6F175D3DCCD1}">
+              <a14:hiddenFill xmlns:a14="http://schemas.microsoft.com/office/drawing/2010/main">
+                <a:solidFill>
+                  <a:schemeClr val="accent1"/>
+                </a:solidFill>
+              </a14:hiddenFill>
+            </a:ext>
+            <a:ext uri="{91240B29-F687-4F45-9708-019B960494DF}">
+              <a14:hiddenLine xmlns:a14="http://schemas.microsoft.com/office/drawing/2010/main" w="9525">
+                <a:solidFill>
+                  <a:schemeClr val="tx1"/>
+                </a:solidFill>
+                <a:miter lim="800000"/>
+                <a:headEnd/>
+                <a:tailEnd/>
+              </a14:hiddenLine>
+            </a:ext>
+            <a:ext uri="{AF507438-7753-43E0-B8FC-AC1667EBCBE1}">
+              <a14:hiddenEffects xmlns:a14="http://schemas.microsoft.com/office/drawing/2010/main">
+                <a:effectLst>
+                  <a:outerShdw dist="35921" dir="2700000" algn="ctr" rotWithShape="0">
+                    <a:schemeClr val="bg2"/>
+                  </a:outerShdw>
+                </a:effectLst>
+              </a14:hiddenEffects>
+            </a:ext>
+          </a:extLst>
+        </p:spPr>
+        <p:txBody>
+          <a:bodyPr vert="horz" wrap="none" lIns="91440" tIns="45720" rIns="91440" bIns="45720" numCol="1" anchor="ctr" anchorCtr="0" compatLnSpc="1">
+            <a:prstTxWarp prst="textNoShape">
+              <a:avLst/>
+            </a:prstTxWarp>
+            <a:spAutoFit/>
+          </a:bodyPr>
+          <a:lstStyle/>
+          <a:p>
+            <a:pPr marL="0" marR="0" lvl="0" indent="0" algn="l" defTabSz="914400" rtl="0" eaLnBrk="0" fontAlgn="base" latinLnBrk="0" hangingPunct="0">
+              <a:lnSpc>
+                <a:spcPct val="100000"/>
+              </a:lnSpc>
+              <a:spcBef>
+                <a:spcPct val="0"/>
+              </a:spcBef>
+              <a:spcAft>
+                <a:spcPct val="0"/>
+              </a:spcAft>
+              <a:buClrTx/>
+              <a:buSzTx/>
+              <a:buFontTx/>
+              <a:buNone/>
+              <a:tabLst/>
+            </a:pPr>
+            <a:r>
               <a:rPr kumimoji="0" lang="ru-RU" altLang="ru-RU" b="1" i="0" u="none" strike="noStrike" cap="none" normalizeH="0" baseline="0" dirty="0">
                 <a:ln>
                   <a:noFill/>
@@ -5686,7 +5984,76 @@
 </p:sld>
 </file>
 
-<file path=ppt/slides/slide12.xml><?xml version="1.0" encoding="utf-8"?>
+<file path=ppt/slides/slide14.xml><?xml version="1.0" encoding="utf-8"?>
+<p:sld xmlns:a="http://schemas.openxmlformats.org/drawingml/2006/main" xmlns:r="http://schemas.openxmlformats.org/officeDocument/2006/relationships" xmlns:p="http://schemas.openxmlformats.org/presentationml/2006/main">
+  <p:cSld>
+    <p:spTree>
+      <p:nvGrpSpPr>
+        <p:cNvPr id="1" name=""/>
+        <p:cNvGrpSpPr/>
+        <p:nvPr/>
+      </p:nvGrpSpPr>
+      <p:grpSpPr>
+        <a:xfrm>
+          <a:off x="0" y="0"/>
+          <a:ext cx="0" cy="0"/>
+          <a:chOff x="0" y="0"/>
+          <a:chExt cx="0" cy="0"/>
+        </a:xfrm>
+      </p:grpSpPr>
+      <p:sp>
+        <p:nvSpPr>
+          <p:cNvPr id="2" name="Title 1">
+            <a:extLst>
+              <a:ext uri="{FF2B5EF4-FFF2-40B4-BE49-F238E27FC236}">
+                <a16:creationId xmlns:a16="http://schemas.microsoft.com/office/drawing/2014/main" id="{BE1292CA-4CE6-4039-946A-FBB997CAE971}"/>
+              </a:ext>
+            </a:extLst>
+          </p:cNvPr>
+          <p:cNvSpPr>
+            <a:spLocks noGrp="1"/>
+          </p:cNvSpPr>
+          <p:nvPr>
+            <p:ph type="title"/>
+          </p:nvPr>
+        </p:nvSpPr>
+        <p:spPr>
+          <a:xfrm>
+            <a:off x="859783" y="2399929"/>
+            <a:ext cx="10058400" cy="1609344"/>
+          </a:xfrm>
+        </p:spPr>
+        <p:txBody>
+          <a:bodyPr>
+            <a:normAutofit/>
+          </a:bodyPr>
+          <a:lstStyle/>
+          <a:p>
+            <a:r>
+              <a:rPr lang="en-US" dirty="0">
+                <a:ea typeface="DejaVu Sans" pitchFamily="2"/>
+                <a:cs typeface="DejaVu Sans" pitchFamily="2"/>
+              </a:rPr>
+              <a:t>Оптимизация SQL</a:t>
+            </a:r>
+            <a:endParaRPr lang="ru-RU" dirty="0"/>
+          </a:p>
+        </p:txBody>
+      </p:sp>
+    </p:spTree>
+    <p:extLst>
+      <p:ext uri="{BB962C8B-B14F-4D97-AF65-F5344CB8AC3E}">
+        <p14:creationId xmlns:p14="http://schemas.microsoft.com/office/powerpoint/2010/main" val="1887695685"/>
+      </p:ext>
+    </p:extLst>
+  </p:cSld>
+  <p:clrMapOvr>
+    <a:masterClrMapping/>
+  </p:clrMapOvr>
+</p:sld>
+</file>
+
+<file path=ppt/slides/slide15.xml><?xml version="1.0" encoding="utf-8"?>
 <p:sld xmlns:a="http://schemas.openxmlformats.org/drawingml/2006/main" xmlns:r="http://schemas.openxmlformats.org/officeDocument/2006/relationships" xmlns:p="http://schemas.openxmlformats.org/presentationml/2006/main">
   <p:cSld>
     <p:spTree>
@@ -6093,7 +6460,7 @@
 </p:sld>
 </file>
 
-<file path=ppt/slides/slide13.xml><?xml version="1.0" encoding="utf-8"?>
+<file path=ppt/slides/slide16.xml><?xml version="1.0" encoding="utf-8"?>
 <p:sld xmlns:a="http://schemas.openxmlformats.org/drawingml/2006/main" xmlns:r="http://schemas.openxmlformats.org/officeDocument/2006/relationships" xmlns:p="http://schemas.openxmlformats.org/presentationml/2006/main">
   <p:cSld>
     <p:spTree>
@@ -7137,689 +7504,6 @@
     <p:extLst>
       <p:ext uri="{BB962C8B-B14F-4D97-AF65-F5344CB8AC3E}">
         <p14:creationId xmlns:p14="http://schemas.microsoft.com/office/powerpoint/2010/main" val="4273137958"/>
-      </p:ext>
-    </p:extLst>
-  </p:cSld>
-  <p:clrMapOvr>
-    <a:masterClrMapping/>
-  </p:clrMapOvr>
-</p:sld>
-</file>
-
-<file path=ppt/slides/slide14.xml><?xml version="1.0" encoding="utf-8"?>
-<p:sld xmlns:a="http://schemas.openxmlformats.org/drawingml/2006/main" xmlns:r="http://schemas.openxmlformats.org/officeDocument/2006/relationships" xmlns:p="http://schemas.openxmlformats.org/presentationml/2006/main">
-  <p:cSld>
-    <p:spTree>
-      <p:nvGrpSpPr>
-        <p:cNvPr id="1" name=""/>
-        <p:cNvGrpSpPr/>
-        <p:nvPr/>
-      </p:nvGrpSpPr>
-      <p:grpSpPr>
-        <a:xfrm>
-          <a:off x="0" y="0"/>
-          <a:ext cx="0" cy="0"/>
-          <a:chOff x="0" y="0"/>
-          <a:chExt cx="0" cy="0"/>
-        </a:xfrm>
-      </p:grpSpPr>
-      <p:sp>
-        <p:nvSpPr>
-          <p:cNvPr id="2" name="Title 1">
-            <a:extLst>
-              <a:ext uri="{FF2B5EF4-FFF2-40B4-BE49-F238E27FC236}">
-                <a16:creationId xmlns:a16="http://schemas.microsoft.com/office/drawing/2014/main" id="{BA78E8D7-C39F-4E02-9A0F-B84A53E12BF1}"/>
-              </a:ext>
-            </a:extLst>
-          </p:cNvPr>
-          <p:cNvSpPr>
-            <a:spLocks noGrp="1"/>
-          </p:cNvSpPr>
-          <p:nvPr>
-            <p:ph type="title"/>
-          </p:nvPr>
-        </p:nvSpPr>
-        <p:spPr/>
-        <p:txBody>
-          <a:bodyPr>
-            <a:normAutofit/>
-          </a:bodyPr>
-          <a:lstStyle/>
-          <a:p>
-            <a:r>
-              <a:rPr lang="en-US" dirty="0">
-                <a:ea typeface="DejaVu Sans" pitchFamily="2"/>
-                <a:cs typeface="DejaVu Sans" pitchFamily="2"/>
-              </a:rPr>
-              <a:t>Оптимизация SQL</a:t>
-            </a:r>
-            <a:br>
-              <a:rPr lang="en-US" dirty="0">
-                <a:ea typeface="DejaVu Sans" pitchFamily="2"/>
-                <a:cs typeface="DejaVu Sans" pitchFamily="2"/>
-              </a:rPr>
-            </a:br>
-            <a:r>
-              <a:rPr lang="en-US" sz="2000" dirty="0">
-                <a:ea typeface="DejaVu Sans" pitchFamily="2"/>
-                <a:cs typeface="DejaVu Sans" pitchFamily="2"/>
-              </a:rPr>
-              <a:t>Блок 1: Использование индексов</a:t>
-            </a:r>
-            <a:endParaRPr lang="ru-RU" dirty="0"/>
-          </a:p>
-        </p:txBody>
-      </p:sp>
-      <p:sp>
-        <p:nvSpPr>
-          <p:cNvPr id="3" name="Content Placeholder 2">
-            <a:extLst>
-              <a:ext uri="{FF2B5EF4-FFF2-40B4-BE49-F238E27FC236}">
-                <a16:creationId xmlns:a16="http://schemas.microsoft.com/office/drawing/2014/main" id="{8809FAF1-E811-4E05-86C5-727A3A04757A}"/>
-              </a:ext>
-            </a:extLst>
-          </p:cNvPr>
-          <p:cNvSpPr>
-            <a:spLocks noGrp="1"/>
-          </p:cNvSpPr>
-          <p:nvPr>
-            <p:ph idx="1"/>
-          </p:nvPr>
-        </p:nvSpPr>
-        <p:spPr/>
-        <p:txBody>
-          <a:bodyPr/>
-          <a:lstStyle/>
-          <a:p>
-            <a:pPr lvl="0">
-              <a:buClr>
-                <a:srgbClr val="666666"/>
-              </a:buClr>
-              <a:buSzPct val="45000"/>
-              <a:buFont typeface="StarSymbol"/>
-              <a:buChar char="●"/>
-            </a:pPr>
-            <a:r>
-              <a:rPr lang="ru-RU" sz="2600" dirty="0">
-                <a:solidFill>
-                  <a:srgbClr val="000000"/>
-                </a:solidFill>
-                <a:ea typeface="DejaVu Sans" pitchFamily="2"/>
-                <a:cs typeface="DejaVu Sans" pitchFamily="2"/>
-              </a:rPr>
-              <a:t>Практика</a:t>
-            </a:r>
-            <a:endParaRPr lang="ru-RU" dirty="0"/>
-          </a:p>
-        </p:txBody>
-      </p:sp>
-    </p:spTree>
-    <p:extLst>
-      <p:ext uri="{BB962C8B-B14F-4D97-AF65-F5344CB8AC3E}">
-        <p14:creationId xmlns:p14="http://schemas.microsoft.com/office/powerpoint/2010/main" val="21106420"/>
-      </p:ext>
-    </p:extLst>
-  </p:cSld>
-  <p:clrMapOvr>
-    <a:masterClrMapping/>
-  </p:clrMapOvr>
-</p:sld>
-</file>
-
-<file path=ppt/slides/slide15.xml><?xml version="1.0" encoding="utf-8"?>
-<p:sld xmlns:a="http://schemas.openxmlformats.org/drawingml/2006/main" xmlns:r="http://schemas.openxmlformats.org/officeDocument/2006/relationships" xmlns:p="http://schemas.openxmlformats.org/presentationml/2006/main">
-  <p:cSld>
-    <p:spTree>
-      <p:nvGrpSpPr>
-        <p:cNvPr id="1" name=""/>
-        <p:cNvGrpSpPr/>
-        <p:nvPr/>
-      </p:nvGrpSpPr>
-      <p:grpSpPr>
-        <a:xfrm>
-          <a:off x="0" y="0"/>
-          <a:ext cx="0" cy="0"/>
-          <a:chOff x="0" y="0"/>
-          <a:chExt cx="0" cy="0"/>
-        </a:xfrm>
-      </p:grpSpPr>
-      <p:sp>
-        <p:nvSpPr>
-          <p:cNvPr id="2" name="Title 1">
-            <a:extLst>
-              <a:ext uri="{FF2B5EF4-FFF2-40B4-BE49-F238E27FC236}">
-                <a16:creationId xmlns:a16="http://schemas.microsoft.com/office/drawing/2014/main" id="{1ED93B46-2129-4D6B-9E60-2C5A2357CAE3}"/>
-              </a:ext>
-            </a:extLst>
-          </p:cNvPr>
-          <p:cNvSpPr>
-            <a:spLocks noGrp="1"/>
-          </p:cNvSpPr>
-          <p:nvPr>
-            <p:ph type="title"/>
-          </p:nvPr>
-        </p:nvSpPr>
-        <p:spPr/>
-        <p:txBody>
-          <a:bodyPr>
-            <a:normAutofit/>
-          </a:bodyPr>
-          <a:lstStyle/>
-          <a:p>
-            <a:r>
-              <a:rPr lang="en-US" dirty="0">
-                <a:ea typeface="DejaVu Sans" pitchFamily="2"/>
-                <a:cs typeface="DejaVu Sans" pitchFamily="2"/>
-              </a:rPr>
-              <a:t>Оптимизация SQL</a:t>
-            </a:r>
-            <a:br>
-              <a:rPr lang="en-US" dirty="0">
-                <a:ea typeface="DejaVu Sans" pitchFamily="2"/>
-                <a:cs typeface="DejaVu Sans" pitchFamily="2"/>
-              </a:rPr>
-            </a:br>
-            <a:r>
-              <a:rPr lang="en-US" sz="2000" dirty="0" err="1">
-                <a:ea typeface="DejaVu Sans" pitchFamily="2"/>
-                <a:cs typeface="DejaVu Sans" pitchFamily="2"/>
-              </a:rPr>
-              <a:t>Блок</a:t>
-            </a:r>
-            <a:r>
-              <a:rPr lang="en-US" sz="2000" dirty="0">
-                <a:ea typeface="DejaVu Sans" pitchFamily="2"/>
-                <a:cs typeface="DejaVu Sans" pitchFamily="2"/>
-              </a:rPr>
-              <a:t> 2: Теория: </a:t>
-            </a:r>
-            <a:r>
-              <a:rPr lang="ru-RU" sz="2000" dirty="0" err="1">
-                <a:ea typeface="DejaVu Sans" pitchFamily="2"/>
-                <a:cs typeface="DejaVu Sans" pitchFamily="2"/>
-              </a:rPr>
-              <a:t>Партицирование</a:t>
-            </a:r>
-            <a:endParaRPr lang="ru-RU" dirty="0"/>
-          </a:p>
-        </p:txBody>
-      </p:sp>
-      <p:sp>
-        <p:nvSpPr>
-          <p:cNvPr id="3" name="Content Placeholder 2">
-            <a:extLst>
-              <a:ext uri="{FF2B5EF4-FFF2-40B4-BE49-F238E27FC236}">
-                <a16:creationId xmlns:a16="http://schemas.microsoft.com/office/drawing/2014/main" id="{8E65D122-F661-4641-A255-7626711E7581}"/>
-              </a:ext>
-            </a:extLst>
-          </p:cNvPr>
-          <p:cNvSpPr>
-            <a:spLocks noGrp="1"/>
-          </p:cNvSpPr>
-          <p:nvPr>
-            <p:ph idx="1"/>
-          </p:nvPr>
-        </p:nvSpPr>
-        <p:spPr/>
-        <p:txBody>
-          <a:bodyPr>
-            <a:normAutofit/>
-          </a:bodyPr>
-          <a:lstStyle/>
-          <a:p>
-            <a:pPr marL="0" lvl="0" indent="0">
-              <a:buClr>
-                <a:srgbClr val="666666"/>
-              </a:buClr>
-              <a:buSzPct val="45000"/>
-              <a:buNone/>
-            </a:pPr>
-            <a:r>
-              <a:rPr lang="ru-RU" sz="1400" b="1" dirty="0"/>
-              <a:t>Секционированием (</a:t>
-            </a:r>
-            <a:r>
-              <a:rPr lang="ru-RU" sz="1400" b="1" dirty="0" err="1"/>
-              <a:t>партицированием</a:t>
-            </a:r>
-            <a:r>
-              <a:rPr lang="ru-RU" sz="1400" b="1" dirty="0"/>
-              <a:t>)</a:t>
-            </a:r>
-            <a:r>
-              <a:rPr lang="ru-RU" sz="1400" dirty="0"/>
-              <a:t> данных называется разбиение одной большой логической таблицы на несколько меньших физических секций. Преимущества:</a:t>
-            </a:r>
-          </a:p>
-          <a:p>
-            <a:pPr lvl="0">
-              <a:buClr>
-                <a:srgbClr val="666666"/>
-              </a:buClr>
-              <a:buSzPct val="45000"/>
-              <a:buFont typeface="StarSymbol"/>
-              <a:buChar char="●"/>
-            </a:pPr>
-            <a:r>
-              <a:rPr lang="ru-RU" sz="1400" dirty="0"/>
-              <a:t>Когда в выборке или изменении данных задействована большая часть одной секции, производительность может возрасти, если будет выполняться последовательное сканирование этой секции, а не поиск по индексу, сопровождаемый произвольным чтением данных, разбросанных по всей таблице.</a:t>
-            </a:r>
-          </a:p>
-          <a:p>
-            <a:pPr lvl="0">
-              <a:buClr>
-                <a:srgbClr val="666666"/>
-              </a:buClr>
-              <a:buSzPct val="45000"/>
-              <a:buFont typeface="StarSymbol"/>
-              <a:buChar char="●"/>
-            </a:pPr>
-            <a:r>
-              <a:rPr lang="ru-RU" sz="1400" dirty="0"/>
-              <a:t>Массовую загрузку и удаление данных можно осуществлять, добавляя и удаляя секции, если такой вариант использования был предусмотрен при проектировании секций. </a:t>
-            </a:r>
-            <a:br>
-              <a:rPr lang="ru-RU" sz="1400" dirty="0"/>
-            </a:br>
-            <a:r>
-              <a:rPr lang="ru-RU" sz="1400" dirty="0"/>
-              <a:t>Удаление отдельной секции командой DROP TABLE и действие ALTER TABLE DETACH PARTITION выполняются гораздо быстрее, чем аналогичная массовая операция. </a:t>
-            </a:r>
-            <a:br>
-              <a:rPr lang="ru-RU" sz="1400" dirty="0"/>
-            </a:br>
-            <a:r>
-              <a:rPr lang="ru-RU" sz="1400" dirty="0"/>
-              <a:t>Эти команды полностью исключают накладные расходы, связанные с выполнением VACUUM после массовой операции DELETE.</a:t>
-            </a:r>
-          </a:p>
-          <a:p>
-            <a:pPr lvl="0">
-              <a:buClr>
-                <a:srgbClr val="666666"/>
-              </a:buClr>
-              <a:buSzPct val="45000"/>
-              <a:buFont typeface="StarSymbol"/>
-              <a:buChar char="●"/>
-            </a:pPr>
-            <a:r>
-              <a:rPr lang="ru-RU" sz="1400" dirty="0"/>
-              <a:t>Редко используемые данные можно перенести на более дешёвые и медленные носители.</a:t>
-            </a:r>
-          </a:p>
-          <a:p>
-            <a:pPr marL="0" lvl="0" indent="0">
-              <a:buClr>
-                <a:srgbClr val="666666"/>
-              </a:buClr>
-              <a:buSzPct val="45000"/>
-              <a:buNone/>
-            </a:pPr>
-            <a:r>
-              <a:rPr lang="ru-RU" sz="1400" dirty="0"/>
-              <a:t>Всё это обычно полезно только для очень больших таблиц. Какие именно таблицы выиграют от секционирования, зависит от конкретного приложения, хотя, как правило, это следует применять для таблиц, размер которых превышает объём ОЗУ сервера.</a:t>
-            </a:r>
-          </a:p>
-        </p:txBody>
-      </p:sp>
-    </p:spTree>
-    <p:extLst>
-      <p:ext uri="{BB962C8B-B14F-4D97-AF65-F5344CB8AC3E}">
-        <p14:creationId xmlns:p14="http://schemas.microsoft.com/office/powerpoint/2010/main" val="3511590595"/>
-      </p:ext>
-    </p:extLst>
-  </p:cSld>
-  <p:clrMapOvr>
-    <a:masterClrMapping/>
-  </p:clrMapOvr>
-</p:sld>
-</file>
-
-<file path=ppt/slides/slide16.xml><?xml version="1.0" encoding="utf-8"?>
-<p:sld xmlns:a="http://schemas.openxmlformats.org/drawingml/2006/main" xmlns:r="http://schemas.openxmlformats.org/officeDocument/2006/relationships" xmlns:p="http://schemas.openxmlformats.org/presentationml/2006/main">
-  <p:cSld>
-    <p:spTree>
-      <p:nvGrpSpPr>
-        <p:cNvPr id="1" name=""/>
-        <p:cNvGrpSpPr/>
-        <p:nvPr/>
-      </p:nvGrpSpPr>
-      <p:grpSpPr>
-        <a:xfrm>
-          <a:off x="0" y="0"/>
-          <a:ext cx="0" cy="0"/>
-          <a:chOff x="0" y="0"/>
-          <a:chExt cx="0" cy="0"/>
-        </a:xfrm>
-      </p:grpSpPr>
-      <p:sp>
-        <p:nvSpPr>
-          <p:cNvPr id="2" name="Title 1">
-            <a:extLst>
-              <a:ext uri="{FF2B5EF4-FFF2-40B4-BE49-F238E27FC236}">
-                <a16:creationId xmlns:a16="http://schemas.microsoft.com/office/drawing/2014/main" id="{C61B5D42-722A-4E57-AE65-87E9F04C13B5}"/>
-              </a:ext>
-            </a:extLst>
-          </p:cNvPr>
-          <p:cNvSpPr>
-            <a:spLocks noGrp="1"/>
-          </p:cNvSpPr>
-          <p:nvPr>
-            <p:ph type="title"/>
-          </p:nvPr>
-        </p:nvSpPr>
-        <p:spPr/>
-        <p:txBody>
-          <a:bodyPr>
-            <a:normAutofit/>
-          </a:bodyPr>
-          <a:lstStyle/>
-          <a:p>
-            <a:r>
-              <a:rPr lang="en-US" dirty="0">
-                <a:ea typeface="DejaVu Sans" pitchFamily="2"/>
-                <a:cs typeface="DejaVu Sans" pitchFamily="2"/>
-              </a:rPr>
-              <a:t>Оптимизация SQL</a:t>
-            </a:r>
-            <a:br>
-              <a:rPr lang="en-US" dirty="0">
-                <a:ea typeface="DejaVu Sans" pitchFamily="2"/>
-                <a:cs typeface="DejaVu Sans" pitchFamily="2"/>
-              </a:rPr>
-            </a:br>
-            <a:r>
-              <a:rPr lang="en-US" sz="2000" dirty="0" err="1">
-                <a:ea typeface="DejaVu Sans" pitchFamily="2"/>
-                <a:cs typeface="DejaVu Sans" pitchFamily="2"/>
-              </a:rPr>
-              <a:t>Блок</a:t>
-            </a:r>
-            <a:r>
-              <a:rPr lang="en-US" sz="2000" dirty="0">
-                <a:ea typeface="DejaVu Sans" pitchFamily="2"/>
-                <a:cs typeface="DejaVu Sans" pitchFamily="2"/>
-              </a:rPr>
-              <a:t> 2: </a:t>
-            </a:r>
-            <a:r>
-              <a:rPr lang="ru-RU" sz="2000" dirty="0" err="1">
-                <a:ea typeface="DejaVu Sans" pitchFamily="2"/>
-                <a:cs typeface="DejaVu Sans" pitchFamily="2"/>
-              </a:rPr>
-              <a:t>Партицирование</a:t>
-            </a:r>
-            <a:r>
-              <a:rPr lang="ru-RU" sz="2000" dirty="0">
-                <a:ea typeface="DejaVu Sans" pitchFamily="2"/>
-                <a:cs typeface="DejaVu Sans" pitchFamily="2"/>
-              </a:rPr>
-              <a:t> – виды </a:t>
-            </a:r>
-            <a:r>
-              <a:rPr lang="ru-RU" sz="2000" dirty="0" err="1">
-                <a:ea typeface="DejaVu Sans" pitchFamily="2"/>
-                <a:cs typeface="DejaVu Sans" pitchFamily="2"/>
-              </a:rPr>
-              <a:t>партиций</a:t>
-            </a:r>
-            <a:endParaRPr lang="ru-RU" dirty="0"/>
-          </a:p>
-        </p:txBody>
-      </p:sp>
-      <p:sp>
-        <p:nvSpPr>
-          <p:cNvPr id="3" name="Content Placeholder 2">
-            <a:extLst>
-              <a:ext uri="{FF2B5EF4-FFF2-40B4-BE49-F238E27FC236}">
-                <a16:creationId xmlns:a16="http://schemas.microsoft.com/office/drawing/2014/main" id="{090578C4-E6E7-4308-A4D1-738FCB3F61D8}"/>
-              </a:ext>
-            </a:extLst>
-          </p:cNvPr>
-          <p:cNvSpPr>
-            <a:spLocks noGrp="1"/>
-          </p:cNvSpPr>
-          <p:nvPr>
-            <p:ph idx="1"/>
-          </p:nvPr>
-        </p:nvSpPr>
-        <p:spPr>
-          <a:xfrm>
-            <a:off x="1069848" y="1878767"/>
-            <a:ext cx="10058400" cy="4691921"/>
-          </a:xfrm>
-        </p:spPr>
-        <p:txBody>
-          <a:bodyPr>
-            <a:normAutofit/>
-          </a:bodyPr>
-          <a:lstStyle/>
-          <a:p>
-            <a:r>
-              <a:rPr lang="ru-RU" sz="1400" dirty="0"/>
-              <a:t>Секционирование по диапазонам</a:t>
-            </a:r>
-          </a:p>
-          <a:p>
-            <a:pPr marL="0" indent="0">
-              <a:buNone/>
-            </a:pPr>
-            <a:r>
-              <a:rPr lang="ru-RU" sz="1400" dirty="0"/>
-              <a:t>Таблица секционируется по «диапазонам». Например, можно секционировать данные по диапазонам дат или по диапазонам идентификаторов определённых бизнес-объектов. </a:t>
-            </a:r>
-            <a:br>
-              <a:rPr lang="ru-RU" sz="1400" dirty="0"/>
-            </a:br>
-            <a:r>
-              <a:rPr lang="ru-RU" sz="1400" dirty="0"/>
-              <a:t>Границы каждого диапазона считаются включающими нижнее значение и исключающими верхнее. </a:t>
-            </a:r>
-            <a:br>
-              <a:rPr lang="ru-RU" sz="1400" dirty="0"/>
-            </a:br>
-            <a:br>
-              <a:rPr lang="ru-RU" sz="1400" dirty="0">
-                <a:solidFill>
-                  <a:srgbClr val="0070C0"/>
-                </a:solidFill>
-              </a:rPr>
-            </a:br>
-            <a:r>
-              <a:rPr lang="en-US" sz="1400" dirty="0">
-                <a:solidFill>
-                  <a:srgbClr val="0070C0"/>
-                </a:solidFill>
-              </a:rPr>
-              <a:t>Create table orders (id int, </a:t>
-            </a:r>
-            <a:r>
-              <a:rPr lang="en-US" sz="1400" dirty="0" err="1">
-                <a:solidFill>
-                  <a:srgbClr val="0070C0"/>
-                </a:solidFill>
-              </a:rPr>
-              <a:t>order_desc</a:t>
-            </a:r>
-            <a:r>
-              <a:rPr lang="en-US" sz="1400" dirty="0">
-                <a:solidFill>
-                  <a:srgbClr val="0070C0"/>
-                </a:solidFill>
-              </a:rPr>
-              <a:t> varchar(500), </a:t>
-            </a:r>
-            <a:r>
-              <a:rPr lang="en-US" sz="1400" dirty="0" err="1">
-                <a:solidFill>
-                  <a:srgbClr val="0070C0"/>
-                </a:solidFill>
-              </a:rPr>
-              <a:t>start_date</a:t>
-            </a:r>
-            <a:r>
-              <a:rPr lang="en-US" sz="1400" dirty="0">
-                <a:solidFill>
-                  <a:srgbClr val="0070C0"/>
-                </a:solidFill>
-              </a:rPr>
-              <a:t> date, </a:t>
-            </a:r>
-            <a:r>
-              <a:rPr lang="en-US" sz="1400" dirty="0" err="1">
-                <a:solidFill>
-                  <a:srgbClr val="0070C0"/>
-                </a:solidFill>
-              </a:rPr>
-              <a:t>finish_date</a:t>
-            </a:r>
-            <a:r>
-              <a:rPr lang="en-US" sz="1400" dirty="0">
-                <a:solidFill>
-                  <a:srgbClr val="0070C0"/>
-                </a:solidFill>
-              </a:rPr>
-              <a:t> date)</a:t>
-            </a:r>
-            <a:endParaRPr lang="ru-RU" sz="1400" dirty="0">
-              <a:solidFill>
-                <a:srgbClr val="0070C0"/>
-              </a:solidFill>
-            </a:endParaRPr>
-          </a:p>
-          <a:p>
-            <a:pPr marL="0" indent="0">
-              <a:buNone/>
-            </a:pPr>
-            <a:r>
-              <a:rPr lang="en-US" sz="1400" dirty="0">
-                <a:solidFill>
-                  <a:srgbClr val="0070C0"/>
-                </a:solidFill>
-              </a:rPr>
-              <a:t>PARTITION BY RANGE (</a:t>
-            </a:r>
-            <a:r>
-              <a:rPr lang="en-US" sz="1400" dirty="0" err="1">
-                <a:solidFill>
-                  <a:srgbClr val="0070C0"/>
-                </a:solidFill>
-              </a:rPr>
-              <a:t>start_date</a:t>
-            </a:r>
-            <a:r>
-              <a:rPr lang="en-US" sz="1400" dirty="0">
-                <a:solidFill>
-                  <a:srgbClr val="0070C0"/>
-                </a:solidFill>
-              </a:rPr>
-              <a:t>);</a:t>
-            </a:r>
-          </a:p>
-          <a:p>
-            <a:pPr marL="0" indent="0">
-              <a:buNone/>
-            </a:pPr>
-            <a:endParaRPr lang="en-US" sz="1400" dirty="0">
-              <a:solidFill>
-                <a:srgbClr val="0070C0"/>
-              </a:solidFill>
-            </a:endParaRPr>
-          </a:p>
-          <a:p>
-            <a:pPr marL="0" indent="0">
-              <a:buNone/>
-            </a:pPr>
-            <a:r>
-              <a:rPr lang="en-US" sz="1400" dirty="0">
-                <a:solidFill>
-                  <a:srgbClr val="0070C0"/>
-                </a:solidFill>
-              </a:rPr>
-              <a:t>create table orders_p_2022</a:t>
-            </a:r>
-          </a:p>
-          <a:p>
-            <a:pPr marL="0" indent="0">
-              <a:buNone/>
-            </a:pPr>
-            <a:r>
-              <a:rPr lang="en-US" sz="1400" dirty="0">
-                <a:solidFill>
-                  <a:srgbClr val="0070C0"/>
-                </a:solidFill>
-              </a:rPr>
-              <a:t>partition of orders</a:t>
-            </a:r>
-          </a:p>
-          <a:p>
-            <a:pPr marL="0" indent="0">
-              <a:buNone/>
-            </a:pPr>
-            <a:r>
-              <a:rPr lang="en-US" sz="1400" dirty="0">
-                <a:solidFill>
-                  <a:srgbClr val="0070C0"/>
-                </a:solidFill>
-              </a:rPr>
-              <a:t>for values from (‘2022-01-01') to (‘2023-01-01’);</a:t>
-            </a:r>
-          </a:p>
-          <a:p>
-            <a:pPr marL="0" indent="0">
-              <a:buNone/>
-            </a:pPr>
-            <a:endParaRPr lang="en-US" sz="1400" dirty="0">
-              <a:solidFill>
-                <a:srgbClr val="0070C0"/>
-              </a:solidFill>
-            </a:endParaRPr>
-          </a:p>
-          <a:p>
-            <a:pPr marL="0" indent="0">
-              <a:buNone/>
-            </a:pPr>
-            <a:r>
-              <a:rPr lang="en-US" sz="1400" dirty="0">
-                <a:solidFill>
-                  <a:srgbClr val="0070C0"/>
-                </a:solidFill>
-              </a:rPr>
-              <a:t>create table orders_p_2023</a:t>
-            </a:r>
-          </a:p>
-          <a:p>
-            <a:pPr marL="0" indent="0">
-              <a:buNone/>
-            </a:pPr>
-            <a:r>
-              <a:rPr lang="en-US" sz="1400" dirty="0">
-                <a:solidFill>
-                  <a:srgbClr val="0070C0"/>
-                </a:solidFill>
-              </a:rPr>
-              <a:t>partition of orders</a:t>
-            </a:r>
-          </a:p>
-          <a:p>
-            <a:pPr marL="0" indent="0">
-              <a:buNone/>
-            </a:pPr>
-            <a:r>
-              <a:rPr lang="en-US" sz="1400" dirty="0">
-                <a:solidFill>
-                  <a:srgbClr val="0070C0"/>
-                </a:solidFill>
-              </a:rPr>
-              <a:t>for values from (‘2022-01-01') to (‘2023-12-31');</a:t>
-            </a:r>
-          </a:p>
-        </p:txBody>
-      </p:sp>
-    </p:spTree>
-    <p:extLst>
-      <p:ext uri="{BB962C8B-B14F-4D97-AF65-F5344CB8AC3E}">
-        <p14:creationId xmlns:p14="http://schemas.microsoft.com/office/powerpoint/2010/main" val="1219338864"/>
       </p:ext>
     </p:extLst>
   </p:cSld>
@@ -7851,7 +7535,7 @@
           <p:cNvPr id="2" name="Title 1">
             <a:extLst>
               <a:ext uri="{FF2B5EF4-FFF2-40B4-BE49-F238E27FC236}">
-                <a16:creationId xmlns:a16="http://schemas.microsoft.com/office/drawing/2014/main" id="{C61B5D42-722A-4E57-AE65-87E9F04C13B5}"/>
+                <a16:creationId xmlns:a16="http://schemas.microsoft.com/office/drawing/2014/main" id="{BA78E8D7-C39F-4E02-9A0F-B84A53E12BF1}"/>
               </a:ext>
             </a:extLst>
           </p:cNvPr>
@@ -7883,39 +7567,11 @@
               </a:rPr>
             </a:br>
             <a:r>
-              <a:rPr lang="en-US" sz="2000" dirty="0" err="1">
-                <a:ea typeface="DejaVu Sans" pitchFamily="2"/>
-                <a:cs typeface="DejaVu Sans" pitchFamily="2"/>
-              </a:rPr>
-              <a:t>Блок</a:t>
-            </a:r>
-            <a:r>
               <a:rPr lang="en-US" sz="2000" dirty="0">
                 <a:ea typeface="DejaVu Sans" pitchFamily="2"/>
                 <a:cs typeface="DejaVu Sans" pitchFamily="2"/>
               </a:rPr>
-              <a:t> 2: </a:t>
-            </a:r>
-            <a:r>
-              <a:rPr lang="ru-RU" sz="2000" dirty="0" err="1">
-                <a:ea typeface="DejaVu Sans" pitchFamily="2"/>
-                <a:cs typeface="DejaVu Sans" pitchFamily="2"/>
-              </a:rPr>
-              <a:t>Партицирование</a:t>
-            </a:r>
-            <a:r>
-              <a:rPr lang="ru-RU" sz="2000" dirty="0">
-                <a:ea typeface="DejaVu Sans" pitchFamily="2"/>
-                <a:cs typeface="DejaVu Sans" pitchFamily="2"/>
-              </a:rPr>
-              <a:t> – виды </a:t>
-            </a:r>
-            <a:r>
-              <a:rPr lang="ru-RU" sz="2000" dirty="0" err="1">
-                <a:ea typeface="DejaVu Sans" pitchFamily="2"/>
-                <a:cs typeface="DejaVu Sans" pitchFamily="2"/>
-              </a:rPr>
-              <a:t>партиций</a:t>
+              <a:t>Блок 1: Использование индексов</a:t>
             </a:r>
             <a:endParaRPr lang="ru-RU" dirty="0"/>
           </a:p>
@@ -7926,7 +7582,7 @@
           <p:cNvPr id="3" name="Content Placeholder 2">
             <a:extLst>
               <a:ext uri="{FF2B5EF4-FFF2-40B4-BE49-F238E27FC236}">
-                <a16:creationId xmlns:a16="http://schemas.microsoft.com/office/drawing/2014/main" id="{090578C4-E6E7-4308-A4D1-738FCB3F61D8}"/>
+                <a16:creationId xmlns:a16="http://schemas.microsoft.com/office/drawing/2014/main" id="{8809FAF1-E811-4E05-86C5-727A3A04757A}"/>
               </a:ext>
             </a:extLst>
           </p:cNvPr>
@@ -7937,356 +7593,37 @@
             <p:ph idx="1"/>
           </p:nvPr>
         </p:nvSpPr>
-        <p:spPr>
-          <a:xfrm>
-            <a:off x="1069848" y="1878767"/>
-            <a:ext cx="10058400" cy="4691921"/>
-          </a:xfrm>
-        </p:spPr>
+        <p:spPr/>
         <p:txBody>
-          <a:bodyPr>
-            <a:normAutofit fontScale="92500" lnSpcReduction="10000"/>
-          </a:bodyPr>
+          <a:bodyPr/>
           <a:lstStyle/>
           <a:p>
-            <a:r>
-              <a:rPr lang="ru-RU" sz="1400" dirty="0"/>
-              <a:t>Секционирование по списку</a:t>
-            </a:r>
-          </a:p>
-          <a:p>
-            <a:pPr marL="0" indent="0">
-              <a:buNone/>
-            </a:pPr>
-            <a:r>
-              <a:rPr lang="ru-RU" sz="1400" dirty="0"/>
-              <a:t>Таблица секционируется с помощью списка, явно указывающего, какие значения ключа должны относиться к каждой секции.</a:t>
-            </a:r>
-          </a:p>
-          <a:p>
-            <a:pPr marL="0" indent="0">
-              <a:buNone/>
-            </a:pPr>
-            <a:r>
-              <a:rPr lang="en-US" sz="1400" dirty="0">
-                <a:solidFill>
-                  <a:srgbClr val="0070C0"/>
-                </a:solidFill>
-              </a:rPr>
-              <a:t>CREATE TABLE </a:t>
-            </a:r>
-            <a:r>
-              <a:rPr lang="en-US" sz="1400" dirty="0" err="1">
-                <a:solidFill>
-                  <a:srgbClr val="0070C0"/>
-                </a:solidFill>
-              </a:rPr>
-              <a:t>sales_region</a:t>
-            </a:r>
-            <a:r>
-              <a:rPr lang="en-US" sz="1400" dirty="0">
-                <a:solidFill>
-                  <a:srgbClr val="0070C0"/>
-                </a:solidFill>
-              </a:rPr>
-              <a:t> (id int, amount int, branch text, region text)</a:t>
-            </a:r>
-          </a:p>
-          <a:p>
-            <a:pPr marL="0" indent="0">
-              <a:buNone/>
-            </a:pPr>
-            <a:r>
-              <a:rPr lang="en-US" sz="1400" dirty="0">
-                <a:solidFill>
-                  <a:srgbClr val="0070C0"/>
-                </a:solidFill>
-              </a:rPr>
-              <a:t>PARTITION BY LIST (region);</a:t>
-            </a:r>
-          </a:p>
-          <a:p>
-            <a:pPr marL="0" indent="0">
-              <a:buNone/>
-            </a:pPr>
-            <a:endParaRPr lang="ru-RU" sz="1400" dirty="0">
-              <a:solidFill>
-                <a:srgbClr val="0070C0"/>
-              </a:solidFill>
-            </a:endParaRPr>
-          </a:p>
-          <a:p>
-            <a:pPr marL="0" indent="0">
-              <a:buNone/>
-            </a:pPr>
-            <a:r>
-              <a:rPr lang="en-US" sz="1400" dirty="0">
-                <a:solidFill>
-                  <a:srgbClr val="0070C0"/>
-                </a:solidFill>
-              </a:rPr>
-              <a:t>CREATE TABLE </a:t>
-            </a:r>
-            <a:r>
-              <a:rPr lang="en-US" sz="1400" dirty="0" err="1">
-                <a:solidFill>
-                  <a:srgbClr val="0070C0"/>
-                </a:solidFill>
-              </a:rPr>
-              <a:t>sale_moscow</a:t>
-            </a:r>
-            <a:r>
-              <a:rPr lang="en-US" sz="1400" dirty="0">
-                <a:solidFill>
-                  <a:srgbClr val="0070C0"/>
-                </a:solidFill>
-              </a:rPr>
-              <a:t> PARTITION OF </a:t>
-            </a:r>
-            <a:r>
-              <a:rPr lang="en-US" sz="1400" dirty="0" err="1">
-                <a:solidFill>
-                  <a:srgbClr val="0070C0"/>
-                </a:solidFill>
-              </a:rPr>
-              <a:t>sales_region</a:t>
-            </a:r>
-            <a:r>
-              <a:rPr lang="en-US" sz="1400" dirty="0">
-                <a:solidFill>
-                  <a:srgbClr val="0070C0"/>
-                </a:solidFill>
-              </a:rPr>
-              <a:t> FOR VALUES IN (‘Moscow’);</a:t>
-            </a:r>
-          </a:p>
-          <a:p>
-            <a:pPr marL="0" indent="0">
-              <a:buNone/>
-            </a:pPr>
-            <a:r>
-              <a:rPr lang="en-US" sz="1400" dirty="0">
-                <a:solidFill>
-                  <a:srgbClr val="0070C0"/>
-                </a:solidFill>
-              </a:rPr>
-              <a:t>CREATE TABLE </a:t>
-            </a:r>
-            <a:r>
-              <a:rPr lang="en-US" sz="1400" dirty="0" err="1">
-                <a:solidFill>
-                  <a:srgbClr val="0070C0"/>
-                </a:solidFill>
-              </a:rPr>
-              <a:t>sale_kazan</a:t>
-            </a:r>
-            <a:r>
-              <a:rPr lang="en-US" sz="1400" dirty="0">
-                <a:solidFill>
-                  <a:srgbClr val="0070C0"/>
-                </a:solidFill>
-              </a:rPr>
-              <a:t> PARTITION OF </a:t>
-            </a:r>
-            <a:r>
-              <a:rPr lang="en-US" sz="1400" dirty="0" err="1">
-                <a:solidFill>
-                  <a:srgbClr val="0070C0"/>
-                </a:solidFill>
-              </a:rPr>
-              <a:t>sales_region</a:t>
-            </a:r>
-            <a:r>
-              <a:rPr lang="en-US" sz="1400" dirty="0">
-                <a:solidFill>
-                  <a:srgbClr val="0070C0"/>
-                </a:solidFill>
-              </a:rPr>
-              <a:t> FOR VALUES IN (‘Kazan’);</a:t>
-            </a:r>
-            <a:endParaRPr lang="ru-RU" sz="1400" dirty="0">
-              <a:solidFill>
-                <a:srgbClr val="0070C0"/>
-              </a:solidFill>
-            </a:endParaRPr>
-          </a:p>
-          <a:p>
-            <a:pPr marL="0" indent="0">
-              <a:buNone/>
-            </a:pPr>
-            <a:endParaRPr lang="ru-RU" sz="1400" dirty="0">
-              <a:solidFill>
-                <a:srgbClr val="0070C0"/>
-              </a:solidFill>
-            </a:endParaRPr>
-          </a:p>
-          <a:p>
-            <a:r>
-              <a:rPr lang="ru-RU" sz="1400" dirty="0"/>
-              <a:t>Секционирование по </a:t>
-            </a:r>
-            <a:r>
-              <a:rPr lang="ru-RU" sz="1400" dirty="0" err="1"/>
-              <a:t>хэшу</a:t>
-            </a:r>
-            <a:endParaRPr lang="ru-RU" sz="1400" dirty="0"/>
-          </a:p>
-          <a:p>
-            <a:pPr marL="0" indent="0">
-              <a:buNone/>
-            </a:pPr>
-            <a:r>
-              <a:rPr lang="ru-RU" sz="1400" dirty="0"/>
-              <a:t>Таблица секционируется по определённым модулям и остаткам, которые указываются для каждой секции.</a:t>
-            </a:r>
-          </a:p>
-          <a:p>
-            <a:pPr marL="0" indent="0">
-              <a:buNone/>
-            </a:pPr>
-            <a:r>
-              <a:rPr lang="en-US" sz="1400" dirty="0">
-                <a:solidFill>
-                  <a:srgbClr val="0070C0"/>
-                </a:solidFill>
-              </a:rPr>
-              <a:t>CREATE TABLE emp (</a:t>
-            </a:r>
-            <a:r>
-              <a:rPr lang="en-US" sz="1400" dirty="0" err="1">
-                <a:solidFill>
-                  <a:srgbClr val="0070C0"/>
-                </a:solidFill>
-              </a:rPr>
-              <a:t>emp_id</a:t>
-            </a:r>
-            <a:r>
-              <a:rPr lang="en-US" sz="1400" dirty="0">
-                <a:solidFill>
-                  <a:srgbClr val="0070C0"/>
-                </a:solidFill>
-              </a:rPr>
-              <a:t> int, </a:t>
-            </a:r>
-            <a:r>
-              <a:rPr lang="en-US" sz="1400" dirty="0" err="1">
-                <a:solidFill>
-                  <a:srgbClr val="0070C0"/>
-                </a:solidFill>
-              </a:rPr>
-              <a:t>emp_name</a:t>
-            </a:r>
-            <a:r>
-              <a:rPr lang="en-US" sz="1400" dirty="0">
-                <a:solidFill>
-                  <a:srgbClr val="0070C0"/>
-                </a:solidFill>
-              </a:rPr>
-              <a:t> text, </a:t>
-            </a:r>
-            <a:r>
-              <a:rPr lang="en-US" sz="1400" dirty="0" err="1">
-                <a:solidFill>
-                  <a:srgbClr val="0070C0"/>
-                </a:solidFill>
-              </a:rPr>
-              <a:t>dep_code</a:t>
-            </a:r>
-            <a:r>
-              <a:rPr lang="en-US" sz="1400" dirty="0">
-                <a:solidFill>
-                  <a:srgbClr val="0070C0"/>
-                </a:solidFill>
-              </a:rPr>
-              <a:t> int)</a:t>
-            </a:r>
-          </a:p>
-          <a:p>
-            <a:pPr marL="0" indent="0">
-              <a:buNone/>
-            </a:pPr>
-            <a:r>
-              <a:rPr lang="en-US" sz="1400" dirty="0">
-                <a:solidFill>
-                  <a:srgbClr val="0070C0"/>
-                </a:solidFill>
-              </a:rPr>
-              <a:t>PARTITION BY HASH (</a:t>
-            </a:r>
-            <a:r>
-              <a:rPr lang="en-US" sz="1400" dirty="0" err="1">
-                <a:solidFill>
-                  <a:srgbClr val="0070C0"/>
-                </a:solidFill>
-              </a:rPr>
-              <a:t>emp_id</a:t>
-            </a:r>
-            <a:r>
-              <a:rPr lang="en-US" sz="1400" dirty="0">
-                <a:solidFill>
-                  <a:srgbClr val="0070C0"/>
-                </a:solidFill>
-              </a:rPr>
-              <a:t>);</a:t>
-            </a:r>
-          </a:p>
-          <a:p>
-            <a:pPr marL="0" indent="0">
-              <a:buNone/>
-            </a:pPr>
-            <a:endParaRPr lang="en-US" sz="1400" dirty="0">
-              <a:solidFill>
-                <a:srgbClr val="0070C0"/>
-              </a:solidFill>
-            </a:endParaRPr>
-          </a:p>
-          <a:p>
-            <a:pPr marL="0" indent="0">
-              <a:buNone/>
-            </a:pPr>
-            <a:r>
-              <a:rPr lang="en-US" sz="1400" dirty="0">
-                <a:solidFill>
-                  <a:srgbClr val="0070C0"/>
-                </a:solidFill>
-              </a:rPr>
-              <a:t>CREATE TABLE emp_0 PARTITION OF emp FOR VALUES WITH (MODULUS 2,REMAINDER 0);</a:t>
-            </a:r>
-          </a:p>
-          <a:p>
-            <a:pPr marL="0" indent="0">
-              <a:buNone/>
-            </a:pPr>
-            <a:r>
-              <a:rPr lang="en-US" sz="1400" dirty="0">
-                <a:solidFill>
-                  <a:srgbClr val="0070C0"/>
-                </a:solidFill>
-              </a:rPr>
-              <a:t>CREATE TABLE emp_1 PARTITION OF emp FOR VALUES WITH (MODULUS 2,REMAINDER 1);</a:t>
-            </a:r>
-            <a:endParaRPr lang="ru-RU" sz="1400" dirty="0">
-              <a:solidFill>
-                <a:srgbClr val="0070C0"/>
-              </a:solidFill>
-            </a:endParaRPr>
-          </a:p>
-          <a:p>
-            <a:pPr marL="0" indent="0">
-              <a:buNone/>
-            </a:pPr>
-            <a:endParaRPr lang="ru-RU" sz="1400" dirty="0">
-              <a:solidFill>
-                <a:srgbClr val="0070C0"/>
-              </a:solidFill>
-            </a:endParaRPr>
+            <a:pPr lvl="0">
+              <a:buClr>
+                <a:srgbClr val="666666"/>
+              </a:buClr>
+              <a:buSzPct val="45000"/>
+              <a:buFont typeface="StarSymbol"/>
+              <a:buChar char="●"/>
+            </a:pPr>
+            <a:r>
+              <a:rPr lang="ru-RU" sz="2600" dirty="0">
+                <a:solidFill>
+                  <a:srgbClr val="000000"/>
+                </a:solidFill>
+                <a:ea typeface="DejaVu Sans" pitchFamily="2"/>
+                <a:cs typeface="DejaVu Sans" pitchFamily="2"/>
+              </a:rPr>
+              <a:t>Практика</a:t>
+            </a:r>
+            <a:endParaRPr lang="ru-RU" dirty="0"/>
           </a:p>
         </p:txBody>
       </p:sp>
     </p:spTree>
     <p:extLst>
       <p:ext uri="{BB962C8B-B14F-4D97-AF65-F5344CB8AC3E}">
-        <p14:creationId xmlns:p14="http://schemas.microsoft.com/office/powerpoint/2010/main" val="2327172896"/>
+        <p14:creationId xmlns:p14="http://schemas.microsoft.com/office/powerpoint/2010/main" val="21106420"/>
       </p:ext>
     </p:extLst>
   </p:cSld>
@@ -8318,6 +7655,215 @@
           <p:cNvPr id="2" name="Title 1">
             <a:extLst>
               <a:ext uri="{FF2B5EF4-FFF2-40B4-BE49-F238E27FC236}">
+                <a16:creationId xmlns:a16="http://schemas.microsoft.com/office/drawing/2014/main" id="{1ED93B46-2129-4D6B-9E60-2C5A2357CAE3}"/>
+              </a:ext>
+            </a:extLst>
+          </p:cNvPr>
+          <p:cNvSpPr>
+            <a:spLocks noGrp="1"/>
+          </p:cNvSpPr>
+          <p:nvPr>
+            <p:ph type="title"/>
+          </p:nvPr>
+        </p:nvSpPr>
+        <p:spPr/>
+        <p:txBody>
+          <a:bodyPr>
+            <a:normAutofit/>
+          </a:bodyPr>
+          <a:lstStyle/>
+          <a:p>
+            <a:r>
+              <a:rPr lang="en-US" dirty="0">
+                <a:ea typeface="DejaVu Sans" pitchFamily="2"/>
+                <a:cs typeface="DejaVu Sans" pitchFamily="2"/>
+              </a:rPr>
+              <a:t>Оптимизация SQL</a:t>
+            </a:r>
+            <a:br>
+              <a:rPr lang="en-US" dirty="0">
+                <a:ea typeface="DejaVu Sans" pitchFamily="2"/>
+                <a:cs typeface="DejaVu Sans" pitchFamily="2"/>
+              </a:rPr>
+            </a:br>
+            <a:r>
+              <a:rPr lang="en-US" sz="2000" dirty="0" err="1">
+                <a:ea typeface="DejaVu Sans" pitchFamily="2"/>
+                <a:cs typeface="DejaVu Sans" pitchFamily="2"/>
+              </a:rPr>
+              <a:t>Блок</a:t>
+            </a:r>
+            <a:r>
+              <a:rPr lang="en-US" sz="2000" dirty="0">
+                <a:ea typeface="DejaVu Sans" pitchFamily="2"/>
+                <a:cs typeface="DejaVu Sans" pitchFamily="2"/>
+              </a:rPr>
+              <a:t> 2: Теория: </a:t>
+            </a:r>
+            <a:r>
+              <a:rPr lang="ru-RU" sz="2000" dirty="0" err="1">
+                <a:ea typeface="DejaVu Sans" pitchFamily="2"/>
+                <a:cs typeface="DejaVu Sans" pitchFamily="2"/>
+              </a:rPr>
+              <a:t>Партицирование</a:t>
+            </a:r>
+            <a:endParaRPr lang="ru-RU" dirty="0"/>
+          </a:p>
+        </p:txBody>
+      </p:sp>
+      <p:sp>
+        <p:nvSpPr>
+          <p:cNvPr id="3" name="Content Placeholder 2">
+            <a:extLst>
+              <a:ext uri="{FF2B5EF4-FFF2-40B4-BE49-F238E27FC236}">
+                <a16:creationId xmlns:a16="http://schemas.microsoft.com/office/drawing/2014/main" id="{8E65D122-F661-4641-A255-7626711E7581}"/>
+              </a:ext>
+            </a:extLst>
+          </p:cNvPr>
+          <p:cNvSpPr>
+            <a:spLocks noGrp="1"/>
+          </p:cNvSpPr>
+          <p:nvPr>
+            <p:ph idx="1"/>
+          </p:nvPr>
+        </p:nvSpPr>
+        <p:spPr/>
+        <p:txBody>
+          <a:bodyPr>
+            <a:normAutofit/>
+          </a:bodyPr>
+          <a:lstStyle/>
+          <a:p>
+            <a:pPr marL="0" lvl="0" indent="0">
+              <a:buClr>
+                <a:srgbClr val="666666"/>
+              </a:buClr>
+              <a:buSzPct val="45000"/>
+              <a:buNone/>
+            </a:pPr>
+            <a:r>
+              <a:rPr lang="ru-RU" sz="1400" b="1" dirty="0"/>
+              <a:t>Секционированием (</a:t>
+            </a:r>
+            <a:r>
+              <a:rPr lang="ru-RU" sz="1400" b="1" dirty="0" err="1"/>
+              <a:t>партицированием</a:t>
+            </a:r>
+            <a:r>
+              <a:rPr lang="ru-RU" sz="1400" b="1" dirty="0"/>
+              <a:t>)</a:t>
+            </a:r>
+            <a:r>
+              <a:rPr lang="ru-RU" sz="1400" dirty="0"/>
+              <a:t> данных называется разбиение одной большой логической таблицы на несколько меньших физических секций. Преимущества:</a:t>
+            </a:r>
+          </a:p>
+          <a:p>
+            <a:pPr lvl="0">
+              <a:buClr>
+                <a:srgbClr val="666666"/>
+              </a:buClr>
+              <a:buSzPct val="45000"/>
+              <a:buFont typeface="StarSymbol"/>
+              <a:buChar char="●"/>
+            </a:pPr>
+            <a:r>
+              <a:rPr lang="ru-RU" sz="1400" dirty="0"/>
+              <a:t>Когда в выборке или изменении данных задействована большая часть одной секции, производительность может возрасти, если будет выполняться последовательное сканирование этой секции, а не поиск по индексу, сопровождаемый произвольным чтением данных, разбросанных по всей таблице.</a:t>
+            </a:r>
+          </a:p>
+          <a:p>
+            <a:pPr lvl="0">
+              <a:buClr>
+                <a:srgbClr val="666666"/>
+              </a:buClr>
+              <a:buSzPct val="45000"/>
+              <a:buFont typeface="StarSymbol"/>
+              <a:buChar char="●"/>
+            </a:pPr>
+            <a:r>
+              <a:rPr lang="ru-RU" sz="1400" dirty="0"/>
+              <a:t>Массовую загрузку и удаление данных можно осуществлять, добавляя и удаляя секции, если такой вариант использования был предусмотрен при проектировании секций. </a:t>
+            </a:r>
+            <a:br>
+              <a:rPr lang="ru-RU" sz="1400" dirty="0"/>
+            </a:br>
+            <a:r>
+              <a:rPr lang="ru-RU" sz="1400" dirty="0"/>
+              <a:t>Удаление отдельной секции командой DROP TABLE и действие ALTER TABLE DETACH PARTITION выполняются гораздо быстрее, чем аналогичная массовая операция. </a:t>
+            </a:r>
+            <a:br>
+              <a:rPr lang="ru-RU" sz="1400" dirty="0"/>
+            </a:br>
+            <a:r>
+              <a:rPr lang="ru-RU" sz="1400" dirty="0"/>
+              <a:t>Эти команды полностью исключают накладные расходы, связанные с выполнением VACUUM после массовой операции DELETE.</a:t>
+            </a:r>
+          </a:p>
+          <a:p>
+            <a:pPr lvl="0">
+              <a:buClr>
+                <a:srgbClr val="666666"/>
+              </a:buClr>
+              <a:buSzPct val="45000"/>
+              <a:buFont typeface="StarSymbol"/>
+              <a:buChar char="●"/>
+            </a:pPr>
+            <a:r>
+              <a:rPr lang="ru-RU" sz="1400" dirty="0"/>
+              <a:t>Редко используемые данные можно перенести на более дешёвые и медленные носители.</a:t>
+            </a:r>
+          </a:p>
+          <a:p>
+            <a:pPr marL="0" lvl="0" indent="0">
+              <a:buClr>
+                <a:srgbClr val="666666"/>
+              </a:buClr>
+              <a:buSzPct val="45000"/>
+              <a:buNone/>
+            </a:pPr>
+            <a:r>
+              <a:rPr lang="ru-RU" sz="1400" dirty="0"/>
+              <a:t>Всё это обычно полезно только для очень больших таблиц. Какие именно таблицы выиграют от секционирования, зависит от конкретного приложения, хотя, как правило, это следует применять для таблиц, размер которых превышает объём ОЗУ сервера.</a:t>
+            </a:r>
+          </a:p>
+        </p:txBody>
+      </p:sp>
+    </p:spTree>
+    <p:extLst>
+      <p:ext uri="{BB962C8B-B14F-4D97-AF65-F5344CB8AC3E}">
+        <p14:creationId xmlns:p14="http://schemas.microsoft.com/office/powerpoint/2010/main" val="3511590595"/>
+      </p:ext>
+    </p:extLst>
+  </p:cSld>
+  <p:clrMapOvr>
+    <a:masterClrMapping/>
+  </p:clrMapOvr>
+</p:sld>
+</file>
+
+<file path=ppt/slides/slide19.xml><?xml version="1.0" encoding="utf-8"?>
+<p:sld xmlns:a="http://schemas.openxmlformats.org/drawingml/2006/main" xmlns:r="http://schemas.openxmlformats.org/officeDocument/2006/relationships" xmlns:p="http://schemas.openxmlformats.org/presentationml/2006/main">
+  <p:cSld>
+    <p:spTree>
+      <p:nvGrpSpPr>
+        <p:cNvPr id="1" name=""/>
+        <p:cNvGrpSpPr/>
+        <p:nvPr/>
+      </p:nvGrpSpPr>
+      <p:grpSpPr>
+        <a:xfrm>
+          <a:off x="0" y="0"/>
+          <a:ext cx="0" cy="0"/>
+          <a:chOff x="0" y="0"/>
+          <a:chExt cx="0" cy="0"/>
+        </a:xfrm>
+      </p:grpSpPr>
+      <p:sp>
+        <p:nvSpPr>
+          <p:cNvPr id="2" name="Title 1">
+            <a:extLst>
+              <a:ext uri="{FF2B5EF4-FFF2-40B4-BE49-F238E27FC236}">
                 <a16:creationId xmlns:a16="http://schemas.microsoft.com/office/drawing/2014/main" id="{C61B5D42-722A-4E57-AE65-87E9F04C13B5}"/>
               </a:ext>
             </a:extLst>
@@ -8369,6 +7915,20 @@
                 <a:cs typeface="DejaVu Sans" pitchFamily="2"/>
               </a:rPr>
               <a:t>Партицирование</a:t>
+            </a:r>
+            <a:r>
+              <a:rPr lang="ru-RU" sz="2000" dirty="0">
+                <a:ea typeface="DejaVu Sans" pitchFamily="2"/>
+                <a:cs typeface="DejaVu Sans" pitchFamily="2"/>
+              </a:rPr>
+              <a:t> – виды </a:t>
+            </a:r>
+            <a:r>
+              <a:rPr lang="ru-RU" sz="2000" dirty="0" err="1">
+                <a:ea typeface="DejaVu Sans" pitchFamily="2"/>
+                <a:cs typeface="DejaVu Sans" pitchFamily="2"/>
+              </a:rPr>
+              <a:t>партиций</a:t>
             </a:r>
             <a:endParaRPr lang="ru-RU" dirty="0"/>
           </a:p>
@@ -8390,6 +7950,1097 @@
             <p:ph idx="1"/>
           </p:nvPr>
         </p:nvSpPr>
+        <p:spPr>
+          <a:xfrm>
+            <a:off x="1069848" y="1878767"/>
+            <a:ext cx="10058400" cy="4691921"/>
+          </a:xfrm>
+        </p:spPr>
+        <p:txBody>
+          <a:bodyPr>
+            <a:normAutofit/>
+          </a:bodyPr>
+          <a:lstStyle/>
+          <a:p>
+            <a:r>
+              <a:rPr lang="ru-RU" sz="1400" dirty="0"/>
+              <a:t>Секционирование по диапазонам</a:t>
+            </a:r>
+          </a:p>
+          <a:p>
+            <a:pPr marL="0" indent="0">
+              <a:buNone/>
+            </a:pPr>
+            <a:r>
+              <a:rPr lang="ru-RU" sz="1400" dirty="0"/>
+              <a:t>Таблица секционируется по «диапазонам». Например, можно секционировать данные по диапазонам дат или по диапазонам идентификаторов определённых бизнес-объектов. </a:t>
+            </a:r>
+            <a:br>
+              <a:rPr lang="ru-RU" sz="1400" dirty="0"/>
+            </a:br>
+            <a:r>
+              <a:rPr lang="ru-RU" sz="1400" dirty="0"/>
+              <a:t>Границы каждого диапазона считаются включающими нижнее значение и исключающими верхнее. </a:t>
+            </a:r>
+            <a:br>
+              <a:rPr lang="ru-RU" sz="1400" dirty="0"/>
+            </a:br>
+            <a:br>
+              <a:rPr lang="ru-RU" sz="1400" dirty="0">
+                <a:solidFill>
+                  <a:srgbClr val="0070C0"/>
+                </a:solidFill>
+              </a:rPr>
+            </a:br>
+            <a:r>
+              <a:rPr lang="en-US" sz="1400" dirty="0">
+                <a:solidFill>
+                  <a:srgbClr val="0070C0"/>
+                </a:solidFill>
+              </a:rPr>
+              <a:t>Create table orders (id int, </a:t>
+            </a:r>
+            <a:r>
+              <a:rPr lang="en-US" sz="1400" dirty="0" err="1">
+                <a:solidFill>
+                  <a:srgbClr val="0070C0"/>
+                </a:solidFill>
+              </a:rPr>
+              <a:t>order_desc</a:t>
+            </a:r>
+            <a:r>
+              <a:rPr lang="en-US" sz="1400" dirty="0">
+                <a:solidFill>
+                  <a:srgbClr val="0070C0"/>
+                </a:solidFill>
+              </a:rPr>
+              <a:t> varchar(500), </a:t>
+            </a:r>
+            <a:r>
+              <a:rPr lang="en-US" sz="1400" dirty="0" err="1">
+                <a:solidFill>
+                  <a:srgbClr val="0070C0"/>
+                </a:solidFill>
+              </a:rPr>
+              <a:t>start_date</a:t>
+            </a:r>
+            <a:r>
+              <a:rPr lang="en-US" sz="1400" dirty="0">
+                <a:solidFill>
+                  <a:srgbClr val="0070C0"/>
+                </a:solidFill>
+              </a:rPr>
+              <a:t> date, </a:t>
+            </a:r>
+            <a:r>
+              <a:rPr lang="en-US" sz="1400" dirty="0" err="1">
+                <a:solidFill>
+                  <a:srgbClr val="0070C0"/>
+                </a:solidFill>
+              </a:rPr>
+              <a:t>finish_date</a:t>
+            </a:r>
+            <a:r>
+              <a:rPr lang="en-US" sz="1400" dirty="0">
+                <a:solidFill>
+                  <a:srgbClr val="0070C0"/>
+                </a:solidFill>
+              </a:rPr>
+              <a:t> date)</a:t>
+            </a:r>
+            <a:endParaRPr lang="ru-RU" sz="1400" dirty="0">
+              <a:solidFill>
+                <a:srgbClr val="0070C0"/>
+              </a:solidFill>
+            </a:endParaRPr>
+          </a:p>
+          <a:p>
+            <a:pPr marL="0" indent="0">
+              <a:buNone/>
+            </a:pPr>
+            <a:r>
+              <a:rPr lang="en-US" sz="1400" dirty="0">
+                <a:solidFill>
+                  <a:srgbClr val="0070C0"/>
+                </a:solidFill>
+              </a:rPr>
+              <a:t>PARTITION BY RANGE (</a:t>
+            </a:r>
+            <a:r>
+              <a:rPr lang="en-US" sz="1400" dirty="0" err="1">
+                <a:solidFill>
+                  <a:srgbClr val="0070C0"/>
+                </a:solidFill>
+              </a:rPr>
+              <a:t>start_date</a:t>
+            </a:r>
+            <a:r>
+              <a:rPr lang="en-US" sz="1400" dirty="0">
+                <a:solidFill>
+                  <a:srgbClr val="0070C0"/>
+                </a:solidFill>
+              </a:rPr>
+              <a:t>);</a:t>
+            </a:r>
+          </a:p>
+          <a:p>
+            <a:pPr marL="0" indent="0">
+              <a:buNone/>
+            </a:pPr>
+            <a:endParaRPr lang="en-US" sz="1400" dirty="0">
+              <a:solidFill>
+                <a:srgbClr val="0070C0"/>
+              </a:solidFill>
+            </a:endParaRPr>
+          </a:p>
+          <a:p>
+            <a:pPr marL="0" indent="0">
+              <a:buNone/>
+            </a:pPr>
+            <a:r>
+              <a:rPr lang="en-US" sz="1400" dirty="0">
+                <a:solidFill>
+                  <a:srgbClr val="0070C0"/>
+                </a:solidFill>
+              </a:rPr>
+              <a:t>create table orders_p_2022</a:t>
+            </a:r>
+          </a:p>
+          <a:p>
+            <a:pPr marL="0" indent="0">
+              <a:buNone/>
+            </a:pPr>
+            <a:r>
+              <a:rPr lang="en-US" sz="1400" dirty="0">
+                <a:solidFill>
+                  <a:srgbClr val="0070C0"/>
+                </a:solidFill>
+              </a:rPr>
+              <a:t>partition of orders</a:t>
+            </a:r>
+          </a:p>
+          <a:p>
+            <a:pPr marL="0" indent="0">
+              <a:buNone/>
+            </a:pPr>
+            <a:r>
+              <a:rPr lang="en-US" sz="1400" dirty="0">
+                <a:solidFill>
+                  <a:srgbClr val="0070C0"/>
+                </a:solidFill>
+              </a:rPr>
+              <a:t>for values from (‘2022-01-01') to (‘2023-01-01’);</a:t>
+            </a:r>
+          </a:p>
+          <a:p>
+            <a:pPr marL="0" indent="0">
+              <a:buNone/>
+            </a:pPr>
+            <a:endParaRPr lang="en-US" sz="1400" dirty="0">
+              <a:solidFill>
+                <a:srgbClr val="0070C0"/>
+              </a:solidFill>
+            </a:endParaRPr>
+          </a:p>
+          <a:p>
+            <a:pPr marL="0" indent="0">
+              <a:buNone/>
+            </a:pPr>
+            <a:r>
+              <a:rPr lang="en-US" sz="1400" dirty="0">
+                <a:solidFill>
+                  <a:srgbClr val="0070C0"/>
+                </a:solidFill>
+              </a:rPr>
+              <a:t>create table orders_p_2023</a:t>
+            </a:r>
+          </a:p>
+          <a:p>
+            <a:pPr marL="0" indent="0">
+              <a:buNone/>
+            </a:pPr>
+            <a:r>
+              <a:rPr lang="en-US" sz="1400" dirty="0">
+                <a:solidFill>
+                  <a:srgbClr val="0070C0"/>
+                </a:solidFill>
+              </a:rPr>
+              <a:t>partition of orders</a:t>
+            </a:r>
+          </a:p>
+          <a:p>
+            <a:pPr marL="0" indent="0">
+              <a:buNone/>
+            </a:pPr>
+            <a:r>
+              <a:rPr lang="en-US" sz="1400" dirty="0">
+                <a:solidFill>
+                  <a:srgbClr val="0070C0"/>
+                </a:solidFill>
+              </a:rPr>
+              <a:t>for values from (‘202</a:t>
+            </a:r>
+            <a:r>
+              <a:rPr lang="ru-RU" sz="1400">
+                <a:solidFill>
+                  <a:srgbClr val="0070C0"/>
+                </a:solidFill>
+              </a:rPr>
+              <a:t>3</a:t>
+            </a:r>
+            <a:r>
+              <a:rPr lang="en-US" sz="1400">
+                <a:solidFill>
+                  <a:srgbClr val="0070C0"/>
+                </a:solidFill>
+              </a:rPr>
+              <a:t>-01-01</a:t>
+            </a:r>
+            <a:r>
+              <a:rPr lang="en-US" sz="1400" dirty="0">
+                <a:solidFill>
+                  <a:srgbClr val="0070C0"/>
+                </a:solidFill>
+              </a:rPr>
+              <a:t>') to (‘2023-12-31');</a:t>
+            </a:r>
+          </a:p>
+        </p:txBody>
+      </p:sp>
+    </p:spTree>
+    <p:extLst>
+      <p:ext uri="{BB962C8B-B14F-4D97-AF65-F5344CB8AC3E}">
+        <p14:creationId xmlns:p14="http://schemas.microsoft.com/office/powerpoint/2010/main" val="1219338864"/>
+      </p:ext>
+    </p:extLst>
+  </p:cSld>
+  <p:clrMapOvr>
+    <a:masterClrMapping/>
+  </p:clrMapOvr>
+</p:sld>
+</file>
+
+<file path=ppt/slides/slide2.xml><?xml version="1.0" encoding="utf-8"?>
+<p:sld xmlns:a="http://schemas.openxmlformats.org/drawingml/2006/main" xmlns:r="http://schemas.openxmlformats.org/officeDocument/2006/relationships" xmlns:p="http://schemas.openxmlformats.org/presentationml/2006/main">
+  <p:cSld>
+    <p:spTree>
+      <p:nvGrpSpPr>
+        <p:cNvPr id="1" name=""/>
+        <p:cNvGrpSpPr/>
+        <p:nvPr/>
+      </p:nvGrpSpPr>
+      <p:grpSpPr>
+        <a:xfrm>
+          <a:off x="0" y="0"/>
+          <a:ext cx="0" cy="0"/>
+          <a:chOff x="0" y="0"/>
+          <a:chExt cx="0" cy="0"/>
+        </a:xfrm>
+      </p:grpSpPr>
+      <p:sp>
+        <p:nvSpPr>
+          <p:cNvPr id="2" name="Title 1">
+            <a:extLst>
+              <a:ext uri="{FF2B5EF4-FFF2-40B4-BE49-F238E27FC236}">
+                <a16:creationId xmlns:a16="http://schemas.microsoft.com/office/drawing/2014/main" id="{167639D8-8593-4ED9-BB37-6167D5451BC1}"/>
+              </a:ext>
+            </a:extLst>
+          </p:cNvPr>
+          <p:cNvSpPr>
+            <a:spLocks noGrp="1"/>
+          </p:cNvSpPr>
+          <p:nvPr>
+            <p:ph type="title"/>
+          </p:nvPr>
+        </p:nvSpPr>
+        <p:spPr/>
+        <p:txBody>
+          <a:bodyPr/>
+          <a:lstStyle/>
+          <a:p>
+            <a:r>
+              <a:rPr lang="en-US" dirty="0">
+                <a:ea typeface="DejaVu Sans" pitchFamily="2"/>
+                <a:cs typeface="DejaVu Sans" pitchFamily="2"/>
+              </a:rPr>
+              <a:t>Оптимизация SQL</a:t>
+            </a:r>
+            <a:br>
+              <a:rPr lang="ru-RU" dirty="0">
+                <a:ea typeface="DejaVu Sans" pitchFamily="2"/>
+                <a:cs typeface="DejaVu Sans" pitchFamily="2"/>
+              </a:rPr>
+            </a:br>
+            <a:r>
+              <a:rPr lang="ru-RU" sz="2400" dirty="0">
+                <a:ea typeface="DejaVu Sans" pitchFamily="2"/>
+                <a:cs typeface="DejaVu Sans" pitchFamily="2"/>
+              </a:rPr>
+              <a:t>Перед стартом</a:t>
+            </a:r>
+            <a:endParaRPr lang="ru-RU" dirty="0"/>
+          </a:p>
+        </p:txBody>
+      </p:sp>
+      <p:sp>
+        <p:nvSpPr>
+          <p:cNvPr id="3" name="Content Placeholder 2">
+            <a:extLst>
+              <a:ext uri="{FF2B5EF4-FFF2-40B4-BE49-F238E27FC236}">
+                <a16:creationId xmlns:a16="http://schemas.microsoft.com/office/drawing/2014/main" id="{35FCC3B0-181C-48B0-B434-7CC28CB160FB}"/>
+              </a:ext>
+            </a:extLst>
+          </p:cNvPr>
+          <p:cNvSpPr>
+            <a:spLocks noGrp="1"/>
+          </p:cNvSpPr>
+          <p:nvPr>
+            <p:ph idx="1"/>
+          </p:nvPr>
+        </p:nvSpPr>
+        <p:spPr/>
+        <p:txBody>
+          <a:bodyPr/>
+          <a:lstStyle/>
+          <a:p>
+            <a:pPr>
+              <a:buClr>
+                <a:srgbClr val="666666"/>
+              </a:buClr>
+              <a:buSzPct val="45000"/>
+            </a:pPr>
+            <a:r>
+              <a:rPr lang="ru-RU" dirty="0">
+                <a:solidFill>
+                  <a:srgbClr val="000000"/>
+                </a:solidFill>
+                <a:ea typeface="DejaVu Sans" pitchFamily="2"/>
+                <a:cs typeface="DejaVu Sans" pitchFamily="2"/>
+              </a:rPr>
+              <a:t>На компьютере должны быть установлены:</a:t>
+            </a:r>
+          </a:p>
+          <a:p>
+            <a:pPr lvl="1">
+              <a:buClr>
+                <a:srgbClr val="666666"/>
+              </a:buClr>
+              <a:buSzPct val="45000"/>
+            </a:pPr>
+            <a:r>
+              <a:rPr lang="ru-RU" dirty="0">
+                <a:solidFill>
+                  <a:srgbClr val="000000"/>
+                </a:solidFill>
+                <a:ea typeface="DejaVu Sans" pitchFamily="2"/>
+                <a:cs typeface="DejaVu Sans" pitchFamily="2"/>
+              </a:rPr>
+              <a:t>Docker</a:t>
+            </a:r>
+          </a:p>
+          <a:p>
+            <a:pPr lvl="1">
+              <a:buClr>
+                <a:srgbClr val="666666"/>
+              </a:buClr>
+              <a:buSzPct val="45000"/>
+            </a:pPr>
+            <a:r>
+              <a:rPr lang="ru-RU" dirty="0">
+                <a:solidFill>
+                  <a:srgbClr val="000000"/>
+                </a:solidFill>
+                <a:ea typeface="DejaVu Sans" pitchFamily="2"/>
+                <a:cs typeface="DejaVu Sans" pitchFamily="2"/>
+              </a:rPr>
+              <a:t>docker-compose</a:t>
+            </a:r>
+          </a:p>
+          <a:p>
+            <a:pPr lvl="1">
+              <a:buClr>
+                <a:srgbClr val="666666"/>
+              </a:buClr>
+              <a:buSzPct val="45000"/>
+            </a:pPr>
+            <a:r>
+              <a:rPr lang="ru-RU" dirty="0">
+                <a:solidFill>
+                  <a:srgbClr val="000000"/>
+                </a:solidFill>
+                <a:ea typeface="DejaVu Sans" pitchFamily="2"/>
+                <a:cs typeface="DejaVu Sans" pitchFamily="2"/>
+              </a:rPr>
+              <a:t>клиент для работы с БД (</a:t>
+            </a:r>
+            <a:r>
+              <a:rPr lang="ru-RU" sz="1400" dirty="0">
+                <a:solidFill>
+                  <a:srgbClr val="000000"/>
+                </a:solidFill>
+                <a:ea typeface="DejaVu Sans" pitchFamily="2"/>
+                <a:cs typeface="DejaVu Sans" pitchFamily="2"/>
+              </a:rPr>
+              <a:t>например dbeaver</a:t>
+            </a:r>
+            <a:r>
+              <a:rPr lang="ru-RU" dirty="0">
+                <a:solidFill>
+                  <a:srgbClr val="000000"/>
+                </a:solidFill>
+                <a:ea typeface="DejaVu Sans" pitchFamily="2"/>
+                <a:cs typeface="DejaVu Sans" pitchFamily="2"/>
+              </a:rPr>
+              <a:t>)</a:t>
+            </a:r>
+          </a:p>
+          <a:p>
+            <a:pPr lvl="0">
+              <a:buClr>
+                <a:srgbClr val="666666"/>
+              </a:buClr>
+              <a:buSzPct val="45000"/>
+              <a:buFont typeface="StarSymbol"/>
+              <a:buChar char="●"/>
+            </a:pPr>
+            <a:r>
+              <a:rPr lang="ru-RU" dirty="0">
+                <a:solidFill>
+                  <a:srgbClr val="000000"/>
+                </a:solidFill>
+                <a:ea typeface="DejaVu Sans" pitchFamily="2"/>
+                <a:cs typeface="DejaVu Sans" pitchFamily="2"/>
+              </a:rPr>
+              <a:t>Необходимо скачать git репозиторий: </a:t>
+            </a:r>
+            <a:r>
+              <a:rPr lang="af-ZA" dirty="0">
+                <a:solidFill>
+                  <a:srgbClr val="000000"/>
+                </a:solidFill>
+                <a:ea typeface="DejaVu Sans" pitchFamily="2"/>
+                <a:cs typeface="DejaVu Sans" pitchFamily="2"/>
+                <a:hlinkClick r:id="rId2"/>
+              </a:rPr>
+              <a:t>https://github.com/Minastirise/</a:t>
+            </a:r>
+            <a:r>
+              <a:rPr lang="ru-RU" dirty="0" err="1">
+                <a:solidFill>
+                  <a:srgbClr val="000000"/>
+                </a:solidFill>
+                <a:ea typeface="DejaVu Sans" pitchFamily="2"/>
+                <a:cs typeface="DejaVu Sans" pitchFamily="2"/>
+                <a:hlinkClick r:id="rId2"/>
+              </a:rPr>
+              <a:t>workshop_sql_optimization</a:t>
+            </a:r>
+            <a:endParaRPr lang="en-US" dirty="0">
+              <a:solidFill>
+                <a:srgbClr val="000000"/>
+              </a:solidFill>
+              <a:ea typeface="DejaVu Sans" pitchFamily="2"/>
+              <a:cs typeface="DejaVu Sans" pitchFamily="2"/>
+            </a:endParaRPr>
+          </a:p>
+          <a:p>
+            <a:pPr marL="0" lvl="0" indent="0">
+              <a:buClr>
+                <a:srgbClr val="666666"/>
+              </a:buClr>
+              <a:buSzPct val="45000"/>
+              <a:buNone/>
+            </a:pPr>
+            <a:endParaRPr lang="ru-RU" dirty="0">
+              <a:solidFill>
+                <a:srgbClr val="000000"/>
+              </a:solidFill>
+              <a:ea typeface="DejaVu Sans" pitchFamily="2"/>
+              <a:cs typeface="DejaVu Sans" pitchFamily="2"/>
+            </a:endParaRPr>
+          </a:p>
+          <a:p>
+            <a:pPr marL="0" indent="0">
+              <a:buNone/>
+            </a:pPr>
+            <a:endParaRPr lang="ru-RU" dirty="0"/>
+          </a:p>
+        </p:txBody>
+      </p:sp>
+    </p:spTree>
+    <p:extLst>
+      <p:ext uri="{BB962C8B-B14F-4D97-AF65-F5344CB8AC3E}">
+        <p14:creationId xmlns:p14="http://schemas.microsoft.com/office/powerpoint/2010/main" val="1457357615"/>
+      </p:ext>
+    </p:extLst>
+  </p:cSld>
+  <p:clrMapOvr>
+    <a:masterClrMapping/>
+  </p:clrMapOvr>
+</p:sld>
+</file>
+
+<file path=ppt/slides/slide20.xml><?xml version="1.0" encoding="utf-8"?>
+<p:sld xmlns:a="http://schemas.openxmlformats.org/drawingml/2006/main" xmlns:r="http://schemas.openxmlformats.org/officeDocument/2006/relationships" xmlns:p="http://schemas.openxmlformats.org/presentationml/2006/main">
+  <p:cSld>
+    <p:spTree>
+      <p:nvGrpSpPr>
+        <p:cNvPr id="1" name=""/>
+        <p:cNvGrpSpPr/>
+        <p:nvPr/>
+      </p:nvGrpSpPr>
+      <p:grpSpPr>
+        <a:xfrm>
+          <a:off x="0" y="0"/>
+          <a:ext cx="0" cy="0"/>
+          <a:chOff x="0" y="0"/>
+          <a:chExt cx="0" cy="0"/>
+        </a:xfrm>
+      </p:grpSpPr>
+      <p:sp>
+        <p:nvSpPr>
+          <p:cNvPr id="2" name="Title 1">
+            <a:extLst>
+              <a:ext uri="{FF2B5EF4-FFF2-40B4-BE49-F238E27FC236}">
+                <a16:creationId xmlns:a16="http://schemas.microsoft.com/office/drawing/2014/main" id="{C61B5D42-722A-4E57-AE65-87E9F04C13B5}"/>
+              </a:ext>
+            </a:extLst>
+          </p:cNvPr>
+          <p:cNvSpPr>
+            <a:spLocks noGrp="1"/>
+          </p:cNvSpPr>
+          <p:nvPr>
+            <p:ph type="title"/>
+          </p:nvPr>
+        </p:nvSpPr>
+        <p:spPr/>
+        <p:txBody>
+          <a:bodyPr>
+            <a:normAutofit/>
+          </a:bodyPr>
+          <a:lstStyle/>
+          <a:p>
+            <a:r>
+              <a:rPr lang="en-US" dirty="0">
+                <a:ea typeface="DejaVu Sans" pitchFamily="2"/>
+                <a:cs typeface="DejaVu Sans" pitchFamily="2"/>
+              </a:rPr>
+              <a:t>Оптимизация SQL</a:t>
+            </a:r>
+            <a:br>
+              <a:rPr lang="en-US" dirty="0">
+                <a:ea typeface="DejaVu Sans" pitchFamily="2"/>
+                <a:cs typeface="DejaVu Sans" pitchFamily="2"/>
+              </a:rPr>
+            </a:br>
+            <a:r>
+              <a:rPr lang="en-US" sz="2000" dirty="0" err="1">
+                <a:ea typeface="DejaVu Sans" pitchFamily="2"/>
+                <a:cs typeface="DejaVu Sans" pitchFamily="2"/>
+              </a:rPr>
+              <a:t>Блок</a:t>
+            </a:r>
+            <a:r>
+              <a:rPr lang="en-US" sz="2000" dirty="0">
+                <a:ea typeface="DejaVu Sans" pitchFamily="2"/>
+                <a:cs typeface="DejaVu Sans" pitchFamily="2"/>
+              </a:rPr>
+              <a:t> 2: </a:t>
+            </a:r>
+            <a:r>
+              <a:rPr lang="ru-RU" sz="2000" dirty="0" err="1">
+                <a:ea typeface="DejaVu Sans" pitchFamily="2"/>
+                <a:cs typeface="DejaVu Sans" pitchFamily="2"/>
+              </a:rPr>
+              <a:t>Партицирование</a:t>
+            </a:r>
+            <a:r>
+              <a:rPr lang="ru-RU" sz="2000" dirty="0">
+                <a:ea typeface="DejaVu Sans" pitchFamily="2"/>
+                <a:cs typeface="DejaVu Sans" pitchFamily="2"/>
+              </a:rPr>
+              <a:t> – виды </a:t>
+            </a:r>
+            <a:r>
+              <a:rPr lang="ru-RU" sz="2000" dirty="0" err="1">
+                <a:ea typeface="DejaVu Sans" pitchFamily="2"/>
+                <a:cs typeface="DejaVu Sans" pitchFamily="2"/>
+              </a:rPr>
+              <a:t>партиций</a:t>
+            </a:r>
+            <a:endParaRPr lang="ru-RU" dirty="0"/>
+          </a:p>
+        </p:txBody>
+      </p:sp>
+      <p:sp>
+        <p:nvSpPr>
+          <p:cNvPr id="3" name="Content Placeholder 2">
+            <a:extLst>
+              <a:ext uri="{FF2B5EF4-FFF2-40B4-BE49-F238E27FC236}">
+                <a16:creationId xmlns:a16="http://schemas.microsoft.com/office/drawing/2014/main" id="{090578C4-E6E7-4308-A4D1-738FCB3F61D8}"/>
+              </a:ext>
+            </a:extLst>
+          </p:cNvPr>
+          <p:cNvSpPr>
+            <a:spLocks noGrp="1"/>
+          </p:cNvSpPr>
+          <p:nvPr>
+            <p:ph idx="1"/>
+          </p:nvPr>
+        </p:nvSpPr>
+        <p:spPr>
+          <a:xfrm>
+            <a:off x="1069848" y="1878767"/>
+            <a:ext cx="10058400" cy="4691921"/>
+          </a:xfrm>
+        </p:spPr>
+        <p:txBody>
+          <a:bodyPr>
+            <a:normAutofit fontScale="92500" lnSpcReduction="10000"/>
+          </a:bodyPr>
+          <a:lstStyle/>
+          <a:p>
+            <a:r>
+              <a:rPr lang="ru-RU" sz="1400" dirty="0"/>
+              <a:t>Секционирование по списку</a:t>
+            </a:r>
+          </a:p>
+          <a:p>
+            <a:pPr marL="0" indent="0">
+              <a:buNone/>
+            </a:pPr>
+            <a:r>
+              <a:rPr lang="ru-RU" sz="1400" dirty="0"/>
+              <a:t>Таблица секционируется с помощью списка, явно указывающего, какие значения ключа должны относиться к каждой секции.</a:t>
+            </a:r>
+          </a:p>
+          <a:p>
+            <a:pPr marL="0" indent="0">
+              <a:buNone/>
+            </a:pPr>
+            <a:r>
+              <a:rPr lang="en-US" sz="1400" dirty="0">
+                <a:solidFill>
+                  <a:srgbClr val="0070C0"/>
+                </a:solidFill>
+              </a:rPr>
+              <a:t>CREATE TABLE </a:t>
+            </a:r>
+            <a:r>
+              <a:rPr lang="en-US" sz="1400" dirty="0" err="1">
+                <a:solidFill>
+                  <a:srgbClr val="0070C0"/>
+                </a:solidFill>
+              </a:rPr>
+              <a:t>sales_region</a:t>
+            </a:r>
+            <a:r>
+              <a:rPr lang="en-US" sz="1400" dirty="0">
+                <a:solidFill>
+                  <a:srgbClr val="0070C0"/>
+                </a:solidFill>
+              </a:rPr>
+              <a:t> (id int, amount int, branch text, region text)</a:t>
+            </a:r>
+          </a:p>
+          <a:p>
+            <a:pPr marL="0" indent="0">
+              <a:buNone/>
+            </a:pPr>
+            <a:r>
+              <a:rPr lang="en-US" sz="1400" dirty="0">
+                <a:solidFill>
+                  <a:srgbClr val="0070C0"/>
+                </a:solidFill>
+              </a:rPr>
+              <a:t>PARTITION BY LIST (region);</a:t>
+            </a:r>
+          </a:p>
+          <a:p>
+            <a:pPr marL="0" indent="0">
+              <a:buNone/>
+            </a:pPr>
+            <a:endParaRPr lang="ru-RU" sz="1400" dirty="0">
+              <a:solidFill>
+                <a:srgbClr val="0070C0"/>
+              </a:solidFill>
+            </a:endParaRPr>
+          </a:p>
+          <a:p>
+            <a:pPr marL="0" indent="0">
+              <a:buNone/>
+            </a:pPr>
+            <a:r>
+              <a:rPr lang="en-US" sz="1400" dirty="0">
+                <a:solidFill>
+                  <a:srgbClr val="0070C0"/>
+                </a:solidFill>
+              </a:rPr>
+              <a:t>CREATE TABLE </a:t>
+            </a:r>
+            <a:r>
+              <a:rPr lang="en-US" sz="1400" dirty="0" err="1">
+                <a:solidFill>
+                  <a:srgbClr val="0070C0"/>
+                </a:solidFill>
+              </a:rPr>
+              <a:t>sale_moscow</a:t>
+            </a:r>
+            <a:r>
+              <a:rPr lang="en-US" sz="1400" dirty="0">
+                <a:solidFill>
+                  <a:srgbClr val="0070C0"/>
+                </a:solidFill>
+              </a:rPr>
+              <a:t> PARTITION OF </a:t>
+            </a:r>
+            <a:r>
+              <a:rPr lang="en-US" sz="1400" dirty="0" err="1">
+                <a:solidFill>
+                  <a:srgbClr val="0070C0"/>
+                </a:solidFill>
+              </a:rPr>
+              <a:t>sales_region</a:t>
+            </a:r>
+            <a:r>
+              <a:rPr lang="en-US" sz="1400" dirty="0">
+                <a:solidFill>
+                  <a:srgbClr val="0070C0"/>
+                </a:solidFill>
+              </a:rPr>
+              <a:t> FOR VALUES IN (‘Moscow’);</a:t>
+            </a:r>
+          </a:p>
+          <a:p>
+            <a:pPr marL="0" indent="0">
+              <a:buNone/>
+            </a:pPr>
+            <a:r>
+              <a:rPr lang="en-US" sz="1400" dirty="0">
+                <a:solidFill>
+                  <a:srgbClr val="0070C0"/>
+                </a:solidFill>
+              </a:rPr>
+              <a:t>CREATE TABLE </a:t>
+            </a:r>
+            <a:r>
+              <a:rPr lang="en-US" sz="1400" dirty="0" err="1">
+                <a:solidFill>
+                  <a:srgbClr val="0070C0"/>
+                </a:solidFill>
+              </a:rPr>
+              <a:t>sale_kazan</a:t>
+            </a:r>
+            <a:r>
+              <a:rPr lang="en-US" sz="1400" dirty="0">
+                <a:solidFill>
+                  <a:srgbClr val="0070C0"/>
+                </a:solidFill>
+              </a:rPr>
+              <a:t> PARTITION OF </a:t>
+            </a:r>
+            <a:r>
+              <a:rPr lang="en-US" sz="1400" dirty="0" err="1">
+                <a:solidFill>
+                  <a:srgbClr val="0070C0"/>
+                </a:solidFill>
+              </a:rPr>
+              <a:t>sales_region</a:t>
+            </a:r>
+            <a:r>
+              <a:rPr lang="en-US" sz="1400" dirty="0">
+                <a:solidFill>
+                  <a:srgbClr val="0070C0"/>
+                </a:solidFill>
+              </a:rPr>
+              <a:t> FOR VALUES IN (‘Kazan’);</a:t>
+            </a:r>
+            <a:endParaRPr lang="ru-RU" sz="1400" dirty="0">
+              <a:solidFill>
+                <a:srgbClr val="0070C0"/>
+              </a:solidFill>
+            </a:endParaRPr>
+          </a:p>
+          <a:p>
+            <a:pPr marL="0" indent="0">
+              <a:buNone/>
+            </a:pPr>
+            <a:endParaRPr lang="ru-RU" sz="1400" dirty="0">
+              <a:solidFill>
+                <a:srgbClr val="0070C0"/>
+              </a:solidFill>
+            </a:endParaRPr>
+          </a:p>
+          <a:p>
+            <a:r>
+              <a:rPr lang="ru-RU" sz="1400" dirty="0"/>
+              <a:t>Секционирование по </a:t>
+            </a:r>
+            <a:r>
+              <a:rPr lang="ru-RU" sz="1400" dirty="0" err="1"/>
+              <a:t>хэшу</a:t>
+            </a:r>
+            <a:endParaRPr lang="ru-RU" sz="1400" dirty="0"/>
+          </a:p>
+          <a:p>
+            <a:pPr marL="0" indent="0">
+              <a:buNone/>
+            </a:pPr>
+            <a:r>
+              <a:rPr lang="ru-RU" sz="1400" dirty="0"/>
+              <a:t>Таблица секционируется по определённым модулям и остаткам, которые указываются для каждой секции.</a:t>
+            </a:r>
+          </a:p>
+          <a:p>
+            <a:pPr marL="0" indent="0">
+              <a:buNone/>
+            </a:pPr>
+            <a:r>
+              <a:rPr lang="en-US" sz="1400" dirty="0">
+                <a:solidFill>
+                  <a:srgbClr val="0070C0"/>
+                </a:solidFill>
+              </a:rPr>
+              <a:t>CREATE TABLE emp (</a:t>
+            </a:r>
+            <a:r>
+              <a:rPr lang="en-US" sz="1400" dirty="0" err="1">
+                <a:solidFill>
+                  <a:srgbClr val="0070C0"/>
+                </a:solidFill>
+              </a:rPr>
+              <a:t>emp_id</a:t>
+            </a:r>
+            <a:r>
+              <a:rPr lang="en-US" sz="1400" dirty="0">
+                <a:solidFill>
+                  <a:srgbClr val="0070C0"/>
+                </a:solidFill>
+              </a:rPr>
+              <a:t> int, </a:t>
+            </a:r>
+            <a:r>
+              <a:rPr lang="en-US" sz="1400" dirty="0" err="1">
+                <a:solidFill>
+                  <a:srgbClr val="0070C0"/>
+                </a:solidFill>
+              </a:rPr>
+              <a:t>emp_name</a:t>
+            </a:r>
+            <a:r>
+              <a:rPr lang="en-US" sz="1400" dirty="0">
+                <a:solidFill>
+                  <a:srgbClr val="0070C0"/>
+                </a:solidFill>
+              </a:rPr>
+              <a:t> text, </a:t>
+            </a:r>
+            <a:r>
+              <a:rPr lang="en-US" sz="1400" dirty="0" err="1">
+                <a:solidFill>
+                  <a:srgbClr val="0070C0"/>
+                </a:solidFill>
+              </a:rPr>
+              <a:t>dep_code</a:t>
+            </a:r>
+            <a:r>
+              <a:rPr lang="en-US" sz="1400" dirty="0">
+                <a:solidFill>
+                  <a:srgbClr val="0070C0"/>
+                </a:solidFill>
+              </a:rPr>
+              <a:t> int)</a:t>
+            </a:r>
+          </a:p>
+          <a:p>
+            <a:pPr marL="0" indent="0">
+              <a:buNone/>
+            </a:pPr>
+            <a:r>
+              <a:rPr lang="en-US" sz="1400" dirty="0">
+                <a:solidFill>
+                  <a:srgbClr val="0070C0"/>
+                </a:solidFill>
+              </a:rPr>
+              <a:t>PARTITION BY HASH (</a:t>
+            </a:r>
+            <a:r>
+              <a:rPr lang="en-US" sz="1400" dirty="0" err="1">
+                <a:solidFill>
+                  <a:srgbClr val="0070C0"/>
+                </a:solidFill>
+              </a:rPr>
+              <a:t>emp_id</a:t>
+            </a:r>
+            <a:r>
+              <a:rPr lang="en-US" sz="1400" dirty="0">
+                <a:solidFill>
+                  <a:srgbClr val="0070C0"/>
+                </a:solidFill>
+              </a:rPr>
+              <a:t>);</a:t>
+            </a:r>
+          </a:p>
+          <a:p>
+            <a:pPr marL="0" indent="0">
+              <a:buNone/>
+            </a:pPr>
+            <a:endParaRPr lang="en-US" sz="1400" dirty="0">
+              <a:solidFill>
+                <a:srgbClr val="0070C0"/>
+              </a:solidFill>
+            </a:endParaRPr>
+          </a:p>
+          <a:p>
+            <a:pPr marL="0" indent="0">
+              <a:buNone/>
+            </a:pPr>
+            <a:r>
+              <a:rPr lang="en-US" sz="1400" dirty="0">
+                <a:solidFill>
+                  <a:srgbClr val="0070C0"/>
+                </a:solidFill>
+              </a:rPr>
+              <a:t>CREATE TABLE emp_0 PARTITION OF emp FOR VALUES WITH (MODULUS 2,REMAINDER 0);</a:t>
+            </a:r>
+          </a:p>
+          <a:p>
+            <a:pPr marL="0" indent="0">
+              <a:buNone/>
+            </a:pPr>
+            <a:r>
+              <a:rPr lang="en-US" sz="1400" dirty="0">
+                <a:solidFill>
+                  <a:srgbClr val="0070C0"/>
+                </a:solidFill>
+              </a:rPr>
+              <a:t>CREATE TABLE emp_1 PARTITION OF emp FOR VALUES WITH (MODULUS 2,REMAINDER 1);</a:t>
+            </a:r>
+            <a:endParaRPr lang="ru-RU" sz="1400" dirty="0">
+              <a:solidFill>
+                <a:srgbClr val="0070C0"/>
+              </a:solidFill>
+            </a:endParaRPr>
+          </a:p>
+          <a:p>
+            <a:pPr marL="0" indent="0">
+              <a:buNone/>
+            </a:pPr>
+            <a:endParaRPr lang="ru-RU" sz="1400" dirty="0">
+              <a:solidFill>
+                <a:srgbClr val="0070C0"/>
+              </a:solidFill>
+            </a:endParaRPr>
+          </a:p>
+        </p:txBody>
+      </p:sp>
+    </p:spTree>
+    <p:extLst>
+      <p:ext uri="{BB962C8B-B14F-4D97-AF65-F5344CB8AC3E}">
+        <p14:creationId xmlns:p14="http://schemas.microsoft.com/office/powerpoint/2010/main" val="2327172896"/>
+      </p:ext>
+    </p:extLst>
+  </p:cSld>
+  <p:clrMapOvr>
+    <a:masterClrMapping/>
+  </p:clrMapOvr>
+</p:sld>
+</file>
+
+<file path=ppt/slides/slide21.xml><?xml version="1.0" encoding="utf-8"?>
+<p:sld xmlns:a="http://schemas.openxmlformats.org/drawingml/2006/main" xmlns:r="http://schemas.openxmlformats.org/officeDocument/2006/relationships" xmlns:p="http://schemas.openxmlformats.org/presentationml/2006/main">
+  <p:cSld>
+    <p:spTree>
+      <p:nvGrpSpPr>
+        <p:cNvPr id="1" name=""/>
+        <p:cNvGrpSpPr/>
+        <p:nvPr/>
+      </p:nvGrpSpPr>
+      <p:grpSpPr>
+        <a:xfrm>
+          <a:off x="0" y="0"/>
+          <a:ext cx="0" cy="0"/>
+          <a:chOff x="0" y="0"/>
+          <a:chExt cx="0" cy="0"/>
+        </a:xfrm>
+      </p:grpSpPr>
+      <p:sp>
+        <p:nvSpPr>
+          <p:cNvPr id="2" name="Title 1">
+            <a:extLst>
+              <a:ext uri="{FF2B5EF4-FFF2-40B4-BE49-F238E27FC236}">
+                <a16:creationId xmlns:a16="http://schemas.microsoft.com/office/drawing/2014/main" id="{C61B5D42-722A-4E57-AE65-87E9F04C13B5}"/>
+              </a:ext>
+            </a:extLst>
+          </p:cNvPr>
+          <p:cNvSpPr>
+            <a:spLocks noGrp="1"/>
+          </p:cNvSpPr>
+          <p:nvPr>
+            <p:ph type="title"/>
+          </p:nvPr>
+        </p:nvSpPr>
+        <p:spPr/>
+        <p:txBody>
+          <a:bodyPr>
+            <a:normAutofit/>
+          </a:bodyPr>
+          <a:lstStyle/>
+          <a:p>
+            <a:r>
+              <a:rPr lang="en-US" dirty="0">
+                <a:ea typeface="DejaVu Sans" pitchFamily="2"/>
+                <a:cs typeface="DejaVu Sans" pitchFamily="2"/>
+              </a:rPr>
+              <a:t>Оптимизация SQL</a:t>
+            </a:r>
+            <a:br>
+              <a:rPr lang="en-US" dirty="0">
+                <a:ea typeface="DejaVu Sans" pitchFamily="2"/>
+                <a:cs typeface="DejaVu Sans" pitchFamily="2"/>
+              </a:rPr>
+            </a:br>
+            <a:r>
+              <a:rPr lang="en-US" sz="2000" dirty="0" err="1">
+                <a:ea typeface="DejaVu Sans" pitchFamily="2"/>
+                <a:cs typeface="DejaVu Sans" pitchFamily="2"/>
+              </a:rPr>
+              <a:t>Блок</a:t>
+            </a:r>
+            <a:r>
+              <a:rPr lang="en-US" sz="2000" dirty="0">
+                <a:ea typeface="DejaVu Sans" pitchFamily="2"/>
+                <a:cs typeface="DejaVu Sans" pitchFamily="2"/>
+              </a:rPr>
+              <a:t> 2: </a:t>
+            </a:r>
+            <a:r>
+              <a:rPr lang="ru-RU" sz="2000" dirty="0" err="1">
+                <a:ea typeface="DejaVu Sans" pitchFamily="2"/>
+                <a:cs typeface="DejaVu Sans" pitchFamily="2"/>
+              </a:rPr>
+              <a:t>Партицирование</a:t>
+            </a:r>
+            <a:endParaRPr lang="ru-RU" dirty="0"/>
+          </a:p>
+        </p:txBody>
+      </p:sp>
+      <p:sp>
+        <p:nvSpPr>
+          <p:cNvPr id="3" name="Content Placeholder 2">
+            <a:extLst>
+              <a:ext uri="{FF2B5EF4-FFF2-40B4-BE49-F238E27FC236}">
+                <a16:creationId xmlns:a16="http://schemas.microsoft.com/office/drawing/2014/main" id="{090578C4-E6E7-4308-A4D1-738FCB3F61D8}"/>
+              </a:ext>
+            </a:extLst>
+          </p:cNvPr>
+          <p:cNvSpPr>
+            <a:spLocks noGrp="1"/>
+          </p:cNvSpPr>
+          <p:nvPr>
+            <p:ph idx="1"/>
+          </p:nvPr>
+        </p:nvSpPr>
         <p:spPr/>
         <p:txBody>
           <a:bodyPr/>
@@ -8415,7 +9066,7 @@
 </p:sld>
 </file>
 
-<file path=ppt/slides/slide19.xml><?xml version="1.0" encoding="utf-8"?>
+<file path=ppt/slides/slide22.xml><?xml version="1.0" encoding="utf-8"?>
 <p:sld xmlns:a="http://schemas.openxmlformats.org/drawingml/2006/main" xmlns:r="http://schemas.openxmlformats.org/officeDocument/2006/relationships" xmlns:p="http://schemas.openxmlformats.org/presentationml/2006/main">
   <p:cSld>
     <p:spTree>
@@ -8555,737 +9206,6 @@
 </p:sld>
 </file>
 
-<file path=ppt/slides/slide2.xml><?xml version="1.0" encoding="utf-8"?>
-<p:sld xmlns:a="http://schemas.openxmlformats.org/drawingml/2006/main" xmlns:r="http://schemas.openxmlformats.org/officeDocument/2006/relationships" xmlns:p="http://schemas.openxmlformats.org/presentationml/2006/main">
-  <p:cSld>
-    <p:spTree>
-      <p:nvGrpSpPr>
-        <p:cNvPr id="1" name=""/>
-        <p:cNvGrpSpPr/>
-        <p:nvPr/>
-      </p:nvGrpSpPr>
-      <p:grpSpPr>
-        <a:xfrm>
-          <a:off x="0" y="0"/>
-          <a:ext cx="0" cy="0"/>
-          <a:chOff x="0" y="0"/>
-          <a:chExt cx="0" cy="0"/>
-        </a:xfrm>
-      </p:grpSpPr>
-      <p:sp>
-        <p:nvSpPr>
-          <p:cNvPr id="2" name="Title 1">
-            <a:extLst>
-              <a:ext uri="{FF2B5EF4-FFF2-40B4-BE49-F238E27FC236}">
-                <a16:creationId xmlns:a16="http://schemas.microsoft.com/office/drawing/2014/main" id="{167639D8-8593-4ED9-BB37-6167D5451BC1}"/>
-              </a:ext>
-            </a:extLst>
-          </p:cNvPr>
-          <p:cNvSpPr>
-            <a:spLocks noGrp="1"/>
-          </p:cNvSpPr>
-          <p:nvPr>
-            <p:ph type="title"/>
-          </p:nvPr>
-        </p:nvSpPr>
-        <p:spPr/>
-        <p:txBody>
-          <a:bodyPr/>
-          <a:lstStyle/>
-          <a:p>
-            <a:r>
-              <a:rPr lang="en-US" dirty="0">
-                <a:ea typeface="DejaVu Sans" pitchFamily="2"/>
-                <a:cs typeface="DejaVu Sans" pitchFamily="2"/>
-              </a:rPr>
-              <a:t>Оптимизация SQL</a:t>
-            </a:r>
-            <a:br>
-              <a:rPr lang="ru-RU" dirty="0">
-                <a:ea typeface="DejaVu Sans" pitchFamily="2"/>
-                <a:cs typeface="DejaVu Sans" pitchFamily="2"/>
-              </a:rPr>
-            </a:br>
-            <a:r>
-              <a:rPr lang="ru-RU" sz="2400" dirty="0">
-                <a:ea typeface="DejaVu Sans" pitchFamily="2"/>
-                <a:cs typeface="DejaVu Sans" pitchFamily="2"/>
-              </a:rPr>
-              <a:t>Перед стартом</a:t>
-            </a:r>
-            <a:endParaRPr lang="ru-RU" dirty="0"/>
-          </a:p>
-        </p:txBody>
-      </p:sp>
-      <p:sp>
-        <p:nvSpPr>
-          <p:cNvPr id="3" name="Content Placeholder 2">
-            <a:extLst>
-              <a:ext uri="{FF2B5EF4-FFF2-40B4-BE49-F238E27FC236}">
-                <a16:creationId xmlns:a16="http://schemas.microsoft.com/office/drawing/2014/main" id="{35FCC3B0-181C-48B0-B434-7CC28CB160FB}"/>
-              </a:ext>
-            </a:extLst>
-          </p:cNvPr>
-          <p:cNvSpPr>
-            <a:spLocks noGrp="1"/>
-          </p:cNvSpPr>
-          <p:nvPr>
-            <p:ph idx="1"/>
-          </p:nvPr>
-        </p:nvSpPr>
-        <p:spPr/>
-        <p:txBody>
-          <a:bodyPr/>
-          <a:lstStyle/>
-          <a:p>
-            <a:pPr>
-              <a:buClr>
-                <a:srgbClr val="666666"/>
-              </a:buClr>
-              <a:buSzPct val="45000"/>
-            </a:pPr>
-            <a:r>
-              <a:rPr lang="ru-RU" dirty="0">
-                <a:solidFill>
-                  <a:srgbClr val="000000"/>
-                </a:solidFill>
-                <a:ea typeface="DejaVu Sans" pitchFamily="2"/>
-                <a:cs typeface="DejaVu Sans" pitchFamily="2"/>
-              </a:rPr>
-              <a:t>На компьютере должны быть установлены:</a:t>
-            </a:r>
-          </a:p>
-          <a:p>
-            <a:pPr lvl="1">
-              <a:buClr>
-                <a:srgbClr val="666666"/>
-              </a:buClr>
-              <a:buSzPct val="45000"/>
-            </a:pPr>
-            <a:r>
-              <a:rPr lang="ru-RU" dirty="0">
-                <a:solidFill>
-                  <a:srgbClr val="000000"/>
-                </a:solidFill>
-                <a:ea typeface="DejaVu Sans" pitchFamily="2"/>
-                <a:cs typeface="DejaVu Sans" pitchFamily="2"/>
-              </a:rPr>
-              <a:t>Docker</a:t>
-            </a:r>
-          </a:p>
-          <a:p>
-            <a:pPr lvl="1">
-              <a:buClr>
-                <a:srgbClr val="666666"/>
-              </a:buClr>
-              <a:buSzPct val="45000"/>
-            </a:pPr>
-            <a:r>
-              <a:rPr lang="ru-RU" dirty="0">
-                <a:solidFill>
-                  <a:srgbClr val="000000"/>
-                </a:solidFill>
-                <a:ea typeface="DejaVu Sans" pitchFamily="2"/>
-                <a:cs typeface="DejaVu Sans" pitchFamily="2"/>
-              </a:rPr>
-              <a:t>docker-compose</a:t>
-            </a:r>
-          </a:p>
-          <a:p>
-            <a:pPr lvl="1">
-              <a:buClr>
-                <a:srgbClr val="666666"/>
-              </a:buClr>
-              <a:buSzPct val="45000"/>
-            </a:pPr>
-            <a:r>
-              <a:rPr lang="ru-RU" dirty="0">
-                <a:solidFill>
-                  <a:srgbClr val="000000"/>
-                </a:solidFill>
-                <a:ea typeface="DejaVu Sans" pitchFamily="2"/>
-                <a:cs typeface="DejaVu Sans" pitchFamily="2"/>
-              </a:rPr>
-              <a:t>клиент для работы с БД (</a:t>
-            </a:r>
-            <a:r>
-              <a:rPr lang="ru-RU" sz="1400" dirty="0">
-                <a:solidFill>
-                  <a:srgbClr val="000000"/>
-                </a:solidFill>
-                <a:ea typeface="DejaVu Sans" pitchFamily="2"/>
-                <a:cs typeface="DejaVu Sans" pitchFamily="2"/>
-              </a:rPr>
-              <a:t>например dbeaver</a:t>
-            </a:r>
-            <a:r>
-              <a:rPr lang="ru-RU" dirty="0">
-                <a:solidFill>
-                  <a:srgbClr val="000000"/>
-                </a:solidFill>
-                <a:ea typeface="DejaVu Sans" pitchFamily="2"/>
-                <a:cs typeface="DejaVu Sans" pitchFamily="2"/>
-              </a:rPr>
-              <a:t>)</a:t>
-            </a:r>
-          </a:p>
-          <a:p>
-            <a:pPr lvl="0">
-              <a:buClr>
-                <a:srgbClr val="666666"/>
-              </a:buClr>
-              <a:buSzPct val="45000"/>
-              <a:buFont typeface="StarSymbol"/>
-              <a:buChar char="●"/>
-            </a:pPr>
-            <a:r>
-              <a:rPr lang="ru-RU" dirty="0">
-                <a:solidFill>
-                  <a:srgbClr val="000000"/>
-                </a:solidFill>
-                <a:ea typeface="DejaVu Sans" pitchFamily="2"/>
-                <a:cs typeface="DejaVu Sans" pitchFamily="2"/>
-              </a:rPr>
-              <a:t>Необходимо скачать git репозиторий: </a:t>
-            </a:r>
-            <a:r>
-              <a:rPr lang="af-ZA" dirty="0">
-                <a:solidFill>
-                  <a:srgbClr val="000000"/>
-                </a:solidFill>
-                <a:ea typeface="DejaVu Sans" pitchFamily="2"/>
-                <a:cs typeface="DejaVu Sans" pitchFamily="2"/>
-                <a:hlinkClick r:id="rId2"/>
-              </a:rPr>
-              <a:t>https://github.com/Minastirise/</a:t>
-            </a:r>
-            <a:r>
-              <a:rPr lang="ru-RU" dirty="0" err="1">
-                <a:solidFill>
-                  <a:srgbClr val="000000"/>
-                </a:solidFill>
-                <a:ea typeface="DejaVu Sans" pitchFamily="2"/>
-                <a:cs typeface="DejaVu Sans" pitchFamily="2"/>
-                <a:hlinkClick r:id="rId2"/>
-              </a:rPr>
-              <a:t>workshop_sql_optimization</a:t>
-            </a:r>
-            <a:endParaRPr lang="en-US" dirty="0">
-              <a:solidFill>
-                <a:srgbClr val="000000"/>
-              </a:solidFill>
-              <a:ea typeface="DejaVu Sans" pitchFamily="2"/>
-              <a:cs typeface="DejaVu Sans" pitchFamily="2"/>
-            </a:endParaRPr>
-          </a:p>
-          <a:p>
-            <a:pPr marL="0" lvl="0" indent="0">
-              <a:buClr>
-                <a:srgbClr val="666666"/>
-              </a:buClr>
-              <a:buSzPct val="45000"/>
-              <a:buNone/>
-            </a:pPr>
-            <a:endParaRPr lang="ru-RU" dirty="0">
-              <a:solidFill>
-                <a:srgbClr val="000000"/>
-              </a:solidFill>
-              <a:ea typeface="DejaVu Sans" pitchFamily="2"/>
-              <a:cs typeface="DejaVu Sans" pitchFamily="2"/>
-            </a:endParaRPr>
-          </a:p>
-          <a:p>
-            <a:pPr marL="0" indent="0">
-              <a:buNone/>
-            </a:pPr>
-            <a:endParaRPr lang="ru-RU" dirty="0"/>
-          </a:p>
-        </p:txBody>
-      </p:sp>
-    </p:spTree>
-    <p:extLst>
-      <p:ext uri="{BB962C8B-B14F-4D97-AF65-F5344CB8AC3E}">
-        <p14:creationId xmlns:p14="http://schemas.microsoft.com/office/powerpoint/2010/main" val="1457357615"/>
-      </p:ext>
-    </p:extLst>
-  </p:cSld>
-  <p:clrMapOvr>
-    <a:masterClrMapping/>
-  </p:clrMapOvr>
-</p:sld>
-</file>
-
-<file path=ppt/slides/slide20.xml><?xml version="1.0" encoding="utf-8"?>
-<p:sld xmlns:a="http://schemas.openxmlformats.org/drawingml/2006/main" xmlns:r="http://schemas.openxmlformats.org/officeDocument/2006/relationships" xmlns:p="http://schemas.openxmlformats.org/presentationml/2006/main">
-  <p:cSld>
-    <p:spTree>
-      <p:nvGrpSpPr>
-        <p:cNvPr id="1" name=""/>
-        <p:cNvGrpSpPr/>
-        <p:nvPr/>
-      </p:nvGrpSpPr>
-      <p:grpSpPr>
-        <a:xfrm>
-          <a:off x="0" y="0"/>
-          <a:ext cx="0" cy="0"/>
-          <a:chOff x="0" y="0"/>
-          <a:chExt cx="0" cy="0"/>
-        </a:xfrm>
-      </p:grpSpPr>
-      <p:sp>
-        <p:nvSpPr>
-          <p:cNvPr id="2" name="Title 1">
-            <a:extLst>
-              <a:ext uri="{FF2B5EF4-FFF2-40B4-BE49-F238E27FC236}">
-                <a16:creationId xmlns:a16="http://schemas.microsoft.com/office/drawing/2014/main" id="{C61B5D42-722A-4E57-AE65-87E9F04C13B5}"/>
-              </a:ext>
-            </a:extLst>
-          </p:cNvPr>
-          <p:cNvSpPr>
-            <a:spLocks noGrp="1"/>
-          </p:cNvSpPr>
-          <p:nvPr>
-            <p:ph type="title"/>
-          </p:nvPr>
-        </p:nvSpPr>
-        <p:spPr/>
-        <p:txBody>
-          <a:bodyPr>
-            <a:normAutofit/>
-          </a:bodyPr>
-          <a:lstStyle/>
-          <a:p>
-            <a:r>
-              <a:rPr lang="en-US" dirty="0">
-                <a:ea typeface="DejaVu Sans" pitchFamily="2"/>
-                <a:cs typeface="DejaVu Sans" pitchFamily="2"/>
-              </a:rPr>
-              <a:t>Оптимизация SQL</a:t>
-            </a:r>
-            <a:br>
-              <a:rPr lang="en-US" dirty="0">
-                <a:ea typeface="DejaVu Sans" pitchFamily="2"/>
-                <a:cs typeface="DejaVu Sans" pitchFamily="2"/>
-              </a:rPr>
-            </a:br>
-            <a:r>
-              <a:rPr lang="en-US" sz="2000" dirty="0" err="1">
-                <a:ea typeface="DejaVu Sans" pitchFamily="2"/>
-                <a:cs typeface="DejaVu Sans" pitchFamily="2"/>
-              </a:rPr>
-              <a:t>Блок</a:t>
-            </a:r>
-            <a:r>
-              <a:rPr lang="en-US" sz="2000" dirty="0">
-                <a:ea typeface="DejaVu Sans" pitchFamily="2"/>
-                <a:cs typeface="DejaVu Sans" pitchFamily="2"/>
-              </a:rPr>
-              <a:t> 3: </a:t>
-            </a:r>
-            <a:r>
-              <a:rPr lang="ru-RU" sz="2000" dirty="0">
-                <a:ea typeface="DejaVu Sans" pitchFamily="2"/>
-                <a:cs typeface="DejaVu Sans" pitchFamily="2"/>
-              </a:rPr>
-              <a:t>Виды физических </a:t>
-            </a:r>
-            <a:r>
-              <a:rPr lang="ru-RU" sz="2000" dirty="0" err="1">
-                <a:ea typeface="DejaVu Sans" pitchFamily="2"/>
-                <a:cs typeface="DejaVu Sans" pitchFamily="2"/>
-              </a:rPr>
-              <a:t>join</a:t>
-            </a:r>
-            <a:r>
-              <a:rPr lang="ru-RU" sz="2000" dirty="0">
-                <a:ea typeface="DejaVu Sans" pitchFamily="2"/>
-                <a:cs typeface="DejaVu Sans" pitchFamily="2"/>
-              </a:rPr>
-              <a:t> и какой выбрать</a:t>
-            </a:r>
-            <a:endParaRPr lang="ru-RU" dirty="0"/>
-          </a:p>
-        </p:txBody>
-      </p:sp>
-      <p:sp>
-        <p:nvSpPr>
-          <p:cNvPr id="3" name="Content Placeholder 2">
-            <a:extLst>
-              <a:ext uri="{FF2B5EF4-FFF2-40B4-BE49-F238E27FC236}">
-                <a16:creationId xmlns:a16="http://schemas.microsoft.com/office/drawing/2014/main" id="{090578C4-E6E7-4308-A4D1-738FCB3F61D8}"/>
-              </a:ext>
-            </a:extLst>
-          </p:cNvPr>
-          <p:cNvSpPr>
-            <a:spLocks noGrp="1"/>
-          </p:cNvSpPr>
-          <p:nvPr>
-            <p:ph idx="1"/>
-          </p:nvPr>
-        </p:nvSpPr>
-        <p:spPr/>
-        <p:txBody>
-          <a:bodyPr/>
-          <a:lstStyle/>
-          <a:p>
-            <a:r>
-              <a:rPr lang="ru-RU" dirty="0"/>
-              <a:t>Практика</a:t>
-            </a:r>
-          </a:p>
-        </p:txBody>
-      </p:sp>
-    </p:spTree>
-    <p:extLst>
-      <p:ext uri="{BB962C8B-B14F-4D97-AF65-F5344CB8AC3E}">
-        <p14:creationId xmlns:p14="http://schemas.microsoft.com/office/powerpoint/2010/main" val="227297583"/>
-      </p:ext>
-    </p:extLst>
-  </p:cSld>
-  <p:clrMapOvr>
-    <a:masterClrMapping/>
-  </p:clrMapOvr>
-</p:sld>
-</file>
-
-<file path=ppt/slides/slide21.xml><?xml version="1.0" encoding="utf-8"?>
-<p:sld xmlns:a="http://schemas.openxmlformats.org/drawingml/2006/main" xmlns:r="http://schemas.openxmlformats.org/officeDocument/2006/relationships" xmlns:p="http://schemas.openxmlformats.org/presentationml/2006/main">
-  <p:cSld>
-    <p:spTree>
-      <p:nvGrpSpPr>
-        <p:cNvPr id="1" name=""/>
-        <p:cNvGrpSpPr/>
-        <p:nvPr/>
-      </p:nvGrpSpPr>
-      <p:grpSpPr>
-        <a:xfrm>
-          <a:off x="0" y="0"/>
-          <a:ext cx="0" cy="0"/>
-          <a:chOff x="0" y="0"/>
-          <a:chExt cx="0" cy="0"/>
-        </a:xfrm>
-      </p:grpSpPr>
-      <p:sp>
-        <p:nvSpPr>
-          <p:cNvPr id="2" name="Title 1">
-            <a:extLst>
-              <a:ext uri="{FF2B5EF4-FFF2-40B4-BE49-F238E27FC236}">
-                <a16:creationId xmlns:a16="http://schemas.microsoft.com/office/drawing/2014/main" id="{A7849E89-1B6E-4D5A-B79A-B4ABAF7E394E}"/>
-              </a:ext>
-            </a:extLst>
-          </p:cNvPr>
-          <p:cNvSpPr>
-            <a:spLocks noGrp="1"/>
-          </p:cNvSpPr>
-          <p:nvPr>
-            <p:ph type="title"/>
-          </p:nvPr>
-        </p:nvSpPr>
-        <p:spPr/>
-        <p:txBody>
-          <a:bodyPr>
-            <a:normAutofit/>
-          </a:bodyPr>
-          <a:lstStyle/>
-          <a:p>
-            <a:r>
-              <a:rPr lang="en-US" dirty="0">
-                <a:ea typeface="DejaVu Sans" pitchFamily="2"/>
-                <a:cs typeface="DejaVu Sans" pitchFamily="2"/>
-              </a:rPr>
-              <a:t>Оптимизация SQL</a:t>
-            </a:r>
-            <a:br>
-              <a:rPr lang="en-US" dirty="0">
-                <a:ea typeface="DejaVu Sans" pitchFamily="2"/>
-                <a:cs typeface="DejaVu Sans" pitchFamily="2"/>
-              </a:rPr>
-            </a:br>
-            <a:r>
-              <a:rPr lang="en-US" sz="2000" dirty="0" err="1">
-                <a:ea typeface="DejaVu Sans" pitchFamily="2"/>
-                <a:cs typeface="DejaVu Sans" pitchFamily="2"/>
-              </a:rPr>
-              <a:t>Блок</a:t>
-            </a:r>
-            <a:r>
-              <a:rPr lang="en-US" sz="2000" dirty="0">
-                <a:ea typeface="DejaVu Sans" pitchFamily="2"/>
-                <a:cs typeface="DejaVu Sans" pitchFamily="2"/>
-              </a:rPr>
-              <a:t> </a:t>
-            </a:r>
-            <a:r>
-              <a:rPr lang="ru-RU" sz="2000" dirty="0">
-                <a:ea typeface="DejaVu Sans" pitchFamily="2"/>
-                <a:cs typeface="DejaVu Sans" pitchFamily="2"/>
-              </a:rPr>
-              <a:t>4</a:t>
-            </a:r>
-            <a:r>
-              <a:rPr lang="en-US" sz="2000" dirty="0">
-                <a:ea typeface="DejaVu Sans" pitchFamily="2"/>
-                <a:cs typeface="DejaVu Sans" pitchFamily="2"/>
-              </a:rPr>
-              <a:t>: Теория: оптимизация через </a:t>
-            </a:r>
-            <a:r>
-              <a:rPr lang="ru-RU" sz="2000" dirty="0">
-                <a:ea typeface="DejaVu Sans" pitchFamily="2"/>
-                <a:cs typeface="DejaVu Sans" pitchFamily="2"/>
-              </a:rPr>
-              <a:t>промежуточную материализацию</a:t>
-            </a:r>
-            <a:endParaRPr lang="ru-RU" dirty="0"/>
-          </a:p>
-        </p:txBody>
-      </p:sp>
-      <p:sp>
-        <p:nvSpPr>
-          <p:cNvPr id="3" name="Content Placeholder 2">
-            <a:extLst>
-              <a:ext uri="{FF2B5EF4-FFF2-40B4-BE49-F238E27FC236}">
-                <a16:creationId xmlns:a16="http://schemas.microsoft.com/office/drawing/2014/main" id="{3900631D-A5E4-47A8-B439-20D1B6BD2E4D}"/>
-              </a:ext>
-            </a:extLst>
-          </p:cNvPr>
-          <p:cNvSpPr>
-            <a:spLocks noGrp="1"/>
-          </p:cNvSpPr>
-          <p:nvPr>
-            <p:ph idx="1"/>
-          </p:nvPr>
-        </p:nvSpPr>
-        <p:spPr/>
-        <p:txBody>
-          <a:bodyPr/>
-          <a:lstStyle/>
-          <a:p>
-            <a:pPr lvl="0">
-              <a:buClr>
-                <a:srgbClr val="666666"/>
-              </a:buClr>
-              <a:buSzPct val="45000"/>
-              <a:buFont typeface="StarSymbol"/>
-              <a:buChar char="●"/>
-            </a:pPr>
-            <a:r>
-              <a:rPr lang="en-US" dirty="0">
-                <a:solidFill>
-                  <a:srgbClr val="000000"/>
-                </a:solidFill>
-                <a:ea typeface="DejaVu Sans" pitchFamily="2"/>
-                <a:cs typeface="DejaVu Sans" pitchFamily="2"/>
-              </a:rPr>
-              <a:t>Пример плоских джоинов</a:t>
-            </a:r>
-          </a:p>
-          <a:p>
-            <a:pPr lvl="0">
-              <a:buClr>
-                <a:srgbClr val="666666"/>
-              </a:buClr>
-              <a:buSzPct val="45000"/>
-              <a:buFont typeface="StarSymbol"/>
-              <a:buChar char="●"/>
-            </a:pPr>
-            <a:r>
-              <a:rPr lang="en-US" dirty="0" err="1">
-                <a:solidFill>
-                  <a:srgbClr val="000000"/>
-                </a:solidFill>
-                <a:ea typeface="DejaVu Sans" pitchFamily="2"/>
-                <a:cs typeface="DejaVu Sans" pitchFamily="2"/>
-              </a:rPr>
-              <a:t>Переписанный</a:t>
-            </a:r>
-            <a:r>
-              <a:rPr lang="en-US" dirty="0">
-                <a:solidFill>
-                  <a:srgbClr val="000000"/>
-                </a:solidFill>
-                <a:ea typeface="DejaVu Sans" pitchFamily="2"/>
-                <a:cs typeface="DejaVu Sans" pitchFamily="2"/>
-              </a:rPr>
-              <a:t> пример через </a:t>
-            </a:r>
-            <a:r>
-              <a:rPr lang="ru-RU" dirty="0">
-                <a:solidFill>
-                  <a:srgbClr val="000000"/>
-                </a:solidFill>
-                <a:ea typeface="DejaVu Sans" pitchFamily="2"/>
-                <a:cs typeface="DejaVu Sans" pitchFamily="2"/>
-              </a:rPr>
-              <a:t>промежуточную оптимизацию</a:t>
-            </a:r>
-            <a:endParaRPr lang="en-US" dirty="0">
-              <a:solidFill>
-                <a:srgbClr val="000000"/>
-              </a:solidFill>
-              <a:ea typeface="DejaVu Sans" pitchFamily="2"/>
-              <a:cs typeface="DejaVu Sans" pitchFamily="2"/>
-            </a:endParaRPr>
-          </a:p>
-          <a:p>
-            <a:endParaRPr lang="ru-RU" dirty="0"/>
-          </a:p>
-        </p:txBody>
-      </p:sp>
-    </p:spTree>
-    <p:extLst>
-      <p:ext uri="{BB962C8B-B14F-4D97-AF65-F5344CB8AC3E}">
-        <p14:creationId xmlns:p14="http://schemas.microsoft.com/office/powerpoint/2010/main" val="4003952097"/>
-      </p:ext>
-    </p:extLst>
-  </p:cSld>
-  <p:clrMapOvr>
-    <a:masterClrMapping/>
-  </p:clrMapOvr>
-</p:sld>
-</file>
-
-<file path=ppt/slides/slide22.xml><?xml version="1.0" encoding="utf-8"?>
-<p:sld xmlns:a="http://schemas.openxmlformats.org/drawingml/2006/main" xmlns:r="http://schemas.openxmlformats.org/officeDocument/2006/relationships" xmlns:p="http://schemas.openxmlformats.org/presentationml/2006/main">
-  <p:cSld>
-    <p:spTree>
-      <p:nvGrpSpPr>
-        <p:cNvPr id="1" name=""/>
-        <p:cNvGrpSpPr/>
-        <p:nvPr/>
-      </p:nvGrpSpPr>
-      <p:grpSpPr>
-        <a:xfrm>
-          <a:off x="0" y="0"/>
-          <a:ext cx="0" cy="0"/>
-          <a:chOff x="0" y="0"/>
-          <a:chExt cx="0" cy="0"/>
-        </a:xfrm>
-      </p:grpSpPr>
-      <p:sp>
-        <p:nvSpPr>
-          <p:cNvPr id="2" name="Title 1">
-            <a:extLst>
-              <a:ext uri="{FF2B5EF4-FFF2-40B4-BE49-F238E27FC236}">
-                <a16:creationId xmlns:a16="http://schemas.microsoft.com/office/drawing/2014/main" id="{A7849E89-1B6E-4D5A-B79A-B4ABAF7E394E}"/>
-              </a:ext>
-            </a:extLst>
-          </p:cNvPr>
-          <p:cNvSpPr>
-            <a:spLocks noGrp="1"/>
-          </p:cNvSpPr>
-          <p:nvPr>
-            <p:ph type="title"/>
-          </p:nvPr>
-        </p:nvSpPr>
-        <p:spPr/>
-        <p:txBody>
-          <a:bodyPr>
-            <a:normAutofit/>
-          </a:bodyPr>
-          <a:lstStyle/>
-          <a:p>
-            <a:r>
-              <a:rPr lang="en-US" dirty="0">
-                <a:ea typeface="DejaVu Sans" pitchFamily="2"/>
-                <a:cs typeface="DejaVu Sans" pitchFamily="2"/>
-              </a:rPr>
-              <a:t>Оптимизация SQL</a:t>
-            </a:r>
-            <a:br>
-              <a:rPr lang="en-US" dirty="0">
-                <a:ea typeface="DejaVu Sans" pitchFamily="2"/>
-                <a:cs typeface="DejaVu Sans" pitchFamily="2"/>
-              </a:rPr>
-            </a:br>
-            <a:r>
-              <a:rPr lang="en-US" sz="2000" dirty="0" err="1">
-                <a:ea typeface="DejaVu Sans" pitchFamily="2"/>
-                <a:cs typeface="DejaVu Sans" pitchFamily="2"/>
-              </a:rPr>
-              <a:t>Блок</a:t>
-            </a:r>
-            <a:r>
-              <a:rPr lang="en-US" sz="2000" dirty="0">
-                <a:ea typeface="DejaVu Sans" pitchFamily="2"/>
-                <a:cs typeface="DejaVu Sans" pitchFamily="2"/>
-              </a:rPr>
-              <a:t> </a:t>
-            </a:r>
-            <a:r>
-              <a:rPr lang="ru-RU" sz="2000" dirty="0">
-                <a:ea typeface="DejaVu Sans" pitchFamily="2"/>
-                <a:cs typeface="DejaVu Sans" pitchFamily="2"/>
-              </a:rPr>
-              <a:t>4</a:t>
-            </a:r>
-            <a:r>
-              <a:rPr lang="en-US" sz="2000" dirty="0">
-                <a:ea typeface="DejaVu Sans" pitchFamily="2"/>
-                <a:cs typeface="DejaVu Sans" pitchFamily="2"/>
-              </a:rPr>
-              <a:t>: оптимизация через вложенные запросы</a:t>
-            </a:r>
-            <a:endParaRPr lang="ru-RU" dirty="0"/>
-          </a:p>
-        </p:txBody>
-      </p:sp>
-      <p:sp>
-        <p:nvSpPr>
-          <p:cNvPr id="3" name="Content Placeholder 2">
-            <a:extLst>
-              <a:ext uri="{FF2B5EF4-FFF2-40B4-BE49-F238E27FC236}">
-                <a16:creationId xmlns:a16="http://schemas.microsoft.com/office/drawing/2014/main" id="{3900631D-A5E4-47A8-B439-20D1B6BD2E4D}"/>
-              </a:ext>
-            </a:extLst>
-          </p:cNvPr>
-          <p:cNvSpPr>
-            <a:spLocks noGrp="1"/>
-          </p:cNvSpPr>
-          <p:nvPr>
-            <p:ph idx="1"/>
-          </p:nvPr>
-        </p:nvSpPr>
-        <p:spPr/>
-        <p:txBody>
-          <a:bodyPr/>
-          <a:lstStyle/>
-          <a:p>
-            <a:pPr lvl="0">
-              <a:buClr>
-                <a:srgbClr val="666666"/>
-              </a:buClr>
-              <a:buSzPct val="45000"/>
-              <a:buFont typeface="StarSymbol"/>
-              <a:buChar char="●"/>
-            </a:pPr>
-            <a:r>
-              <a:rPr lang="ru-RU" dirty="0">
-                <a:solidFill>
-                  <a:srgbClr val="000000"/>
-                </a:solidFill>
-                <a:ea typeface="DejaVu Sans" pitchFamily="2"/>
-                <a:cs typeface="DejaVu Sans" pitchFamily="2"/>
-              </a:rPr>
-              <a:t>Практика</a:t>
-            </a:r>
-            <a:endParaRPr lang="ru-RU" dirty="0"/>
-          </a:p>
-        </p:txBody>
-      </p:sp>
-    </p:spTree>
-    <p:extLst>
-      <p:ext uri="{BB962C8B-B14F-4D97-AF65-F5344CB8AC3E}">
-        <p14:creationId xmlns:p14="http://schemas.microsoft.com/office/powerpoint/2010/main" val="1535010297"/>
-      </p:ext>
-    </p:extLst>
-  </p:cSld>
-  <p:clrMapOvr>
-    <a:masterClrMapping/>
-  </p:clrMapOvr>
-</p:sld>
-</file>
-
 <file path=ppt/slides/slide23.xml><?xml version="1.0" encoding="utf-8"?>
 <p:sld xmlns:a="http://schemas.openxmlformats.org/drawingml/2006/main" xmlns:r="http://schemas.openxmlformats.org/officeDocument/2006/relationships" xmlns:p="http://schemas.openxmlformats.org/presentationml/2006/main">
   <p:cSld>
@@ -9308,7 +9228,7 @@
           <p:cNvPr id="2" name="Title 1">
             <a:extLst>
               <a:ext uri="{FF2B5EF4-FFF2-40B4-BE49-F238E27FC236}">
-                <a16:creationId xmlns:a16="http://schemas.microsoft.com/office/drawing/2014/main" id="{758213DD-3EDA-455B-8835-00FD804FA17A}"/>
+                <a16:creationId xmlns:a16="http://schemas.microsoft.com/office/drawing/2014/main" id="{C61B5D42-722A-4E57-AE65-87E9F04C13B5}"/>
               </a:ext>
             </a:extLst>
           </p:cNvPr>
@@ -9351,21 +9271,28 @@
                 <a:ea typeface="DejaVu Sans" pitchFamily="2"/>
                 <a:cs typeface="DejaVu Sans" pitchFamily="2"/>
               </a:rPr>
-              <a:t> </a:t>
+              <a:t> 3: </a:t>
             </a:r>
             <a:r>
               <a:rPr lang="ru-RU" sz="2000" dirty="0">
                 <a:ea typeface="DejaVu Sans" pitchFamily="2"/>
                 <a:cs typeface="DejaVu Sans" pitchFamily="2"/>
               </a:rPr>
-              <a:t>5</a:t>
-            </a:r>
-            <a:r>
-              <a:rPr lang="en-US" sz="2000" dirty="0">
-                <a:ea typeface="DejaVu Sans" pitchFamily="2"/>
-                <a:cs typeface="DejaVu Sans" pitchFamily="2"/>
-              </a:rPr>
-              <a:t>: Теория: Unlogged таблицы</a:t>
+              <a:t>Виды физических </a:t>
+            </a:r>
+            <a:r>
+              <a:rPr lang="ru-RU" sz="2000" dirty="0" err="1">
+                <a:ea typeface="DejaVu Sans" pitchFamily="2"/>
+                <a:cs typeface="DejaVu Sans" pitchFamily="2"/>
+              </a:rPr>
+              <a:t>join</a:t>
+            </a:r>
+            <a:r>
+              <a:rPr lang="ru-RU" sz="2000" dirty="0">
+                <a:ea typeface="DejaVu Sans" pitchFamily="2"/>
+                <a:cs typeface="DejaVu Sans" pitchFamily="2"/>
+              </a:rPr>
+              <a:t> и какой выбрать</a:t>
             </a:r>
             <a:endParaRPr lang="ru-RU" dirty="0"/>
           </a:p>
@@ -9376,7 +9303,7 @@
           <p:cNvPr id="3" name="Content Placeholder 2">
             <a:extLst>
               <a:ext uri="{FF2B5EF4-FFF2-40B4-BE49-F238E27FC236}">
-                <a16:creationId xmlns:a16="http://schemas.microsoft.com/office/drawing/2014/main" id="{C161AC7D-9235-4A56-9DBD-0A35EEF87042}"/>
+                <a16:creationId xmlns:a16="http://schemas.microsoft.com/office/drawing/2014/main" id="{090578C4-E6E7-4308-A4D1-738FCB3F61D8}"/>
               </a:ext>
             </a:extLst>
           </p:cNvPr>
@@ -9392,296 +9319,17 @@
           <a:bodyPr/>
           <a:lstStyle/>
           <a:p>
-            <a:pPr lvl="0">
-              <a:buClr>
-                <a:srgbClr val="666666"/>
-              </a:buClr>
-              <a:buSzPct val="45000"/>
-              <a:buFont typeface="StarSymbol"/>
-              <a:buChar char="●"/>
-            </a:pPr>
-            <a:r>
-              <a:rPr lang="en-US" dirty="0">
-                <a:solidFill>
-                  <a:srgbClr val="000000"/>
-                </a:solidFill>
-                <a:ea typeface="DejaVu Sans" pitchFamily="2"/>
-                <a:cs typeface="DejaVu Sans" pitchFamily="2"/>
-              </a:rPr>
-              <a:t>Что такое unlogged таблица</a:t>
-            </a:r>
-            <a:endParaRPr lang="ru-RU" dirty="0">
-              <a:solidFill>
-                <a:srgbClr val="000000"/>
-              </a:solidFill>
-              <a:ea typeface="DejaVu Sans" pitchFamily="2"/>
-              <a:cs typeface="DejaVu Sans" pitchFamily="2"/>
-            </a:endParaRPr>
-          </a:p>
-          <a:p>
-            <a:pPr lvl="1">
-              <a:buClr>
-                <a:srgbClr val="666666"/>
-              </a:buClr>
-              <a:buSzPct val="45000"/>
-              <a:buFont typeface="StarSymbol"/>
-              <a:buChar char="●"/>
-            </a:pPr>
-            <a:r>
-              <a:rPr lang="ru-RU" dirty="0">
-                <a:solidFill>
-                  <a:srgbClr val="000000"/>
-                </a:solidFill>
-                <a:ea typeface="DejaVu Sans" pitchFamily="2"/>
-                <a:cs typeface="DejaVu Sans" pitchFamily="2"/>
-              </a:rPr>
-              <a:t>Не пишется информация о транзакциях в </a:t>
-            </a:r>
-            <a:r>
-              <a:rPr lang="en-US" dirty="0" err="1">
-                <a:solidFill>
-                  <a:srgbClr val="000000"/>
-                </a:solidFill>
-                <a:ea typeface="DejaVu Sans" pitchFamily="2"/>
-                <a:cs typeface="DejaVu Sans" pitchFamily="2"/>
-              </a:rPr>
-              <a:t>wal</a:t>
-            </a:r>
-            <a:r>
-              <a:rPr lang="ru-RU" dirty="0">
-                <a:solidFill>
-                  <a:srgbClr val="000000"/>
-                </a:solidFill>
-                <a:ea typeface="DejaVu Sans" pitchFamily="2"/>
-                <a:cs typeface="DejaVu Sans" pitchFamily="2"/>
-              </a:rPr>
-              <a:t>-лог</a:t>
-            </a:r>
-            <a:endParaRPr lang="en-US" dirty="0">
-              <a:solidFill>
-                <a:srgbClr val="000000"/>
-              </a:solidFill>
-              <a:ea typeface="DejaVu Sans" pitchFamily="2"/>
-              <a:cs typeface="DejaVu Sans" pitchFamily="2"/>
-            </a:endParaRPr>
-          </a:p>
-          <a:p>
-            <a:pPr lvl="0">
-              <a:buClr>
-                <a:srgbClr val="666666"/>
-              </a:buClr>
-              <a:buSzPct val="45000"/>
-              <a:buFont typeface="StarSymbol"/>
-              <a:buChar char="●"/>
-            </a:pPr>
-            <a:r>
-              <a:rPr lang="en-US" dirty="0">
-                <a:solidFill>
-                  <a:srgbClr val="000000"/>
-                </a:solidFill>
-                <a:ea typeface="DejaVu Sans" pitchFamily="2"/>
-                <a:cs typeface="DejaVu Sans" pitchFamily="2"/>
-              </a:rPr>
-              <a:t>Truncate vs delete from</a:t>
-            </a:r>
-          </a:p>
-          <a:p>
-            <a:pPr lvl="0">
-              <a:buClr>
-                <a:srgbClr val="666666"/>
-              </a:buClr>
-              <a:buSzPct val="45000"/>
-              <a:buFont typeface="StarSymbol"/>
-              <a:buChar char="●"/>
-            </a:pPr>
-            <a:r>
-              <a:rPr lang="en-US" dirty="0">
-                <a:solidFill>
-                  <a:srgbClr val="000000"/>
-                </a:solidFill>
-                <a:ea typeface="DejaVu Sans" pitchFamily="2"/>
-                <a:cs typeface="DejaVu Sans" pitchFamily="2"/>
-              </a:rPr>
-              <a:t>Плюсы использования unlogged таблицы</a:t>
-            </a:r>
-            <a:endParaRPr lang="ru-RU" dirty="0">
-              <a:solidFill>
-                <a:srgbClr val="000000"/>
-              </a:solidFill>
-              <a:ea typeface="DejaVu Sans" pitchFamily="2"/>
-              <a:cs typeface="DejaVu Sans" pitchFamily="2"/>
-            </a:endParaRPr>
-          </a:p>
-          <a:p>
-            <a:pPr lvl="1">
-              <a:buClr>
-                <a:srgbClr val="666666"/>
-              </a:buClr>
-              <a:buSzPct val="45000"/>
-              <a:buFont typeface="StarSymbol"/>
-              <a:buChar char="●"/>
-            </a:pPr>
-            <a:r>
-              <a:rPr lang="ru-RU" dirty="0">
-                <a:solidFill>
-                  <a:srgbClr val="000000"/>
-                </a:solidFill>
-                <a:ea typeface="DejaVu Sans" pitchFamily="2"/>
-                <a:cs typeface="DejaVu Sans" pitchFamily="2"/>
-              </a:rPr>
-              <a:t>Ускорение в 1,5-2 раза</a:t>
-            </a:r>
-            <a:endParaRPr lang="en-US" dirty="0">
-              <a:solidFill>
-                <a:srgbClr val="000000"/>
-              </a:solidFill>
-              <a:ea typeface="DejaVu Sans" pitchFamily="2"/>
-              <a:cs typeface="DejaVu Sans" pitchFamily="2"/>
-            </a:endParaRPr>
-          </a:p>
-          <a:p>
-            <a:pPr lvl="0">
-              <a:buClr>
-                <a:srgbClr val="666666"/>
-              </a:buClr>
-              <a:buSzPct val="45000"/>
-              <a:buFont typeface="StarSymbol"/>
-              <a:buChar char="●"/>
-            </a:pPr>
-            <a:r>
-              <a:rPr lang="en-US" dirty="0">
-                <a:solidFill>
-                  <a:srgbClr val="000000"/>
-                </a:solidFill>
-                <a:ea typeface="DejaVu Sans" pitchFamily="2"/>
-                <a:cs typeface="DejaVu Sans" pitchFamily="2"/>
-              </a:rPr>
-              <a:t>Минусы использования unlogged таблицы</a:t>
-            </a:r>
-            <a:endParaRPr lang="ru-RU" dirty="0">
-              <a:solidFill>
-                <a:srgbClr val="000000"/>
-              </a:solidFill>
-              <a:ea typeface="DejaVu Sans" pitchFamily="2"/>
-              <a:cs typeface="DejaVu Sans" pitchFamily="2"/>
-            </a:endParaRPr>
-          </a:p>
-          <a:p>
-            <a:pPr lvl="1">
-              <a:buClr>
-                <a:srgbClr val="666666"/>
-              </a:buClr>
-              <a:buSzPct val="45000"/>
-              <a:buFont typeface="StarSymbol"/>
-              <a:buChar char="●"/>
-            </a:pPr>
-            <a:r>
-              <a:rPr lang="ru-RU" dirty="0">
-                <a:solidFill>
-                  <a:srgbClr val="000000"/>
-                </a:solidFill>
-                <a:ea typeface="DejaVu Sans" pitchFamily="2"/>
-                <a:cs typeface="DejaVu Sans" pitchFamily="2"/>
-              </a:rPr>
-              <a:t>В случае невыполнения операции нельзя будет восстановить информацию</a:t>
-            </a:r>
-          </a:p>
-          <a:p>
-            <a:pPr lvl="1">
-              <a:buClr>
-                <a:srgbClr val="666666"/>
-              </a:buClr>
-              <a:buSzPct val="45000"/>
-              <a:buFont typeface="StarSymbol"/>
-              <a:buChar char="●"/>
-            </a:pPr>
-            <a:r>
-              <a:rPr lang="ru-RU" dirty="0">
-                <a:solidFill>
-                  <a:srgbClr val="000000"/>
-                </a:solidFill>
-                <a:ea typeface="DejaVu Sans" pitchFamily="2"/>
-                <a:cs typeface="DejaVu Sans" pitchFamily="2"/>
-              </a:rPr>
-              <a:t>В </a:t>
-            </a:r>
-            <a:r>
-              <a:rPr lang="en-US" dirty="0">
-                <a:solidFill>
-                  <a:srgbClr val="000000"/>
-                </a:solidFill>
-                <a:ea typeface="DejaVu Sans" pitchFamily="2"/>
-                <a:cs typeface="DejaVu Sans" pitchFamily="2"/>
-              </a:rPr>
-              <a:t>Greenplum</a:t>
-            </a:r>
-            <a:r>
-              <a:rPr lang="ru-RU" dirty="0">
-                <a:solidFill>
-                  <a:srgbClr val="000000"/>
-                </a:solidFill>
-                <a:ea typeface="DejaVu Sans" pitchFamily="2"/>
-                <a:cs typeface="DejaVu Sans" pitchFamily="2"/>
-              </a:rPr>
-              <a:t> сейчас эта опция недоступна (заведено критическое </a:t>
-            </a:r>
-            <a:r>
-              <a:rPr lang="en-US" dirty="0">
-                <a:solidFill>
-                  <a:srgbClr val="000000"/>
-                </a:solidFill>
-                <a:ea typeface="DejaVu Sans" pitchFamily="2"/>
-                <a:cs typeface="DejaVu Sans" pitchFamily="2"/>
-              </a:rPr>
-              <a:t>issue</a:t>
-            </a:r>
-            <a:r>
-              <a:rPr lang="ru-RU" dirty="0">
-                <a:solidFill>
-                  <a:srgbClr val="000000"/>
-                </a:solidFill>
-                <a:ea typeface="DejaVu Sans" pitchFamily="2"/>
-                <a:cs typeface="DejaVu Sans" pitchFamily="2"/>
-              </a:rPr>
-              <a:t>, такие таблицы ломаются)</a:t>
-            </a:r>
-            <a:endParaRPr lang="en-US" dirty="0">
-              <a:solidFill>
-                <a:srgbClr val="000000"/>
-              </a:solidFill>
-              <a:ea typeface="DejaVu Sans" pitchFamily="2"/>
-              <a:cs typeface="DejaVu Sans" pitchFamily="2"/>
-            </a:endParaRPr>
-          </a:p>
-          <a:p>
-            <a:pPr lvl="0">
-              <a:buClr>
-                <a:srgbClr val="666666"/>
-              </a:buClr>
-              <a:buSzPct val="45000"/>
-              <a:buFont typeface="StarSymbol"/>
-              <a:buChar char="●"/>
-            </a:pPr>
-            <a:r>
-              <a:rPr lang="en-US" dirty="0">
-                <a:solidFill>
-                  <a:srgbClr val="000000"/>
-                </a:solidFill>
-                <a:ea typeface="DejaVu Sans" pitchFamily="2"/>
-                <a:cs typeface="DejaVu Sans" pitchFamily="2"/>
-              </a:rPr>
-              <a:t>Какие еще есть варианты</a:t>
-            </a:r>
-          </a:p>
-          <a:p>
-            <a:endParaRPr lang="ru-RU" dirty="0"/>
+            <a:r>
+              <a:rPr lang="ru-RU" dirty="0"/>
+              <a:t>Практика</a:t>
+            </a:r>
           </a:p>
         </p:txBody>
       </p:sp>
     </p:spTree>
     <p:extLst>
       <p:ext uri="{BB962C8B-B14F-4D97-AF65-F5344CB8AC3E}">
-        <p14:creationId xmlns:p14="http://schemas.microsoft.com/office/powerpoint/2010/main" val="2537559778"/>
+        <p14:creationId xmlns:p14="http://schemas.microsoft.com/office/powerpoint/2010/main" val="227297583"/>
       </p:ext>
     </p:extLst>
   </p:cSld>
@@ -9713,7 +9361,7 @@
           <p:cNvPr id="2" name="Title 1">
             <a:extLst>
               <a:ext uri="{FF2B5EF4-FFF2-40B4-BE49-F238E27FC236}">
-                <a16:creationId xmlns:a16="http://schemas.microsoft.com/office/drawing/2014/main" id="{758213DD-3EDA-455B-8835-00FD804FA17A}"/>
+                <a16:creationId xmlns:a16="http://schemas.microsoft.com/office/drawing/2014/main" id="{A7849E89-1B6E-4D5A-B79A-B4ABAF7E394E}"/>
               </a:ext>
             </a:extLst>
           </p:cNvPr>
@@ -9763,14 +9411,21 @@
                 <a:ea typeface="DejaVu Sans" pitchFamily="2"/>
                 <a:cs typeface="DejaVu Sans" pitchFamily="2"/>
               </a:rPr>
-              <a:t>5</a:t>
+              <a:t>4</a:t>
             </a:r>
             <a:r>
               <a:rPr lang="en-US" sz="2000" dirty="0">
                 <a:ea typeface="DejaVu Sans" pitchFamily="2"/>
                 <a:cs typeface="DejaVu Sans" pitchFamily="2"/>
               </a:rPr>
-              <a:t>: Unlogged таблицы</a:t>
+              <a:t>: Теория: оптимизация через </a:t>
+            </a:r>
+            <a:r>
+              <a:rPr lang="ru-RU" sz="2000" dirty="0">
+                <a:ea typeface="DejaVu Sans" pitchFamily="2"/>
+                <a:cs typeface="DejaVu Sans" pitchFamily="2"/>
+              </a:rPr>
+              <a:t>промежуточную материализацию</a:t>
             </a:r>
             <a:endParaRPr lang="ru-RU" dirty="0"/>
           </a:p>
@@ -9781,7 +9436,7 @@
           <p:cNvPr id="3" name="Content Placeholder 2">
             <a:extLst>
               <a:ext uri="{FF2B5EF4-FFF2-40B4-BE49-F238E27FC236}">
-                <a16:creationId xmlns:a16="http://schemas.microsoft.com/office/drawing/2014/main" id="{C161AC7D-9235-4A56-9DBD-0A35EEF87042}"/>
+                <a16:creationId xmlns:a16="http://schemas.microsoft.com/office/drawing/2014/main" id="{3900631D-A5E4-47A8-B439-20D1B6BD2E4D}"/>
               </a:ext>
             </a:extLst>
           </p:cNvPr>
@@ -9806,6 +9461,46 @@
               <a:buChar char="●"/>
             </a:pPr>
             <a:r>
+              <a:rPr lang="en-US" dirty="0">
+                <a:solidFill>
+                  <a:srgbClr val="000000"/>
+                </a:solidFill>
+                <a:ea typeface="DejaVu Sans" pitchFamily="2"/>
+                <a:cs typeface="DejaVu Sans" pitchFamily="2"/>
+              </a:rPr>
+              <a:t>Пример плоских джоинов</a:t>
+            </a:r>
+          </a:p>
+          <a:p>
+            <a:pPr lvl="0">
+              <a:buClr>
+                <a:srgbClr val="666666"/>
+              </a:buClr>
+              <a:buSzPct val="45000"/>
+              <a:buFont typeface="StarSymbol"/>
+              <a:buChar char="●"/>
+            </a:pPr>
+            <a:r>
+              <a:rPr lang="en-US" dirty="0" err="1">
+                <a:solidFill>
+                  <a:srgbClr val="000000"/>
+                </a:solidFill>
+                <a:ea typeface="DejaVu Sans" pitchFamily="2"/>
+                <a:cs typeface="DejaVu Sans" pitchFamily="2"/>
+              </a:rPr>
+              <a:t>Переписанный</a:t>
+            </a:r>
+            <a:r>
+              <a:rPr lang="en-US" dirty="0">
+                <a:solidFill>
+                  <a:srgbClr val="000000"/>
+                </a:solidFill>
+                <a:ea typeface="DejaVu Sans" pitchFamily="2"/>
+                <a:cs typeface="DejaVu Sans" pitchFamily="2"/>
+              </a:rPr>
+              <a:t> пример через </a:t>
+            </a:r>
+            <a:r>
               <a:rPr lang="ru-RU" dirty="0">
                 <a:solidFill>
                   <a:srgbClr val="000000"/>
@@ -9813,8 +9508,17 @@
                 <a:ea typeface="DejaVu Sans" pitchFamily="2"/>
                 <a:cs typeface="DejaVu Sans" pitchFamily="2"/>
               </a:rPr>
-              <a:t>Практика</a:t>
-            </a:r>
+              <a:t>промежуточную оптимизацию</a:t>
+            </a:r>
+            <a:endParaRPr lang="en-US" dirty="0">
+              <a:solidFill>
+                <a:srgbClr val="000000"/>
+              </a:solidFill>
+              <a:ea typeface="DejaVu Sans" pitchFamily="2"/>
+              <a:cs typeface="DejaVu Sans" pitchFamily="2"/>
+            </a:endParaRPr>
+          </a:p>
+          <a:p>
             <a:endParaRPr lang="ru-RU" dirty="0"/>
           </a:p>
         </p:txBody>
@@ -9822,7 +9526,7 @@
     </p:spTree>
     <p:extLst>
       <p:ext uri="{BB962C8B-B14F-4D97-AF65-F5344CB8AC3E}">
-        <p14:creationId xmlns:p14="http://schemas.microsoft.com/office/powerpoint/2010/main" val="1921711037"/>
+        <p14:creationId xmlns:p14="http://schemas.microsoft.com/office/powerpoint/2010/main" val="4003952097"/>
       </p:ext>
     </p:extLst>
   </p:cSld>
@@ -9854,7 +9558,7 @@
           <p:cNvPr id="2" name="Title 1">
             <a:extLst>
               <a:ext uri="{FF2B5EF4-FFF2-40B4-BE49-F238E27FC236}">
-                <a16:creationId xmlns:a16="http://schemas.microsoft.com/office/drawing/2014/main" id="{9BB4425D-EFFE-4C7B-BAB3-696974B86ECB}"/>
+                <a16:creationId xmlns:a16="http://schemas.microsoft.com/office/drawing/2014/main" id="{A7849E89-1B6E-4D5A-B79A-B4ABAF7E394E}"/>
               </a:ext>
             </a:extLst>
           </p:cNvPr>
@@ -9886,11 +9590,32 @@
               </a:rPr>
             </a:br>
             <a:r>
+              <a:rPr lang="en-US" sz="2000" dirty="0" err="1">
+                <a:ea typeface="DejaVu Sans" pitchFamily="2"/>
+                <a:cs typeface="DejaVu Sans" pitchFamily="2"/>
+              </a:rPr>
+              <a:t>Блок</a:t>
+            </a:r>
+            <a:r>
+              <a:rPr lang="en-US" sz="2000" dirty="0">
+                <a:ea typeface="DejaVu Sans" pitchFamily="2"/>
+                <a:cs typeface="DejaVu Sans" pitchFamily="2"/>
+              </a:rPr>
+              <a:t> </a:t>
+            </a:r>
+            <a:r>
               <a:rPr lang="ru-RU" sz="2000" dirty="0">
                 <a:ea typeface="DejaVu Sans" pitchFamily="2"/>
                 <a:cs typeface="DejaVu Sans" pitchFamily="2"/>
               </a:rPr>
-              <a:t>Итоги</a:t>
+              <a:t>4</a:t>
+            </a:r>
+            <a:r>
+              <a:rPr lang="en-US" sz="2000" dirty="0">
+                <a:ea typeface="DejaVu Sans" pitchFamily="2"/>
+                <a:cs typeface="DejaVu Sans" pitchFamily="2"/>
+              </a:rPr>
+              <a:t>: оптимизация через вложенные запросы</a:t>
             </a:r>
             <a:endParaRPr lang="ru-RU" dirty="0"/>
           </a:p>
@@ -9901,7 +9626,7 @@
           <p:cNvPr id="3" name="Content Placeholder 2">
             <a:extLst>
               <a:ext uri="{FF2B5EF4-FFF2-40B4-BE49-F238E27FC236}">
-                <a16:creationId xmlns:a16="http://schemas.microsoft.com/office/drawing/2014/main" id="{B0E0C843-357D-4ABC-9BF5-821708867C3C}"/>
+                <a16:creationId xmlns:a16="http://schemas.microsoft.com/office/drawing/2014/main" id="{3900631D-A5E4-47A8-B439-20D1B6BD2E4D}"/>
               </a:ext>
             </a:extLst>
           </p:cNvPr>
@@ -9912,193 +9637,37 @@
             <p:ph idx="1"/>
           </p:nvPr>
         </p:nvSpPr>
-        <p:spPr>
-          <a:xfrm>
-            <a:off x="1069848" y="1930873"/>
-            <a:ext cx="10817352" cy="4780398"/>
-          </a:xfrm>
-        </p:spPr>
+        <p:spPr/>
         <p:txBody>
-          <a:bodyPr>
-            <a:normAutofit/>
-          </a:bodyPr>
+          <a:bodyPr/>
           <a:lstStyle/>
           <a:p>
-            <a:pPr marL="457200" indent="-457200">
-              <a:buFont typeface="+mj-lt"/>
-              <a:buAutoNum type="arabicPeriod"/>
-            </a:pPr>
-            <a:r>
-              <a:rPr lang="ru-RU" dirty="0"/>
-              <a:t>Старт оптимизации – построение плана выполнения запроса - </a:t>
-            </a:r>
-            <a:r>
-              <a:rPr lang="af-ZA" b="1" dirty="0"/>
-              <a:t>explain (analyze)</a:t>
-            </a:r>
-            <a:endParaRPr lang="ru-RU" b="1" dirty="0"/>
-          </a:p>
-          <a:p>
-            <a:pPr marL="457200" indent="-457200">
-              <a:buFont typeface="+mj-lt"/>
-              <a:buAutoNum type="arabicPeriod"/>
-            </a:pPr>
-            <a:r>
-              <a:rPr lang="ru-RU" dirty="0"/>
-              <a:t>Оптимальность запроса может зависеть от общей нагрузки на сервер – проверяем общие метрики</a:t>
-            </a:r>
-          </a:p>
-          <a:p>
-            <a:pPr marL="457200" indent="-457200">
-              <a:buFont typeface="+mj-lt"/>
-              <a:buAutoNum type="arabicPeriod"/>
-            </a:pPr>
-            <a:r>
-              <a:rPr lang="ru-RU" dirty="0"/>
-              <a:t>Индексы – это хорошо, если в меру</a:t>
-            </a:r>
-            <a:endParaRPr lang="en-US" dirty="0"/>
-          </a:p>
-          <a:p>
-            <a:pPr marL="457200" indent="-457200">
-              <a:buFont typeface="+mj-lt"/>
-              <a:buAutoNum type="arabicPeriod"/>
-            </a:pPr>
-            <a:r>
-              <a:rPr lang="ru-RU" dirty="0" err="1"/>
-              <a:t>Партиции</a:t>
-            </a:r>
-            <a:r>
-              <a:rPr lang="ru-RU" dirty="0"/>
-              <a:t> – помощь для индексов для очень больших таблиц</a:t>
-            </a:r>
-          </a:p>
-          <a:p>
-            <a:pPr marL="457200" indent="-457200">
-              <a:buFont typeface="+mj-lt"/>
-              <a:buAutoNum type="arabicPeriod"/>
-            </a:pPr>
-            <a:r>
-              <a:rPr lang="ru-RU" dirty="0"/>
-              <a:t>Проверяем вид </a:t>
-            </a:r>
-            <a:r>
-              <a:rPr lang="en-US" dirty="0"/>
-              <a:t>join</a:t>
-            </a:r>
-            <a:r>
-              <a:rPr lang="ru-RU" dirty="0"/>
-              <a:t> - нет </a:t>
-            </a:r>
-            <a:r>
-              <a:rPr lang="ru-RU" dirty="0" err="1"/>
-              <a:t>nested</a:t>
-            </a:r>
-            <a:r>
-              <a:rPr lang="ru-RU" dirty="0"/>
-              <a:t> </a:t>
-            </a:r>
-            <a:r>
-              <a:rPr lang="ru-RU" dirty="0" err="1"/>
-              <a:t>loop-ам</a:t>
-            </a:r>
-            <a:r>
-              <a:rPr lang="ru-RU" dirty="0"/>
-              <a:t> (кроме крайней необходимости)!</a:t>
-            </a:r>
-            <a:endParaRPr lang="en-US" dirty="0"/>
-          </a:p>
-          <a:p>
-            <a:pPr marL="457200" indent="-457200">
-              <a:buFont typeface="+mj-lt"/>
-              <a:buAutoNum type="arabicPeriod"/>
-            </a:pPr>
-            <a:r>
-              <a:rPr lang="en-US" dirty="0"/>
-              <a:t>Union all</a:t>
-            </a:r>
-            <a:r>
-              <a:rPr lang="ru-RU" dirty="0"/>
-              <a:t> вместо </a:t>
-            </a:r>
-            <a:r>
-              <a:rPr lang="en-US" dirty="0"/>
-              <a:t>Union</a:t>
-            </a:r>
-          </a:p>
-          <a:p>
-            <a:pPr marL="457200" indent="-457200">
-              <a:buFont typeface="+mj-lt"/>
-              <a:buAutoNum type="arabicPeriod"/>
-            </a:pPr>
-            <a:r>
-              <a:rPr lang="ru-RU" dirty="0"/>
-              <a:t>В запросе много </a:t>
-            </a:r>
-            <a:r>
-              <a:rPr lang="en-US" dirty="0"/>
-              <a:t>join (&gt;10) –</a:t>
-            </a:r>
-            <a:r>
-              <a:rPr lang="ru-RU" dirty="0"/>
-              <a:t> приземляем промежуточный результат</a:t>
-            </a:r>
-          </a:p>
-          <a:p>
-            <a:pPr marL="457200" indent="-457200">
-              <a:buFont typeface="+mj-lt"/>
-              <a:buAutoNum type="arabicPeriod"/>
-            </a:pPr>
-            <a:r>
-              <a:rPr lang="ru-RU" dirty="0"/>
-              <a:t>Для промежуточных таблиц можно использовать </a:t>
-            </a:r>
-            <a:r>
-              <a:rPr lang="en-US" dirty="0"/>
-              <a:t>Unlogged</a:t>
+            <a:pPr lvl="0">
+              <a:buClr>
+                <a:srgbClr val="666666"/>
+              </a:buClr>
+              <a:buSzPct val="45000"/>
+              <a:buFont typeface="StarSymbol"/>
+              <a:buChar char="●"/>
+            </a:pPr>
+            <a:r>
+              <a:rPr lang="ru-RU" dirty="0">
+                <a:solidFill>
+                  <a:srgbClr val="000000"/>
+                </a:solidFill>
+                <a:ea typeface="DejaVu Sans" pitchFamily="2"/>
+                <a:cs typeface="DejaVu Sans" pitchFamily="2"/>
+              </a:rPr>
+              <a:t>Практика</a:t>
             </a:r>
             <a:endParaRPr lang="ru-RU" dirty="0"/>
-          </a:p>
-          <a:p>
-            <a:pPr marL="457200" indent="-457200">
-              <a:buFont typeface="+mj-lt"/>
-              <a:buAutoNum type="arabicPeriod"/>
-            </a:pPr>
-            <a:r>
-              <a:rPr lang="ru-RU" dirty="0"/>
-              <a:t>Изучаем особенности оптимизации в рамках той СУБД, с которой работаем</a:t>
-            </a:r>
-          </a:p>
-          <a:p>
-            <a:pPr marL="617220" lvl="1" indent="-342900">
-              <a:buFont typeface="+mj-lt"/>
-              <a:buAutoNum type="arabicPeriod"/>
-            </a:pPr>
-            <a:r>
-              <a:rPr lang="ru-RU" dirty="0"/>
-              <a:t>Teradata - нет необходимости удалять индекс при массовом изменении данных</a:t>
-            </a:r>
-          </a:p>
-          <a:p>
-            <a:pPr marL="617220" lvl="1" indent="-342900">
-              <a:buFont typeface="+mj-lt"/>
-              <a:buAutoNum type="arabicPeriod"/>
-            </a:pPr>
-            <a:r>
-              <a:rPr lang="en-US" dirty="0"/>
-              <a:t>Oracle - </a:t>
-            </a:r>
-            <a:r>
-              <a:rPr lang="ru-RU" dirty="0"/>
-              <a:t>множество хинтов для помощи оптимизатору</a:t>
-            </a:r>
           </a:p>
         </p:txBody>
       </p:sp>
     </p:spTree>
     <p:extLst>
       <p:ext uri="{BB962C8B-B14F-4D97-AF65-F5344CB8AC3E}">
-        <p14:creationId xmlns:p14="http://schemas.microsoft.com/office/powerpoint/2010/main" val="1967959849"/>
+        <p14:creationId xmlns:p14="http://schemas.microsoft.com/office/powerpoint/2010/main" val="1535010297"/>
       </p:ext>
     </p:extLst>
   </p:cSld>
@@ -10130,6 +9699,1247 @@
           <p:cNvPr id="2" name="Title 1">
             <a:extLst>
               <a:ext uri="{FF2B5EF4-FFF2-40B4-BE49-F238E27FC236}">
+                <a16:creationId xmlns:a16="http://schemas.microsoft.com/office/drawing/2014/main" id="{758213DD-3EDA-455B-8835-00FD804FA17A}"/>
+              </a:ext>
+            </a:extLst>
+          </p:cNvPr>
+          <p:cNvSpPr>
+            <a:spLocks noGrp="1"/>
+          </p:cNvSpPr>
+          <p:nvPr>
+            <p:ph type="title"/>
+          </p:nvPr>
+        </p:nvSpPr>
+        <p:spPr/>
+        <p:txBody>
+          <a:bodyPr>
+            <a:normAutofit/>
+          </a:bodyPr>
+          <a:lstStyle/>
+          <a:p>
+            <a:r>
+              <a:rPr lang="en-US" dirty="0">
+                <a:ea typeface="DejaVu Sans" pitchFamily="2"/>
+                <a:cs typeface="DejaVu Sans" pitchFamily="2"/>
+              </a:rPr>
+              <a:t>Оптимизация SQL</a:t>
+            </a:r>
+            <a:br>
+              <a:rPr lang="en-US" dirty="0">
+                <a:ea typeface="DejaVu Sans" pitchFamily="2"/>
+                <a:cs typeface="DejaVu Sans" pitchFamily="2"/>
+              </a:rPr>
+            </a:br>
+            <a:r>
+              <a:rPr lang="en-US" sz="2000" dirty="0" err="1">
+                <a:ea typeface="DejaVu Sans" pitchFamily="2"/>
+                <a:cs typeface="DejaVu Sans" pitchFamily="2"/>
+              </a:rPr>
+              <a:t>Блок</a:t>
+            </a:r>
+            <a:r>
+              <a:rPr lang="en-US" sz="2000" dirty="0">
+                <a:ea typeface="DejaVu Sans" pitchFamily="2"/>
+                <a:cs typeface="DejaVu Sans" pitchFamily="2"/>
+              </a:rPr>
+              <a:t> </a:t>
+            </a:r>
+            <a:r>
+              <a:rPr lang="ru-RU" sz="2000" dirty="0">
+                <a:ea typeface="DejaVu Sans" pitchFamily="2"/>
+                <a:cs typeface="DejaVu Sans" pitchFamily="2"/>
+              </a:rPr>
+              <a:t>5</a:t>
+            </a:r>
+            <a:r>
+              <a:rPr lang="en-US" sz="2000" dirty="0">
+                <a:ea typeface="DejaVu Sans" pitchFamily="2"/>
+                <a:cs typeface="DejaVu Sans" pitchFamily="2"/>
+              </a:rPr>
+              <a:t>: Теория: Unlogged таблицы</a:t>
+            </a:r>
+            <a:endParaRPr lang="ru-RU" dirty="0"/>
+          </a:p>
+        </p:txBody>
+      </p:sp>
+      <p:sp>
+        <p:nvSpPr>
+          <p:cNvPr id="3" name="Content Placeholder 2">
+            <a:extLst>
+              <a:ext uri="{FF2B5EF4-FFF2-40B4-BE49-F238E27FC236}">
+                <a16:creationId xmlns:a16="http://schemas.microsoft.com/office/drawing/2014/main" id="{C161AC7D-9235-4A56-9DBD-0A35EEF87042}"/>
+              </a:ext>
+            </a:extLst>
+          </p:cNvPr>
+          <p:cNvSpPr>
+            <a:spLocks noGrp="1"/>
+          </p:cNvSpPr>
+          <p:nvPr>
+            <p:ph idx="1"/>
+          </p:nvPr>
+        </p:nvSpPr>
+        <p:spPr/>
+        <p:txBody>
+          <a:bodyPr/>
+          <a:lstStyle/>
+          <a:p>
+            <a:pPr lvl="0">
+              <a:buClr>
+                <a:srgbClr val="666666"/>
+              </a:buClr>
+              <a:buSzPct val="45000"/>
+              <a:buFont typeface="StarSymbol"/>
+              <a:buChar char="●"/>
+            </a:pPr>
+            <a:r>
+              <a:rPr lang="en-US" dirty="0">
+                <a:solidFill>
+                  <a:srgbClr val="000000"/>
+                </a:solidFill>
+                <a:ea typeface="DejaVu Sans" pitchFamily="2"/>
+                <a:cs typeface="DejaVu Sans" pitchFamily="2"/>
+              </a:rPr>
+              <a:t>Что такое unlogged таблица</a:t>
+            </a:r>
+            <a:endParaRPr lang="ru-RU" dirty="0">
+              <a:solidFill>
+                <a:srgbClr val="000000"/>
+              </a:solidFill>
+              <a:ea typeface="DejaVu Sans" pitchFamily="2"/>
+              <a:cs typeface="DejaVu Sans" pitchFamily="2"/>
+            </a:endParaRPr>
+          </a:p>
+          <a:p>
+            <a:pPr lvl="1">
+              <a:buClr>
+                <a:srgbClr val="666666"/>
+              </a:buClr>
+              <a:buSzPct val="45000"/>
+              <a:buFont typeface="StarSymbol"/>
+              <a:buChar char="●"/>
+            </a:pPr>
+            <a:r>
+              <a:rPr lang="ru-RU" dirty="0">
+                <a:solidFill>
+                  <a:srgbClr val="000000"/>
+                </a:solidFill>
+                <a:ea typeface="DejaVu Sans" pitchFamily="2"/>
+                <a:cs typeface="DejaVu Sans" pitchFamily="2"/>
+              </a:rPr>
+              <a:t>Не пишется информация о транзакциях в </a:t>
+            </a:r>
+            <a:r>
+              <a:rPr lang="en-US" dirty="0" err="1">
+                <a:solidFill>
+                  <a:srgbClr val="000000"/>
+                </a:solidFill>
+                <a:ea typeface="DejaVu Sans" pitchFamily="2"/>
+                <a:cs typeface="DejaVu Sans" pitchFamily="2"/>
+              </a:rPr>
+              <a:t>wal</a:t>
+            </a:r>
+            <a:r>
+              <a:rPr lang="ru-RU" dirty="0">
+                <a:solidFill>
+                  <a:srgbClr val="000000"/>
+                </a:solidFill>
+                <a:ea typeface="DejaVu Sans" pitchFamily="2"/>
+                <a:cs typeface="DejaVu Sans" pitchFamily="2"/>
+              </a:rPr>
+              <a:t>-лог</a:t>
+            </a:r>
+            <a:endParaRPr lang="en-US" dirty="0">
+              <a:solidFill>
+                <a:srgbClr val="000000"/>
+              </a:solidFill>
+              <a:ea typeface="DejaVu Sans" pitchFamily="2"/>
+              <a:cs typeface="DejaVu Sans" pitchFamily="2"/>
+            </a:endParaRPr>
+          </a:p>
+          <a:p>
+            <a:pPr lvl="0">
+              <a:buClr>
+                <a:srgbClr val="666666"/>
+              </a:buClr>
+              <a:buSzPct val="45000"/>
+              <a:buFont typeface="StarSymbol"/>
+              <a:buChar char="●"/>
+            </a:pPr>
+            <a:r>
+              <a:rPr lang="en-US" dirty="0">
+                <a:solidFill>
+                  <a:srgbClr val="000000"/>
+                </a:solidFill>
+                <a:ea typeface="DejaVu Sans" pitchFamily="2"/>
+                <a:cs typeface="DejaVu Sans" pitchFamily="2"/>
+              </a:rPr>
+              <a:t>Truncate vs delete from</a:t>
+            </a:r>
+          </a:p>
+          <a:p>
+            <a:pPr lvl="0">
+              <a:buClr>
+                <a:srgbClr val="666666"/>
+              </a:buClr>
+              <a:buSzPct val="45000"/>
+              <a:buFont typeface="StarSymbol"/>
+              <a:buChar char="●"/>
+            </a:pPr>
+            <a:r>
+              <a:rPr lang="en-US" dirty="0">
+                <a:solidFill>
+                  <a:srgbClr val="000000"/>
+                </a:solidFill>
+                <a:ea typeface="DejaVu Sans" pitchFamily="2"/>
+                <a:cs typeface="DejaVu Sans" pitchFamily="2"/>
+              </a:rPr>
+              <a:t>Плюсы использования unlogged таблицы</a:t>
+            </a:r>
+            <a:endParaRPr lang="ru-RU" dirty="0">
+              <a:solidFill>
+                <a:srgbClr val="000000"/>
+              </a:solidFill>
+              <a:ea typeface="DejaVu Sans" pitchFamily="2"/>
+              <a:cs typeface="DejaVu Sans" pitchFamily="2"/>
+            </a:endParaRPr>
+          </a:p>
+          <a:p>
+            <a:pPr lvl="1">
+              <a:buClr>
+                <a:srgbClr val="666666"/>
+              </a:buClr>
+              <a:buSzPct val="45000"/>
+              <a:buFont typeface="StarSymbol"/>
+              <a:buChar char="●"/>
+            </a:pPr>
+            <a:r>
+              <a:rPr lang="ru-RU" dirty="0">
+                <a:solidFill>
+                  <a:srgbClr val="000000"/>
+                </a:solidFill>
+                <a:ea typeface="DejaVu Sans" pitchFamily="2"/>
+                <a:cs typeface="DejaVu Sans" pitchFamily="2"/>
+              </a:rPr>
+              <a:t>Ускорение в 1,5-2 раза</a:t>
+            </a:r>
+            <a:endParaRPr lang="en-US" dirty="0">
+              <a:solidFill>
+                <a:srgbClr val="000000"/>
+              </a:solidFill>
+              <a:ea typeface="DejaVu Sans" pitchFamily="2"/>
+              <a:cs typeface="DejaVu Sans" pitchFamily="2"/>
+            </a:endParaRPr>
+          </a:p>
+          <a:p>
+            <a:pPr lvl="0">
+              <a:buClr>
+                <a:srgbClr val="666666"/>
+              </a:buClr>
+              <a:buSzPct val="45000"/>
+              <a:buFont typeface="StarSymbol"/>
+              <a:buChar char="●"/>
+            </a:pPr>
+            <a:r>
+              <a:rPr lang="en-US" dirty="0">
+                <a:solidFill>
+                  <a:srgbClr val="000000"/>
+                </a:solidFill>
+                <a:ea typeface="DejaVu Sans" pitchFamily="2"/>
+                <a:cs typeface="DejaVu Sans" pitchFamily="2"/>
+              </a:rPr>
+              <a:t>Минусы использования unlogged таблицы</a:t>
+            </a:r>
+            <a:endParaRPr lang="ru-RU" dirty="0">
+              <a:solidFill>
+                <a:srgbClr val="000000"/>
+              </a:solidFill>
+              <a:ea typeface="DejaVu Sans" pitchFamily="2"/>
+              <a:cs typeface="DejaVu Sans" pitchFamily="2"/>
+            </a:endParaRPr>
+          </a:p>
+          <a:p>
+            <a:pPr lvl="1">
+              <a:buClr>
+                <a:srgbClr val="666666"/>
+              </a:buClr>
+              <a:buSzPct val="45000"/>
+              <a:buFont typeface="StarSymbol"/>
+              <a:buChar char="●"/>
+            </a:pPr>
+            <a:r>
+              <a:rPr lang="ru-RU" dirty="0">
+                <a:solidFill>
+                  <a:srgbClr val="000000"/>
+                </a:solidFill>
+                <a:ea typeface="DejaVu Sans" pitchFamily="2"/>
+                <a:cs typeface="DejaVu Sans" pitchFamily="2"/>
+              </a:rPr>
+              <a:t>В случае невыполнения операции нельзя будет восстановить информацию</a:t>
+            </a:r>
+          </a:p>
+          <a:p>
+            <a:pPr lvl="1">
+              <a:buClr>
+                <a:srgbClr val="666666"/>
+              </a:buClr>
+              <a:buSzPct val="45000"/>
+              <a:buFont typeface="StarSymbol"/>
+              <a:buChar char="●"/>
+            </a:pPr>
+            <a:r>
+              <a:rPr lang="ru-RU" dirty="0">
+                <a:solidFill>
+                  <a:srgbClr val="000000"/>
+                </a:solidFill>
+                <a:ea typeface="DejaVu Sans" pitchFamily="2"/>
+                <a:cs typeface="DejaVu Sans" pitchFamily="2"/>
+              </a:rPr>
+              <a:t>В </a:t>
+            </a:r>
+            <a:r>
+              <a:rPr lang="en-US" dirty="0">
+                <a:solidFill>
+                  <a:srgbClr val="000000"/>
+                </a:solidFill>
+                <a:ea typeface="DejaVu Sans" pitchFamily="2"/>
+                <a:cs typeface="DejaVu Sans" pitchFamily="2"/>
+              </a:rPr>
+              <a:t>Greenplum</a:t>
+            </a:r>
+            <a:r>
+              <a:rPr lang="ru-RU" dirty="0">
+                <a:solidFill>
+                  <a:srgbClr val="000000"/>
+                </a:solidFill>
+                <a:ea typeface="DejaVu Sans" pitchFamily="2"/>
+                <a:cs typeface="DejaVu Sans" pitchFamily="2"/>
+              </a:rPr>
+              <a:t> сейчас эта опция недоступна (заведено критическое </a:t>
+            </a:r>
+            <a:r>
+              <a:rPr lang="en-US" dirty="0">
+                <a:solidFill>
+                  <a:srgbClr val="000000"/>
+                </a:solidFill>
+                <a:ea typeface="DejaVu Sans" pitchFamily="2"/>
+                <a:cs typeface="DejaVu Sans" pitchFamily="2"/>
+              </a:rPr>
+              <a:t>issue</a:t>
+            </a:r>
+            <a:r>
+              <a:rPr lang="ru-RU" dirty="0">
+                <a:solidFill>
+                  <a:srgbClr val="000000"/>
+                </a:solidFill>
+                <a:ea typeface="DejaVu Sans" pitchFamily="2"/>
+                <a:cs typeface="DejaVu Sans" pitchFamily="2"/>
+              </a:rPr>
+              <a:t>, такие таблицы ломаются)</a:t>
+            </a:r>
+            <a:endParaRPr lang="en-US" dirty="0">
+              <a:solidFill>
+                <a:srgbClr val="000000"/>
+              </a:solidFill>
+              <a:ea typeface="DejaVu Sans" pitchFamily="2"/>
+              <a:cs typeface="DejaVu Sans" pitchFamily="2"/>
+            </a:endParaRPr>
+          </a:p>
+          <a:p>
+            <a:pPr lvl="0">
+              <a:buClr>
+                <a:srgbClr val="666666"/>
+              </a:buClr>
+              <a:buSzPct val="45000"/>
+              <a:buFont typeface="StarSymbol"/>
+              <a:buChar char="●"/>
+            </a:pPr>
+            <a:r>
+              <a:rPr lang="en-US" dirty="0">
+                <a:solidFill>
+                  <a:srgbClr val="000000"/>
+                </a:solidFill>
+                <a:ea typeface="DejaVu Sans" pitchFamily="2"/>
+                <a:cs typeface="DejaVu Sans" pitchFamily="2"/>
+              </a:rPr>
+              <a:t>Какие еще есть варианты</a:t>
+            </a:r>
+          </a:p>
+          <a:p>
+            <a:endParaRPr lang="ru-RU" dirty="0"/>
+          </a:p>
+        </p:txBody>
+      </p:sp>
+    </p:spTree>
+    <p:extLst>
+      <p:ext uri="{BB962C8B-B14F-4D97-AF65-F5344CB8AC3E}">
+        <p14:creationId xmlns:p14="http://schemas.microsoft.com/office/powerpoint/2010/main" val="2537559778"/>
+      </p:ext>
+    </p:extLst>
+  </p:cSld>
+  <p:clrMapOvr>
+    <a:masterClrMapping/>
+  </p:clrMapOvr>
+</p:sld>
+</file>
+
+<file path=ppt/slides/slide27.xml><?xml version="1.0" encoding="utf-8"?>
+<p:sld xmlns:a="http://schemas.openxmlformats.org/drawingml/2006/main" xmlns:r="http://schemas.openxmlformats.org/officeDocument/2006/relationships" xmlns:p="http://schemas.openxmlformats.org/presentationml/2006/main">
+  <p:cSld>
+    <p:spTree>
+      <p:nvGrpSpPr>
+        <p:cNvPr id="1" name=""/>
+        <p:cNvGrpSpPr/>
+        <p:nvPr/>
+      </p:nvGrpSpPr>
+      <p:grpSpPr>
+        <a:xfrm>
+          <a:off x="0" y="0"/>
+          <a:ext cx="0" cy="0"/>
+          <a:chOff x="0" y="0"/>
+          <a:chExt cx="0" cy="0"/>
+        </a:xfrm>
+      </p:grpSpPr>
+      <p:sp>
+        <p:nvSpPr>
+          <p:cNvPr id="2" name="Title 1">
+            <a:extLst>
+              <a:ext uri="{FF2B5EF4-FFF2-40B4-BE49-F238E27FC236}">
+                <a16:creationId xmlns:a16="http://schemas.microsoft.com/office/drawing/2014/main" id="{758213DD-3EDA-455B-8835-00FD804FA17A}"/>
+              </a:ext>
+            </a:extLst>
+          </p:cNvPr>
+          <p:cNvSpPr>
+            <a:spLocks noGrp="1"/>
+          </p:cNvSpPr>
+          <p:nvPr>
+            <p:ph type="title"/>
+          </p:nvPr>
+        </p:nvSpPr>
+        <p:spPr/>
+        <p:txBody>
+          <a:bodyPr>
+            <a:normAutofit/>
+          </a:bodyPr>
+          <a:lstStyle/>
+          <a:p>
+            <a:r>
+              <a:rPr lang="en-US" dirty="0">
+                <a:ea typeface="DejaVu Sans" pitchFamily="2"/>
+                <a:cs typeface="DejaVu Sans" pitchFamily="2"/>
+              </a:rPr>
+              <a:t>Оптимизация SQL</a:t>
+            </a:r>
+            <a:br>
+              <a:rPr lang="en-US" dirty="0">
+                <a:ea typeface="DejaVu Sans" pitchFamily="2"/>
+                <a:cs typeface="DejaVu Sans" pitchFamily="2"/>
+              </a:rPr>
+            </a:br>
+            <a:r>
+              <a:rPr lang="en-US" sz="2000" dirty="0" err="1">
+                <a:ea typeface="DejaVu Sans" pitchFamily="2"/>
+                <a:cs typeface="DejaVu Sans" pitchFamily="2"/>
+              </a:rPr>
+              <a:t>Блок</a:t>
+            </a:r>
+            <a:r>
+              <a:rPr lang="en-US" sz="2000" dirty="0">
+                <a:ea typeface="DejaVu Sans" pitchFamily="2"/>
+                <a:cs typeface="DejaVu Sans" pitchFamily="2"/>
+              </a:rPr>
+              <a:t> </a:t>
+            </a:r>
+            <a:r>
+              <a:rPr lang="ru-RU" sz="2000" dirty="0">
+                <a:ea typeface="DejaVu Sans" pitchFamily="2"/>
+                <a:cs typeface="DejaVu Sans" pitchFamily="2"/>
+              </a:rPr>
+              <a:t>5</a:t>
+            </a:r>
+            <a:r>
+              <a:rPr lang="en-US" sz="2000" dirty="0">
+                <a:ea typeface="DejaVu Sans" pitchFamily="2"/>
+                <a:cs typeface="DejaVu Sans" pitchFamily="2"/>
+              </a:rPr>
+              <a:t>: Unlogged таблицы</a:t>
+            </a:r>
+            <a:endParaRPr lang="ru-RU" dirty="0"/>
+          </a:p>
+        </p:txBody>
+      </p:sp>
+      <p:sp>
+        <p:nvSpPr>
+          <p:cNvPr id="3" name="Content Placeholder 2">
+            <a:extLst>
+              <a:ext uri="{FF2B5EF4-FFF2-40B4-BE49-F238E27FC236}">
+                <a16:creationId xmlns:a16="http://schemas.microsoft.com/office/drawing/2014/main" id="{C161AC7D-9235-4A56-9DBD-0A35EEF87042}"/>
+              </a:ext>
+            </a:extLst>
+          </p:cNvPr>
+          <p:cNvSpPr>
+            <a:spLocks noGrp="1"/>
+          </p:cNvSpPr>
+          <p:nvPr>
+            <p:ph idx="1"/>
+          </p:nvPr>
+        </p:nvSpPr>
+        <p:spPr/>
+        <p:txBody>
+          <a:bodyPr/>
+          <a:lstStyle/>
+          <a:p>
+            <a:pPr lvl="0">
+              <a:buClr>
+                <a:srgbClr val="666666"/>
+              </a:buClr>
+              <a:buSzPct val="45000"/>
+              <a:buFont typeface="StarSymbol"/>
+              <a:buChar char="●"/>
+            </a:pPr>
+            <a:r>
+              <a:rPr lang="ru-RU" dirty="0">
+                <a:solidFill>
+                  <a:srgbClr val="000000"/>
+                </a:solidFill>
+                <a:ea typeface="DejaVu Sans" pitchFamily="2"/>
+                <a:cs typeface="DejaVu Sans" pitchFamily="2"/>
+              </a:rPr>
+              <a:t>Практика</a:t>
+            </a:r>
+            <a:endParaRPr lang="ru-RU" dirty="0"/>
+          </a:p>
+        </p:txBody>
+      </p:sp>
+    </p:spTree>
+    <p:extLst>
+      <p:ext uri="{BB962C8B-B14F-4D97-AF65-F5344CB8AC3E}">
+        <p14:creationId xmlns:p14="http://schemas.microsoft.com/office/powerpoint/2010/main" val="1921711037"/>
+      </p:ext>
+    </p:extLst>
+  </p:cSld>
+  <p:clrMapOvr>
+    <a:masterClrMapping/>
+  </p:clrMapOvr>
+</p:sld>
+</file>
+
+<file path=ppt/slides/slide28.xml><?xml version="1.0" encoding="utf-8"?>
+<p:sld xmlns:a="http://schemas.openxmlformats.org/drawingml/2006/main" xmlns:r="http://schemas.openxmlformats.org/officeDocument/2006/relationships" xmlns:p="http://schemas.openxmlformats.org/presentationml/2006/main">
+  <p:cSld>
+    <p:spTree>
+      <p:nvGrpSpPr>
+        <p:cNvPr id="1" name=""/>
+        <p:cNvGrpSpPr/>
+        <p:nvPr/>
+      </p:nvGrpSpPr>
+      <p:grpSpPr>
+        <a:xfrm>
+          <a:off x="0" y="0"/>
+          <a:ext cx="0" cy="0"/>
+          <a:chOff x="0" y="0"/>
+          <a:chExt cx="0" cy="0"/>
+        </a:xfrm>
+      </p:grpSpPr>
+      <p:sp>
+        <p:nvSpPr>
+          <p:cNvPr id="2" name="Title 1">
+            <a:extLst>
+              <a:ext uri="{FF2B5EF4-FFF2-40B4-BE49-F238E27FC236}">
+                <a16:creationId xmlns:a16="http://schemas.microsoft.com/office/drawing/2014/main" id="{BE1292CA-4CE6-4039-946A-FBB997CAE971}"/>
+              </a:ext>
+            </a:extLst>
+          </p:cNvPr>
+          <p:cNvSpPr>
+            <a:spLocks noGrp="1"/>
+          </p:cNvSpPr>
+          <p:nvPr>
+            <p:ph type="title"/>
+          </p:nvPr>
+        </p:nvSpPr>
+        <p:spPr>
+          <a:xfrm>
+            <a:off x="859783" y="2399929"/>
+            <a:ext cx="10058400" cy="1609344"/>
+          </a:xfrm>
+        </p:spPr>
+        <p:txBody>
+          <a:bodyPr>
+            <a:normAutofit/>
+          </a:bodyPr>
+          <a:lstStyle/>
+          <a:p>
+            <a:r>
+              <a:rPr lang="ru-RU" dirty="0">
+                <a:ea typeface="DejaVu Sans" pitchFamily="2"/>
+                <a:cs typeface="DejaVu Sans" pitchFamily="2"/>
+              </a:rPr>
+              <a:t>Подведение итогов</a:t>
+            </a:r>
+            <a:endParaRPr lang="ru-RU" dirty="0"/>
+          </a:p>
+        </p:txBody>
+      </p:sp>
+    </p:spTree>
+    <p:extLst>
+      <p:ext uri="{BB962C8B-B14F-4D97-AF65-F5344CB8AC3E}">
+        <p14:creationId xmlns:p14="http://schemas.microsoft.com/office/powerpoint/2010/main" val="2282427341"/>
+      </p:ext>
+    </p:extLst>
+  </p:cSld>
+  <p:clrMapOvr>
+    <a:masterClrMapping/>
+  </p:clrMapOvr>
+</p:sld>
+</file>
+
+<file path=ppt/slides/slide29.xml><?xml version="1.0" encoding="utf-8"?>
+<p:sld xmlns:a="http://schemas.openxmlformats.org/drawingml/2006/main" xmlns:r="http://schemas.openxmlformats.org/officeDocument/2006/relationships" xmlns:p="http://schemas.openxmlformats.org/presentationml/2006/main">
+  <p:cSld>
+    <p:spTree>
+      <p:nvGrpSpPr>
+        <p:cNvPr id="1" name=""/>
+        <p:cNvGrpSpPr/>
+        <p:nvPr/>
+      </p:nvGrpSpPr>
+      <p:grpSpPr>
+        <a:xfrm>
+          <a:off x="0" y="0"/>
+          <a:ext cx="0" cy="0"/>
+          <a:chOff x="0" y="0"/>
+          <a:chExt cx="0" cy="0"/>
+        </a:xfrm>
+      </p:grpSpPr>
+      <p:sp>
+        <p:nvSpPr>
+          <p:cNvPr id="2" name="Title 1">
+            <a:extLst>
+              <a:ext uri="{FF2B5EF4-FFF2-40B4-BE49-F238E27FC236}">
+                <a16:creationId xmlns:a16="http://schemas.microsoft.com/office/drawing/2014/main" id="{9BB4425D-EFFE-4C7B-BAB3-696974B86ECB}"/>
+              </a:ext>
+            </a:extLst>
+          </p:cNvPr>
+          <p:cNvSpPr>
+            <a:spLocks noGrp="1"/>
+          </p:cNvSpPr>
+          <p:nvPr>
+            <p:ph type="title"/>
+          </p:nvPr>
+        </p:nvSpPr>
+        <p:spPr/>
+        <p:txBody>
+          <a:bodyPr>
+            <a:normAutofit/>
+          </a:bodyPr>
+          <a:lstStyle/>
+          <a:p>
+            <a:r>
+              <a:rPr lang="en-US" dirty="0">
+                <a:ea typeface="DejaVu Sans" pitchFamily="2"/>
+                <a:cs typeface="DejaVu Sans" pitchFamily="2"/>
+              </a:rPr>
+              <a:t>Оптимизация SQL</a:t>
+            </a:r>
+            <a:br>
+              <a:rPr lang="en-US" dirty="0">
+                <a:ea typeface="DejaVu Sans" pitchFamily="2"/>
+                <a:cs typeface="DejaVu Sans" pitchFamily="2"/>
+              </a:rPr>
+            </a:br>
+            <a:r>
+              <a:rPr lang="ru-RU" sz="2000" dirty="0">
+                <a:ea typeface="DejaVu Sans" pitchFamily="2"/>
+                <a:cs typeface="DejaVu Sans" pitchFamily="2"/>
+              </a:rPr>
+              <a:t>Итоги</a:t>
+            </a:r>
+            <a:endParaRPr lang="ru-RU" dirty="0"/>
+          </a:p>
+        </p:txBody>
+      </p:sp>
+      <p:sp>
+        <p:nvSpPr>
+          <p:cNvPr id="3" name="Content Placeholder 2">
+            <a:extLst>
+              <a:ext uri="{FF2B5EF4-FFF2-40B4-BE49-F238E27FC236}">
+                <a16:creationId xmlns:a16="http://schemas.microsoft.com/office/drawing/2014/main" id="{B0E0C843-357D-4ABC-9BF5-821708867C3C}"/>
+              </a:ext>
+            </a:extLst>
+          </p:cNvPr>
+          <p:cNvSpPr>
+            <a:spLocks noGrp="1"/>
+          </p:cNvSpPr>
+          <p:nvPr>
+            <p:ph idx="1"/>
+          </p:nvPr>
+        </p:nvSpPr>
+        <p:spPr>
+          <a:xfrm>
+            <a:off x="1069848" y="1930873"/>
+            <a:ext cx="10817352" cy="4780398"/>
+          </a:xfrm>
+        </p:spPr>
+        <p:txBody>
+          <a:bodyPr>
+            <a:normAutofit/>
+          </a:bodyPr>
+          <a:lstStyle/>
+          <a:p>
+            <a:pPr marL="457200" indent="-457200">
+              <a:buFont typeface="+mj-lt"/>
+              <a:buAutoNum type="arabicPeriod"/>
+            </a:pPr>
+            <a:r>
+              <a:rPr lang="ru-RU" dirty="0"/>
+              <a:t>Старт оптимизации – построение плана выполнения запроса - </a:t>
+            </a:r>
+            <a:r>
+              <a:rPr lang="af-ZA" b="1" dirty="0"/>
+              <a:t>explain (analyze)</a:t>
+            </a:r>
+            <a:endParaRPr lang="ru-RU" b="1" dirty="0"/>
+          </a:p>
+          <a:p>
+            <a:pPr marL="457200" indent="-457200">
+              <a:buFont typeface="+mj-lt"/>
+              <a:buAutoNum type="arabicPeriod"/>
+            </a:pPr>
+            <a:r>
+              <a:rPr lang="ru-RU" dirty="0"/>
+              <a:t>Оптимальность запроса может зависеть от общей нагрузки на сервер – проверяем общие метрики</a:t>
+            </a:r>
+          </a:p>
+          <a:p>
+            <a:pPr marL="457200" indent="-457200">
+              <a:buFont typeface="+mj-lt"/>
+              <a:buAutoNum type="arabicPeriod"/>
+            </a:pPr>
+            <a:r>
+              <a:rPr lang="ru-RU" dirty="0"/>
+              <a:t>Индексы – это хорошо, если в меру</a:t>
+            </a:r>
+            <a:endParaRPr lang="en-US" dirty="0"/>
+          </a:p>
+          <a:p>
+            <a:pPr marL="457200" indent="-457200">
+              <a:buFont typeface="+mj-lt"/>
+              <a:buAutoNum type="arabicPeriod"/>
+            </a:pPr>
+            <a:r>
+              <a:rPr lang="ru-RU" dirty="0" err="1"/>
+              <a:t>Партиции</a:t>
+            </a:r>
+            <a:r>
+              <a:rPr lang="ru-RU" dirty="0"/>
+              <a:t> – помощь для индексов для очень больших таблиц</a:t>
+            </a:r>
+          </a:p>
+          <a:p>
+            <a:pPr marL="457200" indent="-457200">
+              <a:buFont typeface="+mj-lt"/>
+              <a:buAutoNum type="arabicPeriod"/>
+            </a:pPr>
+            <a:r>
+              <a:rPr lang="ru-RU" dirty="0"/>
+              <a:t>Проверяем вид </a:t>
+            </a:r>
+            <a:r>
+              <a:rPr lang="en-US" dirty="0"/>
+              <a:t>join</a:t>
+            </a:r>
+            <a:r>
+              <a:rPr lang="ru-RU" dirty="0"/>
+              <a:t> - нет </a:t>
+            </a:r>
+            <a:r>
+              <a:rPr lang="ru-RU" dirty="0" err="1"/>
+              <a:t>nested</a:t>
+            </a:r>
+            <a:r>
+              <a:rPr lang="ru-RU" dirty="0"/>
+              <a:t> </a:t>
+            </a:r>
+            <a:r>
+              <a:rPr lang="ru-RU" dirty="0" err="1"/>
+              <a:t>loop-ам</a:t>
+            </a:r>
+            <a:r>
+              <a:rPr lang="ru-RU" dirty="0"/>
+              <a:t> (кроме крайней необходимости)!</a:t>
+            </a:r>
+            <a:endParaRPr lang="en-US" dirty="0"/>
+          </a:p>
+          <a:p>
+            <a:pPr marL="457200" indent="-457200">
+              <a:buFont typeface="+mj-lt"/>
+              <a:buAutoNum type="arabicPeriod"/>
+            </a:pPr>
+            <a:r>
+              <a:rPr lang="en-US" dirty="0"/>
+              <a:t>Union all</a:t>
+            </a:r>
+            <a:r>
+              <a:rPr lang="ru-RU" dirty="0"/>
+              <a:t> вместо </a:t>
+            </a:r>
+            <a:r>
+              <a:rPr lang="en-US" dirty="0"/>
+              <a:t>Union</a:t>
+            </a:r>
+          </a:p>
+          <a:p>
+            <a:pPr marL="457200" indent="-457200">
+              <a:buFont typeface="+mj-lt"/>
+              <a:buAutoNum type="arabicPeriod"/>
+            </a:pPr>
+            <a:r>
+              <a:rPr lang="ru-RU" dirty="0"/>
+              <a:t>В запросе много </a:t>
+            </a:r>
+            <a:r>
+              <a:rPr lang="en-US" dirty="0"/>
+              <a:t>join (&gt;10) –</a:t>
+            </a:r>
+            <a:r>
+              <a:rPr lang="ru-RU" dirty="0"/>
+              <a:t> приземляем промежуточный результат</a:t>
+            </a:r>
+          </a:p>
+          <a:p>
+            <a:pPr marL="457200" indent="-457200">
+              <a:buFont typeface="+mj-lt"/>
+              <a:buAutoNum type="arabicPeriod"/>
+            </a:pPr>
+            <a:r>
+              <a:rPr lang="ru-RU" dirty="0"/>
+              <a:t>Для промежуточных таблиц можно использовать </a:t>
+            </a:r>
+            <a:r>
+              <a:rPr lang="en-US" dirty="0"/>
+              <a:t>Unlogged</a:t>
+            </a:r>
+            <a:endParaRPr lang="ru-RU" dirty="0"/>
+          </a:p>
+          <a:p>
+            <a:pPr marL="457200" indent="-457200">
+              <a:buFont typeface="+mj-lt"/>
+              <a:buAutoNum type="arabicPeriod"/>
+            </a:pPr>
+            <a:r>
+              <a:rPr lang="ru-RU" dirty="0"/>
+              <a:t>Изучаем особенности оптимизации в рамках той СУБД, с которой работаем</a:t>
+            </a:r>
+          </a:p>
+          <a:p>
+            <a:pPr marL="617220" lvl="1" indent="-342900">
+              <a:buFont typeface="+mj-lt"/>
+              <a:buAutoNum type="arabicPeriod"/>
+            </a:pPr>
+            <a:r>
+              <a:rPr lang="ru-RU" dirty="0"/>
+              <a:t>Teradata - нет необходимости удалять индекс при массовом изменении данных</a:t>
+            </a:r>
+          </a:p>
+          <a:p>
+            <a:pPr marL="617220" lvl="1" indent="-342900">
+              <a:buFont typeface="+mj-lt"/>
+              <a:buAutoNum type="arabicPeriod"/>
+            </a:pPr>
+            <a:r>
+              <a:rPr lang="en-US" dirty="0"/>
+              <a:t>Oracle - </a:t>
+            </a:r>
+            <a:r>
+              <a:rPr lang="ru-RU" dirty="0"/>
+              <a:t>множество хинтов для помощи оптимизатору</a:t>
+            </a:r>
+          </a:p>
+        </p:txBody>
+      </p:sp>
+    </p:spTree>
+    <p:extLst>
+      <p:ext uri="{BB962C8B-B14F-4D97-AF65-F5344CB8AC3E}">
+        <p14:creationId xmlns:p14="http://schemas.microsoft.com/office/powerpoint/2010/main" val="1967959849"/>
+      </p:ext>
+    </p:extLst>
+  </p:cSld>
+  <p:clrMapOvr>
+    <a:masterClrMapping/>
+  </p:clrMapOvr>
+</p:sld>
+</file>
+
+<file path=ppt/slides/slide3.xml><?xml version="1.0" encoding="utf-8"?>
+<p:sld xmlns:a="http://schemas.openxmlformats.org/drawingml/2006/main" xmlns:r="http://schemas.openxmlformats.org/officeDocument/2006/relationships" xmlns:p="http://schemas.openxmlformats.org/presentationml/2006/main">
+  <p:cSld>
+    <p:spTree>
+      <p:nvGrpSpPr>
+        <p:cNvPr id="1" name=""/>
+        <p:cNvGrpSpPr/>
+        <p:nvPr/>
+      </p:nvGrpSpPr>
+      <p:grpSpPr>
+        <a:xfrm>
+          <a:off x="0" y="0"/>
+          <a:ext cx="0" cy="0"/>
+          <a:chOff x="0" y="0"/>
+          <a:chExt cx="0" cy="0"/>
+        </a:xfrm>
+      </p:grpSpPr>
+      <p:sp>
+        <p:nvSpPr>
+          <p:cNvPr id="2" name="Title 1">
+            <a:extLst>
+              <a:ext uri="{FF2B5EF4-FFF2-40B4-BE49-F238E27FC236}">
+                <a16:creationId xmlns:a16="http://schemas.microsoft.com/office/drawing/2014/main" id="{74ED2800-BE23-482A-B152-A72BC607E8B0}"/>
+              </a:ext>
+            </a:extLst>
+          </p:cNvPr>
+          <p:cNvSpPr>
+            <a:spLocks noGrp="1"/>
+          </p:cNvSpPr>
+          <p:nvPr>
+            <p:ph type="title"/>
+          </p:nvPr>
+        </p:nvSpPr>
+        <p:spPr/>
+        <p:txBody>
+          <a:bodyPr/>
+          <a:lstStyle/>
+          <a:p>
+            <a:r>
+              <a:rPr lang="ru-RU" dirty="0">
+                <a:ea typeface="DejaVu Sans" pitchFamily="2"/>
+                <a:cs typeface="DejaVu Sans" pitchFamily="2"/>
+              </a:rPr>
+              <a:t>Оптимизация SQL</a:t>
+            </a:r>
+            <a:br>
+              <a:rPr lang="ru-RU" dirty="0">
+                <a:ea typeface="DejaVu Sans" pitchFamily="2"/>
+                <a:cs typeface="DejaVu Sans" pitchFamily="2"/>
+              </a:rPr>
+            </a:br>
+            <a:r>
+              <a:rPr lang="ru-RU" sz="2400" dirty="0">
+                <a:ea typeface="DejaVu Sans" pitchFamily="2"/>
+                <a:cs typeface="DejaVu Sans" pitchFamily="2"/>
+              </a:rPr>
+              <a:t>План</a:t>
+            </a:r>
+            <a:endParaRPr lang="ru-RU" dirty="0"/>
+          </a:p>
+        </p:txBody>
+      </p:sp>
+      <p:sp>
+        <p:nvSpPr>
+          <p:cNvPr id="3" name="Content Placeholder 2">
+            <a:extLst>
+              <a:ext uri="{FF2B5EF4-FFF2-40B4-BE49-F238E27FC236}">
+                <a16:creationId xmlns:a16="http://schemas.microsoft.com/office/drawing/2014/main" id="{C15EB09F-B745-4151-9C07-58D16BCE98C4}"/>
+              </a:ext>
+            </a:extLst>
+          </p:cNvPr>
+          <p:cNvSpPr>
+            <a:spLocks noGrp="1"/>
+          </p:cNvSpPr>
+          <p:nvPr>
+            <p:ph idx="1"/>
+          </p:nvPr>
+        </p:nvSpPr>
+        <p:spPr>
+          <a:xfrm>
+            <a:off x="1451579" y="2015732"/>
+            <a:ext cx="9603275" cy="4125186"/>
+          </a:xfrm>
+        </p:spPr>
+        <p:txBody>
+          <a:bodyPr>
+            <a:normAutofit/>
+          </a:bodyPr>
+          <a:lstStyle/>
+          <a:p>
+            <a:pPr lvl="0">
+              <a:buClr>
+                <a:srgbClr val="666666"/>
+              </a:buClr>
+              <a:buSzPct val="45000"/>
+              <a:buFont typeface="StarSymbol"/>
+              <a:buChar char="●"/>
+            </a:pPr>
+            <a:r>
+              <a:rPr lang="ru-RU" dirty="0">
+                <a:solidFill>
+                  <a:srgbClr val="000000"/>
+                </a:solidFill>
+                <a:ea typeface="DejaVu Sans" pitchFamily="2"/>
+                <a:cs typeface="DejaVu Sans" pitchFamily="2"/>
+              </a:rPr>
+              <a:t>Тема воркшопа и ее важность</a:t>
+            </a:r>
+          </a:p>
+          <a:p>
+            <a:pPr lvl="0">
+              <a:buClr>
+                <a:srgbClr val="666666"/>
+              </a:buClr>
+              <a:buSzPct val="45000"/>
+              <a:buFont typeface="StarSymbol"/>
+              <a:buChar char="●"/>
+            </a:pPr>
+            <a:r>
+              <a:rPr lang="ru-RU" dirty="0">
+                <a:solidFill>
+                  <a:srgbClr val="000000"/>
+                </a:solidFill>
+                <a:ea typeface="DejaVu Sans" pitchFamily="2"/>
+                <a:cs typeface="DejaVu Sans" pitchFamily="2"/>
+              </a:rPr>
+              <a:t>Инструменты, используемые для оптимизации</a:t>
+            </a:r>
+          </a:p>
+          <a:p>
+            <a:pPr lvl="0">
+              <a:buClr>
+                <a:srgbClr val="666666"/>
+              </a:buClr>
+              <a:buSzPct val="45000"/>
+              <a:buFont typeface="StarSymbol"/>
+              <a:buChar char="●"/>
+            </a:pPr>
+            <a:r>
+              <a:rPr lang="ru-RU" dirty="0">
+                <a:solidFill>
+                  <a:srgbClr val="000000"/>
+                </a:solidFill>
+                <a:ea typeface="DejaVu Sans" pitchFamily="2"/>
+                <a:cs typeface="DejaVu Sans" pitchFamily="2"/>
+              </a:rPr>
+              <a:t>Блок 1:  Использование индексов</a:t>
+            </a:r>
+          </a:p>
+          <a:p>
+            <a:pPr lvl="0">
+              <a:buClr>
+                <a:srgbClr val="666666"/>
+              </a:buClr>
+              <a:buSzPct val="45000"/>
+              <a:buFont typeface="StarSymbol"/>
+              <a:buChar char="●"/>
+            </a:pPr>
+            <a:r>
+              <a:rPr lang="ru-RU" dirty="0">
+                <a:solidFill>
+                  <a:srgbClr val="000000"/>
+                </a:solidFill>
+                <a:ea typeface="DejaVu Sans" pitchFamily="2"/>
+                <a:cs typeface="DejaVu Sans" pitchFamily="2"/>
+              </a:rPr>
+              <a:t>Блок 2: </a:t>
+            </a:r>
+            <a:r>
+              <a:rPr lang="ru-RU" dirty="0" err="1">
+                <a:solidFill>
+                  <a:srgbClr val="000000"/>
+                </a:solidFill>
+                <a:ea typeface="DejaVu Sans" pitchFamily="2"/>
+                <a:cs typeface="DejaVu Sans" pitchFamily="2"/>
+              </a:rPr>
+              <a:t>Партицирование</a:t>
+            </a:r>
+            <a:endParaRPr lang="en-US" dirty="0">
+              <a:solidFill>
+                <a:srgbClr val="000000"/>
+              </a:solidFill>
+              <a:ea typeface="DejaVu Sans" pitchFamily="2"/>
+              <a:cs typeface="DejaVu Sans" pitchFamily="2"/>
+            </a:endParaRPr>
+          </a:p>
+          <a:p>
+            <a:pPr lvl="0">
+              <a:buClr>
+                <a:srgbClr val="666666"/>
+              </a:buClr>
+              <a:buSzPct val="45000"/>
+              <a:buFont typeface="StarSymbol"/>
+              <a:buChar char="●"/>
+            </a:pPr>
+            <a:r>
+              <a:rPr lang="ru-RU" dirty="0">
+                <a:solidFill>
+                  <a:srgbClr val="000000"/>
+                </a:solidFill>
+                <a:ea typeface="DejaVu Sans" pitchFamily="2"/>
+                <a:cs typeface="DejaVu Sans" pitchFamily="2"/>
+              </a:rPr>
+              <a:t>Блок </a:t>
+            </a:r>
+            <a:r>
+              <a:rPr lang="en-US" dirty="0">
+                <a:solidFill>
+                  <a:srgbClr val="000000"/>
+                </a:solidFill>
+                <a:ea typeface="DejaVu Sans" pitchFamily="2"/>
+                <a:cs typeface="DejaVu Sans" pitchFamily="2"/>
+              </a:rPr>
+              <a:t>3</a:t>
+            </a:r>
+            <a:r>
+              <a:rPr lang="ru-RU" dirty="0">
+                <a:solidFill>
+                  <a:srgbClr val="000000"/>
+                </a:solidFill>
+                <a:ea typeface="DejaVu Sans" pitchFamily="2"/>
+                <a:cs typeface="DejaVu Sans" pitchFamily="2"/>
+              </a:rPr>
+              <a:t>:  Виды физических </a:t>
+            </a:r>
+            <a:r>
+              <a:rPr lang="en-US" dirty="0">
+                <a:solidFill>
+                  <a:srgbClr val="000000"/>
+                </a:solidFill>
+                <a:ea typeface="DejaVu Sans" pitchFamily="2"/>
+                <a:cs typeface="DejaVu Sans" pitchFamily="2"/>
+              </a:rPr>
+              <a:t>join</a:t>
+            </a:r>
+            <a:r>
+              <a:rPr lang="ru-RU" dirty="0">
+                <a:solidFill>
+                  <a:srgbClr val="000000"/>
+                </a:solidFill>
+                <a:ea typeface="DejaVu Sans" pitchFamily="2"/>
+                <a:cs typeface="DejaVu Sans" pitchFamily="2"/>
+              </a:rPr>
+              <a:t> и какой выбрать + </a:t>
+            </a:r>
+            <a:r>
+              <a:rPr lang="en-US" dirty="0">
+                <a:solidFill>
+                  <a:srgbClr val="000000"/>
+                </a:solidFill>
+                <a:ea typeface="DejaVu Sans" pitchFamily="2"/>
+                <a:cs typeface="DejaVu Sans" pitchFamily="2"/>
+              </a:rPr>
+              <a:t>u</a:t>
+            </a:r>
+            <a:r>
+              <a:rPr lang="ru-RU" dirty="0" err="1">
+                <a:solidFill>
+                  <a:srgbClr val="000000"/>
+                </a:solidFill>
+                <a:ea typeface="DejaVu Sans" pitchFamily="2"/>
+                <a:cs typeface="DejaVu Sans" pitchFamily="2"/>
+              </a:rPr>
+              <a:t>nion</a:t>
+            </a:r>
+            <a:r>
+              <a:rPr lang="ru-RU" dirty="0">
+                <a:solidFill>
+                  <a:srgbClr val="000000"/>
+                </a:solidFill>
+                <a:ea typeface="DejaVu Sans" pitchFamily="2"/>
+                <a:cs typeface="DejaVu Sans" pitchFamily="2"/>
+              </a:rPr>
+              <a:t> vs union all</a:t>
+            </a:r>
+          </a:p>
+          <a:p>
+            <a:pPr lvl="0">
+              <a:buClr>
+                <a:srgbClr val="666666"/>
+              </a:buClr>
+              <a:buSzPct val="45000"/>
+              <a:buFont typeface="StarSymbol"/>
+              <a:buChar char="●"/>
+            </a:pPr>
+            <a:r>
+              <a:rPr lang="ru-RU" dirty="0">
+                <a:solidFill>
+                  <a:srgbClr val="000000"/>
+                </a:solidFill>
+                <a:ea typeface="DejaVu Sans" pitchFamily="2"/>
+                <a:cs typeface="DejaVu Sans" pitchFamily="2"/>
+              </a:rPr>
+              <a:t>Блок 4:  Вложенные джоины</a:t>
+            </a:r>
+          </a:p>
+          <a:p>
+            <a:pPr lvl="0">
+              <a:buClr>
+                <a:srgbClr val="666666"/>
+              </a:buClr>
+              <a:buSzPct val="45000"/>
+              <a:buFont typeface="StarSymbol"/>
+              <a:buChar char="●"/>
+            </a:pPr>
+            <a:r>
+              <a:rPr lang="ru-RU" dirty="0">
+                <a:solidFill>
+                  <a:srgbClr val="000000"/>
+                </a:solidFill>
+                <a:ea typeface="DejaVu Sans" pitchFamily="2"/>
+                <a:cs typeface="DejaVu Sans" pitchFamily="2"/>
+              </a:rPr>
+              <a:t>Блок 5:  Unlogged таблицы</a:t>
+            </a:r>
+          </a:p>
+          <a:p>
+            <a:pPr marL="0" lvl="0" indent="0">
+              <a:buClr>
+                <a:srgbClr val="666666"/>
+              </a:buClr>
+              <a:buSzPct val="45000"/>
+              <a:buNone/>
+            </a:pPr>
+            <a:endParaRPr lang="ru-RU" dirty="0">
+              <a:solidFill>
+                <a:srgbClr val="000000"/>
+              </a:solidFill>
+              <a:ea typeface="DejaVu Sans" pitchFamily="2"/>
+              <a:cs typeface="DejaVu Sans" pitchFamily="2"/>
+            </a:endParaRPr>
+          </a:p>
+          <a:p>
+            <a:endParaRPr lang="ru-RU" dirty="0"/>
+          </a:p>
+        </p:txBody>
+      </p:sp>
+    </p:spTree>
+    <p:extLst>
+      <p:ext uri="{BB962C8B-B14F-4D97-AF65-F5344CB8AC3E}">
+        <p14:creationId xmlns:p14="http://schemas.microsoft.com/office/powerpoint/2010/main" val="597229495"/>
+      </p:ext>
+    </p:extLst>
+  </p:cSld>
+  <p:clrMapOvr>
+    <a:masterClrMapping/>
+  </p:clrMapOvr>
+</p:sld>
+</file>
+
+<file path=ppt/slides/slide30.xml><?xml version="1.0" encoding="utf-8"?>
+<p:sld xmlns:a="http://schemas.openxmlformats.org/drawingml/2006/main" xmlns:r="http://schemas.openxmlformats.org/officeDocument/2006/relationships" xmlns:p="http://schemas.openxmlformats.org/presentationml/2006/main">
+  <p:cSld>
+    <p:spTree>
+      <p:nvGrpSpPr>
+        <p:cNvPr id="1" name=""/>
+        <p:cNvGrpSpPr/>
+        <p:nvPr/>
+      </p:nvGrpSpPr>
+      <p:grpSpPr>
+        <a:xfrm>
+          <a:off x="0" y="0"/>
+          <a:ext cx="0" cy="0"/>
+          <a:chOff x="0" y="0"/>
+          <a:chExt cx="0" cy="0"/>
+        </a:xfrm>
+      </p:grpSpPr>
+      <p:sp>
+        <p:nvSpPr>
+          <p:cNvPr id="2" name="Title 1">
+            <a:extLst>
+              <a:ext uri="{FF2B5EF4-FFF2-40B4-BE49-F238E27FC236}">
                 <a16:creationId xmlns:a16="http://schemas.microsoft.com/office/drawing/2014/main" id="{42DED8B5-3736-4F67-AF04-223CB6047EFE}"/>
               </a:ext>
             </a:extLst>
@@ -10306,7 +11116,7 @@
 </p:sld>
 </file>
 
-<file path=ppt/slides/slide27.xml><?xml version="1.0" encoding="utf-8"?>
+<file path=ppt/slides/slide31.xml><?xml version="1.0" encoding="utf-8"?>
 <p:sld xmlns:a="http://schemas.openxmlformats.org/drawingml/2006/main" xmlns:r="http://schemas.openxmlformats.org/officeDocument/2006/relationships" xmlns:p="http://schemas.openxmlformats.org/presentationml/2006/main">
   <p:cSld>
     <p:spTree>
@@ -10473,356 +11283,6 @@
 </p:sld>
 </file>
 
-<file path=ppt/slides/slide3.xml><?xml version="1.0" encoding="utf-8"?>
-<p:sld xmlns:a="http://schemas.openxmlformats.org/drawingml/2006/main" xmlns:r="http://schemas.openxmlformats.org/officeDocument/2006/relationships" xmlns:p="http://schemas.openxmlformats.org/presentationml/2006/main">
-  <p:cSld>
-    <p:spTree>
-      <p:nvGrpSpPr>
-        <p:cNvPr id="1" name=""/>
-        <p:cNvGrpSpPr/>
-        <p:nvPr/>
-      </p:nvGrpSpPr>
-      <p:grpSpPr>
-        <a:xfrm>
-          <a:off x="0" y="0"/>
-          <a:ext cx="0" cy="0"/>
-          <a:chOff x="0" y="0"/>
-          <a:chExt cx="0" cy="0"/>
-        </a:xfrm>
-      </p:grpSpPr>
-      <p:sp>
-        <p:nvSpPr>
-          <p:cNvPr id="2" name="Title 1">
-            <a:extLst>
-              <a:ext uri="{FF2B5EF4-FFF2-40B4-BE49-F238E27FC236}">
-                <a16:creationId xmlns:a16="http://schemas.microsoft.com/office/drawing/2014/main" id="{74ED2800-BE23-482A-B152-A72BC607E8B0}"/>
-              </a:ext>
-            </a:extLst>
-          </p:cNvPr>
-          <p:cNvSpPr>
-            <a:spLocks noGrp="1"/>
-          </p:cNvSpPr>
-          <p:nvPr>
-            <p:ph type="title"/>
-          </p:nvPr>
-        </p:nvSpPr>
-        <p:spPr/>
-        <p:txBody>
-          <a:bodyPr/>
-          <a:lstStyle/>
-          <a:p>
-            <a:r>
-              <a:rPr lang="ru-RU" dirty="0">
-                <a:ea typeface="DejaVu Sans" pitchFamily="2"/>
-                <a:cs typeface="DejaVu Sans" pitchFamily="2"/>
-              </a:rPr>
-              <a:t>Оптимизация SQL</a:t>
-            </a:r>
-            <a:br>
-              <a:rPr lang="ru-RU" dirty="0">
-                <a:ea typeface="DejaVu Sans" pitchFamily="2"/>
-                <a:cs typeface="DejaVu Sans" pitchFamily="2"/>
-              </a:rPr>
-            </a:br>
-            <a:r>
-              <a:rPr lang="ru-RU" sz="2400" dirty="0">
-                <a:ea typeface="DejaVu Sans" pitchFamily="2"/>
-                <a:cs typeface="DejaVu Sans" pitchFamily="2"/>
-              </a:rPr>
-              <a:t>План</a:t>
-            </a:r>
-            <a:endParaRPr lang="ru-RU" dirty="0"/>
-          </a:p>
-        </p:txBody>
-      </p:sp>
-      <p:sp>
-        <p:nvSpPr>
-          <p:cNvPr id="3" name="Content Placeholder 2">
-            <a:extLst>
-              <a:ext uri="{FF2B5EF4-FFF2-40B4-BE49-F238E27FC236}">
-                <a16:creationId xmlns:a16="http://schemas.microsoft.com/office/drawing/2014/main" id="{C15EB09F-B745-4151-9C07-58D16BCE98C4}"/>
-              </a:ext>
-            </a:extLst>
-          </p:cNvPr>
-          <p:cNvSpPr>
-            <a:spLocks noGrp="1"/>
-          </p:cNvSpPr>
-          <p:nvPr>
-            <p:ph idx="1"/>
-          </p:nvPr>
-        </p:nvSpPr>
-        <p:spPr>
-          <a:xfrm>
-            <a:off x="1451579" y="2015732"/>
-            <a:ext cx="9603275" cy="4125186"/>
-          </a:xfrm>
-        </p:spPr>
-        <p:txBody>
-          <a:bodyPr>
-            <a:normAutofit/>
-          </a:bodyPr>
-          <a:lstStyle/>
-          <a:p>
-            <a:pPr lvl="0">
-              <a:buClr>
-                <a:srgbClr val="666666"/>
-              </a:buClr>
-              <a:buSzPct val="45000"/>
-              <a:buFont typeface="StarSymbol"/>
-              <a:buChar char="●"/>
-            </a:pPr>
-            <a:r>
-              <a:rPr lang="ru-RU" dirty="0">
-                <a:solidFill>
-                  <a:srgbClr val="000000"/>
-                </a:solidFill>
-                <a:ea typeface="DejaVu Sans" pitchFamily="2"/>
-                <a:cs typeface="DejaVu Sans" pitchFamily="2"/>
-              </a:rPr>
-              <a:t>Тема воркшопа и ее важность</a:t>
-            </a:r>
-          </a:p>
-          <a:p>
-            <a:pPr lvl="0">
-              <a:buClr>
-                <a:srgbClr val="666666"/>
-              </a:buClr>
-              <a:buSzPct val="45000"/>
-              <a:buFont typeface="StarSymbol"/>
-              <a:buChar char="●"/>
-            </a:pPr>
-            <a:r>
-              <a:rPr lang="ru-RU" dirty="0">
-                <a:solidFill>
-                  <a:srgbClr val="000000"/>
-                </a:solidFill>
-                <a:ea typeface="DejaVu Sans" pitchFamily="2"/>
-                <a:cs typeface="DejaVu Sans" pitchFamily="2"/>
-              </a:rPr>
-              <a:t>Инструменты, используемые для оптимизации</a:t>
-            </a:r>
-          </a:p>
-          <a:p>
-            <a:pPr lvl="0">
-              <a:buClr>
-                <a:srgbClr val="666666"/>
-              </a:buClr>
-              <a:buSzPct val="45000"/>
-              <a:buFont typeface="StarSymbol"/>
-              <a:buChar char="●"/>
-            </a:pPr>
-            <a:r>
-              <a:rPr lang="ru-RU" dirty="0">
-                <a:solidFill>
-                  <a:srgbClr val="000000"/>
-                </a:solidFill>
-                <a:ea typeface="DejaVu Sans" pitchFamily="2"/>
-                <a:cs typeface="DejaVu Sans" pitchFamily="2"/>
-              </a:rPr>
-              <a:t>Блок 1:  Использование индексов</a:t>
-            </a:r>
-          </a:p>
-          <a:p>
-            <a:pPr lvl="0">
-              <a:buClr>
-                <a:srgbClr val="666666"/>
-              </a:buClr>
-              <a:buSzPct val="45000"/>
-              <a:buFont typeface="StarSymbol"/>
-              <a:buChar char="●"/>
-            </a:pPr>
-            <a:r>
-              <a:rPr lang="ru-RU" dirty="0">
-                <a:solidFill>
-                  <a:srgbClr val="000000"/>
-                </a:solidFill>
-                <a:ea typeface="DejaVu Sans" pitchFamily="2"/>
-                <a:cs typeface="DejaVu Sans" pitchFamily="2"/>
-              </a:rPr>
-              <a:t>Блок 2: </a:t>
-            </a:r>
-            <a:r>
-              <a:rPr lang="ru-RU" dirty="0" err="1">
-                <a:solidFill>
-                  <a:srgbClr val="000000"/>
-                </a:solidFill>
-                <a:ea typeface="DejaVu Sans" pitchFamily="2"/>
-                <a:cs typeface="DejaVu Sans" pitchFamily="2"/>
-              </a:rPr>
-              <a:t>Партицирование</a:t>
-            </a:r>
-            <a:endParaRPr lang="en-US" dirty="0">
-              <a:solidFill>
-                <a:srgbClr val="000000"/>
-              </a:solidFill>
-              <a:ea typeface="DejaVu Sans" pitchFamily="2"/>
-              <a:cs typeface="DejaVu Sans" pitchFamily="2"/>
-            </a:endParaRPr>
-          </a:p>
-          <a:p>
-            <a:pPr lvl="0">
-              <a:buClr>
-                <a:srgbClr val="666666"/>
-              </a:buClr>
-              <a:buSzPct val="45000"/>
-              <a:buFont typeface="StarSymbol"/>
-              <a:buChar char="●"/>
-            </a:pPr>
-            <a:r>
-              <a:rPr lang="ru-RU" dirty="0">
-                <a:solidFill>
-                  <a:srgbClr val="000000"/>
-                </a:solidFill>
-                <a:ea typeface="DejaVu Sans" pitchFamily="2"/>
-                <a:cs typeface="DejaVu Sans" pitchFamily="2"/>
-              </a:rPr>
-              <a:t>Блок </a:t>
-            </a:r>
-            <a:r>
-              <a:rPr lang="en-US" dirty="0">
-                <a:solidFill>
-                  <a:srgbClr val="000000"/>
-                </a:solidFill>
-                <a:ea typeface="DejaVu Sans" pitchFamily="2"/>
-                <a:cs typeface="DejaVu Sans" pitchFamily="2"/>
-              </a:rPr>
-              <a:t>3</a:t>
-            </a:r>
-            <a:r>
-              <a:rPr lang="ru-RU" dirty="0">
-                <a:solidFill>
-                  <a:srgbClr val="000000"/>
-                </a:solidFill>
-                <a:ea typeface="DejaVu Sans" pitchFamily="2"/>
-                <a:cs typeface="DejaVu Sans" pitchFamily="2"/>
-              </a:rPr>
-              <a:t>:  Виды физических </a:t>
-            </a:r>
-            <a:r>
-              <a:rPr lang="en-US" dirty="0">
-                <a:solidFill>
-                  <a:srgbClr val="000000"/>
-                </a:solidFill>
-                <a:ea typeface="DejaVu Sans" pitchFamily="2"/>
-                <a:cs typeface="DejaVu Sans" pitchFamily="2"/>
-              </a:rPr>
-              <a:t>join</a:t>
-            </a:r>
-            <a:r>
-              <a:rPr lang="ru-RU" dirty="0">
-                <a:solidFill>
-                  <a:srgbClr val="000000"/>
-                </a:solidFill>
-                <a:ea typeface="DejaVu Sans" pitchFamily="2"/>
-                <a:cs typeface="DejaVu Sans" pitchFamily="2"/>
-              </a:rPr>
-              <a:t> и какой выбрать + </a:t>
-            </a:r>
-            <a:r>
-              <a:rPr lang="en-US" dirty="0">
-                <a:solidFill>
-                  <a:srgbClr val="000000"/>
-                </a:solidFill>
-                <a:ea typeface="DejaVu Sans" pitchFamily="2"/>
-                <a:cs typeface="DejaVu Sans" pitchFamily="2"/>
-              </a:rPr>
-              <a:t>u</a:t>
-            </a:r>
-            <a:r>
-              <a:rPr lang="ru-RU" dirty="0" err="1">
-                <a:solidFill>
-                  <a:srgbClr val="000000"/>
-                </a:solidFill>
-                <a:ea typeface="DejaVu Sans" pitchFamily="2"/>
-                <a:cs typeface="DejaVu Sans" pitchFamily="2"/>
-              </a:rPr>
-              <a:t>nion</a:t>
-            </a:r>
-            <a:r>
-              <a:rPr lang="ru-RU" dirty="0">
-                <a:solidFill>
-                  <a:srgbClr val="000000"/>
-                </a:solidFill>
-                <a:ea typeface="DejaVu Sans" pitchFamily="2"/>
-                <a:cs typeface="DejaVu Sans" pitchFamily="2"/>
-              </a:rPr>
-              <a:t> vs union all</a:t>
-            </a:r>
-          </a:p>
-          <a:p>
-            <a:pPr lvl="0">
-              <a:buClr>
-                <a:srgbClr val="666666"/>
-              </a:buClr>
-              <a:buSzPct val="45000"/>
-              <a:buFont typeface="StarSymbol"/>
-              <a:buChar char="●"/>
-            </a:pPr>
-            <a:r>
-              <a:rPr lang="ru-RU" dirty="0">
-                <a:solidFill>
-                  <a:srgbClr val="000000"/>
-                </a:solidFill>
-                <a:ea typeface="DejaVu Sans" pitchFamily="2"/>
-                <a:cs typeface="DejaVu Sans" pitchFamily="2"/>
-              </a:rPr>
-              <a:t>Блок 4:  Вложенные джоины</a:t>
-            </a:r>
-          </a:p>
-          <a:p>
-            <a:pPr lvl="0">
-              <a:buClr>
-                <a:srgbClr val="666666"/>
-              </a:buClr>
-              <a:buSzPct val="45000"/>
-              <a:buFont typeface="StarSymbol"/>
-              <a:buChar char="●"/>
-            </a:pPr>
-            <a:r>
-              <a:rPr lang="ru-RU" dirty="0">
-                <a:solidFill>
-                  <a:srgbClr val="000000"/>
-                </a:solidFill>
-                <a:ea typeface="DejaVu Sans" pitchFamily="2"/>
-                <a:cs typeface="DejaVu Sans" pitchFamily="2"/>
-              </a:rPr>
-              <a:t>Блок 5:  Unlogged таблицы</a:t>
-            </a:r>
-          </a:p>
-          <a:p>
-            <a:pPr marL="0" lvl="0" indent="0">
-              <a:buClr>
-                <a:srgbClr val="666666"/>
-              </a:buClr>
-              <a:buSzPct val="45000"/>
-              <a:buNone/>
-            </a:pPr>
-            <a:endParaRPr lang="ru-RU" dirty="0">
-              <a:solidFill>
-                <a:srgbClr val="000000"/>
-              </a:solidFill>
-              <a:ea typeface="DejaVu Sans" pitchFamily="2"/>
-              <a:cs typeface="DejaVu Sans" pitchFamily="2"/>
-            </a:endParaRPr>
-          </a:p>
-          <a:p>
-            <a:endParaRPr lang="ru-RU" dirty="0"/>
-          </a:p>
-        </p:txBody>
-      </p:sp>
-    </p:spTree>
-    <p:extLst>
-      <p:ext uri="{BB962C8B-B14F-4D97-AF65-F5344CB8AC3E}">
-        <p14:creationId xmlns:p14="http://schemas.microsoft.com/office/powerpoint/2010/main" val="597229495"/>
-      </p:ext>
-    </p:extLst>
-  </p:cSld>
-  <p:clrMapOvr>
-    <a:masterClrMapping/>
-  </p:clrMapOvr>
-</p:sld>
-</file>
-
 <file path=ppt/slides/slide4.xml><?xml version="1.0" encoding="utf-8"?>
 <p:sld xmlns:a="http://schemas.openxmlformats.org/drawingml/2006/main" xmlns:r="http://schemas.openxmlformats.org/officeDocument/2006/relationships" xmlns:p="http://schemas.openxmlformats.org/presentationml/2006/main">
   <p:cSld>
@@ -11123,7 +11583,7 @@
           <p:cNvPr id="2" name="Title 1">
             <a:extLst>
               <a:ext uri="{FF2B5EF4-FFF2-40B4-BE49-F238E27FC236}">
-                <a16:creationId xmlns:a16="http://schemas.microsoft.com/office/drawing/2014/main" id="{4BD741BA-2175-49CF-B794-433D65D1439F}"/>
+                <a16:creationId xmlns:a16="http://schemas.microsoft.com/office/drawing/2014/main" id="{BE1292CA-4CE6-4039-946A-FBB997CAE971}"/>
               </a:ext>
             </a:extLst>
           </p:cNvPr>
@@ -11134,236 +11594,33 @@
             <p:ph type="title"/>
           </p:nvPr>
         </p:nvSpPr>
-        <p:spPr/>
-        <p:txBody>
-          <a:bodyPr>
-            <a:normAutofit/>
-          </a:bodyPr>
-          <a:lstStyle/>
-          <a:p>
-            <a:r>
-              <a:rPr lang="en-US" dirty="0">
-                <a:ea typeface="DejaVu Sans" pitchFamily="2"/>
-                <a:cs typeface="DejaVu Sans" pitchFamily="2"/>
-              </a:rPr>
-              <a:t>Оптимизация SQL</a:t>
-            </a:r>
-            <a:br>
-              <a:rPr lang="en-US" dirty="0">
-                <a:ea typeface="DejaVu Sans" pitchFamily="2"/>
-                <a:cs typeface="DejaVu Sans" pitchFamily="2"/>
-              </a:rPr>
-            </a:br>
-            <a:r>
-              <a:rPr lang="en-US" sz="2000" dirty="0">
-                <a:ea typeface="DejaVu Sans" pitchFamily="2"/>
-                <a:cs typeface="DejaVu Sans" pitchFamily="2"/>
-              </a:rPr>
-              <a:t>Инструменты, используемые </a:t>
-            </a:r>
-            <a:r>
-              <a:rPr lang="en-US" sz="2000" dirty="0" err="1">
-                <a:ea typeface="DejaVu Sans" pitchFamily="2"/>
-                <a:cs typeface="DejaVu Sans" pitchFamily="2"/>
-              </a:rPr>
-              <a:t>для</a:t>
-            </a:r>
-            <a:r>
-              <a:rPr lang="en-US" sz="2000" dirty="0">
-                <a:ea typeface="DejaVu Sans" pitchFamily="2"/>
-                <a:cs typeface="DejaVu Sans" pitchFamily="2"/>
-              </a:rPr>
-              <a:t> </a:t>
-            </a:r>
-            <a:r>
-              <a:rPr lang="en-US" sz="2000" dirty="0" err="1">
-                <a:ea typeface="DejaVu Sans" pitchFamily="2"/>
-                <a:cs typeface="DejaVu Sans" pitchFamily="2"/>
-              </a:rPr>
-              <a:t>оптимизации</a:t>
-            </a:r>
-            <a:r>
-              <a:rPr lang="en-US" sz="2000" dirty="0">
-                <a:ea typeface="DejaVu Sans" pitchFamily="2"/>
-                <a:cs typeface="DejaVu Sans" pitchFamily="2"/>
-              </a:rPr>
-              <a:t> – EXPLAIN</a:t>
-            </a:r>
-            <a:endParaRPr lang="ru-RU" dirty="0"/>
-          </a:p>
-        </p:txBody>
-      </p:sp>
-      <p:sp>
-        <p:nvSpPr>
-          <p:cNvPr id="3" name="Content Placeholder 2">
-            <a:extLst>
-              <a:ext uri="{FF2B5EF4-FFF2-40B4-BE49-F238E27FC236}">
-                <a16:creationId xmlns:a16="http://schemas.microsoft.com/office/drawing/2014/main" id="{4A6778CB-C88F-4AEF-902B-E0042B70C420}"/>
-              </a:ext>
-            </a:extLst>
-          </p:cNvPr>
-          <p:cNvSpPr>
-            <a:spLocks noGrp="1"/>
-          </p:cNvSpPr>
-          <p:nvPr>
-            <p:ph idx="1"/>
-          </p:nvPr>
-        </p:nvSpPr>
         <p:spPr>
           <a:xfrm>
-            <a:off x="1063752" y="1799502"/>
-            <a:ext cx="10058400" cy="4050792"/>
+            <a:off x="859783" y="2399929"/>
+            <a:ext cx="10058400" cy="1609344"/>
           </a:xfrm>
         </p:spPr>
         <p:txBody>
           <a:bodyPr>
-            <a:noAutofit/>
+            <a:normAutofit fontScale="90000"/>
           </a:bodyPr>
           <a:lstStyle/>
           <a:p>
-            <a:pPr marL="0" indent="0">
-              <a:buNone/>
-            </a:pPr>
-            <a:r>
-              <a:rPr lang="af-ZA" sz="1400" b="1" dirty="0">
-                <a:solidFill>
-                  <a:srgbClr val="0070C0"/>
-                </a:solidFill>
-              </a:rPr>
-              <a:t>EXPLAIN </a:t>
-            </a:r>
-          </a:p>
-          <a:p>
-            <a:pPr marL="0" indent="0">
-              <a:buNone/>
-            </a:pPr>
-            <a:r>
-              <a:rPr lang="af-ZA" sz="1400" b="1" dirty="0">
-                <a:solidFill>
-                  <a:srgbClr val="0070C0"/>
-                </a:solidFill>
-              </a:rPr>
-              <a:t>SELECT *</a:t>
-            </a:r>
-          </a:p>
-          <a:p>
-            <a:pPr marL="0" indent="0">
-              <a:buNone/>
-            </a:pPr>
-            <a:r>
-              <a:rPr lang="af-ZA" sz="1400" b="1" dirty="0">
-                <a:solidFill>
-                  <a:srgbClr val="0070C0"/>
-                </a:solidFill>
-              </a:rPr>
-              <a:t>FROM block51 a inner join blovk53 b on a.user_id = b.user_id;</a:t>
-            </a:r>
-          </a:p>
-          <a:p>
-            <a:pPr marL="0" indent="0">
-              <a:buNone/>
-            </a:pPr>
-            <a:endParaRPr lang="af-ZA" sz="1400" dirty="0"/>
-          </a:p>
-          <a:p>
-            <a:pPr marL="0" indent="0">
-              <a:buNone/>
-            </a:pPr>
-            <a:r>
-              <a:rPr lang="af-ZA" sz="1400" b="1" dirty="0"/>
-              <a:t>                                        QUERY PLAN</a:t>
-            </a:r>
-          </a:p>
-          <a:p>
-            <a:pPr marL="0" indent="0">
-              <a:buNone/>
-            </a:pPr>
-            <a:r>
-              <a:rPr lang="af-ZA" sz="1400" dirty="0"/>
-              <a:t>------------------------------------------------------------------------------------------</a:t>
-            </a:r>
-          </a:p>
-          <a:p>
-            <a:pPr marL="0" indent="0">
-              <a:buNone/>
-            </a:pPr>
-            <a:r>
-              <a:rPr lang="af-ZA" sz="1400" b="1" dirty="0"/>
-              <a:t> Nested Loop  (cost=4.51..475.91 rows=108 width=103)</a:t>
-            </a:r>
-          </a:p>
-          <a:p>
-            <a:pPr marL="0" indent="0">
-              <a:buNone/>
-            </a:pPr>
-            <a:r>
-              <a:rPr lang="af-ZA" sz="1400" b="1" dirty="0"/>
-              <a:t>  -&gt;  Seq Scan </a:t>
-            </a:r>
-            <a:r>
-              <a:rPr lang="af-ZA" sz="1400" dirty="0"/>
-              <a:t>on block53 b  (cost=0.00..1.10 rows=10 width=76)</a:t>
-            </a:r>
-          </a:p>
-          <a:p>
-            <a:pPr marL="0" indent="0">
-              <a:buNone/>
-            </a:pPr>
-            <a:r>
-              <a:rPr lang="af-ZA" sz="1400" b="1" dirty="0"/>
-              <a:t>  -&gt;  Bitmap Heap Scan </a:t>
-            </a:r>
-            <a:r>
-              <a:rPr lang="af-ZA" sz="1400" dirty="0"/>
-              <a:t>on block51 a  (cost=4.51..47.37 rows=11 width=27)</a:t>
-            </a:r>
-          </a:p>
-          <a:p>
-            <a:pPr marL="0" indent="0">
-              <a:buNone/>
-            </a:pPr>
-            <a:r>
-              <a:rPr lang="af-ZA" sz="1400" b="1" dirty="0"/>
-              <a:t>        Recheck Cond: </a:t>
-            </a:r>
-            <a:r>
-              <a:rPr lang="af-ZA" sz="1400" dirty="0"/>
-              <a:t>(user_id = b.user_id)</a:t>
-            </a:r>
-          </a:p>
-          <a:p>
-            <a:pPr marL="0" indent="0">
-              <a:buNone/>
-            </a:pPr>
-            <a:r>
-              <a:rPr lang="af-ZA" sz="1400" b="1" dirty="0"/>
-              <a:t>        -&gt;  Bitmap Index Scan </a:t>
-            </a:r>
-            <a:r>
-              <a:rPr lang="af-ZA" sz="1400" dirty="0"/>
-              <a:t>on block11_tst  (cost=0.00..4.51 rows=11 width=0)</a:t>
-            </a:r>
-          </a:p>
-          <a:p>
-            <a:pPr marL="0" indent="0">
-              <a:buNone/>
-            </a:pPr>
-            <a:r>
-              <a:rPr lang="af-ZA" sz="1400" b="1" dirty="0"/>
-              <a:t>              Index Cond: </a:t>
-            </a:r>
-            <a:r>
-              <a:rPr lang="af-ZA" sz="1400" dirty="0"/>
-              <a:t>(user_id = b.user_id)</a:t>
-            </a:r>
-            <a:endParaRPr lang="ru-RU" sz="1400" dirty="0"/>
+            <a:r>
+              <a:rPr lang="ru-RU" dirty="0">
+                <a:ea typeface="DejaVu Sans" pitchFamily="2"/>
+                <a:cs typeface="DejaVu Sans" pitchFamily="2"/>
+              </a:rPr>
+              <a:t>Инструменты, используемые для оптимизации</a:t>
+            </a:r>
+            <a:endParaRPr lang="ru-RU" dirty="0"/>
           </a:p>
         </p:txBody>
       </p:sp>
     </p:spTree>
     <p:extLst>
       <p:ext uri="{BB962C8B-B14F-4D97-AF65-F5344CB8AC3E}">
-        <p14:creationId xmlns:p14="http://schemas.microsoft.com/office/powerpoint/2010/main" val="3272846900"/>
+        <p14:creationId xmlns:p14="http://schemas.microsoft.com/office/powerpoint/2010/main" val="3948856786"/>
       </p:ext>
     </p:extLst>
   </p:cSld>
@@ -11459,7 +11716,7 @@
                 <a:ea typeface="DejaVu Sans" pitchFamily="2"/>
                 <a:cs typeface="DejaVu Sans" pitchFamily="2"/>
               </a:rPr>
-              <a:t> – EXPLAIN ANALYSE</a:t>
+              <a:t> – EXPLAIN</a:t>
             </a:r>
             <a:endParaRPr lang="ru-RU" dirty="0"/>
           </a:p>
@@ -11483,6 +11740,278 @@
         </p:nvSpPr>
         <p:spPr>
           <a:xfrm>
+            <a:off x="1063752" y="1799502"/>
+            <a:ext cx="10058400" cy="4050792"/>
+          </a:xfrm>
+        </p:spPr>
+        <p:txBody>
+          <a:bodyPr>
+            <a:noAutofit/>
+          </a:bodyPr>
+          <a:lstStyle/>
+          <a:p>
+            <a:pPr marL="0" indent="0">
+              <a:buNone/>
+            </a:pPr>
+            <a:r>
+              <a:rPr lang="af-ZA" sz="1400" b="1" dirty="0">
+                <a:solidFill>
+                  <a:srgbClr val="0070C0"/>
+                </a:solidFill>
+              </a:rPr>
+              <a:t>EXPLAIN </a:t>
+            </a:r>
+          </a:p>
+          <a:p>
+            <a:pPr marL="0" indent="0">
+              <a:buNone/>
+            </a:pPr>
+            <a:r>
+              <a:rPr lang="af-ZA" sz="1400" b="1" dirty="0">
+                <a:solidFill>
+                  <a:srgbClr val="0070C0"/>
+                </a:solidFill>
+              </a:rPr>
+              <a:t>SELECT *</a:t>
+            </a:r>
+          </a:p>
+          <a:p>
+            <a:pPr marL="0" indent="0">
+              <a:buNone/>
+            </a:pPr>
+            <a:r>
+              <a:rPr lang="af-ZA" sz="1400" b="1" dirty="0">
+                <a:solidFill>
+                  <a:srgbClr val="0070C0"/>
+                </a:solidFill>
+              </a:rPr>
+              <a:t>FROM block51 a inner join blovk53 b on a.user_id = b.user_id;</a:t>
+            </a:r>
+          </a:p>
+          <a:p>
+            <a:pPr marL="0" indent="0">
+              <a:buNone/>
+            </a:pPr>
+            <a:endParaRPr lang="af-ZA" sz="1400" dirty="0"/>
+          </a:p>
+          <a:p>
+            <a:pPr marL="0" indent="0">
+              <a:buNone/>
+            </a:pPr>
+            <a:r>
+              <a:rPr lang="af-ZA" sz="1400" b="1" dirty="0"/>
+              <a:t>                                        QUERY PLAN</a:t>
+            </a:r>
+          </a:p>
+          <a:p>
+            <a:pPr marL="0" indent="0">
+              <a:buNone/>
+            </a:pPr>
+            <a:r>
+              <a:rPr lang="af-ZA" sz="1400" dirty="0"/>
+              <a:t>------------------------------------------------------------------------------------------</a:t>
+            </a:r>
+          </a:p>
+          <a:p>
+            <a:pPr marL="0" indent="0">
+              <a:buNone/>
+            </a:pPr>
+            <a:r>
+              <a:rPr lang="af-ZA" sz="1400" b="1" dirty="0"/>
+              <a:t> Nested Loop  (cost=4.51..475.91 rows=108 width=103)</a:t>
+            </a:r>
+          </a:p>
+          <a:p>
+            <a:pPr marL="0" indent="0">
+              <a:buNone/>
+            </a:pPr>
+            <a:r>
+              <a:rPr lang="af-ZA" sz="1400" b="1" dirty="0"/>
+              <a:t>  -&gt;  Seq Scan </a:t>
+            </a:r>
+            <a:r>
+              <a:rPr lang="af-ZA" sz="1400" dirty="0"/>
+              <a:t>on block53 b  (cost=0.00..1.10 rows=10 width=76)</a:t>
+            </a:r>
+          </a:p>
+          <a:p>
+            <a:pPr marL="0" indent="0">
+              <a:buNone/>
+            </a:pPr>
+            <a:r>
+              <a:rPr lang="af-ZA" sz="1400" b="1" dirty="0"/>
+              <a:t>  -&gt;  Bitmap Heap Scan </a:t>
+            </a:r>
+            <a:r>
+              <a:rPr lang="af-ZA" sz="1400" dirty="0"/>
+              <a:t>on block51 a  (cost=4.51..47.37 rows=11 width=27)</a:t>
+            </a:r>
+          </a:p>
+          <a:p>
+            <a:pPr marL="0" indent="0">
+              <a:buNone/>
+            </a:pPr>
+            <a:r>
+              <a:rPr lang="af-ZA" sz="1400" b="1" dirty="0"/>
+              <a:t>        Recheck Cond: </a:t>
+            </a:r>
+            <a:r>
+              <a:rPr lang="af-ZA" sz="1400" dirty="0"/>
+              <a:t>(user_id = b.user_id)</a:t>
+            </a:r>
+          </a:p>
+          <a:p>
+            <a:pPr marL="0" indent="0">
+              <a:buNone/>
+            </a:pPr>
+            <a:r>
+              <a:rPr lang="af-ZA" sz="1400" b="1" dirty="0"/>
+              <a:t>        -&gt;  Bitmap Index Scan </a:t>
+            </a:r>
+            <a:r>
+              <a:rPr lang="af-ZA" sz="1400" dirty="0"/>
+              <a:t>on block11_tst  (cost=0.00..4.51 rows=11 width=0)</a:t>
+            </a:r>
+          </a:p>
+          <a:p>
+            <a:pPr marL="0" indent="0">
+              <a:buNone/>
+            </a:pPr>
+            <a:r>
+              <a:rPr lang="af-ZA" sz="1400" b="1" dirty="0"/>
+              <a:t>              Index Cond: </a:t>
+            </a:r>
+            <a:r>
+              <a:rPr lang="af-ZA" sz="1400" dirty="0"/>
+              <a:t>(user_id = b.user_id)</a:t>
+            </a:r>
+            <a:endParaRPr lang="ru-RU" sz="1400" dirty="0"/>
+          </a:p>
+        </p:txBody>
+      </p:sp>
+    </p:spTree>
+    <p:extLst>
+      <p:ext uri="{BB962C8B-B14F-4D97-AF65-F5344CB8AC3E}">
+        <p14:creationId xmlns:p14="http://schemas.microsoft.com/office/powerpoint/2010/main" val="3272846900"/>
+      </p:ext>
+    </p:extLst>
+  </p:cSld>
+  <p:clrMapOvr>
+    <a:masterClrMapping/>
+  </p:clrMapOvr>
+</p:sld>
+</file>
+
+<file path=ppt/slides/slide7.xml><?xml version="1.0" encoding="utf-8"?>
+<p:sld xmlns:a="http://schemas.openxmlformats.org/drawingml/2006/main" xmlns:r="http://schemas.openxmlformats.org/officeDocument/2006/relationships" xmlns:p="http://schemas.openxmlformats.org/presentationml/2006/main">
+  <p:cSld>
+    <p:spTree>
+      <p:nvGrpSpPr>
+        <p:cNvPr id="1" name=""/>
+        <p:cNvGrpSpPr/>
+        <p:nvPr/>
+      </p:nvGrpSpPr>
+      <p:grpSpPr>
+        <a:xfrm>
+          <a:off x="0" y="0"/>
+          <a:ext cx="0" cy="0"/>
+          <a:chOff x="0" y="0"/>
+          <a:chExt cx="0" cy="0"/>
+        </a:xfrm>
+      </p:grpSpPr>
+      <p:sp>
+        <p:nvSpPr>
+          <p:cNvPr id="2" name="Title 1">
+            <a:extLst>
+              <a:ext uri="{FF2B5EF4-FFF2-40B4-BE49-F238E27FC236}">
+                <a16:creationId xmlns:a16="http://schemas.microsoft.com/office/drawing/2014/main" id="{4BD741BA-2175-49CF-B794-433D65D1439F}"/>
+              </a:ext>
+            </a:extLst>
+          </p:cNvPr>
+          <p:cNvSpPr>
+            <a:spLocks noGrp="1"/>
+          </p:cNvSpPr>
+          <p:nvPr>
+            <p:ph type="title"/>
+          </p:nvPr>
+        </p:nvSpPr>
+        <p:spPr/>
+        <p:txBody>
+          <a:bodyPr>
+            <a:normAutofit/>
+          </a:bodyPr>
+          <a:lstStyle/>
+          <a:p>
+            <a:r>
+              <a:rPr lang="en-US" dirty="0">
+                <a:ea typeface="DejaVu Sans" pitchFamily="2"/>
+                <a:cs typeface="DejaVu Sans" pitchFamily="2"/>
+              </a:rPr>
+              <a:t>Оптимизация SQL</a:t>
+            </a:r>
+            <a:br>
+              <a:rPr lang="en-US" dirty="0">
+                <a:ea typeface="DejaVu Sans" pitchFamily="2"/>
+                <a:cs typeface="DejaVu Sans" pitchFamily="2"/>
+              </a:rPr>
+            </a:br>
+            <a:r>
+              <a:rPr lang="en-US" sz="2000" dirty="0">
+                <a:ea typeface="DejaVu Sans" pitchFamily="2"/>
+                <a:cs typeface="DejaVu Sans" pitchFamily="2"/>
+              </a:rPr>
+              <a:t>Инструменты, используемые </a:t>
+            </a:r>
+            <a:r>
+              <a:rPr lang="en-US" sz="2000" dirty="0" err="1">
+                <a:ea typeface="DejaVu Sans" pitchFamily="2"/>
+                <a:cs typeface="DejaVu Sans" pitchFamily="2"/>
+              </a:rPr>
+              <a:t>для</a:t>
+            </a:r>
+            <a:r>
+              <a:rPr lang="en-US" sz="2000" dirty="0">
+                <a:ea typeface="DejaVu Sans" pitchFamily="2"/>
+                <a:cs typeface="DejaVu Sans" pitchFamily="2"/>
+              </a:rPr>
+              <a:t> </a:t>
+            </a:r>
+            <a:r>
+              <a:rPr lang="en-US" sz="2000" dirty="0" err="1">
+                <a:ea typeface="DejaVu Sans" pitchFamily="2"/>
+                <a:cs typeface="DejaVu Sans" pitchFamily="2"/>
+              </a:rPr>
+              <a:t>оптимизации</a:t>
+            </a:r>
+            <a:r>
+              <a:rPr lang="en-US" sz="2000" dirty="0">
+                <a:ea typeface="DejaVu Sans" pitchFamily="2"/>
+                <a:cs typeface="DejaVu Sans" pitchFamily="2"/>
+              </a:rPr>
+              <a:t> – EXPLAIN ANALYSE</a:t>
+            </a:r>
+            <a:endParaRPr lang="ru-RU" dirty="0"/>
+          </a:p>
+        </p:txBody>
+      </p:sp>
+      <p:sp>
+        <p:nvSpPr>
+          <p:cNvPr id="3" name="Content Placeholder 2">
+            <a:extLst>
+              <a:ext uri="{FF2B5EF4-FFF2-40B4-BE49-F238E27FC236}">
+                <a16:creationId xmlns:a16="http://schemas.microsoft.com/office/drawing/2014/main" id="{4A6778CB-C88F-4AEF-902B-E0042B70C420}"/>
+              </a:ext>
+            </a:extLst>
+          </p:cNvPr>
+          <p:cNvSpPr>
+            <a:spLocks noGrp="1"/>
+          </p:cNvSpPr>
+          <p:nvPr>
+            <p:ph idx="1"/>
+          </p:nvPr>
+        </p:nvSpPr>
+        <p:spPr>
+          <a:xfrm>
             <a:off x="1066800" y="1863090"/>
             <a:ext cx="10058400" cy="5097780"/>
           </a:xfrm>
@@ -11748,7 +12277,7 @@
 </p:sld>
 </file>
 
-<file path=ppt/slides/slide7.xml><?xml version="1.0" encoding="utf-8"?>
+<file path=ppt/slides/slide8.xml><?xml version="1.0" encoding="utf-8"?>
 <p:sld xmlns:a="http://schemas.openxmlformats.org/drawingml/2006/main" xmlns:r="http://schemas.openxmlformats.org/officeDocument/2006/relationships" xmlns:p="http://schemas.openxmlformats.org/presentationml/2006/main">
   <p:cSld>
     <p:spTree>
@@ -11968,7 +12497,7 @@
 </p:sld>
 </file>
 
-<file path=ppt/slides/slide8.xml><?xml version="1.0" encoding="utf-8"?>
+<file path=ppt/slides/slide9.xml><?xml version="1.0" encoding="utf-8"?>
 <p:sld xmlns:a="http://schemas.openxmlformats.org/drawingml/2006/main" xmlns:r="http://schemas.openxmlformats.org/officeDocument/2006/relationships" xmlns:p="http://schemas.openxmlformats.org/presentationml/2006/main">
   <p:cSld>
     <p:spTree>
@@ -12165,181 +12694,6 @@
     <p:extLst>
       <p:ext uri="{BB962C8B-B14F-4D97-AF65-F5344CB8AC3E}">
         <p14:creationId xmlns:p14="http://schemas.microsoft.com/office/powerpoint/2010/main" val="253891946"/>
-      </p:ext>
-    </p:extLst>
-  </p:cSld>
-  <p:clrMapOvr>
-    <a:masterClrMapping/>
-  </p:clrMapOvr>
-</p:sld>
-</file>
-
-<file path=ppt/slides/slide9.xml><?xml version="1.0" encoding="utf-8"?>
-<p:sld xmlns:a="http://schemas.openxmlformats.org/drawingml/2006/main" xmlns:r="http://schemas.openxmlformats.org/officeDocument/2006/relationships" xmlns:p="http://schemas.openxmlformats.org/presentationml/2006/main">
-  <p:cSld>
-    <p:spTree>
-      <p:nvGrpSpPr>
-        <p:cNvPr id="1" name=""/>
-        <p:cNvGrpSpPr/>
-        <p:nvPr/>
-      </p:nvGrpSpPr>
-      <p:grpSpPr>
-        <a:xfrm>
-          <a:off x="0" y="0"/>
-          <a:ext cx="0" cy="0"/>
-          <a:chOff x="0" y="0"/>
-          <a:chExt cx="0" cy="0"/>
-        </a:xfrm>
-      </p:grpSpPr>
-      <p:sp>
-        <p:nvSpPr>
-          <p:cNvPr id="2" name="Title 1">
-            <a:extLst>
-              <a:ext uri="{FF2B5EF4-FFF2-40B4-BE49-F238E27FC236}">
-                <a16:creationId xmlns:a16="http://schemas.microsoft.com/office/drawing/2014/main" id="{BB0F5990-A207-4027-B87F-9ACC91EAEC64}"/>
-              </a:ext>
-            </a:extLst>
-          </p:cNvPr>
-          <p:cNvSpPr>
-            <a:spLocks noGrp="1"/>
-          </p:cNvSpPr>
-          <p:nvPr>
-            <p:ph type="title"/>
-          </p:nvPr>
-        </p:nvSpPr>
-        <p:spPr/>
-        <p:txBody>
-          <a:bodyPr>
-            <a:normAutofit/>
-          </a:bodyPr>
-          <a:lstStyle/>
-          <a:p>
-            <a:r>
-              <a:rPr lang="en-US" dirty="0">
-                <a:ea typeface="DejaVu Sans" pitchFamily="2"/>
-                <a:cs typeface="DejaVu Sans" pitchFamily="2"/>
-              </a:rPr>
-              <a:t>Оптимизация SQL</a:t>
-            </a:r>
-            <a:br>
-              <a:rPr lang="en-US" dirty="0">
-                <a:ea typeface="DejaVu Sans" pitchFamily="2"/>
-                <a:cs typeface="DejaVu Sans" pitchFamily="2"/>
-              </a:rPr>
-            </a:br>
-            <a:r>
-              <a:rPr lang="en-US" sz="2000" dirty="0">
-                <a:ea typeface="DejaVu Sans" pitchFamily="2"/>
-                <a:cs typeface="DejaVu Sans" pitchFamily="2"/>
-              </a:rPr>
-              <a:t>Инструменты, используемые для оптимизации</a:t>
-            </a:r>
-            <a:endParaRPr lang="ru-RU" dirty="0"/>
-          </a:p>
-        </p:txBody>
-      </p:sp>
-      <p:sp>
-        <p:nvSpPr>
-          <p:cNvPr id="3" name="Content Placeholder 2">
-            <a:extLst>
-              <a:ext uri="{FF2B5EF4-FFF2-40B4-BE49-F238E27FC236}">
-                <a16:creationId xmlns:a16="http://schemas.microsoft.com/office/drawing/2014/main" id="{9271E39F-6D70-44FB-A16E-22DD53477CEC}"/>
-              </a:ext>
-            </a:extLst>
-          </p:cNvPr>
-          <p:cNvSpPr>
-            <a:spLocks noGrp="1"/>
-          </p:cNvSpPr>
-          <p:nvPr>
-            <p:ph idx="1"/>
-          </p:nvPr>
-        </p:nvSpPr>
-        <p:spPr>
-          <a:xfrm>
-            <a:off x="8303767" y="841248"/>
-            <a:ext cx="3786631" cy="4050792"/>
-          </a:xfrm>
-        </p:spPr>
-        <p:txBody>
-          <a:bodyPr/>
-          <a:lstStyle/>
-          <a:p>
-            <a:r>
-              <a:rPr lang="en-US" dirty="0">
-                <a:solidFill>
-                  <a:srgbClr val="000000"/>
-                </a:solidFill>
-                <a:ea typeface="DejaVu Sans" pitchFamily="2"/>
-                <a:cs typeface="DejaVu Sans" pitchFamily="2"/>
-              </a:rPr>
-              <a:t>Пример метрик</a:t>
-            </a:r>
-            <a:r>
-              <a:rPr lang="ru-RU" dirty="0">
-                <a:solidFill>
-                  <a:srgbClr val="000000"/>
-                </a:solidFill>
-                <a:ea typeface="DejaVu Sans" pitchFamily="2"/>
-                <a:cs typeface="DejaVu Sans" pitchFamily="2"/>
-              </a:rPr>
-              <a:t> (</a:t>
-            </a:r>
-            <a:r>
-              <a:rPr lang="en-US" dirty="0">
-                <a:solidFill>
-                  <a:srgbClr val="000000"/>
-                </a:solidFill>
-                <a:ea typeface="DejaVu Sans" pitchFamily="2"/>
-                <a:cs typeface="DejaVu Sans" pitchFamily="2"/>
-              </a:rPr>
-              <a:t>Grafana)</a:t>
-            </a:r>
-            <a:endParaRPr lang="ru-RU" dirty="0"/>
-          </a:p>
-        </p:txBody>
-      </p:sp>
-      <p:pic>
-        <p:nvPicPr>
-          <p:cNvPr id="4" name="Picture 3">
-            <a:extLst>
-              <a:ext uri="{FF2B5EF4-FFF2-40B4-BE49-F238E27FC236}">
-                <a16:creationId xmlns:a16="http://schemas.microsoft.com/office/drawing/2014/main" id="{0ACB0840-CB3B-432C-B02D-8517C33384A6}"/>
-              </a:ext>
-            </a:extLst>
-          </p:cNvPr>
-          <p:cNvPicPr>
-            <a:picLocks noChangeAspect="1"/>
-          </p:cNvPicPr>
-          <p:nvPr/>
-        </p:nvPicPr>
-        <p:blipFill>
-          <a:blip r:embed="rId2">
-            <a:lum/>
-            <a:alphaModFix/>
-          </a:blip>
-          <a:srcRect/>
-          <a:stretch>
-            <a:fillRect/>
-          </a:stretch>
-        </p:blipFill>
-        <p:spPr>
-          <a:xfrm>
-            <a:off x="1157194" y="1857248"/>
-            <a:ext cx="10191525" cy="4919472"/>
-          </a:xfrm>
-          <a:prstGeom prst="rect">
-            <a:avLst/>
-          </a:prstGeom>
-          <a:noFill/>
-          <a:ln cap="flat">
-            <a:noFill/>
-          </a:ln>
-        </p:spPr>
-      </p:pic>
-    </p:spTree>
-    <p:extLst>
-      <p:ext uri="{BB962C8B-B14F-4D97-AF65-F5344CB8AC3E}">
-        <p14:creationId xmlns:p14="http://schemas.microsoft.com/office/powerpoint/2010/main" val="32909193"/>
       </p:ext>
     </p:extLst>
   </p:cSld>

--- a/presentation/Workshop.pptx
+++ b/presentation/Workshop.pptx
@@ -5,22 +5,22 @@
     <p:sldMasterId id="2147483744" r:id="rId1"/>
   </p:sldMasterIdLst>
   <p:notesMasterIdLst>
-    <p:notesMasterId r:id="rId33"/>
+    <p:notesMasterId r:id="rId36"/>
   </p:notesMasterIdLst>
   <p:sldIdLst>
     <p:sldId id="256" r:id="rId2"/>
-    <p:sldId id="257" r:id="rId3"/>
-    <p:sldId id="259" r:id="rId4"/>
-    <p:sldId id="260" r:id="rId5"/>
-    <p:sldId id="292" r:id="rId6"/>
-    <p:sldId id="286" r:id="rId7"/>
-    <p:sldId id="287" r:id="rId8"/>
-    <p:sldId id="262" r:id="rId9"/>
-    <p:sldId id="263" r:id="rId10"/>
-    <p:sldId id="264" r:id="rId11"/>
-    <p:sldId id="293" r:id="rId12"/>
-    <p:sldId id="285" r:id="rId13"/>
-    <p:sldId id="291" r:id="rId14"/>
+    <p:sldId id="259" r:id="rId3"/>
+    <p:sldId id="296" r:id="rId4"/>
+    <p:sldId id="257" r:id="rId5"/>
+    <p:sldId id="260" r:id="rId6"/>
+    <p:sldId id="292" r:id="rId7"/>
+    <p:sldId id="286" r:id="rId8"/>
+    <p:sldId id="287" r:id="rId9"/>
+    <p:sldId id="262" r:id="rId10"/>
+    <p:sldId id="293" r:id="rId11"/>
+    <p:sldId id="285" r:id="rId12"/>
+    <p:sldId id="291" r:id="rId13"/>
+    <p:sldId id="311" r:id="rId14"/>
     <p:sldId id="294" r:id="rId15"/>
     <p:sldId id="265" r:id="rId16"/>
     <p:sldId id="266" r:id="rId17"/>
@@ -35,10 +35,13 @@
     <p:sldId id="276" r:id="rId26"/>
     <p:sldId id="270" r:id="rId27"/>
     <p:sldId id="277" r:id="rId28"/>
-    <p:sldId id="295" r:id="rId29"/>
-    <p:sldId id="279" r:id="rId30"/>
-    <p:sldId id="278" r:id="rId31"/>
-    <p:sldId id="272" r:id="rId32"/>
+    <p:sldId id="263" r:id="rId29"/>
+    <p:sldId id="264" r:id="rId30"/>
+    <p:sldId id="295" r:id="rId31"/>
+    <p:sldId id="279" r:id="rId32"/>
+    <p:sldId id="278" r:id="rId33"/>
+    <p:sldId id="310" r:id="rId34"/>
+    <p:sldId id="272" r:id="rId35"/>
   </p:sldIdLst>
   <p:sldSz cx="12192000" cy="6858000"/>
   <p:notesSz cx="6858000" cy="9144000"/>
@@ -227,7 +230,7 @@
           <a:p>
             <a:fld id="{14D614CB-68E3-488B-B59E-566D95FF5DEF}" type="datetimeFigureOut">
               <a:rPr lang="ru-RU" smtClean="0"/>
-              <a:t>08.05.2023</a:t>
+              <a:t>19.07.2023</a:t>
             </a:fld>
             <a:endParaRPr lang="ru-RU"/>
           </a:p>
@@ -982,7 +985,7 @@
           <a:p>
             <a:fld id="{7CD77A28-62FA-4A1C-955D-4EB5AA405F1C}" type="datetimeFigureOut">
               <a:rPr lang="ru-RU" smtClean="0"/>
-              <a:t>08.05.2023</a:t>
+              <a:t>19.07.2023</a:t>
             </a:fld>
             <a:endParaRPr lang="ru-RU" dirty="0"/>
           </a:p>
@@ -1161,7 +1164,7 @@
           <a:p>
             <a:fld id="{7CD77A28-62FA-4A1C-955D-4EB5AA405F1C}" type="datetimeFigureOut">
               <a:rPr lang="ru-RU" smtClean="0"/>
-              <a:t>08.05.2023</a:t>
+              <a:t>19.07.2023</a:t>
             </a:fld>
             <a:endParaRPr lang="ru-RU" dirty="0"/>
           </a:p>
@@ -1341,7 +1344,7 @@
           <a:p>
             <a:fld id="{7CD77A28-62FA-4A1C-955D-4EB5AA405F1C}" type="datetimeFigureOut">
               <a:rPr lang="ru-RU" smtClean="0"/>
-              <a:t>08.05.2023</a:t>
+              <a:t>19.07.2023</a:t>
             </a:fld>
             <a:endParaRPr lang="ru-RU" dirty="0"/>
           </a:p>
@@ -1511,7 +1514,7 @@
           <a:p>
             <a:fld id="{7CD77A28-62FA-4A1C-955D-4EB5AA405F1C}" type="datetimeFigureOut">
               <a:rPr lang="ru-RU" smtClean="0"/>
-              <a:t>08.05.2023</a:t>
+              <a:t>19.07.2023</a:t>
             </a:fld>
             <a:endParaRPr lang="ru-RU" dirty="0"/>
           </a:p>
@@ -1824,7 +1827,7 @@
           <a:p>
             <a:fld id="{7CD77A28-62FA-4A1C-955D-4EB5AA405F1C}" type="datetimeFigureOut">
               <a:rPr lang="ru-RU" smtClean="0"/>
-              <a:t>08.05.2023</a:t>
+              <a:t>19.07.2023</a:t>
             </a:fld>
             <a:endParaRPr lang="ru-RU" dirty="0"/>
           </a:p>
@@ -2210,7 +2213,7 @@
           <a:p>
             <a:fld id="{7CD77A28-62FA-4A1C-955D-4EB5AA405F1C}" type="datetimeFigureOut">
               <a:rPr lang="ru-RU" smtClean="0"/>
-              <a:t>08.05.2023</a:t>
+              <a:t>19.07.2023</a:t>
             </a:fld>
             <a:endParaRPr lang="ru-RU" dirty="0"/>
           </a:p>
@@ -2644,7 +2647,7 @@
           <a:p>
             <a:fld id="{7CD77A28-62FA-4A1C-955D-4EB5AA405F1C}" type="datetimeFigureOut">
               <a:rPr lang="ru-RU" smtClean="0"/>
-              <a:t>08.05.2023</a:t>
+              <a:t>19.07.2023</a:t>
             </a:fld>
             <a:endParaRPr lang="ru-RU" dirty="0"/>
           </a:p>
@@ -2762,7 +2765,7 @@
           <a:p>
             <a:fld id="{7CD77A28-62FA-4A1C-955D-4EB5AA405F1C}" type="datetimeFigureOut">
               <a:rPr lang="ru-RU" smtClean="0"/>
-              <a:t>08.05.2023</a:t>
+              <a:t>19.07.2023</a:t>
             </a:fld>
             <a:endParaRPr lang="ru-RU" dirty="0"/>
           </a:p>
@@ -2857,7 +2860,7 @@
           <a:p>
             <a:fld id="{7CD77A28-62FA-4A1C-955D-4EB5AA405F1C}" type="datetimeFigureOut">
               <a:rPr lang="ru-RU" smtClean="0"/>
-              <a:t>08.05.2023</a:t>
+              <a:t>19.07.2023</a:t>
             </a:fld>
             <a:endParaRPr lang="ru-RU" dirty="0"/>
           </a:p>
@@ -3207,7 +3210,7 @@
           <a:p>
             <a:fld id="{7CD77A28-62FA-4A1C-955D-4EB5AA405F1C}" type="datetimeFigureOut">
               <a:rPr lang="ru-RU" smtClean="0"/>
-              <a:t>08.05.2023</a:t>
+              <a:t>19.07.2023</a:t>
             </a:fld>
             <a:endParaRPr lang="ru-RU" dirty="0"/>
           </a:p>
@@ -3631,7 +3634,7 @@
           <a:p>
             <a:fld id="{7CD77A28-62FA-4A1C-955D-4EB5AA405F1C}" type="datetimeFigureOut">
               <a:rPr lang="ru-RU" smtClean="0"/>
-              <a:t>08.05.2023</a:t>
+              <a:t>19.07.2023</a:t>
             </a:fld>
             <a:endParaRPr lang="ru-RU" dirty="0"/>
           </a:p>
@@ -3912,7 +3915,7 @@
           <a:p>
             <a:fld id="{7CD77A28-62FA-4A1C-955D-4EB5AA405F1C}" type="datetimeFigureOut">
               <a:rPr lang="ru-RU" smtClean="0"/>
-              <a:t>08.05.2023</a:t>
+              <a:t>19.07.2023</a:t>
             </a:fld>
             <a:endParaRPr lang="ru-RU" dirty="0"/>
           </a:p>
@@ -4585,7 +4588,7 @@
           <p:cNvPr id="2" name="Title 1">
             <a:extLst>
               <a:ext uri="{FF2B5EF4-FFF2-40B4-BE49-F238E27FC236}">
-                <a16:creationId xmlns:a16="http://schemas.microsoft.com/office/drawing/2014/main" id="{BB0F5990-A207-4027-B87F-9ACC91EAEC64}"/>
+                <a16:creationId xmlns:a16="http://schemas.microsoft.com/office/drawing/2014/main" id="{BE1292CA-4CE6-4039-946A-FBB997CAE971}"/>
               </a:ext>
             </a:extLst>
           </p:cNvPr>
@@ -4596,7 +4599,12 @@
             <p:ph type="title"/>
           </p:nvPr>
         </p:nvSpPr>
-        <p:spPr/>
+        <p:spPr>
+          <a:xfrm>
+            <a:off x="859783" y="2399929"/>
+            <a:ext cx="10058400" cy="1609344"/>
+          </a:xfrm>
+        </p:spPr>
         <p:txBody>
           <a:bodyPr>
             <a:normAutofit/>
@@ -4604,186 +4612,20 @@
           <a:lstStyle/>
           <a:p>
             <a:r>
-              <a:rPr lang="en-US" dirty="0">
-                <a:ea typeface="DejaVu Sans" pitchFamily="2"/>
-                <a:cs typeface="DejaVu Sans" pitchFamily="2"/>
-              </a:rPr>
-              <a:t>Оптимизация SQL</a:t>
-            </a:r>
-            <a:br>
-              <a:rPr lang="en-US" dirty="0">
-                <a:ea typeface="DejaVu Sans" pitchFamily="2"/>
-                <a:cs typeface="DejaVu Sans" pitchFamily="2"/>
-              </a:rPr>
-            </a:br>
-            <a:r>
-              <a:rPr lang="en-US" sz="2000" dirty="0">
-                <a:ea typeface="DejaVu Sans" pitchFamily="2"/>
-                <a:cs typeface="DejaVu Sans" pitchFamily="2"/>
-              </a:rPr>
-              <a:t>Инструменты, используемые для оптимизации</a:t>
+              <a:rPr lang="ru-RU" dirty="0">
+                <a:ea typeface="DejaVu Sans" pitchFamily="2"/>
+                <a:cs typeface="DejaVu Sans" pitchFamily="2"/>
+              </a:rPr>
+              <a:t>Технические задачи оптимизации работы БД</a:t>
             </a:r>
             <a:endParaRPr lang="ru-RU" dirty="0"/>
           </a:p>
         </p:txBody>
       </p:sp>
-      <p:sp>
-        <p:nvSpPr>
-          <p:cNvPr id="3" name="Content Placeholder 2">
-            <a:extLst>
-              <a:ext uri="{FF2B5EF4-FFF2-40B4-BE49-F238E27FC236}">
-                <a16:creationId xmlns:a16="http://schemas.microsoft.com/office/drawing/2014/main" id="{9271E39F-6D70-44FB-A16E-22DD53477CEC}"/>
-              </a:ext>
-            </a:extLst>
-          </p:cNvPr>
-          <p:cNvSpPr>
-            <a:spLocks noGrp="1"/>
-          </p:cNvSpPr>
-          <p:nvPr>
-            <p:ph idx="1"/>
-          </p:nvPr>
-        </p:nvSpPr>
-        <p:spPr>
-          <a:xfrm>
-            <a:off x="8303767" y="841248"/>
-            <a:ext cx="3786631" cy="4050792"/>
-          </a:xfrm>
-        </p:spPr>
-        <p:txBody>
-          <a:bodyPr/>
-          <a:lstStyle/>
-          <a:p>
-            <a:r>
-              <a:rPr lang="en-US" dirty="0" err="1">
-                <a:solidFill>
-                  <a:srgbClr val="000000"/>
-                </a:solidFill>
-                <a:ea typeface="DejaVu Sans" pitchFamily="2"/>
-                <a:cs typeface="DejaVu Sans" pitchFamily="2"/>
-              </a:rPr>
-              <a:t>Пример</a:t>
-            </a:r>
-            <a:r>
-              <a:rPr lang="en-US" dirty="0">
-                <a:solidFill>
-                  <a:srgbClr val="000000"/>
-                </a:solidFill>
-                <a:ea typeface="DejaVu Sans" pitchFamily="2"/>
-                <a:cs typeface="DejaVu Sans" pitchFamily="2"/>
-              </a:rPr>
-              <a:t> </a:t>
-            </a:r>
-            <a:r>
-              <a:rPr lang="en-US" dirty="0" err="1">
-                <a:solidFill>
-                  <a:srgbClr val="000000"/>
-                </a:solidFill>
-                <a:ea typeface="DejaVu Sans" pitchFamily="2"/>
-                <a:cs typeface="DejaVu Sans" pitchFamily="2"/>
-              </a:rPr>
-              <a:t>метрик</a:t>
-            </a:r>
-            <a:r>
-              <a:rPr lang="ru-RU" dirty="0">
-                <a:solidFill>
-                  <a:srgbClr val="000000"/>
-                </a:solidFill>
-                <a:ea typeface="DejaVu Sans" pitchFamily="2"/>
-                <a:cs typeface="DejaVu Sans" pitchFamily="2"/>
-              </a:rPr>
-              <a:t> (</a:t>
-            </a:r>
-            <a:r>
-              <a:rPr lang="en-US" dirty="0">
-                <a:solidFill>
-                  <a:srgbClr val="000000"/>
-                </a:solidFill>
-                <a:ea typeface="DejaVu Sans" pitchFamily="2"/>
-                <a:cs typeface="DejaVu Sans" pitchFamily="2"/>
-              </a:rPr>
-              <a:t>Grafana)</a:t>
-            </a:r>
-            <a:endParaRPr lang="ru-RU" dirty="0">
-              <a:solidFill>
-                <a:srgbClr val="000000"/>
-              </a:solidFill>
-              <a:ea typeface="DejaVu Sans" pitchFamily="2"/>
-              <a:cs typeface="DejaVu Sans" pitchFamily="2"/>
-            </a:endParaRPr>
-          </a:p>
-          <a:p>
-            <a:r>
-              <a:rPr lang="en-US" dirty="0">
-                <a:solidFill>
-                  <a:srgbClr val="000000"/>
-                </a:solidFill>
-                <a:ea typeface="DejaVu Sans" pitchFamily="2"/>
-                <a:cs typeface="DejaVu Sans" pitchFamily="2"/>
-              </a:rPr>
-              <a:t>Select * from </a:t>
-            </a:r>
-            <a:r>
-              <a:rPr lang="en-US" dirty="0" err="1">
-                <a:solidFill>
-                  <a:srgbClr val="000000"/>
-                </a:solidFill>
-                <a:ea typeface="DejaVu Sans" pitchFamily="2"/>
-                <a:cs typeface="DejaVu Sans" pitchFamily="2"/>
-              </a:rPr>
-              <a:t>pg_stat_activity</a:t>
-            </a:r>
-            <a:endParaRPr lang="ru-RU" dirty="0">
-              <a:solidFill>
-                <a:srgbClr val="000000"/>
-              </a:solidFill>
-              <a:ea typeface="DejaVu Sans" pitchFamily="2"/>
-              <a:cs typeface="DejaVu Sans" pitchFamily="2"/>
-            </a:endParaRPr>
-          </a:p>
-        </p:txBody>
-      </p:sp>
-      <p:pic>
-        <p:nvPicPr>
-          <p:cNvPr id="4" name="Picture 3">
-            <a:extLst>
-              <a:ext uri="{FF2B5EF4-FFF2-40B4-BE49-F238E27FC236}">
-                <a16:creationId xmlns:a16="http://schemas.microsoft.com/office/drawing/2014/main" id="{0ACB0840-CB3B-432C-B02D-8517C33384A6}"/>
-              </a:ext>
-            </a:extLst>
-          </p:cNvPr>
-          <p:cNvPicPr>
-            <a:picLocks noChangeAspect="1"/>
-          </p:cNvPicPr>
-          <p:nvPr/>
-        </p:nvPicPr>
-        <p:blipFill>
-          <a:blip r:embed="rId2">
-            <a:lum/>
-            <a:alphaModFix/>
-          </a:blip>
-          <a:srcRect/>
-          <a:stretch>
-            <a:fillRect/>
-          </a:stretch>
-        </p:blipFill>
-        <p:spPr>
-          <a:xfrm>
-            <a:off x="1157194" y="1857248"/>
-            <a:ext cx="10191525" cy="4919472"/>
-          </a:xfrm>
-          <a:prstGeom prst="rect">
-            <a:avLst/>
-          </a:prstGeom>
-          <a:noFill/>
-          <a:ln cap="flat">
-            <a:noFill/>
-          </a:ln>
-        </p:spPr>
-      </p:pic>
     </p:spTree>
     <p:extLst>
       <p:ext uri="{BB962C8B-B14F-4D97-AF65-F5344CB8AC3E}">
-        <p14:creationId xmlns:p14="http://schemas.microsoft.com/office/powerpoint/2010/main" val="32909193"/>
+        <p14:creationId xmlns:p14="http://schemas.microsoft.com/office/powerpoint/2010/main" val="2563992208"/>
       </p:ext>
     </p:extLst>
   </p:cSld>
@@ -4815,7 +4657,7 @@
           <p:cNvPr id="2" name="Title 1">
             <a:extLst>
               <a:ext uri="{FF2B5EF4-FFF2-40B4-BE49-F238E27FC236}">
-                <a16:creationId xmlns:a16="http://schemas.microsoft.com/office/drawing/2014/main" id="{BE1292CA-4CE6-4039-946A-FBB997CAE971}"/>
+                <a16:creationId xmlns:a16="http://schemas.microsoft.com/office/drawing/2014/main" id="{D54747B8-2F29-4458-8594-FEA33013D015}"/>
               </a:ext>
             </a:extLst>
           </p:cNvPr>
@@ -4826,10 +4668,45 @@
             <p:ph type="title"/>
           </p:nvPr>
         </p:nvSpPr>
+        <p:spPr/>
+        <p:txBody>
+          <a:bodyPr/>
+          <a:lstStyle/>
+          <a:p>
+            <a:r>
+              <a:rPr lang="ru-RU" dirty="0">
+                <a:solidFill>
+                  <a:srgbClr val="000000"/>
+                </a:solidFill>
+                <a:ea typeface="DejaVu Sans" pitchFamily="2"/>
+                <a:cs typeface="DejaVu Sans" pitchFamily="2"/>
+              </a:rPr>
+              <a:t>Сбор статистики</a:t>
+            </a:r>
+            <a:endParaRPr lang="ru-RU" dirty="0"/>
+          </a:p>
+        </p:txBody>
+      </p:sp>
+      <p:sp>
+        <p:nvSpPr>
+          <p:cNvPr id="3" name="Content Placeholder 2">
+            <a:extLst>
+              <a:ext uri="{FF2B5EF4-FFF2-40B4-BE49-F238E27FC236}">
+                <a16:creationId xmlns:a16="http://schemas.microsoft.com/office/drawing/2014/main" id="{FEBA346C-6587-4ABF-9864-B05E957EC64F}"/>
+              </a:ext>
+            </a:extLst>
+          </p:cNvPr>
+          <p:cNvSpPr>
+            <a:spLocks noGrp="1"/>
+          </p:cNvSpPr>
+          <p:nvPr>
+            <p:ph idx="1"/>
+          </p:nvPr>
+        </p:nvSpPr>
         <p:spPr>
           <a:xfrm>
-            <a:off x="859783" y="2399929"/>
-            <a:ext cx="10058400" cy="1609344"/>
+            <a:off x="68425" y="1960969"/>
+            <a:ext cx="11664962" cy="5107096"/>
           </a:xfrm>
         </p:spPr>
         <p:txBody>
@@ -4838,21 +4715,579 @@
           </a:bodyPr>
           <a:lstStyle/>
           <a:p>
-            <a:r>
-              <a:rPr lang="ru-RU" dirty="0">
-                <a:ea typeface="DejaVu Sans" pitchFamily="2"/>
-                <a:cs typeface="DejaVu Sans" pitchFamily="2"/>
-              </a:rPr>
-              <a:t>Технические задачи оптимизации работы БД</a:t>
-            </a:r>
+            <a:pPr lvl="1">
+              <a:buClr>
+                <a:srgbClr val="666666"/>
+              </a:buClr>
+              <a:buSzPct val="45000"/>
+              <a:buFont typeface="StarSymbol"/>
+              <a:buChar char="●"/>
+            </a:pPr>
+            <a:r>
+              <a:rPr lang="ru-RU" sz="2200" dirty="0">
+                <a:ea typeface="DejaVu Sans" pitchFamily="2"/>
+                <a:cs typeface="DejaVu Sans" pitchFamily="2"/>
+              </a:rPr>
+              <a:t>После большой порции изменений выполняем: </a:t>
+            </a:r>
+            <a:br>
+              <a:rPr lang="en-US" sz="2200" dirty="0">
+                <a:ea typeface="DejaVu Sans" pitchFamily="2"/>
+                <a:cs typeface="DejaVu Sans" pitchFamily="2"/>
+              </a:rPr>
+            </a:br>
+            <a:r>
+              <a:rPr lang="en-US" sz="2200" b="1" dirty="0" err="1">
+                <a:ea typeface="DejaVu Sans" pitchFamily="2"/>
+                <a:cs typeface="DejaVu Sans" pitchFamily="2"/>
+              </a:rPr>
+              <a:t>analyse</a:t>
+            </a:r>
+            <a:r>
+              <a:rPr lang="ru-RU" sz="2200" b="1" dirty="0">
+                <a:ea typeface="DejaVu Sans" pitchFamily="2"/>
+                <a:cs typeface="DejaVu Sans" pitchFamily="2"/>
+              </a:rPr>
+              <a:t> </a:t>
+            </a:r>
+            <a:r>
+              <a:rPr lang="ru-RU" sz="2200" dirty="0">
+                <a:ea typeface="DejaVu Sans" pitchFamily="2"/>
+                <a:cs typeface="DejaVu Sans" pitchFamily="2"/>
+              </a:rPr>
+              <a:t>– сбор статистики по таблицам</a:t>
+            </a:r>
+            <a:endParaRPr lang="en-US" sz="2200" dirty="0">
+              <a:ea typeface="DejaVu Sans" pitchFamily="2"/>
+              <a:cs typeface="DejaVu Sans" pitchFamily="2"/>
+            </a:endParaRPr>
+          </a:p>
+          <a:p>
+            <a:pPr marL="274320" lvl="1" indent="0">
+              <a:buClr>
+                <a:srgbClr val="666666"/>
+              </a:buClr>
+              <a:buSzPct val="45000"/>
+              <a:buNone/>
+            </a:pPr>
+            <a:br>
+              <a:rPr lang="en-US" sz="2000" b="1" dirty="0">
+                <a:ea typeface="DejaVu Sans" pitchFamily="2"/>
+                <a:cs typeface="DejaVu Sans" pitchFamily="2"/>
+              </a:rPr>
+            </a:br>
+            <a:endParaRPr lang="ru-RU" sz="2000" b="1" dirty="0">
+              <a:ea typeface="DejaVu Sans" pitchFamily="2"/>
+              <a:cs typeface="DejaVu Sans" pitchFamily="2"/>
+            </a:endParaRPr>
+          </a:p>
+          <a:p>
+            <a:pPr marL="274320" lvl="1" indent="0">
+              <a:buNone/>
+            </a:pPr>
+            <a:br>
+              <a:rPr lang="ru-RU" sz="2200" dirty="0"/>
+            </a:br>
+            <a:endParaRPr lang="ru-RU" sz="2200" dirty="0"/>
+          </a:p>
+          <a:p>
+            <a:pPr lvl="1"/>
+            <a:r>
+              <a:rPr lang="ru-RU" sz="2200" dirty="0"/>
+              <a:t>Результат собранной статистики содержится в таблицах </a:t>
+            </a:r>
+            <a:r>
+              <a:rPr lang="af-ZA" sz="2200" dirty="0"/>
+              <a:t>pg_class</a:t>
+            </a:r>
+            <a:r>
+              <a:rPr lang="ru-RU" sz="2200" dirty="0"/>
+              <a:t>(размер таблицы) и </a:t>
+            </a:r>
+            <a:r>
+              <a:rPr lang="af-ZA" sz="2200" dirty="0"/>
+              <a:t>pg_stats</a:t>
+            </a:r>
+            <a:r>
+              <a:rPr lang="ru-RU" sz="2200" dirty="0"/>
+              <a:t> (статистика по колонкам)</a:t>
+            </a:r>
+          </a:p>
+          <a:p>
+            <a:pPr marL="822960" lvl="3" indent="0">
+              <a:buNone/>
+            </a:pPr>
+            <a:r>
+              <a:rPr lang="en-US" sz="2000" dirty="0">
+                <a:solidFill>
+                  <a:srgbClr val="0070C0"/>
+                </a:solidFill>
+              </a:rPr>
+              <a:t>SELECT  </a:t>
+            </a:r>
+            <a:r>
+              <a:rPr lang="en-US" sz="2000" dirty="0" err="1">
+                <a:solidFill>
+                  <a:srgbClr val="0070C0"/>
+                </a:solidFill>
+              </a:rPr>
+              <a:t>relname</a:t>
+            </a:r>
+            <a:r>
+              <a:rPr lang="en-US" sz="2000" dirty="0">
+                <a:solidFill>
+                  <a:srgbClr val="0070C0"/>
+                </a:solidFill>
+              </a:rPr>
+              <a:t>, </a:t>
+            </a:r>
+            <a:r>
+              <a:rPr lang="en-US" sz="2000" dirty="0" err="1">
+                <a:solidFill>
+                  <a:srgbClr val="0070C0"/>
+                </a:solidFill>
+              </a:rPr>
+              <a:t>relkind</a:t>
+            </a:r>
+            <a:r>
+              <a:rPr lang="en-US" sz="2000" dirty="0">
+                <a:solidFill>
+                  <a:srgbClr val="0070C0"/>
+                </a:solidFill>
+              </a:rPr>
+              <a:t>, </a:t>
+            </a:r>
+            <a:r>
+              <a:rPr lang="en-US" sz="2000" dirty="0" err="1">
+                <a:solidFill>
+                  <a:srgbClr val="0070C0"/>
+                </a:solidFill>
+              </a:rPr>
+              <a:t>reltuples</a:t>
+            </a:r>
+            <a:r>
+              <a:rPr lang="en-US" sz="2000" dirty="0">
+                <a:solidFill>
+                  <a:srgbClr val="0070C0"/>
+                </a:solidFill>
+              </a:rPr>
+              <a:t>, </a:t>
+            </a:r>
+            <a:r>
+              <a:rPr lang="en-US" sz="2000" dirty="0" err="1">
+                <a:solidFill>
+                  <a:srgbClr val="0070C0"/>
+                </a:solidFill>
+              </a:rPr>
+              <a:t>relpages</a:t>
+            </a:r>
+            <a:endParaRPr lang="en-US" sz="2000" dirty="0">
+              <a:solidFill>
+                <a:srgbClr val="0070C0"/>
+              </a:solidFill>
+            </a:endParaRPr>
+          </a:p>
+          <a:p>
+            <a:pPr marL="822960" lvl="3" indent="0">
+              <a:buNone/>
+            </a:pPr>
+            <a:r>
+              <a:rPr lang="af-ZA" sz="2000" dirty="0">
+                <a:solidFill>
+                  <a:srgbClr val="0070C0"/>
+                </a:solidFill>
+              </a:rPr>
+              <a:t>FROM</a:t>
+            </a:r>
+            <a:r>
+              <a:rPr lang="en-US" sz="2000" dirty="0">
+                <a:solidFill>
+                  <a:srgbClr val="0070C0"/>
+                </a:solidFill>
+              </a:rPr>
+              <a:t> </a:t>
+            </a:r>
+            <a:r>
+              <a:rPr lang="en-US" sz="2000" dirty="0" err="1">
+                <a:solidFill>
+                  <a:srgbClr val="0070C0"/>
+                </a:solidFill>
+              </a:rPr>
+              <a:t>pg_class</a:t>
+            </a:r>
+            <a:r>
+              <a:rPr lang="en-US" sz="2000" dirty="0">
+                <a:solidFill>
+                  <a:srgbClr val="0070C0"/>
+                </a:solidFill>
+              </a:rPr>
+              <a:t> </a:t>
+            </a:r>
+            <a:r>
+              <a:rPr lang="af-ZA" sz="2000" dirty="0">
+                <a:solidFill>
+                  <a:srgbClr val="0070C0"/>
+                </a:solidFill>
+              </a:rPr>
+              <a:t>WHERE</a:t>
+            </a:r>
+            <a:r>
+              <a:rPr lang="en-US" sz="2000" dirty="0">
+                <a:solidFill>
+                  <a:srgbClr val="0070C0"/>
+                </a:solidFill>
+              </a:rPr>
+              <a:t> </a:t>
+            </a:r>
+            <a:r>
+              <a:rPr lang="en-US" sz="2000" dirty="0" err="1">
+                <a:solidFill>
+                  <a:srgbClr val="0070C0"/>
+                </a:solidFill>
+              </a:rPr>
+              <a:t>relname</a:t>
+            </a:r>
+            <a:r>
+              <a:rPr lang="en-US" sz="2000" dirty="0">
+                <a:solidFill>
+                  <a:srgbClr val="0070C0"/>
+                </a:solidFill>
+              </a:rPr>
+              <a:t> like 'block11%’;</a:t>
+            </a:r>
+          </a:p>
+          <a:p>
+            <a:pPr marL="822960" lvl="3" indent="0">
+              <a:buNone/>
+            </a:pPr>
+            <a:endParaRPr lang="ru-RU" sz="2000" dirty="0">
+              <a:solidFill>
+                <a:srgbClr val="0070C0"/>
+              </a:solidFill>
+            </a:endParaRPr>
+          </a:p>
+          <a:p>
+            <a:pPr marL="822960" lvl="3" indent="0">
+              <a:buNone/>
+            </a:pPr>
+            <a:r>
+              <a:rPr lang="en-US" sz="2000" dirty="0">
+                <a:solidFill>
+                  <a:srgbClr val="0070C0"/>
+                </a:solidFill>
+              </a:rPr>
+              <a:t>SELECT </a:t>
+            </a:r>
+            <a:r>
+              <a:rPr lang="en-US" sz="2000" dirty="0" err="1">
+                <a:solidFill>
+                  <a:srgbClr val="0070C0"/>
+                </a:solidFill>
+              </a:rPr>
+              <a:t>attname</a:t>
+            </a:r>
+            <a:r>
+              <a:rPr lang="en-US" sz="2000" dirty="0">
+                <a:solidFill>
+                  <a:srgbClr val="0070C0"/>
+                </a:solidFill>
+              </a:rPr>
+              <a:t>, </a:t>
+            </a:r>
+            <a:r>
+              <a:rPr lang="en-US" sz="2000" dirty="0" err="1">
+                <a:solidFill>
+                  <a:srgbClr val="0070C0"/>
+                </a:solidFill>
+              </a:rPr>
+              <a:t>n_distinct,array_to_string</a:t>
+            </a:r>
+            <a:r>
+              <a:rPr lang="en-US" sz="2000" dirty="0">
+                <a:solidFill>
+                  <a:srgbClr val="0070C0"/>
+                </a:solidFill>
+              </a:rPr>
+              <a:t>(</a:t>
+            </a:r>
+            <a:r>
+              <a:rPr lang="en-US" sz="2000" dirty="0" err="1">
+                <a:solidFill>
+                  <a:srgbClr val="0070C0"/>
+                </a:solidFill>
+              </a:rPr>
+              <a:t>most_common_vals</a:t>
+            </a:r>
+            <a:r>
+              <a:rPr lang="en-US" sz="2000" dirty="0">
+                <a:solidFill>
+                  <a:srgbClr val="0070C0"/>
+                </a:solidFill>
+              </a:rPr>
+              <a:t>, E'\n') as </a:t>
+            </a:r>
+            <a:r>
+              <a:rPr lang="en-US" sz="2000" dirty="0" err="1">
+                <a:solidFill>
+                  <a:srgbClr val="0070C0"/>
+                </a:solidFill>
+              </a:rPr>
+              <a:t>most_common_vals</a:t>
+            </a:r>
+            <a:endParaRPr lang="en-US" sz="2000" dirty="0">
+              <a:solidFill>
+                <a:srgbClr val="0070C0"/>
+              </a:solidFill>
+            </a:endParaRPr>
+          </a:p>
+          <a:p>
+            <a:pPr marL="822960" lvl="3" indent="0">
+              <a:buNone/>
+            </a:pPr>
+            <a:r>
+              <a:rPr lang="af-ZA" sz="2000" dirty="0">
+                <a:solidFill>
+                  <a:srgbClr val="0070C0"/>
+                </a:solidFill>
+              </a:rPr>
+              <a:t>FROM pg_stats</a:t>
+            </a:r>
+          </a:p>
+          <a:p>
+            <a:pPr marL="822960" lvl="3" indent="0">
+              <a:buNone/>
+            </a:pPr>
+            <a:r>
+              <a:rPr lang="af-ZA" sz="2000" dirty="0">
+                <a:solidFill>
+                  <a:srgbClr val="0070C0"/>
+                </a:solidFill>
+              </a:rPr>
+              <a:t>WHERE tablename = 'block11';</a:t>
+            </a:r>
+          </a:p>
+          <a:p>
             <a:endParaRPr lang="ru-RU" dirty="0"/>
+          </a:p>
+          <a:p>
+            <a:pPr marL="274320" lvl="1" indent="0">
+              <a:buNone/>
+            </a:pPr>
+            <a:endParaRPr lang="ru-RU" sz="2200" dirty="0"/>
+          </a:p>
+        </p:txBody>
+      </p:sp>
+      <p:sp>
+        <p:nvSpPr>
+          <p:cNvPr id="6" name="Rectangle 3">
+            <a:extLst>
+              <a:ext uri="{FF2B5EF4-FFF2-40B4-BE49-F238E27FC236}">
+                <a16:creationId xmlns:a16="http://schemas.microsoft.com/office/drawing/2014/main" id="{48EC642A-6BBE-4E1E-A506-8243E142F9B2}"/>
+              </a:ext>
+            </a:extLst>
+          </p:cNvPr>
+          <p:cNvSpPr>
+            <a:spLocks noChangeArrowheads="1"/>
+          </p:cNvSpPr>
+          <p:nvPr/>
+        </p:nvSpPr>
+        <p:spPr bwMode="auto">
+          <a:xfrm>
+            <a:off x="940527" y="2782669"/>
+            <a:ext cx="8919429" cy="646331"/>
+          </a:xfrm>
+          <a:prstGeom prst="rect">
+            <a:avLst/>
+          </a:prstGeom>
+          <a:noFill/>
+          <a:ln>
+            <a:noFill/>
+          </a:ln>
+          <a:effectLst/>
+          <a:extLst>
+            <a:ext uri="{909E8E84-426E-40DD-AFC4-6F175D3DCCD1}">
+              <a14:hiddenFill xmlns:a14="http://schemas.microsoft.com/office/drawing/2010/main">
+                <a:solidFill>
+                  <a:schemeClr val="accent1"/>
+                </a:solidFill>
+              </a14:hiddenFill>
+            </a:ext>
+            <a:ext uri="{91240B29-F687-4F45-9708-019B960494DF}">
+              <a14:hiddenLine xmlns:a14="http://schemas.microsoft.com/office/drawing/2010/main" w="9525">
+                <a:solidFill>
+                  <a:schemeClr val="tx1"/>
+                </a:solidFill>
+                <a:miter lim="800000"/>
+                <a:headEnd/>
+                <a:tailEnd/>
+              </a14:hiddenLine>
+            </a:ext>
+            <a:ext uri="{AF507438-7753-43E0-B8FC-AC1667EBCBE1}">
+              <a14:hiddenEffects xmlns:a14="http://schemas.microsoft.com/office/drawing/2010/main">
+                <a:effectLst>
+                  <a:outerShdw dist="35921" dir="2700000" algn="ctr" rotWithShape="0">
+                    <a:schemeClr val="bg2"/>
+                  </a:outerShdw>
+                </a:effectLst>
+              </a14:hiddenEffects>
+            </a:ext>
+          </a:extLst>
+        </p:spPr>
+        <p:txBody>
+          <a:bodyPr vert="horz" wrap="none" lIns="91440" tIns="45720" rIns="91440" bIns="45720" numCol="1" anchor="ctr" anchorCtr="0" compatLnSpc="1">
+            <a:prstTxWarp prst="textNoShape">
+              <a:avLst/>
+            </a:prstTxWarp>
+            <a:spAutoFit/>
+          </a:bodyPr>
+          <a:lstStyle/>
+          <a:p>
+            <a:pPr lvl="0" defTabSz="914400" eaLnBrk="0" fontAlgn="base" hangingPunct="0">
+              <a:spcBef>
+                <a:spcPct val="0"/>
+              </a:spcBef>
+              <a:spcAft>
+                <a:spcPct val="0"/>
+              </a:spcAft>
+            </a:pPr>
+            <a:r>
+              <a:rPr lang="ru-RU" altLang="ru-RU" b="1" dirty="0">
+                <a:solidFill>
+                  <a:srgbClr val="0070C0"/>
+                </a:solidFill>
+                <a:latin typeface="Courier New" panose="02070309020205020404" pitchFamily="49" charset="0"/>
+                <a:cs typeface="Courier New" panose="02070309020205020404" pitchFamily="49" charset="0"/>
+              </a:rPr>
+              <a:t>Синтаксис:</a:t>
+            </a:r>
+            <a:endParaRPr kumimoji="0" lang="en-US" altLang="ru-RU" b="0" i="0" u="none" strike="noStrike" cap="none" normalizeH="0" baseline="0" dirty="0">
+              <a:ln>
+                <a:noFill/>
+              </a:ln>
+              <a:solidFill>
+                <a:srgbClr val="0070C0"/>
+              </a:solidFill>
+              <a:effectLst/>
+              <a:latin typeface="Courier New" panose="02070309020205020404" pitchFamily="49" charset="0"/>
+              <a:cs typeface="Courier New" panose="02070309020205020404" pitchFamily="49" charset="0"/>
+            </a:endParaRPr>
+          </a:p>
+          <a:p>
+            <a:pPr marL="0" marR="0" lvl="0" indent="0" algn="l" defTabSz="914400" rtl="0" eaLnBrk="0" fontAlgn="base" latinLnBrk="0" hangingPunct="0">
+              <a:lnSpc>
+                <a:spcPct val="100000"/>
+              </a:lnSpc>
+              <a:spcBef>
+                <a:spcPct val="0"/>
+              </a:spcBef>
+              <a:spcAft>
+                <a:spcPct val="0"/>
+              </a:spcAft>
+              <a:buClrTx/>
+              <a:buSzTx/>
+              <a:buFontTx/>
+              <a:buNone/>
+              <a:tabLst/>
+            </a:pPr>
+            <a:r>
+              <a:rPr kumimoji="0" lang="ru-RU" altLang="ru-RU" b="0" i="0" u="none" strike="noStrike" cap="none" normalizeH="0" baseline="0" dirty="0">
+                <a:ln>
+                  <a:noFill/>
+                </a:ln>
+                <a:solidFill>
+                  <a:srgbClr val="0070C0"/>
+                </a:solidFill>
+                <a:effectLst/>
+                <a:latin typeface="Courier New" panose="02070309020205020404" pitchFamily="49" charset="0"/>
+                <a:cs typeface="Courier New" panose="02070309020205020404" pitchFamily="49" charset="0"/>
+              </a:rPr>
+              <a:t>ANALYZE [ VERBOSE ] [ </a:t>
+            </a:r>
+            <a:r>
+              <a:rPr kumimoji="0" lang="ru-RU" altLang="ru-RU" b="1" i="1" u="none" strike="noStrike" cap="none" normalizeH="0" baseline="0" dirty="0" err="1">
+                <a:ln>
+                  <a:noFill/>
+                </a:ln>
+                <a:solidFill>
+                  <a:srgbClr val="0070C0"/>
+                </a:solidFill>
+                <a:effectLst/>
+                <a:latin typeface="Courier New" panose="02070309020205020404" pitchFamily="49" charset="0"/>
+                <a:cs typeface="Courier New" panose="02070309020205020404" pitchFamily="49" charset="0"/>
+              </a:rPr>
+              <a:t>имя_таблицы</a:t>
+            </a:r>
+            <a:r>
+              <a:rPr kumimoji="0" lang="ru-RU" altLang="ru-RU" b="0" i="0" u="none" strike="noStrike" cap="none" normalizeH="0" baseline="0" dirty="0">
+                <a:ln>
+                  <a:noFill/>
+                </a:ln>
+                <a:solidFill>
+                  <a:srgbClr val="0070C0"/>
+                </a:solidFill>
+                <a:effectLst/>
+                <a:latin typeface="Courier New" panose="02070309020205020404" pitchFamily="49" charset="0"/>
+                <a:cs typeface="Courier New" panose="02070309020205020404" pitchFamily="49" charset="0"/>
+              </a:rPr>
+              <a:t> [ ( </a:t>
+            </a:r>
+            <a:r>
+              <a:rPr kumimoji="0" lang="ru-RU" altLang="ru-RU" b="1" i="1" u="none" strike="noStrike" cap="none" normalizeH="0" baseline="0" dirty="0" err="1">
+                <a:ln>
+                  <a:noFill/>
+                </a:ln>
+                <a:solidFill>
+                  <a:srgbClr val="0070C0"/>
+                </a:solidFill>
+                <a:effectLst/>
+                <a:latin typeface="Courier New" panose="02070309020205020404" pitchFamily="49" charset="0"/>
+                <a:cs typeface="Courier New" panose="02070309020205020404" pitchFamily="49" charset="0"/>
+              </a:rPr>
+              <a:t>имя_столбца</a:t>
+            </a:r>
+            <a:r>
+              <a:rPr kumimoji="0" lang="ru-RU" altLang="ru-RU" b="0" i="0" u="none" strike="noStrike" cap="none" normalizeH="0" baseline="0" dirty="0">
+                <a:ln>
+                  <a:noFill/>
+                </a:ln>
+                <a:solidFill>
+                  <a:srgbClr val="0070C0"/>
+                </a:solidFill>
+                <a:effectLst/>
+                <a:latin typeface="Courier New" panose="02070309020205020404" pitchFamily="49" charset="0"/>
+                <a:cs typeface="Courier New" panose="02070309020205020404" pitchFamily="49" charset="0"/>
+              </a:rPr>
+              <a:t> [, ...] ) ] ]</a:t>
+            </a:r>
+            <a:r>
+              <a:rPr kumimoji="0" lang="ru-RU" altLang="ru-RU" sz="1400" b="0" i="0" u="none" strike="noStrike" cap="none" normalizeH="0" baseline="0" dirty="0">
+                <a:ln>
+                  <a:noFill/>
+                </a:ln>
+                <a:solidFill>
+                  <a:srgbClr val="0070C0"/>
+                </a:solidFill>
+                <a:effectLst/>
+              </a:rPr>
+              <a:t> </a:t>
+            </a:r>
+            <a:endParaRPr kumimoji="0" lang="ru-RU" altLang="ru-RU" sz="4000" b="0" i="0" u="none" strike="noStrike" cap="none" normalizeH="0" baseline="0" dirty="0">
+              <a:ln>
+                <a:noFill/>
+              </a:ln>
+              <a:solidFill>
+                <a:srgbClr val="0070C0"/>
+              </a:solidFill>
+              <a:effectLst/>
+              <a:latin typeface="Arial" panose="020B0604020202020204" pitchFamily="34" charset="0"/>
+            </a:endParaRPr>
           </a:p>
         </p:txBody>
       </p:sp>
     </p:spTree>
     <p:extLst>
       <p:ext uri="{BB962C8B-B14F-4D97-AF65-F5344CB8AC3E}">
-        <p14:creationId xmlns:p14="http://schemas.microsoft.com/office/powerpoint/2010/main" val="2563992208"/>
+        <p14:creationId xmlns:p14="http://schemas.microsoft.com/office/powerpoint/2010/main" val="689940861"/>
       </p:ext>
     </p:extLst>
   </p:cSld>
@@ -4901,14 +5336,14 @@
           <a:lstStyle/>
           <a:p>
             <a:r>
-              <a:rPr lang="ru-RU" dirty="0">
+              <a:rPr lang="en-US" dirty="0">
                 <a:solidFill>
                   <a:srgbClr val="000000"/>
                 </a:solidFill>
                 <a:ea typeface="DejaVu Sans" pitchFamily="2"/>
                 <a:cs typeface="DejaVu Sans" pitchFamily="2"/>
               </a:rPr>
-              <a:t>Сбор статистики</a:t>
+              <a:t>Vacuum</a:t>
             </a:r>
             <a:endParaRPr lang="ru-RU" dirty="0"/>
           </a:p>
@@ -4932,8 +5367,8 @@
         </p:nvSpPr>
         <p:spPr>
           <a:xfrm>
-            <a:off x="68425" y="1960969"/>
-            <a:ext cx="11664962" cy="5107096"/>
+            <a:off x="68425" y="1960968"/>
+            <a:ext cx="10058400" cy="4897031"/>
           </a:xfrm>
         </p:spPr>
         <p:txBody>
@@ -4951,40 +5386,95 @@
               <a:buChar char="●"/>
             </a:pPr>
             <a:r>
-              <a:rPr lang="ru-RU" sz="2200" dirty="0">
-                <a:ea typeface="DejaVu Sans" pitchFamily="2"/>
-                <a:cs typeface="DejaVu Sans" pitchFamily="2"/>
-              </a:rPr>
-              <a:t>После большой порции изменений выполняем: </a:t>
+              <a:rPr lang="ru-RU" sz="2000" dirty="0">
+                <a:ea typeface="DejaVu Sans" pitchFamily="2"/>
+                <a:cs typeface="DejaVu Sans" pitchFamily="2"/>
+              </a:rPr>
+              <a:t>VACUUM высвобождает пространство, занимаемое «мёртвыми» кортежами. При обычных операциях </a:t>
+            </a:r>
+            <a:r>
+              <a:rPr lang="ru-RU" sz="2000" dirty="0" err="1">
+                <a:ea typeface="DejaVu Sans" pitchFamily="2"/>
+                <a:cs typeface="DejaVu Sans" pitchFamily="2"/>
+              </a:rPr>
+              <a:t>Postgres</a:t>
+            </a:r>
+            <a:r>
+              <a:rPr lang="ru-RU" sz="2000" dirty="0">
+                <a:ea typeface="DejaVu Sans" pitchFamily="2"/>
+                <a:cs typeface="DejaVu Sans" pitchFamily="2"/>
+              </a:rPr>
+              <a:t> кортежи, удалённые или устаревшие в результате обновления, физически не удаляются из таблицы; они сохраняются в ней, пока не будет выполнена команда VACUUM.</a:t>
             </a:r>
             <a:br>
-              <a:rPr lang="en-US" sz="2200" dirty="0">
+              <a:rPr lang="en-US" sz="2000" dirty="0">
                 <a:ea typeface="DejaVu Sans" pitchFamily="2"/>
                 <a:cs typeface="DejaVu Sans" pitchFamily="2"/>
               </a:rPr>
             </a:br>
-            <a:r>
-              <a:rPr lang="en-US" sz="2200" b="1" dirty="0" err="1">
-                <a:ea typeface="DejaVu Sans" pitchFamily="2"/>
-                <a:cs typeface="DejaVu Sans" pitchFamily="2"/>
-              </a:rPr>
-              <a:t>analyse</a:t>
-            </a:r>
-            <a:r>
-              <a:rPr lang="ru-RU" sz="2200" b="1" dirty="0">
+            <a:endParaRPr lang="en-US" sz="2000" dirty="0">
+              <a:ea typeface="DejaVu Sans" pitchFamily="2"/>
+              <a:cs typeface="DejaVu Sans" pitchFamily="2"/>
+            </a:endParaRPr>
+          </a:p>
+          <a:p>
+            <a:pPr lvl="1">
+              <a:buClr>
+                <a:srgbClr val="666666"/>
+              </a:buClr>
+              <a:buSzPct val="45000"/>
+              <a:buFont typeface="StarSymbol"/>
+              <a:buChar char="●"/>
+            </a:pPr>
+            <a:r>
+              <a:rPr lang="ru-RU" sz="2000" dirty="0">
+                <a:ea typeface="DejaVu Sans" pitchFamily="2"/>
+                <a:cs typeface="DejaVu Sans" pitchFamily="2"/>
+              </a:rPr>
+              <a:t>После большого количества операций удалений/</a:t>
+            </a:r>
+            <a:r>
+              <a:rPr lang="ru-RU" sz="2000" dirty="0" err="1">
+                <a:ea typeface="DejaVu Sans" pitchFamily="2"/>
+                <a:cs typeface="DejaVu Sans" pitchFamily="2"/>
+              </a:rPr>
+              <a:t>апдейтов</a:t>
+            </a:r>
+            <a:r>
+              <a:rPr lang="ru-RU" sz="2000" dirty="0">
+                <a:ea typeface="DejaVu Sans" pitchFamily="2"/>
+                <a:cs typeface="DejaVu Sans" pitchFamily="2"/>
+              </a:rPr>
+              <a:t> выполняем:</a:t>
+            </a:r>
+            <a:br>
+              <a:rPr lang="en-US" sz="2000" dirty="0">
+                <a:ea typeface="DejaVu Sans" pitchFamily="2"/>
+                <a:cs typeface="DejaVu Sans" pitchFamily="2"/>
+              </a:rPr>
+            </a:br>
+            <a:r>
+              <a:rPr lang="ru-RU" sz="2000" b="1" dirty="0" err="1">
+                <a:ea typeface="DejaVu Sans" pitchFamily="2"/>
+                <a:cs typeface="DejaVu Sans" pitchFamily="2"/>
+              </a:rPr>
+              <a:t>vacuum</a:t>
+            </a:r>
+            <a:r>
+              <a:rPr lang="ru-RU" sz="2000" b="1" dirty="0">
                 <a:ea typeface="DejaVu Sans" pitchFamily="2"/>
                 <a:cs typeface="DejaVu Sans" pitchFamily="2"/>
               </a:rPr>
               <a:t> </a:t>
             </a:r>
             <a:r>
-              <a:rPr lang="ru-RU" sz="2200" dirty="0">
-                <a:ea typeface="DejaVu Sans" pitchFamily="2"/>
-                <a:cs typeface="DejaVu Sans" pitchFamily="2"/>
-              </a:rPr>
-              <a:t>– сбор статистики по таблицам</a:t>
-            </a:r>
-            <a:endParaRPr lang="en-US" sz="2200" dirty="0">
+              <a:rPr lang="ru-RU" sz="2000" dirty="0">
+                <a:ea typeface="DejaVu Sans" pitchFamily="2"/>
+                <a:cs typeface="DejaVu Sans" pitchFamily="2"/>
+              </a:rPr>
+              <a:t>– удаление промежуточных файлов</a:t>
+            </a:r>
+            <a:endParaRPr lang="en-US" sz="2000" dirty="0">
               <a:ea typeface="DejaVu Sans" pitchFamily="2"/>
               <a:cs typeface="DejaVu Sans" pitchFamily="2"/>
             </a:endParaRPr>
@@ -4997,319 +5487,66 @@
               <a:buSzPct val="45000"/>
               <a:buNone/>
             </a:pPr>
-            <a:br>
-              <a:rPr lang="en-US" sz="2000" b="1" dirty="0">
-                <a:ea typeface="DejaVu Sans" pitchFamily="2"/>
-                <a:cs typeface="DejaVu Sans" pitchFamily="2"/>
-              </a:rPr>
-            </a:br>
-            <a:endParaRPr lang="ru-RU" sz="2000" b="1" dirty="0">
+            <a:endParaRPr lang="en-US" sz="2000" dirty="0">
               <a:ea typeface="DejaVu Sans" pitchFamily="2"/>
               <a:cs typeface="DejaVu Sans" pitchFamily="2"/>
             </a:endParaRPr>
           </a:p>
           <a:p>
             <a:pPr marL="274320" lvl="1" indent="0">
-              <a:buNone/>
-            </a:pPr>
-            <a:br>
-              <a:rPr lang="ru-RU" sz="2200" dirty="0"/>
-            </a:br>
-            <a:endParaRPr lang="ru-RU" sz="2200" dirty="0"/>
-          </a:p>
-          <a:p>
-            <a:pPr lvl="1"/>
-            <a:r>
-              <a:rPr lang="ru-RU" sz="2200" dirty="0"/>
-              <a:t>Результат собранной статистики содержится в таблицах </a:t>
-            </a:r>
-            <a:r>
-              <a:rPr lang="af-ZA" sz="2200" dirty="0"/>
-              <a:t>pg_class</a:t>
-            </a:r>
-            <a:r>
-              <a:rPr lang="ru-RU" sz="2200" dirty="0"/>
-              <a:t>(размер таблицы) и </a:t>
-            </a:r>
-            <a:r>
-              <a:rPr lang="af-ZA" sz="2200" dirty="0"/>
-              <a:t>pg_stats</a:t>
-            </a:r>
-            <a:r>
-              <a:rPr lang="ru-RU" sz="2200" dirty="0"/>
-              <a:t> (статистика по колонкам)</a:t>
-            </a:r>
-          </a:p>
-          <a:p>
-            <a:pPr marL="822960" lvl="3" indent="0">
-              <a:buNone/>
-            </a:pPr>
-            <a:r>
-              <a:rPr lang="en-US" sz="2000" dirty="0">
-                <a:solidFill>
-                  <a:srgbClr val="0070C0"/>
-                </a:solidFill>
-              </a:rPr>
-              <a:t>SELECT  </a:t>
-            </a:r>
-            <a:r>
-              <a:rPr lang="en-US" sz="2000" dirty="0" err="1">
-                <a:solidFill>
-                  <a:srgbClr val="0070C0"/>
-                </a:solidFill>
-              </a:rPr>
-              <a:t>relname</a:t>
-            </a:r>
-            <a:r>
-              <a:rPr lang="en-US" sz="2000" dirty="0">
-                <a:solidFill>
-                  <a:srgbClr val="0070C0"/>
-                </a:solidFill>
-              </a:rPr>
-              <a:t>, </a:t>
-            </a:r>
-            <a:r>
-              <a:rPr lang="en-US" sz="2000" dirty="0" err="1">
-                <a:solidFill>
-                  <a:srgbClr val="0070C0"/>
-                </a:solidFill>
-              </a:rPr>
-              <a:t>relkind</a:t>
-            </a:r>
-            <a:r>
-              <a:rPr lang="en-US" sz="2000" dirty="0">
-                <a:solidFill>
-                  <a:srgbClr val="0070C0"/>
-                </a:solidFill>
-              </a:rPr>
-              <a:t>, </a:t>
-            </a:r>
-            <a:r>
-              <a:rPr lang="en-US" sz="2000" dirty="0" err="1">
-                <a:solidFill>
-                  <a:srgbClr val="0070C0"/>
-                </a:solidFill>
-              </a:rPr>
-              <a:t>reltuples</a:t>
-            </a:r>
-            <a:r>
-              <a:rPr lang="en-US" sz="2000" dirty="0">
-                <a:solidFill>
-                  <a:srgbClr val="0070C0"/>
-                </a:solidFill>
-              </a:rPr>
-              <a:t>, </a:t>
-            </a:r>
-            <a:r>
-              <a:rPr lang="en-US" sz="2000" dirty="0" err="1">
-                <a:solidFill>
-                  <a:srgbClr val="0070C0"/>
-                </a:solidFill>
-              </a:rPr>
-              <a:t>relpages</a:t>
-            </a:r>
+              <a:buClr>
+                <a:srgbClr val="666666"/>
+              </a:buClr>
+              <a:buSzPct val="45000"/>
+              <a:buNone/>
+            </a:pPr>
             <a:endParaRPr lang="en-US" sz="2000" dirty="0">
-              <a:solidFill>
-                <a:srgbClr val="0070C0"/>
-              </a:solidFill>
+              <a:ea typeface="DejaVu Sans" pitchFamily="2"/>
+              <a:cs typeface="DejaVu Sans" pitchFamily="2"/>
             </a:endParaRPr>
           </a:p>
           <a:p>
-            <a:pPr marL="822960" lvl="3" indent="0">
-              <a:buNone/>
-            </a:pPr>
-            <a:r>
-              <a:rPr lang="af-ZA" sz="2000" dirty="0">
-                <a:solidFill>
-                  <a:srgbClr val="0070C0"/>
-                </a:solidFill>
-              </a:rPr>
-              <a:t>FROM</a:t>
-            </a:r>
-            <a:r>
-              <a:rPr lang="en-US" sz="2000" dirty="0">
-                <a:solidFill>
-                  <a:srgbClr val="0070C0"/>
-                </a:solidFill>
-              </a:rPr>
-              <a:t> </a:t>
-            </a:r>
-            <a:r>
-              <a:rPr lang="en-US" sz="2000" dirty="0" err="1">
-                <a:solidFill>
-                  <a:srgbClr val="0070C0"/>
-                </a:solidFill>
-              </a:rPr>
-              <a:t>pg_class</a:t>
-            </a:r>
-            <a:r>
-              <a:rPr lang="en-US" sz="2000" dirty="0">
-                <a:solidFill>
-                  <a:srgbClr val="0070C0"/>
-                </a:solidFill>
-              </a:rPr>
-              <a:t> </a:t>
-            </a:r>
-            <a:r>
-              <a:rPr lang="af-ZA" sz="2000" dirty="0">
-                <a:solidFill>
-                  <a:srgbClr val="0070C0"/>
-                </a:solidFill>
-              </a:rPr>
-              <a:t>WHERE</a:t>
-            </a:r>
-            <a:r>
-              <a:rPr lang="en-US" sz="2000" dirty="0">
-                <a:solidFill>
-                  <a:srgbClr val="0070C0"/>
-                </a:solidFill>
-              </a:rPr>
-              <a:t> </a:t>
-            </a:r>
-            <a:r>
-              <a:rPr lang="en-US" sz="2000" dirty="0" err="1">
-                <a:solidFill>
-                  <a:srgbClr val="0070C0"/>
-                </a:solidFill>
-              </a:rPr>
-              <a:t>relname</a:t>
-            </a:r>
-            <a:r>
-              <a:rPr lang="en-US" sz="2000" dirty="0">
-                <a:solidFill>
-                  <a:srgbClr val="0070C0"/>
-                </a:solidFill>
-              </a:rPr>
-              <a:t> like 'block11%’;</a:t>
-            </a:r>
-          </a:p>
-          <a:p>
-            <a:pPr marL="822960" lvl="3" indent="0">
-              <a:buNone/>
-            </a:pPr>
-            <a:endParaRPr lang="ru-RU" sz="2000" dirty="0">
-              <a:solidFill>
-                <a:srgbClr val="0070C0"/>
-              </a:solidFill>
+            <a:pPr marL="274320" lvl="1" indent="0">
+              <a:buClr>
+                <a:srgbClr val="666666"/>
+              </a:buClr>
+              <a:buSzPct val="45000"/>
+              <a:buNone/>
+            </a:pPr>
+            <a:endParaRPr lang="en-US" sz="2400" dirty="0">
+              <a:ea typeface="DejaVu Sans" pitchFamily="2"/>
+              <a:cs typeface="DejaVu Sans" pitchFamily="2"/>
             </a:endParaRPr>
           </a:p>
           <a:p>
-            <a:pPr marL="822960" lvl="3" indent="0">
-              <a:buNone/>
-            </a:pPr>
-            <a:r>
-              <a:rPr lang="en-US" sz="2000" dirty="0">
-                <a:solidFill>
-                  <a:srgbClr val="0070C0"/>
-                </a:solidFill>
-              </a:rPr>
-              <a:t>SELECT </a:t>
-            </a:r>
-            <a:r>
-              <a:rPr lang="en-US" sz="2000" dirty="0" err="1">
-                <a:solidFill>
-                  <a:srgbClr val="0070C0"/>
-                </a:solidFill>
-              </a:rPr>
-              <a:t>attname</a:t>
-            </a:r>
-            <a:r>
-              <a:rPr lang="en-US" sz="2000" dirty="0">
-                <a:solidFill>
-                  <a:srgbClr val="0070C0"/>
-                </a:solidFill>
-              </a:rPr>
-              <a:t>, </a:t>
-            </a:r>
-            <a:r>
-              <a:rPr lang="en-US" sz="2000" dirty="0" err="1">
-                <a:solidFill>
-                  <a:srgbClr val="0070C0"/>
-                </a:solidFill>
-              </a:rPr>
-              <a:t>n_distinct,array_to_string</a:t>
-            </a:r>
-            <a:r>
-              <a:rPr lang="en-US" sz="2000" dirty="0">
-                <a:solidFill>
-                  <a:srgbClr val="0070C0"/>
-                </a:solidFill>
-              </a:rPr>
-              <a:t>(</a:t>
-            </a:r>
-            <a:r>
-              <a:rPr lang="en-US" sz="2000" dirty="0" err="1">
-                <a:solidFill>
-                  <a:srgbClr val="0070C0"/>
-                </a:solidFill>
-              </a:rPr>
-              <a:t>most_common_vals</a:t>
-            </a:r>
-            <a:r>
-              <a:rPr lang="en-US" sz="2000" dirty="0">
-                <a:solidFill>
-                  <a:srgbClr val="0070C0"/>
-                </a:solidFill>
-              </a:rPr>
-              <a:t>, E'\n') as </a:t>
-            </a:r>
-            <a:r>
-              <a:rPr lang="en-US" sz="2000" dirty="0" err="1">
-                <a:solidFill>
-                  <a:srgbClr val="0070C0"/>
-                </a:solidFill>
-              </a:rPr>
-              <a:t>most_common_vals</a:t>
+            <a:pPr lvl="1">
+              <a:buClr>
+                <a:srgbClr val="666666"/>
+              </a:buClr>
+              <a:buSzPct val="45000"/>
+              <a:buFont typeface="StarSymbol"/>
+              <a:buChar char="●"/>
+            </a:pPr>
+            <a:r>
+              <a:rPr lang="ru-RU" sz="2000" dirty="0">
+                <a:ea typeface="DejaVu Sans" pitchFamily="2"/>
+                <a:cs typeface="DejaVu Sans" pitchFamily="2"/>
+              </a:rPr>
+              <a:t>VACUUM FULL переписывает всё содержимое таблицы в новый файл на диске, не содержащий ничего лишнего, что позволяет возвратить неиспользованное пространство операционной системе</a:t>
             </a:r>
             <a:endParaRPr lang="en-US" sz="2000" dirty="0">
-              <a:solidFill>
-                <a:srgbClr val="0070C0"/>
-              </a:solidFill>
+              <a:ea typeface="DejaVu Sans" pitchFamily="2"/>
+              <a:cs typeface="DejaVu Sans" pitchFamily="2"/>
             </a:endParaRPr>
           </a:p>
-          <a:p>
-            <a:pPr marL="822960" lvl="3" indent="0">
-              <a:buNone/>
-            </a:pPr>
-            <a:r>
-              <a:rPr lang="af-ZA" sz="2000" dirty="0">
-                <a:solidFill>
-                  <a:srgbClr val="0070C0"/>
-                </a:solidFill>
-              </a:rPr>
-              <a:t>FROM pg_stats</a:t>
-            </a:r>
-          </a:p>
-          <a:p>
-            <a:pPr marL="822960" lvl="3" indent="0">
-              <a:buNone/>
-            </a:pPr>
-            <a:r>
-              <a:rPr lang="af-ZA" sz="2000" dirty="0">
-                <a:solidFill>
-                  <a:srgbClr val="0070C0"/>
-                </a:solidFill>
-              </a:rPr>
-              <a:t>WHERE tablename = 'block11';</a:t>
-            </a:r>
-          </a:p>
-          <a:p>
-            <a:endParaRPr lang="ru-RU" dirty="0"/>
-          </a:p>
-          <a:p>
-            <a:pPr marL="274320" lvl="1" indent="0">
-              <a:buNone/>
-            </a:pPr>
-            <a:endParaRPr lang="ru-RU" sz="2200" dirty="0"/>
-          </a:p>
         </p:txBody>
       </p:sp>
       <p:sp>
         <p:nvSpPr>
-          <p:cNvPr id="6" name="Rectangle 3">
+          <p:cNvPr id="5" name="Rectangle 2">
             <a:extLst>
               <a:ext uri="{FF2B5EF4-FFF2-40B4-BE49-F238E27FC236}">
-                <a16:creationId xmlns:a16="http://schemas.microsoft.com/office/drawing/2014/main" id="{48EC642A-6BBE-4E1E-A506-8243E142F9B2}"/>
+                <a16:creationId xmlns:a16="http://schemas.microsoft.com/office/drawing/2014/main" id="{0A58A53A-587B-4BCF-97BE-F73BB901D111}"/>
               </a:ext>
             </a:extLst>
           </p:cNvPr>
@@ -5320,8 +5557,8 @@
         </p:nvSpPr>
         <p:spPr bwMode="auto">
           <a:xfrm>
-            <a:off x="940527" y="2782669"/>
-            <a:ext cx="8919429" cy="646331"/>
+            <a:off x="483326" y="4257264"/>
+            <a:ext cx="10987303" cy="646331"/>
           </a:xfrm>
           <a:prstGeom prst="rect">
             <a:avLst/>
@@ -5369,37 +5606,6 @@
           </a:bodyPr>
           <a:lstStyle/>
           <a:p>
-            <a:pPr lvl="0" defTabSz="914400" eaLnBrk="0" fontAlgn="base" hangingPunct="0">
-              <a:spcBef>
-                <a:spcPct val="0"/>
-              </a:spcBef>
-              <a:spcAft>
-                <a:spcPct val="0"/>
-              </a:spcAft>
-            </a:pPr>
-            <a:r>
-              <a:rPr lang="ru-RU" altLang="ru-RU" b="1" dirty="0">
-                <a:solidFill>
-                  <a:srgbClr val="0070C0"/>
-                </a:solidFill>
-                <a:latin typeface="Courier New" panose="02070309020205020404" pitchFamily="49" charset="0"/>
-                <a:cs typeface="Courier New" panose="02070309020205020404" pitchFamily="49" charset="0"/>
-              </a:rPr>
-              <a:t>Синтаксис:</a:t>
-            </a:r>
-            <a:endParaRPr kumimoji="0" lang="en-US" altLang="ru-RU" b="0" i="0" u="none" strike="noStrike" cap="none" normalizeH="0" baseline="0" dirty="0">
-              <a:ln>
-                <a:noFill/>
-              </a:ln>
-              <a:solidFill>
-                <a:srgbClr val="0070C0"/>
-              </a:solidFill>
-              <a:effectLst/>
-              <a:latin typeface="Courier New" panose="02070309020205020404" pitchFamily="49" charset="0"/>
-              <a:cs typeface="Courier New" panose="02070309020205020404" pitchFamily="49" charset="0"/>
-            </a:endParaRPr>
-          </a:p>
-          <a:p>
             <a:pPr marL="0" marR="0" lvl="0" indent="0" algn="l" defTabSz="914400" rtl="0" eaLnBrk="0" fontAlgn="base" latinLnBrk="0" hangingPunct="0">
               <a:lnSpc>
                 <a:spcPct val="100000"/>
@@ -5417,6 +5623,33 @@
               <a:tabLst/>
             </a:pPr>
             <a:r>
+              <a:rPr kumimoji="0" lang="ru-RU" altLang="ru-RU" b="1" i="0" u="none" strike="noStrike" cap="none" normalizeH="0" baseline="0" dirty="0">
+                <a:ln>
+                  <a:noFill/>
+                </a:ln>
+                <a:solidFill>
+                  <a:srgbClr val="0070C0"/>
+                </a:solidFill>
+                <a:effectLst/>
+                <a:latin typeface="Courier New" panose="02070309020205020404" pitchFamily="49" charset="0"/>
+                <a:cs typeface="Courier New" panose="02070309020205020404" pitchFamily="49" charset="0"/>
+              </a:rPr>
+              <a:t>Синтаксис:</a:t>
+            </a:r>
+            <a:br>
+              <a:rPr kumimoji="0" lang="en-US" altLang="ru-RU" b="0" i="0" u="none" strike="noStrike" cap="none" normalizeH="0" baseline="0" dirty="0">
+                <a:ln>
+                  <a:noFill/>
+                </a:ln>
+                <a:solidFill>
+                  <a:srgbClr val="0070C0"/>
+                </a:solidFill>
+                <a:effectLst/>
+                <a:latin typeface="Courier New" panose="02070309020205020404" pitchFamily="49" charset="0"/>
+                <a:cs typeface="Courier New" panose="02070309020205020404" pitchFamily="49" charset="0"/>
+              </a:rPr>
+            </a:br>
+            <a:r>
               <a:rPr kumimoji="0" lang="ru-RU" altLang="ru-RU" b="0" i="0" u="none" strike="noStrike" cap="none" normalizeH="0" baseline="0" dirty="0">
                 <a:ln>
                   <a:noFill/>
@@ -5428,7 +5661,7 @@
                 <a:latin typeface="Courier New" panose="02070309020205020404" pitchFamily="49" charset="0"/>
                 <a:cs typeface="Courier New" panose="02070309020205020404" pitchFamily="49" charset="0"/>
               </a:rPr>
-              <a:t>ANALYZE [ VERBOSE ] [ </a:t>
+              <a:t>VACUUM [ ( { FULL | VERBOSE | ANALYZE }) ] [ </a:t>
             </a:r>
             <a:r>
               <a:rPr kumimoji="0" lang="ru-RU" altLang="ru-RU" b="1" i="1" u="none" strike="noStrike" cap="none" normalizeH="0" baseline="0" dirty="0" err="1">
@@ -5456,7 +5689,7 @@
                 <a:latin typeface="Courier New" panose="02070309020205020404" pitchFamily="49" charset="0"/>
                 <a:cs typeface="Courier New" panose="02070309020205020404" pitchFamily="49" charset="0"/>
               </a:rPr>
-              <a:t> [ ( </a:t>
+              <a:t> [ (</a:t>
             </a:r>
             <a:r>
               <a:rPr kumimoji="0" lang="ru-RU" altLang="ru-RU" b="1" i="1" u="none" strike="noStrike" cap="none" normalizeH="0" baseline="0" dirty="0" err="1">
@@ -5484,7 +5717,7 @@
                 <a:latin typeface="Courier New" panose="02070309020205020404" pitchFamily="49" charset="0"/>
                 <a:cs typeface="Courier New" panose="02070309020205020404" pitchFamily="49" charset="0"/>
               </a:rPr>
-              <a:t> [, ...] ) ] ]</a:t>
+              <a:t>) ] ]</a:t>
             </a:r>
             <a:r>
               <a:rPr kumimoji="0" lang="ru-RU" altLang="ru-RU" sz="1400" b="0" i="0" u="none" strike="noStrike" cap="none" normalizeH="0" baseline="0" dirty="0">
@@ -5514,7 +5747,7 @@
     </p:spTree>
     <p:extLst>
       <p:ext uri="{BB962C8B-B14F-4D97-AF65-F5344CB8AC3E}">
-        <p14:creationId xmlns:p14="http://schemas.microsoft.com/office/powerpoint/2010/main" val="689940861"/>
+        <p14:creationId xmlns:p14="http://schemas.microsoft.com/office/powerpoint/2010/main" val="1240380764"/>
       </p:ext>
     </p:extLst>
   </p:cSld>
@@ -5570,7 +5803,7 @@
                 <a:ea typeface="DejaVu Sans" pitchFamily="2"/>
                 <a:cs typeface="DejaVu Sans" pitchFamily="2"/>
               </a:rPr>
-              <a:t>Vacuum</a:t>
+              <a:t>Auto Vacuum</a:t>
             </a:r>
             <a:endParaRPr lang="ru-RU" dirty="0"/>
           </a:p>
@@ -5594,8 +5827,8 @@
         </p:nvSpPr>
         <p:spPr>
           <a:xfrm>
-            <a:off x="68425" y="1960968"/>
-            <a:ext cx="10058400" cy="4897031"/>
+            <a:off x="419101" y="1926771"/>
+            <a:ext cx="11625942" cy="3532415"/>
           </a:xfrm>
         </p:spPr>
         <p:txBody>
@@ -5613,25 +5846,95 @@
               <a:buChar char="●"/>
             </a:pPr>
             <a:r>
+              <a:rPr lang="en-US" sz="2000" b="1" dirty="0">
+                <a:ea typeface="DejaVu Sans" pitchFamily="2"/>
+                <a:cs typeface="DejaVu Sans" pitchFamily="2"/>
+              </a:rPr>
+              <a:t>Auto </a:t>
+            </a:r>
+            <a:r>
+              <a:rPr lang="ru-RU" sz="2000" b="1" dirty="0">
+                <a:ea typeface="DejaVu Sans" pitchFamily="2"/>
+                <a:cs typeface="DejaVu Sans" pitchFamily="2"/>
+              </a:rPr>
+              <a:t>V</a:t>
+            </a:r>
+            <a:r>
+              <a:rPr lang="en-US" sz="2000" b="1" dirty="0" err="1">
+                <a:ea typeface="DejaVu Sans" pitchFamily="2"/>
+                <a:cs typeface="DejaVu Sans" pitchFamily="2"/>
+              </a:rPr>
+              <a:t>acuum</a:t>
+            </a:r>
+            <a:r>
+              <a:rPr lang="ru-RU" sz="2000" b="1" dirty="0">
+                <a:ea typeface="DejaVu Sans" pitchFamily="2"/>
+                <a:cs typeface="DejaVu Sans" pitchFamily="2"/>
+              </a:rPr>
+              <a:t> </a:t>
+            </a:r>
+            <a:r>
+              <a:rPr lang="en-US" sz="2000" b="1" dirty="0">
+                <a:ea typeface="DejaVu Sans" pitchFamily="2"/>
+                <a:cs typeface="DejaVu Sans" pitchFamily="2"/>
+              </a:rPr>
+              <a:t> </a:t>
+            </a:r>
+            <a:r>
+              <a:rPr lang="en-US" sz="2000" dirty="0">
+                <a:ea typeface="DejaVu Sans" pitchFamily="2"/>
+                <a:cs typeface="DejaVu Sans" pitchFamily="2"/>
+              </a:rPr>
+              <a:t>-</a:t>
+            </a:r>
+            <a:r>
               <a:rPr lang="ru-RU" sz="2000" dirty="0">
                 <a:ea typeface="DejaVu Sans" pitchFamily="2"/>
                 <a:cs typeface="DejaVu Sans" pitchFamily="2"/>
               </a:rPr>
-              <a:t>VACUUM высвобождает пространство, занимаемое «мёртвыми» кортежами. При обычных операциях </a:t>
-            </a:r>
-            <a:r>
-              <a:rPr lang="ru-RU" sz="2000" dirty="0" err="1">
-                <a:ea typeface="DejaVu Sans" pitchFamily="2"/>
-                <a:cs typeface="DejaVu Sans" pitchFamily="2"/>
-              </a:rPr>
-              <a:t>Postgres</a:t>
+              <a:t> автоматическое освобождение пространства от «мёртвых» кортежей</a:t>
+            </a:r>
+            <a:r>
+              <a:rPr lang="en-US" sz="2000" dirty="0">
+                <a:ea typeface="DejaVu Sans" pitchFamily="2"/>
+                <a:cs typeface="DejaVu Sans" pitchFamily="2"/>
+              </a:rPr>
+              <a:t> </a:t>
             </a:r>
             <a:r>
               <a:rPr lang="ru-RU" sz="2000" dirty="0">
                 <a:ea typeface="DejaVu Sans" pitchFamily="2"/>
                 <a:cs typeface="DejaVu Sans" pitchFamily="2"/>
               </a:rPr>
-              <a:t> кортежи, удалённые или устаревшие в результате обновления, физически не удаляются из таблицы; они сохраняются в ней, пока не будет выполнена команда VACUUM.</a:t>
+              <a:t>в зависимости от активности изменений в таблицах. </a:t>
+            </a:r>
+            <a:br>
+              <a:rPr lang="ru-RU" sz="2000" dirty="0">
+                <a:ea typeface="DejaVu Sans" pitchFamily="2"/>
+                <a:cs typeface="DejaVu Sans" pitchFamily="2"/>
+              </a:rPr>
+            </a:br>
+            <a:r>
+              <a:rPr lang="ru-RU" sz="2000" dirty="0">
+                <a:ea typeface="DejaVu Sans" pitchFamily="2"/>
+                <a:cs typeface="DejaVu Sans" pitchFamily="2"/>
+              </a:rPr>
+              <a:t>Включается в настройках БД (</a:t>
+            </a:r>
+            <a:r>
+              <a:rPr lang="af-ZA" dirty="0"/>
+              <a:t>postgresql.conf</a:t>
+            </a:r>
+            <a:r>
+              <a:rPr lang="ru-RU" dirty="0"/>
+              <a:t> или в командной строке при запуске сервера</a:t>
+            </a:r>
+            <a:r>
+              <a:rPr lang="ru-RU" sz="2000" dirty="0">
+                <a:ea typeface="DejaVu Sans" pitchFamily="2"/>
+                <a:cs typeface="DejaVu Sans" pitchFamily="2"/>
+              </a:rPr>
+              <a:t>)</a:t>
             </a:r>
             <a:br>
               <a:rPr lang="en-US" sz="2000" dirty="0">
@@ -5639,7 +5942,7 @@
                 <a:cs typeface="DejaVu Sans" pitchFamily="2"/>
               </a:rPr>
             </a:br>
-            <a:endParaRPr lang="en-US" sz="2000" dirty="0">
+            <a:endParaRPr lang="ru-RU" sz="2000" dirty="0">
               <a:ea typeface="DejaVu Sans" pitchFamily="2"/>
               <a:cs typeface="DejaVu Sans" pitchFamily="2"/>
             </a:endParaRPr>
@@ -5654,96 +5957,29 @@
               <a:buChar char="●"/>
             </a:pPr>
             <a:r>
-              <a:rPr lang="ru-RU" sz="2000" dirty="0">
-                <a:ea typeface="DejaVu Sans" pitchFamily="2"/>
-                <a:cs typeface="DejaVu Sans" pitchFamily="2"/>
-              </a:rPr>
-              <a:t>После большого количества операций удалений/</a:t>
-            </a:r>
-            <a:r>
-              <a:rPr lang="ru-RU" sz="2000" dirty="0" err="1">
-                <a:ea typeface="DejaVu Sans" pitchFamily="2"/>
-                <a:cs typeface="DejaVu Sans" pitchFamily="2"/>
-              </a:rPr>
-              <a:t>апдейтов</a:t>
-            </a:r>
-            <a:r>
-              <a:rPr lang="ru-RU" sz="2000" dirty="0">
-                <a:ea typeface="DejaVu Sans" pitchFamily="2"/>
-                <a:cs typeface="DejaVu Sans" pitchFamily="2"/>
-              </a:rPr>
-              <a:t> выполняем:</a:t>
+              <a:rPr lang="ru-RU" dirty="0"/>
+              <a:t>Раз в </a:t>
+            </a:r>
+            <a:r>
+              <a:rPr lang="ru-RU" b="1" i="1" dirty="0" err="1"/>
+              <a:t>autovacuum_naptime</a:t>
+            </a:r>
+            <a:r>
+              <a:rPr lang="ru-RU" dirty="0"/>
+              <a:t> запускается рабочий процесс по очистке для каждой БД из списка; по каждой БД по очереди производится очищение и анализ отобранных объектов (статистика + настройки хранения таблицы; </a:t>
+            </a:r>
+            <a:r>
+              <a:rPr lang="ru-RU" dirty="0" err="1"/>
+              <a:t>автовакуум</a:t>
+            </a:r>
+            <a:r>
+              <a:rPr lang="ru-RU" dirty="0"/>
+              <a:t> можно отключать на уровне таблицы).</a:t>
             </a:r>
             <a:br>
-              <a:rPr lang="en-US" sz="2000" dirty="0">
-                <a:ea typeface="DejaVu Sans" pitchFamily="2"/>
-                <a:cs typeface="DejaVu Sans" pitchFamily="2"/>
-              </a:rPr>
+              <a:rPr lang="ru-RU" dirty="0"/>
             </a:br>
-            <a:r>
-              <a:rPr lang="ru-RU" sz="2000" b="1" dirty="0" err="1">
-                <a:ea typeface="DejaVu Sans" pitchFamily="2"/>
-                <a:cs typeface="DejaVu Sans" pitchFamily="2"/>
-              </a:rPr>
-              <a:t>vacuum</a:t>
-            </a:r>
-            <a:r>
-              <a:rPr lang="ru-RU" sz="2000" b="1" dirty="0">
-                <a:ea typeface="DejaVu Sans" pitchFamily="2"/>
-                <a:cs typeface="DejaVu Sans" pitchFamily="2"/>
-              </a:rPr>
-              <a:t> </a:t>
-            </a:r>
-            <a:r>
-              <a:rPr lang="ru-RU" sz="2000" dirty="0">
-                <a:ea typeface="DejaVu Sans" pitchFamily="2"/>
-                <a:cs typeface="DejaVu Sans" pitchFamily="2"/>
-              </a:rPr>
-              <a:t>– удаление промежуточных файлов</a:t>
-            </a:r>
-            <a:endParaRPr lang="en-US" sz="2000" dirty="0">
-              <a:ea typeface="DejaVu Sans" pitchFamily="2"/>
-              <a:cs typeface="DejaVu Sans" pitchFamily="2"/>
-            </a:endParaRPr>
-          </a:p>
-          <a:p>
-            <a:pPr marL="274320" lvl="1" indent="0">
-              <a:buClr>
-                <a:srgbClr val="666666"/>
-              </a:buClr>
-              <a:buSzPct val="45000"/>
-              <a:buNone/>
-            </a:pPr>
-            <a:endParaRPr lang="en-US" sz="2000" dirty="0">
-              <a:ea typeface="DejaVu Sans" pitchFamily="2"/>
-              <a:cs typeface="DejaVu Sans" pitchFamily="2"/>
-            </a:endParaRPr>
-          </a:p>
-          <a:p>
-            <a:pPr marL="274320" lvl="1" indent="0">
-              <a:buClr>
-                <a:srgbClr val="666666"/>
-              </a:buClr>
-              <a:buSzPct val="45000"/>
-              <a:buNone/>
-            </a:pPr>
-            <a:endParaRPr lang="en-US" sz="2000" dirty="0">
-              <a:ea typeface="DejaVu Sans" pitchFamily="2"/>
-              <a:cs typeface="DejaVu Sans" pitchFamily="2"/>
-            </a:endParaRPr>
-          </a:p>
-          <a:p>
-            <a:pPr marL="274320" lvl="1" indent="0">
-              <a:buClr>
-                <a:srgbClr val="666666"/>
-              </a:buClr>
-              <a:buSzPct val="45000"/>
-              <a:buNone/>
-            </a:pPr>
-            <a:endParaRPr lang="en-US" sz="2400" dirty="0">
-              <a:ea typeface="DejaVu Sans" pitchFamily="2"/>
-              <a:cs typeface="DejaVu Sans" pitchFamily="2"/>
-            </a:endParaRPr>
+            <a:endParaRPr lang="ru-RU" dirty="0"/>
           </a:p>
           <a:p>
             <a:pPr lvl="1">
@@ -5755,13 +5991,41 @@
               <a:buChar char="●"/>
             </a:pPr>
             <a:r>
-              <a:rPr lang="ru-RU" sz="2000" dirty="0">
-                <a:ea typeface="DejaVu Sans" pitchFamily="2"/>
-                <a:cs typeface="DejaVu Sans" pitchFamily="2"/>
-              </a:rPr>
-              <a:t>VACUUM FULL переписывает всё содержимое таблицы в новый файл на диске, не содержащий ничего лишнего, что позволяет возвратить неиспользованное пространство операционной системе</a:t>
-            </a:r>
-            <a:endParaRPr lang="en-US" sz="2000" dirty="0">
+              <a:rPr lang="ru-RU" dirty="0"/>
+              <a:t>Если </a:t>
+            </a:r>
+            <a:r>
+              <a:rPr lang="ru-RU" dirty="0" err="1"/>
+              <a:t>автовакуум</a:t>
+            </a:r>
+            <a:r>
+              <a:rPr lang="ru-RU" dirty="0"/>
+              <a:t> не успел выполнить всю намеченную работу за </a:t>
+            </a:r>
+            <a:r>
+              <a:rPr lang="ru-RU" i="1" dirty="0" err="1"/>
+              <a:t>autovacuum_naptime</a:t>
+            </a:r>
+            <a:r>
+              <a:rPr lang="ru-RU" dirty="0"/>
+              <a:t>, то параллельно может запустится еще один процесс </a:t>
+            </a:r>
+            <a:r>
+              <a:rPr lang="ru-RU" dirty="0" err="1"/>
+              <a:t>автовакуума</a:t>
+            </a:r>
+            <a:r>
+              <a:rPr lang="ru-RU" dirty="0"/>
+              <a:t> (если накопилась статистика).</a:t>
+            </a:r>
+            <a:br>
+              <a:rPr lang="ru-RU" dirty="0"/>
+            </a:br>
+            <a:r>
+              <a:rPr lang="ru-RU" dirty="0"/>
+              <a:t>При этом на уровне одной таблицы параллелизма нет — если один из рабочих процессов уже занимается таблицей, другой пропустит ее и пойдет дальше</a:t>
+            </a:r>
+            <a:endParaRPr lang="ru-RU" sz="2000" dirty="0">
               <a:ea typeface="DejaVu Sans" pitchFamily="2"/>
               <a:cs typeface="DejaVu Sans" pitchFamily="2"/>
             </a:endParaRPr>
@@ -5770,211 +6034,63 @@
       </p:sp>
       <p:sp>
         <p:nvSpPr>
-          <p:cNvPr id="5" name="Rectangle 2">
+          <p:cNvPr id="11" name="TextBox 10">
             <a:extLst>
               <a:ext uri="{FF2B5EF4-FFF2-40B4-BE49-F238E27FC236}">
-                <a16:creationId xmlns:a16="http://schemas.microsoft.com/office/drawing/2014/main" id="{0A58A53A-587B-4BCF-97BE-F73BB901D111}"/>
+                <a16:creationId xmlns:a16="http://schemas.microsoft.com/office/drawing/2014/main" id="{CCE30A79-304B-4568-A4F7-47F9896539A7}"/>
               </a:ext>
             </a:extLst>
           </p:cNvPr>
-          <p:cNvSpPr>
-            <a:spLocks noChangeArrowheads="1"/>
-          </p:cNvSpPr>
+          <p:cNvSpPr txBox="1"/>
           <p:nvPr/>
         </p:nvSpPr>
-        <p:spPr bwMode="auto">
+        <p:spPr>
           <a:xfrm>
-            <a:off x="483326" y="4257264"/>
-            <a:ext cx="10987303" cy="646331"/>
+            <a:off x="887839" y="5802085"/>
+            <a:ext cx="10240409" cy="523220"/>
           </a:xfrm>
           <a:prstGeom prst="rect">
             <a:avLst/>
           </a:prstGeom>
           <a:noFill/>
-          <a:ln>
-            <a:noFill/>
-          </a:ln>
-          <a:effectLst/>
-          <a:extLst>
-            <a:ext uri="{909E8E84-426E-40DD-AFC4-6F175D3DCCD1}">
-              <a14:hiddenFill xmlns:a14="http://schemas.microsoft.com/office/drawing/2010/main">
-                <a:solidFill>
-                  <a:schemeClr val="accent1"/>
-                </a:solidFill>
-              </a14:hiddenFill>
-            </a:ext>
-            <a:ext uri="{91240B29-F687-4F45-9708-019B960494DF}">
-              <a14:hiddenLine xmlns:a14="http://schemas.microsoft.com/office/drawing/2010/main" w="9525">
-                <a:solidFill>
-                  <a:schemeClr val="tx1"/>
-                </a:solidFill>
-                <a:miter lim="800000"/>
-                <a:headEnd/>
-                <a:tailEnd/>
-              </a14:hiddenLine>
-            </a:ext>
-            <a:ext uri="{AF507438-7753-43E0-B8FC-AC1667EBCBE1}">
-              <a14:hiddenEffects xmlns:a14="http://schemas.microsoft.com/office/drawing/2010/main">
-                <a:effectLst>
-                  <a:outerShdw dist="35921" dir="2700000" algn="ctr" rotWithShape="0">
-                    <a:schemeClr val="bg2"/>
-                  </a:outerShdw>
-                </a:effectLst>
-              </a14:hiddenEffects>
-            </a:ext>
-          </a:extLst>
         </p:spPr>
         <p:txBody>
-          <a:bodyPr vert="horz" wrap="none" lIns="91440" tIns="45720" rIns="91440" bIns="45720" numCol="1" anchor="ctr" anchorCtr="0" compatLnSpc="1">
-            <a:prstTxWarp prst="textNoShape">
-              <a:avLst/>
-            </a:prstTxWarp>
+          <a:bodyPr wrap="square" rtlCol="0">
             <a:spAutoFit/>
           </a:bodyPr>
           <a:lstStyle/>
           <a:p>
-            <a:pPr marL="0" marR="0" lvl="0" indent="0" algn="l" defTabSz="914400" rtl="0" eaLnBrk="0" fontAlgn="base" latinLnBrk="0" hangingPunct="0">
-              <a:lnSpc>
-                <a:spcPct val="100000"/>
-              </a:lnSpc>
-              <a:spcBef>
-                <a:spcPct val="0"/>
-              </a:spcBef>
-              <a:spcAft>
-                <a:spcPct val="0"/>
-              </a:spcAft>
-              <a:buClrTx/>
-              <a:buSzTx/>
-              <a:buFontTx/>
-              <a:buNone/>
-              <a:tabLst/>
-            </a:pPr>
-            <a:r>
-              <a:rPr kumimoji="0" lang="ru-RU" altLang="ru-RU" b="1" i="0" u="none" strike="noStrike" cap="none" normalizeH="0" baseline="0" dirty="0">
-                <a:ln>
-                  <a:noFill/>
-                </a:ln>
-                <a:solidFill>
-                  <a:srgbClr val="0070C0"/>
-                </a:solidFill>
-                <a:effectLst/>
-                <a:latin typeface="Courier New" panose="02070309020205020404" pitchFamily="49" charset="0"/>
-                <a:cs typeface="Courier New" panose="02070309020205020404" pitchFamily="49" charset="0"/>
-              </a:rPr>
-              <a:t>Синтаксис:</a:t>
-            </a:r>
-            <a:br>
-              <a:rPr kumimoji="0" lang="en-US" altLang="ru-RU" b="0" i="0" u="none" strike="noStrike" cap="none" normalizeH="0" baseline="0" dirty="0">
-                <a:ln>
-                  <a:noFill/>
-                </a:ln>
-                <a:solidFill>
-                  <a:srgbClr val="0070C0"/>
-                </a:solidFill>
-                <a:effectLst/>
-                <a:latin typeface="Courier New" panose="02070309020205020404" pitchFamily="49" charset="0"/>
-                <a:cs typeface="Courier New" panose="02070309020205020404" pitchFamily="49" charset="0"/>
-              </a:rPr>
-            </a:br>
-            <a:r>
-              <a:rPr kumimoji="0" lang="ru-RU" altLang="ru-RU" b="0" i="0" u="none" strike="noStrike" cap="none" normalizeH="0" baseline="0" dirty="0">
-                <a:ln>
-                  <a:noFill/>
-                </a:ln>
-                <a:solidFill>
-                  <a:srgbClr val="0070C0"/>
-                </a:solidFill>
-                <a:effectLst/>
-                <a:latin typeface="Courier New" panose="02070309020205020404" pitchFamily="49" charset="0"/>
-                <a:cs typeface="Courier New" panose="02070309020205020404" pitchFamily="49" charset="0"/>
-              </a:rPr>
-              <a:t>VACUUM [ ( { FULL | VERBOSE | ANALYZE }) ] [ </a:t>
-            </a:r>
-            <a:r>
-              <a:rPr kumimoji="0" lang="ru-RU" altLang="ru-RU" b="1" i="1" u="none" strike="noStrike" cap="none" normalizeH="0" baseline="0" dirty="0" err="1">
-                <a:ln>
-                  <a:noFill/>
-                </a:ln>
-                <a:solidFill>
-                  <a:srgbClr val="0070C0"/>
-                </a:solidFill>
-                <a:effectLst/>
-                <a:latin typeface="Courier New" panose="02070309020205020404" pitchFamily="49" charset="0"/>
-                <a:cs typeface="Courier New" panose="02070309020205020404" pitchFamily="49" charset="0"/>
-              </a:rPr>
-              <a:t>имя_таблицы</a:t>
-            </a:r>
-            <a:r>
-              <a:rPr kumimoji="0" lang="ru-RU" altLang="ru-RU" b="0" i="0" u="none" strike="noStrike" cap="none" normalizeH="0" baseline="0" dirty="0">
-                <a:ln>
-                  <a:noFill/>
-                </a:ln>
-                <a:solidFill>
-                  <a:srgbClr val="0070C0"/>
-                </a:solidFill>
-                <a:effectLst/>
-                <a:latin typeface="Courier New" panose="02070309020205020404" pitchFamily="49" charset="0"/>
-                <a:cs typeface="Courier New" panose="02070309020205020404" pitchFamily="49" charset="0"/>
-              </a:rPr>
-              <a:t> [ (</a:t>
-            </a:r>
-            <a:r>
-              <a:rPr kumimoji="0" lang="ru-RU" altLang="ru-RU" b="1" i="1" u="none" strike="noStrike" cap="none" normalizeH="0" baseline="0" dirty="0" err="1">
-                <a:ln>
-                  <a:noFill/>
-                </a:ln>
-                <a:solidFill>
-                  <a:srgbClr val="0070C0"/>
-                </a:solidFill>
-                <a:effectLst/>
-                <a:latin typeface="Courier New" panose="02070309020205020404" pitchFamily="49" charset="0"/>
-                <a:cs typeface="Courier New" panose="02070309020205020404" pitchFamily="49" charset="0"/>
-              </a:rPr>
-              <a:t>имя_столбца</a:t>
-            </a:r>
-            <a:r>
-              <a:rPr kumimoji="0" lang="ru-RU" altLang="ru-RU" b="0" i="0" u="none" strike="noStrike" cap="none" normalizeH="0" baseline="0" dirty="0">
-                <a:ln>
-                  <a:noFill/>
-                </a:ln>
-                <a:solidFill>
-                  <a:srgbClr val="0070C0"/>
-                </a:solidFill>
-                <a:effectLst/>
-                <a:latin typeface="Courier New" panose="02070309020205020404" pitchFamily="49" charset="0"/>
-                <a:cs typeface="Courier New" panose="02070309020205020404" pitchFamily="49" charset="0"/>
-              </a:rPr>
-              <a:t>) ] ]</a:t>
-            </a:r>
-            <a:r>
-              <a:rPr kumimoji="0" lang="ru-RU" altLang="ru-RU" sz="1400" b="0" i="0" u="none" strike="noStrike" cap="none" normalizeH="0" baseline="0" dirty="0">
-                <a:ln>
-                  <a:noFill/>
-                </a:ln>
-                <a:solidFill>
-                  <a:srgbClr val="0070C0"/>
-                </a:solidFill>
-                <a:effectLst/>
-              </a:rPr>
+            <a:r>
+              <a:rPr lang="ru-RU" sz="1400" dirty="0"/>
+              <a:t>Список параметров настройки </a:t>
+            </a:r>
+            <a:r>
+              <a:rPr lang="ru-RU" sz="1400" dirty="0" err="1"/>
+              <a:t>автовакуума</a:t>
+            </a:r>
+            <a:r>
+              <a:rPr lang="ru-RU" sz="1400" dirty="0"/>
+              <a:t>: </a:t>
+            </a:r>
+          </a:p>
+          <a:p>
+            <a:r>
+              <a:rPr lang="af-ZA" sz="1400" dirty="0">
+                <a:hlinkClick r:id="rId2"/>
+              </a:rPr>
+              <a:t>https://postgrespro.ru/docs/postgrespro/15/runtime-config-autovacuum</a:t>
+            </a:r>
+            <a:r>
+              <a:rPr lang="ru-RU" sz="1400" dirty="0"/>
               <a:t> </a:t>
             </a:r>
-            <a:endParaRPr kumimoji="0" lang="ru-RU" altLang="ru-RU" sz="4000" b="0" i="0" u="none" strike="noStrike" cap="none" normalizeH="0" baseline="0" dirty="0">
-              <a:ln>
-                <a:noFill/>
-              </a:ln>
-              <a:solidFill>
-                <a:srgbClr val="0070C0"/>
-              </a:solidFill>
-              <a:effectLst/>
-              <a:latin typeface="Arial" panose="020B0604020202020204" pitchFamily="34" charset="0"/>
-            </a:endParaRPr>
           </a:p>
         </p:txBody>
       </p:sp>
     </p:spTree>
     <p:extLst>
       <p:ext uri="{BB962C8B-B14F-4D97-AF65-F5344CB8AC3E}">
-        <p14:creationId xmlns:p14="http://schemas.microsoft.com/office/powerpoint/2010/main" val="1240380764"/>
+        <p14:creationId xmlns:p14="http://schemas.microsoft.com/office/powerpoint/2010/main" val="1245534026"/>
       </p:ext>
     </p:extLst>
   </p:cSld>
@@ -6568,8 +6684,8 @@
         </p:nvSpPr>
         <p:spPr bwMode="auto">
           <a:xfrm>
-            <a:off x="1063752" y="2000261"/>
-            <a:ext cx="8991564" cy="1600438"/>
+            <a:off x="1063752" y="2107982"/>
+            <a:ext cx="8991564" cy="1384995"/>
           </a:xfrm>
           <a:prstGeom prst="rect">
             <a:avLst/>
@@ -6670,7 +6786,7 @@
                 <a:effectLst/>
                 <a:latin typeface="Courier New" panose="02070309020205020404" pitchFamily="49" charset="0"/>
               </a:rPr>
-              <a:t> ] ON [ ONLY ] </a:t>
+              <a:t> ] ON  </a:t>
             </a:r>
           </a:p>
           <a:p>
@@ -6937,8 +7053,66 @@
                 <a:effectLst/>
                 <a:latin typeface="Courier New" panose="02070309020205020404" pitchFamily="49" charset="0"/>
               </a:rPr>
-              <a:t>[ NULLS [ NOT ] DISTINCT ] </a:t>
-            </a:r>
+              <a:t>[ WITH ( </a:t>
+            </a:r>
+            <a:r>
+              <a:rPr kumimoji="0" lang="ru-RU" altLang="ru-RU" sz="1400" b="1" i="1" u="none" strike="noStrike" cap="none" normalizeH="0" baseline="0" dirty="0" err="1">
+                <a:ln>
+                  <a:noFill/>
+                </a:ln>
+                <a:solidFill>
+                  <a:srgbClr val="0070C0"/>
+                </a:solidFill>
+                <a:effectLst/>
+                <a:latin typeface="Courier New" panose="02070309020205020404" pitchFamily="49" charset="0"/>
+              </a:rPr>
+              <a:t>параметр_хранения</a:t>
+            </a:r>
+            <a:r>
+              <a:rPr kumimoji="0" lang="ru-RU" altLang="ru-RU" sz="1400" b="0" i="0" u="none" strike="noStrike" cap="none" normalizeH="0" baseline="0" dirty="0">
+                <a:ln>
+                  <a:noFill/>
+                </a:ln>
+                <a:solidFill>
+                  <a:srgbClr val="0070C0"/>
+                </a:solidFill>
+                <a:effectLst/>
+                <a:latin typeface="Courier New" panose="02070309020205020404" pitchFamily="49" charset="0"/>
+              </a:rPr>
+              <a:t> [= </a:t>
+            </a:r>
+            <a:r>
+              <a:rPr kumimoji="0" lang="ru-RU" altLang="ru-RU" sz="1400" b="1" i="1" u="none" strike="noStrike" cap="none" normalizeH="0" baseline="0" dirty="0">
+                <a:ln>
+                  <a:noFill/>
+                </a:ln>
+                <a:solidFill>
+                  <a:srgbClr val="0070C0"/>
+                </a:solidFill>
+                <a:effectLst/>
+                <a:latin typeface="Courier New" panose="02070309020205020404" pitchFamily="49" charset="0"/>
+              </a:rPr>
+              <a:t>значение</a:t>
+            </a:r>
+            <a:r>
+              <a:rPr kumimoji="0" lang="ru-RU" altLang="ru-RU" sz="1400" b="0" i="0" u="none" strike="noStrike" cap="none" normalizeH="0" baseline="0" dirty="0">
+                <a:ln>
+                  <a:noFill/>
+                </a:ln>
+                <a:solidFill>
+                  <a:srgbClr val="0070C0"/>
+                </a:solidFill>
+                <a:effectLst/>
+                <a:latin typeface="Courier New" panose="02070309020205020404" pitchFamily="49" charset="0"/>
+              </a:rPr>
+              <a:t>] [, ... ] ) ] </a:t>
+            </a:r>
+            <a:endParaRPr lang="en-US" altLang="ru-RU" sz="1400" dirty="0">
+              <a:solidFill>
+                <a:srgbClr val="0070C0"/>
+              </a:solidFill>
+              <a:latin typeface="Courier New" panose="02070309020205020404" pitchFamily="49" charset="0"/>
+            </a:endParaRPr>
           </a:p>
           <a:p>
             <a:pPr marL="0" marR="0" lvl="0" indent="0" algn="l" defTabSz="914400" rtl="0" eaLnBrk="0" fontAlgn="base" latinLnBrk="0" hangingPunct="0">
@@ -6968,95 +7142,6 @@
                 <a:effectLst/>
                 <a:latin typeface="Courier New" panose="02070309020205020404" pitchFamily="49" charset="0"/>
               </a:rPr>
-              <a:t>[ WITH ( </a:t>
-            </a:r>
-            <a:r>
-              <a:rPr kumimoji="0" lang="ru-RU" altLang="ru-RU" sz="1400" b="1" i="1" u="none" strike="noStrike" cap="none" normalizeH="0" baseline="0" dirty="0" err="1">
-                <a:ln>
-                  <a:noFill/>
-                </a:ln>
-                <a:solidFill>
-                  <a:srgbClr val="0070C0"/>
-                </a:solidFill>
-                <a:effectLst/>
-                <a:latin typeface="Courier New" panose="02070309020205020404" pitchFamily="49" charset="0"/>
-              </a:rPr>
-              <a:t>параметр_хранения</a:t>
-            </a:r>
-            <a:r>
-              <a:rPr kumimoji="0" lang="ru-RU" altLang="ru-RU" sz="1400" b="0" i="0" u="none" strike="noStrike" cap="none" normalizeH="0" baseline="0" dirty="0">
-                <a:ln>
-                  <a:noFill/>
-                </a:ln>
-                <a:solidFill>
-                  <a:srgbClr val="0070C0"/>
-                </a:solidFill>
-                <a:effectLst/>
-                <a:latin typeface="Courier New" panose="02070309020205020404" pitchFamily="49" charset="0"/>
-              </a:rPr>
-              <a:t> [= </a:t>
-            </a:r>
-            <a:r>
-              <a:rPr kumimoji="0" lang="ru-RU" altLang="ru-RU" sz="1400" b="1" i="1" u="none" strike="noStrike" cap="none" normalizeH="0" baseline="0" dirty="0">
-                <a:ln>
-                  <a:noFill/>
-                </a:ln>
-                <a:solidFill>
-                  <a:srgbClr val="0070C0"/>
-                </a:solidFill>
-                <a:effectLst/>
-                <a:latin typeface="Courier New" panose="02070309020205020404" pitchFamily="49" charset="0"/>
-              </a:rPr>
-              <a:t>значение</a:t>
-            </a:r>
-            <a:r>
-              <a:rPr kumimoji="0" lang="ru-RU" altLang="ru-RU" sz="1400" b="0" i="0" u="none" strike="noStrike" cap="none" normalizeH="0" baseline="0" dirty="0">
-                <a:ln>
-                  <a:noFill/>
-                </a:ln>
-                <a:solidFill>
-                  <a:srgbClr val="0070C0"/>
-                </a:solidFill>
-                <a:effectLst/>
-                <a:latin typeface="Courier New" panose="02070309020205020404" pitchFamily="49" charset="0"/>
-              </a:rPr>
-              <a:t>] [, ... ] ) ] </a:t>
-            </a:r>
-            <a:endParaRPr lang="en-US" altLang="ru-RU" sz="1400" dirty="0">
-              <a:solidFill>
-                <a:srgbClr val="0070C0"/>
-              </a:solidFill>
-              <a:latin typeface="Courier New" panose="02070309020205020404" pitchFamily="49" charset="0"/>
-            </a:endParaRPr>
-          </a:p>
-          <a:p>
-            <a:pPr marL="0" marR="0" lvl="0" indent="0" algn="l" defTabSz="914400" rtl="0" eaLnBrk="0" fontAlgn="base" latinLnBrk="0" hangingPunct="0">
-              <a:lnSpc>
-                <a:spcPct val="100000"/>
-              </a:lnSpc>
-              <a:spcBef>
-                <a:spcPct val="0"/>
-              </a:spcBef>
-              <a:spcAft>
-                <a:spcPct val="0"/>
-              </a:spcAft>
-              <a:buClrTx/>
-              <a:buSzTx/>
-              <a:buFontTx/>
-              <a:buNone/>
-              <a:tabLst/>
-            </a:pPr>
-            <a:r>
-              <a:rPr kumimoji="0" lang="ru-RU" altLang="ru-RU" sz="1400" b="0" i="0" u="none" strike="noStrike" cap="none" normalizeH="0" baseline="0" dirty="0">
-                <a:ln>
-                  <a:noFill/>
-                </a:ln>
-                <a:solidFill>
-                  <a:srgbClr val="0070C0"/>
-                </a:solidFill>
-                <a:effectLst/>
-                <a:latin typeface="Courier New" panose="02070309020205020404" pitchFamily="49" charset="0"/>
-              </a:rPr>
               <a:t>[ WHERE </a:t>
             </a:r>
             <a:r>
@@ -7182,21 +7267,70 @@
                 <a:ea typeface="DejaVu Sans" pitchFamily="2"/>
                 <a:cs typeface="DejaVu Sans" pitchFamily="2"/>
               </a:rPr>
-              <a:t>ONLY</a:t>
+              <a:t>USING</a:t>
+            </a:r>
+            <a:r>
+              <a:rPr lang="ru-RU" sz="1200" dirty="0">
+                <a:ea typeface="DejaVu Sans" pitchFamily="2"/>
+                <a:cs typeface="DejaVu Sans" pitchFamily="2"/>
+              </a:rPr>
+              <a:t> - имя применяемого метода индекса (</a:t>
+            </a:r>
+            <a:r>
+              <a:rPr lang="ru-RU" sz="1200" dirty="0" err="1">
+                <a:ea typeface="DejaVu Sans" pitchFamily="2"/>
+                <a:cs typeface="DejaVu Sans" pitchFamily="2"/>
+              </a:rPr>
+              <a:t>btree</a:t>
             </a:r>
             <a:r>
               <a:rPr lang="en-US" sz="1200" dirty="0">
                 <a:ea typeface="DejaVu Sans" pitchFamily="2"/>
                 <a:cs typeface="DejaVu Sans" pitchFamily="2"/>
               </a:rPr>
-              <a:t> - </a:t>
+              <a:t>,</a:t>
             </a:r>
             <a:r>
               <a:rPr lang="ru-RU" sz="1200" dirty="0">
                 <a:ea typeface="DejaVu Sans" pitchFamily="2"/>
                 <a:cs typeface="DejaVu Sans" pitchFamily="2"/>
               </a:rPr>
-              <a:t>указывает, что индексы не должны рекурсивно создаваться в секциях секционированной таблицы. По умолчанию создание выполняется рекурсивно</a:t>
+              <a:t> </a:t>
+            </a:r>
+            <a:r>
+              <a:rPr lang="ru-RU" sz="1200" dirty="0" err="1">
+                <a:ea typeface="DejaVu Sans" pitchFamily="2"/>
+                <a:cs typeface="DejaVu Sans" pitchFamily="2"/>
+              </a:rPr>
+              <a:t>gist</a:t>
+            </a:r>
+            <a:r>
+              <a:rPr lang="ru-RU" sz="1200" dirty="0">
+                <a:ea typeface="DejaVu Sans" pitchFamily="2"/>
+                <a:cs typeface="DejaVu Sans" pitchFamily="2"/>
+              </a:rPr>
+              <a:t>, </a:t>
+            </a:r>
+            <a:r>
+              <a:rPr lang="ru-RU" sz="1200" dirty="0" err="1">
+                <a:ea typeface="DejaVu Sans" pitchFamily="2"/>
+                <a:cs typeface="DejaVu Sans" pitchFamily="2"/>
+              </a:rPr>
+              <a:t>spgist</a:t>
+            </a:r>
+            <a:r>
+              <a:rPr lang="en-US" sz="1200" dirty="0">
+                <a:ea typeface="DejaVu Sans" pitchFamily="2"/>
+                <a:cs typeface="DejaVu Sans" pitchFamily="2"/>
+              </a:rPr>
+              <a:t> </a:t>
+            </a:r>
+            <a:r>
+              <a:rPr lang="ru-RU" sz="1200" dirty="0">
+                <a:ea typeface="DejaVu Sans" pitchFamily="2"/>
+                <a:cs typeface="DejaVu Sans" pitchFamily="2"/>
+              </a:rPr>
+              <a:t>и т.д.)</a:t>
             </a:r>
           </a:p>
           <a:p>
@@ -7209,141 +7343,33 @@
               <a:buChar char="●"/>
             </a:pPr>
             <a:r>
-              <a:rPr lang="en-US" sz="1200" b="1" dirty="0">
-                <a:ea typeface="DejaVu Sans" pitchFamily="2"/>
-                <a:cs typeface="DejaVu Sans" pitchFamily="2"/>
-              </a:rPr>
-              <a:t>USING</a:t>
+              <a:rPr lang="af-ZA" sz="1200" b="1" dirty="0">
+                <a:ea typeface="DejaVu Sans" pitchFamily="2"/>
+                <a:cs typeface="DejaVu Sans" pitchFamily="2"/>
+              </a:rPr>
+              <a:t>INCLUDE</a:t>
             </a:r>
             <a:r>
               <a:rPr lang="ru-RU" sz="1200" dirty="0">
                 <a:ea typeface="DejaVu Sans" pitchFamily="2"/>
                 <a:cs typeface="DejaVu Sans" pitchFamily="2"/>
               </a:rPr>
-              <a:t> - имя применяемого метода индекса (</a:t>
+              <a:t> - позволяет указать список столбцов, которые войдут в индекс как </a:t>
             </a:r>
             <a:r>
               <a:rPr lang="ru-RU" sz="1200" dirty="0" err="1">
                 <a:ea typeface="DejaVu Sans" pitchFamily="2"/>
                 <a:cs typeface="DejaVu Sans" pitchFamily="2"/>
               </a:rPr>
-              <a:t>btree</a:t>
-            </a:r>
-            <a:r>
-              <a:rPr lang="en-US" sz="1200" dirty="0">
-                <a:ea typeface="DejaVu Sans" pitchFamily="2"/>
-                <a:cs typeface="DejaVu Sans" pitchFamily="2"/>
-              </a:rPr>
-              <a:t>,</a:t>
+              <a:t>неключевые</a:t>
             </a:r>
             <a:r>
               <a:rPr lang="ru-RU" sz="1200" dirty="0">
                 <a:ea typeface="DejaVu Sans" pitchFamily="2"/>
                 <a:cs typeface="DejaVu Sans" pitchFamily="2"/>
               </a:rPr>
-              <a:t> </a:t>
-            </a:r>
-            <a:r>
-              <a:rPr lang="ru-RU" sz="1200" dirty="0" err="1">
-                <a:ea typeface="DejaVu Sans" pitchFamily="2"/>
-                <a:cs typeface="DejaVu Sans" pitchFamily="2"/>
-              </a:rPr>
-              <a:t>gist</a:t>
-            </a:r>
-            <a:r>
-              <a:rPr lang="ru-RU" sz="1200" dirty="0">
-                <a:ea typeface="DejaVu Sans" pitchFamily="2"/>
-                <a:cs typeface="DejaVu Sans" pitchFamily="2"/>
-              </a:rPr>
-              <a:t>, </a:t>
-            </a:r>
-            <a:r>
-              <a:rPr lang="ru-RU" sz="1200" dirty="0" err="1">
-                <a:ea typeface="DejaVu Sans" pitchFamily="2"/>
-                <a:cs typeface="DejaVu Sans" pitchFamily="2"/>
-              </a:rPr>
-              <a:t>spgist</a:t>
-            </a:r>
-            <a:r>
-              <a:rPr lang="en-US" sz="1200" dirty="0">
-                <a:ea typeface="DejaVu Sans" pitchFamily="2"/>
-                <a:cs typeface="DejaVu Sans" pitchFamily="2"/>
-              </a:rPr>
-              <a:t> </a:t>
-            </a:r>
-            <a:r>
-              <a:rPr lang="ru-RU" sz="1200" dirty="0">
-                <a:ea typeface="DejaVu Sans" pitchFamily="2"/>
-                <a:cs typeface="DejaVu Sans" pitchFamily="2"/>
-              </a:rPr>
-              <a:t>и т.д.)</a:t>
-            </a:r>
-          </a:p>
-          <a:p>
-            <a:pPr lvl="1">
-              <a:buClr>
-                <a:srgbClr val="666666"/>
-              </a:buClr>
-              <a:buSzPct val="45000"/>
-              <a:buFont typeface="StarSymbol"/>
-              <a:buChar char="●"/>
-            </a:pPr>
-            <a:r>
-              <a:rPr lang="af-ZA" sz="1200" b="1" dirty="0">
-                <a:ea typeface="DejaVu Sans" pitchFamily="2"/>
-                <a:cs typeface="DejaVu Sans" pitchFamily="2"/>
-              </a:rPr>
-              <a:t>INCLUDE</a:t>
-            </a:r>
-            <a:r>
-              <a:rPr lang="ru-RU" sz="1200" dirty="0">
-                <a:ea typeface="DejaVu Sans" pitchFamily="2"/>
-                <a:cs typeface="DejaVu Sans" pitchFamily="2"/>
-              </a:rPr>
-              <a:t> - позволяет указать список столбцов, которые войдут в индекс как </a:t>
-            </a:r>
-            <a:r>
-              <a:rPr lang="ru-RU" sz="1200" dirty="0" err="1">
-                <a:ea typeface="DejaVu Sans" pitchFamily="2"/>
-                <a:cs typeface="DejaVu Sans" pitchFamily="2"/>
-              </a:rPr>
-              <a:t>неключевые</a:t>
-            </a:r>
-            <a:r>
-              <a:rPr lang="ru-RU" sz="1200" dirty="0">
-                <a:ea typeface="DejaVu Sans" pitchFamily="2"/>
-                <a:cs typeface="DejaVu Sans" pitchFamily="2"/>
-              </a:rPr>
               <a:t> столбцы</a:t>
             </a:r>
-          </a:p>
-          <a:p>
-            <a:pPr lvl="1">
-              <a:buClr>
-                <a:srgbClr val="666666"/>
-              </a:buClr>
-              <a:buSzPct val="45000"/>
-              <a:buFont typeface="StarSymbol"/>
-              <a:buChar char="●"/>
-            </a:pPr>
-            <a:r>
-              <a:rPr lang="en-US" sz="1200" b="1" dirty="0">
-                <a:ea typeface="DejaVu Sans" pitchFamily="2"/>
-                <a:cs typeface="DejaVu Sans" pitchFamily="2"/>
-              </a:rPr>
-              <a:t>NULLS NOT DISTINCT</a:t>
-            </a:r>
-            <a:r>
-              <a:rPr lang="ru-RU" sz="1200" dirty="0">
-                <a:ea typeface="DejaVu Sans" pitchFamily="2"/>
-                <a:cs typeface="DejaVu Sans" pitchFamily="2"/>
-              </a:rPr>
-              <a:t> - определяет, должны ли значения NULL считаться различными (не равными) для уникального индекса. По умолчанию они считаются различными</a:t>
-            </a:r>
-            <a:endParaRPr lang="en-US" sz="1200" dirty="0">
-              <a:ea typeface="DejaVu Sans" pitchFamily="2"/>
-              <a:cs typeface="DejaVu Sans" pitchFamily="2"/>
-            </a:endParaRPr>
           </a:p>
           <a:p>
             <a:pPr lvl="1">
@@ -7952,7 +7978,7 @@
         </p:nvSpPr>
         <p:spPr>
           <a:xfrm>
-            <a:off x="1069848" y="1878767"/>
+            <a:off x="1091609" y="2093976"/>
             <a:ext cx="10058400" cy="4691921"/>
           </a:xfrm>
         </p:spPr>
@@ -8181,7 +8207,7 @@
               <a:t>for values from (‘202</a:t>
             </a:r>
             <a:r>
-              <a:rPr lang="ru-RU" sz="1400">
+              <a:rPr lang="ru-RU" sz="1400" dirty="0">
                 <a:solidFill>
                   <a:srgbClr val="0070C0"/>
                 </a:solidFill>
@@ -8189,20 +8215,12 @@
               <a:t>3</a:t>
             </a:r>
             <a:r>
-              <a:rPr lang="en-US" sz="1400">
+              <a:rPr lang="en-US" sz="1400" dirty="0">
                 <a:solidFill>
                   <a:srgbClr val="0070C0"/>
                 </a:solidFill>
               </a:rPr>
-              <a:t>-01-01</a:t>
-            </a:r>
-            <a:r>
-              <a:rPr lang="en-US" sz="1400" dirty="0">
-                <a:solidFill>
-                  <a:srgbClr val="0070C0"/>
-                </a:solidFill>
-              </a:rPr>
-              <a:t>') to (‘2023-12-31');</a:t>
+              <a:t>-01-01') to (‘2023-12-31');</a:t>
             </a:r>
           </a:p>
         </p:txBody>
@@ -8242,7 +8260,7 @@
           <p:cNvPr id="2" name="Title 1">
             <a:extLst>
               <a:ext uri="{FF2B5EF4-FFF2-40B4-BE49-F238E27FC236}">
-                <a16:creationId xmlns:a16="http://schemas.microsoft.com/office/drawing/2014/main" id="{167639D8-8593-4ED9-BB37-6167D5451BC1}"/>
+                <a16:creationId xmlns:a16="http://schemas.microsoft.com/office/drawing/2014/main" id="{74ED2800-BE23-482A-B152-A72BC607E8B0}"/>
               </a:ext>
             </a:extLst>
           </p:cNvPr>
@@ -8259,7 +8277,7 @@
           <a:lstStyle/>
           <a:p>
             <a:r>
-              <a:rPr lang="en-US" dirty="0">
+              <a:rPr lang="ru-RU" dirty="0">
                 <a:ea typeface="DejaVu Sans" pitchFamily="2"/>
                 <a:cs typeface="DejaVu Sans" pitchFamily="2"/>
               </a:rPr>
@@ -8276,7 +8294,7 @@
                 <a:ea typeface="DejaVu Sans" pitchFamily="2"/>
                 <a:cs typeface="DejaVu Sans" pitchFamily="2"/>
               </a:rPr>
-              <a:t>Перед стартом</a:t>
+              <a:t>План</a:t>
             </a:r>
             <a:endParaRPr lang="ru-RU" dirty="0"/>
           </a:p>
@@ -8287,7 +8305,7 @@
           <p:cNvPr id="3" name="Content Placeholder 2">
             <a:extLst>
               <a:ext uri="{FF2B5EF4-FFF2-40B4-BE49-F238E27FC236}">
-                <a16:creationId xmlns:a16="http://schemas.microsoft.com/office/drawing/2014/main" id="{35FCC3B0-181C-48B0-B434-7CC28CB160FB}"/>
+                <a16:creationId xmlns:a16="http://schemas.microsoft.com/office/drawing/2014/main" id="{C15EB09F-B745-4151-9C07-58D16BCE98C4}"/>
               </a:ext>
             </a:extLst>
           </p:cNvPr>
@@ -8298,102 +8316,17 @@
             <p:ph idx="1"/>
           </p:nvPr>
         </p:nvSpPr>
-        <p:spPr/>
+        <p:spPr>
+          <a:xfrm>
+            <a:off x="1451579" y="2015732"/>
+            <a:ext cx="9603275" cy="4125186"/>
+          </a:xfrm>
+        </p:spPr>
         <p:txBody>
-          <a:bodyPr/>
+          <a:bodyPr>
+            <a:normAutofit/>
+          </a:bodyPr>
           <a:lstStyle/>
-          <a:p>
-            <a:pPr>
-              <a:buClr>
-                <a:srgbClr val="666666"/>
-              </a:buClr>
-              <a:buSzPct val="45000"/>
-            </a:pPr>
-            <a:r>
-              <a:rPr lang="ru-RU" dirty="0">
-                <a:solidFill>
-                  <a:srgbClr val="000000"/>
-                </a:solidFill>
-                <a:ea typeface="DejaVu Sans" pitchFamily="2"/>
-                <a:cs typeface="DejaVu Sans" pitchFamily="2"/>
-              </a:rPr>
-              <a:t>На компьютере должны быть установлены:</a:t>
-            </a:r>
-          </a:p>
-          <a:p>
-            <a:pPr lvl="1">
-              <a:buClr>
-                <a:srgbClr val="666666"/>
-              </a:buClr>
-              <a:buSzPct val="45000"/>
-            </a:pPr>
-            <a:r>
-              <a:rPr lang="ru-RU" dirty="0">
-                <a:solidFill>
-                  <a:srgbClr val="000000"/>
-                </a:solidFill>
-                <a:ea typeface="DejaVu Sans" pitchFamily="2"/>
-                <a:cs typeface="DejaVu Sans" pitchFamily="2"/>
-              </a:rPr>
-              <a:t>Docker</a:t>
-            </a:r>
-          </a:p>
-          <a:p>
-            <a:pPr lvl="1">
-              <a:buClr>
-                <a:srgbClr val="666666"/>
-              </a:buClr>
-              <a:buSzPct val="45000"/>
-            </a:pPr>
-            <a:r>
-              <a:rPr lang="ru-RU" dirty="0">
-                <a:solidFill>
-                  <a:srgbClr val="000000"/>
-                </a:solidFill>
-                <a:ea typeface="DejaVu Sans" pitchFamily="2"/>
-                <a:cs typeface="DejaVu Sans" pitchFamily="2"/>
-              </a:rPr>
-              <a:t>docker-compose</a:t>
-            </a:r>
-          </a:p>
-          <a:p>
-            <a:pPr lvl="1">
-              <a:buClr>
-                <a:srgbClr val="666666"/>
-              </a:buClr>
-              <a:buSzPct val="45000"/>
-            </a:pPr>
-            <a:r>
-              <a:rPr lang="ru-RU" dirty="0">
-                <a:solidFill>
-                  <a:srgbClr val="000000"/>
-                </a:solidFill>
-                <a:ea typeface="DejaVu Sans" pitchFamily="2"/>
-                <a:cs typeface="DejaVu Sans" pitchFamily="2"/>
-              </a:rPr>
-              <a:t>клиент для работы с БД (</a:t>
-            </a:r>
-            <a:r>
-              <a:rPr lang="ru-RU" sz="1400" dirty="0">
-                <a:solidFill>
-                  <a:srgbClr val="000000"/>
-                </a:solidFill>
-                <a:ea typeface="DejaVu Sans" pitchFamily="2"/>
-                <a:cs typeface="DejaVu Sans" pitchFamily="2"/>
-              </a:rPr>
-              <a:t>например dbeaver</a:t>
-            </a:r>
-            <a:r>
-              <a:rPr lang="ru-RU" dirty="0">
-                <a:solidFill>
-                  <a:srgbClr val="000000"/>
-                </a:solidFill>
-                <a:ea typeface="DejaVu Sans" pitchFamily="2"/>
-                <a:cs typeface="DejaVu Sans" pitchFamily="2"/>
-              </a:rPr>
-              <a:t>)</a:t>
-            </a:r>
-          </a:p>
           <a:p>
             <a:pPr lvl="0">
               <a:buClr>
@@ -8411,18 +8344,67 @@
                 <a:ea typeface="DejaVu Sans" pitchFamily="2"/>
                 <a:cs typeface="DejaVu Sans" pitchFamily="2"/>
               </a:rPr>
-              <a:t>Необходимо скачать git репозиторий: </a:t>
-            </a:r>
-            <a:r>
-              <a:rPr lang="af-ZA" dirty="0">
+              <a:t>Тема воркшопа и ее важность</a:t>
+            </a:r>
+          </a:p>
+          <a:p>
+            <a:pPr lvl="0">
+              <a:buClr>
+                <a:srgbClr val="666666"/>
+              </a:buClr>
+              <a:buSzPct val="45000"/>
+              <a:buFont typeface="StarSymbol"/>
+              <a:buChar char="●"/>
+            </a:pPr>
+            <a:r>
+              <a:rPr lang="ru-RU" dirty="0">
                 <a:solidFill>
                   <a:srgbClr val="000000"/>
                 </a:solidFill>
                 <a:ea typeface="DejaVu Sans" pitchFamily="2"/>
                 <a:cs typeface="DejaVu Sans" pitchFamily="2"/>
-                <a:hlinkClick r:id="rId2"/>
-              </a:rPr>
-              <a:t>https://github.com/Minastirise/</a:t>
+              </a:rPr>
+              <a:t>Инструменты, используемые для оптимизации</a:t>
+            </a:r>
+          </a:p>
+          <a:p>
+            <a:pPr lvl="0">
+              <a:buClr>
+                <a:srgbClr val="666666"/>
+              </a:buClr>
+              <a:buSzPct val="45000"/>
+              <a:buFont typeface="StarSymbol"/>
+              <a:buChar char="●"/>
+            </a:pPr>
+            <a:r>
+              <a:rPr lang="ru-RU" dirty="0">
+                <a:solidFill>
+                  <a:srgbClr val="000000"/>
+                </a:solidFill>
+                <a:ea typeface="DejaVu Sans" pitchFamily="2"/>
+                <a:cs typeface="DejaVu Sans" pitchFamily="2"/>
+              </a:rPr>
+              <a:t>Блок 1:  Использование индексов</a:t>
+            </a:r>
+          </a:p>
+          <a:p>
+            <a:pPr lvl="0">
+              <a:buClr>
+                <a:srgbClr val="666666"/>
+              </a:buClr>
+              <a:buSzPct val="45000"/>
+              <a:buFont typeface="StarSymbol"/>
+              <a:buChar char="●"/>
+            </a:pPr>
+            <a:r>
+              <a:rPr lang="ru-RU" dirty="0">
+                <a:solidFill>
+                  <a:srgbClr val="000000"/>
+                </a:solidFill>
+                <a:ea typeface="DejaVu Sans" pitchFamily="2"/>
+                <a:cs typeface="DejaVu Sans" pitchFamily="2"/>
+              </a:rPr>
+              <a:t>Блок 2:  </a:t>
             </a:r>
             <a:r>
               <a:rPr lang="ru-RU" dirty="0" err="1">
@@ -8431,9 +8413,8 @@
                 </a:solidFill>
                 <a:ea typeface="DejaVu Sans" pitchFamily="2"/>
                 <a:cs typeface="DejaVu Sans" pitchFamily="2"/>
-                <a:hlinkClick r:id="rId2"/>
-              </a:rPr>
-              <a:t>workshop_sql_optimization</a:t>
+              </a:rPr>
+              <a:t>Партицирование</a:t>
             </a:r>
             <a:endParaRPr lang="en-US" dirty="0">
               <a:solidFill>
@@ -8444,6 +8425,136 @@
             </a:endParaRPr>
           </a:p>
           <a:p>
+            <a:pPr lvl="0">
+              <a:buClr>
+                <a:srgbClr val="666666"/>
+              </a:buClr>
+              <a:buSzPct val="45000"/>
+              <a:buFont typeface="StarSymbol"/>
+              <a:buChar char="●"/>
+            </a:pPr>
+            <a:r>
+              <a:rPr lang="ru-RU" dirty="0">
+                <a:solidFill>
+                  <a:srgbClr val="000000"/>
+                </a:solidFill>
+                <a:ea typeface="DejaVu Sans" pitchFamily="2"/>
+                <a:cs typeface="DejaVu Sans" pitchFamily="2"/>
+              </a:rPr>
+              <a:t>Блок </a:t>
+            </a:r>
+            <a:r>
+              <a:rPr lang="en-US" dirty="0">
+                <a:solidFill>
+                  <a:srgbClr val="000000"/>
+                </a:solidFill>
+                <a:ea typeface="DejaVu Sans" pitchFamily="2"/>
+                <a:cs typeface="DejaVu Sans" pitchFamily="2"/>
+              </a:rPr>
+              <a:t>3</a:t>
+            </a:r>
+            <a:r>
+              <a:rPr lang="ru-RU" dirty="0">
+                <a:solidFill>
+                  <a:srgbClr val="000000"/>
+                </a:solidFill>
+                <a:ea typeface="DejaVu Sans" pitchFamily="2"/>
+                <a:cs typeface="DejaVu Sans" pitchFamily="2"/>
+              </a:rPr>
+              <a:t>:  Виды физических </a:t>
+            </a:r>
+            <a:r>
+              <a:rPr lang="en-US" dirty="0">
+                <a:solidFill>
+                  <a:srgbClr val="000000"/>
+                </a:solidFill>
+                <a:ea typeface="DejaVu Sans" pitchFamily="2"/>
+                <a:cs typeface="DejaVu Sans" pitchFamily="2"/>
+              </a:rPr>
+              <a:t>join</a:t>
+            </a:r>
+            <a:r>
+              <a:rPr lang="ru-RU" dirty="0">
+                <a:solidFill>
+                  <a:srgbClr val="000000"/>
+                </a:solidFill>
+                <a:ea typeface="DejaVu Sans" pitchFamily="2"/>
+                <a:cs typeface="DejaVu Sans" pitchFamily="2"/>
+              </a:rPr>
+              <a:t> и какой выбрать + </a:t>
+            </a:r>
+            <a:r>
+              <a:rPr lang="en-US" dirty="0">
+                <a:solidFill>
+                  <a:srgbClr val="000000"/>
+                </a:solidFill>
+                <a:ea typeface="DejaVu Sans" pitchFamily="2"/>
+                <a:cs typeface="DejaVu Sans" pitchFamily="2"/>
+              </a:rPr>
+              <a:t>u</a:t>
+            </a:r>
+            <a:r>
+              <a:rPr lang="ru-RU" dirty="0" err="1">
+                <a:solidFill>
+                  <a:srgbClr val="000000"/>
+                </a:solidFill>
+                <a:ea typeface="DejaVu Sans" pitchFamily="2"/>
+                <a:cs typeface="DejaVu Sans" pitchFamily="2"/>
+              </a:rPr>
+              <a:t>nion</a:t>
+            </a:r>
+            <a:r>
+              <a:rPr lang="ru-RU" dirty="0">
+                <a:solidFill>
+                  <a:srgbClr val="000000"/>
+                </a:solidFill>
+                <a:ea typeface="DejaVu Sans" pitchFamily="2"/>
+                <a:cs typeface="DejaVu Sans" pitchFamily="2"/>
+              </a:rPr>
+              <a:t> vs union all</a:t>
+            </a:r>
+          </a:p>
+          <a:p>
+            <a:pPr lvl="0">
+              <a:buClr>
+                <a:srgbClr val="666666"/>
+              </a:buClr>
+              <a:buSzPct val="45000"/>
+              <a:buFont typeface="StarSymbol"/>
+              <a:buChar char="●"/>
+            </a:pPr>
+            <a:r>
+              <a:rPr lang="ru-RU" dirty="0">
+                <a:solidFill>
+                  <a:srgbClr val="000000"/>
+                </a:solidFill>
+                <a:ea typeface="DejaVu Sans" pitchFamily="2"/>
+                <a:cs typeface="DejaVu Sans" pitchFamily="2"/>
+              </a:rPr>
+              <a:t>Блок 4:  Вложенные джоины</a:t>
+            </a:r>
+          </a:p>
+          <a:p>
+            <a:pPr lvl="0">
+              <a:buClr>
+                <a:srgbClr val="666666"/>
+              </a:buClr>
+              <a:buSzPct val="45000"/>
+              <a:buFont typeface="StarSymbol"/>
+              <a:buChar char="●"/>
+            </a:pPr>
+            <a:r>
+              <a:rPr lang="ru-RU" dirty="0">
+                <a:solidFill>
+                  <a:srgbClr val="000000"/>
+                </a:solidFill>
+                <a:ea typeface="DejaVu Sans" pitchFamily="2"/>
+                <a:cs typeface="DejaVu Sans" pitchFamily="2"/>
+              </a:rPr>
+              <a:t>Блок 5:  Unlogged таблицы</a:t>
+            </a:r>
+          </a:p>
+          <a:p>
             <a:pPr marL="0" lvl="0" indent="0">
               <a:buClr>
                 <a:srgbClr val="666666"/>
@@ -8460,9 +8571,6 @@
             </a:endParaRPr>
           </a:p>
           <a:p>
-            <a:pPr marL="0" indent="0">
-              <a:buNone/>
-            </a:pPr>
             <a:endParaRPr lang="ru-RU" dirty="0"/>
           </a:p>
         </p:txBody>
@@ -8470,7 +8578,7 @@
     </p:spTree>
     <p:extLst>
       <p:ext uri="{BB962C8B-B14F-4D97-AF65-F5344CB8AC3E}">
-        <p14:creationId xmlns:p14="http://schemas.microsoft.com/office/powerpoint/2010/main" val="1457357615"/>
+        <p14:creationId xmlns:p14="http://schemas.microsoft.com/office/powerpoint/2010/main" val="597229495"/>
       </p:ext>
     </p:extLst>
   </p:cSld>
@@ -8596,7 +8704,7 @@
         </p:spPr>
         <p:txBody>
           <a:bodyPr>
-            <a:normAutofit fontScale="92500" lnSpcReduction="10000"/>
+            <a:normAutofit fontScale="92500" lnSpcReduction="20000"/>
           </a:bodyPr>
           <a:lstStyle/>
           <a:p>
@@ -8789,6 +8897,16 @@
             <a:r>
               <a:rPr lang="ru-RU" sz="1400" dirty="0"/>
               <a:t>Таблица секционируется по определённым модулям и остаткам, которые указываются для каждой секции.</a:t>
+            </a:r>
+            <a:endParaRPr lang="en-US" sz="1400" dirty="0"/>
+          </a:p>
+          <a:p>
+            <a:pPr marL="0" indent="0">
+              <a:buNone/>
+            </a:pPr>
+            <a:r>
+              <a:rPr lang="ru-RU" sz="1400" dirty="0"/>
+              <a:t>Может использоваться например для равномерного распределения данных.</a:t>
             </a:r>
           </a:p>
           <a:p>
@@ -9866,6 +9984,16 @@
               <a:buChar char="●"/>
             </a:pPr>
             <a:r>
+              <a:rPr lang="en-US" dirty="0" err="1">
+                <a:solidFill>
+                  <a:srgbClr val="000000"/>
+                </a:solidFill>
+                <a:ea typeface="DejaVu Sans" pitchFamily="2"/>
+                <a:cs typeface="DejaVu Sans" pitchFamily="2"/>
+              </a:rPr>
+              <a:t>Плюсы</a:t>
+            </a:r>
+            <a:r>
               <a:rPr lang="en-US" dirty="0">
                 <a:solidFill>
                   <a:srgbClr val="000000"/>
@@ -9873,8 +10001,42 @@
                 <a:ea typeface="DejaVu Sans" pitchFamily="2"/>
                 <a:cs typeface="DejaVu Sans" pitchFamily="2"/>
               </a:rPr>
-              <a:t>Truncate vs delete from</a:t>
-            </a:r>
+              <a:t> использования unlogged таблицы</a:t>
+            </a:r>
+            <a:endParaRPr lang="ru-RU" dirty="0">
+              <a:solidFill>
+                <a:srgbClr val="000000"/>
+              </a:solidFill>
+              <a:ea typeface="DejaVu Sans" pitchFamily="2"/>
+              <a:cs typeface="DejaVu Sans" pitchFamily="2"/>
+            </a:endParaRPr>
+          </a:p>
+          <a:p>
+            <a:pPr lvl="1">
+              <a:buClr>
+                <a:srgbClr val="666666"/>
+              </a:buClr>
+              <a:buSzPct val="45000"/>
+              <a:buFont typeface="StarSymbol"/>
+              <a:buChar char="●"/>
+            </a:pPr>
+            <a:r>
+              <a:rPr lang="ru-RU" dirty="0">
+                <a:solidFill>
+                  <a:srgbClr val="000000"/>
+                </a:solidFill>
+                <a:ea typeface="DejaVu Sans" pitchFamily="2"/>
+                <a:cs typeface="DejaVu Sans" pitchFamily="2"/>
+              </a:rPr>
+              <a:t>Ускорение в 1,5-2 раза</a:t>
+            </a:r>
+            <a:endParaRPr lang="en-US" dirty="0">
+              <a:solidFill>
+                <a:srgbClr val="000000"/>
+              </a:solidFill>
+              <a:ea typeface="DejaVu Sans" pitchFamily="2"/>
+              <a:cs typeface="DejaVu Sans" pitchFamily="2"/>
+            </a:endParaRPr>
           </a:p>
           <a:p>
             <a:pPr lvl="0">
@@ -9893,7 +10055,7 @@
                 <a:ea typeface="DejaVu Sans" pitchFamily="2"/>
                 <a:cs typeface="DejaVu Sans" pitchFamily="2"/>
               </a:rPr>
-              <a:t>Плюсы использования unlogged таблицы</a:t>
+              <a:t>Минусы использования unlogged таблицы</a:t>
             </a:r>
             <a:endParaRPr lang="ru-RU" dirty="0">
               <a:solidFill>
@@ -9920,7 +10082,67 @@
                 <a:ea typeface="DejaVu Sans" pitchFamily="2"/>
                 <a:cs typeface="DejaVu Sans" pitchFamily="2"/>
               </a:rPr>
-              <a:t>Ускорение в 1,5-2 раза</a:t>
+              <a:t>В случае невыполнения операции нельзя будет восстановить информацию</a:t>
+            </a:r>
+          </a:p>
+          <a:p>
+            <a:pPr lvl="1">
+              <a:buClr>
+                <a:srgbClr val="666666"/>
+              </a:buClr>
+              <a:buSzPct val="45000"/>
+              <a:buFont typeface="StarSymbol"/>
+              <a:buChar char="●"/>
+            </a:pPr>
+            <a:r>
+              <a:rPr lang="ru-RU" dirty="0">
+                <a:solidFill>
+                  <a:srgbClr val="000000"/>
+                </a:solidFill>
+                <a:ea typeface="DejaVu Sans" pitchFamily="2"/>
+                <a:cs typeface="DejaVu Sans" pitchFamily="2"/>
+              </a:rPr>
+              <a:t>В </a:t>
+            </a:r>
+            <a:r>
+              <a:rPr lang="en-US" dirty="0">
+                <a:solidFill>
+                  <a:srgbClr val="000000"/>
+                </a:solidFill>
+                <a:ea typeface="DejaVu Sans" pitchFamily="2"/>
+                <a:cs typeface="DejaVu Sans" pitchFamily="2"/>
+              </a:rPr>
+              <a:t>Greenplum</a:t>
+            </a:r>
+            <a:r>
+              <a:rPr lang="ru-RU" dirty="0">
+                <a:solidFill>
+                  <a:srgbClr val="000000"/>
+                </a:solidFill>
+                <a:ea typeface="DejaVu Sans" pitchFamily="2"/>
+                <a:cs typeface="DejaVu Sans" pitchFamily="2"/>
+              </a:rPr>
+              <a:t> сейчас эта опция недоступна (заведено критическое </a:t>
+            </a:r>
+            <a:r>
+              <a:rPr lang="en-US" dirty="0">
+                <a:solidFill>
+                  <a:srgbClr val="000000"/>
+                </a:solidFill>
+                <a:ea typeface="DejaVu Sans" pitchFamily="2"/>
+                <a:cs typeface="DejaVu Sans" pitchFamily="2"/>
+              </a:rPr>
+              <a:t>issue</a:t>
+            </a:r>
+            <a:r>
+              <a:rPr lang="ru-RU" dirty="0">
+                <a:solidFill>
+                  <a:srgbClr val="000000"/>
+                </a:solidFill>
+                <a:ea typeface="DejaVu Sans" pitchFamily="2"/>
+                <a:cs typeface="DejaVu Sans" pitchFamily="2"/>
+              </a:rPr>
+              <a:t>, такие таблицы ломаются)</a:t>
             </a:r>
             <a:endParaRPr lang="en-US" dirty="0">
               <a:solidFill>
@@ -9931,140 +10153,9 @@
             </a:endParaRPr>
           </a:p>
           <a:p>
-            <a:pPr lvl="0">
-              <a:buClr>
-                <a:srgbClr val="666666"/>
-              </a:buClr>
-              <a:buSzPct val="45000"/>
-              <a:buFont typeface="StarSymbol"/>
-              <a:buChar char="●"/>
-            </a:pPr>
-            <a:r>
-              <a:rPr lang="en-US" dirty="0">
-                <a:solidFill>
-                  <a:srgbClr val="000000"/>
-                </a:solidFill>
-                <a:ea typeface="DejaVu Sans" pitchFamily="2"/>
-                <a:cs typeface="DejaVu Sans" pitchFamily="2"/>
-              </a:rPr>
-              <a:t>Минусы использования unlogged таблицы</a:t>
-            </a:r>
-            <a:endParaRPr lang="ru-RU" dirty="0">
-              <a:solidFill>
-                <a:srgbClr val="000000"/>
-              </a:solidFill>
-              <a:ea typeface="DejaVu Sans" pitchFamily="2"/>
-              <a:cs typeface="DejaVu Sans" pitchFamily="2"/>
-            </a:endParaRPr>
-          </a:p>
-          <a:p>
-            <a:pPr lvl="1">
-              <a:buClr>
-                <a:srgbClr val="666666"/>
-              </a:buClr>
-              <a:buSzPct val="45000"/>
-              <a:buFont typeface="StarSymbol"/>
-              <a:buChar char="●"/>
-            </a:pPr>
-            <a:r>
-              <a:rPr lang="ru-RU" dirty="0">
-                <a:solidFill>
-                  <a:srgbClr val="000000"/>
-                </a:solidFill>
-                <a:ea typeface="DejaVu Sans" pitchFamily="2"/>
-                <a:cs typeface="DejaVu Sans" pitchFamily="2"/>
-              </a:rPr>
-              <a:t>В случае невыполнения операции нельзя будет восстановить информацию</a:t>
-            </a:r>
-          </a:p>
-          <a:p>
-            <a:pPr lvl="1">
-              <a:buClr>
-                <a:srgbClr val="666666"/>
-              </a:buClr>
-              <a:buSzPct val="45000"/>
-              <a:buFont typeface="StarSymbol"/>
-              <a:buChar char="●"/>
-            </a:pPr>
-            <a:r>
-              <a:rPr lang="ru-RU" dirty="0">
-                <a:solidFill>
-                  <a:srgbClr val="000000"/>
-                </a:solidFill>
-                <a:ea typeface="DejaVu Sans" pitchFamily="2"/>
-                <a:cs typeface="DejaVu Sans" pitchFamily="2"/>
-              </a:rPr>
-              <a:t>В </a:t>
-            </a:r>
-            <a:r>
-              <a:rPr lang="en-US" dirty="0">
-                <a:solidFill>
-                  <a:srgbClr val="000000"/>
-                </a:solidFill>
-                <a:ea typeface="DejaVu Sans" pitchFamily="2"/>
-                <a:cs typeface="DejaVu Sans" pitchFamily="2"/>
-              </a:rPr>
-              <a:t>Greenplum</a:t>
-            </a:r>
-            <a:r>
-              <a:rPr lang="ru-RU" dirty="0">
-                <a:solidFill>
-                  <a:srgbClr val="000000"/>
-                </a:solidFill>
-                <a:ea typeface="DejaVu Sans" pitchFamily="2"/>
-                <a:cs typeface="DejaVu Sans" pitchFamily="2"/>
-              </a:rPr>
-              <a:t> сейчас эта опция недоступна (заведено критическое </a:t>
-            </a:r>
-            <a:r>
-              <a:rPr lang="en-US" dirty="0">
-                <a:solidFill>
-                  <a:srgbClr val="000000"/>
-                </a:solidFill>
-                <a:ea typeface="DejaVu Sans" pitchFamily="2"/>
-                <a:cs typeface="DejaVu Sans" pitchFamily="2"/>
-              </a:rPr>
-              <a:t>issue</a:t>
-            </a:r>
-            <a:r>
-              <a:rPr lang="ru-RU" dirty="0">
-                <a:solidFill>
-                  <a:srgbClr val="000000"/>
-                </a:solidFill>
-                <a:ea typeface="DejaVu Sans" pitchFamily="2"/>
-                <a:cs typeface="DejaVu Sans" pitchFamily="2"/>
-              </a:rPr>
-              <a:t>, такие таблицы ломаются)</a:t>
-            </a:r>
-            <a:endParaRPr lang="en-US" dirty="0">
-              <a:solidFill>
-                <a:srgbClr val="000000"/>
-              </a:solidFill>
-              <a:ea typeface="DejaVu Sans" pitchFamily="2"/>
-              <a:cs typeface="DejaVu Sans" pitchFamily="2"/>
-            </a:endParaRPr>
-          </a:p>
-          <a:p>
-            <a:pPr lvl="0">
-              <a:buClr>
-                <a:srgbClr val="666666"/>
-              </a:buClr>
-              <a:buSzPct val="45000"/>
-              <a:buFont typeface="StarSymbol"/>
-              <a:buChar char="●"/>
-            </a:pPr>
-            <a:r>
-              <a:rPr lang="en-US" dirty="0">
-                <a:solidFill>
-                  <a:srgbClr val="000000"/>
-                </a:solidFill>
-                <a:ea typeface="DejaVu Sans" pitchFamily="2"/>
-                <a:cs typeface="DejaVu Sans" pitchFamily="2"/>
-              </a:rPr>
-              <a:t>Какие еще есть варианты</a:t>
-            </a:r>
-          </a:p>
-          <a:p>
+            <a:pPr marL="0" indent="0">
+              <a:buNone/>
+            </a:pPr>
             <a:endParaRPr lang="ru-RU" dirty="0"/>
           </a:p>
         </p:txBody>
@@ -10245,7 +10336,7 @@
           <p:cNvPr id="2" name="Title 1">
             <a:extLst>
               <a:ext uri="{FF2B5EF4-FFF2-40B4-BE49-F238E27FC236}">
-                <a16:creationId xmlns:a16="http://schemas.microsoft.com/office/drawing/2014/main" id="{BE1292CA-4CE6-4039-946A-FBB997CAE971}"/>
+                <a16:creationId xmlns:a16="http://schemas.microsoft.com/office/drawing/2014/main" id="{B2BB2CBB-F232-46A8-847B-44FB06F53B68}"/>
               </a:ext>
             </a:extLst>
           </p:cNvPr>
@@ -10256,12 +10347,7 @@
             <p:ph type="title"/>
           </p:nvPr>
         </p:nvSpPr>
-        <p:spPr>
-          <a:xfrm>
-            <a:off x="859783" y="2399929"/>
-            <a:ext cx="10058400" cy="1609344"/>
-          </a:xfrm>
-        </p:spPr>
+        <p:spPr/>
         <p:txBody>
           <a:bodyPr>
             <a:normAutofit/>
@@ -10269,20 +10355,162 @@
           <a:lstStyle/>
           <a:p>
             <a:r>
+              <a:rPr lang="en-US" dirty="0">
+                <a:ea typeface="DejaVu Sans" pitchFamily="2"/>
+                <a:cs typeface="DejaVu Sans" pitchFamily="2"/>
+              </a:rPr>
+              <a:t>Оптимизация SQL</a:t>
+            </a:r>
+            <a:br>
+              <a:rPr lang="en-US" dirty="0">
+                <a:ea typeface="DejaVu Sans" pitchFamily="2"/>
+                <a:cs typeface="DejaVu Sans" pitchFamily="2"/>
+              </a:rPr>
+            </a:br>
+            <a:r>
+              <a:rPr lang="en-US" sz="1600" dirty="0">
+                <a:ea typeface="DejaVu Sans" pitchFamily="2"/>
+                <a:cs typeface="DejaVu Sans" pitchFamily="2"/>
+              </a:rPr>
+              <a:t>Инструменты, используемые </a:t>
+            </a:r>
+            <a:r>
+              <a:rPr lang="en-US" sz="1600" dirty="0" err="1">
+                <a:ea typeface="DejaVu Sans" pitchFamily="2"/>
+                <a:cs typeface="DejaVu Sans" pitchFamily="2"/>
+              </a:rPr>
+              <a:t>для</a:t>
+            </a:r>
+            <a:r>
+              <a:rPr lang="en-US" sz="1600" dirty="0">
+                <a:ea typeface="DejaVu Sans" pitchFamily="2"/>
+                <a:cs typeface="DejaVu Sans" pitchFamily="2"/>
+              </a:rPr>
+              <a:t> </a:t>
+            </a:r>
+            <a:r>
+              <a:rPr lang="en-US" sz="1600" dirty="0" err="1">
+                <a:ea typeface="DejaVu Sans" pitchFamily="2"/>
+                <a:cs typeface="DejaVu Sans" pitchFamily="2"/>
+              </a:rPr>
+              <a:t>оптимизации</a:t>
+            </a:r>
+            <a:r>
+              <a:rPr lang="en-US" sz="1600" dirty="0">
+                <a:ea typeface="DejaVu Sans" pitchFamily="2"/>
+                <a:cs typeface="DejaVu Sans" pitchFamily="2"/>
+              </a:rPr>
+              <a:t> - </a:t>
+            </a:r>
+            <a:r>
+              <a:rPr lang="ru-RU" sz="1600" dirty="0">
+                <a:ea typeface="DejaVu Sans" pitchFamily="2"/>
+                <a:cs typeface="DejaVu Sans" pitchFamily="2"/>
+              </a:rPr>
+              <a:t>метрики</a:t>
+            </a:r>
+            <a:endParaRPr lang="ru-RU" dirty="0"/>
+          </a:p>
+        </p:txBody>
+      </p:sp>
+      <p:sp>
+        <p:nvSpPr>
+          <p:cNvPr id="3" name="Content Placeholder 2">
+            <a:extLst>
+              <a:ext uri="{FF2B5EF4-FFF2-40B4-BE49-F238E27FC236}">
+                <a16:creationId xmlns:a16="http://schemas.microsoft.com/office/drawing/2014/main" id="{2ED92D86-BF6C-48EF-B15D-D8CC13D95568}"/>
+              </a:ext>
+            </a:extLst>
+          </p:cNvPr>
+          <p:cNvSpPr>
+            <a:spLocks noGrp="1"/>
+          </p:cNvSpPr>
+          <p:nvPr>
+            <p:ph idx="1"/>
+          </p:nvPr>
+        </p:nvSpPr>
+        <p:spPr>
+          <a:xfrm>
+            <a:off x="7474712" y="954155"/>
+            <a:ext cx="4717288" cy="4050792"/>
+          </a:xfrm>
+        </p:spPr>
+        <p:txBody>
+          <a:bodyPr/>
+          <a:lstStyle/>
+          <a:p>
+            <a:r>
+              <a:rPr lang="en-US" dirty="0">
+                <a:solidFill>
+                  <a:srgbClr val="000000"/>
+                </a:solidFill>
+                <a:ea typeface="DejaVu Sans" pitchFamily="2"/>
+                <a:cs typeface="DejaVu Sans" pitchFamily="2"/>
+              </a:rPr>
+              <a:t>Пример метрик</a:t>
+            </a:r>
+            <a:r>
               <a:rPr lang="ru-RU" dirty="0">
-                <a:ea typeface="DejaVu Sans" pitchFamily="2"/>
-                <a:cs typeface="DejaVu Sans" pitchFamily="2"/>
-              </a:rPr>
-              <a:t>Подведение итогов</a:t>
-            </a:r>
-            <a:endParaRPr lang="ru-RU" dirty="0"/>
+                <a:solidFill>
+                  <a:srgbClr val="000000"/>
+                </a:solidFill>
+                <a:ea typeface="DejaVu Sans" pitchFamily="2"/>
+                <a:cs typeface="DejaVu Sans" pitchFamily="2"/>
+              </a:rPr>
+              <a:t> (</a:t>
+            </a:r>
+            <a:r>
+              <a:rPr lang="en-US" dirty="0">
+                <a:solidFill>
+                  <a:srgbClr val="000000"/>
+                </a:solidFill>
+                <a:ea typeface="DejaVu Sans" pitchFamily="2"/>
+                <a:cs typeface="DejaVu Sans" pitchFamily="2"/>
+              </a:rPr>
+              <a:t>Teradata ViewPoint)</a:t>
+            </a:r>
           </a:p>
         </p:txBody>
       </p:sp>
+      <p:pic>
+        <p:nvPicPr>
+          <p:cNvPr id="4" name="Picture 3" descr="Teradata Viewpoint 15.00 Release Article | Teradata Downloads">
+            <a:extLst>
+              <a:ext uri="{FF2B5EF4-FFF2-40B4-BE49-F238E27FC236}">
+                <a16:creationId xmlns:a16="http://schemas.microsoft.com/office/drawing/2014/main" id="{ED16FA99-C068-41EA-82F3-C06265A8F32E}"/>
+              </a:ext>
+            </a:extLst>
+          </p:cNvPr>
+          <p:cNvPicPr>
+            <a:picLocks noChangeAspect="1"/>
+          </p:cNvPicPr>
+          <p:nvPr/>
+        </p:nvPicPr>
+        <p:blipFill>
+          <a:blip r:embed="rId2"/>
+          <a:srcRect/>
+          <a:stretch>
+            <a:fillRect/>
+          </a:stretch>
+        </p:blipFill>
+        <p:spPr>
+          <a:xfrm>
+            <a:off x="1063752" y="1766133"/>
+            <a:ext cx="9062720" cy="4959787"/>
+          </a:xfrm>
+          <a:prstGeom prst="rect">
+            <a:avLst/>
+          </a:prstGeom>
+          <a:noFill/>
+          <a:ln cap="flat">
+            <a:noFill/>
+          </a:ln>
+        </p:spPr>
+      </p:pic>
     </p:spTree>
     <p:extLst>
       <p:ext uri="{BB962C8B-B14F-4D97-AF65-F5344CB8AC3E}">
-        <p14:creationId xmlns:p14="http://schemas.microsoft.com/office/powerpoint/2010/main" val="2282427341"/>
+        <p14:creationId xmlns:p14="http://schemas.microsoft.com/office/powerpoint/2010/main" val="253891946"/>
       </p:ext>
     </p:extLst>
   </p:cSld>
@@ -10314,7 +10542,7 @@
           <p:cNvPr id="2" name="Title 1">
             <a:extLst>
               <a:ext uri="{FF2B5EF4-FFF2-40B4-BE49-F238E27FC236}">
-                <a16:creationId xmlns:a16="http://schemas.microsoft.com/office/drawing/2014/main" id="{9BB4425D-EFFE-4C7B-BAB3-696974B86ECB}"/>
+                <a16:creationId xmlns:a16="http://schemas.microsoft.com/office/drawing/2014/main" id="{BB0F5990-A207-4027-B87F-9ACC91EAEC64}"/>
               </a:ext>
             </a:extLst>
           </p:cNvPr>
@@ -10346,11 +10574,11 @@
               </a:rPr>
             </a:br>
             <a:r>
-              <a:rPr lang="ru-RU" sz="2000" dirty="0">
-                <a:ea typeface="DejaVu Sans" pitchFamily="2"/>
-                <a:cs typeface="DejaVu Sans" pitchFamily="2"/>
-              </a:rPr>
-              <a:t>Итоги</a:t>
+              <a:rPr lang="en-US" sz="2000" dirty="0">
+                <a:ea typeface="DejaVu Sans" pitchFamily="2"/>
+                <a:cs typeface="DejaVu Sans" pitchFamily="2"/>
+              </a:rPr>
+              <a:t>Инструменты, используемые для оптимизации</a:t>
             </a:r>
             <a:endParaRPr lang="ru-RU" dirty="0"/>
           </a:p>
@@ -10361,7 +10589,7 @@
           <p:cNvPr id="3" name="Content Placeholder 2">
             <a:extLst>
               <a:ext uri="{FF2B5EF4-FFF2-40B4-BE49-F238E27FC236}">
-                <a16:creationId xmlns:a16="http://schemas.microsoft.com/office/drawing/2014/main" id="{B0E0C843-357D-4ABC-9BF5-821708867C3C}"/>
+                <a16:creationId xmlns:a16="http://schemas.microsoft.com/office/drawing/2014/main" id="{9271E39F-6D70-44FB-A16E-22DD53477CEC}"/>
               </a:ext>
             </a:extLst>
           </p:cNvPr>
@@ -10374,191 +10602,145 @@
         </p:nvSpPr>
         <p:spPr>
           <a:xfrm>
-            <a:off x="1069848" y="1930873"/>
-            <a:ext cx="10817352" cy="4780398"/>
+            <a:off x="8303767" y="841248"/>
+            <a:ext cx="3786631" cy="4050792"/>
           </a:xfrm>
         </p:spPr>
         <p:txBody>
-          <a:bodyPr>
-            <a:normAutofit/>
-          </a:bodyPr>
+          <a:bodyPr/>
           <a:lstStyle/>
           <a:p>
-            <a:pPr marL="457200" indent="-457200">
-              <a:buFont typeface="+mj-lt"/>
-              <a:buAutoNum type="arabicPeriod"/>
-            </a:pPr>
-            <a:r>
-              <a:rPr lang="ru-RU" dirty="0"/>
-              <a:t>Старт оптимизации – построение плана выполнения запроса - </a:t>
-            </a:r>
-            <a:r>
-              <a:rPr lang="af-ZA" b="1" dirty="0"/>
-              <a:t>explain (analyze)</a:t>
-            </a:r>
-            <a:endParaRPr lang="ru-RU" b="1" dirty="0"/>
-          </a:p>
-          <a:p>
-            <a:pPr marL="457200" indent="-457200">
-              <a:buFont typeface="+mj-lt"/>
-              <a:buAutoNum type="arabicPeriod"/>
-            </a:pPr>
-            <a:r>
-              <a:rPr lang="ru-RU" dirty="0"/>
-              <a:t>Оптимальность запроса может зависеть от общей нагрузки на сервер – проверяем общие метрики</a:t>
-            </a:r>
-          </a:p>
-          <a:p>
-            <a:pPr marL="457200" indent="-457200">
-              <a:buFont typeface="+mj-lt"/>
-              <a:buAutoNum type="arabicPeriod"/>
-            </a:pPr>
-            <a:r>
-              <a:rPr lang="ru-RU" dirty="0"/>
-              <a:t>Индексы – это хорошо, если в меру</a:t>
-            </a:r>
-            <a:endParaRPr lang="en-US" dirty="0"/>
-          </a:p>
-          <a:p>
-            <a:pPr marL="457200" indent="-457200">
-              <a:buFont typeface="+mj-lt"/>
-              <a:buAutoNum type="arabicPeriod"/>
-            </a:pPr>
-            <a:r>
-              <a:rPr lang="ru-RU" dirty="0" err="1"/>
-              <a:t>Партиции</a:t>
-            </a:r>
-            <a:r>
-              <a:rPr lang="ru-RU" dirty="0"/>
-              <a:t> – помощь для индексов для очень больших таблиц</a:t>
-            </a:r>
-          </a:p>
-          <a:p>
-            <a:pPr marL="457200" indent="-457200">
-              <a:buFont typeface="+mj-lt"/>
-              <a:buAutoNum type="arabicPeriod"/>
-            </a:pPr>
-            <a:r>
-              <a:rPr lang="ru-RU" dirty="0"/>
-              <a:t>Проверяем вид </a:t>
-            </a:r>
-            <a:r>
-              <a:rPr lang="en-US" dirty="0"/>
-              <a:t>join</a:t>
-            </a:r>
-            <a:r>
-              <a:rPr lang="ru-RU" dirty="0"/>
-              <a:t> - нет </a:t>
-            </a:r>
-            <a:r>
-              <a:rPr lang="ru-RU" dirty="0" err="1"/>
-              <a:t>nested</a:t>
-            </a:r>
-            <a:r>
-              <a:rPr lang="ru-RU" dirty="0"/>
+            <a:r>
+              <a:rPr lang="en-US" dirty="0" err="1">
+                <a:solidFill>
+                  <a:srgbClr val="000000"/>
+                </a:solidFill>
+                <a:ea typeface="DejaVu Sans" pitchFamily="2"/>
+                <a:cs typeface="DejaVu Sans" pitchFamily="2"/>
+              </a:rPr>
+              <a:t>Пример</a:t>
+            </a:r>
+            <a:r>
+              <a:rPr lang="en-US" dirty="0">
+                <a:solidFill>
+                  <a:srgbClr val="000000"/>
+                </a:solidFill>
+                <a:ea typeface="DejaVu Sans" pitchFamily="2"/>
+                <a:cs typeface="DejaVu Sans" pitchFamily="2"/>
+              </a:rPr>
               <a:t> </a:t>
             </a:r>
             <a:r>
-              <a:rPr lang="ru-RU" dirty="0" err="1"/>
-              <a:t>loop-ам</a:t>
-            </a:r>
-            <a:r>
-              <a:rPr lang="ru-RU" dirty="0"/>
-              <a:t> (кроме крайней необходимости)!</a:t>
-            </a:r>
-            <a:endParaRPr lang="en-US" dirty="0"/>
-          </a:p>
-          <a:p>
-            <a:pPr marL="457200" indent="-457200">
-              <a:buFont typeface="+mj-lt"/>
-              <a:buAutoNum type="arabicPeriod"/>
-            </a:pPr>
-            <a:r>
-              <a:rPr lang="en-US" dirty="0"/>
-              <a:t>Union all</a:t>
-            </a:r>
-            <a:r>
-              <a:rPr lang="ru-RU" dirty="0"/>
-              <a:t> вместо </a:t>
-            </a:r>
-            <a:r>
-              <a:rPr lang="en-US" dirty="0"/>
-              <a:t>Union</a:t>
-            </a:r>
-          </a:p>
-          <a:p>
-            <a:pPr marL="457200" indent="-457200">
-              <a:buFont typeface="+mj-lt"/>
-              <a:buAutoNum type="arabicPeriod"/>
-            </a:pPr>
-            <a:r>
-              <a:rPr lang="ru-RU" dirty="0"/>
-              <a:t>В запросе много </a:t>
-            </a:r>
-            <a:r>
-              <a:rPr lang="en-US" dirty="0"/>
-              <a:t>join (&gt;10) –</a:t>
-            </a:r>
-            <a:r>
-              <a:rPr lang="ru-RU" dirty="0"/>
-              <a:t> приземляем промежуточный результат</a:t>
-            </a:r>
-          </a:p>
-          <a:p>
-            <a:pPr marL="457200" indent="-457200">
-              <a:buFont typeface="+mj-lt"/>
-              <a:buAutoNum type="arabicPeriod"/>
-            </a:pPr>
-            <a:r>
-              <a:rPr lang="ru-RU" dirty="0"/>
-              <a:t>Для промежуточных таблиц можно использовать </a:t>
-            </a:r>
-            <a:r>
-              <a:rPr lang="en-US" dirty="0"/>
-              <a:t>Unlogged</a:t>
-            </a:r>
-            <a:endParaRPr lang="ru-RU" dirty="0"/>
-          </a:p>
-          <a:p>
-            <a:pPr marL="457200" indent="-457200">
-              <a:buFont typeface="+mj-lt"/>
-              <a:buAutoNum type="arabicPeriod"/>
-            </a:pPr>
-            <a:r>
-              <a:rPr lang="ru-RU" dirty="0"/>
-              <a:t>Изучаем особенности оптимизации в рамках той СУБД, с которой работаем</a:t>
-            </a:r>
-          </a:p>
-          <a:p>
-            <a:pPr marL="617220" lvl="1" indent="-342900">
-              <a:buFont typeface="+mj-lt"/>
-              <a:buAutoNum type="arabicPeriod"/>
-            </a:pPr>
-            <a:r>
-              <a:rPr lang="ru-RU" dirty="0"/>
-              <a:t>Teradata - нет необходимости удалять индекс при массовом изменении данных</a:t>
-            </a:r>
-          </a:p>
-          <a:p>
-            <a:pPr marL="617220" lvl="1" indent="-342900">
-              <a:buFont typeface="+mj-lt"/>
-              <a:buAutoNum type="arabicPeriod"/>
-            </a:pPr>
-            <a:r>
-              <a:rPr lang="en-US" dirty="0"/>
-              <a:t>Oracle - </a:t>
-            </a:r>
-            <a:r>
-              <a:rPr lang="ru-RU" dirty="0"/>
-              <a:t>множество хинтов для помощи оптимизатору</a:t>
-            </a:r>
+              <a:rPr lang="en-US" dirty="0" err="1">
+                <a:solidFill>
+                  <a:srgbClr val="000000"/>
+                </a:solidFill>
+                <a:ea typeface="DejaVu Sans" pitchFamily="2"/>
+                <a:cs typeface="DejaVu Sans" pitchFamily="2"/>
+              </a:rPr>
+              <a:t>метрик</a:t>
+            </a:r>
+            <a:r>
+              <a:rPr lang="ru-RU" dirty="0">
+                <a:solidFill>
+                  <a:srgbClr val="000000"/>
+                </a:solidFill>
+                <a:ea typeface="DejaVu Sans" pitchFamily="2"/>
+                <a:cs typeface="DejaVu Sans" pitchFamily="2"/>
+              </a:rPr>
+              <a:t> (</a:t>
+            </a:r>
+            <a:r>
+              <a:rPr lang="en-US" dirty="0">
+                <a:solidFill>
+                  <a:srgbClr val="000000"/>
+                </a:solidFill>
+                <a:ea typeface="DejaVu Sans" pitchFamily="2"/>
+                <a:cs typeface="DejaVu Sans" pitchFamily="2"/>
+              </a:rPr>
+              <a:t>Grafana)</a:t>
+            </a:r>
+            <a:endParaRPr lang="ru-RU" dirty="0">
+              <a:solidFill>
+                <a:srgbClr val="000000"/>
+              </a:solidFill>
+              <a:ea typeface="DejaVu Sans" pitchFamily="2"/>
+              <a:cs typeface="DejaVu Sans" pitchFamily="2"/>
+            </a:endParaRPr>
+          </a:p>
+          <a:p>
+            <a:r>
+              <a:rPr lang="en-US" dirty="0">
+                <a:solidFill>
+                  <a:srgbClr val="000000"/>
+                </a:solidFill>
+                <a:ea typeface="DejaVu Sans" pitchFamily="2"/>
+                <a:cs typeface="DejaVu Sans" pitchFamily="2"/>
+              </a:rPr>
+              <a:t>Select * from </a:t>
+            </a:r>
+            <a:r>
+              <a:rPr lang="en-US" dirty="0" err="1">
+                <a:solidFill>
+                  <a:srgbClr val="000000"/>
+                </a:solidFill>
+                <a:ea typeface="DejaVu Sans" pitchFamily="2"/>
+                <a:cs typeface="DejaVu Sans" pitchFamily="2"/>
+              </a:rPr>
+              <a:t>pg_stat_activity</a:t>
+            </a:r>
+            <a:endParaRPr lang="ru-RU" dirty="0">
+              <a:solidFill>
+                <a:srgbClr val="000000"/>
+              </a:solidFill>
+              <a:ea typeface="DejaVu Sans" pitchFamily="2"/>
+              <a:cs typeface="DejaVu Sans" pitchFamily="2"/>
+            </a:endParaRPr>
           </a:p>
         </p:txBody>
       </p:sp>
+      <p:pic>
+        <p:nvPicPr>
+          <p:cNvPr id="4" name="Picture 3">
+            <a:extLst>
+              <a:ext uri="{FF2B5EF4-FFF2-40B4-BE49-F238E27FC236}">
+                <a16:creationId xmlns:a16="http://schemas.microsoft.com/office/drawing/2014/main" id="{0ACB0840-CB3B-432C-B02D-8517C33384A6}"/>
+              </a:ext>
+            </a:extLst>
+          </p:cNvPr>
+          <p:cNvPicPr>
+            <a:picLocks noChangeAspect="1"/>
+          </p:cNvPicPr>
+          <p:nvPr/>
+        </p:nvPicPr>
+        <p:blipFill>
+          <a:blip r:embed="rId2">
+            <a:lum/>
+            <a:alphaModFix/>
+          </a:blip>
+          <a:srcRect/>
+          <a:stretch>
+            <a:fillRect/>
+          </a:stretch>
+        </p:blipFill>
+        <p:spPr>
+          <a:xfrm>
+            <a:off x="1157194" y="1857248"/>
+            <a:ext cx="10191525" cy="4919472"/>
+          </a:xfrm>
+          <a:prstGeom prst="rect">
+            <a:avLst/>
+          </a:prstGeom>
+          <a:noFill/>
+          <a:ln cap="flat">
+            <a:noFill/>
+          </a:ln>
+        </p:spPr>
+      </p:pic>
     </p:spTree>
     <p:extLst>
       <p:ext uri="{BB962C8B-B14F-4D97-AF65-F5344CB8AC3E}">
-        <p14:creationId xmlns:p14="http://schemas.microsoft.com/office/powerpoint/2010/main" val="1967959849"/>
+        <p14:creationId xmlns:p14="http://schemas.microsoft.com/office/powerpoint/2010/main" val="32909193"/>
       </p:ext>
     </p:extLst>
   </p:cSld>
@@ -10601,30 +10783,24 @@
             <p:ph type="title"/>
           </p:nvPr>
         </p:nvSpPr>
-        <p:spPr/>
+        <p:spPr>
+          <a:xfrm>
+            <a:off x="1069848" y="484632"/>
+            <a:ext cx="10058400" cy="1025191"/>
+          </a:xfrm>
+        </p:spPr>
         <p:txBody>
-          <a:bodyPr/>
+          <a:bodyPr>
+            <a:normAutofit/>
+          </a:bodyPr>
           <a:lstStyle/>
           <a:p>
             <a:r>
-              <a:rPr lang="ru-RU" dirty="0">
-                <a:ea typeface="DejaVu Sans" pitchFamily="2"/>
-                <a:cs typeface="DejaVu Sans" pitchFamily="2"/>
-              </a:rPr>
-              <a:t>Оптимизация SQL</a:t>
-            </a:r>
-            <a:br>
-              <a:rPr lang="ru-RU" dirty="0">
-                <a:ea typeface="DejaVu Sans" pitchFamily="2"/>
-                <a:cs typeface="DejaVu Sans" pitchFamily="2"/>
-              </a:rPr>
-            </a:br>
-            <a:r>
-              <a:rPr lang="ru-RU" sz="2400" dirty="0">
-                <a:ea typeface="DejaVu Sans" pitchFamily="2"/>
-                <a:cs typeface="DejaVu Sans" pitchFamily="2"/>
-              </a:rPr>
-              <a:t>План</a:t>
+              <a:rPr lang="en-US" sz="3200" dirty="0">
+                <a:ea typeface="DejaVu Sans" pitchFamily="2"/>
+                <a:cs typeface="DejaVu Sans" pitchFamily="2"/>
+              </a:rPr>
+              <a:t>Before we start…</a:t>
             </a:r>
             <a:endParaRPr lang="ru-RU" dirty="0"/>
           </a:p>
@@ -10648,8 +10824,8 @@
         </p:nvSpPr>
         <p:spPr>
           <a:xfrm>
-            <a:off x="1451579" y="2015732"/>
-            <a:ext cx="9603275" cy="4125186"/>
+            <a:off x="1345253" y="1637212"/>
+            <a:ext cx="9603275" cy="906095"/>
           </a:xfrm>
         </p:spPr>
         <p:txBody>
@@ -10658,13 +10834,11 @@
           </a:bodyPr>
           <a:lstStyle/>
           <a:p>
-            <a:pPr lvl="0">
+            <a:pPr>
               <a:buClr>
                 <a:srgbClr val="666666"/>
               </a:buClr>
               <a:buSzPct val="45000"/>
-              <a:buFont typeface="StarSymbol"/>
-              <a:buChar char="●"/>
             </a:pPr>
             <a:r>
               <a:rPr lang="ru-RU" dirty="0">
@@ -10674,77 +10848,7 @@
                 <a:ea typeface="DejaVu Sans" pitchFamily="2"/>
                 <a:cs typeface="DejaVu Sans" pitchFamily="2"/>
               </a:rPr>
-              <a:t>Тема воркшопа и ее важность</a:t>
-            </a:r>
-          </a:p>
-          <a:p>
-            <a:pPr lvl="0">
-              <a:buClr>
-                <a:srgbClr val="666666"/>
-              </a:buClr>
-              <a:buSzPct val="45000"/>
-              <a:buFont typeface="StarSymbol"/>
-              <a:buChar char="●"/>
-            </a:pPr>
-            <a:r>
-              <a:rPr lang="ru-RU" dirty="0">
-                <a:solidFill>
-                  <a:srgbClr val="000000"/>
-                </a:solidFill>
-                <a:ea typeface="DejaVu Sans" pitchFamily="2"/>
-                <a:cs typeface="DejaVu Sans" pitchFamily="2"/>
-              </a:rPr>
-              <a:t>Инструменты, используемые для оптимизации</a:t>
-            </a:r>
-          </a:p>
-          <a:p>
-            <a:pPr lvl="0">
-              <a:buClr>
-                <a:srgbClr val="666666"/>
-              </a:buClr>
-              <a:buSzPct val="45000"/>
-              <a:buFont typeface="StarSymbol"/>
-              <a:buChar char="●"/>
-            </a:pPr>
-            <a:r>
-              <a:rPr lang="ru-RU" dirty="0">
-                <a:solidFill>
-                  <a:srgbClr val="000000"/>
-                </a:solidFill>
-                <a:ea typeface="DejaVu Sans" pitchFamily="2"/>
-                <a:cs typeface="DejaVu Sans" pitchFamily="2"/>
-              </a:rPr>
-              <a:t>Блок 1:  Использование индексов</a:t>
-            </a:r>
-          </a:p>
-          <a:p>
-            <a:pPr lvl="0">
-              <a:buClr>
-                <a:srgbClr val="666666"/>
-              </a:buClr>
-              <a:buSzPct val="45000"/>
-              <a:buFont typeface="StarSymbol"/>
-              <a:buChar char="●"/>
-            </a:pPr>
-            <a:r>
-              <a:rPr lang="ru-RU" dirty="0">
-                <a:solidFill>
-                  <a:srgbClr val="000000"/>
-                </a:solidFill>
-                <a:ea typeface="DejaVu Sans" pitchFamily="2"/>
-                <a:cs typeface="DejaVu Sans" pitchFamily="2"/>
-              </a:rPr>
-              <a:t>Блок 2: </a:t>
-            </a:r>
-            <a:r>
-              <a:rPr lang="ru-RU" dirty="0" err="1">
-                <a:solidFill>
-                  <a:srgbClr val="000000"/>
-                </a:solidFill>
-                <a:ea typeface="DejaVu Sans" pitchFamily="2"/>
-                <a:cs typeface="DejaVu Sans" pitchFamily="2"/>
-              </a:rPr>
-              <a:t>Партицирование</a:t>
+              <a:t>Давайте отметимся!</a:t>
             </a:r>
             <a:endParaRPr lang="en-US" dirty="0">
               <a:solidFill>
@@ -10755,144 +10859,24 @@
             </a:endParaRPr>
           </a:p>
           <a:p>
-            <a:pPr lvl="0">
+            <a:pPr>
               <a:buClr>
                 <a:srgbClr val="666666"/>
               </a:buClr>
               <a:buSzPct val="45000"/>
-              <a:buFont typeface="StarSymbol"/>
-              <a:buChar char="●"/>
-            </a:pPr>
-            <a:r>
-              <a:rPr lang="ru-RU" dirty="0">
+            </a:pPr>
+            <a:r>
+              <a:rPr lang="en-US" dirty="0">
                 <a:solidFill>
                   <a:srgbClr val="000000"/>
                 </a:solidFill>
                 <a:ea typeface="DejaVu Sans" pitchFamily="2"/>
                 <a:cs typeface="DejaVu Sans" pitchFamily="2"/>
-              </a:rPr>
-              <a:t>Блок </a:t>
-            </a:r>
-            <a:r>
-              <a:rPr lang="en-US" dirty="0">
-                <a:solidFill>
-                  <a:srgbClr val="000000"/>
-                </a:solidFill>
-                <a:ea typeface="DejaVu Sans" pitchFamily="2"/>
-                <a:cs typeface="DejaVu Sans" pitchFamily="2"/>
-              </a:rPr>
-              <a:t>3</a:t>
-            </a:r>
-            <a:r>
-              <a:rPr lang="ru-RU" dirty="0">
-                <a:solidFill>
-                  <a:srgbClr val="000000"/>
-                </a:solidFill>
-                <a:ea typeface="DejaVu Sans" pitchFamily="2"/>
-                <a:cs typeface="DejaVu Sans" pitchFamily="2"/>
-              </a:rPr>
-              <a:t>:  Виды физических </a:t>
-            </a:r>
-            <a:r>
-              <a:rPr lang="en-US" dirty="0">
-                <a:solidFill>
-                  <a:srgbClr val="000000"/>
-                </a:solidFill>
-                <a:ea typeface="DejaVu Sans" pitchFamily="2"/>
-                <a:cs typeface="DejaVu Sans" pitchFamily="2"/>
-              </a:rPr>
-              <a:t>join</a:t>
-            </a:r>
-            <a:r>
-              <a:rPr lang="ru-RU" dirty="0">
-                <a:solidFill>
-                  <a:srgbClr val="000000"/>
-                </a:solidFill>
-                <a:ea typeface="DejaVu Sans" pitchFamily="2"/>
-                <a:cs typeface="DejaVu Sans" pitchFamily="2"/>
-              </a:rPr>
-              <a:t> и какой выбрать + </a:t>
-            </a:r>
-            <a:r>
-              <a:rPr lang="en-US" dirty="0">
-                <a:solidFill>
-                  <a:srgbClr val="000000"/>
-                </a:solidFill>
-                <a:ea typeface="DejaVu Sans" pitchFamily="2"/>
-                <a:cs typeface="DejaVu Sans" pitchFamily="2"/>
-              </a:rPr>
-              <a:t>u</a:t>
-            </a:r>
-            <a:r>
-              <a:rPr lang="ru-RU" dirty="0" err="1">
-                <a:solidFill>
-                  <a:srgbClr val="000000"/>
-                </a:solidFill>
-                <a:ea typeface="DejaVu Sans" pitchFamily="2"/>
-                <a:cs typeface="DejaVu Sans" pitchFamily="2"/>
-              </a:rPr>
-              <a:t>nion</a:t>
-            </a:r>
-            <a:r>
-              <a:rPr lang="ru-RU" dirty="0">
-                <a:solidFill>
-                  <a:srgbClr val="000000"/>
-                </a:solidFill>
-                <a:ea typeface="DejaVu Sans" pitchFamily="2"/>
-                <a:cs typeface="DejaVu Sans" pitchFamily="2"/>
-              </a:rPr>
-              <a:t> vs union all</a:t>
-            </a:r>
-          </a:p>
-          <a:p>
-            <a:pPr lvl="0">
-              <a:buClr>
-                <a:srgbClr val="666666"/>
-              </a:buClr>
-              <a:buSzPct val="45000"/>
-              <a:buFont typeface="StarSymbol"/>
-              <a:buChar char="●"/>
-            </a:pPr>
-            <a:r>
-              <a:rPr lang="ru-RU" dirty="0">
-                <a:solidFill>
-                  <a:srgbClr val="000000"/>
-                </a:solidFill>
-                <a:ea typeface="DejaVu Sans" pitchFamily="2"/>
-                <a:cs typeface="DejaVu Sans" pitchFamily="2"/>
-              </a:rPr>
-              <a:t>Блок 4:  Вложенные джоины</a:t>
-            </a:r>
-          </a:p>
-          <a:p>
-            <a:pPr lvl="0">
-              <a:buClr>
-                <a:srgbClr val="666666"/>
-              </a:buClr>
-              <a:buSzPct val="45000"/>
-              <a:buFont typeface="StarSymbol"/>
-              <a:buChar char="●"/>
-            </a:pPr>
-            <a:r>
-              <a:rPr lang="ru-RU" dirty="0">
-                <a:solidFill>
-                  <a:srgbClr val="000000"/>
-                </a:solidFill>
-                <a:ea typeface="DejaVu Sans" pitchFamily="2"/>
-                <a:cs typeface="DejaVu Sans" pitchFamily="2"/>
-              </a:rPr>
-              <a:t>Блок 5:  Unlogged таблицы</a:t>
-            </a:r>
-          </a:p>
-          <a:p>
-            <a:pPr marL="0" lvl="0" indent="0">
-              <a:buClr>
-                <a:srgbClr val="666666"/>
-              </a:buClr>
-              <a:buSzPct val="45000"/>
-              <a:buNone/>
-            </a:pPr>
-            <a:endParaRPr lang="ru-RU" dirty="0">
+                <a:hlinkClick r:id="rId2"/>
+              </a:rPr>
+              <a:t>https://practicum.yandex.ru/webinar-form/data-engineer/</a:t>
+            </a:r>
+            <a:endParaRPr lang="en-US" dirty="0">
               <a:solidFill>
                 <a:srgbClr val="000000"/>
               </a:solidFill>
@@ -10900,15 +10884,93 @@
               <a:cs typeface="DejaVu Sans" pitchFamily="2"/>
             </a:endParaRPr>
           </a:p>
-          <a:p>
-            <a:endParaRPr lang="ru-RU" dirty="0"/>
-          </a:p>
         </p:txBody>
       </p:sp>
+      <p:sp>
+        <p:nvSpPr>
+          <p:cNvPr id="4" name="AutoShape 2" descr="blob:https://web.telegram.org/b5afce28-70d1-40e3-bb81-2d34751242e9">
+            <a:extLst>
+              <a:ext uri="{FF2B5EF4-FFF2-40B4-BE49-F238E27FC236}">
+                <a16:creationId xmlns:a16="http://schemas.microsoft.com/office/drawing/2014/main" id="{DCF3EFA7-C34E-48E6-8AEC-DF03F28DCFD8}"/>
+              </a:ext>
+            </a:extLst>
+          </p:cNvPr>
+          <p:cNvSpPr>
+            <a:spLocks noChangeAspect="1" noChangeArrowheads="1"/>
+          </p:cNvSpPr>
+          <p:nvPr/>
+        </p:nvSpPr>
+        <p:spPr bwMode="auto">
+          <a:xfrm>
+            <a:off x="5943600" y="3276600"/>
+            <a:ext cx="304800" cy="304800"/>
+          </a:xfrm>
+          <a:prstGeom prst="rect">
+            <a:avLst/>
+          </a:prstGeom>
+          <a:noFill/>
+          <a:extLst>
+            <a:ext uri="{909E8E84-426E-40DD-AFC4-6F175D3DCCD1}">
+              <a14:hiddenFill xmlns:a14="http://schemas.microsoft.com/office/drawing/2010/main">
+                <a:solidFill>
+                  <a:srgbClr val="FFFFFF"/>
+                </a:solidFill>
+              </a14:hiddenFill>
+            </a:ext>
+          </a:extLst>
+        </p:spPr>
+        <p:txBody>
+          <a:bodyPr vert="horz" wrap="square" lIns="91440" tIns="45720" rIns="91440" bIns="45720" numCol="1" anchor="t" anchorCtr="0" compatLnSpc="1">
+            <a:prstTxWarp prst="textNoShape">
+              <a:avLst/>
+            </a:prstTxWarp>
+          </a:bodyPr>
+          <a:lstStyle/>
+          <a:p>
+            <a:endParaRPr lang="ru-RU"/>
+          </a:p>
+        </p:txBody>
+      </p:sp>
+      <p:pic>
+        <p:nvPicPr>
+          <p:cNvPr id="6" name="Picture 5">
+            <a:extLst>
+              <a:ext uri="{FF2B5EF4-FFF2-40B4-BE49-F238E27FC236}">
+                <a16:creationId xmlns:a16="http://schemas.microsoft.com/office/drawing/2014/main" id="{51D171B3-E6D3-457C-A748-853A3409C0C8}"/>
+              </a:ext>
+            </a:extLst>
+          </p:cNvPr>
+          <p:cNvPicPr>
+            <a:picLocks noChangeAspect="1"/>
+          </p:cNvPicPr>
+          <p:nvPr/>
+        </p:nvPicPr>
+        <p:blipFill>
+          <a:blip r:embed="rId3">
+            <a:extLst>
+              <a:ext uri="{28A0092B-C50C-407E-A947-70E740481C1C}">
+                <a14:useLocalDpi xmlns:a14="http://schemas.microsoft.com/office/drawing/2010/main" val="0"/>
+              </a:ext>
+            </a:extLst>
+          </a:blip>
+          <a:stretch>
+            <a:fillRect/>
+          </a:stretch>
+        </p:blipFill>
+        <p:spPr>
+          <a:xfrm>
+            <a:off x="4082902" y="2670696"/>
+            <a:ext cx="2862286" cy="2862286"/>
+          </a:xfrm>
+          <a:prstGeom prst="rect">
+            <a:avLst/>
+          </a:prstGeom>
+        </p:spPr>
+      </p:pic>
     </p:spTree>
     <p:extLst>
       <p:ext uri="{BB962C8B-B14F-4D97-AF65-F5344CB8AC3E}">
-        <p14:creationId xmlns:p14="http://schemas.microsoft.com/office/powerpoint/2010/main" val="597229495"/>
+        <p14:creationId xmlns:p14="http://schemas.microsoft.com/office/powerpoint/2010/main" val="1868758440"/>
       </p:ext>
     </p:extLst>
   </p:cSld>
@@ -10940,6 +11002,350 @@
           <p:cNvPr id="2" name="Title 1">
             <a:extLst>
               <a:ext uri="{FF2B5EF4-FFF2-40B4-BE49-F238E27FC236}">
+                <a16:creationId xmlns:a16="http://schemas.microsoft.com/office/drawing/2014/main" id="{BE1292CA-4CE6-4039-946A-FBB997CAE971}"/>
+              </a:ext>
+            </a:extLst>
+          </p:cNvPr>
+          <p:cNvSpPr>
+            <a:spLocks noGrp="1"/>
+          </p:cNvSpPr>
+          <p:nvPr>
+            <p:ph type="title"/>
+          </p:nvPr>
+        </p:nvSpPr>
+        <p:spPr>
+          <a:xfrm>
+            <a:off x="859783" y="2399929"/>
+            <a:ext cx="10058400" cy="1609344"/>
+          </a:xfrm>
+        </p:spPr>
+        <p:txBody>
+          <a:bodyPr>
+            <a:normAutofit/>
+          </a:bodyPr>
+          <a:lstStyle/>
+          <a:p>
+            <a:r>
+              <a:rPr lang="ru-RU" dirty="0">
+                <a:ea typeface="DejaVu Sans" pitchFamily="2"/>
+                <a:cs typeface="DejaVu Sans" pitchFamily="2"/>
+              </a:rPr>
+              <a:t>Подведение итогов</a:t>
+            </a:r>
+            <a:endParaRPr lang="ru-RU" dirty="0"/>
+          </a:p>
+        </p:txBody>
+      </p:sp>
+    </p:spTree>
+    <p:extLst>
+      <p:ext uri="{BB962C8B-B14F-4D97-AF65-F5344CB8AC3E}">
+        <p14:creationId xmlns:p14="http://schemas.microsoft.com/office/powerpoint/2010/main" val="2282427341"/>
+      </p:ext>
+    </p:extLst>
+  </p:cSld>
+  <p:clrMapOvr>
+    <a:masterClrMapping/>
+  </p:clrMapOvr>
+</p:sld>
+</file>
+
+<file path=ppt/slides/slide31.xml><?xml version="1.0" encoding="utf-8"?>
+<p:sld xmlns:a="http://schemas.openxmlformats.org/drawingml/2006/main" xmlns:r="http://schemas.openxmlformats.org/officeDocument/2006/relationships" xmlns:p="http://schemas.openxmlformats.org/presentationml/2006/main">
+  <p:cSld>
+    <p:spTree>
+      <p:nvGrpSpPr>
+        <p:cNvPr id="1" name=""/>
+        <p:cNvGrpSpPr/>
+        <p:nvPr/>
+      </p:nvGrpSpPr>
+      <p:grpSpPr>
+        <a:xfrm>
+          <a:off x="0" y="0"/>
+          <a:ext cx="0" cy="0"/>
+          <a:chOff x="0" y="0"/>
+          <a:chExt cx="0" cy="0"/>
+        </a:xfrm>
+      </p:grpSpPr>
+      <p:sp>
+        <p:nvSpPr>
+          <p:cNvPr id="2" name="Title 1">
+            <a:extLst>
+              <a:ext uri="{FF2B5EF4-FFF2-40B4-BE49-F238E27FC236}">
+                <a16:creationId xmlns:a16="http://schemas.microsoft.com/office/drawing/2014/main" id="{9BB4425D-EFFE-4C7B-BAB3-696974B86ECB}"/>
+              </a:ext>
+            </a:extLst>
+          </p:cNvPr>
+          <p:cNvSpPr>
+            <a:spLocks noGrp="1"/>
+          </p:cNvSpPr>
+          <p:nvPr>
+            <p:ph type="title"/>
+          </p:nvPr>
+        </p:nvSpPr>
+        <p:spPr/>
+        <p:txBody>
+          <a:bodyPr>
+            <a:normAutofit/>
+          </a:bodyPr>
+          <a:lstStyle/>
+          <a:p>
+            <a:r>
+              <a:rPr lang="en-US" dirty="0">
+                <a:ea typeface="DejaVu Sans" pitchFamily="2"/>
+                <a:cs typeface="DejaVu Sans" pitchFamily="2"/>
+              </a:rPr>
+              <a:t>Оптимизация SQL</a:t>
+            </a:r>
+            <a:br>
+              <a:rPr lang="en-US" dirty="0">
+                <a:ea typeface="DejaVu Sans" pitchFamily="2"/>
+                <a:cs typeface="DejaVu Sans" pitchFamily="2"/>
+              </a:rPr>
+            </a:br>
+            <a:r>
+              <a:rPr lang="ru-RU" sz="2000" dirty="0">
+                <a:ea typeface="DejaVu Sans" pitchFamily="2"/>
+                <a:cs typeface="DejaVu Sans" pitchFamily="2"/>
+              </a:rPr>
+              <a:t>Итоги</a:t>
+            </a:r>
+            <a:endParaRPr lang="ru-RU" dirty="0"/>
+          </a:p>
+        </p:txBody>
+      </p:sp>
+      <p:sp>
+        <p:nvSpPr>
+          <p:cNvPr id="3" name="Content Placeholder 2">
+            <a:extLst>
+              <a:ext uri="{FF2B5EF4-FFF2-40B4-BE49-F238E27FC236}">
+                <a16:creationId xmlns:a16="http://schemas.microsoft.com/office/drawing/2014/main" id="{B0E0C843-357D-4ABC-9BF5-821708867C3C}"/>
+              </a:ext>
+            </a:extLst>
+          </p:cNvPr>
+          <p:cNvSpPr>
+            <a:spLocks noGrp="1"/>
+          </p:cNvSpPr>
+          <p:nvPr>
+            <p:ph idx="1"/>
+          </p:nvPr>
+        </p:nvSpPr>
+        <p:spPr>
+          <a:xfrm>
+            <a:off x="1069848" y="1930873"/>
+            <a:ext cx="10817352" cy="4780398"/>
+          </a:xfrm>
+        </p:spPr>
+        <p:txBody>
+          <a:bodyPr>
+            <a:normAutofit/>
+          </a:bodyPr>
+          <a:lstStyle/>
+          <a:p>
+            <a:pPr marL="457200" indent="-457200">
+              <a:buFont typeface="+mj-lt"/>
+              <a:buAutoNum type="arabicPeriod"/>
+            </a:pPr>
+            <a:r>
+              <a:rPr lang="ru-RU" dirty="0"/>
+              <a:t>Старт оптимизации – построение плана выполнения запроса - </a:t>
+            </a:r>
+            <a:r>
+              <a:rPr lang="af-ZA" b="1" dirty="0"/>
+              <a:t>explain (analyze)</a:t>
+            </a:r>
+            <a:endParaRPr lang="ru-RU" b="1" dirty="0"/>
+          </a:p>
+          <a:p>
+            <a:pPr marL="457200" indent="-457200">
+              <a:buFont typeface="+mj-lt"/>
+              <a:buAutoNum type="arabicPeriod"/>
+            </a:pPr>
+            <a:r>
+              <a:rPr lang="ru-RU" dirty="0"/>
+              <a:t>Индексы – это хорошо, если в меру</a:t>
+            </a:r>
+            <a:endParaRPr lang="en-US" dirty="0"/>
+          </a:p>
+          <a:p>
+            <a:pPr marL="457200" indent="-457200">
+              <a:buFont typeface="+mj-lt"/>
+              <a:buAutoNum type="arabicPeriod"/>
+            </a:pPr>
+            <a:r>
+              <a:rPr lang="ru-RU" dirty="0" err="1"/>
+              <a:t>Партиции</a:t>
+            </a:r>
+            <a:r>
+              <a:rPr lang="ru-RU" dirty="0"/>
+              <a:t> – помощь для индексов для очень больших таблиц</a:t>
+            </a:r>
+          </a:p>
+          <a:p>
+            <a:pPr marL="457200" indent="-457200">
+              <a:buFont typeface="+mj-lt"/>
+              <a:buAutoNum type="arabicPeriod"/>
+            </a:pPr>
+            <a:r>
+              <a:rPr lang="ru-RU" dirty="0"/>
+              <a:t>Проверяем вид </a:t>
+            </a:r>
+            <a:r>
+              <a:rPr lang="en-US" dirty="0"/>
+              <a:t>join</a:t>
+            </a:r>
+            <a:r>
+              <a:rPr lang="ru-RU" dirty="0"/>
+              <a:t> - нет </a:t>
+            </a:r>
+            <a:r>
+              <a:rPr lang="ru-RU" dirty="0" err="1"/>
+              <a:t>nested</a:t>
+            </a:r>
+            <a:r>
+              <a:rPr lang="ru-RU" dirty="0"/>
+              <a:t> </a:t>
+            </a:r>
+            <a:r>
+              <a:rPr lang="ru-RU" dirty="0" err="1"/>
+              <a:t>loop-ам</a:t>
+            </a:r>
+            <a:r>
+              <a:rPr lang="ru-RU" dirty="0"/>
+              <a:t> (кроме крайней необходимости)!</a:t>
+            </a:r>
+            <a:endParaRPr lang="en-US" dirty="0"/>
+          </a:p>
+          <a:p>
+            <a:pPr marL="457200" indent="-457200">
+              <a:buFont typeface="+mj-lt"/>
+              <a:buAutoNum type="arabicPeriod"/>
+            </a:pPr>
+            <a:r>
+              <a:rPr lang="en-US" dirty="0"/>
+              <a:t>Union all</a:t>
+            </a:r>
+            <a:r>
+              <a:rPr lang="ru-RU" dirty="0"/>
+              <a:t> вместо </a:t>
+            </a:r>
+            <a:r>
+              <a:rPr lang="en-US" dirty="0"/>
+              <a:t>Union</a:t>
+            </a:r>
+          </a:p>
+          <a:p>
+            <a:pPr marL="457200" indent="-457200">
+              <a:buFont typeface="+mj-lt"/>
+              <a:buAutoNum type="arabicPeriod"/>
+            </a:pPr>
+            <a:r>
+              <a:rPr lang="ru-RU" dirty="0"/>
+              <a:t>В запросе много </a:t>
+            </a:r>
+            <a:r>
+              <a:rPr lang="en-US" dirty="0"/>
+              <a:t>join (&gt;10) –</a:t>
+            </a:r>
+            <a:r>
+              <a:rPr lang="ru-RU" dirty="0"/>
+              <a:t> приземляем промежуточный результат</a:t>
+            </a:r>
+          </a:p>
+          <a:p>
+            <a:pPr marL="457200" indent="-457200">
+              <a:buFont typeface="+mj-lt"/>
+              <a:buAutoNum type="arabicPeriod"/>
+            </a:pPr>
+            <a:r>
+              <a:rPr lang="ru-RU" dirty="0"/>
+              <a:t>Для промежуточных таблиц можно использовать </a:t>
+            </a:r>
+            <a:r>
+              <a:rPr lang="en-US" dirty="0"/>
+              <a:t>Unlogged</a:t>
+            </a:r>
+          </a:p>
+          <a:p>
+            <a:pPr marL="457200" indent="-457200">
+              <a:buFont typeface="+mj-lt"/>
+              <a:buAutoNum type="arabicPeriod"/>
+            </a:pPr>
+            <a:r>
+              <a:rPr lang="ru-RU" dirty="0"/>
+              <a:t>Оптимальность запроса может зависеть от общей нагрузки на сервер – проверяем общие метрики</a:t>
+            </a:r>
+          </a:p>
+          <a:p>
+            <a:pPr marL="457200" indent="-457200">
+              <a:buFont typeface="+mj-lt"/>
+              <a:buAutoNum type="arabicPeriod"/>
+            </a:pPr>
+            <a:r>
+              <a:rPr lang="ru-RU" dirty="0"/>
+              <a:t>Изучаем особенности оптимизации в рамках той СУБД, с которой работаем</a:t>
+            </a:r>
+          </a:p>
+          <a:p>
+            <a:pPr marL="617220" lvl="1" indent="-342900">
+              <a:buFont typeface="+mj-lt"/>
+              <a:buAutoNum type="arabicPeriod"/>
+            </a:pPr>
+            <a:r>
+              <a:rPr lang="ru-RU" dirty="0"/>
+              <a:t>Teradata - нет необходимости удалять индекс при массовом изменении данных</a:t>
+            </a:r>
+          </a:p>
+          <a:p>
+            <a:pPr marL="617220" lvl="1" indent="-342900">
+              <a:buFont typeface="+mj-lt"/>
+              <a:buAutoNum type="arabicPeriod"/>
+            </a:pPr>
+            <a:r>
+              <a:rPr lang="en-US" dirty="0"/>
+              <a:t>Oracle - </a:t>
+            </a:r>
+            <a:r>
+              <a:rPr lang="ru-RU" dirty="0"/>
+              <a:t>множество хинтов для помощи оптимизатору</a:t>
+            </a:r>
+          </a:p>
+        </p:txBody>
+      </p:sp>
+    </p:spTree>
+    <p:extLst>
+      <p:ext uri="{BB962C8B-B14F-4D97-AF65-F5344CB8AC3E}">
+        <p14:creationId xmlns:p14="http://schemas.microsoft.com/office/powerpoint/2010/main" val="1967959849"/>
+      </p:ext>
+    </p:extLst>
+  </p:cSld>
+  <p:clrMapOvr>
+    <a:masterClrMapping/>
+  </p:clrMapOvr>
+</p:sld>
+</file>
+
+<file path=ppt/slides/slide32.xml><?xml version="1.0" encoding="utf-8"?>
+<p:sld xmlns:a="http://schemas.openxmlformats.org/drawingml/2006/main" xmlns:r="http://schemas.openxmlformats.org/officeDocument/2006/relationships" xmlns:p="http://schemas.openxmlformats.org/presentationml/2006/main">
+  <p:cSld>
+    <p:spTree>
+      <p:nvGrpSpPr>
+        <p:cNvPr id="1" name=""/>
+        <p:cNvGrpSpPr/>
+        <p:nvPr/>
+      </p:nvGrpSpPr>
+      <p:grpSpPr>
+        <a:xfrm>
+          <a:off x="0" y="0"/>
+          <a:ext cx="0" cy="0"/>
+          <a:chOff x="0" y="0"/>
+          <a:chExt cx="0" cy="0"/>
+        </a:xfrm>
+      </p:grpSpPr>
+      <p:sp>
+        <p:nvSpPr>
+          <p:cNvPr id="2" name="Title 1">
+            <a:extLst>
+              <a:ext uri="{FF2B5EF4-FFF2-40B4-BE49-F238E27FC236}">
                 <a16:creationId xmlns:a16="http://schemas.microsoft.com/office/drawing/2014/main" id="{42DED8B5-3736-4F67-AF04-223CB6047EFE}"/>
               </a:ext>
             </a:extLst>
@@ -11116,7 +11522,237 @@
 </p:sld>
 </file>
 
-<file path=ppt/slides/slide31.xml><?xml version="1.0" encoding="utf-8"?>
+<file path=ppt/slides/slide33.xml><?xml version="1.0" encoding="utf-8"?>
+<p:sld xmlns:a="http://schemas.openxmlformats.org/drawingml/2006/main" xmlns:r="http://schemas.openxmlformats.org/officeDocument/2006/relationships" xmlns:p="http://schemas.openxmlformats.org/presentationml/2006/main">
+  <p:cSld>
+    <p:spTree>
+      <p:nvGrpSpPr>
+        <p:cNvPr id="1" name=""/>
+        <p:cNvGrpSpPr/>
+        <p:nvPr/>
+      </p:nvGrpSpPr>
+      <p:grpSpPr>
+        <a:xfrm>
+          <a:off x="0" y="0"/>
+          <a:ext cx="0" cy="0"/>
+          <a:chOff x="0" y="0"/>
+          <a:chExt cx="0" cy="0"/>
+        </a:xfrm>
+      </p:grpSpPr>
+      <p:sp>
+        <p:nvSpPr>
+          <p:cNvPr id="2" name="Title 1">
+            <a:extLst>
+              <a:ext uri="{FF2B5EF4-FFF2-40B4-BE49-F238E27FC236}">
+                <a16:creationId xmlns:a16="http://schemas.microsoft.com/office/drawing/2014/main" id="{74ED2800-BE23-482A-B152-A72BC607E8B0}"/>
+              </a:ext>
+            </a:extLst>
+          </p:cNvPr>
+          <p:cNvSpPr>
+            <a:spLocks noGrp="1"/>
+          </p:cNvSpPr>
+          <p:nvPr>
+            <p:ph type="title"/>
+          </p:nvPr>
+        </p:nvSpPr>
+        <p:spPr>
+          <a:xfrm>
+            <a:off x="1069848" y="484632"/>
+            <a:ext cx="10058400" cy="1025191"/>
+          </a:xfrm>
+        </p:spPr>
+        <p:txBody>
+          <a:bodyPr>
+            <a:normAutofit/>
+          </a:bodyPr>
+          <a:lstStyle/>
+          <a:p>
+            <a:r>
+              <a:rPr lang="en-US" sz="3200" dirty="0">
+                <a:ea typeface="DejaVu Sans" pitchFamily="2"/>
+                <a:cs typeface="DejaVu Sans" pitchFamily="2"/>
+              </a:rPr>
+              <a:t>One more step…</a:t>
+            </a:r>
+            <a:endParaRPr lang="ru-RU" dirty="0"/>
+          </a:p>
+        </p:txBody>
+      </p:sp>
+      <p:sp>
+        <p:nvSpPr>
+          <p:cNvPr id="3" name="Content Placeholder 2">
+            <a:extLst>
+              <a:ext uri="{FF2B5EF4-FFF2-40B4-BE49-F238E27FC236}">
+                <a16:creationId xmlns:a16="http://schemas.microsoft.com/office/drawing/2014/main" id="{C15EB09F-B745-4151-9C07-58D16BCE98C4}"/>
+              </a:ext>
+            </a:extLst>
+          </p:cNvPr>
+          <p:cNvSpPr>
+            <a:spLocks noGrp="1"/>
+          </p:cNvSpPr>
+          <p:nvPr>
+            <p:ph idx="1"/>
+          </p:nvPr>
+        </p:nvSpPr>
+        <p:spPr>
+          <a:xfrm>
+            <a:off x="1345253" y="1637212"/>
+            <a:ext cx="9603275" cy="906095"/>
+          </a:xfrm>
+        </p:spPr>
+        <p:txBody>
+          <a:bodyPr>
+            <a:normAutofit/>
+          </a:bodyPr>
+          <a:lstStyle/>
+          <a:p>
+            <a:pPr>
+              <a:buClr>
+                <a:srgbClr val="666666"/>
+              </a:buClr>
+              <a:buSzPct val="45000"/>
+            </a:pPr>
+            <a:r>
+              <a:rPr lang="ru-RU" dirty="0">
+                <a:solidFill>
+                  <a:srgbClr val="000000"/>
+                </a:solidFill>
+                <a:ea typeface="DejaVu Sans" pitchFamily="2"/>
+                <a:cs typeface="DejaVu Sans" pitchFamily="2"/>
+              </a:rPr>
+              <a:t>Шанс отметиться для тех, кто не успел ;)</a:t>
+            </a:r>
+            <a:endParaRPr lang="en-US" dirty="0">
+              <a:solidFill>
+                <a:srgbClr val="000000"/>
+              </a:solidFill>
+              <a:ea typeface="DejaVu Sans" pitchFamily="2"/>
+              <a:cs typeface="DejaVu Sans" pitchFamily="2"/>
+            </a:endParaRPr>
+          </a:p>
+          <a:p>
+            <a:pPr>
+              <a:buClr>
+                <a:srgbClr val="666666"/>
+              </a:buClr>
+              <a:buSzPct val="45000"/>
+            </a:pPr>
+            <a:r>
+              <a:rPr lang="en-US" dirty="0">
+                <a:solidFill>
+                  <a:srgbClr val="000000"/>
+                </a:solidFill>
+                <a:ea typeface="DejaVu Sans" pitchFamily="2"/>
+                <a:cs typeface="DejaVu Sans" pitchFamily="2"/>
+                <a:hlinkClick r:id="rId2"/>
+              </a:rPr>
+              <a:t>https://practicum.yandex.ru/webinar-form/data-engineer/</a:t>
+            </a:r>
+            <a:endParaRPr lang="en-US" dirty="0">
+              <a:solidFill>
+                <a:srgbClr val="000000"/>
+              </a:solidFill>
+              <a:ea typeface="DejaVu Sans" pitchFamily="2"/>
+              <a:cs typeface="DejaVu Sans" pitchFamily="2"/>
+            </a:endParaRPr>
+          </a:p>
+        </p:txBody>
+      </p:sp>
+      <p:sp>
+        <p:nvSpPr>
+          <p:cNvPr id="4" name="AutoShape 2" descr="blob:https://web.telegram.org/b5afce28-70d1-40e3-bb81-2d34751242e9">
+            <a:extLst>
+              <a:ext uri="{FF2B5EF4-FFF2-40B4-BE49-F238E27FC236}">
+                <a16:creationId xmlns:a16="http://schemas.microsoft.com/office/drawing/2014/main" id="{DCF3EFA7-C34E-48E6-8AEC-DF03F28DCFD8}"/>
+              </a:ext>
+            </a:extLst>
+          </p:cNvPr>
+          <p:cNvSpPr>
+            <a:spLocks noChangeAspect="1" noChangeArrowheads="1"/>
+          </p:cNvSpPr>
+          <p:nvPr/>
+        </p:nvSpPr>
+        <p:spPr bwMode="auto">
+          <a:xfrm>
+            <a:off x="5943600" y="3276600"/>
+            <a:ext cx="304800" cy="304800"/>
+          </a:xfrm>
+          <a:prstGeom prst="rect">
+            <a:avLst/>
+          </a:prstGeom>
+          <a:noFill/>
+          <a:extLst>
+            <a:ext uri="{909E8E84-426E-40DD-AFC4-6F175D3DCCD1}">
+              <a14:hiddenFill xmlns:a14="http://schemas.microsoft.com/office/drawing/2010/main">
+                <a:solidFill>
+                  <a:srgbClr val="FFFFFF"/>
+                </a:solidFill>
+              </a14:hiddenFill>
+            </a:ext>
+          </a:extLst>
+        </p:spPr>
+        <p:txBody>
+          <a:bodyPr vert="horz" wrap="square" lIns="91440" tIns="45720" rIns="91440" bIns="45720" numCol="1" anchor="t" anchorCtr="0" compatLnSpc="1">
+            <a:prstTxWarp prst="textNoShape">
+              <a:avLst/>
+            </a:prstTxWarp>
+          </a:bodyPr>
+          <a:lstStyle/>
+          <a:p>
+            <a:endParaRPr lang="ru-RU"/>
+          </a:p>
+        </p:txBody>
+      </p:sp>
+      <p:pic>
+        <p:nvPicPr>
+          <p:cNvPr id="6" name="Picture 5">
+            <a:extLst>
+              <a:ext uri="{FF2B5EF4-FFF2-40B4-BE49-F238E27FC236}">
+                <a16:creationId xmlns:a16="http://schemas.microsoft.com/office/drawing/2014/main" id="{51D171B3-E6D3-457C-A748-853A3409C0C8}"/>
+              </a:ext>
+            </a:extLst>
+          </p:cNvPr>
+          <p:cNvPicPr>
+            <a:picLocks noChangeAspect="1"/>
+          </p:cNvPicPr>
+          <p:nvPr/>
+        </p:nvPicPr>
+        <p:blipFill>
+          <a:blip r:embed="rId3">
+            <a:extLst>
+              <a:ext uri="{28A0092B-C50C-407E-A947-70E740481C1C}">
+                <a14:useLocalDpi xmlns:a14="http://schemas.microsoft.com/office/drawing/2010/main" val="0"/>
+              </a:ext>
+            </a:extLst>
+          </a:blip>
+          <a:stretch>
+            <a:fillRect/>
+          </a:stretch>
+        </p:blipFill>
+        <p:spPr>
+          <a:xfrm>
+            <a:off x="4082902" y="2670696"/>
+            <a:ext cx="2862286" cy="2862286"/>
+          </a:xfrm>
+          <a:prstGeom prst="rect">
+            <a:avLst/>
+          </a:prstGeom>
+        </p:spPr>
+      </p:pic>
+    </p:spTree>
+    <p:extLst>
+      <p:ext uri="{BB962C8B-B14F-4D97-AF65-F5344CB8AC3E}">
+        <p14:creationId xmlns:p14="http://schemas.microsoft.com/office/powerpoint/2010/main" val="934800771"/>
+      </p:ext>
+    </p:extLst>
+  </p:cSld>
+  <p:clrMapOvr>
+    <a:masterClrMapping/>
+  </p:clrMapOvr>
+</p:sld>
+</file>
+
+<file path=ppt/slides/slide34.xml><?xml version="1.0" encoding="utf-8"?>
 <p:sld xmlns:a="http://schemas.openxmlformats.org/drawingml/2006/main" xmlns:r="http://schemas.openxmlformats.org/officeDocument/2006/relationships" xmlns:p="http://schemas.openxmlformats.org/presentationml/2006/main">
   <p:cSld>
     <p:spTree>
@@ -11305,7 +11941,7 @@
           <p:cNvPr id="2" name="Title 1">
             <a:extLst>
               <a:ext uri="{FF2B5EF4-FFF2-40B4-BE49-F238E27FC236}">
-                <a16:creationId xmlns:a16="http://schemas.microsoft.com/office/drawing/2014/main" id="{BE1292CA-4CE6-4039-946A-FBB997CAE971}"/>
+                <a16:creationId xmlns:a16="http://schemas.microsoft.com/office/drawing/2014/main" id="{167639D8-8593-4ED9-BB37-6167D5451BC1}"/>
               </a:ext>
             </a:extLst>
           </p:cNvPr>
@@ -11329,17 +11965,17 @@
               <a:t>Оптимизация SQL</a:t>
             </a:r>
             <a:br>
-              <a:rPr lang="en-US" dirty="0">
+              <a:rPr lang="ru-RU" dirty="0">
                 <a:ea typeface="DejaVu Sans" pitchFamily="2"/>
                 <a:cs typeface="DejaVu Sans" pitchFamily="2"/>
               </a:rPr>
             </a:br>
             <a:r>
-              <a:rPr lang="en-US" sz="2000" dirty="0">
-                <a:ea typeface="DejaVu Sans" pitchFamily="2"/>
-                <a:cs typeface="DejaVu Sans" pitchFamily="2"/>
-              </a:rPr>
-              <a:t>Тема воркшопа и ее важность</a:t>
+              <a:rPr lang="ru-RU" sz="2400" dirty="0">
+                <a:ea typeface="DejaVu Sans" pitchFamily="2"/>
+                <a:cs typeface="DejaVu Sans" pitchFamily="2"/>
+              </a:rPr>
+              <a:t>Подготовка к практике</a:t>
             </a:r>
             <a:endParaRPr lang="ru-RU" dirty="0"/>
           </a:p>
@@ -11350,7 +11986,7 @@
           <p:cNvPr id="3" name="Content Placeholder 2">
             <a:extLst>
               <a:ext uri="{FF2B5EF4-FFF2-40B4-BE49-F238E27FC236}">
-                <a16:creationId xmlns:a16="http://schemas.microsoft.com/office/drawing/2014/main" id="{3C596BB3-2621-40FF-A8C0-72C9A6D05C42}"/>
+                <a16:creationId xmlns:a16="http://schemas.microsoft.com/office/drawing/2014/main" id="{35FCC3B0-181C-48B0-B434-7CC28CB160FB}"/>
               </a:ext>
             </a:extLst>
           </p:cNvPr>
@@ -11371,58 +12007,132 @@
                 <a:srgbClr val="666666"/>
               </a:buClr>
               <a:buSzPct val="45000"/>
+            </a:pPr>
+            <a:r>
+              <a:rPr lang="ru-RU" dirty="0">
+                <a:solidFill>
+                  <a:srgbClr val="000000"/>
+                </a:solidFill>
+                <a:ea typeface="DejaVu Sans" pitchFamily="2"/>
+                <a:cs typeface="DejaVu Sans" pitchFamily="2"/>
+              </a:rPr>
+              <a:t>На компьютере должны быть установлены:</a:t>
+            </a:r>
+          </a:p>
+          <a:p>
+            <a:pPr lvl="1">
+              <a:buClr>
+                <a:srgbClr val="666666"/>
+              </a:buClr>
+              <a:buSzPct val="45000"/>
+            </a:pPr>
+            <a:r>
+              <a:rPr lang="ru-RU" dirty="0">
+                <a:solidFill>
+                  <a:srgbClr val="000000"/>
+                </a:solidFill>
+                <a:ea typeface="DejaVu Sans" pitchFamily="2"/>
+                <a:cs typeface="DejaVu Sans" pitchFamily="2"/>
+              </a:rPr>
+              <a:t>Docker</a:t>
+            </a:r>
+          </a:p>
+          <a:p>
+            <a:pPr lvl="1">
+              <a:buClr>
+                <a:srgbClr val="666666"/>
+              </a:buClr>
+              <a:buSzPct val="45000"/>
+            </a:pPr>
+            <a:r>
+              <a:rPr lang="ru-RU" dirty="0">
+                <a:solidFill>
+                  <a:srgbClr val="000000"/>
+                </a:solidFill>
+                <a:ea typeface="DejaVu Sans" pitchFamily="2"/>
+                <a:cs typeface="DejaVu Sans" pitchFamily="2"/>
+              </a:rPr>
+              <a:t>docker-compose</a:t>
+            </a:r>
+          </a:p>
+          <a:p>
+            <a:pPr lvl="1">
+              <a:buClr>
+                <a:srgbClr val="666666"/>
+              </a:buClr>
+              <a:buSzPct val="45000"/>
+            </a:pPr>
+            <a:r>
+              <a:rPr lang="ru-RU" dirty="0">
+                <a:solidFill>
+                  <a:srgbClr val="000000"/>
+                </a:solidFill>
+                <a:ea typeface="DejaVu Sans" pitchFamily="2"/>
+                <a:cs typeface="DejaVu Sans" pitchFamily="2"/>
+              </a:rPr>
+              <a:t>клиент для работы с БД (</a:t>
+            </a:r>
+            <a:r>
+              <a:rPr lang="ru-RU" sz="1400" dirty="0">
+                <a:solidFill>
+                  <a:srgbClr val="000000"/>
+                </a:solidFill>
+                <a:ea typeface="DejaVu Sans" pitchFamily="2"/>
+                <a:cs typeface="DejaVu Sans" pitchFamily="2"/>
+              </a:rPr>
+              <a:t>например dbeaver</a:t>
+            </a:r>
+            <a:r>
+              <a:rPr lang="ru-RU" dirty="0">
+                <a:solidFill>
+                  <a:srgbClr val="000000"/>
+                </a:solidFill>
+                <a:ea typeface="DejaVu Sans" pitchFamily="2"/>
+                <a:cs typeface="DejaVu Sans" pitchFamily="2"/>
+              </a:rPr>
+              <a:t>)</a:t>
+            </a:r>
+          </a:p>
+          <a:p>
+            <a:pPr lvl="0">
+              <a:buClr>
+                <a:srgbClr val="666666"/>
+              </a:buClr>
+              <a:buSzPct val="45000"/>
               <a:buFont typeface="StarSymbol"/>
               <a:buChar char="●"/>
             </a:pPr>
             <a:r>
-              <a:rPr lang="en-US" dirty="0" err="1">
+              <a:rPr lang="ru-RU" dirty="0">
                 <a:solidFill>
                   <a:srgbClr val="000000"/>
                 </a:solidFill>
                 <a:ea typeface="DejaVu Sans" pitchFamily="2"/>
                 <a:cs typeface="DejaVu Sans" pitchFamily="2"/>
               </a:rPr>
-              <a:t>Важность</a:t>
-            </a:r>
-            <a:r>
-              <a:rPr lang="en-US" dirty="0">
+              <a:t>Необходимо скачать git репозиторий: </a:t>
+            </a:r>
+            <a:r>
+              <a:rPr lang="af-ZA" dirty="0">
                 <a:solidFill>
                   <a:srgbClr val="000000"/>
                 </a:solidFill>
                 <a:ea typeface="DejaVu Sans" pitchFamily="2"/>
                 <a:cs typeface="DejaVu Sans" pitchFamily="2"/>
-              </a:rPr>
-              <a:t> </a:t>
-            </a:r>
-            <a:r>
-              <a:rPr lang="en-US" dirty="0" err="1">
+                <a:hlinkClick r:id="rId2"/>
+              </a:rPr>
+              <a:t>https://github.com/Minastirise/</a:t>
+            </a:r>
+            <a:r>
+              <a:rPr lang="ru-RU" dirty="0" err="1">
                 <a:solidFill>
                   <a:srgbClr val="000000"/>
                 </a:solidFill>
                 <a:ea typeface="DejaVu Sans" pitchFamily="2"/>
                 <a:cs typeface="DejaVu Sans" pitchFamily="2"/>
-              </a:rPr>
-              <a:t>проведения</a:t>
-            </a:r>
-            <a:r>
-              <a:rPr lang="en-US" dirty="0">
-                <a:solidFill>
-                  <a:srgbClr val="000000"/>
-                </a:solidFill>
-                <a:ea typeface="DejaVu Sans" pitchFamily="2"/>
-                <a:cs typeface="DejaVu Sans" pitchFamily="2"/>
-              </a:rPr>
-              <a:t> </a:t>
-            </a:r>
-            <a:r>
-              <a:rPr lang="en-US" dirty="0" err="1">
-                <a:solidFill>
-                  <a:srgbClr val="000000"/>
-                </a:solidFill>
-                <a:ea typeface="DejaVu Sans" pitchFamily="2"/>
-                <a:cs typeface="DejaVu Sans" pitchFamily="2"/>
-              </a:rPr>
-              <a:t>оптимизаций</a:t>
+                <a:hlinkClick r:id="rId2"/>
+              </a:rPr>
+              <a:t>workshop_sql_optimization</a:t>
             </a:r>
             <a:endParaRPr lang="en-US" dirty="0">
               <a:solidFill>
@@ -11433,65 +12143,14 @@
             </a:endParaRPr>
           </a:p>
           <a:p>
-            <a:pPr lvl="1">
+            <a:pPr marL="0" lvl="0" indent="0">
               <a:buClr>
                 <a:srgbClr val="666666"/>
               </a:buClr>
               <a:buSzPct val="45000"/>
-              <a:buFont typeface="StarSymbol"/>
-              <a:buChar char="●"/>
-            </a:pPr>
-            <a:r>
-              <a:rPr lang="ru-RU" dirty="0">
-                <a:solidFill>
-                  <a:srgbClr val="000000"/>
-                </a:solidFill>
-                <a:ea typeface="DejaVu Sans" pitchFamily="2"/>
-                <a:cs typeface="DejaVu Sans" pitchFamily="2"/>
-              </a:rPr>
-              <a:t>Оптимизация важна для любого кода</a:t>
-            </a:r>
-          </a:p>
-          <a:p>
-            <a:pPr lvl="0">
-              <a:buClr>
-                <a:srgbClr val="666666"/>
-              </a:buClr>
-              <a:buSzPct val="45000"/>
-              <a:buFont typeface="StarSymbol"/>
-              <a:buChar char="●"/>
-            </a:pPr>
-            <a:r>
-              <a:rPr lang="en-US" dirty="0" err="1">
-                <a:solidFill>
-                  <a:srgbClr val="000000"/>
-                </a:solidFill>
-                <a:ea typeface="DejaVu Sans" pitchFamily="2"/>
-                <a:cs typeface="DejaVu Sans" pitchFamily="2"/>
-              </a:rPr>
-              <a:t>Виды</a:t>
-            </a:r>
-            <a:r>
-              <a:rPr lang="en-US" dirty="0">
-                <a:solidFill>
-                  <a:srgbClr val="000000"/>
-                </a:solidFill>
-                <a:ea typeface="DejaVu Sans" pitchFamily="2"/>
-                <a:cs typeface="DejaVu Sans" pitchFamily="2"/>
-              </a:rPr>
-              <a:t> </a:t>
-            </a:r>
-            <a:r>
-              <a:rPr lang="en-US" dirty="0" err="1">
-                <a:solidFill>
-                  <a:srgbClr val="000000"/>
-                </a:solidFill>
-                <a:ea typeface="DejaVu Sans" pitchFamily="2"/>
-                <a:cs typeface="DejaVu Sans" pitchFamily="2"/>
-              </a:rPr>
-              <a:t>оптимизаций</a:t>
-            </a:r>
-            <a:endParaRPr lang="en-US" dirty="0">
+              <a:buNone/>
+            </a:pPr>
+            <a:endParaRPr lang="ru-RU" dirty="0">
               <a:solidFill>
                 <a:srgbClr val="000000"/>
               </a:solidFill>
@@ -11500,58 +12159,17 @@
             </a:endParaRPr>
           </a:p>
           <a:p>
-            <a:pPr lvl="1">
-              <a:buClr>
-                <a:srgbClr val="666666"/>
-              </a:buClr>
-              <a:buSzPct val="45000"/>
-              <a:buFont typeface="StarSymbol"/>
-              <a:buChar char="●"/>
-            </a:pPr>
-            <a:r>
-              <a:rPr lang="ru-RU" dirty="0">
-                <a:solidFill>
-                  <a:srgbClr val="000000"/>
-                </a:solidFill>
-                <a:ea typeface="DejaVu Sans" pitchFamily="2"/>
-                <a:cs typeface="DejaVu Sans" pitchFamily="2"/>
-              </a:rPr>
-              <a:t>Техническая (тюнинг настроек)</a:t>
-            </a:r>
-          </a:p>
-          <a:p>
-            <a:pPr lvl="1">
-              <a:buClr>
-                <a:srgbClr val="666666"/>
-              </a:buClr>
-              <a:buSzPct val="45000"/>
-              <a:buFont typeface="StarSymbol"/>
-              <a:buChar char="●"/>
-            </a:pPr>
-            <a:r>
-              <a:rPr lang="ru-RU" dirty="0">
-                <a:solidFill>
-                  <a:srgbClr val="000000"/>
-                </a:solidFill>
-                <a:ea typeface="DejaVu Sans" pitchFamily="2"/>
-                <a:cs typeface="DejaVu Sans" pitchFamily="2"/>
-              </a:rPr>
-              <a:t>Логическая (переписывание скрипта)</a:t>
-            </a:r>
-            <a:endParaRPr lang="en-US" dirty="0">
-              <a:solidFill>
-                <a:srgbClr val="000000"/>
-              </a:solidFill>
-              <a:ea typeface="DejaVu Sans" pitchFamily="2"/>
-              <a:cs typeface="DejaVu Sans" pitchFamily="2"/>
-            </a:endParaRPr>
+            <a:pPr marL="0" indent="0">
+              <a:buNone/>
+            </a:pPr>
+            <a:endParaRPr lang="ru-RU" dirty="0"/>
           </a:p>
         </p:txBody>
       </p:sp>
     </p:spTree>
     <p:extLst>
       <p:ext uri="{BB962C8B-B14F-4D97-AF65-F5344CB8AC3E}">
-        <p14:creationId xmlns:p14="http://schemas.microsoft.com/office/powerpoint/2010/main" val="983503369"/>
+        <p14:creationId xmlns:p14="http://schemas.microsoft.com/office/powerpoint/2010/main" val="1457357615"/>
       </p:ext>
     </p:extLst>
   </p:cSld>
@@ -11562,7 +12180,7 @@
 </file>
 
 <file path=ppt/slides/slide5.xml><?xml version="1.0" encoding="utf-8"?>
-<p:sld xmlns:a="http://schemas.openxmlformats.org/drawingml/2006/main" xmlns:r="http://schemas.openxmlformats.org/officeDocument/2006/relationships" xmlns:p="http://schemas.openxmlformats.org/presentationml/2006/main">
+<p:sld xmlns:a="http://schemas.openxmlformats.org/drawingml/2006/main" xmlns:r="http://schemas.openxmlformats.org/officeDocument/2006/relationships" xmlns:p="http://schemas.openxmlformats.org/presentationml/2006/main" show="0">
   <p:cSld>
     <p:spTree>
       <p:nvGrpSpPr>
@@ -11594,33 +12212,242 @@
             <p:ph type="title"/>
           </p:nvPr>
         </p:nvSpPr>
-        <p:spPr>
-          <a:xfrm>
-            <a:off x="859783" y="2399929"/>
-            <a:ext cx="10058400" cy="1609344"/>
-          </a:xfrm>
-        </p:spPr>
+        <p:spPr/>
         <p:txBody>
-          <a:bodyPr>
-            <a:normAutofit fontScale="90000"/>
-          </a:bodyPr>
+          <a:bodyPr/>
           <a:lstStyle/>
           <a:p>
             <a:r>
+              <a:rPr lang="en-US" dirty="0">
+                <a:ea typeface="DejaVu Sans" pitchFamily="2"/>
+                <a:cs typeface="DejaVu Sans" pitchFamily="2"/>
+              </a:rPr>
+              <a:t>Оптимизация SQL</a:t>
+            </a:r>
+            <a:br>
+              <a:rPr lang="en-US" dirty="0">
+                <a:ea typeface="DejaVu Sans" pitchFamily="2"/>
+                <a:cs typeface="DejaVu Sans" pitchFamily="2"/>
+              </a:rPr>
+            </a:br>
+            <a:r>
+              <a:rPr lang="en-US" sz="2000" dirty="0">
+                <a:ea typeface="DejaVu Sans" pitchFamily="2"/>
+                <a:cs typeface="DejaVu Sans" pitchFamily="2"/>
+              </a:rPr>
+              <a:t>Тема воркшопа и ее важность</a:t>
+            </a:r>
+            <a:endParaRPr lang="ru-RU" dirty="0"/>
+          </a:p>
+        </p:txBody>
+      </p:sp>
+      <p:sp>
+        <p:nvSpPr>
+          <p:cNvPr id="3" name="Content Placeholder 2">
+            <a:extLst>
+              <a:ext uri="{FF2B5EF4-FFF2-40B4-BE49-F238E27FC236}">
+                <a16:creationId xmlns:a16="http://schemas.microsoft.com/office/drawing/2014/main" id="{3C596BB3-2621-40FF-A8C0-72C9A6D05C42}"/>
+              </a:ext>
+            </a:extLst>
+          </p:cNvPr>
+          <p:cNvSpPr>
+            <a:spLocks noGrp="1"/>
+          </p:cNvSpPr>
+          <p:nvPr>
+            <p:ph idx="1"/>
+          </p:nvPr>
+        </p:nvSpPr>
+        <p:spPr/>
+        <p:txBody>
+          <a:bodyPr/>
+          <a:lstStyle/>
+          <a:p>
+            <a:pPr>
+              <a:buClr>
+                <a:srgbClr val="666666"/>
+              </a:buClr>
+              <a:buSzPct val="45000"/>
+              <a:buFont typeface="StarSymbol"/>
+              <a:buChar char="●"/>
+            </a:pPr>
+            <a:r>
+              <a:rPr lang="en-US" dirty="0" err="1">
+                <a:solidFill>
+                  <a:srgbClr val="000000"/>
+                </a:solidFill>
+                <a:ea typeface="DejaVu Sans" pitchFamily="2"/>
+                <a:cs typeface="DejaVu Sans" pitchFamily="2"/>
+              </a:rPr>
+              <a:t>Важность</a:t>
+            </a:r>
+            <a:r>
+              <a:rPr lang="en-US" dirty="0">
+                <a:solidFill>
+                  <a:srgbClr val="000000"/>
+                </a:solidFill>
+                <a:ea typeface="DejaVu Sans" pitchFamily="2"/>
+                <a:cs typeface="DejaVu Sans" pitchFamily="2"/>
+              </a:rPr>
+              <a:t> </a:t>
+            </a:r>
+            <a:r>
+              <a:rPr lang="en-US" dirty="0" err="1">
+                <a:solidFill>
+                  <a:srgbClr val="000000"/>
+                </a:solidFill>
+                <a:ea typeface="DejaVu Sans" pitchFamily="2"/>
+                <a:cs typeface="DejaVu Sans" pitchFamily="2"/>
+              </a:rPr>
+              <a:t>проведения</a:t>
+            </a:r>
+            <a:r>
+              <a:rPr lang="en-US" dirty="0">
+                <a:solidFill>
+                  <a:srgbClr val="000000"/>
+                </a:solidFill>
+                <a:ea typeface="DejaVu Sans" pitchFamily="2"/>
+                <a:cs typeface="DejaVu Sans" pitchFamily="2"/>
+              </a:rPr>
+              <a:t> </a:t>
+            </a:r>
+            <a:r>
+              <a:rPr lang="en-US" dirty="0" err="1">
+                <a:solidFill>
+                  <a:srgbClr val="000000"/>
+                </a:solidFill>
+                <a:ea typeface="DejaVu Sans" pitchFamily="2"/>
+                <a:cs typeface="DejaVu Sans" pitchFamily="2"/>
+              </a:rPr>
+              <a:t>оптимизаций</a:t>
+            </a:r>
+            <a:endParaRPr lang="en-US" dirty="0">
+              <a:solidFill>
+                <a:srgbClr val="000000"/>
+              </a:solidFill>
+              <a:ea typeface="DejaVu Sans" pitchFamily="2"/>
+              <a:cs typeface="DejaVu Sans" pitchFamily="2"/>
+            </a:endParaRPr>
+          </a:p>
+          <a:p>
+            <a:pPr lvl="1">
+              <a:buClr>
+                <a:srgbClr val="666666"/>
+              </a:buClr>
+              <a:buSzPct val="45000"/>
+              <a:buFont typeface="StarSymbol"/>
+              <a:buChar char="●"/>
+            </a:pPr>
+            <a:r>
               <a:rPr lang="ru-RU" dirty="0">
-                <a:ea typeface="DejaVu Sans" pitchFamily="2"/>
-                <a:cs typeface="DejaVu Sans" pitchFamily="2"/>
-              </a:rPr>
-              <a:t>Инструменты, используемые для оптимизации</a:t>
-            </a:r>
-            <a:endParaRPr lang="ru-RU" dirty="0"/>
+                <a:solidFill>
+                  <a:srgbClr val="000000"/>
+                </a:solidFill>
+                <a:ea typeface="DejaVu Sans" pitchFamily="2"/>
+                <a:cs typeface="DejaVu Sans" pitchFamily="2"/>
+              </a:rPr>
+              <a:t>Оптимизация важна для любого кода</a:t>
+            </a:r>
+          </a:p>
+          <a:p>
+            <a:pPr lvl="0">
+              <a:buClr>
+                <a:srgbClr val="666666"/>
+              </a:buClr>
+              <a:buSzPct val="45000"/>
+              <a:buFont typeface="StarSymbol"/>
+              <a:buChar char="●"/>
+            </a:pPr>
+            <a:r>
+              <a:rPr lang="en-US" dirty="0" err="1">
+                <a:solidFill>
+                  <a:srgbClr val="000000"/>
+                </a:solidFill>
+                <a:ea typeface="DejaVu Sans" pitchFamily="2"/>
+                <a:cs typeface="DejaVu Sans" pitchFamily="2"/>
+              </a:rPr>
+              <a:t>Виды</a:t>
+            </a:r>
+            <a:r>
+              <a:rPr lang="en-US" dirty="0">
+                <a:solidFill>
+                  <a:srgbClr val="000000"/>
+                </a:solidFill>
+                <a:ea typeface="DejaVu Sans" pitchFamily="2"/>
+                <a:cs typeface="DejaVu Sans" pitchFamily="2"/>
+              </a:rPr>
+              <a:t> </a:t>
+            </a:r>
+            <a:r>
+              <a:rPr lang="en-US" dirty="0" err="1">
+                <a:solidFill>
+                  <a:srgbClr val="000000"/>
+                </a:solidFill>
+                <a:ea typeface="DejaVu Sans" pitchFamily="2"/>
+                <a:cs typeface="DejaVu Sans" pitchFamily="2"/>
+              </a:rPr>
+              <a:t>оптимизаций</a:t>
+            </a:r>
+            <a:endParaRPr lang="en-US" dirty="0">
+              <a:solidFill>
+                <a:srgbClr val="000000"/>
+              </a:solidFill>
+              <a:ea typeface="DejaVu Sans" pitchFamily="2"/>
+              <a:cs typeface="DejaVu Sans" pitchFamily="2"/>
+            </a:endParaRPr>
+          </a:p>
+          <a:p>
+            <a:pPr lvl="1">
+              <a:buClr>
+                <a:srgbClr val="666666"/>
+              </a:buClr>
+              <a:buSzPct val="45000"/>
+              <a:buFont typeface="StarSymbol"/>
+              <a:buChar char="●"/>
+            </a:pPr>
+            <a:r>
+              <a:rPr lang="ru-RU" dirty="0">
+                <a:solidFill>
+                  <a:srgbClr val="000000"/>
+                </a:solidFill>
+                <a:ea typeface="DejaVu Sans" pitchFamily="2"/>
+                <a:cs typeface="DejaVu Sans" pitchFamily="2"/>
+              </a:rPr>
+              <a:t>Техническая (тюнинг настроек)</a:t>
+            </a:r>
+          </a:p>
+          <a:p>
+            <a:pPr lvl="1">
+              <a:buClr>
+                <a:srgbClr val="666666"/>
+              </a:buClr>
+              <a:buSzPct val="45000"/>
+              <a:buFont typeface="StarSymbol"/>
+              <a:buChar char="●"/>
+            </a:pPr>
+            <a:r>
+              <a:rPr lang="ru-RU" dirty="0">
+                <a:solidFill>
+                  <a:srgbClr val="000000"/>
+                </a:solidFill>
+                <a:ea typeface="DejaVu Sans" pitchFamily="2"/>
+                <a:cs typeface="DejaVu Sans" pitchFamily="2"/>
+              </a:rPr>
+              <a:t>Логическая (переписывание скрипта)</a:t>
+            </a:r>
+            <a:endParaRPr lang="en-US" dirty="0">
+              <a:solidFill>
+                <a:srgbClr val="000000"/>
+              </a:solidFill>
+              <a:ea typeface="DejaVu Sans" pitchFamily="2"/>
+              <a:cs typeface="DejaVu Sans" pitchFamily="2"/>
+            </a:endParaRPr>
           </a:p>
         </p:txBody>
       </p:sp>
     </p:spTree>
     <p:extLst>
       <p:ext uri="{BB962C8B-B14F-4D97-AF65-F5344CB8AC3E}">
-        <p14:creationId xmlns:p14="http://schemas.microsoft.com/office/powerpoint/2010/main" val="3948856786"/>
+        <p14:creationId xmlns:p14="http://schemas.microsoft.com/office/powerpoint/2010/main" val="983503369"/>
       </p:ext>
     </p:extLst>
   </p:cSld>
@@ -11652,7 +12479,7 @@
           <p:cNvPr id="2" name="Title 1">
             <a:extLst>
               <a:ext uri="{FF2B5EF4-FFF2-40B4-BE49-F238E27FC236}">
-                <a16:creationId xmlns:a16="http://schemas.microsoft.com/office/drawing/2014/main" id="{4BD741BA-2175-49CF-B794-433D65D1439F}"/>
+                <a16:creationId xmlns:a16="http://schemas.microsoft.com/office/drawing/2014/main" id="{BE1292CA-4CE6-4039-946A-FBB997CAE971}"/>
               </a:ext>
             </a:extLst>
           </p:cNvPr>
@@ -11663,236 +12490,33 @@
             <p:ph type="title"/>
           </p:nvPr>
         </p:nvSpPr>
-        <p:spPr/>
-        <p:txBody>
-          <a:bodyPr>
-            <a:normAutofit/>
-          </a:bodyPr>
-          <a:lstStyle/>
-          <a:p>
-            <a:r>
-              <a:rPr lang="en-US" dirty="0">
-                <a:ea typeface="DejaVu Sans" pitchFamily="2"/>
-                <a:cs typeface="DejaVu Sans" pitchFamily="2"/>
-              </a:rPr>
-              <a:t>Оптимизация SQL</a:t>
-            </a:r>
-            <a:br>
-              <a:rPr lang="en-US" dirty="0">
-                <a:ea typeface="DejaVu Sans" pitchFamily="2"/>
-                <a:cs typeface="DejaVu Sans" pitchFamily="2"/>
-              </a:rPr>
-            </a:br>
-            <a:r>
-              <a:rPr lang="en-US" sz="2000" dirty="0">
-                <a:ea typeface="DejaVu Sans" pitchFamily="2"/>
-                <a:cs typeface="DejaVu Sans" pitchFamily="2"/>
-              </a:rPr>
-              <a:t>Инструменты, используемые </a:t>
-            </a:r>
-            <a:r>
-              <a:rPr lang="en-US" sz="2000" dirty="0" err="1">
-                <a:ea typeface="DejaVu Sans" pitchFamily="2"/>
-                <a:cs typeface="DejaVu Sans" pitchFamily="2"/>
-              </a:rPr>
-              <a:t>для</a:t>
-            </a:r>
-            <a:r>
-              <a:rPr lang="en-US" sz="2000" dirty="0">
-                <a:ea typeface="DejaVu Sans" pitchFamily="2"/>
-                <a:cs typeface="DejaVu Sans" pitchFamily="2"/>
-              </a:rPr>
-              <a:t> </a:t>
-            </a:r>
-            <a:r>
-              <a:rPr lang="en-US" sz="2000" dirty="0" err="1">
-                <a:ea typeface="DejaVu Sans" pitchFamily="2"/>
-                <a:cs typeface="DejaVu Sans" pitchFamily="2"/>
-              </a:rPr>
-              <a:t>оптимизации</a:t>
-            </a:r>
-            <a:r>
-              <a:rPr lang="en-US" sz="2000" dirty="0">
-                <a:ea typeface="DejaVu Sans" pitchFamily="2"/>
-                <a:cs typeface="DejaVu Sans" pitchFamily="2"/>
-              </a:rPr>
-              <a:t> – EXPLAIN</a:t>
-            </a:r>
-            <a:endParaRPr lang="ru-RU" dirty="0"/>
-          </a:p>
-        </p:txBody>
-      </p:sp>
-      <p:sp>
-        <p:nvSpPr>
-          <p:cNvPr id="3" name="Content Placeholder 2">
-            <a:extLst>
-              <a:ext uri="{FF2B5EF4-FFF2-40B4-BE49-F238E27FC236}">
-                <a16:creationId xmlns:a16="http://schemas.microsoft.com/office/drawing/2014/main" id="{4A6778CB-C88F-4AEF-902B-E0042B70C420}"/>
-              </a:ext>
-            </a:extLst>
-          </p:cNvPr>
-          <p:cNvSpPr>
-            <a:spLocks noGrp="1"/>
-          </p:cNvSpPr>
-          <p:nvPr>
-            <p:ph idx="1"/>
-          </p:nvPr>
-        </p:nvSpPr>
         <p:spPr>
           <a:xfrm>
-            <a:off x="1063752" y="1799502"/>
-            <a:ext cx="10058400" cy="4050792"/>
+            <a:off x="859783" y="2399929"/>
+            <a:ext cx="10058400" cy="1609344"/>
           </a:xfrm>
         </p:spPr>
         <p:txBody>
           <a:bodyPr>
-            <a:noAutofit/>
+            <a:normAutofit fontScale="90000"/>
           </a:bodyPr>
           <a:lstStyle/>
           <a:p>
-            <a:pPr marL="0" indent="0">
-              <a:buNone/>
-            </a:pPr>
-            <a:r>
-              <a:rPr lang="af-ZA" sz="1400" b="1" dirty="0">
-                <a:solidFill>
-                  <a:srgbClr val="0070C0"/>
-                </a:solidFill>
-              </a:rPr>
-              <a:t>EXPLAIN </a:t>
-            </a:r>
-          </a:p>
-          <a:p>
-            <a:pPr marL="0" indent="0">
-              <a:buNone/>
-            </a:pPr>
-            <a:r>
-              <a:rPr lang="af-ZA" sz="1400" b="1" dirty="0">
-                <a:solidFill>
-                  <a:srgbClr val="0070C0"/>
-                </a:solidFill>
-              </a:rPr>
-              <a:t>SELECT *</a:t>
-            </a:r>
-          </a:p>
-          <a:p>
-            <a:pPr marL="0" indent="0">
-              <a:buNone/>
-            </a:pPr>
-            <a:r>
-              <a:rPr lang="af-ZA" sz="1400" b="1" dirty="0">
-                <a:solidFill>
-                  <a:srgbClr val="0070C0"/>
-                </a:solidFill>
-              </a:rPr>
-              <a:t>FROM block51 a inner join blovk53 b on a.user_id = b.user_id;</a:t>
-            </a:r>
-          </a:p>
-          <a:p>
-            <a:pPr marL="0" indent="0">
-              <a:buNone/>
-            </a:pPr>
-            <a:endParaRPr lang="af-ZA" sz="1400" dirty="0"/>
-          </a:p>
-          <a:p>
-            <a:pPr marL="0" indent="0">
-              <a:buNone/>
-            </a:pPr>
-            <a:r>
-              <a:rPr lang="af-ZA" sz="1400" b="1" dirty="0"/>
-              <a:t>                                        QUERY PLAN</a:t>
-            </a:r>
-          </a:p>
-          <a:p>
-            <a:pPr marL="0" indent="0">
-              <a:buNone/>
-            </a:pPr>
-            <a:r>
-              <a:rPr lang="af-ZA" sz="1400" dirty="0"/>
-              <a:t>------------------------------------------------------------------------------------------</a:t>
-            </a:r>
-          </a:p>
-          <a:p>
-            <a:pPr marL="0" indent="0">
-              <a:buNone/>
-            </a:pPr>
-            <a:r>
-              <a:rPr lang="af-ZA" sz="1400" b="1" dirty="0"/>
-              <a:t> Nested Loop  (cost=4.51..475.91 rows=108 width=103)</a:t>
-            </a:r>
-          </a:p>
-          <a:p>
-            <a:pPr marL="0" indent="0">
-              <a:buNone/>
-            </a:pPr>
-            <a:r>
-              <a:rPr lang="af-ZA" sz="1400" b="1" dirty="0"/>
-              <a:t>  -&gt;  Seq Scan </a:t>
-            </a:r>
-            <a:r>
-              <a:rPr lang="af-ZA" sz="1400" dirty="0"/>
-              <a:t>on block53 b  (cost=0.00..1.10 rows=10 width=76)</a:t>
-            </a:r>
-          </a:p>
-          <a:p>
-            <a:pPr marL="0" indent="0">
-              <a:buNone/>
-            </a:pPr>
-            <a:r>
-              <a:rPr lang="af-ZA" sz="1400" b="1" dirty="0"/>
-              <a:t>  -&gt;  Bitmap Heap Scan </a:t>
-            </a:r>
-            <a:r>
-              <a:rPr lang="af-ZA" sz="1400" dirty="0"/>
-              <a:t>on block51 a  (cost=4.51..47.37 rows=11 width=27)</a:t>
-            </a:r>
-          </a:p>
-          <a:p>
-            <a:pPr marL="0" indent="0">
-              <a:buNone/>
-            </a:pPr>
-            <a:r>
-              <a:rPr lang="af-ZA" sz="1400" b="1" dirty="0"/>
-              <a:t>        Recheck Cond: </a:t>
-            </a:r>
-            <a:r>
-              <a:rPr lang="af-ZA" sz="1400" dirty="0"/>
-              <a:t>(user_id = b.user_id)</a:t>
-            </a:r>
-          </a:p>
-          <a:p>
-            <a:pPr marL="0" indent="0">
-              <a:buNone/>
-            </a:pPr>
-            <a:r>
-              <a:rPr lang="af-ZA" sz="1400" b="1" dirty="0"/>
-              <a:t>        -&gt;  Bitmap Index Scan </a:t>
-            </a:r>
-            <a:r>
-              <a:rPr lang="af-ZA" sz="1400" dirty="0"/>
-              <a:t>on block11_tst  (cost=0.00..4.51 rows=11 width=0)</a:t>
-            </a:r>
-          </a:p>
-          <a:p>
-            <a:pPr marL="0" indent="0">
-              <a:buNone/>
-            </a:pPr>
-            <a:r>
-              <a:rPr lang="af-ZA" sz="1400" b="1" dirty="0"/>
-              <a:t>              Index Cond: </a:t>
-            </a:r>
-            <a:r>
-              <a:rPr lang="af-ZA" sz="1400" dirty="0"/>
-              <a:t>(user_id = b.user_id)</a:t>
-            </a:r>
-            <a:endParaRPr lang="ru-RU" sz="1400" dirty="0"/>
+            <a:r>
+              <a:rPr lang="ru-RU" dirty="0">
+                <a:ea typeface="DejaVu Sans" pitchFamily="2"/>
+                <a:cs typeface="DejaVu Sans" pitchFamily="2"/>
+              </a:rPr>
+              <a:t>Инструменты, используемые для оптимизации</a:t>
+            </a:r>
+            <a:endParaRPr lang="ru-RU" dirty="0"/>
           </a:p>
         </p:txBody>
       </p:sp>
     </p:spTree>
     <p:extLst>
       <p:ext uri="{BB962C8B-B14F-4D97-AF65-F5344CB8AC3E}">
-        <p14:creationId xmlns:p14="http://schemas.microsoft.com/office/powerpoint/2010/main" val="3272846900"/>
+        <p14:creationId xmlns:p14="http://schemas.microsoft.com/office/powerpoint/2010/main" val="3948856786"/>
       </p:ext>
     </p:extLst>
   </p:cSld>
@@ -11988,7 +12612,7 @@
                 <a:ea typeface="DejaVu Sans" pitchFamily="2"/>
                 <a:cs typeface="DejaVu Sans" pitchFamily="2"/>
               </a:rPr>
-              <a:t> – EXPLAIN ANALYSE</a:t>
+              <a:t> – EXPLAIN</a:t>
             </a:r>
             <a:endParaRPr lang="ru-RU" dirty="0"/>
           </a:p>
@@ -12012,6 +12636,278 @@
         </p:nvSpPr>
         <p:spPr>
           <a:xfrm>
+            <a:off x="1063752" y="1799502"/>
+            <a:ext cx="10058400" cy="4050792"/>
+          </a:xfrm>
+        </p:spPr>
+        <p:txBody>
+          <a:bodyPr>
+            <a:noAutofit/>
+          </a:bodyPr>
+          <a:lstStyle/>
+          <a:p>
+            <a:pPr marL="0" indent="0">
+              <a:buNone/>
+            </a:pPr>
+            <a:r>
+              <a:rPr lang="af-ZA" sz="1400" b="1" dirty="0">
+                <a:solidFill>
+                  <a:srgbClr val="0070C0"/>
+                </a:solidFill>
+              </a:rPr>
+              <a:t>EXPLAIN </a:t>
+            </a:r>
+          </a:p>
+          <a:p>
+            <a:pPr marL="0" indent="0">
+              <a:buNone/>
+            </a:pPr>
+            <a:r>
+              <a:rPr lang="af-ZA" sz="1400" b="1" dirty="0">
+                <a:solidFill>
+                  <a:srgbClr val="0070C0"/>
+                </a:solidFill>
+              </a:rPr>
+              <a:t>SELECT *</a:t>
+            </a:r>
+          </a:p>
+          <a:p>
+            <a:pPr marL="0" indent="0">
+              <a:buNone/>
+            </a:pPr>
+            <a:r>
+              <a:rPr lang="af-ZA" sz="1400" b="1" dirty="0">
+                <a:solidFill>
+                  <a:srgbClr val="0070C0"/>
+                </a:solidFill>
+              </a:rPr>
+              <a:t>FROM block51 a inner join blovk53 b on a.user_id = b.user_id;</a:t>
+            </a:r>
+          </a:p>
+          <a:p>
+            <a:pPr marL="0" indent="0">
+              <a:buNone/>
+            </a:pPr>
+            <a:endParaRPr lang="af-ZA" sz="1400" dirty="0"/>
+          </a:p>
+          <a:p>
+            <a:pPr marL="0" indent="0">
+              <a:buNone/>
+            </a:pPr>
+            <a:r>
+              <a:rPr lang="af-ZA" sz="1400" b="1" dirty="0"/>
+              <a:t>                                        QUERY PLAN</a:t>
+            </a:r>
+          </a:p>
+          <a:p>
+            <a:pPr marL="0" indent="0">
+              <a:buNone/>
+            </a:pPr>
+            <a:r>
+              <a:rPr lang="af-ZA" sz="1400" dirty="0"/>
+              <a:t>------------------------------------------------------------------------------------------</a:t>
+            </a:r>
+          </a:p>
+          <a:p>
+            <a:pPr marL="0" indent="0">
+              <a:buNone/>
+            </a:pPr>
+            <a:r>
+              <a:rPr lang="af-ZA" sz="1400" b="1" dirty="0"/>
+              <a:t> Nested Loop  (cost=4.51..475.91 rows=108 width=103)</a:t>
+            </a:r>
+          </a:p>
+          <a:p>
+            <a:pPr marL="0" indent="0">
+              <a:buNone/>
+            </a:pPr>
+            <a:r>
+              <a:rPr lang="af-ZA" sz="1400" b="1" dirty="0"/>
+              <a:t>  -&gt;  Seq Scan </a:t>
+            </a:r>
+            <a:r>
+              <a:rPr lang="af-ZA" sz="1400" dirty="0"/>
+              <a:t>on block53 b  (cost=0.00..1.10 rows=10 width=76)</a:t>
+            </a:r>
+          </a:p>
+          <a:p>
+            <a:pPr marL="0" indent="0">
+              <a:buNone/>
+            </a:pPr>
+            <a:r>
+              <a:rPr lang="af-ZA" sz="1400" b="1" dirty="0"/>
+              <a:t>  -&gt;  Bitmap Heap Scan </a:t>
+            </a:r>
+            <a:r>
+              <a:rPr lang="af-ZA" sz="1400" dirty="0"/>
+              <a:t>on block51 a  (cost=4.51..47.37 rows=11 width=27)</a:t>
+            </a:r>
+          </a:p>
+          <a:p>
+            <a:pPr marL="0" indent="0">
+              <a:buNone/>
+            </a:pPr>
+            <a:r>
+              <a:rPr lang="af-ZA" sz="1400" b="1" dirty="0"/>
+              <a:t>        Recheck Cond: </a:t>
+            </a:r>
+            <a:r>
+              <a:rPr lang="af-ZA" sz="1400" dirty="0"/>
+              <a:t>(user_id = b.user_id)</a:t>
+            </a:r>
+          </a:p>
+          <a:p>
+            <a:pPr marL="0" indent="0">
+              <a:buNone/>
+            </a:pPr>
+            <a:r>
+              <a:rPr lang="af-ZA" sz="1400" b="1" dirty="0"/>
+              <a:t>        -&gt;  Bitmap Index Scan </a:t>
+            </a:r>
+            <a:r>
+              <a:rPr lang="af-ZA" sz="1400" dirty="0"/>
+              <a:t>on block11_tst  (cost=0.00..4.51 rows=11 width=0)</a:t>
+            </a:r>
+          </a:p>
+          <a:p>
+            <a:pPr marL="0" indent="0">
+              <a:buNone/>
+            </a:pPr>
+            <a:r>
+              <a:rPr lang="af-ZA" sz="1400" b="1" dirty="0"/>
+              <a:t>              Index Cond: </a:t>
+            </a:r>
+            <a:r>
+              <a:rPr lang="af-ZA" sz="1400" dirty="0"/>
+              <a:t>(user_id = b.user_id)</a:t>
+            </a:r>
+            <a:endParaRPr lang="ru-RU" sz="1400" dirty="0"/>
+          </a:p>
+        </p:txBody>
+      </p:sp>
+    </p:spTree>
+    <p:extLst>
+      <p:ext uri="{BB962C8B-B14F-4D97-AF65-F5344CB8AC3E}">
+        <p14:creationId xmlns:p14="http://schemas.microsoft.com/office/powerpoint/2010/main" val="3272846900"/>
+      </p:ext>
+    </p:extLst>
+  </p:cSld>
+  <p:clrMapOvr>
+    <a:masterClrMapping/>
+  </p:clrMapOvr>
+</p:sld>
+</file>
+
+<file path=ppt/slides/slide8.xml><?xml version="1.0" encoding="utf-8"?>
+<p:sld xmlns:a="http://schemas.openxmlformats.org/drawingml/2006/main" xmlns:r="http://schemas.openxmlformats.org/officeDocument/2006/relationships" xmlns:p="http://schemas.openxmlformats.org/presentationml/2006/main">
+  <p:cSld>
+    <p:spTree>
+      <p:nvGrpSpPr>
+        <p:cNvPr id="1" name=""/>
+        <p:cNvGrpSpPr/>
+        <p:nvPr/>
+      </p:nvGrpSpPr>
+      <p:grpSpPr>
+        <a:xfrm>
+          <a:off x="0" y="0"/>
+          <a:ext cx="0" cy="0"/>
+          <a:chOff x="0" y="0"/>
+          <a:chExt cx="0" cy="0"/>
+        </a:xfrm>
+      </p:grpSpPr>
+      <p:sp>
+        <p:nvSpPr>
+          <p:cNvPr id="2" name="Title 1">
+            <a:extLst>
+              <a:ext uri="{FF2B5EF4-FFF2-40B4-BE49-F238E27FC236}">
+                <a16:creationId xmlns:a16="http://schemas.microsoft.com/office/drawing/2014/main" id="{4BD741BA-2175-49CF-B794-433D65D1439F}"/>
+              </a:ext>
+            </a:extLst>
+          </p:cNvPr>
+          <p:cNvSpPr>
+            <a:spLocks noGrp="1"/>
+          </p:cNvSpPr>
+          <p:nvPr>
+            <p:ph type="title"/>
+          </p:nvPr>
+        </p:nvSpPr>
+        <p:spPr/>
+        <p:txBody>
+          <a:bodyPr>
+            <a:normAutofit/>
+          </a:bodyPr>
+          <a:lstStyle/>
+          <a:p>
+            <a:r>
+              <a:rPr lang="en-US" dirty="0">
+                <a:ea typeface="DejaVu Sans" pitchFamily="2"/>
+                <a:cs typeface="DejaVu Sans" pitchFamily="2"/>
+              </a:rPr>
+              <a:t>Оптимизация SQL</a:t>
+            </a:r>
+            <a:br>
+              <a:rPr lang="en-US" dirty="0">
+                <a:ea typeface="DejaVu Sans" pitchFamily="2"/>
+                <a:cs typeface="DejaVu Sans" pitchFamily="2"/>
+              </a:rPr>
+            </a:br>
+            <a:r>
+              <a:rPr lang="en-US" sz="2000" dirty="0">
+                <a:ea typeface="DejaVu Sans" pitchFamily="2"/>
+                <a:cs typeface="DejaVu Sans" pitchFamily="2"/>
+              </a:rPr>
+              <a:t>Инструменты, используемые </a:t>
+            </a:r>
+            <a:r>
+              <a:rPr lang="en-US" sz="2000" dirty="0" err="1">
+                <a:ea typeface="DejaVu Sans" pitchFamily="2"/>
+                <a:cs typeface="DejaVu Sans" pitchFamily="2"/>
+              </a:rPr>
+              <a:t>для</a:t>
+            </a:r>
+            <a:r>
+              <a:rPr lang="en-US" sz="2000" dirty="0">
+                <a:ea typeface="DejaVu Sans" pitchFamily="2"/>
+                <a:cs typeface="DejaVu Sans" pitchFamily="2"/>
+              </a:rPr>
+              <a:t> </a:t>
+            </a:r>
+            <a:r>
+              <a:rPr lang="en-US" sz="2000" dirty="0" err="1">
+                <a:ea typeface="DejaVu Sans" pitchFamily="2"/>
+                <a:cs typeface="DejaVu Sans" pitchFamily="2"/>
+              </a:rPr>
+              <a:t>оптимизации</a:t>
+            </a:r>
+            <a:r>
+              <a:rPr lang="en-US" sz="2000" dirty="0">
+                <a:ea typeface="DejaVu Sans" pitchFamily="2"/>
+                <a:cs typeface="DejaVu Sans" pitchFamily="2"/>
+              </a:rPr>
+              <a:t> – EXPLAIN ANALYSE</a:t>
+            </a:r>
+            <a:endParaRPr lang="ru-RU" dirty="0"/>
+          </a:p>
+        </p:txBody>
+      </p:sp>
+      <p:sp>
+        <p:nvSpPr>
+          <p:cNvPr id="3" name="Content Placeholder 2">
+            <a:extLst>
+              <a:ext uri="{FF2B5EF4-FFF2-40B4-BE49-F238E27FC236}">
+                <a16:creationId xmlns:a16="http://schemas.microsoft.com/office/drawing/2014/main" id="{4A6778CB-C88F-4AEF-902B-E0042B70C420}"/>
+              </a:ext>
+            </a:extLst>
+          </p:cNvPr>
+          <p:cNvSpPr>
+            <a:spLocks noGrp="1"/>
+          </p:cNvSpPr>
+          <p:nvPr>
+            <p:ph idx="1"/>
+          </p:nvPr>
+        </p:nvSpPr>
+        <p:spPr>
+          <a:xfrm>
             <a:off x="1066800" y="1863090"/>
             <a:ext cx="10058400" cy="5097780"/>
           </a:xfrm>
@@ -12277,7 +13173,7 @@
 </p:sld>
 </file>
 
-<file path=ppt/slides/slide8.xml><?xml version="1.0" encoding="utf-8"?>
+<file path=ppt/slides/slide9.xml><?xml version="1.0" encoding="utf-8"?>
 <p:sld xmlns:a="http://schemas.openxmlformats.org/drawingml/2006/main" xmlns:r="http://schemas.openxmlformats.org/officeDocument/2006/relationships" xmlns:p="http://schemas.openxmlformats.org/presentationml/2006/main">
   <p:cSld>
     <p:spTree>
@@ -12488,212 +13384,6 @@
     <p:extLst>
       <p:ext uri="{BB962C8B-B14F-4D97-AF65-F5344CB8AC3E}">
         <p14:creationId xmlns:p14="http://schemas.microsoft.com/office/powerpoint/2010/main" val="4061013821"/>
-      </p:ext>
-    </p:extLst>
-  </p:cSld>
-  <p:clrMapOvr>
-    <a:masterClrMapping/>
-  </p:clrMapOvr>
-</p:sld>
-</file>
-
-<file path=ppt/slides/slide9.xml><?xml version="1.0" encoding="utf-8"?>
-<p:sld xmlns:a="http://schemas.openxmlformats.org/drawingml/2006/main" xmlns:r="http://schemas.openxmlformats.org/officeDocument/2006/relationships" xmlns:p="http://schemas.openxmlformats.org/presentationml/2006/main">
-  <p:cSld>
-    <p:spTree>
-      <p:nvGrpSpPr>
-        <p:cNvPr id="1" name=""/>
-        <p:cNvGrpSpPr/>
-        <p:nvPr/>
-      </p:nvGrpSpPr>
-      <p:grpSpPr>
-        <a:xfrm>
-          <a:off x="0" y="0"/>
-          <a:ext cx="0" cy="0"/>
-          <a:chOff x="0" y="0"/>
-          <a:chExt cx="0" cy="0"/>
-        </a:xfrm>
-      </p:grpSpPr>
-      <p:sp>
-        <p:nvSpPr>
-          <p:cNvPr id="2" name="Title 1">
-            <a:extLst>
-              <a:ext uri="{FF2B5EF4-FFF2-40B4-BE49-F238E27FC236}">
-                <a16:creationId xmlns:a16="http://schemas.microsoft.com/office/drawing/2014/main" id="{B2BB2CBB-F232-46A8-847B-44FB06F53B68}"/>
-              </a:ext>
-            </a:extLst>
-          </p:cNvPr>
-          <p:cNvSpPr>
-            <a:spLocks noGrp="1"/>
-          </p:cNvSpPr>
-          <p:nvPr>
-            <p:ph type="title"/>
-          </p:nvPr>
-        </p:nvSpPr>
-        <p:spPr/>
-        <p:txBody>
-          <a:bodyPr>
-            <a:normAutofit/>
-          </a:bodyPr>
-          <a:lstStyle/>
-          <a:p>
-            <a:r>
-              <a:rPr lang="en-US" dirty="0">
-                <a:ea typeface="DejaVu Sans" pitchFamily="2"/>
-                <a:cs typeface="DejaVu Sans" pitchFamily="2"/>
-              </a:rPr>
-              <a:t>Оптимизация SQL</a:t>
-            </a:r>
-            <a:br>
-              <a:rPr lang="en-US" dirty="0">
-                <a:ea typeface="DejaVu Sans" pitchFamily="2"/>
-                <a:cs typeface="DejaVu Sans" pitchFamily="2"/>
-              </a:rPr>
-            </a:br>
-            <a:r>
-              <a:rPr lang="en-US" sz="1600" dirty="0">
-                <a:ea typeface="DejaVu Sans" pitchFamily="2"/>
-                <a:cs typeface="DejaVu Sans" pitchFamily="2"/>
-              </a:rPr>
-              <a:t>Инструменты, используемые </a:t>
-            </a:r>
-            <a:r>
-              <a:rPr lang="en-US" sz="1600" dirty="0" err="1">
-                <a:ea typeface="DejaVu Sans" pitchFamily="2"/>
-                <a:cs typeface="DejaVu Sans" pitchFamily="2"/>
-              </a:rPr>
-              <a:t>для</a:t>
-            </a:r>
-            <a:r>
-              <a:rPr lang="en-US" sz="1600" dirty="0">
-                <a:ea typeface="DejaVu Sans" pitchFamily="2"/>
-                <a:cs typeface="DejaVu Sans" pitchFamily="2"/>
-              </a:rPr>
-              <a:t> </a:t>
-            </a:r>
-            <a:r>
-              <a:rPr lang="en-US" sz="1600" dirty="0" err="1">
-                <a:ea typeface="DejaVu Sans" pitchFamily="2"/>
-                <a:cs typeface="DejaVu Sans" pitchFamily="2"/>
-              </a:rPr>
-              <a:t>оптимизации</a:t>
-            </a:r>
-            <a:r>
-              <a:rPr lang="en-US" sz="1600" dirty="0">
-                <a:ea typeface="DejaVu Sans" pitchFamily="2"/>
-                <a:cs typeface="DejaVu Sans" pitchFamily="2"/>
-              </a:rPr>
-              <a:t> - </a:t>
-            </a:r>
-            <a:r>
-              <a:rPr lang="ru-RU" sz="1600" dirty="0">
-                <a:ea typeface="DejaVu Sans" pitchFamily="2"/>
-                <a:cs typeface="DejaVu Sans" pitchFamily="2"/>
-              </a:rPr>
-              <a:t>метрики</a:t>
-            </a:r>
-            <a:endParaRPr lang="ru-RU" dirty="0"/>
-          </a:p>
-        </p:txBody>
-      </p:sp>
-      <p:sp>
-        <p:nvSpPr>
-          <p:cNvPr id="3" name="Content Placeholder 2">
-            <a:extLst>
-              <a:ext uri="{FF2B5EF4-FFF2-40B4-BE49-F238E27FC236}">
-                <a16:creationId xmlns:a16="http://schemas.microsoft.com/office/drawing/2014/main" id="{2ED92D86-BF6C-48EF-B15D-D8CC13D95568}"/>
-              </a:ext>
-            </a:extLst>
-          </p:cNvPr>
-          <p:cNvSpPr>
-            <a:spLocks noGrp="1"/>
-          </p:cNvSpPr>
-          <p:nvPr>
-            <p:ph idx="1"/>
-          </p:nvPr>
-        </p:nvSpPr>
-        <p:spPr>
-          <a:xfrm>
-            <a:off x="7474712" y="954155"/>
-            <a:ext cx="4717288" cy="4050792"/>
-          </a:xfrm>
-        </p:spPr>
-        <p:txBody>
-          <a:bodyPr/>
-          <a:lstStyle/>
-          <a:p>
-            <a:r>
-              <a:rPr lang="en-US" dirty="0">
-                <a:solidFill>
-                  <a:srgbClr val="000000"/>
-                </a:solidFill>
-                <a:ea typeface="DejaVu Sans" pitchFamily="2"/>
-                <a:cs typeface="DejaVu Sans" pitchFamily="2"/>
-              </a:rPr>
-              <a:t>Пример метрик</a:t>
-            </a:r>
-            <a:r>
-              <a:rPr lang="ru-RU" dirty="0">
-                <a:solidFill>
-                  <a:srgbClr val="000000"/>
-                </a:solidFill>
-                <a:ea typeface="DejaVu Sans" pitchFamily="2"/>
-                <a:cs typeface="DejaVu Sans" pitchFamily="2"/>
-              </a:rPr>
-              <a:t> (</a:t>
-            </a:r>
-            <a:r>
-              <a:rPr lang="en-US" dirty="0">
-                <a:solidFill>
-                  <a:srgbClr val="000000"/>
-                </a:solidFill>
-                <a:ea typeface="DejaVu Sans" pitchFamily="2"/>
-                <a:cs typeface="DejaVu Sans" pitchFamily="2"/>
-              </a:rPr>
-              <a:t>Teradata ViewPoint)</a:t>
-            </a:r>
-          </a:p>
-        </p:txBody>
-      </p:sp>
-      <p:pic>
-        <p:nvPicPr>
-          <p:cNvPr id="4" name="Picture 3" descr="Teradata Viewpoint 15.00 Release Article | Teradata Downloads">
-            <a:extLst>
-              <a:ext uri="{FF2B5EF4-FFF2-40B4-BE49-F238E27FC236}">
-                <a16:creationId xmlns:a16="http://schemas.microsoft.com/office/drawing/2014/main" id="{ED16FA99-C068-41EA-82F3-C06265A8F32E}"/>
-              </a:ext>
-            </a:extLst>
-          </p:cNvPr>
-          <p:cNvPicPr>
-            <a:picLocks noChangeAspect="1"/>
-          </p:cNvPicPr>
-          <p:nvPr/>
-        </p:nvPicPr>
-        <p:blipFill>
-          <a:blip r:embed="rId2"/>
-          <a:srcRect/>
-          <a:stretch>
-            <a:fillRect/>
-          </a:stretch>
-        </p:blipFill>
-        <p:spPr>
-          <a:xfrm>
-            <a:off x="1063752" y="1766133"/>
-            <a:ext cx="9062720" cy="4959787"/>
-          </a:xfrm>
-          <a:prstGeom prst="rect">
-            <a:avLst/>
-          </a:prstGeom>
-          <a:noFill/>
-          <a:ln cap="flat">
-            <a:noFill/>
-          </a:ln>
-        </p:spPr>
-      </p:pic>
-    </p:spTree>
-    <p:extLst>
-      <p:ext uri="{BB962C8B-B14F-4D97-AF65-F5344CB8AC3E}">
-        <p14:creationId xmlns:p14="http://schemas.microsoft.com/office/powerpoint/2010/main" val="253891946"/>
       </p:ext>
     </p:extLst>
   </p:cSld>
